--- a/ppt/2022-6-11.pptx
+++ b/ppt/2022-6-11.pptx
@@ -5,20 +5,23 @@
     <p:sldMasterId id="2147483648" r:id="rId1"/>
   </p:sldMasterIdLst>
   <p:notesMasterIdLst>
-    <p:notesMasterId r:id="rId13"/>
+    <p:notesMasterId r:id="rId4"/>
   </p:notesMasterIdLst>
   <p:sldIdLst>
-    <p:sldId id="279" r:id="rId2"/>
-    <p:sldId id="340" r:id="rId3"/>
-    <p:sldId id="419" r:id="rId4"/>
-    <p:sldId id="460" r:id="rId5"/>
-    <p:sldId id="461" r:id="rId6"/>
-    <p:sldId id="462" r:id="rId7"/>
-    <p:sldId id="449" r:id="rId8"/>
-    <p:sldId id="463" r:id="rId9"/>
-    <p:sldId id="464" r:id="rId10"/>
-    <p:sldId id="465" r:id="rId11"/>
-    <p:sldId id="314" r:id="rId12"/>
+    <p:sldId id="279" r:id="rId3"/>
+    <p:sldId id="340" r:id="rId5"/>
+    <p:sldId id="419" r:id="rId6"/>
+    <p:sldId id="460" r:id="rId7"/>
+    <p:sldId id="461" r:id="rId8"/>
+    <p:sldId id="462" r:id="rId9"/>
+    <p:sldId id="449" r:id="rId10"/>
+    <p:sldId id="468" r:id="rId11"/>
+    <p:sldId id="469" r:id="rId12"/>
+    <p:sldId id="470" r:id="rId13"/>
+    <p:sldId id="471" r:id="rId14"/>
+    <p:sldId id="464" r:id="rId15"/>
+    <p:sldId id="465" r:id="rId16"/>
+    <p:sldId id="314" r:id="rId17"/>
   </p:sldIdLst>
   <p:sldSz cx="12192000" cy="6858000"/>
   <p:notesSz cx="6858000" cy="9144000"/>
@@ -129,32 +132,16 @@
             <p14:sldId id="461"/>
             <p14:sldId id="462"/>
             <p14:sldId id="449"/>
-            <p14:sldId id="463"/>
+            <p14:sldId id="469"/>
+            <p14:sldId id="470"/>
+            <p14:sldId id="471"/>
             <p14:sldId id="464"/>
             <p14:sldId id="465"/>
             <p14:sldId id="314"/>
+            <p14:sldId id="468"/>
           </p14:sldIdLst>
         </p14:section>
       </p14:sectionLst>
-    </p:ext>
-    <p:ext uri="{EFAFB233-063F-42B5-8137-9DF3F51BA10A}">
-      <p15:sldGuideLst xmlns:p15="http://schemas.microsoft.com/office/powerpoint/2012/main">
-        <p15:guide id="1" orient="horz" pos="1135">
-          <p15:clr>
-            <a:srgbClr val="A4A3A4"/>
-          </p15:clr>
-        </p15:guide>
-        <p15:guide id="2" pos="701">
-          <p15:clr>
-            <a:srgbClr val="A4A3A4"/>
-          </p15:clr>
-        </p15:guide>
-        <p15:guide id="3" pos="6947">
-          <p15:clr>
-            <a:srgbClr val="A4A3A4"/>
-          </p15:clr>
-        </p15:guide>
-      </p15:sldGuideLst>
     </p:ext>
   </p:extLst>
 </p:presentation>
@@ -248,7 +235,6 @@
           <a:p>
             <a:fld id="{DE75668F-B37B-164D-A62C-3FF5A8BC808F}" type="datetimeFigureOut">
               <a:rPr lang="en-US" smtClean="0"/>
-              <a:t>6/9/22</a:t>
             </a:fld>
             <a:endParaRPr lang="en-US"/>
           </a:p>
@@ -315,6 +301,7 @@
               <a:rPr lang="en-US" altLang="zh-CN"/>
               <a:t>Click to edit Master text styles</a:t>
             </a:r>
+            <a:endParaRPr lang="en-US" altLang="zh-CN"/>
           </a:p>
           <a:p>
             <a:pPr lvl="1"/>
@@ -322,6 +309,7 @@
               <a:rPr lang="en-US" altLang="zh-CN"/>
               <a:t>Second level</a:t>
             </a:r>
+            <a:endParaRPr lang="en-US" altLang="zh-CN"/>
           </a:p>
           <a:p>
             <a:pPr lvl="2"/>
@@ -329,6 +317,7 @@
               <a:rPr lang="en-US" altLang="zh-CN"/>
               <a:t>Third level</a:t>
             </a:r>
+            <a:endParaRPr lang="en-US" altLang="zh-CN"/>
           </a:p>
           <a:p>
             <a:pPr lvl="3"/>
@@ -336,6 +325,7 @@
               <a:rPr lang="en-US" altLang="zh-CN"/>
               <a:t>Fourth level</a:t>
             </a:r>
+            <a:endParaRPr lang="en-US" altLang="zh-CN"/>
           </a:p>
           <a:p>
             <a:pPr lvl="4"/>
@@ -407,7 +397,6 @@
           <a:p>
             <a:fld id="{09FAC59A-2554-7441-A138-FBAFD49FADCF}" type="slidenum">
               <a:rPr lang="en-US" smtClean="0"/>
-              <a:t>‹#›</a:t>
             </a:fld>
             <a:endParaRPr lang="en-US"/>
           </a:p>
@@ -597,7 +586,6 @@
           <a:p>
             <a:fld id="{09FAC59A-2554-7441-A138-FBAFD49FADCF}" type="slidenum">
               <a:rPr lang="en-US" smtClean="0"/>
-              <a:t>1</a:t>
             </a:fld>
             <a:endParaRPr lang="en-US"/>
           </a:p>
@@ -681,18 +669,12 @@
           <a:p>
             <a:fld id="{09FAC59A-2554-7441-A138-FBAFD49FADCF}" type="slidenum">
               <a:rPr lang="en-US" smtClean="0"/>
-              <a:t>10</a:t>
             </a:fld>
             <a:endParaRPr lang="en-US"/>
           </a:p>
         </p:txBody>
       </p:sp>
     </p:spTree>
-    <p:extLst>
-      <p:ext uri="{BB962C8B-B14F-4D97-AF65-F5344CB8AC3E}">
-        <p14:creationId xmlns:p14="http://schemas.microsoft.com/office/powerpoint/2010/main" val="1702297823"/>
-      </p:ext>
-    </p:extLst>
   </p:cSld>
   <p:clrMapOvr>
     <a:masterClrMapping/>
@@ -749,7 +731,7 @@
           <a:bodyPr/>
           <a:lstStyle/>
           <a:p>
-            <a:endParaRPr kumimoji="1" lang="zh-CN" altLang="en-US" sz="2400" dirty="0"/>
+            <a:endParaRPr lang="en-US" altLang="zh-CN" sz="2400" dirty="0"/>
           </a:p>
         </p:txBody>
       </p:sp>
@@ -770,7 +752,255 @@
           <a:p>
             <a:fld id="{09FAC59A-2554-7441-A138-FBAFD49FADCF}" type="slidenum">
               <a:rPr lang="en-US" smtClean="0"/>
-              <a:t>11</a:t>
+            </a:fld>
+            <a:endParaRPr lang="en-US"/>
+          </a:p>
+        </p:txBody>
+      </p:sp>
+    </p:spTree>
+  </p:cSld>
+  <p:clrMapOvr>
+    <a:masterClrMapping/>
+  </p:clrMapOvr>
+</p:notes>
+</file>
+
+<file path=ppt/notesSlides/notesSlide12.xml><?xml version="1.0" encoding="utf-8"?>
+<p:notes xmlns:a="http://schemas.openxmlformats.org/drawingml/2006/main" xmlns:r="http://schemas.openxmlformats.org/officeDocument/2006/relationships" xmlns:p="http://schemas.openxmlformats.org/presentationml/2006/main">
+  <p:cSld>
+    <p:spTree>
+      <p:nvGrpSpPr>
+        <p:cNvPr id="1" name=""/>
+        <p:cNvGrpSpPr/>
+        <p:nvPr/>
+      </p:nvGrpSpPr>
+      <p:grpSpPr>
+        <a:xfrm>
+          <a:off x="0" y="0"/>
+          <a:ext cx="0" cy="0"/>
+          <a:chOff x="0" y="0"/>
+          <a:chExt cx="0" cy="0"/>
+        </a:xfrm>
+      </p:grpSpPr>
+      <p:sp>
+        <p:nvSpPr>
+          <p:cNvPr id="2" name="幻灯片图像占位符 1"/>
+          <p:cNvSpPr>
+            <a:spLocks noGrp="1" noRot="1" noChangeAspect="1"/>
+          </p:cNvSpPr>
+          <p:nvPr>
+            <p:ph type="sldImg"/>
+          </p:nvPr>
+        </p:nvSpPr>
+        <p:spPr>
+          <a:xfrm>
+            <a:off x="685800" y="1143000"/>
+            <a:ext cx="5486400" cy="3086100"/>
+          </a:xfrm>
+        </p:spPr>
+      </p:sp>
+      <p:sp>
+        <p:nvSpPr>
+          <p:cNvPr id="3" name="备注占位符 2"/>
+          <p:cNvSpPr>
+            <a:spLocks noGrp="1"/>
+          </p:cNvSpPr>
+          <p:nvPr>
+            <p:ph type="body" idx="1"/>
+          </p:nvPr>
+        </p:nvSpPr>
+        <p:spPr/>
+        <p:txBody>
+          <a:bodyPr/>
+          <a:lstStyle/>
+          <a:p>
+            <a:endParaRPr lang="en-US" altLang="zh-CN" sz="2400" dirty="0"/>
+          </a:p>
+        </p:txBody>
+      </p:sp>
+      <p:sp>
+        <p:nvSpPr>
+          <p:cNvPr id="4" name="幻灯片编号占位符 3"/>
+          <p:cNvSpPr>
+            <a:spLocks noGrp="1"/>
+          </p:cNvSpPr>
+          <p:nvPr>
+            <p:ph type="sldNum" sz="quarter" idx="10"/>
+          </p:nvPr>
+        </p:nvSpPr>
+        <p:spPr/>
+        <p:txBody>
+          <a:bodyPr/>
+          <a:lstStyle/>
+          <a:p>
+            <a:fld id="{09FAC59A-2554-7441-A138-FBAFD49FADCF}" type="slidenum">
+              <a:rPr lang="en-US" smtClean="0"/>
+            </a:fld>
+            <a:endParaRPr lang="en-US"/>
+          </a:p>
+        </p:txBody>
+      </p:sp>
+    </p:spTree>
+  </p:cSld>
+  <p:clrMapOvr>
+    <a:masterClrMapping/>
+  </p:clrMapOvr>
+</p:notes>
+</file>
+
+<file path=ppt/notesSlides/notesSlide13.xml><?xml version="1.0" encoding="utf-8"?>
+<p:notes xmlns:a="http://schemas.openxmlformats.org/drawingml/2006/main" xmlns:r="http://schemas.openxmlformats.org/officeDocument/2006/relationships" xmlns:p="http://schemas.openxmlformats.org/presentationml/2006/main">
+  <p:cSld>
+    <p:spTree>
+      <p:nvGrpSpPr>
+        <p:cNvPr id="1" name=""/>
+        <p:cNvGrpSpPr/>
+        <p:nvPr/>
+      </p:nvGrpSpPr>
+      <p:grpSpPr>
+        <a:xfrm>
+          <a:off x="0" y="0"/>
+          <a:ext cx="0" cy="0"/>
+          <a:chOff x="0" y="0"/>
+          <a:chExt cx="0" cy="0"/>
+        </a:xfrm>
+      </p:grpSpPr>
+      <p:sp>
+        <p:nvSpPr>
+          <p:cNvPr id="2" name="幻灯片图像占位符 1"/>
+          <p:cNvSpPr>
+            <a:spLocks noGrp="1" noRot="1" noChangeAspect="1"/>
+          </p:cNvSpPr>
+          <p:nvPr>
+            <p:ph type="sldImg"/>
+          </p:nvPr>
+        </p:nvSpPr>
+        <p:spPr>
+          <a:xfrm>
+            <a:off x="685800" y="1143000"/>
+            <a:ext cx="5486400" cy="3086100"/>
+          </a:xfrm>
+        </p:spPr>
+      </p:sp>
+      <p:sp>
+        <p:nvSpPr>
+          <p:cNvPr id="3" name="备注占位符 2"/>
+          <p:cNvSpPr>
+            <a:spLocks noGrp="1"/>
+          </p:cNvSpPr>
+          <p:nvPr>
+            <p:ph type="body" idx="1"/>
+          </p:nvPr>
+        </p:nvSpPr>
+        <p:spPr/>
+        <p:txBody>
+          <a:bodyPr/>
+          <a:lstStyle/>
+          <a:p>
+            <a:endParaRPr lang="en-US" altLang="zh-CN" sz="2400" dirty="0"/>
+          </a:p>
+        </p:txBody>
+      </p:sp>
+      <p:sp>
+        <p:nvSpPr>
+          <p:cNvPr id="4" name="幻灯片编号占位符 3"/>
+          <p:cNvSpPr>
+            <a:spLocks noGrp="1"/>
+          </p:cNvSpPr>
+          <p:nvPr>
+            <p:ph type="sldNum" sz="quarter" idx="10"/>
+          </p:nvPr>
+        </p:nvSpPr>
+        <p:spPr/>
+        <p:txBody>
+          <a:bodyPr/>
+          <a:lstStyle/>
+          <a:p>
+            <a:fld id="{09FAC59A-2554-7441-A138-FBAFD49FADCF}" type="slidenum">
+              <a:rPr lang="en-US" smtClean="0"/>
+            </a:fld>
+            <a:endParaRPr lang="en-US"/>
+          </a:p>
+        </p:txBody>
+      </p:sp>
+    </p:spTree>
+  </p:cSld>
+  <p:clrMapOvr>
+    <a:masterClrMapping/>
+  </p:clrMapOvr>
+</p:notes>
+</file>
+
+<file path=ppt/notesSlides/notesSlide14.xml><?xml version="1.0" encoding="utf-8"?>
+<p:notes xmlns:a="http://schemas.openxmlformats.org/drawingml/2006/main" xmlns:r="http://schemas.openxmlformats.org/officeDocument/2006/relationships" xmlns:p="http://schemas.openxmlformats.org/presentationml/2006/main">
+  <p:cSld>
+    <p:spTree>
+      <p:nvGrpSpPr>
+        <p:cNvPr id="1" name=""/>
+        <p:cNvGrpSpPr/>
+        <p:nvPr/>
+      </p:nvGrpSpPr>
+      <p:grpSpPr>
+        <a:xfrm>
+          <a:off x="0" y="0"/>
+          <a:ext cx="0" cy="0"/>
+          <a:chOff x="0" y="0"/>
+          <a:chExt cx="0" cy="0"/>
+        </a:xfrm>
+      </p:grpSpPr>
+      <p:sp>
+        <p:nvSpPr>
+          <p:cNvPr id="2" name="幻灯片图像占位符 1"/>
+          <p:cNvSpPr>
+            <a:spLocks noGrp="1" noRot="1" noChangeAspect="1"/>
+          </p:cNvSpPr>
+          <p:nvPr>
+            <p:ph type="sldImg"/>
+          </p:nvPr>
+        </p:nvSpPr>
+        <p:spPr>
+          <a:xfrm>
+            <a:off x="685800" y="1143000"/>
+            <a:ext cx="5486400" cy="3086100"/>
+          </a:xfrm>
+        </p:spPr>
+      </p:sp>
+      <p:sp>
+        <p:nvSpPr>
+          <p:cNvPr id="3" name="备注占位符 2"/>
+          <p:cNvSpPr>
+            <a:spLocks noGrp="1"/>
+          </p:cNvSpPr>
+          <p:nvPr>
+            <p:ph type="body" idx="1"/>
+          </p:nvPr>
+        </p:nvSpPr>
+        <p:spPr/>
+        <p:txBody>
+          <a:bodyPr/>
+          <a:lstStyle/>
+          <a:p>
+            <a:endParaRPr kumimoji="1" lang="zh-CN" altLang="en-US" sz="2400" dirty="0"/>
+          </a:p>
+        </p:txBody>
+      </p:sp>
+      <p:sp>
+        <p:nvSpPr>
+          <p:cNvPr id="4" name="幻灯片编号占位符 3"/>
+          <p:cNvSpPr>
+            <a:spLocks noGrp="1"/>
+          </p:cNvSpPr>
+          <p:nvPr>
+            <p:ph type="sldNum" sz="quarter" idx="10"/>
+          </p:nvPr>
+        </p:nvSpPr>
+        <p:spPr/>
+        <p:txBody>
+          <a:bodyPr/>
+          <a:lstStyle/>
+          <a:p>
+            <a:fld id="{09FAC59A-2554-7441-A138-FBAFD49FADCF}" type="slidenum">
+              <a:rPr lang="en-US" smtClean="0"/>
             </a:fld>
             <a:endParaRPr lang="en-US"/>
           </a:p>
@@ -854,7 +1084,6 @@
           <a:p>
             <a:fld id="{09FAC59A-2554-7441-A138-FBAFD49FADCF}" type="slidenum">
               <a:rPr lang="en-US" smtClean="0"/>
-              <a:t>2</a:t>
             </a:fld>
             <a:endParaRPr lang="en-US"/>
           </a:p>
@@ -938,7 +1167,6 @@
           <a:p>
             <a:fld id="{09FAC59A-2554-7441-A138-FBAFD49FADCF}" type="slidenum">
               <a:rPr lang="en-US" smtClean="0"/>
-              <a:t>3</a:t>
             </a:fld>
             <a:endParaRPr lang="en-US"/>
           </a:p>
@@ -1022,18 +1250,12 @@
           <a:p>
             <a:fld id="{09FAC59A-2554-7441-A138-FBAFD49FADCF}" type="slidenum">
               <a:rPr lang="en-US" smtClean="0"/>
-              <a:t>4</a:t>
             </a:fld>
             <a:endParaRPr lang="en-US"/>
           </a:p>
         </p:txBody>
       </p:sp>
     </p:spTree>
-    <p:extLst>
-      <p:ext uri="{BB962C8B-B14F-4D97-AF65-F5344CB8AC3E}">
-        <p14:creationId xmlns:p14="http://schemas.microsoft.com/office/powerpoint/2010/main" val="198230463"/>
-      </p:ext>
-    </p:extLst>
   </p:cSld>
   <p:clrMapOvr>
     <a:masterClrMapping/>
@@ -1111,18 +1333,12 @@
           <a:p>
             <a:fld id="{09FAC59A-2554-7441-A138-FBAFD49FADCF}" type="slidenum">
               <a:rPr lang="en-US" smtClean="0"/>
-              <a:t>5</a:t>
             </a:fld>
             <a:endParaRPr lang="en-US"/>
           </a:p>
         </p:txBody>
       </p:sp>
     </p:spTree>
-    <p:extLst>
-      <p:ext uri="{BB962C8B-B14F-4D97-AF65-F5344CB8AC3E}">
-        <p14:creationId xmlns:p14="http://schemas.microsoft.com/office/powerpoint/2010/main" val="2589726764"/>
-      </p:ext>
-    </p:extLst>
   </p:cSld>
   <p:clrMapOvr>
     <a:masterClrMapping/>
@@ -1200,18 +1416,12 @@
           <a:p>
             <a:fld id="{09FAC59A-2554-7441-A138-FBAFD49FADCF}" type="slidenum">
               <a:rPr lang="en-US" smtClean="0"/>
-              <a:t>6</a:t>
             </a:fld>
             <a:endParaRPr lang="en-US"/>
           </a:p>
         </p:txBody>
       </p:sp>
     </p:spTree>
-    <p:extLst>
-      <p:ext uri="{BB962C8B-B14F-4D97-AF65-F5344CB8AC3E}">
-        <p14:creationId xmlns:p14="http://schemas.microsoft.com/office/powerpoint/2010/main" val="1834052313"/>
-      </p:ext>
-    </p:extLst>
   </p:cSld>
   <p:clrMapOvr>
     <a:masterClrMapping/>
@@ -1289,7 +1499,6 @@
           <a:p>
             <a:fld id="{09FAC59A-2554-7441-A138-FBAFD49FADCF}" type="slidenum">
               <a:rPr lang="en-US" smtClean="0"/>
-              <a:t>7</a:t>
             </a:fld>
             <a:endParaRPr lang="en-US"/>
           </a:p>
@@ -1373,18 +1582,12 @@
           <a:p>
             <a:fld id="{09FAC59A-2554-7441-A138-FBAFD49FADCF}" type="slidenum">
               <a:rPr lang="en-US" smtClean="0"/>
-              <a:t>8</a:t>
             </a:fld>
             <a:endParaRPr lang="en-US"/>
           </a:p>
         </p:txBody>
       </p:sp>
     </p:spTree>
-    <p:extLst>
-      <p:ext uri="{BB962C8B-B14F-4D97-AF65-F5344CB8AC3E}">
-        <p14:creationId xmlns:p14="http://schemas.microsoft.com/office/powerpoint/2010/main" val="407402061"/>
-      </p:ext>
-    </p:extLst>
   </p:cSld>
   <p:clrMapOvr>
     <a:masterClrMapping/>
@@ -1462,18 +1665,12 @@
           <a:p>
             <a:fld id="{09FAC59A-2554-7441-A138-FBAFD49FADCF}" type="slidenum">
               <a:rPr lang="en-US" smtClean="0"/>
-              <a:t>9</a:t>
             </a:fld>
             <a:endParaRPr lang="en-US"/>
           </a:p>
         </p:txBody>
       </p:sp>
     </p:spTree>
-    <p:extLst>
-      <p:ext uri="{BB962C8B-B14F-4D97-AF65-F5344CB8AC3E}">
-        <p14:creationId xmlns:p14="http://schemas.microsoft.com/office/powerpoint/2010/main" val="4153944915"/>
-      </p:ext>
-    </p:extLst>
   </p:cSld>
   <p:clrMapOvr>
     <a:masterClrMapping/>
@@ -1612,7 +1809,6 @@
           <a:p>
             <a:fld id="{CE875574-B30F-E946-8A30-5D40B09C42BE}" type="datetimeFigureOut">
               <a:rPr lang="en-US" smtClean="0"/>
-              <a:t>6/9/22</a:t>
             </a:fld>
             <a:endParaRPr lang="en-US"/>
           </a:p>
@@ -1654,7 +1850,6 @@
           <a:p>
             <a:fld id="{671D2AD8-20DD-1F43-B782-FEE6429B9542}" type="slidenum">
               <a:rPr lang="en-US" smtClean="0"/>
-              <a:t>‹#›</a:t>
             </a:fld>
             <a:endParaRPr lang="en-US"/>
           </a:p>
@@ -1728,6 +1923,7 @@
               <a:rPr lang="zh-CN" altLang="en-US"/>
               <a:t>单击此处编辑母版文本样式</a:t>
             </a:r>
+            <a:endParaRPr lang="zh-CN" altLang="en-US"/>
           </a:p>
           <a:p>
             <a:pPr lvl="1"/>
@@ -1735,6 +1931,7 @@
               <a:rPr lang="zh-CN" altLang="en-US"/>
               <a:t>二级</a:t>
             </a:r>
+            <a:endParaRPr lang="zh-CN" altLang="en-US"/>
           </a:p>
           <a:p>
             <a:pPr lvl="2"/>
@@ -1742,6 +1939,7 @@
               <a:rPr lang="zh-CN" altLang="en-US"/>
               <a:t>三级</a:t>
             </a:r>
+            <a:endParaRPr lang="zh-CN" altLang="en-US"/>
           </a:p>
           <a:p>
             <a:pPr lvl="3"/>
@@ -1749,6 +1947,7 @@
               <a:rPr lang="zh-CN" altLang="en-US"/>
               <a:t>四级</a:t>
             </a:r>
+            <a:endParaRPr lang="zh-CN" altLang="en-US"/>
           </a:p>
           <a:p>
             <a:pPr lvl="4"/>
@@ -1777,7 +1976,6 @@
           <a:p>
             <a:fld id="{CE875574-B30F-E946-8A30-5D40B09C42BE}" type="datetimeFigureOut">
               <a:rPr lang="en-US" smtClean="0"/>
-              <a:t>6/9/22</a:t>
             </a:fld>
             <a:endParaRPr lang="en-US"/>
           </a:p>
@@ -1819,7 +2017,6 @@
           <a:p>
             <a:fld id="{671D2AD8-20DD-1F43-B782-FEE6429B9542}" type="slidenum">
               <a:rPr lang="en-US" smtClean="0"/>
-              <a:t>‹#›</a:t>
             </a:fld>
             <a:endParaRPr lang="en-US"/>
           </a:p>
@@ -1903,6 +2100,7 @@
               <a:rPr lang="zh-CN" altLang="en-US"/>
               <a:t>单击此处编辑母版文本样式</a:t>
             </a:r>
+            <a:endParaRPr lang="zh-CN" altLang="en-US"/>
           </a:p>
           <a:p>
             <a:pPr lvl="1"/>
@@ -1910,6 +2108,7 @@
               <a:rPr lang="zh-CN" altLang="en-US"/>
               <a:t>二级</a:t>
             </a:r>
+            <a:endParaRPr lang="zh-CN" altLang="en-US"/>
           </a:p>
           <a:p>
             <a:pPr lvl="2"/>
@@ -1917,6 +2116,7 @@
               <a:rPr lang="zh-CN" altLang="en-US"/>
               <a:t>三级</a:t>
             </a:r>
+            <a:endParaRPr lang="zh-CN" altLang="en-US"/>
           </a:p>
           <a:p>
             <a:pPr lvl="3"/>
@@ -1924,6 +2124,7 @@
               <a:rPr lang="zh-CN" altLang="en-US"/>
               <a:t>四级</a:t>
             </a:r>
+            <a:endParaRPr lang="zh-CN" altLang="en-US"/>
           </a:p>
           <a:p>
             <a:pPr lvl="4"/>
@@ -1952,7 +2153,6 @@
           <a:p>
             <a:fld id="{CE875574-B30F-E946-8A30-5D40B09C42BE}" type="datetimeFigureOut">
               <a:rPr lang="en-US" smtClean="0"/>
-              <a:t>6/9/22</a:t>
             </a:fld>
             <a:endParaRPr lang="en-US"/>
           </a:p>
@@ -1994,7 +2194,6 @@
           <a:p>
             <a:fld id="{671D2AD8-20DD-1F43-B782-FEE6429B9542}" type="slidenum">
               <a:rPr lang="en-US" smtClean="0"/>
-              <a:t>‹#›</a:t>
             </a:fld>
             <a:endParaRPr lang="en-US"/>
           </a:p>
@@ -2143,6 +2342,7 @@
               <a:rPr lang="zh-CN" altLang="en-US"/>
               <a:t>单击此处编辑母版文本样式</a:t>
             </a:r>
+            <a:endParaRPr lang="zh-CN" altLang="en-US"/>
           </a:p>
           <a:p>
             <a:pPr lvl="1"/>
@@ -2150,6 +2350,7 @@
               <a:rPr lang="zh-CN" altLang="en-US"/>
               <a:t>二级</a:t>
             </a:r>
+            <a:endParaRPr lang="zh-CN" altLang="en-US"/>
           </a:p>
           <a:p>
             <a:pPr lvl="2"/>
@@ -2157,6 +2358,7 @@
               <a:rPr lang="zh-CN" altLang="en-US"/>
               <a:t>三级</a:t>
             </a:r>
+            <a:endParaRPr lang="zh-CN" altLang="en-US"/>
           </a:p>
           <a:p>
             <a:pPr lvl="3"/>
@@ -2164,6 +2366,7 @@
               <a:rPr lang="zh-CN" altLang="en-US"/>
               <a:t>四级</a:t>
             </a:r>
+            <a:endParaRPr lang="zh-CN" altLang="en-US"/>
           </a:p>
           <a:p>
             <a:pPr lvl="4"/>
@@ -2192,7 +2395,6 @@
           <a:p>
             <a:fld id="{CE875574-B30F-E946-8A30-5D40B09C42BE}" type="datetimeFigureOut">
               <a:rPr lang="en-US" smtClean="0"/>
-              <a:t>6/9/22</a:t>
             </a:fld>
             <a:endParaRPr lang="en-US"/>
           </a:p>
@@ -2234,7 +2436,6 @@
           <a:p>
             <a:fld id="{671D2AD8-20DD-1F43-B782-FEE6429B9542}" type="slidenum">
               <a:rPr lang="en-US" smtClean="0"/>
-              <a:t>‹#›</a:t>
             </a:fld>
             <a:endParaRPr lang="en-US"/>
           </a:p>
@@ -2413,6 +2614,7 @@
               <a:rPr lang="zh-CN" altLang="en-US"/>
               <a:t>单击此处编辑母版文本样式</a:t>
             </a:r>
+            <a:endParaRPr lang="zh-CN" altLang="en-US"/>
           </a:p>
         </p:txBody>
       </p:sp>
@@ -2433,7 +2635,6 @@
           <a:p>
             <a:fld id="{CE875574-B30F-E946-8A30-5D40B09C42BE}" type="datetimeFigureOut">
               <a:rPr lang="en-US" smtClean="0"/>
-              <a:t>6/9/22</a:t>
             </a:fld>
             <a:endParaRPr lang="en-US"/>
           </a:p>
@@ -2475,7 +2676,6 @@
           <a:p>
             <a:fld id="{671D2AD8-20DD-1F43-B782-FEE6429B9542}" type="slidenum">
               <a:rPr lang="en-US" smtClean="0"/>
-              <a:t>‹#›</a:t>
             </a:fld>
             <a:endParaRPr lang="en-US"/>
           </a:p>
@@ -2554,6 +2754,7 @@
               <a:rPr lang="zh-CN" altLang="en-US"/>
               <a:t>单击此处编辑母版文本样式</a:t>
             </a:r>
+            <a:endParaRPr lang="zh-CN" altLang="en-US"/>
           </a:p>
           <a:p>
             <a:pPr lvl="1"/>
@@ -2561,6 +2762,7 @@
               <a:rPr lang="zh-CN" altLang="en-US"/>
               <a:t>二级</a:t>
             </a:r>
+            <a:endParaRPr lang="zh-CN" altLang="en-US"/>
           </a:p>
           <a:p>
             <a:pPr lvl="2"/>
@@ -2568,6 +2770,7 @@
               <a:rPr lang="zh-CN" altLang="en-US"/>
               <a:t>三级</a:t>
             </a:r>
+            <a:endParaRPr lang="zh-CN" altLang="en-US"/>
           </a:p>
           <a:p>
             <a:pPr lvl="3"/>
@@ -2575,6 +2778,7 @@
               <a:rPr lang="zh-CN" altLang="en-US"/>
               <a:t>四级</a:t>
             </a:r>
+            <a:endParaRPr lang="zh-CN" altLang="en-US"/>
           </a:p>
           <a:p>
             <a:pPr lvl="4"/>
@@ -2611,6 +2815,7 @@
               <a:rPr lang="zh-CN" altLang="en-US"/>
               <a:t>单击此处编辑母版文本样式</a:t>
             </a:r>
+            <a:endParaRPr lang="zh-CN" altLang="en-US"/>
           </a:p>
           <a:p>
             <a:pPr lvl="1"/>
@@ -2618,6 +2823,7 @@
               <a:rPr lang="zh-CN" altLang="en-US"/>
               <a:t>二级</a:t>
             </a:r>
+            <a:endParaRPr lang="zh-CN" altLang="en-US"/>
           </a:p>
           <a:p>
             <a:pPr lvl="2"/>
@@ -2625,6 +2831,7 @@
               <a:rPr lang="zh-CN" altLang="en-US"/>
               <a:t>三级</a:t>
             </a:r>
+            <a:endParaRPr lang="zh-CN" altLang="en-US"/>
           </a:p>
           <a:p>
             <a:pPr lvl="3"/>
@@ -2632,6 +2839,7 @@
               <a:rPr lang="zh-CN" altLang="en-US"/>
               <a:t>四级</a:t>
             </a:r>
+            <a:endParaRPr lang="zh-CN" altLang="en-US"/>
           </a:p>
           <a:p>
             <a:pPr lvl="4"/>
@@ -2660,7 +2868,6 @@
           <a:p>
             <a:fld id="{CE875574-B30F-E946-8A30-5D40B09C42BE}" type="datetimeFigureOut">
               <a:rPr lang="en-US" smtClean="0"/>
-              <a:t>6/9/22</a:t>
             </a:fld>
             <a:endParaRPr lang="en-US"/>
           </a:p>
@@ -2702,7 +2909,6 @@
           <a:p>
             <a:fld id="{671D2AD8-20DD-1F43-B782-FEE6429B9542}" type="slidenum">
               <a:rPr lang="en-US" smtClean="0"/>
-              <a:t>‹#›</a:t>
             </a:fld>
             <a:endParaRPr lang="en-US"/>
           </a:p>
@@ -2823,6 +3029,7 @@
               <a:rPr lang="zh-CN" altLang="en-US"/>
               <a:t>单击此处编辑母版文本样式</a:t>
             </a:r>
+            <a:endParaRPr lang="zh-CN" altLang="en-US"/>
           </a:p>
         </p:txBody>
       </p:sp>
@@ -2851,6 +3058,7 @@
               <a:rPr lang="zh-CN" altLang="en-US"/>
               <a:t>单击此处编辑母版文本样式</a:t>
             </a:r>
+            <a:endParaRPr lang="zh-CN" altLang="en-US"/>
           </a:p>
           <a:p>
             <a:pPr lvl="1"/>
@@ -2858,6 +3066,7 @@
               <a:rPr lang="zh-CN" altLang="en-US"/>
               <a:t>二级</a:t>
             </a:r>
+            <a:endParaRPr lang="zh-CN" altLang="en-US"/>
           </a:p>
           <a:p>
             <a:pPr lvl="2"/>
@@ -2865,6 +3074,7 @@
               <a:rPr lang="zh-CN" altLang="en-US"/>
               <a:t>三级</a:t>
             </a:r>
+            <a:endParaRPr lang="zh-CN" altLang="en-US"/>
           </a:p>
           <a:p>
             <a:pPr lvl="3"/>
@@ -2872,6 +3082,7 @@
               <a:rPr lang="zh-CN" altLang="en-US"/>
               <a:t>四级</a:t>
             </a:r>
+            <a:endParaRPr lang="zh-CN" altLang="en-US"/>
           </a:p>
           <a:p>
             <a:pPr lvl="4"/>
@@ -2945,6 +3156,7 @@
               <a:rPr lang="zh-CN" altLang="en-US"/>
               <a:t>单击此处编辑母版文本样式</a:t>
             </a:r>
+            <a:endParaRPr lang="zh-CN" altLang="en-US"/>
           </a:p>
         </p:txBody>
       </p:sp>
@@ -2973,6 +3185,7 @@
               <a:rPr lang="zh-CN" altLang="en-US"/>
               <a:t>单击此处编辑母版文本样式</a:t>
             </a:r>
+            <a:endParaRPr lang="zh-CN" altLang="en-US"/>
           </a:p>
           <a:p>
             <a:pPr lvl="1"/>
@@ -2980,6 +3193,7 @@
               <a:rPr lang="zh-CN" altLang="en-US"/>
               <a:t>二级</a:t>
             </a:r>
+            <a:endParaRPr lang="zh-CN" altLang="en-US"/>
           </a:p>
           <a:p>
             <a:pPr lvl="2"/>
@@ -2987,6 +3201,7 @@
               <a:rPr lang="zh-CN" altLang="en-US"/>
               <a:t>三级</a:t>
             </a:r>
+            <a:endParaRPr lang="zh-CN" altLang="en-US"/>
           </a:p>
           <a:p>
             <a:pPr lvl="3"/>
@@ -2994,6 +3209,7 @@
               <a:rPr lang="zh-CN" altLang="en-US"/>
               <a:t>四级</a:t>
             </a:r>
+            <a:endParaRPr lang="zh-CN" altLang="en-US"/>
           </a:p>
           <a:p>
             <a:pPr lvl="4"/>
@@ -3022,7 +3238,6 @@
           <a:p>
             <a:fld id="{CE875574-B30F-E946-8A30-5D40B09C42BE}" type="datetimeFigureOut">
               <a:rPr lang="en-US" smtClean="0"/>
-              <a:t>6/9/22</a:t>
             </a:fld>
             <a:endParaRPr lang="en-US"/>
           </a:p>
@@ -3064,7 +3279,6 @@
           <a:p>
             <a:fld id="{671D2AD8-20DD-1F43-B782-FEE6429B9542}" type="slidenum">
               <a:rPr lang="en-US" smtClean="0"/>
-              <a:t>‹#›</a:t>
             </a:fld>
             <a:endParaRPr lang="en-US"/>
           </a:p>
@@ -3135,7 +3349,6 @@
           <a:p>
             <a:fld id="{CE875574-B30F-E946-8A30-5D40B09C42BE}" type="datetimeFigureOut">
               <a:rPr lang="en-US" smtClean="0"/>
-              <a:t>6/9/22</a:t>
             </a:fld>
             <a:endParaRPr lang="en-US"/>
           </a:p>
@@ -3177,7 +3390,6 @@
           <a:p>
             <a:fld id="{671D2AD8-20DD-1F43-B782-FEE6429B9542}" type="slidenum">
               <a:rPr lang="en-US" smtClean="0"/>
-              <a:t>‹#›</a:t>
             </a:fld>
             <a:endParaRPr lang="en-US"/>
           </a:p>
@@ -3225,7 +3437,6 @@
           <a:p>
             <a:fld id="{CE875574-B30F-E946-8A30-5D40B09C42BE}" type="datetimeFigureOut">
               <a:rPr lang="en-US" smtClean="0"/>
-              <a:t>6/9/22</a:t>
             </a:fld>
             <a:endParaRPr lang="en-US"/>
           </a:p>
@@ -3267,7 +3478,6 @@
           <a:p>
             <a:fld id="{671D2AD8-20DD-1F43-B782-FEE6429B9542}" type="slidenum">
               <a:rPr lang="en-US" smtClean="0"/>
-              <a:t>‹#›</a:t>
             </a:fld>
             <a:endParaRPr lang="en-US"/>
           </a:p>
@@ -3383,6 +3593,7 @@
               <a:rPr lang="zh-CN" altLang="en-US"/>
               <a:t>单击此处编辑母版文本样式</a:t>
             </a:r>
+            <a:endParaRPr lang="zh-CN" altLang="en-US"/>
           </a:p>
           <a:p>
             <a:pPr lvl="1"/>
@@ -3390,6 +3601,7 @@
               <a:rPr lang="zh-CN" altLang="en-US"/>
               <a:t>二级</a:t>
             </a:r>
+            <a:endParaRPr lang="zh-CN" altLang="en-US"/>
           </a:p>
           <a:p>
             <a:pPr lvl="2"/>
@@ -3397,6 +3609,7 @@
               <a:rPr lang="zh-CN" altLang="en-US"/>
               <a:t>三级</a:t>
             </a:r>
+            <a:endParaRPr lang="zh-CN" altLang="en-US"/>
           </a:p>
           <a:p>
             <a:pPr lvl="3"/>
@@ -3404,6 +3617,7 @@
               <a:rPr lang="zh-CN" altLang="en-US"/>
               <a:t>四级</a:t>
             </a:r>
+            <a:endParaRPr lang="zh-CN" altLang="en-US"/>
           </a:p>
           <a:p>
             <a:pPr lvl="4"/>
@@ -3477,6 +3691,7 @@
               <a:rPr lang="zh-CN" altLang="en-US"/>
               <a:t>单击此处编辑母版文本样式</a:t>
             </a:r>
+            <a:endParaRPr lang="zh-CN" altLang="en-US"/>
           </a:p>
         </p:txBody>
       </p:sp>
@@ -3497,7 +3712,6 @@
           <a:p>
             <a:fld id="{CE875574-B30F-E946-8A30-5D40B09C42BE}" type="datetimeFigureOut">
               <a:rPr lang="en-US" smtClean="0"/>
-              <a:t>6/9/22</a:t>
             </a:fld>
             <a:endParaRPr lang="en-US"/>
           </a:p>
@@ -3539,7 +3753,6 @@
           <a:p>
             <a:fld id="{671D2AD8-20DD-1F43-B782-FEE6429B9542}" type="slidenum">
               <a:rPr lang="en-US" smtClean="0"/>
-              <a:t>‹#›</a:t>
             </a:fld>
             <a:endParaRPr lang="en-US"/>
           </a:p>
@@ -3729,6 +3942,7 @@
               <a:rPr lang="zh-CN" altLang="en-US"/>
               <a:t>单击此处编辑母版文本样式</a:t>
             </a:r>
+            <a:endParaRPr lang="zh-CN" altLang="en-US"/>
           </a:p>
         </p:txBody>
       </p:sp>
@@ -3749,7 +3963,6 @@
           <a:p>
             <a:fld id="{CE875574-B30F-E946-8A30-5D40B09C42BE}" type="datetimeFigureOut">
               <a:rPr lang="en-US" smtClean="0"/>
-              <a:t>6/9/22</a:t>
             </a:fld>
             <a:endParaRPr lang="en-US"/>
           </a:p>
@@ -3791,7 +4004,6 @@
           <a:p>
             <a:fld id="{671D2AD8-20DD-1F43-B782-FEE6429B9542}" type="slidenum">
               <a:rPr lang="en-US" smtClean="0"/>
-              <a:t>‹#›</a:t>
             </a:fld>
             <a:endParaRPr lang="en-US"/>
           </a:p>
@@ -3890,6 +4102,7 @@
               <a:rPr lang="zh-CN" altLang="en-US"/>
               <a:t>单击此处编辑母版文本样式</a:t>
             </a:r>
+            <a:endParaRPr lang="zh-CN" altLang="en-US"/>
           </a:p>
           <a:p>
             <a:pPr lvl="1"/>
@@ -3897,6 +4110,7 @@
               <a:rPr lang="zh-CN" altLang="en-US"/>
               <a:t>二级</a:t>
             </a:r>
+            <a:endParaRPr lang="zh-CN" altLang="en-US"/>
           </a:p>
           <a:p>
             <a:pPr lvl="2"/>
@@ -3904,6 +4118,7 @@
               <a:rPr lang="zh-CN" altLang="en-US"/>
               <a:t>三级</a:t>
             </a:r>
+            <a:endParaRPr lang="zh-CN" altLang="en-US"/>
           </a:p>
           <a:p>
             <a:pPr lvl="3"/>
@@ -3911,6 +4126,7 @@
               <a:rPr lang="zh-CN" altLang="en-US"/>
               <a:t>四级</a:t>
             </a:r>
+            <a:endParaRPr lang="zh-CN" altLang="en-US"/>
           </a:p>
           <a:p>
             <a:pPr lvl="4"/>
@@ -3957,7 +4173,6 @@
           <a:p>
             <a:fld id="{CE875574-B30F-E946-8A30-5D40B09C42BE}" type="datetimeFigureOut">
               <a:rPr lang="en-US" smtClean="0"/>
-              <a:t>6/9/22</a:t>
             </a:fld>
             <a:endParaRPr lang="en-US"/>
           </a:p>
@@ -4035,7 +4250,6 @@
           <a:p>
             <a:fld id="{671D2AD8-20DD-1F43-B782-FEE6429B9542}" type="slidenum">
               <a:rPr lang="en-US" smtClean="0"/>
-              <a:t>‹#›</a:t>
             </a:fld>
             <a:endParaRPr lang="en-US"/>
           </a:p>
@@ -4367,7 +4581,7 @@
           <p:nvPr/>
         </p:nvPicPr>
         <p:blipFill>
-          <a:blip r:embed="rId3">
+          <a:blip r:embed="rId1">
             <a:clrChange>
               <a:clrFrom>
                 <a:srgbClr val="FFFFFF"/>
@@ -4632,8 +4846,8 @@
         </p:nvSpPr>
         <p:spPr>
           <a:xfrm>
-            <a:off x="3155230" y="3579518"/>
-            <a:ext cx="5881540" cy="2142271"/>
+            <a:off x="2277745" y="3579495"/>
+            <a:ext cx="7636510" cy="2142490"/>
           </a:xfrm>
           <a:prstGeom prst="rect">
             <a:avLst/>
@@ -4819,8 +5033,29 @@
             </a:r>
             <a:r>
               <a:rPr lang="en-US" altLang="zh-CN" dirty="0"/>
-              <a:t>2022.6.4</a:t>
-            </a:r>
+              <a:t>2022.6.11</a:t>
+            </a:r>
+            <a:endParaRPr lang="en-US" altLang="zh-CN" dirty="0"/>
+          </a:p>
+          <a:p>
+            <a:endParaRPr lang="en-US" altLang="zh-CN" dirty="0"/>
+          </a:p>
+          <a:p>
+            <a:r>
+              <a:rPr lang="en-US" altLang="zh-CN" dirty="0"/>
+              <a:t>demo: </a:t>
+            </a:r>
+            <a:r>
+              <a:rPr lang="en-US" altLang="zh-CN" dirty="0">
+                <a:latin typeface="Consolas" panose="020B0609020204030204" charset="0"/>
+                <a:cs typeface="Consolas" panose="020B0609020204030204" charset="0"/>
+              </a:rPr>
+              <a:t>docker run -it uintr/demo</a:t>
+            </a:r>
+            <a:endParaRPr lang="en-US" altLang="zh-CN" dirty="0">
+              <a:latin typeface="Consolas" panose="020B0609020204030204" charset="0"/>
+              <a:cs typeface="Consolas" panose="020B0609020204030204" charset="0"/>
+            </a:endParaRPr>
           </a:p>
         </p:txBody>
       </p:sp>
@@ -4887,14 +5122,44 @@
           </a:lstStyle>
           <a:p>
             <a:r>
-              <a:rPr lang="zh-CN" altLang="en-US" sz="4000" b="1" dirty="0">
+              <a:rPr lang="en-US" altLang="zh-CN" sz="4000" b="1" dirty="0" err="1">
                 <a:solidFill>
                   <a:srgbClr val="704F95"/>
                 </a:solidFill>
                 <a:latin typeface="思源宋体 Medium" panose="02020500000000000000" pitchFamily="18" charset="-122"/>
                 <a:ea typeface="思源宋体 Medium" panose="02020500000000000000" pitchFamily="18" charset="-122"/>
               </a:rPr>
-              <a:t>感想</a:t>
+              <a:t>Uintr</a:t>
+            </a:r>
+            <a:r>
+              <a:rPr lang="zh-CN" altLang="en-US" sz="4000" b="1" dirty="0">
+                <a:solidFill>
+                  <a:srgbClr val="704F95"/>
+                </a:solidFill>
+                <a:latin typeface="思源宋体 Medium" panose="02020500000000000000" pitchFamily="18" charset="-122"/>
+                <a:ea typeface="思源宋体 Medium" panose="02020500000000000000" pitchFamily="18" charset="-122"/>
+              </a:rPr>
+              <a:t>性能测试</a:t>
+            </a:r>
+            <a:r>
+              <a:rPr lang="en-US" altLang="zh-CN" sz="4000" b="1" dirty="0">
+                <a:solidFill>
+                  <a:srgbClr val="704F95"/>
+                </a:solidFill>
+                <a:latin typeface="思源宋体 Medium" panose="02020500000000000000" pitchFamily="18" charset="-122"/>
+                <a:ea typeface="思源宋体 Medium" panose="02020500000000000000" pitchFamily="18" charset="-122"/>
+              </a:rPr>
+              <a:t>-</a:t>
+            </a:r>
+            <a:r>
+              <a:rPr lang="zh-CN" altLang="en-US" sz="4000" b="1" dirty="0">
+                <a:solidFill>
+                  <a:srgbClr val="704F95"/>
+                </a:solidFill>
+                <a:latin typeface="思源宋体 Medium" panose="02020500000000000000" pitchFamily="18" charset="-122"/>
+                <a:ea typeface="思源宋体 Medium" panose="02020500000000000000" pitchFamily="18" charset="-122"/>
+              </a:rPr>
+              <a:t>横向对比</a:t>
             </a:r>
             <a:endParaRPr lang="en-US" altLang="zh-CN" sz="4000" b="1" dirty="0">
               <a:solidFill>
@@ -4961,7 +5226,7 @@
           <p:nvPr/>
         </p:nvPicPr>
         <p:blipFill>
-          <a:blip r:embed="rId3">
+          <a:blip r:embed="rId1">
             <a:clrChange>
               <a:clrFrom>
                 <a:srgbClr val="FFFFFF"/>
@@ -5191,7 +5456,7 @@
         </p:nvSpPr>
         <p:spPr>
           <a:xfrm>
-            <a:off x="1113971" y="1801282"/>
+            <a:off x="1056186" y="1833032"/>
             <a:ext cx="10515600" cy="4351338"/>
           </a:xfrm>
           <a:prstGeom prst="rect">
@@ -5367,256 +5632,144 @@
             </a:lvl9pPr>
           </a:lstStyle>
           <a:p>
-            <a:endParaRPr lang="en-US" altLang="zh-CN" dirty="0">
+            <a:r>
+              <a:rPr lang="zh-CN" altLang="en-US" dirty="0">
+                <a:latin typeface="+mn-ea"/>
+              </a:rPr>
+              <a:t>复现</a:t>
+            </a:r>
+            <a:r>
+              <a:rPr lang="en-US" altLang="zh-CN" dirty="0">
+                <a:latin typeface="+mn-ea"/>
+              </a:rPr>
+              <a:t> linux rfc </a:t>
+            </a:r>
+            <a:r>
+              <a:rPr lang="zh-CN" altLang="en-US" dirty="0">
+                <a:latin typeface="+mn-ea"/>
+              </a:rPr>
+              <a:t>性能测试结果</a:t>
+            </a:r>
+            <a:endParaRPr lang="zh-CN" altLang="en-US" dirty="0">
               <a:latin typeface="+mn-ea"/>
             </a:endParaRPr>
           </a:p>
         </p:txBody>
       </p:sp>
-      <p:sp>
-        <p:nvSpPr>
-          <p:cNvPr id="15" name="Content Placeholder 2">
-            <a:extLst>
-              <a:ext uri="{FF2B5EF4-FFF2-40B4-BE49-F238E27FC236}">
-                <a16:creationId xmlns:a16="http://schemas.microsoft.com/office/drawing/2014/main" id="{D8654040-F8E5-1243-BF79-FABCCFA7882B}"/>
-              </a:ext>
-            </a:extLst>
-          </p:cNvPr>
-          <p:cNvSpPr txBox="1"/>
+      <p:pic>
+        <p:nvPicPr>
+          <p:cNvPr id="2" name="图片 1"/>
+          <p:cNvPicPr>
+            <a:picLocks noChangeAspect="1"/>
+          </p:cNvPicPr>
           <p:nvPr/>
-        </p:nvSpPr>
+        </p:nvPicPr>
+        <p:blipFill>
+          <a:blip r:embed="rId2"/>
+          <a:stretch>
+            <a:fillRect/>
+          </a:stretch>
+        </p:blipFill>
         <p:spPr>
           <a:xfrm>
-            <a:off x="1113971" y="1758689"/>
-            <a:ext cx="10515600" cy="2174628"/>
+            <a:off x="663575" y="2680970"/>
+            <a:ext cx="5708015" cy="2889250"/>
           </a:xfrm>
           <a:prstGeom prst="rect">
             <a:avLst/>
           </a:prstGeom>
         </p:spPr>
-        <p:txBody>
-          <a:bodyPr>
-            <a:normAutofit/>
+      </p:pic>
+      <p:pic>
+        <p:nvPicPr>
+          <p:cNvPr id="7" name="图片 6"/>
+          <p:cNvPicPr>
+            <a:picLocks noChangeAspect="1"/>
+          </p:cNvPicPr>
+          <p:nvPr/>
+        </p:nvPicPr>
+        <p:blipFill>
+          <a:blip r:embed="rId3"/>
+          <a:stretch>
+            <a:fillRect/>
+          </a:stretch>
+        </p:blipFill>
+        <p:spPr>
+          <a:xfrm>
+            <a:off x="7133590" y="2255520"/>
+            <a:ext cx="4031615" cy="2124710"/>
+          </a:xfrm>
+          <a:prstGeom prst="rect">
+            <a:avLst/>
+          </a:prstGeom>
+        </p:spPr>
+      </p:pic>
+      <p:sp>
+        <p:nvSpPr>
+          <p:cNvPr id="10" name="文本框 9"/>
+          <p:cNvSpPr txBox="1"/>
+          <p:nvPr/>
+        </p:nvSpPr>
+        <p:spPr>
+          <a:xfrm>
+            <a:off x="7250430" y="1706245"/>
+            <a:ext cx="3608705" cy="368300"/>
+          </a:xfrm>
+          <a:prstGeom prst="rect">
+            <a:avLst/>
+          </a:prstGeom>
+          <a:noFill/>
+        </p:spPr>
+        <p:txBody>
+          <a:bodyPr wrap="square" rtlCol="0">
+            <a:spAutoFit/>
           </a:bodyPr>
-          <a:lstStyle>
-            <a:lvl1pPr marL="228600" indent="-228600" algn="l" defTabSz="914400" rtl="0" eaLnBrk="1" latinLnBrk="0" hangingPunct="1">
-              <a:lnSpc>
-                <a:spcPct val="90000"/>
-              </a:lnSpc>
-              <a:spcBef>
-                <a:spcPts val="1000"/>
-              </a:spcBef>
-              <a:buFont typeface="Arial" panose="020B0604020202020204" pitchFamily="34" charset="0"/>
-              <a:buChar char="•"/>
-              <a:defRPr sz="2800" kern="1200">
-                <a:solidFill>
-                  <a:schemeClr val="tx1"/>
-                </a:solidFill>
-                <a:latin typeface="+mn-lt"/>
-                <a:ea typeface="+mn-ea"/>
-                <a:cs typeface="+mn-cs"/>
-              </a:defRPr>
-            </a:lvl1pPr>
-            <a:lvl2pPr marL="685800" indent="-228600" algn="l" defTabSz="914400" rtl="0" eaLnBrk="1" latinLnBrk="0" hangingPunct="1">
-              <a:lnSpc>
-                <a:spcPct val="90000"/>
-              </a:lnSpc>
-              <a:spcBef>
-                <a:spcPts val="500"/>
-              </a:spcBef>
-              <a:buFont typeface="Arial" panose="020B0604020202020204" pitchFamily="34" charset="0"/>
-              <a:buChar char="•"/>
-              <a:defRPr sz="2400" kern="1200">
-                <a:solidFill>
-                  <a:schemeClr val="tx1"/>
-                </a:solidFill>
-                <a:latin typeface="+mn-lt"/>
-                <a:ea typeface="+mn-ea"/>
-                <a:cs typeface="+mn-cs"/>
-              </a:defRPr>
-            </a:lvl2pPr>
-            <a:lvl3pPr marL="1143000" indent="-228600" algn="l" defTabSz="914400" rtl="0" eaLnBrk="1" latinLnBrk="0" hangingPunct="1">
-              <a:lnSpc>
-                <a:spcPct val="90000"/>
-              </a:lnSpc>
-              <a:spcBef>
-                <a:spcPts val="500"/>
-              </a:spcBef>
-              <a:buFont typeface="Arial" panose="020B0604020202020204" pitchFamily="34" charset="0"/>
-              <a:buChar char="•"/>
-              <a:defRPr sz="2000" kern="1200">
-                <a:solidFill>
-                  <a:schemeClr val="tx1"/>
-                </a:solidFill>
-                <a:latin typeface="+mn-lt"/>
-                <a:ea typeface="+mn-ea"/>
-                <a:cs typeface="+mn-cs"/>
-              </a:defRPr>
-            </a:lvl3pPr>
-            <a:lvl4pPr marL="1600200" indent="-228600" algn="l" defTabSz="914400" rtl="0" eaLnBrk="1" latinLnBrk="0" hangingPunct="1">
-              <a:lnSpc>
-                <a:spcPct val="90000"/>
-              </a:lnSpc>
-              <a:spcBef>
-                <a:spcPts val="500"/>
-              </a:spcBef>
-              <a:buFont typeface="Arial" panose="020B0604020202020204" pitchFamily="34" charset="0"/>
-              <a:buChar char="•"/>
-              <a:defRPr sz="1800" kern="1200">
-                <a:solidFill>
-                  <a:schemeClr val="tx1"/>
-                </a:solidFill>
-                <a:latin typeface="+mn-lt"/>
-                <a:ea typeface="+mn-ea"/>
-                <a:cs typeface="+mn-cs"/>
-              </a:defRPr>
-            </a:lvl4pPr>
-            <a:lvl5pPr marL="2057400" indent="-228600" algn="l" defTabSz="914400" rtl="0" eaLnBrk="1" latinLnBrk="0" hangingPunct="1">
-              <a:lnSpc>
-                <a:spcPct val="90000"/>
-              </a:lnSpc>
-              <a:spcBef>
-                <a:spcPts val="500"/>
-              </a:spcBef>
-              <a:buFont typeface="Arial" panose="020B0604020202020204" pitchFamily="34" charset="0"/>
-              <a:buChar char="•"/>
-              <a:defRPr sz="1800" kern="1200">
-                <a:solidFill>
-                  <a:schemeClr val="tx1"/>
-                </a:solidFill>
-                <a:latin typeface="+mn-lt"/>
-                <a:ea typeface="+mn-ea"/>
-                <a:cs typeface="+mn-cs"/>
-              </a:defRPr>
-            </a:lvl5pPr>
-            <a:lvl6pPr marL="2514600" indent="-228600" algn="l" defTabSz="914400" rtl="0" eaLnBrk="1" latinLnBrk="0" hangingPunct="1">
-              <a:lnSpc>
-                <a:spcPct val="90000"/>
-              </a:lnSpc>
-              <a:spcBef>
-                <a:spcPts val="500"/>
-              </a:spcBef>
-              <a:buFont typeface="Arial" panose="020B0604020202020204" pitchFamily="34" charset="0"/>
-              <a:buChar char="•"/>
-              <a:defRPr sz="1800" kern="1200">
-                <a:solidFill>
-                  <a:schemeClr val="tx1"/>
-                </a:solidFill>
-                <a:latin typeface="+mn-lt"/>
-                <a:ea typeface="+mn-ea"/>
-                <a:cs typeface="+mn-cs"/>
-              </a:defRPr>
-            </a:lvl6pPr>
-            <a:lvl7pPr marL="2971800" indent="-228600" algn="l" defTabSz="914400" rtl="0" eaLnBrk="1" latinLnBrk="0" hangingPunct="1">
-              <a:lnSpc>
-                <a:spcPct val="90000"/>
-              </a:lnSpc>
-              <a:spcBef>
-                <a:spcPts val="500"/>
-              </a:spcBef>
-              <a:buFont typeface="Arial" panose="020B0604020202020204" pitchFamily="34" charset="0"/>
-              <a:buChar char="•"/>
-              <a:defRPr sz="1800" kern="1200">
-                <a:solidFill>
-                  <a:schemeClr val="tx1"/>
-                </a:solidFill>
-                <a:latin typeface="+mn-lt"/>
-                <a:ea typeface="+mn-ea"/>
-                <a:cs typeface="+mn-cs"/>
-              </a:defRPr>
-            </a:lvl7pPr>
-            <a:lvl8pPr marL="3429000" indent="-228600" algn="l" defTabSz="914400" rtl="0" eaLnBrk="1" latinLnBrk="0" hangingPunct="1">
-              <a:lnSpc>
-                <a:spcPct val="90000"/>
-              </a:lnSpc>
-              <a:spcBef>
-                <a:spcPts val="500"/>
-              </a:spcBef>
-              <a:buFont typeface="Arial" panose="020B0604020202020204" pitchFamily="34" charset="0"/>
-              <a:buChar char="•"/>
-              <a:defRPr sz="1800" kern="1200">
-                <a:solidFill>
-                  <a:schemeClr val="tx1"/>
-                </a:solidFill>
-                <a:latin typeface="+mn-lt"/>
-                <a:ea typeface="+mn-ea"/>
-                <a:cs typeface="+mn-cs"/>
-              </a:defRPr>
-            </a:lvl8pPr>
-            <a:lvl9pPr marL="3886200" indent="-228600" algn="l" defTabSz="914400" rtl="0" eaLnBrk="1" latinLnBrk="0" hangingPunct="1">
-              <a:lnSpc>
-                <a:spcPct val="90000"/>
-              </a:lnSpc>
-              <a:spcBef>
-                <a:spcPts val="500"/>
-              </a:spcBef>
-              <a:buFont typeface="Arial" panose="020B0604020202020204" pitchFamily="34" charset="0"/>
-              <a:buChar char="•"/>
-              <a:defRPr sz="1800" kern="1200">
-                <a:solidFill>
-                  <a:schemeClr val="tx1"/>
-                </a:solidFill>
-                <a:latin typeface="+mn-lt"/>
-                <a:ea typeface="+mn-ea"/>
-                <a:cs typeface="+mn-cs"/>
-              </a:defRPr>
-            </a:lvl9pPr>
-          </a:lstStyle>
-          <a:p>
-            <a:pPr marL="0" indent="0">
-              <a:buNone/>
-            </a:pPr>
-            <a:r>
-              <a:rPr lang="en-US" altLang="zh-CN" dirty="0" err="1">
-                <a:latin typeface="+mn-ea"/>
-              </a:rPr>
-              <a:t>Xcd</a:t>
-            </a:r>
-            <a:r>
-              <a:rPr lang="zh-CN" altLang="en-US" dirty="0">
-                <a:latin typeface="+mn-ea"/>
-              </a:rPr>
-              <a:t>：从硬件</a:t>
-            </a:r>
-            <a:r>
-              <a:rPr lang="en-US" altLang="zh-CN" dirty="0">
-                <a:latin typeface="+mn-ea"/>
-              </a:rPr>
-              <a:t>-</a:t>
-            </a:r>
-            <a:r>
-              <a:rPr lang="zh-CN" altLang="en-US" dirty="0">
-                <a:latin typeface="+mn-ea"/>
-              </a:rPr>
-              <a:t>操作系统</a:t>
-            </a:r>
-            <a:r>
-              <a:rPr lang="en-US" altLang="zh-CN" dirty="0">
-                <a:latin typeface="+mn-ea"/>
-              </a:rPr>
-              <a:t>-</a:t>
-            </a:r>
-            <a:r>
-              <a:rPr lang="zh-CN" altLang="en-US" dirty="0">
-                <a:latin typeface="+mn-ea"/>
-              </a:rPr>
-              <a:t>用户程序的全流程调试体验，和学长、社区的讨论、对</a:t>
-            </a:r>
-            <a:r>
-              <a:rPr lang="en-US" altLang="zh-CN" dirty="0">
-                <a:latin typeface="+mn-ea"/>
-              </a:rPr>
-              <a:t>x</a:t>
-            </a:r>
-          </a:p>
-        </p:txBody>
-      </p:sp>
+          <a:p>
+            <a:r>
+              <a:rPr lang="zh-CN" altLang="en-US"/>
+              <a:t>上：</a:t>
+            </a:r>
+            <a:r>
+              <a:rPr lang="en-US" altLang="zh-CN"/>
+              <a:t>uintr</a:t>
+            </a:r>
+            <a:r>
+              <a:rPr lang="zh-CN" altLang="en-US"/>
+              <a:t>；下：</a:t>
+            </a:r>
+            <a:r>
+              <a:rPr lang="en-US" altLang="zh-CN"/>
+              <a:t>pipe</a:t>
+            </a:r>
+            <a:endParaRPr lang="en-US" altLang="zh-CN"/>
+          </a:p>
+        </p:txBody>
+      </p:sp>
+      <p:pic>
+        <p:nvPicPr>
+          <p:cNvPr id="4" name="图片 3"/>
+          <p:cNvPicPr>
+            <a:picLocks noChangeAspect="1"/>
+          </p:cNvPicPr>
+          <p:nvPr/>
+        </p:nvPicPr>
+        <p:blipFill>
+          <a:blip r:embed="rId4"/>
+          <a:stretch>
+            <a:fillRect/>
+          </a:stretch>
+        </p:blipFill>
+        <p:spPr>
+          <a:xfrm>
+            <a:off x="7133590" y="4523740"/>
+            <a:ext cx="3925570" cy="2137410"/>
+          </a:xfrm>
+          <a:prstGeom prst="rect">
+            <a:avLst/>
+          </a:prstGeom>
+        </p:spPr>
+      </p:pic>
     </p:spTree>
-    <p:extLst>
-      <p:ext uri="{BB962C8B-B14F-4D97-AF65-F5344CB8AC3E}">
-        <p14:creationId xmlns:p14="http://schemas.microsoft.com/office/powerpoint/2010/main" val="2099842719"/>
-      </p:ext>
-    </p:extLst>
   </p:cSld>
   <p:clrMapOvr>
     <a:masterClrMapping/>
@@ -5643,14 +5796,14 @@
       </p:grpSpPr>
       <p:sp>
         <p:nvSpPr>
-          <p:cNvPr id="10" name="内容占位符 2"/>
+          <p:cNvPr id="11" name="标题 1"/>
           <p:cNvSpPr txBox="1"/>
           <p:nvPr/>
         </p:nvSpPr>
         <p:spPr>
           <a:xfrm>
-            <a:off x="880106" y="2024290"/>
-            <a:ext cx="10395795" cy="4152673"/>
+            <a:off x="1170269" y="797307"/>
+            <a:ext cx="10030487" cy="961382"/>
           </a:xfrm>
           <a:prstGeom prst="rect">
             <a:avLst/>
@@ -5659,255 +5812,131 @@
         <p:txBody>
           <a:bodyPr/>
           <a:lstStyle>
-            <a:lvl1pPr marL="228600" indent="-228600" algn="l" defTabSz="914400" rtl="0" eaLnBrk="1" latinLnBrk="0" hangingPunct="1">
-              <a:lnSpc>
-                <a:spcPct val="90000"/>
-              </a:lnSpc>
-              <a:spcBef>
-                <a:spcPts val="1000"/>
-              </a:spcBef>
-              <a:buFont typeface="Arial" panose="020B0604020202020204" pitchFamily="34" charset="0"/>
-              <a:buChar char="•"/>
-              <a:defRPr sz="2800" kern="1200">
-                <a:solidFill>
-                  <a:schemeClr val="tx1"/>
-                </a:solidFill>
-                <a:latin typeface="+mn-lt"/>
-                <a:ea typeface="+mn-ea"/>
-                <a:cs typeface="+mn-cs"/>
+            <a:lvl1pPr algn="l" defTabSz="914400" rtl="0" eaLnBrk="1" latinLnBrk="0" hangingPunct="1">
+              <a:lnSpc>
+                <a:spcPct val="90000"/>
+              </a:lnSpc>
+              <a:spcBef>
+                <a:spcPct val="0"/>
+              </a:spcBef>
+              <a:buNone/>
+              <a:defRPr sz="4400" kern="1200">
+                <a:solidFill>
+                  <a:schemeClr val="tx1"/>
+                </a:solidFill>
+                <a:latin typeface="+mj-lt"/>
+                <a:ea typeface="+mj-ea"/>
+                <a:cs typeface="+mj-cs"/>
               </a:defRPr>
             </a:lvl1pPr>
-            <a:lvl2pPr marL="685800" indent="-228600" algn="l" defTabSz="914400" rtl="0" eaLnBrk="1" latinLnBrk="0" hangingPunct="1">
-              <a:lnSpc>
-                <a:spcPct val="90000"/>
-              </a:lnSpc>
-              <a:spcBef>
-                <a:spcPts val="500"/>
-              </a:spcBef>
-              <a:buFont typeface="Arial" panose="020B0604020202020204" pitchFamily="34" charset="0"/>
-              <a:buChar char="•"/>
-              <a:defRPr sz="2400" kern="1200">
-                <a:solidFill>
-                  <a:schemeClr val="tx1"/>
-                </a:solidFill>
-                <a:latin typeface="+mn-lt"/>
-                <a:ea typeface="+mn-ea"/>
-                <a:cs typeface="+mn-cs"/>
-              </a:defRPr>
-            </a:lvl2pPr>
-            <a:lvl3pPr marL="1143000" indent="-228600" algn="l" defTabSz="914400" rtl="0" eaLnBrk="1" latinLnBrk="0" hangingPunct="1">
-              <a:lnSpc>
-                <a:spcPct val="90000"/>
-              </a:lnSpc>
-              <a:spcBef>
-                <a:spcPts val="500"/>
-              </a:spcBef>
-              <a:buFont typeface="Arial" panose="020B0604020202020204" pitchFamily="34" charset="0"/>
-              <a:buChar char="•"/>
-              <a:defRPr sz="2000" kern="1200">
-                <a:solidFill>
-                  <a:schemeClr val="tx1"/>
-                </a:solidFill>
-                <a:latin typeface="+mn-lt"/>
-                <a:ea typeface="+mn-ea"/>
-                <a:cs typeface="+mn-cs"/>
-              </a:defRPr>
-            </a:lvl3pPr>
-            <a:lvl4pPr marL="1600200" indent="-228600" algn="l" defTabSz="914400" rtl="0" eaLnBrk="1" latinLnBrk="0" hangingPunct="1">
-              <a:lnSpc>
-                <a:spcPct val="90000"/>
-              </a:lnSpc>
-              <a:spcBef>
-                <a:spcPts val="500"/>
-              </a:spcBef>
-              <a:buFont typeface="Arial" panose="020B0604020202020204" pitchFamily="34" charset="0"/>
-              <a:buChar char="•"/>
-              <a:defRPr sz="1800" kern="1200">
-                <a:solidFill>
-                  <a:schemeClr val="tx1"/>
-                </a:solidFill>
-                <a:latin typeface="+mn-lt"/>
-                <a:ea typeface="+mn-ea"/>
-                <a:cs typeface="+mn-cs"/>
-              </a:defRPr>
-            </a:lvl4pPr>
-            <a:lvl5pPr marL="2057400" indent="-228600" algn="l" defTabSz="914400" rtl="0" eaLnBrk="1" latinLnBrk="0" hangingPunct="1">
-              <a:lnSpc>
-                <a:spcPct val="90000"/>
-              </a:lnSpc>
-              <a:spcBef>
-                <a:spcPts val="500"/>
-              </a:spcBef>
-              <a:buFont typeface="Arial" panose="020B0604020202020204" pitchFamily="34" charset="0"/>
-              <a:buChar char="•"/>
-              <a:defRPr sz="1800" kern="1200">
-                <a:solidFill>
-                  <a:schemeClr val="tx1"/>
-                </a:solidFill>
-                <a:latin typeface="+mn-lt"/>
-                <a:ea typeface="+mn-ea"/>
-                <a:cs typeface="+mn-cs"/>
-              </a:defRPr>
-            </a:lvl5pPr>
-            <a:lvl6pPr marL="2514600" indent="-228600" algn="l" defTabSz="914400" rtl="0" eaLnBrk="1" latinLnBrk="0" hangingPunct="1">
-              <a:lnSpc>
-                <a:spcPct val="90000"/>
-              </a:lnSpc>
-              <a:spcBef>
-                <a:spcPts val="500"/>
-              </a:spcBef>
-              <a:buFont typeface="Arial" panose="020B0604020202020204" pitchFamily="34" charset="0"/>
-              <a:buChar char="•"/>
-              <a:defRPr sz="1800" kern="1200">
-                <a:solidFill>
-                  <a:schemeClr val="tx1"/>
-                </a:solidFill>
-                <a:latin typeface="+mn-lt"/>
-                <a:ea typeface="+mn-ea"/>
-                <a:cs typeface="+mn-cs"/>
-              </a:defRPr>
-            </a:lvl6pPr>
-            <a:lvl7pPr marL="2971800" indent="-228600" algn="l" defTabSz="914400" rtl="0" eaLnBrk="1" latinLnBrk="0" hangingPunct="1">
-              <a:lnSpc>
-                <a:spcPct val="90000"/>
-              </a:lnSpc>
-              <a:spcBef>
-                <a:spcPts val="500"/>
-              </a:spcBef>
-              <a:buFont typeface="Arial" panose="020B0604020202020204" pitchFamily="34" charset="0"/>
-              <a:buChar char="•"/>
-              <a:defRPr sz="1800" kern="1200">
-                <a:solidFill>
-                  <a:schemeClr val="tx1"/>
-                </a:solidFill>
-                <a:latin typeface="+mn-lt"/>
-                <a:ea typeface="+mn-ea"/>
-                <a:cs typeface="+mn-cs"/>
-              </a:defRPr>
-            </a:lvl7pPr>
-            <a:lvl8pPr marL="3429000" indent="-228600" algn="l" defTabSz="914400" rtl="0" eaLnBrk="1" latinLnBrk="0" hangingPunct="1">
-              <a:lnSpc>
-                <a:spcPct val="90000"/>
-              </a:lnSpc>
-              <a:spcBef>
-                <a:spcPts val="500"/>
-              </a:spcBef>
-              <a:buFont typeface="Arial" panose="020B0604020202020204" pitchFamily="34" charset="0"/>
-              <a:buChar char="•"/>
-              <a:defRPr sz="1800" kern="1200">
-                <a:solidFill>
-                  <a:schemeClr val="tx1"/>
-                </a:solidFill>
-                <a:latin typeface="+mn-lt"/>
-                <a:ea typeface="+mn-ea"/>
-                <a:cs typeface="+mn-cs"/>
-              </a:defRPr>
-            </a:lvl8pPr>
-            <a:lvl9pPr marL="3886200" indent="-228600" algn="l" defTabSz="914400" rtl="0" eaLnBrk="1" latinLnBrk="0" hangingPunct="1">
-              <a:lnSpc>
-                <a:spcPct val="90000"/>
-              </a:lnSpc>
-              <a:spcBef>
-                <a:spcPts val="500"/>
-              </a:spcBef>
-              <a:buFont typeface="Arial" panose="020B0604020202020204" pitchFamily="34" charset="0"/>
-              <a:buChar char="•"/>
-              <a:defRPr sz="1800" kern="1200">
-                <a:solidFill>
-                  <a:schemeClr val="tx1"/>
-                </a:solidFill>
-                <a:latin typeface="+mn-lt"/>
-                <a:ea typeface="+mn-ea"/>
-                <a:cs typeface="+mn-cs"/>
-              </a:defRPr>
-            </a:lvl9pPr>
           </a:lstStyle>
           <a:p>
-            <a:pPr marL="0" indent="0">
-              <a:buNone/>
-            </a:pPr>
-            <a:endParaRPr kumimoji="1" lang="zh-CN" altLang="en-US" dirty="0">
-              <a:solidFill>
-                <a:srgbClr val="FF0000"/>
-              </a:solidFill>
-            </a:endParaRPr>
-          </a:p>
-          <a:p>
-            <a:pPr marL="0" indent="0">
-              <a:buNone/>
-            </a:pPr>
-            <a:endParaRPr kumimoji="1" lang="zh-CN" altLang="en-US" dirty="0">
-              <a:solidFill>
-                <a:srgbClr val="FF0000"/>
-              </a:solidFill>
-            </a:endParaRPr>
-          </a:p>
-          <a:p>
-            <a:pPr marL="0" indent="0" algn="ctr">
-              <a:buNone/>
-            </a:pPr>
-            <a:r>
-              <a:rPr kumimoji="1" lang="zh-CN" altLang="en-US" sz="3600" dirty="0">
+            <a:r>
+              <a:rPr lang="en-US" altLang="zh-CN" sz="4000" b="1" dirty="0" err="1">
                 <a:solidFill>
                   <a:srgbClr val="704F95"/>
                 </a:solidFill>
-                <a:latin typeface="思源宋体 Heavy" panose="02020900000000000000" pitchFamily="18" charset="-122"/>
-                <a:ea typeface="思源宋体 Heavy" panose="02020900000000000000" pitchFamily="18" charset="-122"/>
+                <a:latin typeface="思源宋体 Medium" panose="02020500000000000000" pitchFamily="18" charset="-122"/>
+                <a:ea typeface="思源宋体 Medium" panose="02020500000000000000" pitchFamily="18" charset="-122"/>
               </a:rPr>
-              <a:t>感谢陈渝老师和向勇老师的指导！</a:t>
-            </a:r>
-            <a:endParaRPr kumimoji="1" lang="en-US" altLang="zh-CN" sz="3600" dirty="0">
+              <a:t>Uintr</a:t>
+            </a:r>
+            <a:r>
+              <a:rPr lang="zh-CN" altLang="en-US" sz="4000" b="1" dirty="0">
+                <a:solidFill>
+                  <a:srgbClr val="704F95"/>
+                </a:solidFill>
+                <a:latin typeface="思源宋体 Medium" panose="02020500000000000000" pitchFamily="18" charset="-122"/>
+                <a:ea typeface="思源宋体 Medium" panose="02020500000000000000" pitchFamily="18" charset="-122"/>
+              </a:rPr>
+              <a:t>性能测试</a:t>
+            </a:r>
+            <a:r>
+              <a:rPr lang="en-US" altLang="zh-CN" sz="4000" b="1" dirty="0">
+                <a:solidFill>
+                  <a:srgbClr val="704F95"/>
+                </a:solidFill>
+                <a:latin typeface="思源宋体 Medium" panose="02020500000000000000" pitchFamily="18" charset="-122"/>
+                <a:ea typeface="思源宋体 Medium" panose="02020500000000000000" pitchFamily="18" charset="-122"/>
+              </a:rPr>
+              <a:t>-</a:t>
+            </a:r>
+            <a:r>
+              <a:rPr lang="zh-CN" altLang="en-US" sz="4000" b="1" dirty="0">
+                <a:solidFill>
+                  <a:srgbClr val="704F95"/>
+                </a:solidFill>
+                <a:latin typeface="思源宋体 Medium" panose="02020500000000000000" pitchFamily="18" charset="-122"/>
+                <a:ea typeface="思源宋体 Medium" panose="02020500000000000000" pitchFamily="18" charset="-122"/>
+              </a:rPr>
+              <a:t>横向对比</a:t>
+            </a:r>
+            <a:endParaRPr lang="en-US" altLang="zh-CN" sz="4000" b="1" dirty="0">
               <a:solidFill>
                 <a:srgbClr val="704F95"/>
               </a:solidFill>
-              <a:latin typeface="思源宋体 Heavy" panose="02020900000000000000" pitchFamily="18" charset="-122"/>
-              <a:ea typeface="思源宋体 Heavy" panose="02020900000000000000" pitchFamily="18" charset="-122"/>
+              <a:latin typeface="思源宋体 Medium" panose="02020500000000000000" pitchFamily="18" charset="-122"/>
+              <a:ea typeface="思源宋体 Medium" panose="02020500000000000000" pitchFamily="18" charset="-122"/>
             </a:endParaRPr>
           </a:p>
-          <a:p>
-            <a:pPr marL="0" indent="0" algn="ctr">
-              <a:buNone/>
-            </a:pPr>
-            <a:r>
-              <a:rPr kumimoji="1" lang="zh-CN" altLang="en-US" sz="3600" dirty="0">
-                <a:solidFill>
-                  <a:srgbClr val="704F95"/>
-                </a:solidFill>
-                <a:latin typeface="思源宋体 Heavy" panose="02020900000000000000" pitchFamily="18" charset="-122"/>
-                <a:ea typeface="思源宋体 Heavy" panose="02020900000000000000" pitchFamily="18" charset="-122"/>
+        </p:txBody>
+      </p:sp>
+      <p:sp>
+        <p:nvSpPr>
+          <p:cNvPr id="43" name="Rectangle 236"/>
+          <p:cNvSpPr/>
+          <p:nvPr/>
+        </p:nvSpPr>
+        <p:spPr>
+          <a:xfrm>
+            <a:off x="987616" y="797307"/>
+            <a:ext cx="10395795" cy="923330"/>
+          </a:xfrm>
+          <a:prstGeom prst="rect">
+            <a:avLst/>
+          </a:prstGeom>
+          <a:noFill/>
+        </p:spPr>
+        <p:txBody>
+          <a:bodyPr wrap="none" lIns="91440" tIns="45720" rIns="91440" bIns="45720">
+            <a:spAutoFit/>
+            <a:scene3d>
+              <a:camera prst="orthographicFront"/>
+              <a:lightRig rig="soft" dir="t">
+                <a:rot lat="0" lon="0" rev="15600000"/>
+              </a:lightRig>
+            </a:scene3d>
+            <a:sp3d extrusionH="57150" prstMaterial="softEdge">
+              <a:bevelT w="25400" h="38100"/>
+            </a:sp3d>
+          </a:bodyPr>
+          <a:lstStyle/>
+          <a:p>
+            <a:pPr algn="ctr"/>
+            <a:r>
+              <a:rPr lang="zh-CN" altLang="en-US" sz="5400" b="1" u="sng" dirty="0">
+                <a:solidFill>
+                  <a:srgbClr val="803A87"/>
+                </a:solidFill>
               </a:rPr>
-              <a:t>感谢贾越凯、贺鲲鹏、尤予阳以及其他学长的帮助！</a:t>
-            </a:r>
-            <a:endParaRPr kumimoji="1" lang="en-US" altLang="zh-CN" sz="3600" dirty="0">
+              <a:t>                                                               </a:t>
+            </a:r>
+            <a:endParaRPr lang="en-US" altLang="zh-CN" sz="5400" b="1" u="sng" dirty="0">
               <a:solidFill>
-                <a:srgbClr val="704F95"/>
+                <a:srgbClr val="803A87"/>
               </a:solidFill>
-              <a:latin typeface="思源宋体 Heavy" panose="02020900000000000000" pitchFamily="18" charset="-122"/>
-              <a:ea typeface="思源宋体 Heavy" panose="02020900000000000000" pitchFamily="18" charset="-122"/>
-            </a:endParaRPr>
-          </a:p>
-          <a:p>
-            <a:pPr marL="0" indent="0" algn="ctr">
-              <a:buNone/>
-            </a:pPr>
-            <a:endParaRPr kumimoji="1" lang="en-US" altLang="zh-CN" sz="3600" dirty="0">
-              <a:solidFill>
-                <a:srgbClr val="704F95"/>
-              </a:solidFill>
-              <a:latin typeface="思源宋体 Heavy" panose="02020900000000000000" pitchFamily="18" charset="-122"/>
-              <a:ea typeface="思源宋体 Heavy" panose="02020900000000000000" pitchFamily="18" charset="-122"/>
             </a:endParaRPr>
           </a:p>
         </p:txBody>
       </p:sp>
       <p:pic>
         <p:nvPicPr>
-          <p:cNvPr id="8" name="Picture 8"/>
+          <p:cNvPr id="44" name="Picture 8"/>
           <p:cNvPicPr/>
           <p:nvPr/>
         </p:nvPicPr>
         <p:blipFill>
-          <a:blip r:embed="rId3">
+          <a:blip r:embed="rId1">
             <a:clrChange>
               <a:clrFrom>
                 <a:srgbClr val="FFFFFF"/>
@@ -5935,13 +5964,612 @@
       </p:pic>
       <p:sp>
         <p:nvSpPr>
-          <p:cNvPr id="5" name="Rectangle 236"/>
+          <p:cNvPr id="8" name="文本占位符 1"/>
+          <p:cNvSpPr txBox="1"/>
+          <p:nvPr/>
+        </p:nvSpPr>
+        <p:spPr>
+          <a:xfrm>
+            <a:off x="6371771" y="263796"/>
+            <a:ext cx="5629085" cy="328059"/>
+          </a:xfrm>
+          <a:prstGeom prst="rect">
+            <a:avLst/>
+          </a:prstGeom>
+          <a:ln w="12700" cmpd="sng">
+            <a:noFill/>
+          </a:ln>
+        </p:spPr>
+        <p:txBody>
+          <a:bodyPr vert="horz" anchor="ctr"/>
+          <a:lstStyle>
+            <a:lvl1pPr marL="0" indent="0" algn="l" defTabSz="914400" rtl="0" eaLnBrk="1" latinLnBrk="0" hangingPunct="1">
+              <a:lnSpc>
+                <a:spcPct val="90000"/>
+              </a:lnSpc>
+              <a:spcBef>
+                <a:spcPts val="1000"/>
+              </a:spcBef>
+              <a:buFont typeface="Arial" panose="020B0604020202020204" pitchFamily="34" charset="0"/>
+              <a:buNone/>
+              <a:defRPr sz="1400" b="1" kern="1200">
+                <a:solidFill>
+                  <a:schemeClr val="tx1"/>
+                </a:solidFill>
+                <a:latin typeface="微软雅黑" charset="0"/>
+                <a:ea typeface="微软雅黑" charset="0"/>
+                <a:cs typeface="微软雅黑" charset="0"/>
+              </a:defRPr>
+            </a:lvl1pPr>
+            <a:lvl2pPr marL="685800" indent="-228600" algn="l" defTabSz="914400" rtl="0" eaLnBrk="1" latinLnBrk="0" hangingPunct="1">
+              <a:lnSpc>
+                <a:spcPct val="90000"/>
+              </a:lnSpc>
+              <a:spcBef>
+                <a:spcPts val="500"/>
+              </a:spcBef>
+              <a:buFont typeface="Arial" panose="020B0604020202020204" pitchFamily="34" charset="0"/>
+              <a:buChar char="•"/>
+              <a:defRPr sz="2400" kern="1200">
+                <a:solidFill>
+                  <a:schemeClr val="tx1"/>
+                </a:solidFill>
+                <a:latin typeface="+mn-lt"/>
+                <a:ea typeface="+mn-ea"/>
+                <a:cs typeface="+mn-cs"/>
+              </a:defRPr>
+            </a:lvl2pPr>
+            <a:lvl3pPr marL="1143000" indent="-228600" algn="l" defTabSz="914400" rtl="0" eaLnBrk="1" latinLnBrk="0" hangingPunct="1">
+              <a:lnSpc>
+                <a:spcPct val="90000"/>
+              </a:lnSpc>
+              <a:spcBef>
+                <a:spcPts val="500"/>
+              </a:spcBef>
+              <a:buFont typeface="Arial" panose="020B0604020202020204" pitchFamily="34" charset="0"/>
+              <a:buChar char="•"/>
+              <a:defRPr sz="2000" kern="1200">
+                <a:solidFill>
+                  <a:schemeClr val="tx1"/>
+                </a:solidFill>
+                <a:latin typeface="+mn-lt"/>
+                <a:ea typeface="+mn-ea"/>
+                <a:cs typeface="+mn-cs"/>
+              </a:defRPr>
+            </a:lvl3pPr>
+            <a:lvl4pPr marL="1600200" indent="-228600" algn="l" defTabSz="914400" rtl="0" eaLnBrk="1" latinLnBrk="0" hangingPunct="1">
+              <a:lnSpc>
+                <a:spcPct val="90000"/>
+              </a:lnSpc>
+              <a:spcBef>
+                <a:spcPts val="500"/>
+              </a:spcBef>
+              <a:buFont typeface="Arial" panose="020B0604020202020204" pitchFamily="34" charset="0"/>
+              <a:buChar char="•"/>
+              <a:defRPr sz="1800" kern="1200">
+                <a:solidFill>
+                  <a:schemeClr val="tx1"/>
+                </a:solidFill>
+                <a:latin typeface="+mn-lt"/>
+                <a:ea typeface="+mn-ea"/>
+                <a:cs typeface="+mn-cs"/>
+              </a:defRPr>
+            </a:lvl4pPr>
+            <a:lvl5pPr marL="2057400" indent="-228600" algn="l" defTabSz="914400" rtl="0" eaLnBrk="1" latinLnBrk="0" hangingPunct="1">
+              <a:lnSpc>
+                <a:spcPct val="90000"/>
+              </a:lnSpc>
+              <a:spcBef>
+                <a:spcPts val="500"/>
+              </a:spcBef>
+              <a:buFont typeface="Arial" panose="020B0604020202020204" pitchFamily="34" charset="0"/>
+              <a:buChar char="•"/>
+              <a:defRPr sz="1800" kern="1200">
+                <a:solidFill>
+                  <a:schemeClr val="tx1"/>
+                </a:solidFill>
+                <a:latin typeface="+mn-lt"/>
+                <a:ea typeface="+mn-ea"/>
+                <a:cs typeface="+mn-cs"/>
+              </a:defRPr>
+            </a:lvl5pPr>
+            <a:lvl6pPr marL="2514600" indent="-228600" algn="l" defTabSz="914400" rtl="0" eaLnBrk="1" latinLnBrk="0" hangingPunct="1">
+              <a:lnSpc>
+                <a:spcPct val="90000"/>
+              </a:lnSpc>
+              <a:spcBef>
+                <a:spcPts val="500"/>
+              </a:spcBef>
+              <a:buFont typeface="Arial" panose="020B0604020202020204" pitchFamily="34" charset="0"/>
+              <a:buChar char="•"/>
+              <a:defRPr sz="1800" kern="1200">
+                <a:solidFill>
+                  <a:schemeClr val="tx1"/>
+                </a:solidFill>
+                <a:latin typeface="+mn-lt"/>
+                <a:ea typeface="+mn-ea"/>
+                <a:cs typeface="+mn-cs"/>
+              </a:defRPr>
+            </a:lvl6pPr>
+            <a:lvl7pPr marL="2971800" indent="-228600" algn="l" defTabSz="914400" rtl="0" eaLnBrk="1" latinLnBrk="0" hangingPunct="1">
+              <a:lnSpc>
+                <a:spcPct val="90000"/>
+              </a:lnSpc>
+              <a:spcBef>
+                <a:spcPts val="500"/>
+              </a:spcBef>
+              <a:buFont typeface="Arial" panose="020B0604020202020204" pitchFamily="34" charset="0"/>
+              <a:buChar char="•"/>
+              <a:defRPr sz="1800" kern="1200">
+                <a:solidFill>
+                  <a:schemeClr val="tx1"/>
+                </a:solidFill>
+                <a:latin typeface="+mn-lt"/>
+                <a:ea typeface="+mn-ea"/>
+                <a:cs typeface="+mn-cs"/>
+              </a:defRPr>
+            </a:lvl7pPr>
+            <a:lvl8pPr marL="3429000" indent="-228600" algn="l" defTabSz="914400" rtl="0" eaLnBrk="1" latinLnBrk="0" hangingPunct="1">
+              <a:lnSpc>
+                <a:spcPct val="90000"/>
+              </a:lnSpc>
+              <a:spcBef>
+                <a:spcPts val="500"/>
+              </a:spcBef>
+              <a:buFont typeface="Arial" panose="020B0604020202020204" pitchFamily="34" charset="0"/>
+              <a:buChar char="•"/>
+              <a:defRPr sz="1800" kern="1200">
+                <a:solidFill>
+                  <a:schemeClr val="tx1"/>
+                </a:solidFill>
+                <a:latin typeface="+mn-lt"/>
+                <a:ea typeface="+mn-ea"/>
+                <a:cs typeface="+mn-cs"/>
+              </a:defRPr>
+            </a:lvl8pPr>
+            <a:lvl9pPr marL="3886200" indent="-228600" algn="l" defTabSz="914400" rtl="0" eaLnBrk="1" latinLnBrk="0" hangingPunct="1">
+              <a:lnSpc>
+                <a:spcPct val="90000"/>
+              </a:lnSpc>
+              <a:spcBef>
+                <a:spcPts val="500"/>
+              </a:spcBef>
+              <a:buFont typeface="Arial" panose="020B0604020202020204" pitchFamily="34" charset="0"/>
+              <a:buChar char="•"/>
+              <a:defRPr sz="1800" kern="1200">
+                <a:solidFill>
+                  <a:schemeClr val="tx1"/>
+                </a:solidFill>
+                <a:latin typeface="+mn-lt"/>
+                <a:ea typeface="+mn-ea"/>
+                <a:cs typeface="+mn-cs"/>
+              </a:defRPr>
+            </a:lvl9pPr>
+          </a:lstStyle>
+          <a:p>
+            <a:pPr algn="r"/>
+            <a:endParaRPr lang="en-US" altLang="zh-CN" dirty="0">
+              <a:solidFill>
+                <a:srgbClr val="704F95"/>
+              </a:solidFill>
+              <a:latin typeface="思源宋体 Medium" panose="02020500000000000000" pitchFamily="18" charset="-122"/>
+              <a:ea typeface="思源宋体 Medium" panose="02020500000000000000" pitchFamily="18" charset="-122"/>
+            </a:endParaRPr>
+          </a:p>
+        </p:txBody>
+      </p:sp>
+      <p:sp>
+        <p:nvSpPr>
+          <p:cNvPr id="6" name="Content Placeholder 2"/>
+          <p:cNvSpPr txBox="1"/>
+          <p:nvPr/>
+        </p:nvSpPr>
+        <p:spPr>
+          <a:xfrm>
+            <a:off x="1056186" y="1833032"/>
+            <a:ext cx="10515600" cy="4351338"/>
+          </a:xfrm>
+          <a:prstGeom prst="rect">
+            <a:avLst/>
+          </a:prstGeom>
+        </p:spPr>
+        <p:txBody>
+          <a:bodyPr>
+            <a:normAutofit/>
+          </a:bodyPr>
+          <a:lstStyle>
+            <a:lvl1pPr marL="228600" indent="-228600" algn="l" defTabSz="914400" rtl="0" eaLnBrk="1" latinLnBrk="0" hangingPunct="1">
+              <a:lnSpc>
+                <a:spcPct val="90000"/>
+              </a:lnSpc>
+              <a:spcBef>
+                <a:spcPts val="1000"/>
+              </a:spcBef>
+              <a:buFont typeface="Arial" panose="020B0604020202020204" pitchFamily="34" charset="0"/>
+              <a:buChar char="•"/>
+              <a:defRPr sz="2800" kern="1200">
+                <a:solidFill>
+                  <a:schemeClr val="tx1"/>
+                </a:solidFill>
+                <a:latin typeface="+mn-lt"/>
+                <a:ea typeface="+mn-ea"/>
+                <a:cs typeface="+mn-cs"/>
+              </a:defRPr>
+            </a:lvl1pPr>
+            <a:lvl2pPr marL="685800" indent="-228600" algn="l" defTabSz="914400" rtl="0" eaLnBrk="1" latinLnBrk="0" hangingPunct="1">
+              <a:lnSpc>
+                <a:spcPct val="90000"/>
+              </a:lnSpc>
+              <a:spcBef>
+                <a:spcPts val="500"/>
+              </a:spcBef>
+              <a:buFont typeface="Arial" panose="020B0604020202020204" pitchFamily="34" charset="0"/>
+              <a:buChar char="•"/>
+              <a:defRPr sz="2400" kern="1200">
+                <a:solidFill>
+                  <a:schemeClr val="tx1"/>
+                </a:solidFill>
+                <a:latin typeface="+mn-lt"/>
+                <a:ea typeface="+mn-ea"/>
+                <a:cs typeface="+mn-cs"/>
+              </a:defRPr>
+            </a:lvl2pPr>
+            <a:lvl3pPr marL="1143000" indent="-228600" algn="l" defTabSz="914400" rtl="0" eaLnBrk="1" latinLnBrk="0" hangingPunct="1">
+              <a:lnSpc>
+                <a:spcPct val="90000"/>
+              </a:lnSpc>
+              <a:spcBef>
+                <a:spcPts val="500"/>
+              </a:spcBef>
+              <a:buFont typeface="Arial" panose="020B0604020202020204" pitchFamily="34" charset="0"/>
+              <a:buChar char="•"/>
+              <a:defRPr sz="2000" kern="1200">
+                <a:solidFill>
+                  <a:schemeClr val="tx1"/>
+                </a:solidFill>
+                <a:latin typeface="+mn-lt"/>
+                <a:ea typeface="+mn-ea"/>
+                <a:cs typeface="+mn-cs"/>
+              </a:defRPr>
+            </a:lvl3pPr>
+            <a:lvl4pPr marL="1600200" indent="-228600" algn="l" defTabSz="914400" rtl="0" eaLnBrk="1" latinLnBrk="0" hangingPunct="1">
+              <a:lnSpc>
+                <a:spcPct val="90000"/>
+              </a:lnSpc>
+              <a:spcBef>
+                <a:spcPts val="500"/>
+              </a:spcBef>
+              <a:buFont typeface="Arial" panose="020B0604020202020204" pitchFamily="34" charset="0"/>
+              <a:buChar char="•"/>
+              <a:defRPr sz="1800" kern="1200">
+                <a:solidFill>
+                  <a:schemeClr val="tx1"/>
+                </a:solidFill>
+                <a:latin typeface="+mn-lt"/>
+                <a:ea typeface="+mn-ea"/>
+                <a:cs typeface="+mn-cs"/>
+              </a:defRPr>
+            </a:lvl4pPr>
+            <a:lvl5pPr marL="2057400" indent="-228600" algn="l" defTabSz="914400" rtl="0" eaLnBrk="1" latinLnBrk="0" hangingPunct="1">
+              <a:lnSpc>
+                <a:spcPct val="90000"/>
+              </a:lnSpc>
+              <a:spcBef>
+                <a:spcPts val="500"/>
+              </a:spcBef>
+              <a:buFont typeface="Arial" panose="020B0604020202020204" pitchFamily="34" charset="0"/>
+              <a:buChar char="•"/>
+              <a:defRPr sz="1800" kern="1200">
+                <a:solidFill>
+                  <a:schemeClr val="tx1"/>
+                </a:solidFill>
+                <a:latin typeface="+mn-lt"/>
+                <a:ea typeface="+mn-ea"/>
+                <a:cs typeface="+mn-cs"/>
+              </a:defRPr>
+            </a:lvl5pPr>
+            <a:lvl6pPr marL="2514600" indent="-228600" algn="l" defTabSz="914400" rtl="0" eaLnBrk="1" latinLnBrk="0" hangingPunct="1">
+              <a:lnSpc>
+                <a:spcPct val="90000"/>
+              </a:lnSpc>
+              <a:spcBef>
+                <a:spcPts val="500"/>
+              </a:spcBef>
+              <a:buFont typeface="Arial" panose="020B0604020202020204" pitchFamily="34" charset="0"/>
+              <a:buChar char="•"/>
+              <a:defRPr sz="1800" kern="1200">
+                <a:solidFill>
+                  <a:schemeClr val="tx1"/>
+                </a:solidFill>
+                <a:latin typeface="+mn-lt"/>
+                <a:ea typeface="+mn-ea"/>
+                <a:cs typeface="+mn-cs"/>
+              </a:defRPr>
+            </a:lvl6pPr>
+            <a:lvl7pPr marL="2971800" indent="-228600" algn="l" defTabSz="914400" rtl="0" eaLnBrk="1" latinLnBrk="0" hangingPunct="1">
+              <a:lnSpc>
+                <a:spcPct val="90000"/>
+              </a:lnSpc>
+              <a:spcBef>
+                <a:spcPts val="500"/>
+              </a:spcBef>
+              <a:buFont typeface="Arial" panose="020B0604020202020204" pitchFamily="34" charset="0"/>
+              <a:buChar char="•"/>
+              <a:defRPr sz="1800" kern="1200">
+                <a:solidFill>
+                  <a:schemeClr val="tx1"/>
+                </a:solidFill>
+                <a:latin typeface="+mn-lt"/>
+                <a:ea typeface="+mn-ea"/>
+                <a:cs typeface="+mn-cs"/>
+              </a:defRPr>
+            </a:lvl7pPr>
+            <a:lvl8pPr marL="3429000" indent="-228600" algn="l" defTabSz="914400" rtl="0" eaLnBrk="1" latinLnBrk="0" hangingPunct="1">
+              <a:lnSpc>
+                <a:spcPct val="90000"/>
+              </a:lnSpc>
+              <a:spcBef>
+                <a:spcPts val="500"/>
+              </a:spcBef>
+              <a:buFont typeface="Arial" panose="020B0604020202020204" pitchFamily="34" charset="0"/>
+              <a:buChar char="•"/>
+              <a:defRPr sz="1800" kern="1200">
+                <a:solidFill>
+                  <a:schemeClr val="tx1"/>
+                </a:solidFill>
+                <a:latin typeface="+mn-lt"/>
+                <a:ea typeface="+mn-ea"/>
+                <a:cs typeface="+mn-cs"/>
+              </a:defRPr>
+            </a:lvl8pPr>
+            <a:lvl9pPr marL="3886200" indent="-228600" algn="l" defTabSz="914400" rtl="0" eaLnBrk="1" latinLnBrk="0" hangingPunct="1">
+              <a:lnSpc>
+                <a:spcPct val="90000"/>
+              </a:lnSpc>
+              <a:spcBef>
+                <a:spcPts val="500"/>
+              </a:spcBef>
+              <a:buFont typeface="Arial" panose="020B0604020202020204" pitchFamily="34" charset="0"/>
+              <a:buChar char="•"/>
+              <a:defRPr sz="1800" kern="1200">
+                <a:solidFill>
+                  <a:schemeClr val="tx1"/>
+                </a:solidFill>
+                <a:latin typeface="+mn-lt"/>
+                <a:ea typeface="+mn-ea"/>
+                <a:cs typeface="+mn-cs"/>
+              </a:defRPr>
+            </a:lvl9pPr>
+          </a:lstStyle>
+          <a:p>
+            <a:r>
+              <a:rPr lang="zh-CN" altLang="en-US" dirty="0">
+                <a:latin typeface="+mn-ea"/>
+              </a:rPr>
+              <a:t>复现</a:t>
+            </a:r>
+            <a:r>
+              <a:rPr lang="en-US" altLang="zh-CN" dirty="0">
+                <a:latin typeface="+mn-ea"/>
+              </a:rPr>
+              <a:t> linux rfc </a:t>
+            </a:r>
+            <a:r>
+              <a:rPr lang="zh-CN" altLang="en-US" dirty="0">
+                <a:latin typeface="+mn-ea"/>
+              </a:rPr>
+              <a:t>性能测试结果</a:t>
+            </a:r>
+            <a:endParaRPr lang="zh-CN" altLang="en-US" dirty="0">
+              <a:latin typeface="+mn-ea"/>
+            </a:endParaRPr>
+          </a:p>
+        </p:txBody>
+      </p:sp>
+      <p:pic>
+        <p:nvPicPr>
+          <p:cNvPr id="2" name="图片 1"/>
+          <p:cNvPicPr>
+            <a:picLocks noChangeAspect="1"/>
+          </p:cNvPicPr>
+          <p:nvPr/>
+        </p:nvPicPr>
+        <p:blipFill>
+          <a:blip r:embed="rId2"/>
+          <a:stretch>
+            <a:fillRect/>
+          </a:stretch>
+        </p:blipFill>
+        <p:spPr>
+          <a:xfrm>
+            <a:off x="663575" y="2680970"/>
+            <a:ext cx="5708015" cy="2889250"/>
+          </a:xfrm>
+          <a:prstGeom prst="rect">
+            <a:avLst/>
+          </a:prstGeom>
+        </p:spPr>
+      </p:pic>
+      <p:pic>
+        <p:nvPicPr>
+          <p:cNvPr id="7" name="图片 6"/>
+          <p:cNvPicPr>
+            <a:picLocks noChangeAspect="1"/>
+          </p:cNvPicPr>
+          <p:nvPr/>
+        </p:nvPicPr>
+        <p:blipFill>
+          <a:blip r:embed="rId3"/>
+          <a:stretch>
+            <a:fillRect/>
+          </a:stretch>
+        </p:blipFill>
+        <p:spPr>
+          <a:xfrm>
+            <a:off x="7133590" y="2255520"/>
+            <a:ext cx="4031615" cy="2124710"/>
+          </a:xfrm>
+          <a:prstGeom prst="rect">
+            <a:avLst/>
+          </a:prstGeom>
+        </p:spPr>
+      </p:pic>
+      <p:sp>
+        <p:nvSpPr>
+          <p:cNvPr id="10" name="文本框 9"/>
+          <p:cNvSpPr txBox="1"/>
+          <p:nvPr/>
+        </p:nvSpPr>
+        <p:spPr>
+          <a:xfrm>
+            <a:off x="7250430" y="1706245"/>
+            <a:ext cx="3608705" cy="368300"/>
+          </a:xfrm>
+          <a:prstGeom prst="rect">
+            <a:avLst/>
+          </a:prstGeom>
+          <a:noFill/>
+        </p:spPr>
+        <p:txBody>
+          <a:bodyPr wrap="square" rtlCol="0">
+            <a:spAutoFit/>
+          </a:bodyPr>
+          <a:p>
+            <a:r>
+              <a:rPr lang="zh-CN" altLang="en-US"/>
+              <a:t>上：</a:t>
+            </a:r>
+            <a:r>
+              <a:rPr lang="en-US" altLang="zh-CN"/>
+              <a:t>uintr</a:t>
+            </a:r>
+            <a:r>
+              <a:rPr lang="zh-CN" altLang="en-US"/>
+              <a:t>；下：</a:t>
+            </a:r>
+            <a:r>
+              <a:rPr lang="en-US" altLang="zh-CN"/>
+              <a:t>domain</a:t>
+            </a:r>
+            <a:endParaRPr lang="en-US" altLang="zh-CN"/>
+          </a:p>
+        </p:txBody>
+      </p:sp>
+      <p:pic>
+        <p:nvPicPr>
+          <p:cNvPr id="3" name="图片 2"/>
+          <p:cNvPicPr>
+            <a:picLocks noChangeAspect="1"/>
+          </p:cNvPicPr>
+          <p:nvPr/>
+        </p:nvPicPr>
+        <p:blipFill>
+          <a:blip r:embed="rId4"/>
+          <a:stretch>
+            <a:fillRect/>
+          </a:stretch>
+        </p:blipFill>
+        <p:spPr>
+          <a:xfrm>
+            <a:off x="7146290" y="4561205"/>
+            <a:ext cx="3918585" cy="2085975"/>
+          </a:xfrm>
+          <a:prstGeom prst="rect">
+            <a:avLst/>
+          </a:prstGeom>
+        </p:spPr>
+      </p:pic>
+    </p:spTree>
+  </p:cSld>
+  <p:clrMapOvr>
+    <a:masterClrMapping/>
+  </p:clrMapOvr>
+</p:sld>
+</file>
+
+<file path=ppt/slides/slide12.xml><?xml version="1.0" encoding="utf-8"?>
+<p:sld xmlns:a="http://schemas.openxmlformats.org/drawingml/2006/main" xmlns:r="http://schemas.openxmlformats.org/officeDocument/2006/relationships" xmlns:p="http://schemas.openxmlformats.org/presentationml/2006/main">
+  <p:cSld>
+    <p:spTree>
+      <p:nvGrpSpPr>
+        <p:cNvPr id="1" name=""/>
+        <p:cNvGrpSpPr/>
+        <p:nvPr/>
+      </p:nvGrpSpPr>
+      <p:grpSpPr>
+        <a:xfrm>
+          <a:off x="0" y="0"/>
+          <a:ext cx="0" cy="0"/>
+          <a:chOff x="0" y="0"/>
+          <a:chExt cx="0" cy="0"/>
+        </a:xfrm>
+      </p:grpSpPr>
+      <p:sp>
+        <p:nvSpPr>
+          <p:cNvPr id="11" name="标题 1"/>
+          <p:cNvSpPr txBox="1"/>
+          <p:nvPr/>
+        </p:nvSpPr>
+        <p:spPr>
+          <a:xfrm>
+            <a:off x="1170269" y="797307"/>
+            <a:ext cx="10030487" cy="961382"/>
+          </a:xfrm>
+          <a:prstGeom prst="rect">
+            <a:avLst/>
+          </a:prstGeom>
+        </p:spPr>
+        <p:txBody>
+          <a:bodyPr/>
+          <a:lstStyle>
+            <a:lvl1pPr algn="l" defTabSz="914400" rtl="0" eaLnBrk="1" latinLnBrk="0" hangingPunct="1">
+              <a:lnSpc>
+                <a:spcPct val="90000"/>
+              </a:lnSpc>
+              <a:spcBef>
+                <a:spcPct val="0"/>
+              </a:spcBef>
+              <a:buNone/>
+              <a:defRPr sz="4400" kern="1200">
+                <a:solidFill>
+                  <a:schemeClr val="tx1"/>
+                </a:solidFill>
+                <a:latin typeface="+mj-lt"/>
+                <a:ea typeface="+mj-ea"/>
+                <a:cs typeface="+mj-cs"/>
+              </a:defRPr>
+            </a:lvl1pPr>
+          </a:lstStyle>
+          <a:p>
+            <a:r>
+              <a:rPr lang="zh-CN" altLang="en-US" sz="4000" b="1" dirty="0">
+                <a:solidFill>
+                  <a:srgbClr val="704F95"/>
+                </a:solidFill>
+                <a:latin typeface="思源宋体 Medium" panose="02020500000000000000" pitchFamily="18" charset="-122"/>
+                <a:ea typeface="思源宋体 Medium" panose="02020500000000000000" pitchFamily="18" charset="-122"/>
+              </a:rPr>
+              <a:t>工作过程管理</a:t>
+            </a:r>
+            <a:endParaRPr lang="en-US" altLang="zh-CN" sz="4000" b="1" dirty="0">
+              <a:solidFill>
+                <a:srgbClr val="704F95"/>
+              </a:solidFill>
+              <a:latin typeface="思源宋体 Medium" panose="02020500000000000000" pitchFamily="18" charset="-122"/>
+              <a:ea typeface="思源宋体 Medium" panose="02020500000000000000" pitchFamily="18" charset="-122"/>
+            </a:endParaRPr>
+          </a:p>
+        </p:txBody>
+      </p:sp>
+      <p:sp>
+        <p:nvSpPr>
+          <p:cNvPr id="43" name="Rectangle 236"/>
           <p:cNvSpPr/>
           <p:nvPr/>
         </p:nvSpPr>
         <p:spPr>
           <a:xfrm>
-            <a:off x="880107" y="752160"/>
+            <a:off x="987616" y="797307"/>
             <a:ext cx="10395795" cy="923330"/>
           </a:xfrm>
           <a:prstGeom prst="rect">
@@ -5966,6 +6594,1889 @@
           <a:p>
             <a:pPr algn="ctr"/>
             <a:r>
+              <a:rPr lang="zh-CN" altLang="en-US" sz="5400" b="1" u="sng" dirty="0">
+                <a:solidFill>
+                  <a:srgbClr val="803A87"/>
+                </a:solidFill>
+              </a:rPr>
+              <a:t>                                                               </a:t>
+            </a:r>
+            <a:endParaRPr lang="en-US" altLang="zh-CN" sz="5400" b="1" u="sng" dirty="0">
+              <a:solidFill>
+                <a:srgbClr val="803A87"/>
+              </a:solidFill>
+            </a:endParaRPr>
+          </a:p>
+        </p:txBody>
+      </p:sp>
+      <p:pic>
+        <p:nvPicPr>
+          <p:cNvPr id="44" name="Picture 8"/>
+          <p:cNvPicPr/>
+          <p:nvPr/>
+        </p:nvPicPr>
+        <p:blipFill>
+          <a:blip r:embed="rId1">
+            <a:clrChange>
+              <a:clrFrom>
+                <a:srgbClr val="FFFFFF"/>
+              </a:clrFrom>
+              <a:clrTo>
+                <a:srgbClr val="FFFFFF">
+                  <a:alpha val="0"/>
+                </a:srgbClr>
+              </a:clrTo>
+            </a:clrChange>
+          </a:blip>
+          <a:stretch>
+            <a:fillRect/>
+          </a:stretch>
+        </p:blipFill>
+        <p:spPr>
+          <a:xfrm>
+            <a:off x="7880269" y="6297384"/>
+            <a:ext cx="4120587" cy="514122"/>
+          </a:xfrm>
+          <a:prstGeom prst="rect">
+            <a:avLst/>
+          </a:prstGeom>
+        </p:spPr>
+      </p:pic>
+      <p:sp>
+        <p:nvSpPr>
+          <p:cNvPr id="8" name="文本占位符 1"/>
+          <p:cNvSpPr txBox="1"/>
+          <p:nvPr/>
+        </p:nvSpPr>
+        <p:spPr>
+          <a:xfrm>
+            <a:off x="6371771" y="263796"/>
+            <a:ext cx="5629085" cy="328059"/>
+          </a:xfrm>
+          <a:prstGeom prst="rect">
+            <a:avLst/>
+          </a:prstGeom>
+          <a:ln w="12700" cmpd="sng">
+            <a:noFill/>
+          </a:ln>
+        </p:spPr>
+        <p:txBody>
+          <a:bodyPr vert="horz" anchor="ctr"/>
+          <a:lstStyle>
+            <a:lvl1pPr marL="0" indent="0" algn="l" defTabSz="914400" rtl="0" eaLnBrk="1" latinLnBrk="0" hangingPunct="1">
+              <a:lnSpc>
+                <a:spcPct val="90000"/>
+              </a:lnSpc>
+              <a:spcBef>
+                <a:spcPts val="1000"/>
+              </a:spcBef>
+              <a:buFont typeface="Arial" panose="020B0604020202020204" pitchFamily="34" charset="0"/>
+              <a:buNone/>
+              <a:defRPr sz="1400" b="1" kern="1200">
+                <a:solidFill>
+                  <a:schemeClr val="tx1"/>
+                </a:solidFill>
+                <a:latin typeface="微软雅黑" charset="0"/>
+                <a:ea typeface="微软雅黑" charset="0"/>
+                <a:cs typeface="微软雅黑" charset="0"/>
+              </a:defRPr>
+            </a:lvl1pPr>
+            <a:lvl2pPr marL="685800" indent="-228600" algn="l" defTabSz="914400" rtl="0" eaLnBrk="1" latinLnBrk="0" hangingPunct="1">
+              <a:lnSpc>
+                <a:spcPct val="90000"/>
+              </a:lnSpc>
+              <a:spcBef>
+                <a:spcPts val="500"/>
+              </a:spcBef>
+              <a:buFont typeface="Arial" panose="020B0604020202020204" pitchFamily="34" charset="0"/>
+              <a:buChar char="•"/>
+              <a:defRPr sz="2400" kern="1200">
+                <a:solidFill>
+                  <a:schemeClr val="tx1"/>
+                </a:solidFill>
+                <a:latin typeface="+mn-lt"/>
+                <a:ea typeface="+mn-ea"/>
+                <a:cs typeface="+mn-cs"/>
+              </a:defRPr>
+            </a:lvl2pPr>
+            <a:lvl3pPr marL="1143000" indent="-228600" algn="l" defTabSz="914400" rtl="0" eaLnBrk="1" latinLnBrk="0" hangingPunct="1">
+              <a:lnSpc>
+                <a:spcPct val="90000"/>
+              </a:lnSpc>
+              <a:spcBef>
+                <a:spcPts val="500"/>
+              </a:spcBef>
+              <a:buFont typeface="Arial" panose="020B0604020202020204" pitchFamily="34" charset="0"/>
+              <a:buChar char="•"/>
+              <a:defRPr sz="2000" kern="1200">
+                <a:solidFill>
+                  <a:schemeClr val="tx1"/>
+                </a:solidFill>
+                <a:latin typeface="+mn-lt"/>
+                <a:ea typeface="+mn-ea"/>
+                <a:cs typeface="+mn-cs"/>
+              </a:defRPr>
+            </a:lvl3pPr>
+            <a:lvl4pPr marL="1600200" indent="-228600" algn="l" defTabSz="914400" rtl="0" eaLnBrk="1" latinLnBrk="0" hangingPunct="1">
+              <a:lnSpc>
+                <a:spcPct val="90000"/>
+              </a:lnSpc>
+              <a:spcBef>
+                <a:spcPts val="500"/>
+              </a:spcBef>
+              <a:buFont typeface="Arial" panose="020B0604020202020204" pitchFamily="34" charset="0"/>
+              <a:buChar char="•"/>
+              <a:defRPr sz="1800" kern="1200">
+                <a:solidFill>
+                  <a:schemeClr val="tx1"/>
+                </a:solidFill>
+                <a:latin typeface="+mn-lt"/>
+                <a:ea typeface="+mn-ea"/>
+                <a:cs typeface="+mn-cs"/>
+              </a:defRPr>
+            </a:lvl4pPr>
+            <a:lvl5pPr marL="2057400" indent="-228600" algn="l" defTabSz="914400" rtl="0" eaLnBrk="1" latinLnBrk="0" hangingPunct="1">
+              <a:lnSpc>
+                <a:spcPct val="90000"/>
+              </a:lnSpc>
+              <a:spcBef>
+                <a:spcPts val="500"/>
+              </a:spcBef>
+              <a:buFont typeface="Arial" panose="020B0604020202020204" pitchFamily="34" charset="0"/>
+              <a:buChar char="•"/>
+              <a:defRPr sz="1800" kern="1200">
+                <a:solidFill>
+                  <a:schemeClr val="tx1"/>
+                </a:solidFill>
+                <a:latin typeface="+mn-lt"/>
+                <a:ea typeface="+mn-ea"/>
+                <a:cs typeface="+mn-cs"/>
+              </a:defRPr>
+            </a:lvl5pPr>
+            <a:lvl6pPr marL="2514600" indent="-228600" algn="l" defTabSz="914400" rtl="0" eaLnBrk="1" latinLnBrk="0" hangingPunct="1">
+              <a:lnSpc>
+                <a:spcPct val="90000"/>
+              </a:lnSpc>
+              <a:spcBef>
+                <a:spcPts val="500"/>
+              </a:spcBef>
+              <a:buFont typeface="Arial" panose="020B0604020202020204" pitchFamily="34" charset="0"/>
+              <a:buChar char="•"/>
+              <a:defRPr sz="1800" kern="1200">
+                <a:solidFill>
+                  <a:schemeClr val="tx1"/>
+                </a:solidFill>
+                <a:latin typeface="+mn-lt"/>
+                <a:ea typeface="+mn-ea"/>
+                <a:cs typeface="+mn-cs"/>
+              </a:defRPr>
+            </a:lvl6pPr>
+            <a:lvl7pPr marL="2971800" indent="-228600" algn="l" defTabSz="914400" rtl="0" eaLnBrk="1" latinLnBrk="0" hangingPunct="1">
+              <a:lnSpc>
+                <a:spcPct val="90000"/>
+              </a:lnSpc>
+              <a:spcBef>
+                <a:spcPts val="500"/>
+              </a:spcBef>
+              <a:buFont typeface="Arial" panose="020B0604020202020204" pitchFamily="34" charset="0"/>
+              <a:buChar char="•"/>
+              <a:defRPr sz="1800" kern="1200">
+                <a:solidFill>
+                  <a:schemeClr val="tx1"/>
+                </a:solidFill>
+                <a:latin typeface="+mn-lt"/>
+                <a:ea typeface="+mn-ea"/>
+                <a:cs typeface="+mn-cs"/>
+              </a:defRPr>
+            </a:lvl7pPr>
+            <a:lvl8pPr marL="3429000" indent="-228600" algn="l" defTabSz="914400" rtl="0" eaLnBrk="1" latinLnBrk="0" hangingPunct="1">
+              <a:lnSpc>
+                <a:spcPct val="90000"/>
+              </a:lnSpc>
+              <a:spcBef>
+                <a:spcPts val="500"/>
+              </a:spcBef>
+              <a:buFont typeface="Arial" panose="020B0604020202020204" pitchFamily="34" charset="0"/>
+              <a:buChar char="•"/>
+              <a:defRPr sz="1800" kern="1200">
+                <a:solidFill>
+                  <a:schemeClr val="tx1"/>
+                </a:solidFill>
+                <a:latin typeface="+mn-lt"/>
+                <a:ea typeface="+mn-ea"/>
+                <a:cs typeface="+mn-cs"/>
+              </a:defRPr>
+            </a:lvl8pPr>
+            <a:lvl9pPr marL="3886200" indent="-228600" algn="l" defTabSz="914400" rtl="0" eaLnBrk="1" latinLnBrk="0" hangingPunct="1">
+              <a:lnSpc>
+                <a:spcPct val="90000"/>
+              </a:lnSpc>
+              <a:spcBef>
+                <a:spcPts val="500"/>
+              </a:spcBef>
+              <a:buFont typeface="Arial" panose="020B0604020202020204" pitchFamily="34" charset="0"/>
+              <a:buChar char="•"/>
+              <a:defRPr sz="1800" kern="1200">
+                <a:solidFill>
+                  <a:schemeClr val="tx1"/>
+                </a:solidFill>
+                <a:latin typeface="+mn-lt"/>
+                <a:ea typeface="+mn-ea"/>
+                <a:cs typeface="+mn-cs"/>
+              </a:defRPr>
+            </a:lvl9pPr>
+          </a:lstStyle>
+          <a:p>
+            <a:pPr algn="r"/>
+            <a:endParaRPr lang="en-US" altLang="zh-CN" dirty="0">
+              <a:solidFill>
+                <a:srgbClr val="704F95"/>
+              </a:solidFill>
+              <a:latin typeface="思源宋体 Medium" panose="02020500000000000000" pitchFamily="18" charset="-122"/>
+              <a:ea typeface="思源宋体 Medium" panose="02020500000000000000" pitchFamily="18" charset="-122"/>
+            </a:endParaRPr>
+          </a:p>
+        </p:txBody>
+      </p:sp>
+      <p:sp>
+        <p:nvSpPr>
+          <p:cNvPr id="6" name="Content Placeholder 2"/>
+          <p:cNvSpPr txBox="1"/>
+          <p:nvPr/>
+        </p:nvSpPr>
+        <p:spPr>
+          <a:xfrm>
+            <a:off x="1113971" y="1801282"/>
+            <a:ext cx="10515600" cy="4351338"/>
+          </a:xfrm>
+          <a:prstGeom prst="rect">
+            <a:avLst/>
+          </a:prstGeom>
+        </p:spPr>
+        <p:txBody>
+          <a:bodyPr>
+            <a:normAutofit/>
+          </a:bodyPr>
+          <a:lstStyle>
+            <a:lvl1pPr marL="228600" indent="-228600" algn="l" defTabSz="914400" rtl="0" eaLnBrk="1" latinLnBrk="0" hangingPunct="1">
+              <a:lnSpc>
+                <a:spcPct val="90000"/>
+              </a:lnSpc>
+              <a:spcBef>
+                <a:spcPts val="1000"/>
+              </a:spcBef>
+              <a:buFont typeface="Arial" panose="020B0604020202020204" pitchFamily="34" charset="0"/>
+              <a:buChar char="•"/>
+              <a:defRPr sz="2800" kern="1200">
+                <a:solidFill>
+                  <a:schemeClr val="tx1"/>
+                </a:solidFill>
+                <a:latin typeface="+mn-lt"/>
+                <a:ea typeface="+mn-ea"/>
+                <a:cs typeface="+mn-cs"/>
+              </a:defRPr>
+            </a:lvl1pPr>
+            <a:lvl2pPr marL="685800" indent="-228600" algn="l" defTabSz="914400" rtl="0" eaLnBrk="1" latinLnBrk="0" hangingPunct="1">
+              <a:lnSpc>
+                <a:spcPct val="90000"/>
+              </a:lnSpc>
+              <a:spcBef>
+                <a:spcPts val="500"/>
+              </a:spcBef>
+              <a:buFont typeface="Arial" panose="020B0604020202020204" pitchFamily="34" charset="0"/>
+              <a:buChar char="•"/>
+              <a:defRPr sz="2400" kern="1200">
+                <a:solidFill>
+                  <a:schemeClr val="tx1"/>
+                </a:solidFill>
+                <a:latin typeface="+mn-lt"/>
+                <a:ea typeface="+mn-ea"/>
+                <a:cs typeface="+mn-cs"/>
+              </a:defRPr>
+            </a:lvl2pPr>
+            <a:lvl3pPr marL="1143000" indent="-228600" algn="l" defTabSz="914400" rtl="0" eaLnBrk="1" latinLnBrk="0" hangingPunct="1">
+              <a:lnSpc>
+                <a:spcPct val="90000"/>
+              </a:lnSpc>
+              <a:spcBef>
+                <a:spcPts val="500"/>
+              </a:spcBef>
+              <a:buFont typeface="Arial" panose="020B0604020202020204" pitchFamily="34" charset="0"/>
+              <a:buChar char="•"/>
+              <a:defRPr sz="2000" kern="1200">
+                <a:solidFill>
+                  <a:schemeClr val="tx1"/>
+                </a:solidFill>
+                <a:latin typeface="+mn-lt"/>
+                <a:ea typeface="+mn-ea"/>
+                <a:cs typeface="+mn-cs"/>
+              </a:defRPr>
+            </a:lvl3pPr>
+            <a:lvl4pPr marL="1600200" indent="-228600" algn="l" defTabSz="914400" rtl="0" eaLnBrk="1" latinLnBrk="0" hangingPunct="1">
+              <a:lnSpc>
+                <a:spcPct val="90000"/>
+              </a:lnSpc>
+              <a:spcBef>
+                <a:spcPts val="500"/>
+              </a:spcBef>
+              <a:buFont typeface="Arial" panose="020B0604020202020204" pitchFamily="34" charset="0"/>
+              <a:buChar char="•"/>
+              <a:defRPr sz="1800" kern="1200">
+                <a:solidFill>
+                  <a:schemeClr val="tx1"/>
+                </a:solidFill>
+                <a:latin typeface="+mn-lt"/>
+                <a:ea typeface="+mn-ea"/>
+                <a:cs typeface="+mn-cs"/>
+              </a:defRPr>
+            </a:lvl4pPr>
+            <a:lvl5pPr marL="2057400" indent="-228600" algn="l" defTabSz="914400" rtl="0" eaLnBrk="1" latinLnBrk="0" hangingPunct="1">
+              <a:lnSpc>
+                <a:spcPct val="90000"/>
+              </a:lnSpc>
+              <a:spcBef>
+                <a:spcPts val="500"/>
+              </a:spcBef>
+              <a:buFont typeface="Arial" panose="020B0604020202020204" pitchFamily="34" charset="0"/>
+              <a:buChar char="•"/>
+              <a:defRPr sz="1800" kern="1200">
+                <a:solidFill>
+                  <a:schemeClr val="tx1"/>
+                </a:solidFill>
+                <a:latin typeface="+mn-lt"/>
+                <a:ea typeface="+mn-ea"/>
+                <a:cs typeface="+mn-cs"/>
+              </a:defRPr>
+            </a:lvl5pPr>
+            <a:lvl6pPr marL="2514600" indent="-228600" algn="l" defTabSz="914400" rtl="0" eaLnBrk="1" latinLnBrk="0" hangingPunct="1">
+              <a:lnSpc>
+                <a:spcPct val="90000"/>
+              </a:lnSpc>
+              <a:spcBef>
+                <a:spcPts val="500"/>
+              </a:spcBef>
+              <a:buFont typeface="Arial" panose="020B0604020202020204" pitchFamily="34" charset="0"/>
+              <a:buChar char="•"/>
+              <a:defRPr sz="1800" kern="1200">
+                <a:solidFill>
+                  <a:schemeClr val="tx1"/>
+                </a:solidFill>
+                <a:latin typeface="+mn-lt"/>
+                <a:ea typeface="+mn-ea"/>
+                <a:cs typeface="+mn-cs"/>
+              </a:defRPr>
+            </a:lvl6pPr>
+            <a:lvl7pPr marL="2971800" indent="-228600" algn="l" defTabSz="914400" rtl="0" eaLnBrk="1" latinLnBrk="0" hangingPunct="1">
+              <a:lnSpc>
+                <a:spcPct val="90000"/>
+              </a:lnSpc>
+              <a:spcBef>
+                <a:spcPts val="500"/>
+              </a:spcBef>
+              <a:buFont typeface="Arial" panose="020B0604020202020204" pitchFamily="34" charset="0"/>
+              <a:buChar char="•"/>
+              <a:defRPr sz="1800" kern="1200">
+                <a:solidFill>
+                  <a:schemeClr val="tx1"/>
+                </a:solidFill>
+                <a:latin typeface="+mn-lt"/>
+                <a:ea typeface="+mn-ea"/>
+                <a:cs typeface="+mn-cs"/>
+              </a:defRPr>
+            </a:lvl7pPr>
+            <a:lvl8pPr marL="3429000" indent="-228600" algn="l" defTabSz="914400" rtl="0" eaLnBrk="1" latinLnBrk="0" hangingPunct="1">
+              <a:lnSpc>
+                <a:spcPct val="90000"/>
+              </a:lnSpc>
+              <a:spcBef>
+                <a:spcPts val="500"/>
+              </a:spcBef>
+              <a:buFont typeface="Arial" panose="020B0604020202020204" pitchFamily="34" charset="0"/>
+              <a:buChar char="•"/>
+              <a:defRPr sz="1800" kern="1200">
+                <a:solidFill>
+                  <a:schemeClr val="tx1"/>
+                </a:solidFill>
+                <a:latin typeface="+mn-lt"/>
+                <a:ea typeface="+mn-ea"/>
+                <a:cs typeface="+mn-cs"/>
+              </a:defRPr>
+            </a:lvl8pPr>
+            <a:lvl9pPr marL="3886200" indent="-228600" algn="l" defTabSz="914400" rtl="0" eaLnBrk="1" latinLnBrk="0" hangingPunct="1">
+              <a:lnSpc>
+                <a:spcPct val="90000"/>
+              </a:lnSpc>
+              <a:spcBef>
+                <a:spcPts val="500"/>
+              </a:spcBef>
+              <a:buFont typeface="Arial" panose="020B0604020202020204" pitchFamily="34" charset="0"/>
+              <a:buChar char="•"/>
+              <a:defRPr sz="1800" kern="1200">
+                <a:solidFill>
+                  <a:schemeClr val="tx1"/>
+                </a:solidFill>
+                <a:latin typeface="+mn-lt"/>
+                <a:ea typeface="+mn-ea"/>
+                <a:cs typeface="+mn-cs"/>
+              </a:defRPr>
+            </a:lvl9pPr>
+          </a:lstStyle>
+          <a:p>
+            <a:endParaRPr lang="en-US" altLang="zh-CN" dirty="0">
+              <a:latin typeface="+mn-ea"/>
+            </a:endParaRPr>
+          </a:p>
+        </p:txBody>
+      </p:sp>
+      <p:sp>
+        <p:nvSpPr>
+          <p:cNvPr id="15" name="Content Placeholder 2"/>
+          <p:cNvSpPr txBox="1"/>
+          <p:nvPr/>
+        </p:nvSpPr>
+        <p:spPr>
+          <a:xfrm>
+            <a:off x="1113971" y="1758689"/>
+            <a:ext cx="6954264" cy="2174628"/>
+          </a:xfrm>
+          <a:prstGeom prst="rect">
+            <a:avLst/>
+          </a:prstGeom>
+        </p:spPr>
+        <p:txBody>
+          <a:bodyPr>
+            <a:normAutofit/>
+          </a:bodyPr>
+          <a:lstStyle>
+            <a:lvl1pPr marL="228600" indent="-228600" algn="l" defTabSz="914400" rtl="0" eaLnBrk="1" latinLnBrk="0" hangingPunct="1">
+              <a:lnSpc>
+                <a:spcPct val="90000"/>
+              </a:lnSpc>
+              <a:spcBef>
+                <a:spcPts val="1000"/>
+              </a:spcBef>
+              <a:buFont typeface="Arial" panose="020B0604020202020204" pitchFamily="34" charset="0"/>
+              <a:buChar char="•"/>
+              <a:defRPr sz="2800" kern="1200">
+                <a:solidFill>
+                  <a:schemeClr val="tx1"/>
+                </a:solidFill>
+                <a:latin typeface="+mn-lt"/>
+                <a:ea typeface="+mn-ea"/>
+                <a:cs typeface="+mn-cs"/>
+              </a:defRPr>
+            </a:lvl1pPr>
+            <a:lvl2pPr marL="685800" indent="-228600" algn="l" defTabSz="914400" rtl="0" eaLnBrk="1" latinLnBrk="0" hangingPunct="1">
+              <a:lnSpc>
+                <a:spcPct val="90000"/>
+              </a:lnSpc>
+              <a:spcBef>
+                <a:spcPts val="500"/>
+              </a:spcBef>
+              <a:buFont typeface="Arial" panose="020B0604020202020204" pitchFamily="34" charset="0"/>
+              <a:buChar char="•"/>
+              <a:defRPr sz="2400" kern="1200">
+                <a:solidFill>
+                  <a:schemeClr val="tx1"/>
+                </a:solidFill>
+                <a:latin typeface="+mn-lt"/>
+                <a:ea typeface="+mn-ea"/>
+                <a:cs typeface="+mn-cs"/>
+              </a:defRPr>
+            </a:lvl2pPr>
+            <a:lvl3pPr marL="1143000" indent="-228600" algn="l" defTabSz="914400" rtl="0" eaLnBrk="1" latinLnBrk="0" hangingPunct="1">
+              <a:lnSpc>
+                <a:spcPct val="90000"/>
+              </a:lnSpc>
+              <a:spcBef>
+                <a:spcPts val="500"/>
+              </a:spcBef>
+              <a:buFont typeface="Arial" panose="020B0604020202020204" pitchFamily="34" charset="0"/>
+              <a:buChar char="•"/>
+              <a:defRPr sz="2000" kern="1200">
+                <a:solidFill>
+                  <a:schemeClr val="tx1"/>
+                </a:solidFill>
+                <a:latin typeface="+mn-lt"/>
+                <a:ea typeface="+mn-ea"/>
+                <a:cs typeface="+mn-cs"/>
+              </a:defRPr>
+            </a:lvl3pPr>
+            <a:lvl4pPr marL="1600200" indent="-228600" algn="l" defTabSz="914400" rtl="0" eaLnBrk="1" latinLnBrk="0" hangingPunct="1">
+              <a:lnSpc>
+                <a:spcPct val="90000"/>
+              </a:lnSpc>
+              <a:spcBef>
+                <a:spcPts val="500"/>
+              </a:spcBef>
+              <a:buFont typeface="Arial" panose="020B0604020202020204" pitchFamily="34" charset="0"/>
+              <a:buChar char="•"/>
+              <a:defRPr sz="1800" kern="1200">
+                <a:solidFill>
+                  <a:schemeClr val="tx1"/>
+                </a:solidFill>
+                <a:latin typeface="+mn-lt"/>
+                <a:ea typeface="+mn-ea"/>
+                <a:cs typeface="+mn-cs"/>
+              </a:defRPr>
+            </a:lvl4pPr>
+            <a:lvl5pPr marL="2057400" indent="-228600" algn="l" defTabSz="914400" rtl="0" eaLnBrk="1" latinLnBrk="0" hangingPunct="1">
+              <a:lnSpc>
+                <a:spcPct val="90000"/>
+              </a:lnSpc>
+              <a:spcBef>
+                <a:spcPts val="500"/>
+              </a:spcBef>
+              <a:buFont typeface="Arial" panose="020B0604020202020204" pitchFamily="34" charset="0"/>
+              <a:buChar char="•"/>
+              <a:defRPr sz="1800" kern="1200">
+                <a:solidFill>
+                  <a:schemeClr val="tx1"/>
+                </a:solidFill>
+                <a:latin typeface="+mn-lt"/>
+                <a:ea typeface="+mn-ea"/>
+                <a:cs typeface="+mn-cs"/>
+              </a:defRPr>
+            </a:lvl5pPr>
+            <a:lvl6pPr marL="2514600" indent="-228600" algn="l" defTabSz="914400" rtl="0" eaLnBrk="1" latinLnBrk="0" hangingPunct="1">
+              <a:lnSpc>
+                <a:spcPct val="90000"/>
+              </a:lnSpc>
+              <a:spcBef>
+                <a:spcPts val="500"/>
+              </a:spcBef>
+              <a:buFont typeface="Arial" panose="020B0604020202020204" pitchFamily="34" charset="0"/>
+              <a:buChar char="•"/>
+              <a:defRPr sz="1800" kern="1200">
+                <a:solidFill>
+                  <a:schemeClr val="tx1"/>
+                </a:solidFill>
+                <a:latin typeface="+mn-lt"/>
+                <a:ea typeface="+mn-ea"/>
+                <a:cs typeface="+mn-cs"/>
+              </a:defRPr>
+            </a:lvl6pPr>
+            <a:lvl7pPr marL="2971800" indent="-228600" algn="l" defTabSz="914400" rtl="0" eaLnBrk="1" latinLnBrk="0" hangingPunct="1">
+              <a:lnSpc>
+                <a:spcPct val="90000"/>
+              </a:lnSpc>
+              <a:spcBef>
+                <a:spcPts val="500"/>
+              </a:spcBef>
+              <a:buFont typeface="Arial" panose="020B0604020202020204" pitchFamily="34" charset="0"/>
+              <a:buChar char="•"/>
+              <a:defRPr sz="1800" kern="1200">
+                <a:solidFill>
+                  <a:schemeClr val="tx1"/>
+                </a:solidFill>
+                <a:latin typeface="+mn-lt"/>
+                <a:ea typeface="+mn-ea"/>
+                <a:cs typeface="+mn-cs"/>
+              </a:defRPr>
+            </a:lvl7pPr>
+            <a:lvl8pPr marL="3429000" indent="-228600" algn="l" defTabSz="914400" rtl="0" eaLnBrk="1" latinLnBrk="0" hangingPunct="1">
+              <a:lnSpc>
+                <a:spcPct val="90000"/>
+              </a:lnSpc>
+              <a:spcBef>
+                <a:spcPts val="500"/>
+              </a:spcBef>
+              <a:buFont typeface="Arial" panose="020B0604020202020204" pitchFamily="34" charset="0"/>
+              <a:buChar char="•"/>
+              <a:defRPr sz="1800" kern="1200">
+                <a:solidFill>
+                  <a:schemeClr val="tx1"/>
+                </a:solidFill>
+                <a:latin typeface="+mn-lt"/>
+                <a:ea typeface="+mn-ea"/>
+                <a:cs typeface="+mn-cs"/>
+              </a:defRPr>
+            </a:lvl8pPr>
+            <a:lvl9pPr marL="3886200" indent="-228600" algn="l" defTabSz="914400" rtl="0" eaLnBrk="1" latinLnBrk="0" hangingPunct="1">
+              <a:lnSpc>
+                <a:spcPct val="90000"/>
+              </a:lnSpc>
+              <a:spcBef>
+                <a:spcPts val="500"/>
+              </a:spcBef>
+              <a:buFont typeface="Arial" panose="020B0604020202020204" pitchFamily="34" charset="0"/>
+              <a:buChar char="•"/>
+              <a:defRPr sz="1800" kern="1200">
+                <a:solidFill>
+                  <a:schemeClr val="tx1"/>
+                </a:solidFill>
+                <a:latin typeface="+mn-lt"/>
+                <a:ea typeface="+mn-ea"/>
+                <a:cs typeface="+mn-cs"/>
+              </a:defRPr>
+            </a:lvl9pPr>
+          </a:lstStyle>
+          <a:p>
+            <a:r>
+              <a:rPr lang="zh-CN" altLang="en-US" dirty="0">
+                <a:latin typeface="+mn-ea"/>
+              </a:rPr>
+              <a:t>万字工作文档，详细记录问题解决过程</a:t>
+            </a:r>
+            <a:endParaRPr lang="en-US" altLang="zh-CN" dirty="0">
+              <a:latin typeface="+mn-ea"/>
+            </a:endParaRPr>
+          </a:p>
+          <a:p>
+            <a:r>
+              <a:rPr lang="en-US" altLang="zh-CN" dirty="0">
+                <a:latin typeface="+mn-ea"/>
+              </a:rPr>
+              <a:t>5k</a:t>
+            </a:r>
+            <a:r>
+              <a:rPr lang="zh-CN" altLang="en-US" dirty="0">
+                <a:latin typeface="+mn-ea"/>
+              </a:rPr>
+              <a:t>字</a:t>
+            </a:r>
+            <a:r>
+              <a:rPr lang="en-US" altLang="zh-CN" dirty="0" err="1">
+                <a:latin typeface="+mn-ea"/>
+              </a:rPr>
+              <a:t>qemu</a:t>
+            </a:r>
+            <a:r>
+              <a:rPr lang="en-US" altLang="zh-CN" dirty="0">
+                <a:latin typeface="+mn-ea"/>
+              </a:rPr>
+              <a:t>-tutorial</a:t>
+            </a:r>
+            <a:r>
+              <a:rPr lang="zh-CN" altLang="en-US" dirty="0">
+                <a:latin typeface="+mn-ea"/>
+              </a:rPr>
+              <a:t>，代码级</a:t>
+            </a:r>
+            <a:r>
+              <a:rPr lang="en-US" altLang="zh-CN" dirty="0" err="1">
+                <a:latin typeface="+mn-ea"/>
+              </a:rPr>
+              <a:t>qemu</a:t>
+            </a:r>
+            <a:r>
+              <a:rPr lang="zh-CN" altLang="en-US" dirty="0">
+                <a:latin typeface="+mn-ea"/>
+              </a:rPr>
+              <a:t>教程</a:t>
+            </a:r>
+            <a:endParaRPr lang="en-US" altLang="zh-CN" dirty="0">
+              <a:latin typeface="+mn-ea"/>
+            </a:endParaRPr>
+          </a:p>
+          <a:p>
+            <a:r>
+              <a:rPr lang="zh-CN" altLang="en-US" dirty="0">
+                <a:latin typeface="+mn-ea"/>
+              </a:rPr>
+              <a:t>每周展示</a:t>
+            </a:r>
+            <a:r>
+              <a:rPr lang="en-US" altLang="zh-CN" dirty="0">
+                <a:latin typeface="+mn-ea"/>
+              </a:rPr>
+              <a:t>ppt</a:t>
+            </a:r>
+            <a:r>
+              <a:rPr lang="zh-CN" altLang="en-US" dirty="0">
+                <a:latin typeface="+mn-ea"/>
+              </a:rPr>
+              <a:t>，周工作记录</a:t>
+            </a:r>
+            <a:endParaRPr lang="en-US" altLang="zh-CN" dirty="0">
+              <a:latin typeface="+mn-ea"/>
+            </a:endParaRPr>
+          </a:p>
+          <a:p>
+            <a:r>
+              <a:rPr lang="zh-CN" altLang="en-US" dirty="0">
+                <a:latin typeface="+mn-ea"/>
+              </a:rPr>
+              <a:t>更多的</a:t>
+            </a:r>
+            <a:r>
+              <a:rPr lang="en-US" altLang="zh-CN" dirty="0">
+                <a:latin typeface="+mn-ea"/>
+              </a:rPr>
+              <a:t>debug</a:t>
+            </a:r>
+            <a:r>
+              <a:rPr lang="zh-CN" altLang="en-US" dirty="0">
+                <a:latin typeface="+mn-ea"/>
+              </a:rPr>
+              <a:t>过程</a:t>
+            </a:r>
+            <a:r>
+              <a:rPr lang="en-US" altLang="zh-CN" dirty="0">
+                <a:latin typeface="+mn-ea"/>
+              </a:rPr>
+              <a:t>……</a:t>
+            </a:r>
+            <a:endParaRPr lang="en-US" altLang="zh-CN" dirty="0">
+              <a:latin typeface="+mn-ea"/>
+            </a:endParaRPr>
+          </a:p>
+        </p:txBody>
+      </p:sp>
+    </p:spTree>
+  </p:cSld>
+  <p:clrMapOvr>
+    <a:masterClrMapping/>
+  </p:clrMapOvr>
+</p:sld>
+</file>
+
+<file path=ppt/slides/slide13.xml><?xml version="1.0" encoding="utf-8"?>
+<p:sld xmlns:a="http://schemas.openxmlformats.org/drawingml/2006/main" xmlns:r="http://schemas.openxmlformats.org/officeDocument/2006/relationships" xmlns:p="http://schemas.openxmlformats.org/presentationml/2006/main">
+  <p:cSld>
+    <p:spTree>
+      <p:nvGrpSpPr>
+        <p:cNvPr id="1" name=""/>
+        <p:cNvGrpSpPr/>
+        <p:nvPr/>
+      </p:nvGrpSpPr>
+      <p:grpSpPr>
+        <a:xfrm>
+          <a:off x="0" y="0"/>
+          <a:ext cx="0" cy="0"/>
+          <a:chOff x="0" y="0"/>
+          <a:chExt cx="0" cy="0"/>
+        </a:xfrm>
+      </p:grpSpPr>
+      <p:sp>
+        <p:nvSpPr>
+          <p:cNvPr id="11" name="标题 1"/>
+          <p:cNvSpPr txBox="1"/>
+          <p:nvPr/>
+        </p:nvSpPr>
+        <p:spPr>
+          <a:xfrm>
+            <a:off x="1170269" y="797307"/>
+            <a:ext cx="10030487" cy="961382"/>
+          </a:xfrm>
+          <a:prstGeom prst="rect">
+            <a:avLst/>
+          </a:prstGeom>
+        </p:spPr>
+        <p:txBody>
+          <a:bodyPr/>
+          <a:lstStyle>
+            <a:lvl1pPr algn="l" defTabSz="914400" rtl="0" eaLnBrk="1" latinLnBrk="0" hangingPunct="1">
+              <a:lnSpc>
+                <a:spcPct val="90000"/>
+              </a:lnSpc>
+              <a:spcBef>
+                <a:spcPct val="0"/>
+              </a:spcBef>
+              <a:buNone/>
+              <a:defRPr sz="4400" kern="1200">
+                <a:solidFill>
+                  <a:schemeClr val="tx1"/>
+                </a:solidFill>
+                <a:latin typeface="+mj-lt"/>
+                <a:ea typeface="+mj-ea"/>
+                <a:cs typeface="+mj-cs"/>
+              </a:defRPr>
+            </a:lvl1pPr>
+          </a:lstStyle>
+          <a:p>
+            <a:r>
+              <a:rPr lang="zh-CN" altLang="en-US" sz="4000" b="1" dirty="0">
+                <a:solidFill>
+                  <a:srgbClr val="704F95"/>
+                </a:solidFill>
+                <a:latin typeface="思源宋体 Medium" panose="02020500000000000000" pitchFamily="18" charset="-122"/>
+                <a:ea typeface="思源宋体 Medium" panose="02020500000000000000" pitchFamily="18" charset="-122"/>
+              </a:rPr>
+              <a:t>感想</a:t>
+            </a:r>
+            <a:endParaRPr lang="en-US" altLang="zh-CN" sz="4000" b="1" dirty="0">
+              <a:solidFill>
+                <a:srgbClr val="704F95"/>
+              </a:solidFill>
+              <a:latin typeface="思源宋体 Medium" panose="02020500000000000000" pitchFamily="18" charset="-122"/>
+              <a:ea typeface="思源宋体 Medium" panose="02020500000000000000" pitchFamily="18" charset="-122"/>
+            </a:endParaRPr>
+          </a:p>
+        </p:txBody>
+      </p:sp>
+      <p:sp>
+        <p:nvSpPr>
+          <p:cNvPr id="43" name="Rectangle 236"/>
+          <p:cNvSpPr/>
+          <p:nvPr/>
+        </p:nvSpPr>
+        <p:spPr>
+          <a:xfrm>
+            <a:off x="987616" y="797307"/>
+            <a:ext cx="10395795" cy="923330"/>
+          </a:xfrm>
+          <a:prstGeom prst="rect">
+            <a:avLst/>
+          </a:prstGeom>
+          <a:noFill/>
+        </p:spPr>
+        <p:txBody>
+          <a:bodyPr wrap="none" lIns="91440" tIns="45720" rIns="91440" bIns="45720">
+            <a:spAutoFit/>
+            <a:scene3d>
+              <a:camera prst="orthographicFront"/>
+              <a:lightRig rig="soft" dir="t">
+                <a:rot lat="0" lon="0" rev="15600000"/>
+              </a:lightRig>
+            </a:scene3d>
+            <a:sp3d extrusionH="57150" prstMaterial="softEdge">
+              <a:bevelT w="25400" h="38100"/>
+            </a:sp3d>
+          </a:bodyPr>
+          <a:lstStyle/>
+          <a:p>
+            <a:pPr algn="ctr"/>
+            <a:r>
+              <a:rPr lang="zh-CN" altLang="en-US" sz="5400" b="1" u="sng" dirty="0">
+                <a:solidFill>
+                  <a:srgbClr val="803A87"/>
+                </a:solidFill>
+              </a:rPr>
+              <a:t>                                                               </a:t>
+            </a:r>
+            <a:endParaRPr lang="en-US" altLang="zh-CN" sz="5400" b="1" u="sng" dirty="0">
+              <a:solidFill>
+                <a:srgbClr val="803A87"/>
+              </a:solidFill>
+            </a:endParaRPr>
+          </a:p>
+        </p:txBody>
+      </p:sp>
+      <p:pic>
+        <p:nvPicPr>
+          <p:cNvPr id="44" name="Picture 8"/>
+          <p:cNvPicPr/>
+          <p:nvPr/>
+        </p:nvPicPr>
+        <p:blipFill>
+          <a:blip r:embed="rId1">
+            <a:clrChange>
+              <a:clrFrom>
+                <a:srgbClr val="FFFFFF"/>
+              </a:clrFrom>
+              <a:clrTo>
+                <a:srgbClr val="FFFFFF">
+                  <a:alpha val="0"/>
+                </a:srgbClr>
+              </a:clrTo>
+            </a:clrChange>
+          </a:blip>
+          <a:stretch>
+            <a:fillRect/>
+          </a:stretch>
+        </p:blipFill>
+        <p:spPr>
+          <a:xfrm>
+            <a:off x="7880269" y="6297384"/>
+            <a:ext cx="4120587" cy="514122"/>
+          </a:xfrm>
+          <a:prstGeom prst="rect">
+            <a:avLst/>
+          </a:prstGeom>
+        </p:spPr>
+      </p:pic>
+      <p:sp>
+        <p:nvSpPr>
+          <p:cNvPr id="8" name="文本占位符 1"/>
+          <p:cNvSpPr txBox="1"/>
+          <p:nvPr/>
+        </p:nvSpPr>
+        <p:spPr>
+          <a:xfrm>
+            <a:off x="6371771" y="263796"/>
+            <a:ext cx="5629085" cy="328059"/>
+          </a:xfrm>
+          <a:prstGeom prst="rect">
+            <a:avLst/>
+          </a:prstGeom>
+          <a:ln w="12700" cmpd="sng">
+            <a:noFill/>
+          </a:ln>
+        </p:spPr>
+        <p:txBody>
+          <a:bodyPr vert="horz" anchor="ctr"/>
+          <a:lstStyle>
+            <a:lvl1pPr marL="0" indent="0" algn="l" defTabSz="914400" rtl="0" eaLnBrk="1" latinLnBrk="0" hangingPunct="1">
+              <a:lnSpc>
+                <a:spcPct val="90000"/>
+              </a:lnSpc>
+              <a:spcBef>
+                <a:spcPts val="1000"/>
+              </a:spcBef>
+              <a:buFont typeface="Arial" panose="020B0604020202020204" pitchFamily="34" charset="0"/>
+              <a:buNone/>
+              <a:defRPr sz="1400" b="1" kern="1200">
+                <a:solidFill>
+                  <a:schemeClr val="tx1"/>
+                </a:solidFill>
+                <a:latin typeface="微软雅黑" charset="0"/>
+                <a:ea typeface="微软雅黑" charset="0"/>
+                <a:cs typeface="微软雅黑" charset="0"/>
+              </a:defRPr>
+            </a:lvl1pPr>
+            <a:lvl2pPr marL="685800" indent="-228600" algn="l" defTabSz="914400" rtl="0" eaLnBrk="1" latinLnBrk="0" hangingPunct="1">
+              <a:lnSpc>
+                <a:spcPct val="90000"/>
+              </a:lnSpc>
+              <a:spcBef>
+                <a:spcPts val="500"/>
+              </a:spcBef>
+              <a:buFont typeface="Arial" panose="020B0604020202020204" pitchFamily="34" charset="0"/>
+              <a:buChar char="•"/>
+              <a:defRPr sz="2400" kern="1200">
+                <a:solidFill>
+                  <a:schemeClr val="tx1"/>
+                </a:solidFill>
+                <a:latin typeface="+mn-lt"/>
+                <a:ea typeface="+mn-ea"/>
+                <a:cs typeface="+mn-cs"/>
+              </a:defRPr>
+            </a:lvl2pPr>
+            <a:lvl3pPr marL="1143000" indent="-228600" algn="l" defTabSz="914400" rtl="0" eaLnBrk="1" latinLnBrk="0" hangingPunct="1">
+              <a:lnSpc>
+                <a:spcPct val="90000"/>
+              </a:lnSpc>
+              <a:spcBef>
+                <a:spcPts val="500"/>
+              </a:spcBef>
+              <a:buFont typeface="Arial" panose="020B0604020202020204" pitchFamily="34" charset="0"/>
+              <a:buChar char="•"/>
+              <a:defRPr sz="2000" kern="1200">
+                <a:solidFill>
+                  <a:schemeClr val="tx1"/>
+                </a:solidFill>
+                <a:latin typeface="+mn-lt"/>
+                <a:ea typeface="+mn-ea"/>
+                <a:cs typeface="+mn-cs"/>
+              </a:defRPr>
+            </a:lvl3pPr>
+            <a:lvl4pPr marL="1600200" indent="-228600" algn="l" defTabSz="914400" rtl="0" eaLnBrk="1" latinLnBrk="0" hangingPunct="1">
+              <a:lnSpc>
+                <a:spcPct val="90000"/>
+              </a:lnSpc>
+              <a:spcBef>
+                <a:spcPts val="500"/>
+              </a:spcBef>
+              <a:buFont typeface="Arial" panose="020B0604020202020204" pitchFamily="34" charset="0"/>
+              <a:buChar char="•"/>
+              <a:defRPr sz="1800" kern="1200">
+                <a:solidFill>
+                  <a:schemeClr val="tx1"/>
+                </a:solidFill>
+                <a:latin typeface="+mn-lt"/>
+                <a:ea typeface="+mn-ea"/>
+                <a:cs typeface="+mn-cs"/>
+              </a:defRPr>
+            </a:lvl4pPr>
+            <a:lvl5pPr marL="2057400" indent="-228600" algn="l" defTabSz="914400" rtl="0" eaLnBrk="1" latinLnBrk="0" hangingPunct="1">
+              <a:lnSpc>
+                <a:spcPct val="90000"/>
+              </a:lnSpc>
+              <a:spcBef>
+                <a:spcPts val="500"/>
+              </a:spcBef>
+              <a:buFont typeface="Arial" panose="020B0604020202020204" pitchFamily="34" charset="0"/>
+              <a:buChar char="•"/>
+              <a:defRPr sz="1800" kern="1200">
+                <a:solidFill>
+                  <a:schemeClr val="tx1"/>
+                </a:solidFill>
+                <a:latin typeface="+mn-lt"/>
+                <a:ea typeface="+mn-ea"/>
+                <a:cs typeface="+mn-cs"/>
+              </a:defRPr>
+            </a:lvl5pPr>
+            <a:lvl6pPr marL="2514600" indent="-228600" algn="l" defTabSz="914400" rtl="0" eaLnBrk="1" latinLnBrk="0" hangingPunct="1">
+              <a:lnSpc>
+                <a:spcPct val="90000"/>
+              </a:lnSpc>
+              <a:spcBef>
+                <a:spcPts val="500"/>
+              </a:spcBef>
+              <a:buFont typeface="Arial" panose="020B0604020202020204" pitchFamily="34" charset="0"/>
+              <a:buChar char="•"/>
+              <a:defRPr sz="1800" kern="1200">
+                <a:solidFill>
+                  <a:schemeClr val="tx1"/>
+                </a:solidFill>
+                <a:latin typeface="+mn-lt"/>
+                <a:ea typeface="+mn-ea"/>
+                <a:cs typeface="+mn-cs"/>
+              </a:defRPr>
+            </a:lvl6pPr>
+            <a:lvl7pPr marL="2971800" indent="-228600" algn="l" defTabSz="914400" rtl="0" eaLnBrk="1" latinLnBrk="0" hangingPunct="1">
+              <a:lnSpc>
+                <a:spcPct val="90000"/>
+              </a:lnSpc>
+              <a:spcBef>
+                <a:spcPts val="500"/>
+              </a:spcBef>
+              <a:buFont typeface="Arial" panose="020B0604020202020204" pitchFamily="34" charset="0"/>
+              <a:buChar char="•"/>
+              <a:defRPr sz="1800" kern="1200">
+                <a:solidFill>
+                  <a:schemeClr val="tx1"/>
+                </a:solidFill>
+                <a:latin typeface="+mn-lt"/>
+                <a:ea typeface="+mn-ea"/>
+                <a:cs typeface="+mn-cs"/>
+              </a:defRPr>
+            </a:lvl7pPr>
+            <a:lvl8pPr marL="3429000" indent="-228600" algn="l" defTabSz="914400" rtl="0" eaLnBrk="1" latinLnBrk="0" hangingPunct="1">
+              <a:lnSpc>
+                <a:spcPct val="90000"/>
+              </a:lnSpc>
+              <a:spcBef>
+                <a:spcPts val="500"/>
+              </a:spcBef>
+              <a:buFont typeface="Arial" panose="020B0604020202020204" pitchFamily="34" charset="0"/>
+              <a:buChar char="•"/>
+              <a:defRPr sz="1800" kern="1200">
+                <a:solidFill>
+                  <a:schemeClr val="tx1"/>
+                </a:solidFill>
+                <a:latin typeface="+mn-lt"/>
+                <a:ea typeface="+mn-ea"/>
+                <a:cs typeface="+mn-cs"/>
+              </a:defRPr>
+            </a:lvl8pPr>
+            <a:lvl9pPr marL="3886200" indent="-228600" algn="l" defTabSz="914400" rtl="0" eaLnBrk="1" latinLnBrk="0" hangingPunct="1">
+              <a:lnSpc>
+                <a:spcPct val="90000"/>
+              </a:lnSpc>
+              <a:spcBef>
+                <a:spcPts val="500"/>
+              </a:spcBef>
+              <a:buFont typeface="Arial" panose="020B0604020202020204" pitchFamily="34" charset="0"/>
+              <a:buChar char="•"/>
+              <a:defRPr sz="1800" kern="1200">
+                <a:solidFill>
+                  <a:schemeClr val="tx1"/>
+                </a:solidFill>
+                <a:latin typeface="+mn-lt"/>
+                <a:ea typeface="+mn-ea"/>
+                <a:cs typeface="+mn-cs"/>
+              </a:defRPr>
+            </a:lvl9pPr>
+          </a:lstStyle>
+          <a:p>
+            <a:pPr algn="r"/>
+            <a:endParaRPr lang="en-US" altLang="zh-CN" dirty="0">
+              <a:solidFill>
+                <a:srgbClr val="704F95"/>
+              </a:solidFill>
+              <a:latin typeface="思源宋体 Medium" panose="02020500000000000000" pitchFamily="18" charset="-122"/>
+              <a:ea typeface="思源宋体 Medium" panose="02020500000000000000" pitchFamily="18" charset="-122"/>
+            </a:endParaRPr>
+          </a:p>
+        </p:txBody>
+      </p:sp>
+      <p:sp>
+        <p:nvSpPr>
+          <p:cNvPr id="6" name="Content Placeholder 2"/>
+          <p:cNvSpPr txBox="1"/>
+          <p:nvPr/>
+        </p:nvSpPr>
+        <p:spPr>
+          <a:xfrm>
+            <a:off x="1113971" y="1801282"/>
+            <a:ext cx="10515600" cy="4351338"/>
+          </a:xfrm>
+          <a:prstGeom prst="rect">
+            <a:avLst/>
+          </a:prstGeom>
+        </p:spPr>
+        <p:txBody>
+          <a:bodyPr>
+            <a:normAutofit/>
+          </a:bodyPr>
+          <a:lstStyle>
+            <a:lvl1pPr marL="228600" indent="-228600" algn="l" defTabSz="914400" rtl="0" eaLnBrk="1" latinLnBrk="0" hangingPunct="1">
+              <a:lnSpc>
+                <a:spcPct val="90000"/>
+              </a:lnSpc>
+              <a:spcBef>
+                <a:spcPts val="1000"/>
+              </a:spcBef>
+              <a:buFont typeface="Arial" panose="020B0604020202020204" pitchFamily="34" charset="0"/>
+              <a:buChar char="•"/>
+              <a:defRPr sz="2800" kern="1200">
+                <a:solidFill>
+                  <a:schemeClr val="tx1"/>
+                </a:solidFill>
+                <a:latin typeface="+mn-lt"/>
+                <a:ea typeface="+mn-ea"/>
+                <a:cs typeface="+mn-cs"/>
+              </a:defRPr>
+            </a:lvl1pPr>
+            <a:lvl2pPr marL="685800" indent="-228600" algn="l" defTabSz="914400" rtl="0" eaLnBrk="1" latinLnBrk="0" hangingPunct="1">
+              <a:lnSpc>
+                <a:spcPct val="90000"/>
+              </a:lnSpc>
+              <a:spcBef>
+                <a:spcPts val="500"/>
+              </a:spcBef>
+              <a:buFont typeface="Arial" panose="020B0604020202020204" pitchFamily="34" charset="0"/>
+              <a:buChar char="•"/>
+              <a:defRPr sz="2400" kern="1200">
+                <a:solidFill>
+                  <a:schemeClr val="tx1"/>
+                </a:solidFill>
+                <a:latin typeface="+mn-lt"/>
+                <a:ea typeface="+mn-ea"/>
+                <a:cs typeface="+mn-cs"/>
+              </a:defRPr>
+            </a:lvl2pPr>
+            <a:lvl3pPr marL="1143000" indent="-228600" algn="l" defTabSz="914400" rtl="0" eaLnBrk="1" latinLnBrk="0" hangingPunct="1">
+              <a:lnSpc>
+                <a:spcPct val="90000"/>
+              </a:lnSpc>
+              <a:spcBef>
+                <a:spcPts val="500"/>
+              </a:spcBef>
+              <a:buFont typeface="Arial" panose="020B0604020202020204" pitchFamily="34" charset="0"/>
+              <a:buChar char="•"/>
+              <a:defRPr sz="2000" kern="1200">
+                <a:solidFill>
+                  <a:schemeClr val="tx1"/>
+                </a:solidFill>
+                <a:latin typeface="+mn-lt"/>
+                <a:ea typeface="+mn-ea"/>
+                <a:cs typeface="+mn-cs"/>
+              </a:defRPr>
+            </a:lvl3pPr>
+            <a:lvl4pPr marL="1600200" indent="-228600" algn="l" defTabSz="914400" rtl="0" eaLnBrk="1" latinLnBrk="0" hangingPunct="1">
+              <a:lnSpc>
+                <a:spcPct val="90000"/>
+              </a:lnSpc>
+              <a:spcBef>
+                <a:spcPts val="500"/>
+              </a:spcBef>
+              <a:buFont typeface="Arial" panose="020B0604020202020204" pitchFamily="34" charset="0"/>
+              <a:buChar char="•"/>
+              <a:defRPr sz="1800" kern="1200">
+                <a:solidFill>
+                  <a:schemeClr val="tx1"/>
+                </a:solidFill>
+                <a:latin typeface="+mn-lt"/>
+                <a:ea typeface="+mn-ea"/>
+                <a:cs typeface="+mn-cs"/>
+              </a:defRPr>
+            </a:lvl4pPr>
+            <a:lvl5pPr marL="2057400" indent="-228600" algn="l" defTabSz="914400" rtl="0" eaLnBrk="1" latinLnBrk="0" hangingPunct="1">
+              <a:lnSpc>
+                <a:spcPct val="90000"/>
+              </a:lnSpc>
+              <a:spcBef>
+                <a:spcPts val="500"/>
+              </a:spcBef>
+              <a:buFont typeface="Arial" panose="020B0604020202020204" pitchFamily="34" charset="0"/>
+              <a:buChar char="•"/>
+              <a:defRPr sz="1800" kern="1200">
+                <a:solidFill>
+                  <a:schemeClr val="tx1"/>
+                </a:solidFill>
+                <a:latin typeface="+mn-lt"/>
+                <a:ea typeface="+mn-ea"/>
+                <a:cs typeface="+mn-cs"/>
+              </a:defRPr>
+            </a:lvl5pPr>
+            <a:lvl6pPr marL="2514600" indent="-228600" algn="l" defTabSz="914400" rtl="0" eaLnBrk="1" latinLnBrk="0" hangingPunct="1">
+              <a:lnSpc>
+                <a:spcPct val="90000"/>
+              </a:lnSpc>
+              <a:spcBef>
+                <a:spcPts val="500"/>
+              </a:spcBef>
+              <a:buFont typeface="Arial" panose="020B0604020202020204" pitchFamily="34" charset="0"/>
+              <a:buChar char="•"/>
+              <a:defRPr sz="1800" kern="1200">
+                <a:solidFill>
+                  <a:schemeClr val="tx1"/>
+                </a:solidFill>
+                <a:latin typeface="+mn-lt"/>
+                <a:ea typeface="+mn-ea"/>
+                <a:cs typeface="+mn-cs"/>
+              </a:defRPr>
+            </a:lvl6pPr>
+            <a:lvl7pPr marL="2971800" indent="-228600" algn="l" defTabSz="914400" rtl="0" eaLnBrk="1" latinLnBrk="0" hangingPunct="1">
+              <a:lnSpc>
+                <a:spcPct val="90000"/>
+              </a:lnSpc>
+              <a:spcBef>
+                <a:spcPts val="500"/>
+              </a:spcBef>
+              <a:buFont typeface="Arial" panose="020B0604020202020204" pitchFamily="34" charset="0"/>
+              <a:buChar char="•"/>
+              <a:defRPr sz="1800" kern="1200">
+                <a:solidFill>
+                  <a:schemeClr val="tx1"/>
+                </a:solidFill>
+                <a:latin typeface="+mn-lt"/>
+                <a:ea typeface="+mn-ea"/>
+                <a:cs typeface="+mn-cs"/>
+              </a:defRPr>
+            </a:lvl7pPr>
+            <a:lvl8pPr marL="3429000" indent="-228600" algn="l" defTabSz="914400" rtl="0" eaLnBrk="1" latinLnBrk="0" hangingPunct="1">
+              <a:lnSpc>
+                <a:spcPct val="90000"/>
+              </a:lnSpc>
+              <a:spcBef>
+                <a:spcPts val="500"/>
+              </a:spcBef>
+              <a:buFont typeface="Arial" panose="020B0604020202020204" pitchFamily="34" charset="0"/>
+              <a:buChar char="•"/>
+              <a:defRPr sz="1800" kern="1200">
+                <a:solidFill>
+                  <a:schemeClr val="tx1"/>
+                </a:solidFill>
+                <a:latin typeface="+mn-lt"/>
+                <a:ea typeface="+mn-ea"/>
+                <a:cs typeface="+mn-cs"/>
+              </a:defRPr>
+            </a:lvl8pPr>
+            <a:lvl9pPr marL="3886200" indent="-228600" algn="l" defTabSz="914400" rtl="0" eaLnBrk="1" latinLnBrk="0" hangingPunct="1">
+              <a:lnSpc>
+                <a:spcPct val="90000"/>
+              </a:lnSpc>
+              <a:spcBef>
+                <a:spcPts val="500"/>
+              </a:spcBef>
+              <a:buFont typeface="Arial" panose="020B0604020202020204" pitchFamily="34" charset="0"/>
+              <a:buChar char="•"/>
+              <a:defRPr sz="1800" kern="1200">
+                <a:solidFill>
+                  <a:schemeClr val="tx1"/>
+                </a:solidFill>
+                <a:latin typeface="+mn-lt"/>
+                <a:ea typeface="+mn-ea"/>
+                <a:cs typeface="+mn-cs"/>
+              </a:defRPr>
+            </a:lvl9pPr>
+          </a:lstStyle>
+          <a:p>
+            <a:endParaRPr lang="en-US" altLang="zh-CN" dirty="0">
+              <a:latin typeface="+mn-ea"/>
+            </a:endParaRPr>
+          </a:p>
+        </p:txBody>
+      </p:sp>
+      <p:sp>
+        <p:nvSpPr>
+          <p:cNvPr id="15" name="Content Placeholder 2"/>
+          <p:cNvSpPr txBox="1"/>
+          <p:nvPr/>
+        </p:nvSpPr>
+        <p:spPr>
+          <a:xfrm>
+            <a:off x="1113790" y="1758950"/>
+            <a:ext cx="10515600" cy="3631565"/>
+          </a:xfrm>
+          <a:prstGeom prst="rect">
+            <a:avLst/>
+          </a:prstGeom>
+        </p:spPr>
+        <p:txBody>
+          <a:bodyPr>
+            <a:normAutofit/>
+          </a:bodyPr>
+          <a:lstStyle>
+            <a:lvl1pPr marL="228600" indent="-228600" algn="l" defTabSz="914400" rtl="0" eaLnBrk="1" latinLnBrk="0" hangingPunct="1">
+              <a:lnSpc>
+                <a:spcPct val="90000"/>
+              </a:lnSpc>
+              <a:spcBef>
+                <a:spcPts val="1000"/>
+              </a:spcBef>
+              <a:buFont typeface="Arial" panose="020B0604020202020204" pitchFamily="34" charset="0"/>
+              <a:buChar char="•"/>
+              <a:defRPr sz="2800" kern="1200">
+                <a:solidFill>
+                  <a:schemeClr val="tx1"/>
+                </a:solidFill>
+                <a:latin typeface="+mn-lt"/>
+                <a:ea typeface="+mn-ea"/>
+                <a:cs typeface="+mn-cs"/>
+              </a:defRPr>
+            </a:lvl1pPr>
+            <a:lvl2pPr marL="685800" indent="-228600" algn="l" defTabSz="914400" rtl="0" eaLnBrk="1" latinLnBrk="0" hangingPunct="1">
+              <a:lnSpc>
+                <a:spcPct val="90000"/>
+              </a:lnSpc>
+              <a:spcBef>
+                <a:spcPts val="500"/>
+              </a:spcBef>
+              <a:buFont typeface="Arial" panose="020B0604020202020204" pitchFamily="34" charset="0"/>
+              <a:buChar char="•"/>
+              <a:defRPr sz="2400" kern="1200">
+                <a:solidFill>
+                  <a:schemeClr val="tx1"/>
+                </a:solidFill>
+                <a:latin typeface="+mn-lt"/>
+                <a:ea typeface="+mn-ea"/>
+                <a:cs typeface="+mn-cs"/>
+              </a:defRPr>
+            </a:lvl2pPr>
+            <a:lvl3pPr marL="1143000" indent="-228600" algn="l" defTabSz="914400" rtl="0" eaLnBrk="1" latinLnBrk="0" hangingPunct="1">
+              <a:lnSpc>
+                <a:spcPct val="90000"/>
+              </a:lnSpc>
+              <a:spcBef>
+                <a:spcPts val="500"/>
+              </a:spcBef>
+              <a:buFont typeface="Arial" panose="020B0604020202020204" pitchFamily="34" charset="0"/>
+              <a:buChar char="•"/>
+              <a:defRPr sz="2000" kern="1200">
+                <a:solidFill>
+                  <a:schemeClr val="tx1"/>
+                </a:solidFill>
+                <a:latin typeface="+mn-lt"/>
+                <a:ea typeface="+mn-ea"/>
+                <a:cs typeface="+mn-cs"/>
+              </a:defRPr>
+            </a:lvl3pPr>
+            <a:lvl4pPr marL="1600200" indent="-228600" algn="l" defTabSz="914400" rtl="0" eaLnBrk="1" latinLnBrk="0" hangingPunct="1">
+              <a:lnSpc>
+                <a:spcPct val="90000"/>
+              </a:lnSpc>
+              <a:spcBef>
+                <a:spcPts val="500"/>
+              </a:spcBef>
+              <a:buFont typeface="Arial" panose="020B0604020202020204" pitchFamily="34" charset="0"/>
+              <a:buChar char="•"/>
+              <a:defRPr sz="1800" kern="1200">
+                <a:solidFill>
+                  <a:schemeClr val="tx1"/>
+                </a:solidFill>
+                <a:latin typeface="+mn-lt"/>
+                <a:ea typeface="+mn-ea"/>
+                <a:cs typeface="+mn-cs"/>
+              </a:defRPr>
+            </a:lvl4pPr>
+            <a:lvl5pPr marL="2057400" indent="-228600" algn="l" defTabSz="914400" rtl="0" eaLnBrk="1" latinLnBrk="0" hangingPunct="1">
+              <a:lnSpc>
+                <a:spcPct val="90000"/>
+              </a:lnSpc>
+              <a:spcBef>
+                <a:spcPts val="500"/>
+              </a:spcBef>
+              <a:buFont typeface="Arial" panose="020B0604020202020204" pitchFamily="34" charset="0"/>
+              <a:buChar char="•"/>
+              <a:defRPr sz="1800" kern="1200">
+                <a:solidFill>
+                  <a:schemeClr val="tx1"/>
+                </a:solidFill>
+                <a:latin typeface="+mn-lt"/>
+                <a:ea typeface="+mn-ea"/>
+                <a:cs typeface="+mn-cs"/>
+              </a:defRPr>
+            </a:lvl5pPr>
+            <a:lvl6pPr marL="2514600" indent="-228600" algn="l" defTabSz="914400" rtl="0" eaLnBrk="1" latinLnBrk="0" hangingPunct="1">
+              <a:lnSpc>
+                <a:spcPct val="90000"/>
+              </a:lnSpc>
+              <a:spcBef>
+                <a:spcPts val="500"/>
+              </a:spcBef>
+              <a:buFont typeface="Arial" panose="020B0604020202020204" pitchFamily="34" charset="0"/>
+              <a:buChar char="•"/>
+              <a:defRPr sz="1800" kern="1200">
+                <a:solidFill>
+                  <a:schemeClr val="tx1"/>
+                </a:solidFill>
+                <a:latin typeface="+mn-lt"/>
+                <a:ea typeface="+mn-ea"/>
+                <a:cs typeface="+mn-cs"/>
+              </a:defRPr>
+            </a:lvl6pPr>
+            <a:lvl7pPr marL="2971800" indent="-228600" algn="l" defTabSz="914400" rtl="0" eaLnBrk="1" latinLnBrk="0" hangingPunct="1">
+              <a:lnSpc>
+                <a:spcPct val="90000"/>
+              </a:lnSpc>
+              <a:spcBef>
+                <a:spcPts val="500"/>
+              </a:spcBef>
+              <a:buFont typeface="Arial" panose="020B0604020202020204" pitchFamily="34" charset="0"/>
+              <a:buChar char="•"/>
+              <a:defRPr sz="1800" kern="1200">
+                <a:solidFill>
+                  <a:schemeClr val="tx1"/>
+                </a:solidFill>
+                <a:latin typeface="+mn-lt"/>
+                <a:ea typeface="+mn-ea"/>
+                <a:cs typeface="+mn-cs"/>
+              </a:defRPr>
+            </a:lvl7pPr>
+            <a:lvl8pPr marL="3429000" indent="-228600" algn="l" defTabSz="914400" rtl="0" eaLnBrk="1" latinLnBrk="0" hangingPunct="1">
+              <a:lnSpc>
+                <a:spcPct val="90000"/>
+              </a:lnSpc>
+              <a:spcBef>
+                <a:spcPts val="500"/>
+              </a:spcBef>
+              <a:buFont typeface="Arial" panose="020B0604020202020204" pitchFamily="34" charset="0"/>
+              <a:buChar char="•"/>
+              <a:defRPr sz="1800" kern="1200">
+                <a:solidFill>
+                  <a:schemeClr val="tx1"/>
+                </a:solidFill>
+                <a:latin typeface="+mn-lt"/>
+                <a:ea typeface="+mn-ea"/>
+                <a:cs typeface="+mn-cs"/>
+              </a:defRPr>
+            </a:lvl8pPr>
+            <a:lvl9pPr marL="3886200" indent="-228600" algn="l" defTabSz="914400" rtl="0" eaLnBrk="1" latinLnBrk="0" hangingPunct="1">
+              <a:lnSpc>
+                <a:spcPct val="90000"/>
+              </a:lnSpc>
+              <a:spcBef>
+                <a:spcPts val="500"/>
+              </a:spcBef>
+              <a:buFont typeface="Arial" panose="020B0604020202020204" pitchFamily="34" charset="0"/>
+              <a:buChar char="•"/>
+              <a:defRPr sz="1800" kern="1200">
+                <a:solidFill>
+                  <a:schemeClr val="tx1"/>
+                </a:solidFill>
+                <a:latin typeface="+mn-lt"/>
+                <a:ea typeface="+mn-ea"/>
+                <a:cs typeface="+mn-cs"/>
+              </a:defRPr>
+            </a:lvl9pPr>
+          </a:lstStyle>
+          <a:p>
+            <a:pPr marL="0" indent="0">
+              <a:buNone/>
+            </a:pPr>
+            <a:r>
+              <a:rPr lang="en-US" altLang="zh-CN" dirty="0" err="1">
+                <a:latin typeface="+mn-ea"/>
+              </a:rPr>
+              <a:t>Xcd</a:t>
+            </a:r>
+            <a:r>
+              <a:rPr lang="zh-CN" altLang="en-US" dirty="0">
+                <a:latin typeface="+mn-ea"/>
+              </a:rPr>
+              <a:t>：从硬件</a:t>
+            </a:r>
+            <a:r>
+              <a:rPr lang="en-US" altLang="zh-CN" dirty="0">
+                <a:latin typeface="+mn-ea"/>
+              </a:rPr>
+              <a:t>-</a:t>
+            </a:r>
+            <a:r>
+              <a:rPr lang="zh-CN" altLang="en-US" dirty="0">
+                <a:latin typeface="+mn-ea"/>
+              </a:rPr>
+              <a:t>操作系统</a:t>
+            </a:r>
+            <a:r>
+              <a:rPr lang="en-US" altLang="zh-CN" dirty="0">
+                <a:latin typeface="+mn-ea"/>
+              </a:rPr>
+              <a:t>-</a:t>
+            </a:r>
+            <a:r>
+              <a:rPr lang="zh-CN" altLang="en-US" dirty="0">
+                <a:latin typeface="+mn-ea"/>
+              </a:rPr>
+              <a:t>用户程序的全流程调试体验，和学长、社区的讨论、对</a:t>
+            </a:r>
+            <a:r>
+              <a:rPr lang="en-US" altLang="zh-CN" dirty="0">
+                <a:latin typeface="+mn-ea"/>
+              </a:rPr>
+              <a:t>x</a:t>
+            </a:r>
+            <a:endParaRPr lang="en-US" altLang="zh-CN" dirty="0">
+              <a:latin typeface="+mn-ea"/>
+            </a:endParaRPr>
+          </a:p>
+          <a:p>
+            <a:pPr marL="0" indent="0">
+              <a:buNone/>
+            </a:pPr>
+            <a:r>
+              <a:rPr lang="en-US" altLang="zh-CN" dirty="0">
+                <a:latin typeface="+mn-ea"/>
+              </a:rPr>
+              <a:t>Sx</a:t>
+            </a:r>
+            <a:r>
+              <a:rPr lang="zh-CN" altLang="en-US" dirty="0">
+                <a:latin typeface="+mn-ea"/>
+              </a:rPr>
+              <a:t>：很喜欢现代调试工具，打断点看变量很舒服</a:t>
+            </a:r>
+            <a:endParaRPr lang="zh-CN" altLang="en-US" dirty="0">
+              <a:latin typeface="+mn-ea"/>
+            </a:endParaRPr>
+          </a:p>
+        </p:txBody>
+      </p:sp>
+    </p:spTree>
+  </p:cSld>
+  <p:clrMapOvr>
+    <a:masterClrMapping/>
+  </p:clrMapOvr>
+</p:sld>
+</file>
+
+<file path=ppt/slides/slide14.xml><?xml version="1.0" encoding="utf-8"?>
+<p:sld xmlns:a="http://schemas.openxmlformats.org/drawingml/2006/main" xmlns:r="http://schemas.openxmlformats.org/officeDocument/2006/relationships" xmlns:p="http://schemas.openxmlformats.org/presentationml/2006/main">
+  <p:cSld>
+    <p:spTree>
+      <p:nvGrpSpPr>
+        <p:cNvPr id="1" name=""/>
+        <p:cNvGrpSpPr/>
+        <p:nvPr/>
+      </p:nvGrpSpPr>
+      <p:grpSpPr>
+        <a:xfrm>
+          <a:off x="0" y="0"/>
+          <a:ext cx="0" cy="0"/>
+          <a:chOff x="0" y="0"/>
+          <a:chExt cx="0" cy="0"/>
+        </a:xfrm>
+      </p:grpSpPr>
+      <p:sp>
+        <p:nvSpPr>
+          <p:cNvPr id="10" name="内容占位符 2"/>
+          <p:cNvSpPr txBox="1"/>
+          <p:nvPr/>
+        </p:nvSpPr>
+        <p:spPr>
+          <a:xfrm>
+            <a:off x="880106" y="2024290"/>
+            <a:ext cx="10395795" cy="4152673"/>
+          </a:xfrm>
+          <a:prstGeom prst="rect">
+            <a:avLst/>
+          </a:prstGeom>
+        </p:spPr>
+        <p:txBody>
+          <a:bodyPr/>
+          <a:lstStyle>
+            <a:lvl1pPr marL="228600" indent="-228600" algn="l" defTabSz="914400" rtl="0" eaLnBrk="1" latinLnBrk="0" hangingPunct="1">
+              <a:lnSpc>
+                <a:spcPct val="90000"/>
+              </a:lnSpc>
+              <a:spcBef>
+                <a:spcPts val="1000"/>
+              </a:spcBef>
+              <a:buFont typeface="Arial" panose="020B0604020202020204" pitchFamily="34" charset="0"/>
+              <a:buChar char="•"/>
+              <a:defRPr sz="2800" kern="1200">
+                <a:solidFill>
+                  <a:schemeClr val="tx1"/>
+                </a:solidFill>
+                <a:latin typeface="+mn-lt"/>
+                <a:ea typeface="+mn-ea"/>
+                <a:cs typeface="+mn-cs"/>
+              </a:defRPr>
+            </a:lvl1pPr>
+            <a:lvl2pPr marL="685800" indent="-228600" algn="l" defTabSz="914400" rtl="0" eaLnBrk="1" latinLnBrk="0" hangingPunct="1">
+              <a:lnSpc>
+                <a:spcPct val="90000"/>
+              </a:lnSpc>
+              <a:spcBef>
+                <a:spcPts val="500"/>
+              </a:spcBef>
+              <a:buFont typeface="Arial" panose="020B0604020202020204" pitchFamily="34" charset="0"/>
+              <a:buChar char="•"/>
+              <a:defRPr sz="2400" kern="1200">
+                <a:solidFill>
+                  <a:schemeClr val="tx1"/>
+                </a:solidFill>
+                <a:latin typeface="+mn-lt"/>
+                <a:ea typeface="+mn-ea"/>
+                <a:cs typeface="+mn-cs"/>
+              </a:defRPr>
+            </a:lvl2pPr>
+            <a:lvl3pPr marL="1143000" indent="-228600" algn="l" defTabSz="914400" rtl="0" eaLnBrk="1" latinLnBrk="0" hangingPunct="1">
+              <a:lnSpc>
+                <a:spcPct val="90000"/>
+              </a:lnSpc>
+              <a:spcBef>
+                <a:spcPts val="500"/>
+              </a:spcBef>
+              <a:buFont typeface="Arial" panose="020B0604020202020204" pitchFamily="34" charset="0"/>
+              <a:buChar char="•"/>
+              <a:defRPr sz="2000" kern="1200">
+                <a:solidFill>
+                  <a:schemeClr val="tx1"/>
+                </a:solidFill>
+                <a:latin typeface="+mn-lt"/>
+                <a:ea typeface="+mn-ea"/>
+                <a:cs typeface="+mn-cs"/>
+              </a:defRPr>
+            </a:lvl3pPr>
+            <a:lvl4pPr marL="1600200" indent="-228600" algn="l" defTabSz="914400" rtl="0" eaLnBrk="1" latinLnBrk="0" hangingPunct="1">
+              <a:lnSpc>
+                <a:spcPct val="90000"/>
+              </a:lnSpc>
+              <a:spcBef>
+                <a:spcPts val="500"/>
+              </a:spcBef>
+              <a:buFont typeface="Arial" panose="020B0604020202020204" pitchFamily="34" charset="0"/>
+              <a:buChar char="•"/>
+              <a:defRPr sz="1800" kern="1200">
+                <a:solidFill>
+                  <a:schemeClr val="tx1"/>
+                </a:solidFill>
+                <a:latin typeface="+mn-lt"/>
+                <a:ea typeface="+mn-ea"/>
+                <a:cs typeface="+mn-cs"/>
+              </a:defRPr>
+            </a:lvl4pPr>
+            <a:lvl5pPr marL="2057400" indent="-228600" algn="l" defTabSz="914400" rtl="0" eaLnBrk="1" latinLnBrk="0" hangingPunct="1">
+              <a:lnSpc>
+                <a:spcPct val="90000"/>
+              </a:lnSpc>
+              <a:spcBef>
+                <a:spcPts val="500"/>
+              </a:spcBef>
+              <a:buFont typeface="Arial" panose="020B0604020202020204" pitchFamily="34" charset="0"/>
+              <a:buChar char="•"/>
+              <a:defRPr sz="1800" kern="1200">
+                <a:solidFill>
+                  <a:schemeClr val="tx1"/>
+                </a:solidFill>
+                <a:latin typeface="+mn-lt"/>
+                <a:ea typeface="+mn-ea"/>
+                <a:cs typeface="+mn-cs"/>
+              </a:defRPr>
+            </a:lvl5pPr>
+            <a:lvl6pPr marL="2514600" indent="-228600" algn="l" defTabSz="914400" rtl="0" eaLnBrk="1" latinLnBrk="0" hangingPunct="1">
+              <a:lnSpc>
+                <a:spcPct val="90000"/>
+              </a:lnSpc>
+              <a:spcBef>
+                <a:spcPts val="500"/>
+              </a:spcBef>
+              <a:buFont typeface="Arial" panose="020B0604020202020204" pitchFamily="34" charset="0"/>
+              <a:buChar char="•"/>
+              <a:defRPr sz="1800" kern="1200">
+                <a:solidFill>
+                  <a:schemeClr val="tx1"/>
+                </a:solidFill>
+                <a:latin typeface="+mn-lt"/>
+                <a:ea typeface="+mn-ea"/>
+                <a:cs typeface="+mn-cs"/>
+              </a:defRPr>
+            </a:lvl6pPr>
+            <a:lvl7pPr marL="2971800" indent="-228600" algn="l" defTabSz="914400" rtl="0" eaLnBrk="1" latinLnBrk="0" hangingPunct="1">
+              <a:lnSpc>
+                <a:spcPct val="90000"/>
+              </a:lnSpc>
+              <a:spcBef>
+                <a:spcPts val="500"/>
+              </a:spcBef>
+              <a:buFont typeface="Arial" panose="020B0604020202020204" pitchFamily="34" charset="0"/>
+              <a:buChar char="•"/>
+              <a:defRPr sz="1800" kern="1200">
+                <a:solidFill>
+                  <a:schemeClr val="tx1"/>
+                </a:solidFill>
+                <a:latin typeface="+mn-lt"/>
+                <a:ea typeface="+mn-ea"/>
+                <a:cs typeface="+mn-cs"/>
+              </a:defRPr>
+            </a:lvl7pPr>
+            <a:lvl8pPr marL="3429000" indent="-228600" algn="l" defTabSz="914400" rtl="0" eaLnBrk="1" latinLnBrk="0" hangingPunct="1">
+              <a:lnSpc>
+                <a:spcPct val="90000"/>
+              </a:lnSpc>
+              <a:spcBef>
+                <a:spcPts val="500"/>
+              </a:spcBef>
+              <a:buFont typeface="Arial" panose="020B0604020202020204" pitchFamily="34" charset="0"/>
+              <a:buChar char="•"/>
+              <a:defRPr sz="1800" kern="1200">
+                <a:solidFill>
+                  <a:schemeClr val="tx1"/>
+                </a:solidFill>
+                <a:latin typeface="+mn-lt"/>
+                <a:ea typeface="+mn-ea"/>
+                <a:cs typeface="+mn-cs"/>
+              </a:defRPr>
+            </a:lvl8pPr>
+            <a:lvl9pPr marL="3886200" indent="-228600" algn="l" defTabSz="914400" rtl="0" eaLnBrk="1" latinLnBrk="0" hangingPunct="1">
+              <a:lnSpc>
+                <a:spcPct val="90000"/>
+              </a:lnSpc>
+              <a:spcBef>
+                <a:spcPts val="500"/>
+              </a:spcBef>
+              <a:buFont typeface="Arial" panose="020B0604020202020204" pitchFamily="34" charset="0"/>
+              <a:buChar char="•"/>
+              <a:defRPr sz="1800" kern="1200">
+                <a:solidFill>
+                  <a:schemeClr val="tx1"/>
+                </a:solidFill>
+                <a:latin typeface="+mn-lt"/>
+                <a:ea typeface="+mn-ea"/>
+                <a:cs typeface="+mn-cs"/>
+              </a:defRPr>
+            </a:lvl9pPr>
+          </a:lstStyle>
+          <a:p>
+            <a:pPr marL="0" indent="0">
+              <a:buNone/>
+            </a:pPr>
+            <a:endParaRPr kumimoji="1" lang="zh-CN" altLang="en-US" dirty="0">
+              <a:solidFill>
+                <a:srgbClr val="FF0000"/>
+              </a:solidFill>
+            </a:endParaRPr>
+          </a:p>
+          <a:p>
+            <a:pPr marL="0" indent="0">
+              <a:buNone/>
+            </a:pPr>
+            <a:endParaRPr kumimoji="1" lang="zh-CN" altLang="en-US" dirty="0">
+              <a:solidFill>
+                <a:srgbClr val="FF0000"/>
+              </a:solidFill>
+            </a:endParaRPr>
+          </a:p>
+          <a:p>
+            <a:pPr marL="0" indent="0" algn="ctr">
+              <a:buNone/>
+            </a:pPr>
+            <a:r>
+              <a:rPr kumimoji="1" lang="zh-CN" altLang="en-US" sz="3600" dirty="0">
+                <a:solidFill>
+                  <a:srgbClr val="704F95"/>
+                </a:solidFill>
+                <a:latin typeface="思源宋体 Heavy" panose="02020900000000000000" pitchFamily="18" charset="-122"/>
+                <a:ea typeface="思源宋体 Heavy" panose="02020900000000000000" pitchFamily="18" charset="-122"/>
+              </a:rPr>
+              <a:t>感谢陈渝老师和向勇老师的指导！</a:t>
+            </a:r>
+            <a:endParaRPr kumimoji="1" lang="en-US" altLang="zh-CN" sz="3600" dirty="0">
+              <a:solidFill>
+                <a:srgbClr val="704F95"/>
+              </a:solidFill>
+              <a:latin typeface="思源宋体 Heavy" panose="02020900000000000000" pitchFamily="18" charset="-122"/>
+              <a:ea typeface="思源宋体 Heavy" panose="02020900000000000000" pitchFamily="18" charset="-122"/>
+            </a:endParaRPr>
+          </a:p>
+          <a:p>
+            <a:pPr marL="0" indent="0" algn="ctr">
+              <a:buNone/>
+            </a:pPr>
+            <a:r>
+              <a:rPr kumimoji="1" lang="zh-CN" altLang="en-US" sz="3600" dirty="0">
+                <a:solidFill>
+                  <a:srgbClr val="704F95"/>
+                </a:solidFill>
+                <a:latin typeface="思源宋体 Heavy" panose="02020900000000000000" pitchFamily="18" charset="-122"/>
+                <a:ea typeface="思源宋体 Heavy" panose="02020900000000000000" pitchFamily="18" charset="-122"/>
+              </a:rPr>
+              <a:t>感谢贾越凯、贺鲲鹏、尤予阳以及其他学长的帮助！</a:t>
+            </a:r>
+            <a:endParaRPr kumimoji="1" lang="en-US" altLang="zh-CN" sz="3600" dirty="0">
+              <a:solidFill>
+                <a:srgbClr val="704F95"/>
+              </a:solidFill>
+              <a:latin typeface="思源宋体 Heavy" panose="02020900000000000000" pitchFamily="18" charset="-122"/>
+              <a:ea typeface="思源宋体 Heavy" panose="02020900000000000000" pitchFamily="18" charset="-122"/>
+            </a:endParaRPr>
+          </a:p>
+          <a:p>
+            <a:pPr marL="0" indent="0" algn="ctr">
+              <a:buNone/>
+            </a:pPr>
+            <a:endParaRPr kumimoji="1" lang="en-US" altLang="zh-CN" sz="3600" dirty="0">
+              <a:solidFill>
+                <a:srgbClr val="704F95"/>
+              </a:solidFill>
+              <a:latin typeface="思源宋体 Heavy" panose="02020900000000000000" pitchFamily="18" charset="-122"/>
+              <a:ea typeface="思源宋体 Heavy" panose="02020900000000000000" pitchFamily="18" charset="-122"/>
+            </a:endParaRPr>
+          </a:p>
+        </p:txBody>
+      </p:sp>
+      <p:pic>
+        <p:nvPicPr>
+          <p:cNvPr id="8" name="Picture 8"/>
+          <p:cNvPicPr/>
+          <p:nvPr/>
+        </p:nvPicPr>
+        <p:blipFill>
+          <a:blip r:embed="rId1">
+            <a:clrChange>
+              <a:clrFrom>
+                <a:srgbClr val="FFFFFF"/>
+              </a:clrFrom>
+              <a:clrTo>
+                <a:srgbClr val="FFFFFF">
+                  <a:alpha val="0"/>
+                </a:srgbClr>
+              </a:clrTo>
+            </a:clrChange>
+          </a:blip>
+          <a:stretch>
+            <a:fillRect/>
+          </a:stretch>
+        </p:blipFill>
+        <p:spPr>
+          <a:xfrm>
+            <a:off x="7880269" y="6297384"/>
+            <a:ext cx="4120587" cy="514122"/>
+          </a:xfrm>
+          <a:prstGeom prst="rect">
+            <a:avLst/>
+          </a:prstGeom>
+        </p:spPr>
+      </p:pic>
+      <p:sp>
+        <p:nvSpPr>
+          <p:cNvPr id="5" name="Rectangle 236"/>
+          <p:cNvSpPr/>
+          <p:nvPr/>
+        </p:nvSpPr>
+        <p:spPr>
+          <a:xfrm>
+            <a:off x="880107" y="752160"/>
+            <a:ext cx="10395795" cy="923330"/>
+          </a:xfrm>
+          <a:prstGeom prst="rect">
+            <a:avLst/>
+          </a:prstGeom>
+          <a:noFill/>
+        </p:spPr>
+        <p:txBody>
+          <a:bodyPr wrap="none" lIns="91440" tIns="45720" rIns="91440" bIns="45720">
+            <a:spAutoFit/>
+            <a:scene3d>
+              <a:camera prst="orthographicFront"/>
+              <a:lightRig rig="soft" dir="t">
+                <a:rot lat="0" lon="0" rev="15600000"/>
+              </a:lightRig>
+            </a:scene3d>
+            <a:sp3d extrusionH="57150" prstMaterial="softEdge">
+              <a:bevelT w="25400" h="38100"/>
+            </a:sp3d>
+          </a:bodyPr>
+          <a:lstStyle/>
+          <a:p>
+            <a:pPr algn="ctr"/>
+            <a:r>
               <a:rPr lang="zh-CN" altLang="en-US" sz="5400" b="1" u="sng">
                 <a:solidFill>
                   <a:srgbClr val="803A87"/>
@@ -5990,7 +8501,7 @@
           <p:nvPr/>
         </p:nvPicPr>
         <p:blipFill>
-          <a:blip r:embed="rId4" cstate="print">
+          <a:blip r:embed="rId2" cstate="print">
             <a:extLst>
               <a:ext uri="{28A0092B-C50C-407E-A947-70E740481C1C}">
                 <a14:useLocalDpi xmlns:a14="http://schemas.microsoft.com/office/drawing/2010/main" val="0"/>
@@ -6107,6 +8618,13 @@
               </a:rPr>
               <a:t>目录</a:t>
             </a:r>
+            <a:endParaRPr lang="zh-CN" altLang="en-US" sz="4000" b="1" dirty="0">
+              <a:solidFill>
+                <a:srgbClr val="704F95"/>
+              </a:solidFill>
+              <a:latin typeface="思源宋体 Medium" panose="02020500000000000000" pitchFamily="18" charset="-122"/>
+              <a:ea typeface="思源宋体 Medium" panose="02020500000000000000" pitchFamily="18" charset="-122"/>
+            </a:endParaRPr>
           </a:p>
         </p:txBody>
       </p:sp>
@@ -6165,7 +8683,7 @@
           <p:nvPr/>
         </p:nvPicPr>
         <p:blipFill>
-          <a:blip r:embed="rId3">
+          <a:blip r:embed="rId1">
             <a:clrChange>
               <a:clrFrom>
                 <a:srgbClr val="FFFFFF"/>
@@ -6420,6 +8938,7 @@
               <a:rPr lang="zh-CN" altLang="en-US" sz="3200" dirty="0"/>
               <a:t>未来的规划</a:t>
             </a:r>
+            <a:endParaRPr lang="zh-CN" altLang="en-US" sz="3200" dirty="0"/>
           </a:p>
         </p:txBody>
       </p:sp>
@@ -6570,7 +9089,7 @@
           <p:nvPr/>
         </p:nvPicPr>
         <p:blipFill>
-          <a:blip r:embed="rId3">
+          <a:blip r:embed="rId1">
             <a:clrChange>
               <a:clrFrom>
                 <a:srgbClr val="FFFFFF"/>
@@ -7073,6 +9592,30 @@
               </a:rPr>
               <a:t>的实现</a:t>
             </a:r>
+            <a:endParaRPr lang="zh-CN" altLang="en-US" dirty="0">
+              <a:latin typeface="+mn-ea"/>
+            </a:endParaRPr>
+          </a:p>
+          <a:p>
+            <a:endParaRPr lang="en-US" altLang="zh-CN" dirty="0">
+              <a:sym typeface="+mn-ea"/>
+            </a:endParaRPr>
+          </a:p>
+          <a:p>
+            <a:r>
+              <a:rPr lang="en-US" altLang="zh-CN" dirty="0">
+                <a:sym typeface="+mn-ea"/>
+              </a:rPr>
+              <a:t>demo: </a:t>
+            </a:r>
+            <a:r>
+              <a:rPr lang="en-US" altLang="zh-CN" dirty="0">
+                <a:latin typeface="Consolas" panose="020B0609020204030204" charset="0"/>
+                <a:cs typeface="Consolas" panose="020B0609020204030204" charset="0"/>
+                <a:sym typeface="+mn-ea"/>
+              </a:rPr>
+              <a:t>docker run -it uintr/demo</a:t>
+            </a:r>
             <a:endParaRPr lang="en-US" altLang="zh-CN" dirty="0">
               <a:latin typeface="+mn-ea"/>
             </a:endParaRPr>
@@ -7246,7 +9789,7 @@
           <p:nvPr/>
         </p:nvPicPr>
         <p:blipFill>
-          <a:blip r:embed="rId3">
+          <a:blip r:embed="rId1">
             <a:clrChange>
               <a:clrFrom>
                 <a:srgbClr val="FFFFFF"/>
@@ -7684,22 +10227,18 @@
       </p:sp>
       <p:pic>
         <p:nvPicPr>
-          <p:cNvPr id="9" name="Picture 8">
-            <a:extLst>
-              <a:ext uri="{FF2B5EF4-FFF2-40B4-BE49-F238E27FC236}">
-                <a16:creationId xmlns:a16="http://schemas.microsoft.com/office/drawing/2014/main" id="{B73EA9F2-F83B-7643-B4C4-79A5554BA673}"/>
-              </a:ext>
-            </a:extLst>
-          </p:cNvPr>
+          <p:cNvPr id="9" name="Picture 8"/>
           <p:cNvPicPr>
             <a:picLocks noChangeAspect="1"/>
           </p:cNvPicPr>
           <p:nvPr/>
         </p:nvPicPr>
         <p:blipFill rotWithShape="1">
-          <a:blip r:embed="rId4"/>
+          <a:blip r:embed="rId2"/>
           <a:srcRect r="21884"/>
-          <a:stretch/>
+          <a:stretch>
+            <a:fillRect/>
+          </a:stretch>
         </p:blipFill>
         <p:spPr>
           <a:xfrm>
@@ -7713,22 +10252,18 @@
       </p:pic>
       <p:pic>
         <p:nvPicPr>
-          <p:cNvPr id="5" name="Picture 4">
-            <a:extLst>
-              <a:ext uri="{FF2B5EF4-FFF2-40B4-BE49-F238E27FC236}">
-                <a16:creationId xmlns:a16="http://schemas.microsoft.com/office/drawing/2014/main" id="{65E2A2C4-4FA2-D741-96D6-E73B6D1DD32B}"/>
-              </a:ext>
-            </a:extLst>
-          </p:cNvPr>
+          <p:cNvPr id="5" name="Picture 4"/>
           <p:cNvPicPr>
             <a:picLocks noChangeAspect="1"/>
           </p:cNvPicPr>
           <p:nvPr/>
         </p:nvPicPr>
         <p:blipFill rotWithShape="1">
-          <a:blip r:embed="rId5"/>
+          <a:blip r:embed="rId3"/>
           <a:srcRect r="35213"/>
-          <a:stretch/>
+          <a:stretch>
+            <a:fillRect/>
+          </a:stretch>
         </p:blipFill>
         <p:spPr>
           <a:xfrm>
@@ -7741,11 +10276,6 @@
         </p:spPr>
       </p:pic>
     </p:spTree>
-    <p:extLst>
-      <p:ext uri="{BB962C8B-B14F-4D97-AF65-F5344CB8AC3E}">
-        <p14:creationId xmlns:p14="http://schemas.microsoft.com/office/powerpoint/2010/main" val="1785935534"/>
-      </p:ext>
-    </p:extLst>
   </p:cSld>
   <p:clrMapOvr>
     <a:masterClrMapping/>
@@ -7912,7 +10442,7 @@
           <p:nvPr/>
         </p:nvPicPr>
         <p:blipFill>
-          <a:blip r:embed="rId3">
+          <a:blip r:embed="rId1">
             <a:clrChange>
               <a:clrFrom>
                 <a:srgbClr val="FFFFFF"/>
@@ -8350,20 +10880,14 @@
       </p:sp>
       <p:pic>
         <p:nvPicPr>
-          <p:cNvPr id="3" name="Picture 2">
-            <a:extLst>
-              <a:ext uri="{FF2B5EF4-FFF2-40B4-BE49-F238E27FC236}">
-                <a16:creationId xmlns:a16="http://schemas.microsoft.com/office/drawing/2014/main" id="{23A82A07-D785-9042-99DD-66CB7DB7D372}"/>
-              </a:ext>
-            </a:extLst>
-          </p:cNvPr>
+          <p:cNvPr id="3" name="Picture 2"/>
           <p:cNvPicPr>
             <a:picLocks noChangeAspect="1"/>
           </p:cNvPicPr>
           <p:nvPr/>
         </p:nvPicPr>
         <p:blipFill>
-          <a:blip r:embed="rId4"/>
+          <a:blip r:embed="rId2"/>
           <a:stretch>
             <a:fillRect/>
           </a:stretch>
@@ -8380,20 +10904,14 @@
       </p:pic>
       <p:pic>
         <p:nvPicPr>
-          <p:cNvPr id="7" name="Picture 6">
-            <a:extLst>
-              <a:ext uri="{FF2B5EF4-FFF2-40B4-BE49-F238E27FC236}">
-                <a16:creationId xmlns:a16="http://schemas.microsoft.com/office/drawing/2014/main" id="{70B37643-38C5-7145-BF80-53D763980607}"/>
-              </a:ext>
-            </a:extLst>
-          </p:cNvPr>
+          <p:cNvPr id="7" name="Picture 6"/>
           <p:cNvPicPr>
             <a:picLocks noChangeAspect="1"/>
           </p:cNvPicPr>
           <p:nvPr/>
         </p:nvPicPr>
         <p:blipFill>
-          <a:blip r:embed="rId5"/>
+          <a:blip r:embed="rId3"/>
           <a:stretch>
             <a:fillRect/>
           </a:stretch>
@@ -8409,11 +10927,6 @@
         </p:spPr>
       </p:pic>
     </p:spTree>
-    <p:extLst>
-      <p:ext uri="{BB962C8B-B14F-4D97-AF65-F5344CB8AC3E}">
-        <p14:creationId xmlns:p14="http://schemas.microsoft.com/office/powerpoint/2010/main" val="561449525"/>
-      </p:ext>
-    </p:extLst>
   </p:cSld>
   <p:clrMapOvr>
     <a:masterClrMapping/>
@@ -8580,7 +11093,7 @@
           <p:nvPr/>
         </p:nvPicPr>
         <p:blipFill>
-          <a:blip r:embed="rId3">
+          <a:blip r:embed="rId1">
             <a:clrChange>
               <a:clrFrom>
                 <a:srgbClr val="FFFFFF"/>
@@ -9018,20 +11531,14 @@
       </p:sp>
       <p:pic>
         <p:nvPicPr>
-          <p:cNvPr id="4" name="Picture 3">
-            <a:extLst>
-              <a:ext uri="{FF2B5EF4-FFF2-40B4-BE49-F238E27FC236}">
-                <a16:creationId xmlns:a16="http://schemas.microsoft.com/office/drawing/2014/main" id="{4DE53B13-3476-5B46-9E18-06C69C13AA91}"/>
-              </a:ext>
-            </a:extLst>
-          </p:cNvPr>
+          <p:cNvPr id="4" name="Picture 3"/>
           <p:cNvPicPr>
             <a:picLocks noChangeAspect="1"/>
           </p:cNvPicPr>
           <p:nvPr/>
         </p:nvPicPr>
         <p:blipFill>
-          <a:blip r:embed="rId4"/>
+          <a:blip r:embed="rId2"/>
           <a:stretch>
             <a:fillRect/>
           </a:stretch>
@@ -9048,20 +11555,14 @@
       </p:pic>
       <p:pic>
         <p:nvPicPr>
-          <p:cNvPr id="5" name="Picture 4">
-            <a:extLst>
-              <a:ext uri="{FF2B5EF4-FFF2-40B4-BE49-F238E27FC236}">
-                <a16:creationId xmlns:a16="http://schemas.microsoft.com/office/drawing/2014/main" id="{1F83181B-32B4-6749-83A5-B5103BD754C4}"/>
-              </a:ext>
-            </a:extLst>
-          </p:cNvPr>
+          <p:cNvPr id="5" name="Picture 4"/>
           <p:cNvPicPr>
             <a:picLocks noChangeAspect="1"/>
           </p:cNvPicPr>
           <p:nvPr/>
         </p:nvPicPr>
         <p:blipFill>
-          <a:blip r:embed="rId5"/>
+          <a:blip r:embed="rId3"/>
           <a:stretch>
             <a:fillRect/>
           </a:stretch>
@@ -9077,11 +11578,6 @@
         </p:spPr>
       </p:pic>
     </p:spTree>
-    <p:extLst>
-      <p:ext uri="{BB962C8B-B14F-4D97-AF65-F5344CB8AC3E}">
-        <p14:creationId xmlns:p14="http://schemas.microsoft.com/office/powerpoint/2010/main" val="1613733217"/>
-      </p:ext>
-    </p:extLst>
   </p:cSld>
   <p:clrMapOvr>
     <a:masterClrMapping/>
@@ -9248,7 +11744,7 @@
           <p:nvPr/>
         </p:nvPicPr>
         <p:blipFill>
-          <a:blip r:embed="rId3">
+          <a:blip r:embed="rId1">
             <a:clrChange>
               <a:clrFrom>
                 <a:srgbClr val="FFFFFF"/>
@@ -9662,20 +12158,14 @@
       </p:sp>
       <p:pic>
         <p:nvPicPr>
-          <p:cNvPr id="2" name="Picture 1">
-            <a:extLst>
-              <a:ext uri="{FF2B5EF4-FFF2-40B4-BE49-F238E27FC236}">
-                <a16:creationId xmlns:a16="http://schemas.microsoft.com/office/drawing/2014/main" id="{D28E3A97-0224-E44E-81F8-58F7FF57F6ED}"/>
-              </a:ext>
-            </a:extLst>
-          </p:cNvPr>
+          <p:cNvPr id="2" name="Picture 1"/>
           <p:cNvPicPr>
             <a:picLocks noChangeAspect="1"/>
           </p:cNvPicPr>
           <p:nvPr/>
         </p:nvPicPr>
         <p:blipFill>
-          <a:blip r:embed="rId4"/>
+          <a:blip r:embed="rId2"/>
           <a:stretch>
             <a:fillRect/>
           </a:stretch>
@@ -9692,20 +12182,14 @@
       </p:pic>
       <p:pic>
         <p:nvPicPr>
-          <p:cNvPr id="4" name="Picture 3">
-            <a:extLst>
-              <a:ext uri="{FF2B5EF4-FFF2-40B4-BE49-F238E27FC236}">
-                <a16:creationId xmlns:a16="http://schemas.microsoft.com/office/drawing/2014/main" id="{E9488A1E-4153-A545-A258-149EB4636534}"/>
-              </a:ext>
-            </a:extLst>
-          </p:cNvPr>
+          <p:cNvPr id="4" name="Picture 3"/>
           <p:cNvPicPr>
             <a:picLocks noChangeAspect="1"/>
           </p:cNvPicPr>
           <p:nvPr/>
         </p:nvPicPr>
         <p:blipFill>
-          <a:blip r:embed="rId5"/>
+          <a:blip r:embed="rId3"/>
           <a:stretch>
             <a:fillRect/>
           </a:stretch>
@@ -9722,20 +12206,14 @@
       </p:pic>
       <p:pic>
         <p:nvPicPr>
-          <p:cNvPr id="5" name="Picture 4">
-            <a:extLst>
-              <a:ext uri="{FF2B5EF4-FFF2-40B4-BE49-F238E27FC236}">
-                <a16:creationId xmlns:a16="http://schemas.microsoft.com/office/drawing/2014/main" id="{FADDF70B-8CE5-E942-A909-E13521DCE0D9}"/>
-              </a:ext>
-            </a:extLst>
-          </p:cNvPr>
+          <p:cNvPr id="5" name="Picture 4"/>
           <p:cNvPicPr>
             <a:picLocks noChangeAspect="1"/>
           </p:cNvPicPr>
           <p:nvPr/>
         </p:nvPicPr>
         <p:blipFill>
-          <a:blip r:embed="rId6"/>
+          <a:blip r:embed="rId4"/>
           <a:stretch>
             <a:fillRect/>
           </a:stretch>
@@ -9752,13 +12230,7 @@
       </p:pic>
       <p:sp>
         <p:nvSpPr>
-          <p:cNvPr id="12" name="文本框 15">
-            <a:extLst>
-              <a:ext uri="{FF2B5EF4-FFF2-40B4-BE49-F238E27FC236}">
-                <a16:creationId xmlns:a16="http://schemas.microsoft.com/office/drawing/2014/main" id="{BD41FE05-9CFB-EA43-9AB7-9B2E68CF1513}"/>
-              </a:ext>
-            </a:extLst>
-          </p:cNvPr>
+          <p:cNvPr id="12" name="文本框 15"/>
           <p:cNvSpPr txBox="1"/>
           <p:nvPr/>
         </p:nvSpPr>
@@ -9790,13 +12262,7 @@
       </p:sp>
       <p:sp>
         <p:nvSpPr>
-          <p:cNvPr id="13" name="文本框 15">
-            <a:extLst>
-              <a:ext uri="{FF2B5EF4-FFF2-40B4-BE49-F238E27FC236}">
-                <a16:creationId xmlns:a16="http://schemas.microsoft.com/office/drawing/2014/main" id="{B70F17D4-2B67-8A4D-9890-E71934AA760C}"/>
-              </a:ext>
-            </a:extLst>
-          </p:cNvPr>
+          <p:cNvPr id="13" name="文本框 15"/>
           <p:cNvSpPr txBox="1"/>
           <p:nvPr/>
         </p:nvSpPr>
@@ -9828,13 +12294,7 @@
       </p:sp>
       <p:sp>
         <p:nvSpPr>
-          <p:cNvPr id="14" name="文本框 15">
-            <a:extLst>
-              <a:ext uri="{FF2B5EF4-FFF2-40B4-BE49-F238E27FC236}">
-                <a16:creationId xmlns:a16="http://schemas.microsoft.com/office/drawing/2014/main" id="{AAE5B1D8-5284-BF41-9669-195BA1E58646}"/>
-              </a:ext>
-            </a:extLst>
-          </p:cNvPr>
+          <p:cNvPr id="14" name="文本框 15"/>
           <p:cNvSpPr txBox="1"/>
           <p:nvPr/>
         </p:nvSpPr>
@@ -9866,13 +12326,7 @@
       </p:sp>
       <p:sp>
         <p:nvSpPr>
-          <p:cNvPr id="15" name="Content Placeholder 2">
-            <a:extLst>
-              <a:ext uri="{FF2B5EF4-FFF2-40B4-BE49-F238E27FC236}">
-                <a16:creationId xmlns:a16="http://schemas.microsoft.com/office/drawing/2014/main" id="{D8654040-F8E5-1243-BF79-FABCCFA7882B}"/>
-              </a:ext>
-            </a:extLst>
-          </p:cNvPr>
+          <p:cNvPr id="15" name="Content Placeholder 2"/>
           <p:cNvSpPr txBox="1"/>
           <p:nvPr/>
         </p:nvSpPr>
@@ -10244,7 +12698,7 @@
           <p:nvPr/>
         </p:nvPicPr>
         <p:blipFill>
-          <a:blip r:embed="rId3">
+          <a:blip r:embed="rId1">
             <a:clrChange>
               <a:clrFrom>
                 <a:srgbClr val="FFFFFF"/>
@@ -10474,7 +12928,7 @@
         </p:nvSpPr>
         <p:spPr>
           <a:xfrm>
-            <a:off x="1113971" y="1801282"/>
+            <a:off x="1056186" y="1833032"/>
             <a:ext cx="10515600" cy="4351338"/>
           </a:xfrm>
           <a:prstGeom prst="rect">
@@ -10650,231 +13104,144 @@
             </a:lvl9pPr>
           </a:lstStyle>
           <a:p>
-            <a:endParaRPr lang="en-US" altLang="zh-CN" dirty="0">
+            <a:r>
+              <a:rPr lang="zh-CN" altLang="en-US" dirty="0">
+                <a:latin typeface="+mn-ea"/>
+              </a:rPr>
+              <a:t>复现</a:t>
+            </a:r>
+            <a:r>
+              <a:rPr lang="en-US" altLang="zh-CN" dirty="0">
+                <a:latin typeface="+mn-ea"/>
+              </a:rPr>
+              <a:t> linux rfc </a:t>
+            </a:r>
+            <a:r>
+              <a:rPr lang="zh-CN" altLang="en-US" dirty="0">
+                <a:latin typeface="+mn-ea"/>
+              </a:rPr>
+              <a:t>性能测试结果</a:t>
+            </a:r>
+            <a:endParaRPr lang="zh-CN" altLang="en-US" dirty="0">
               <a:latin typeface="+mn-ea"/>
             </a:endParaRPr>
           </a:p>
         </p:txBody>
       </p:sp>
-      <p:sp>
-        <p:nvSpPr>
-          <p:cNvPr id="15" name="Content Placeholder 2">
-            <a:extLst>
-              <a:ext uri="{FF2B5EF4-FFF2-40B4-BE49-F238E27FC236}">
-                <a16:creationId xmlns:a16="http://schemas.microsoft.com/office/drawing/2014/main" id="{D8654040-F8E5-1243-BF79-FABCCFA7882B}"/>
-              </a:ext>
-            </a:extLst>
-          </p:cNvPr>
-          <p:cNvSpPr txBox="1"/>
+      <p:pic>
+        <p:nvPicPr>
+          <p:cNvPr id="2" name="图片 1"/>
+          <p:cNvPicPr>
+            <a:picLocks noChangeAspect="1"/>
+          </p:cNvPicPr>
           <p:nvPr/>
-        </p:nvSpPr>
+        </p:nvPicPr>
+        <p:blipFill>
+          <a:blip r:embed="rId2"/>
+          <a:stretch>
+            <a:fillRect/>
+          </a:stretch>
+        </p:blipFill>
         <p:spPr>
           <a:xfrm>
-            <a:off x="5618885" y="4114168"/>
-            <a:ext cx="5888933" cy="2174628"/>
+            <a:off x="663575" y="2680970"/>
+            <a:ext cx="5708015" cy="2889250"/>
           </a:xfrm>
           <a:prstGeom prst="rect">
             <a:avLst/>
           </a:prstGeom>
         </p:spPr>
-        <p:txBody>
-          <a:bodyPr>
-            <a:normAutofit/>
+      </p:pic>
+      <p:pic>
+        <p:nvPicPr>
+          <p:cNvPr id="7" name="图片 6"/>
+          <p:cNvPicPr>
+            <a:picLocks noChangeAspect="1"/>
+          </p:cNvPicPr>
+          <p:nvPr/>
+        </p:nvPicPr>
+        <p:blipFill>
+          <a:blip r:embed="rId3"/>
+          <a:stretch>
+            <a:fillRect/>
+          </a:stretch>
+        </p:blipFill>
+        <p:spPr>
+          <a:xfrm>
+            <a:off x="7133590" y="2255520"/>
+            <a:ext cx="4031615" cy="2124710"/>
+          </a:xfrm>
+          <a:prstGeom prst="rect">
+            <a:avLst/>
+          </a:prstGeom>
+        </p:spPr>
+      </p:pic>
+      <p:pic>
+        <p:nvPicPr>
+          <p:cNvPr id="9" name="图片 8"/>
+          <p:cNvPicPr>
+            <a:picLocks noChangeAspect="1"/>
+          </p:cNvPicPr>
+          <p:nvPr/>
+        </p:nvPicPr>
+        <p:blipFill>
+          <a:blip r:embed="rId4"/>
+          <a:stretch>
+            <a:fillRect/>
+          </a:stretch>
+        </p:blipFill>
+        <p:spPr>
+          <a:xfrm>
+            <a:off x="7141845" y="4573270"/>
+            <a:ext cx="4023360" cy="2059940"/>
+          </a:xfrm>
+          <a:prstGeom prst="rect">
+            <a:avLst/>
+          </a:prstGeom>
+        </p:spPr>
+      </p:pic>
+      <p:sp>
+        <p:nvSpPr>
+          <p:cNvPr id="10" name="文本框 9"/>
+          <p:cNvSpPr txBox="1"/>
+          <p:nvPr/>
+        </p:nvSpPr>
+        <p:spPr>
+          <a:xfrm>
+            <a:off x="7250430" y="1706245"/>
+            <a:ext cx="3608705" cy="368300"/>
+          </a:xfrm>
+          <a:prstGeom prst="rect">
+            <a:avLst/>
+          </a:prstGeom>
+          <a:noFill/>
+        </p:spPr>
+        <p:txBody>
+          <a:bodyPr wrap="square" rtlCol="0">
+            <a:spAutoFit/>
           </a:bodyPr>
-          <a:lstStyle>
-            <a:lvl1pPr marL="228600" indent="-228600" algn="l" defTabSz="914400" rtl="0" eaLnBrk="1" latinLnBrk="0" hangingPunct="1">
-              <a:lnSpc>
-                <a:spcPct val="90000"/>
-              </a:lnSpc>
-              <a:spcBef>
-                <a:spcPts val="1000"/>
-              </a:spcBef>
-              <a:buFont typeface="Arial" panose="020B0604020202020204" pitchFamily="34" charset="0"/>
-              <a:buChar char="•"/>
-              <a:defRPr sz="2800" kern="1200">
-                <a:solidFill>
-                  <a:schemeClr val="tx1"/>
-                </a:solidFill>
-                <a:latin typeface="+mn-lt"/>
-                <a:ea typeface="+mn-ea"/>
-                <a:cs typeface="+mn-cs"/>
-              </a:defRPr>
-            </a:lvl1pPr>
-            <a:lvl2pPr marL="685800" indent="-228600" algn="l" defTabSz="914400" rtl="0" eaLnBrk="1" latinLnBrk="0" hangingPunct="1">
-              <a:lnSpc>
-                <a:spcPct val="90000"/>
-              </a:lnSpc>
-              <a:spcBef>
-                <a:spcPts val="500"/>
-              </a:spcBef>
-              <a:buFont typeface="Arial" panose="020B0604020202020204" pitchFamily="34" charset="0"/>
-              <a:buChar char="•"/>
-              <a:defRPr sz="2400" kern="1200">
-                <a:solidFill>
-                  <a:schemeClr val="tx1"/>
-                </a:solidFill>
-                <a:latin typeface="+mn-lt"/>
-                <a:ea typeface="+mn-ea"/>
-                <a:cs typeface="+mn-cs"/>
-              </a:defRPr>
-            </a:lvl2pPr>
-            <a:lvl3pPr marL="1143000" indent="-228600" algn="l" defTabSz="914400" rtl="0" eaLnBrk="1" latinLnBrk="0" hangingPunct="1">
-              <a:lnSpc>
-                <a:spcPct val="90000"/>
-              </a:lnSpc>
-              <a:spcBef>
-                <a:spcPts val="500"/>
-              </a:spcBef>
-              <a:buFont typeface="Arial" panose="020B0604020202020204" pitchFamily="34" charset="0"/>
-              <a:buChar char="•"/>
-              <a:defRPr sz="2000" kern="1200">
-                <a:solidFill>
-                  <a:schemeClr val="tx1"/>
-                </a:solidFill>
-                <a:latin typeface="+mn-lt"/>
-                <a:ea typeface="+mn-ea"/>
-                <a:cs typeface="+mn-cs"/>
-              </a:defRPr>
-            </a:lvl3pPr>
-            <a:lvl4pPr marL="1600200" indent="-228600" algn="l" defTabSz="914400" rtl="0" eaLnBrk="1" latinLnBrk="0" hangingPunct="1">
-              <a:lnSpc>
-                <a:spcPct val="90000"/>
-              </a:lnSpc>
-              <a:spcBef>
-                <a:spcPts val="500"/>
-              </a:spcBef>
-              <a:buFont typeface="Arial" panose="020B0604020202020204" pitchFamily="34" charset="0"/>
-              <a:buChar char="•"/>
-              <a:defRPr sz="1800" kern="1200">
-                <a:solidFill>
-                  <a:schemeClr val="tx1"/>
-                </a:solidFill>
-                <a:latin typeface="+mn-lt"/>
-                <a:ea typeface="+mn-ea"/>
-                <a:cs typeface="+mn-cs"/>
-              </a:defRPr>
-            </a:lvl4pPr>
-            <a:lvl5pPr marL="2057400" indent="-228600" algn="l" defTabSz="914400" rtl="0" eaLnBrk="1" latinLnBrk="0" hangingPunct="1">
-              <a:lnSpc>
-                <a:spcPct val="90000"/>
-              </a:lnSpc>
-              <a:spcBef>
-                <a:spcPts val="500"/>
-              </a:spcBef>
-              <a:buFont typeface="Arial" panose="020B0604020202020204" pitchFamily="34" charset="0"/>
-              <a:buChar char="•"/>
-              <a:defRPr sz="1800" kern="1200">
-                <a:solidFill>
-                  <a:schemeClr val="tx1"/>
-                </a:solidFill>
-                <a:latin typeface="+mn-lt"/>
-                <a:ea typeface="+mn-ea"/>
-                <a:cs typeface="+mn-cs"/>
-              </a:defRPr>
-            </a:lvl5pPr>
-            <a:lvl6pPr marL="2514600" indent="-228600" algn="l" defTabSz="914400" rtl="0" eaLnBrk="1" latinLnBrk="0" hangingPunct="1">
-              <a:lnSpc>
-                <a:spcPct val="90000"/>
-              </a:lnSpc>
-              <a:spcBef>
-                <a:spcPts val="500"/>
-              </a:spcBef>
-              <a:buFont typeface="Arial" panose="020B0604020202020204" pitchFamily="34" charset="0"/>
-              <a:buChar char="•"/>
-              <a:defRPr sz="1800" kern="1200">
-                <a:solidFill>
-                  <a:schemeClr val="tx1"/>
-                </a:solidFill>
-                <a:latin typeface="+mn-lt"/>
-                <a:ea typeface="+mn-ea"/>
-                <a:cs typeface="+mn-cs"/>
-              </a:defRPr>
-            </a:lvl6pPr>
-            <a:lvl7pPr marL="2971800" indent="-228600" algn="l" defTabSz="914400" rtl="0" eaLnBrk="1" latinLnBrk="0" hangingPunct="1">
-              <a:lnSpc>
-                <a:spcPct val="90000"/>
-              </a:lnSpc>
-              <a:spcBef>
-                <a:spcPts val="500"/>
-              </a:spcBef>
-              <a:buFont typeface="Arial" panose="020B0604020202020204" pitchFamily="34" charset="0"/>
-              <a:buChar char="•"/>
-              <a:defRPr sz="1800" kern="1200">
-                <a:solidFill>
-                  <a:schemeClr val="tx1"/>
-                </a:solidFill>
-                <a:latin typeface="+mn-lt"/>
-                <a:ea typeface="+mn-ea"/>
-                <a:cs typeface="+mn-cs"/>
-              </a:defRPr>
-            </a:lvl7pPr>
-            <a:lvl8pPr marL="3429000" indent="-228600" algn="l" defTabSz="914400" rtl="0" eaLnBrk="1" latinLnBrk="0" hangingPunct="1">
-              <a:lnSpc>
-                <a:spcPct val="90000"/>
-              </a:lnSpc>
-              <a:spcBef>
-                <a:spcPts val="500"/>
-              </a:spcBef>
-              <a:buFont typeface="Arial" panose="020B0604020202020204" pitchFamily="34" charset="0"/>
-              <a:buChar char="•"/>
-              <a:defRPr sz="1800" kern="1200">
-                <a:solidFill>
-                  <a:schemeClr val="tx1"/>
-                </a:solidFill>
-                <a:latin typeface="+mn-lt"/>
-                <a:ea typeface="+mn-ea"/>
-                <a:cs typeface="+mn-cs"/>
-              </a:defRPr>
-            </a:lvl8pPr>
-            <a:lvl9pPr marL="3886200" indent="-228600" algn="l" defTabSz="914400" rtl="0" eaLnBrk="1" latinLnBrk="0" hangingPunct="1">
-              <a:lnSpc>
-                <a:spcPct val="90000"/>
-              </a:lnSpc>
-              <a:spcBef>
-                <a:spcPts val="500"/>
-              </a:spcBef>
-              <a:buFont typeface="Arial" panose="020B0604020202020204" pitchFamily="34" charset="0"/>
-              <a:buChar char="•"/>
-              <a:defRPr sz="1800" kern="1200">
-                <a:solidFill>
-                  <a:schemeClr val="tx1"/>
-                </a:solidFill>
-                <a:latin typeface="+mn-lt"/>
-                <a:ea typeface="+mn-ea"/>
-                <a:cs typeface="+mn-cs"/>
-              </a:defRPr>
-            </a:lvl9pPr>
-          </a:lstStyle>
-          <a:p>
-            <a:r>
-              <a:rPr lang="zh-CN" altLang="en-US" dirty="0">
-                <a:latin typeface="+mn-ea"/>
-              </a:rPr>
-              <a:t>直接发中断获得数十倍的性能提升！</a:t>
-            </a:r>
-            <a:endParaRPr lang="en-US" altLang="zh-CN" dirty="0">
-              <a:latin typeface="+mn-ea"/>
-            </a:endParaRPr>
-          </a:p>
-          <a:p>
-            <a:r>
-              <a:rPr lang="zh-CN" altLang="en-US" dirty="0">
-                <a:latin typeface="+mn-ea"/>
-              </a:rPr>
-              <a:t>经过操作系统调度则性能大幅下降</a:t>
-            </a:r>
-            <a:endParaRPr lang="en-US" altLang="zh-CN" dirty="0">
-              <a:latin typeface="+mn-ea"/>
-            </a:endParaRPr>
+          <a:p>
+            <a:r>
+              <a:rPr lang="zh-CN" altLang="en-US"/>
+              <a:t>上：</a:t>
+            </a:r>
+            <a:r>
+              <a:rPr lang="en-US" altLang="zh-CN"/>
+              <a:t>uintr</a:t>
+            </a:r>
+            <a:r>
+              <a:rPr lang="zh-CN" altLang="en-US"/>
+              <a:t>；下：</a:t>
+            </a:r>
+            <a:r>
+              <a:rPr lang="en-US" altLang="zh-CN"/>
+              <a:t>signal</a:t>
+            </a:r>
+            <a:endParaRPr lang="en-US" altLang="zh-CN"/>
           </a:p>
         </p:txBody>
       </p:sp>
     </p:spTree>
-    <p:extLst>
-      <p:ext uri="{BB962C8B-B14F-4D97-AF65-F5344CB8AC3E}">
-        <p14:creationId xmlns:p14="http://schemas.microsoft.com/office/powerpoint/2010/main" val="4053721284"/>
-      </p:ext>
-    </p:extLst>
   </p:cSld>
   <p:clrMapOvr>
     <a:masterClrMapping/>
@@ -10937,14 +13304,44 @@
           </a:lstStyle>
           <a:p>
             <a:r>
-              <a:rPr lang="zh-CN" altLang="en-US" sz="4000" b="1" dirty="0">
+              <a:rPr lang="en-US" altLang="zh-CN" sz="4000" b="1" dirty="0" err="1">
                 <a:solidFill>
                   <a:srgbClr val="704F95"/>
                 </a:solidFill>
                 <a:latin typeface="思源宋体 Medium" panose="02020500000000000000" pitchFamily="18" charset="-122"/>
                 <a:ea typeface="思源宋体 Medium" panose="02020500000000000000" pitchFamily="18" charset="-122"/>
               </a:rPr>
-              <a:t>工作过程管理</a:t>
+              <a:t>Uintr</a:t>
+            </a:r>
+            <a:r>
+              <a:rPr lang="zh-CN" altLang="en-US" sz="4000" b="1" dirty="0">
+                <a:solidFill>
+                  <a:srgbClr val="704F95"/>
+                </a:solidFill>
+                <a:latin typeface="思源宋体 Medium" panose="02020500000000000000" pitchFamily="18" charset="-122"/>
+                <a:ea typeface="思源宋体 Medium" panose="02020500000000000000" pitchFamily="18" charset="-122"/>
+              </a:rPr>
+              <a:t>性能测试</a:t>
+            </a:r>
+            <a:r>
+              <a:rPr lang="en-US" altLang="zh-CN" sz="4000" b="1" dirty="0">
+                <a:solidFill>
+                  <a:srgbClr val="704F95"/>
+                </a:solidFill>
+                <a:latin typeface="思源宋体 Medium" panose="02020500000000000000" pitchFamily="18" charset="-122"/>
+                <a:ea typeface="思源宋体 Medium" panose="02020500000000000000" pitchFamily="18" charset="-122"/>
+              </a:rPr>
+              <a:t>-</a:t>
+            </a:r>
+            <a:r>
+              <a:rPr lang="zh-CN" altLang="en-US" sz="4000" b="1" dirty="0">
+                <a:solidFill>
+                  <a:srgbClr val="704F95"/>
+                </a:solidFill>
+                <a:latin typeface="思源宋体 Medium" panose="02020500000000000000" pitchFamily="18" charset="-122"/>
+                <a:ea typeface="思源宋体 Medium" panose="02020500000000000000" pitchFamily="18" charset="-122"/>
+              </a:rPr>
+              <a:t>横向对比</a:t>
             </a:r>
             <a:endParaRPr lang="en-US" altLang="zh-CN" sz="4000" b="1" dirty="0">
               <a:solidFill>
@@ -11011,7 +13408,7 @@
           <p:nvPr/>
         </p:nvPicPr>
         <p:blipFill>
-          <a:blip r:embed="rId3">
+          <a:blip r:embed="rId1">
             <a:clrChange>
               <a:clrFrom>
                 <a:srgbClr val="FFFFFF"/>
@@ -11241,7 +13638,7 @@
         </p:nvSpPr>
         <p:spPr>
           <a:xfrm>
-            <a:off x="1113971" y="1801282"/>
+            <a:off x="1056186" y="1833032"/>
             <a:ext cx="10515600" cy="4351338"/>
           </a:xfrm>
           <a:prstGeom prst="rect">
@@ -11417,316 +13814,145 @@
             </a:lvl9pPr>
           </a:lstStyle>
           <a:p>
-            <a:endParaRPr lang="en-US" altLang="zh-CN" dirty="0">
+            <a:r>
+              <a:rPr lang="zh-CN" altLang="en-US" dirty="0">
+                <a:latin typeface="+mn-ea"/>
+              </a:rPr>
+              <a:t>复现</a:t>
+            </a:r>
+            <a:r>
+              <a:rPr lang="en-US" altLang="zh-CN" dirty="0">
+                <a:latin typeface="+mn-ea"/>
+              </a:rPr>
+              <a:t> linux rfc </a:t>
+            </a:r>
+            <a:r>
+              <a:rPr lang="zh-CN" altLang="en-US" dirty="0">
+                <a:latin typeface="+mn-ea"/>
+              </a:rPr>
+              <a:t>性能测试结果</a:t>
+            </a:r>
+            <a:endParaRPr lang="zh-CN" altLang="en-US" dirty="0">
               <a:latin typeface="+mn-ea"/>
             </a:endParaRPr>
           </a:p>
         </p:txBody>
       </p:sp>
-      <p:sp>
-        <p:nvSpPr>
-          <p:cNvPr id="15" name="Content Placeholder 2">
-            <a:extLst>
-              <a:ext uri="{FF2B5EF4-FFF2-40B4-BE49-F238E27FC236}">
-                <a16:creationId xmlns:a16="http://schemas.microsoft.com/office/drawing/2014/main" id="{D8654040-F8E5-1243-BF79-FABCCFA7882B}"/>
-              </a:ext>
-            </a:extLst>
-          </p:cNvPr>
-          <p:cNvSpPr txBox="1"/>
+      <p:pic>
+        <p:nvPicPr>
+          <p:cNvPr id="2" name="图片 1"/>
+          <p:cNvPicPr>
+            <a:picLocks noChangeAspect="1"/>
+          </p:cNvPicPr>
           <p:nvPr/>
-        </p:nvSpPr>
+        </p:nvPicPr>
+        <p:blipFill>
+          <a:blip r:embed="rId2"/>
+          <a:stretch>
+            <a:fillRect/>
+          </a:stretch>
+        </p:blipFill>
         <p:spPr>
           <a:xfrm>
-            <a:off x="1113971" y="1758689"/>
-            <a:ext cx="6954264" cy="2174628"/>
+            <a:off x="663575" y="2680970"/>
+            <a:ext cx="5708015" cy="2889250"/>
           </a:xfrm>
           <a:prstGeom prst="rect">
             <a:avLst/>
           </a:prstGeom>
         </p:spPr>
-        <p:txBody>
-          <a:bodyPr>
-            <a:normAutofit/>
+      </p:pic>
+      <p:pic>
+        <p:nvPicPr>
+          <p:cNvPr id="7" name="图片 6"/>
+          <p:cNvPicPr>
+            <a:picLocks noChangeAspect="1"/>
+          </p:cNvPicPr>
+          <p:nvPr/>
+        </p:nvPicPr>
+        <p:blipFill>
+          <a:blip r:embed="rId3"/>
+          <a:stretch>
+            <a:fillRect/>
+          </a:stretch>
+        </p:blipFill>
+        <p:spPr>
+          <a:xfrm>
+            <a:off x="7133590" y="2255520"/>
+            <a:ext cx="4031615" cy="2124710"/>
+          </a:xfrm>
+          <a:prstGeom prst="rect">
+            <a:avLst/>
+          </a:prstGeom>
+        </p:spPr>
+      </p:pic>
+      <p:sp>
+        <p:nvSpPr>
+          <p:cNvPr id="10" name="文本框 9"/>
+          <p:cNvSpPr txBox="1"/>
+          <p:nvPr/>
+        </p:nvSpPr>
+        <p:spPr>
+          <a:xfrm>
+            <a:off x="7250430" y="1706245"/>
+            <a:ext cx="3608705" cy="368300"/>
+          </a:xfrm>
+          <a:prstGeom prst="rect">
+            <a:avLst/>
+          </a:prstGeom>
+          <a:noFill/>
+        </p:spPr>
+        <p:txBody>
+          <a:bodyPr wrap="square" rtlCol="0">
+            <a:spAutoFit/>
           </a:bodyPr>
-          <a:lstStyle>
-            <a:lvl1pPr marL="228600" indent="-228600" algn="l" defTabSz="914400" rtl="0" eaLnBrk="1" latinLnBrk="0" hangingPunct="1">
-              <a:lnSpc>
-                <a:spcPct val="90000"/>
-              </a:lnSpc>
-              <a:spcBef>
-                <a:spcPts val="1000"/>
-              </a:spcBef>
-              <a:buFont typeface="Arial" panose="020B0604020202020204" pitchFamily="34" charset="0"/>
-              <a:buChar char="•"/>
-              <a:defRPr sz="2800" kern="1200">
-                <a:solidFill>
-                  <a:schemeClr val="tx1"/>
-                </a:solidFill>
-                <a:latin typeface="+mn-lt"/>
-                <a:ea typeface="+mn-ea"/>
-                <a:cs typeface="+mn-cs"/>
-              </a:defRPr>
-            </a:lvl1pPr>
-            <a:lvl2pPr marL="685800" indent="-228600" algn="l" defTabSz="914400" rtl="0" eaLnBrk="1" latinLnBrk="0" hangingPunct="1">
-              <a:lnSpc>
-                <a:spcPct val="90000"/>
-              </a:lnSpc>
-              <a:spcBef>
-                <a:spcPts val="500"/>
-              </a:spcBef>
-              <a:buFont typeface="Arial" panose="020B0604020202020204" pitchFamily="34" charset="0"/>
-              <a:buChar char="•"/>
-              <a:defRPr sz="2400" kern="1200">
-                <a:solidFill>
-                  <a:schemeClr val="tx1"/>
-                </a:solidFill>
-                <a:latin typeface="+mn-lt"/>
-                <a:ea typeface="+mn-ea"/>
-                <a:cs typeface="+mn-cs"/>
-              </a:defRPr>
-            </a:lvl2pPr>
-            <a:lvl3pPr marL="1143000" indent="-228600" algn="l" defTabSz="914400" rtl="0" eaLnBrk="1" latinLnBrk="0" hangingPunct="1">
-              <a:lnSpc>
-                <a:spcPct val="90000"/>
-              </a:lnSpc>
-              <a:spcBef>
-                <a:spcPts val="500"/>
-              </a:spcBef>
-              <a:buFont typeface="Arial" panose="020B0604020202020204" pitchFamily="34" charset="0"/>
-              <a:buChar char="•"/>
-              <a:defRPr sz="2000" kern="1200">
-                <a:solidFill>
-                  <a:schemeClr val="tx1"/>
-                </a:solidFill>
-                <a:latin typeface="+mn-lt"/>
-                <a:ea typeface="+mn-ea"/>
-                <a:cs typeface="+mn-cs"/>
-              </a:defRPr>
-            </a:lvl3pPr>
-            <a:lvl4pPr marL="1600200" indent="-228600" algn="l" defTabSz="914400" rtl="0" eaLnBrk="1" latinLnBrk="0" hangingPunct="1">
-              <a:lnSpc>
-                <a:spcPct val="90000"/>
-              </a:lnSpc>
-              <a:spcBef>
-                <a:spcPts val="500"/>
-              </a:spcBef>
-              <a:buFont typeface="Arial" panose="020B0604020202020204" pitchFamily="34" charset="0"/>
-              <a:buChar char="•"/>
-              <a:defRPr sz="1800" kern="1200">
-                <a:solidFill>
-                  <a:schemeClr val="tx1"/>
-                </a:solidFill>
-                <a:latin typeface="+mn-lt"/>
-                <a:ea typeface="+mn-ea"/>
-                <a:cs typeface="+mn-cs"/>
-              </a:defRPr>
-            </a:lvl4pPr>
-            <a:lvl5pPr marL="2057400" indent="-228600" algn="l" defTabSz="914400" rtl="0" eaLnBrk="1" latinLnBrk="0" hangingPunct="1">
-              <a:lnSpc>
-                <a:spcPct val="90000"/>
-              </a:lnSpc>
-              <a:spcBef>
-                <a:spcPts val="500"/>
-              </a:spcBef>
-              <a:buFont typeface="Arial" panose="020B0604020202020204" pitchFamily="34" charset="0"/>
-              <a:buChar char="•"/>
-              <a:defRPr sz="1800" kern="1200">
-                <a:solidFill>
-                  <a:schemeClr val="tx1"/>
-                </a:solidFill>
-                <a:latin typeface="+mn-lt"/>
-                <a:ea typeface="+mn-ea"/>
-                <a:cs typeface="+mn-cs"/>
-              </a:defRPr>
-            </a:lvl5pPr>
-            <a:lvl6pPr marL="2514600" indent="-228600" algn="l" defTabSz="914400" rtl="0" eaLnBrk="1" latinLnBrk="0" hangingPunct="1">
-              <a:lnSpc>
-                <a:spcPct val="90000"/>
-              </a:lnSpc>
-              <a:spcBef>
-                <a:spcPts val="500"/>
-              </a:spcBef>
-              <a:buFont typeface="Arial" panose="020B0604020202020204" pitchFamily="34" charset="0"/>
-              <a:buChar char="•"/>
-              <a:defRPr sz="1800" kern="1200">
-                <a:solidFill>
-                  <a:schemeClr val="tx1"/>
-                </a:solidFill>
-                <a:latin typeface="+mn-lt"/>
-                <a:ea typeface="+mn-ea"/>
-                <a:cs typeface="+mn-cs"/>
-              </a:defRPr>
-            </a:lvl6pPr>
-            <a:lvl7pPr marL="2971800" indent="-228600" algn="l" defTabSz="914400" rtl="0" eaLnBrk="1" latinLnBrk="0" hangingPunct="1">
-              <a:lnSpc>
-                <a:spcPct val="90000"/>
-              </a:lnSpc>
-              <a:spcBef>
-                <a:spcPts val="500"/>
-              </a:spcBef>
-              <a:buFont typeface="Arial" panose="020B0604020202020204" pitchFamily="34" charset="0"/>
-              <a:buChar char="•"/>
-              <a:defRPr sz="1800" kern="1200">
-                <a:solidFill>
-                  <a:schemeClr val="tx1"/>
-                </a:solidFill>
-                <a:latin typeface="+mn-lt"/>
-                <a:ea typeface="+mn-ea"/>
-                <a:cs typeface="+mn-cs"/>
-              </a:defRPr>
-            </a:lvl7pPr>
-            <a:lvl8pPr marL="3429000" indent="-228600" algn="l" defTabSz="914400" rtl="0" eaLnBrk="1" latinLnBrk="0" hangingPunct="1">
-              <a:lnSpc>
-                <a:spcPct val="90000"/>
-              </a:lnSpc>
-              <a:spcBef>
-                <a:spcPts val="500"/>
-              </a:spcBef>
-              <a:buFont typeface="Arial" panose="020B0604020202020204" pitchFamily="34" charset="0"/>
-              <a:buChar char="•"/>
-              <a:defRPr sz="1800" kern="1200">
-                <a:solidFill>
-                  <a:schemeClr val="tx1"/>
-                </a:solidFill>
-                <a:latin typeface="+mn-lt"/>
-                <a:ea typeface="+mn-ea"/>
-                <a:cs typeface="+mn-cs"/>
-              </a:defRPr>
-            </a:lvl8pPr>
-            <a:lvl9pPr marL="3886200" indent="-228600" algn="l" defTabSz="914400" rtl="0" eaLnBrk="1" latinLnBrk="0" hangingPunct="1">
-              <a:lnSpc>
-                <a:spcPct val="90000"/>
-              </a:lnSpc>
-              <a:spcBef>
-                <a:spcPts val="500"/>
-              </a:spcBef>
-              <a:buFont typeface="Arial" panose="020B0604020202020204" pitchFamily="34" charset="0"/>
-              <a:buChar char="•"/>
-              <a:defRPr sz="1800" kern="1200">
-                <a:solidFill>
-                  <a:schemeClr val="tx1"/>
-                </a:solidFill>
-                <a:latin typeface="+mn-lt"/>
-                <a:ea typeface="+mn-ea"/>
-                <a:cs typeface="+mn-cs"/>
-              </a:defRPr>
-            </a:lvl9pPr>
-          </a:lstStyle>
-          <a:p>
-            <a:r>
-              <a:rPr lang="zh-CN" altLang="en-US" dirty="0">
-                <a:latin typeface="+mn-ea"/>
-              </a:rPr>
-              <a:t>万字工作文档，详细记录问题解决过程</a:t>
-            </a:r>
-            <a:endParaRPr lang="en-US" altLang="zh-CN" dirty="0">
-              <a:latin typeface="+mn-ea"/>
-            </a:endParaRPr>
-          </a:p>
-          <a:p>
-            <a:r>
-              <a:rPr lang="en-US" altLang="zh-CN" dirty="0">
-                <a:latin typeface="+mn-ea"/>
-              </a:rPr>
-              <a:t>5k</a:t>
-            </a:r>
-            <a:r>
-              <a:rPr lang="zh-CN" altLang="en-US" dirty="0">
-                <a:latin typeface="+mn-ea"/>
-              </a:rPr>
-              <a:t>字</a:t>
-            </a:r>
-            <a:r>
-              <a:rPr lang="en-US" altLang="zh-CN" dirty="0" err="1">
-                <a:latin typeface="+mn-ea"/>
-              </a:rPr>
-              <a:t>qemu</a:t>
-            </a:r>
-            <a:r>
-              <a:rPr lang="en-US" altLang="zh-CN" dirty="0">
-                <a:latin typeface="+mn-ea"/>
-              </a:rPr>
-              <a:t>-tutorial</a:t>
-            </a:r>
-            <a:r>
-              <a:rPr lang="zh-CN" altLang="en-US" dirty="0">
-                <a:latin typeface="+mn-ea"/>
-              </a:rPr>
-              <a:t>，代码级</a:t>
-            </a:r>
-            <a:r>
-              <a:rPr lang="en-US" altLang="zh-CN" dirty="0" err="1">
-                <a:latin typeface="+mn-ea"/>
-              </a:rPr>
-              <a:t>qemu</a:t>
-            </a:r>
-            <a:r>
-              <a:rPr lang="zh-CN" altLang="en-US" dirty="0">
-                <a:latin typeface="+mn-ea"/>
-              </a:rPr>
-              <a:t>教程</a:t>
-            </a:r>
-            <a:endParaRPr lang="en-US" altLang="zh-CN" dirty="0">
-              <a:latin typeface="+mn-ea"/>
-            </a:endParaRPr>
-          </a:p>
-          <a:p>
-            <a:r>
-              <a:rPr lang="zh-CN" altLang="en-US" dirty="0">
-                <a:latin typeface="+mn-ea"/>
-              </a:rPr>
-              <a:t>每周展示</a:t>
-            </a:r>
-            <a:r>
-              <a:rPr lang="en-US" altLang="zh-CN" dirty="0">
-                <a:latin typeface="+mn-ea"/>
-              </a:rPr>
-              <a:t>ppt</a:t>
-            </a:r>
-            <a:r>
-              <a:rPr lang="zh-CN" altLang="en-US" dirty="0">
-                <a:latin typeface="+mn-ea"/>
-              </a:rPr>
-              <a:t>，周工作记录</a:t>
-            </a:r>
-            <a:endParaRPr lang="en-US" altLang="zh-CN" dirty="0">
-              <a:latin typeface="+mn-ea"/>
-            </a:endParaRPr>
-          </a:p>
-          <a:p>
-            <a:r>
-              <a:rPr lang="zh-CN" altLang="en-US" dirty="0">
-                <a:latin typeface="+mn-ea"/>
-              </a:rPr>
-              <a:t>更多的</a:t>
-            </a:r>
-            <a:r>
-              <a:rPr lang="en-US" altLang="zh-CN" dirty="0">
-                <a:latin typeface="+mn-ea"/>
-              </a:rPr>
-              <a:t>debug</a:t>
-            </a:r>
-            <a:r>
-              <a:rPr lang="zh-CN" altLang="en-US" dirty="0">
-                <a:latin typeface="+mn-ea"/>
-              </a:rPr>
-              <a:t>过程</a:t>
-            </a:r>
-            <a:r>
-              <a:rPr lang="en-US" altLang="zh-CN" dirty="0">
-                <a:latin typeface="+mn-ea"/>
-              </a:rPr>
-              <a:t>……</a:t>
-            </a:r>
-          </a:p>
-        </p:txBody>
-      </p:sp>
+          <a:p>
+            <a:r>
+              <a:rPr lang="zh-CN" altLang="en-US"/>
+              <a:t>上：</a:t>
+            </a:r>
+            <a:r>
+              <a:rPr lang="en-US" altLang="zh-CN"/>
+              <a:t>uintr</a:t>
+            </a:r>
+            <a:r>
+              <a:rPr lang="zh-CN" altLang="en-US"/>
+              <a:t>；下：</a:t>
+            </a:r>
+            <a:r>
+              <a:rPr lang="en-US" altLang="zh-CN"/>
+              <a:t>eventfd</a:t>
+            </a:r>
+            <a:endParaRPr lang="en-US" altLang="zh-CN"/>
+          </a:p>
+        </p:txBody>
+      </p:sp>
+      <p:pic>
+        <p:nvPicPr>
+          <p:cNvPr id="3" name="图片 2"/>
+          <p:cNvPicPr>
+            <a:picLocks noChangeAspect="1"/>
+          </p:cNvPicPr>
+          <p:nvPr/>
+        </p:nvPicPr>
+        <p:blipFill>
+          <a:blip r:embed="rId4"/>
+          <a:srcRect l="819"/>
+          <a:stretch>
+            <a:fillRect/>
+          </a:stretch>
+        </p:blipFill>
+        <p:spPr>
+          <a:xfrm>
+            <a:off x="7150100" y="4454525"/>
+            <a:ext cx="3998595" cy="2186305"/>
+          </a:xfrm>
+          <a:prstGeom prst="rect">
+            <a:avLst/>
+          </a:prstGeom>
+        </p:spPr>
+      </p:pic>
     </p:spTree>
-    <p:extLst>
-      <p:ext uri="{BB962C8B-B14F-4D97-AF65-F5344CB8AC3E}">
-        <p14:creationId xmlns:p14="http://schemas.microsoft.com/office/powerpoint/2010/main" val="154961006"/>
-      </p:ext>
-    </p:extLst>
   </p:cSld>
   <p:clrMapOvr>
     <a:masterClrMapping/>
@@ -11985,8 +14211,6 @@
       </a:bgFillStyleLst>
     </a:fmtScheme>
   </a:themeElements>
-  <a:objectDefaults/>
-  <a:extraClrSchemeLst/>
   <a:extLst>
     <a:ext uri="{05A4C25C-085E-4340-85A3-A5531E510DB2}">
       <thm15:themeFamily xmlns:thm15="http://schemas.microsoft.com/office/thememl/2012/main" name="Office Theme" id="{62F939B6-93AF-4DB8-9C6B-D6C7DFDC589F}" vid="{4A3C46E8-61CC-4603-A589-7422A47A8E4A}"/>
@@ -12246,8 +14470,6 @@
       </a:bgFillStyleLst>
     </a:fmtScheme>
   </a:themeElements>
-  <a:objectDefaults/>
-  <a:extraClrSchemeLst/>
   <a:extLst>
     <a:ext uri="{05A4C25C-085E-4340-85A3-A5531E510DB2}">
       <thm15:themeFamily xmlns:thm15="http://schemas.microsoft.com/office/thememl/2012/main" name="Office Theme" id="{62F939B6-93AF-4DB8-9C6B-D6C7DFDC589F}" vid="{4A3C46E8-61CC-4603-A589-7422A47A8E4A}"/>

--- a/ppt/2022-6-11.pptx
+++ b/ppt/2022-6-11.pptx
@@ -5,23 +5,24 @@
     <p:sldMasterId id="2147483648" r:id="rId1"/>
   </p:sldMasterIdLst>
   <p:notesMasterIdLst>
-    <p:notesMasterId r:id="rId4"/>
+    <p:notesMasterId r:id="rId17"/>
   </p:notesMasterIdLst>
   <p:sldIdLst>
-    <p:sldId id="279" r:id="rId3"/>
-    <p:sldId id="340" r:id="rId5"/>
-    <p:sldId id="419" r:id="rId6"/>
-    <p:sldId id="460" r:id="rId7"/>
-    <p:sldId id="461" r:id="rId8"/>
-    <p:sldId id="462" r:id="rId9"/>
-    <p:sldId id="449" r:id="rId10"/>
-    <p:sldId id="468" r:id="rId11"/>
-    <p:sldId id="469" r:id="rId12"/>
-    <p:sldId id="470" r:id="rId13"/>
-    <p:sldId id="471" r:id="rId14"/>
-    <p:sldId id="464" r:id="rId15"/>
-    <p:sldId id="465" r:id="rId16"/>
-    <p:sldId id="314" r:id="rId17"/>
+    <p:sldId id="279" r:id="rId2"/>
+    <p:sldId id="340" r:id="rId3"/>
+    <p:sldId id="419" r:id="rId4"/>
+    <p:sldId id="460" r:id="rId5"/>
+    <p:sldId id="461" r:id="rId6"/>
+    <p:sldId id="462" r:id="rId7"/>
+    <p:sldId id="449" r:id="rId8"/>
+    <p:sldId id="472" r:id="rId9"/>
+    <p:sldId id="468" r:id="rId10"/>
+    <p:sldId id="469" r:id="rId11"/>
+    <p:sldId id="470" r:id="rId12"/>
+    <p:sldId id="471" r:id="rId13"/>
+    <p:sldId id="464" r:id="rId14"/>
+    <p:sldId id="465" r:id="rId15"/>
+    <p:sldId id="314" r:id="rId16"/>
   </p:sldIdLst>
   <p:sldSz cx="12192000" cy="6858000"/>
   <p:notesSz cx="6858000" cy="9144000"/>
@@ -132,16 +133,36 @@
             <p14:sldId id="461"/>
             <p14:sldId id="462"/>
             <p14:sldId id="449"/>
+            <p14:sldId id="472"/>
+            <p14:sldId id="468"/>
             <p14:sldId id="469"/>
             <p14:sldId id="470"/>
             <p14:sldId id="471"/>
             <p14:sldId id="464"/>
             <p14:sldId id="465"/>
             <p14:sldId id="314"/>
-            <p14:sldId id="468"/>
           </p14:sldIdLst>
         </p14:section>
       </p14:sectionLst>
+    </p:ext>
+    <p:ext uri="{EFAFB233-063F-42B5-8137-9DF3F51BA10A}">
+      <p15:sldGuideLst xmlns:p15="http://schemas.microsoft.com/office/powerpoint/2012/main">
+        <p15:guide id="1" orient="horz" pos="1155">
+          <p15:clr>
+            <a:srgbClr val="A4A3A4"/>
+          </p15:clr>
+        </p15:guide>
+        <p15:guide id="2" pos="665">
+          <p15:clr>
+            <a:srgbClr val="A4A3A4"/>
+          </p15:clr>
+        </p15:guide>
+        <p15:guide id="3" pos="6978">
+          <p15:clr>
+            <a:srgbClr val="A4A3A4"/>
+          </p15:clr>
+        </p15:guide>
+      </p15:sldGuideLst>
     </p:ext>
   </p:extLst>
 </p:presentation>
@@ -235,6 +256,7 @@
           <a:p>
             <a:fld id="{DE75668F-B37B-164D-A62C-3FF5A8BC808F}" type="datetimeFigureOut">
               <a:rPr lang="en-US" smtClean="0"/>
+              <a:t>6/10/22</a:t>
             </a:fld>
             <a:endParaRPr lang="en-US"/>
           </a:p>
@@ -301,7 +323,6 @@
               <a:rPr lang="en-US" altLang="zh-CN"/>
               <a:t>Click to edit Master text styles</a:t>
             </a:r>
-            <a:endParaRPr lang="en-US" altLang="zh-CN"/>
           </a:p>
           <a:p>
             <a:pPr lvl="1"/>
@@ -309,7 +330,6 @@
               <a:rPr lang="en-US" altLang="zh-CN"/>
               <a:t>Second level</a:t>
             </a:r>
-            <a:endParaRPr lang="en-US" altLang="zh-CN"/>
           </a:p>
           <a:p>
             <a:pPr lvl="2"/>
@@ -317,7 +337,6 @@
               <a:rPr lang="en-US" altLang="zh-CN"/>
               <a:t>Third level</a:t>
             </a:r>
-            <a:endParaRPr lang="en-US" altLang="zh-CN"/>
           </a:p>
           <a:p>
             <a:pPr lvl="3"/>
@@ -325,7 +344,6 @@
               <a:rPr lang="en-US" altLang="zh-CN"/>
               <a:t>Fourth level</a:t>
             </a:r>
-            <a:endParaRPr lang="en-US" altLang="zh-CN"/>
           </a:p>
           <a:p>
             <a:pPr lvl="4"/>
@@ -397,6 +415,7 @@
           <a:p>
             <a:fld id="{09FAC59A-2554-7441-A138-FBAFD49FADCF}" type="slidenum">
               <a:rPr lang="en-US" smtClean="0"/>
+              <a:t>‹#›</a:t>
             </a:fld>
             <a:endParaRPr lang="en-US"/>
           </a:p>
@@ -586,6 +605,7 @@
           <a:p>
             <a:fld id="{09FAC59A-2554-7441-A138-FBAFD49FADCF}" type="slidenum">
               <a:rPr lang="en-US" smtClean="0"/>
+              <a:t>1</a:t>
             </a:fld>
             <a:endParaRPr lang="en-US"/>
           </a:p>
@@ -669,6 +689,7 @@
           <a:p>
             <a:fld id="{09FAC59A-2554-7441-A138-FBAFD49FADCF}" type="slidenum">
               <a:rPr lang="en-US" smtClean="0"/>
+              <a:t>10</a:t>
             </a:fld>
             <a:endParaRPr lang="en-US"/>
           </a:p>
@@ -752,6 +773,7 @@
           <a:p>
             <a:fld id="{09FAC59A-2554-7441-A138-FBAFD49FADCF}" type="slidenum">
               <a:rPr lang="en-US" smtClean="0"/>
+              <a:t>11</a:t>
             </a:fld>
             <a:endParaRPr lang="en-US"/>
           </a:p>
@@ -835,6 +857,7 @@
           <a:p>
             <a:fld id="{09FAC59A-2554-7441-A138-FBAFD49FADCF}" type="slidenum">
               <a:rPr lang="en-US" smtClean="0"/>
+              <a:t>12</a:t>
             </a:fld>
             <a:endParaRPr lang="en-US"/>
           </a:p>
@@ -918,6 +941,7 @@
           <a:p>
             <a:fld id="{09FAC59A-2554-7441-A138-FBAFD49FADCF}" type="slidenum">
               <a:rPr lang="en-US" smtClean="0"/>
+              <a:t>13</a:t>
             </a:fld>
             <a:endParaRPr lang="en-US"/>
           </a:p>
@@ -980,7 +1004,7 @@
           <a:bodyPr/>
           <a:lstStyle/>
           <a:p>
-            <a:endParaRPr kumimoji="1" lang="zh-CN" altLang="en-US" sz="2400" dirty="0"/>
+            <a:endParaRPr lang="en-US" altLang="zh-CN" sz="2400" dirty="0"/>
           </a:p>
         </p:txBody>
       </p:sp>
@@ -1001,6 +1025,91 @@
           <a:p>
             <a:fld id="{09FAC59A-2554-7441-A138-FBAFD49FADCF}" type="slidenum">
               <a:rPr lang="en-US" smtClean="0"/>
+              <a:t>14</a:t>
+            </a:fld>
+            <a:endParaRPr lang="en-US"/>
+          </a:p>
+        </p:txBody>
+      </p:sp>
+    </p:spTree>
+  </p:cSld>
+  <p:clrMapOvr>
+    <a:masterClrMapping/>
+  </p:clrMapOvr>
+</p:notes>
+</file>
+
+<file path=ppt/notesSlides/notesSlide15.xml><?xml version="1.0" encoding="utf-8"?>
+<p:notes xmlns:a="http://schemas.openxmlformats.org/drawingml/2006/main" xmlns:r="http://schemas.openxmlformats.org/officeDocument/2006/relationships" xmlns:p="http://schemas.openxmlformats.org/presentationml/2006/main">
+  <p:cSld>
+    <p:spTree>
+      <p:nvGrpSpPr>
+        <p:cNvPr id="1" name=""/>
+        <p:cNvGrpSpPr/>
+        <p:nvPr/>
+      </p:nvGrpSpPr>
+      <p:grpSpPr>
+        <a:xfrm>
+          <a:off x="0" y="0"/>
+          <a:ext cx="0" cy="0"/>
+          <a:chOff x="0" y="0"/>
+          <a:chExt cx="0" cy="0"/>
+        </a:xfrm>
+      </p:grpSpPr>
+      <p:sp>
+        <p:nvSpPr>
+          <p:cNvPr id="2" name="幻灯片图像占位符 1"/>
+          <p:cNvSpPr>
+            <a:spLocks noGrp="1" noRot="1" noChangeAspect="1"/>
+          </p:cNvSpPr>
+          <p:nvPr>
+            <p:ph type="sldImg"/>
+          </p:nvPr>
+        </p:nvSpPr>
+        <p:spPr>
+          <a:xfrm>
+            <a:off x="685800" y="1143000"/>
+            <a:ext cx="5486400" cy="3086100"/>
+          </a:xfrm>
+        </p:spPr>
+      </p:sp>
+      <p:sp>
+        <p:nvSpPr>
+          <p:cNvPr id="3" name="备注占位符 2"/>
+          <p:cNvSpPr>
+            <a:spLocks noGrp="1"/>
+          </p:cNvSpPr>
+          <p:nvPr>
+            <p:ph type="body" idx="1"/>
+          </p:nvPr>
+        </p:nvSpPr>
+        <p:spPr/>
+        <p:txBody>
+          <a:bodyPr/>
+          <a:lstStyle/>
+          <a:p>
+            <a:endParaRPr kumimoji="1" lang="zh-CN" altLang="en-US" sz="2400" dirty="0"/>
+          </a:p>
+        </p:txBody>
+      </p:sp>
+      <p:sp>
+        <p:nvSpPr>
+          <p:cNvPr id="4" name="幻灯片编号占位符 3"/>
+          <p:cNvSpPr>
+            <a:spLocks noGrp="1"/>
+          </p:cNvSpPr>
+          <p:nvPr>
+            <p:ph type="sldNum" sz="quarter" idx="10"/>
+          </p:nvPr>
+        </p:nvSpPr>
+        <p:spPr/>
+        <p:txBody>
+          <a:bodyPr/>
+          <a:lstStyle/>
+          <a:p>
+            <a:fld id="{09FAC59A-2554-7441-A138-FBAFD49FADCF}" type="slidenum">
+              <a:rPr lang="en-US" smtClean="0"/>
+              <a:t>15</a:t>
             </a:fld>
             <a:endParaRPr lang="en-US"/>
           </a:p>
@@ -1084,6 +1193,7 @@
           <a:p>
             <a:fld id="{09FAC59A-2554-7441-A138-FBAFD49FADCF}" type="slidenum">
               <a:rPr lang="en-US" smtClean="0"/>
+              <a:t>2</a:t>
             </a:fld>
             <a:endParaRPr lang="en-US"/>
           </a:p>
@@ -1167,6 +1277,7 @@
           <a:p>
             <a:fld id="{09FAC59A-2554-7441-A138-FBAFD49FADCF}" type="slidenum">
               <a:rPr lang="en-US" smtClean="0"/>
+              <a:t>3</a:t>
             </a:fld>
             <a:endParaRPr lang="en-US"/>
           </a:p>
@@ -1250,6 +1361,7 @@
           <a:p>
             <a:fld id="{09FAC59A-2554-7441-A138-FBAFD49FADCF}" type="slidenum">
               <a:rPr lang="en-US" smtClean="0"/>
+              <a:t>4</a:t>
             </a:fld>
             <a:endParaRPr lang="en-US"/>
           </a:p>
@@ -1333,6 +1445,7 @@
           <a:p>
             <a:fld id="{09FAC59A-2554-7441-A138-FBAFD49FADCF}" type="slidenum">
               <a:rPr lang="en-US" smtClean="0"/>
+              <a:t>5</a:t>
             </a:fld>
             <a:endParaRPr lang="en-US"/>
           </a:p>
@@ -1416,6 +1529,7 @@
           <a:p>
             <a:fld id="{09FAC59A-2554-7441-A138-FBAFD49FADCF}" type="slidenum">
               <a:rPr lang="en-US" smtClean="0"/>
+              <a:t>6</a:t>
             </a:fld>
             <a:endParaRPr lang="en-US"/>
           </a:p>
@@ -1499,6 +1613,7 @@
           <a:p>
             <a:fld id="{09FAC59A-2554-7441-A138-FBAFD49FADCF}" type="slidenum">
               <a:rPr lang="en-US" smtClean="0"/>
+              <a:t>7</a:t>
             </a:fld>
             <a:endParaRPr lang="en-US"/>
           </a:p>
@@ -1582,12 +1697,18 @@
           <a:p>
             <a:fld id="{09FAC59A-2554-7441-A138-FBAFD49FADCF}" type="slidenum">
               <a:rPr lang="en-US" smtClean="0"/>
+              <a:t>8</a:t>
             </a:fld>
             <a:endParaRPr lang="en-US"/>
           </a:p>
         </p:txBody>
       </p:sp>
     </p:spTree>
+    <p:extLst>
+      <p:ext uri="{BB962C8B-B14F-4D97-AF65-F5344CB8AC3E}">
+        <p14:creationId xmlns:p14="http://schemas.microsoft.com/office/powerpoint/2010/main" val="2698802211"/>
+      </p:ext>
+    </p:extLst>
   </p:cSld>
   <p:clrMapOvr>
     <a:masterClrMapping/>
@@ -1665,6 +1786,7 @@
           <a:p>
             <a:fld id="{09FAC59A-2554-7441-A138-FBAFD49FADCF}" type="slidenum">
               <a:rPr lang="en-US" smtClean="0"/>
+              <a:t>9</a:t>
             </a:fld>
             <a:endParaRPr lang="en-US"/>
           </a:p>
@@ -1809,6 +1931,7 @@
           <a:p>
             <a:fld id="{CE875574-B30F-E946-8A30-5D40B09C42BE}" type="datetimeFigureOut">
               <a:rPr lang="en-US" smtClean="0"/>
+              <a:t>6/10/22</a:t>
             </a:fld>
             <a:endParaRPr lang="en-US"/>
           </a:p>
@@ -1850,6 +1973,7 @@
           <a:p>
             <a:fld id="{671D2AD8-20DD-1F43-B782-FEE6429B9542}" type="slidenum">
               <a:rPr lang="en-US" smtClean="0"/>
+              <a:t>‹#›</a:t>
             </a:fld>
             <a:endParaRPr lang="en-US"/>
           </a:p>
@@ -1923,7 +2047,6 @@
               <a:rPr lang="zh-CN" altLang="en-US"/>
               <a:t>单击此处编辑母版文本样式</a:t>
             </a:r>
-            <a:endParaRPr lang="zh-CN" altLang="en-US"/>
           </a:p>
           <a:p>
             <a:pPr lvl="1"/>
@@ -1931,7 +2054,6 @@
               <a:rPr lang="zh-CN" altLang="en-US"/>
               <a:t>二级</a:t>
             </a:r>
-            <a:endParaRPr lang="zh-CN" altLang="en-US"/>
           </a:p>
           <a:p>
             <a:pPr lvl="2"/>
@@ -1939,7 +2061,6 @@
               <a:rPr lang="zh-CN" altLang="en-US"/>
               <a:t>三级</a:t>
             </a:r>
-            <a:endParaRPr lang="zh-CN" altLang="en-US"/>
           </a:p>
           <a:p>
             <a:pPr lvl="3"/>
@@ -1947,7 +2068,6 @@
               <a:rPr lang="zh-CN" altLang="en-US"/>
               <a:t>四级</a:t>
             </a:r>
-            <a:endParaRPr lang="zh-CN" altLang="en-US"/>
           </a:p>
           <a:p>
             <a:pPr lvl="4"/>
@@ -1976,6 +2096,7 @@
           <a:p>
             <a:fld id="{CE875574-B30F-E946-8A30-5D40B09C42BE}" type="datetimeFigureOut">
               <a:rPr lang="en-US" smtClean="0"/>
+              <a:t>6/10/22</a:t>
             </a:fld>
             <a:endParaRPr lang="en-US"/>
           </a:p>
@@ -2017,6 +2138,7 @@
           <a:p>
             <a:fld id="{671D2AD8-20DD-1F43-B782-FEE6429B9542}" type="slidenum">
               <a:rPr lang="en-US" smtClean="0"/>
+              <a:t>‹#›</a:t>
             </a:fld>
             <a:endParaRPr lang="en-US"/>
           </a:p>
@@ -2100,7 +2222,6 @@
               <a:rPr lang="zh-CN" altLang="en-US"/>
               <a:t>单击此处编辑母版文本样式</a:t>
             </a:r>
-            <a:endParaRPr lang="zh-CN" altLang="en-US"/>
           </a:p>
           <a:p>
             <a:pPr lvl="1"/>
@@ -2108,7 +2229,6 @@
               <a:rPr lang="zh-CN" altLang="en-US"/>
               <a:t>二级</a:t>
             </a:r>
-            <a:endParaRPr lang="zh-CN" altLang="en-US"/>
           </a:p>
           <a:p>
             <a:pPr lvl="2"/>
@@ -2116,7 +2236,6 @@
               <a:rPr lang="zh-CN" altLang="en-US"/>
               <a:t>三级</a:t>
             </a:r>
-            <a:endParaRPr lang="zh-CN" altLang="en-US"/>
           </a:p>
           <a:p>
             <a:pPr lvl="3"/>
@@ -2124,7 +2243,6 @@
               <a:rPr lang="zh-CN" altLang="en-US"/>
               <a:t>四级</a:t>
             </a:r>
-            <a:endParaRPr lang="zh-CN" altLang="en-US"/>
           </a:p>
           <a:p>
             <a:pPr lvl="4"/>
@@ -2153,6 +2271,7 @@
           <a:p>
             <a:fld id="{CE875574-B30F-E946-8A30-5D40B09C42BE}" type="datetimeFigureOut">
               <a:rPr lang="en-US" smtClean="0"/>
+              <a:t>6/10/22</a:t>
             </a:fld>
             <a:endParaRPr lang="en-US"/>
           </a:p>
@@ -2194,6 +2313,7 @@
           <a:p>
             <a:fld id="{671D2AD8-20DD-1F43-B782-FEE6429B9542}" type="slidenum">
               <a:rPr lang="en-US" smtClean="0"/>
+              <a:t>‹#›</a:t>
             </a:fld>
             <a:endParaRPr lang="en-US"/>
           </a:p>
@@ -2342,7 +2462,6 @@
               <a:rPr lang="zh-CN" altLang="en-US"/>
               <a:t>单击此处编辑母版文本样式</a:t>
             </a:r>
-            <a:endParaRPr lang="zh-CN" altLang="en-US"/>
           </a:p>
           <a:p>
             <a:pPr lvl="1"/>
@@ -2350,7 +2469,6 @@
               <a:rPr lang="zh-CN" altLang="en-US"/>
               <a:t>二级</a:t>
             </a:r>
-            <a:endParaRPr lang="zh-CN" altLang="en-US"/>
           </a:p>
           <a:p>
             <a:pPr lvl="2"/>
@@ -2358,7 +2476,6 @@
               <a:rPr lang="zh-CN" altLang="en-US"/>
               <a:t>三级</a:t>
             </a:r>
-            <a:endParaRPr lang="zh-CN" altLang="en-US"/>
           </a:p>
           <a:p>
             <a:pPr lvl="3"/>
@@ -2366,7 +2483,6 @@
               <a:rPr lang="zh-CN" altLang="en-US"/>
               <a:t>四级</a:t>
             </a:r>
-            <a:endParaRPr lang="zh-CN" altLang="en-US"/>
           </a:p>
           <a:p>
             <a:pPr lvl="4"/>
@@ -2395,6 +2511,7 @@
           <a:p>
             <a:fld id="{CE875574-B30F-E946-8A30-5D40B09C42BE}" type="datetimeFigureOut">
               <a:rPr lang="en-US" smtClean="0"/>
+              <a:t>6/10/22</a:t>
             </a:fld>
             <a:endParaRPr lang="en-US"/>
           </a:p>
@@ -2436,6 +2553,7 @@
           <a:p>
             <a:fld id="{671D2AD8-20DD-1F43-B782-FEE6429B9542}" type="slidenum">
               <a:rPr lang="en-US" smtClean="0"/>
+              <a:t>‹#›</a:t>
             </a:fld>
             <a:endParaRPr lang="en-US"/>
           </a:p>
@@ -2614,7 +2732,6 @@
               <a:rPr lang="zh-CN" altLang="en-US"/>
               <a:t>单击此处编辑母版文本样式</a:t>
             </a:r>
-            <a:endParaRPr lang="zh-CN" altLang="en-US"/>
           </a:p>
         </p:txBody>
       </p:sp>
@@ -2635,6 +2752,7 @@
           <a:p>
             <a:fld id="{CE875574-B30F-E946-8A30-5D40B09C42BE}" type="datetimeFigureOut">
               <a:rPr lang="en-US" smtClean="0"/>
+              <a:t>6/10/22</a:t>
             </a:fld>
             <a:endParaRPr lang="en-US"/>
           </a:p>
@@ -2676,6 +2794,7 @@
           <a:p>
             <a:fld id="{671D2AD8-20DD-1F43-B782-FEE6429B9542}" type="slidenum">
               <a:rPr lang="en-US" smtClean="0"/>
+              <a:t>‹#›</a:t>
             </a:fld>
             <a:endParaRPr lang="en-US"/>
           </a:p>
@@ -2754,7 +2873,6 @@
               <a:rPr lang="zh-CN" altLang="en-US"/>
               <a:t>单击此处编辑母版文本样式</a:t>
             </a:r>
-            <a:endParaRPr lang="zh-CN" altLang="en-US"/>
           </a:p>
           <a:p>
             <a:pPr lvl="1"/>
@@ -2762,7 +2880,6 @@
               <a:rPr lang="zh-CN" altLang="en-US"/>
               <a:t>二级</a:t>
             </a:r>
-            <a:endParaRPr lang="zh-CN" altLang="en-US"/>
           </a:p>
           <a:p>
             <a:pPr lvl="2"/>
@@ -2770,7 +2887,6 @@
               <a:rPr lang="zh-CN" altLang="en-US"/>
               <a:t>三级</a:t>
             </a:r>
-            <a:endParaRPr lang="zh-CN" altLang="en-US"/>
           </a:p>
           <a:p>
             <a:pPr lvl="3"/>
@@ -2778,7 +2894,6 @@
               <a:rPr lang="zh-CN" altLang="en-US"/>
               <a:t>四级</a:t>
             </a:r>
-            <a:endParaRPr lang="zh-CN" altLang="en-US"/>
           </a:p>
           <a:p>
             <a:pPr lvl="4"/>
@@ -2815,7 +2930,6 @@
               <a:rPr lang="zh-CN" altLang="en-US"/>
               <a:t>单击此处编辑母版文本样式</a:t>
             </a:r>
-            <a:endParaRPr lang="zh-CN" altLang="en-US"/>
           </a:p>
           <a:p>
             <a:pPr lvl="1"/>
@@ -2823,7 +2937,6 @@
               <a:rPr lang="zh-CN" altLang="en-US"/>
               <a:t>二级</a:t>
             </a:r>
-            <a:endParaRPr lang="zh-CN" altLang="en-US"/>
           </a:p>
           <a:p>
             <a:pPr lvl="2"/>
@@ -2831,7 +2944,6 @@
               <a:rPr lang="zh-CN" altLang="en-US"/>
               <a:t>三级</a:t>
             </a:r>
-            <a:endParaRPr lang="zh-CN" altLang="en-US"/>
           </a:p>
           <a:p>
             <a:pPr lvl="3"/>
@@ -2839,7 +2951,6 @@
               <a:rPr lang="zh-CN" altLang="en-US"/>
               <a:t>四级</a:t>
             </a:r>
-            <a:endParaRPr lang="zh-CN" altLang="en-US"/>
           </a:p>
           <a:p>
             <a:pPr lvl="4"/>
@@ -2868,6 +2979,7 @@
           <a:p>
             <a:fld id="{CE875574-B30F-E946-8A30-5D40B09C42BE}" type="datetimeFigureOut">
               <a:rPr lang="en-US" smtClean="0"/>
+              <a:t>6/10/22</a:t>
             </a:fld>
             <a:endParaRPr lang="en-US"/>
           </a:p>
@@ -2909,6 +3021,7 @@
           <a:p>
             <a:fld id="{671D2AD8-20DD-1F43-B782-FEE6429B9542}" type="slidenum">
               <a:rPr lang="en-US" smtClean="0"/>
+              <a:t>‹#›</a:t>
             </a:fld>
             <a:endParaRPr lang="en-US"/>
           </a:p>
@@ -3029,7 +3142,6 @@
               <a:rPr lang="zh-CN" altLang="en-US"/>
               <a:t>单击此处编辑母版文本样式</a:t>
             </a:r>
-            <a:endParaRPr lang="zh-CN" altLang="en-US"/>
           </a:p>
         </p:txBody>
       </p:sp>
@@ -3058,7 +3170,6 @@
               <a:rPr lang="zh-CN" altLang="en-US"/>
               <a:t>单击此处编辑母版文本样式</a:t>
             </a:r>
-            <a:endParaRPr lang="zh-CN" altLang="en-US"/>
           </a:p>
           <a:p>
             <a:pPr lvl="1"/>
@@ -3066,7 +3177,6 @@
               <a:rPr lang="zh-CN" altLang="en-US"/>
               <a:t>二级</a:t>
             </a:r>
-            <a:endParaRPr lang="zh-CN" altLang="en-US"/>
           </a:p>
           <a:p>
             <a:pPr lvl="2"/>
@@ -3074,7 +3184,6 @@
               <a:rPr lang="zh-CN" altLang="en-US"/>
               <a:t>三级</a:t>
             </a:r>
-            <a:endParaRPr lang="zh-CN" altLang="en-US"/>
           </a:p>
           <a:p>
             <a:pPr lvl="3"/>
@@ -3082,7 +3191,6 @@
               <a:rPr lang="zh-CN" altLang="en-US"/>
               <a:t>四级</a:t>
             </a:r>
-            <a:endParaRPr lang="zh-CN" altLang="en-US"/>
           </a:p>
           <a:p>
             <a:pPr lvl="4"/>
@@ -3156,7 +3264,6 @@
               <a:rPr lang="zh-CN" altLang="en-US"/>
               <a:t>单击此处编辑母版文本样式</a:t>
             </a:r>
-            <a:endParaRPr lang="zh-CN" altLang="en-US"/>
           </a:p>
         </p:txBody>
       </p:sp>
@@ -3185,7 +3292,6 @@
               <a:rPr lang="zh-CN" altLang="en-US"/>
               <a:t>单击此处编辑母版文本样式</a:t>
             </a:r>
-            <a:endParaRPr lang="zh-CN" altLang="en-US"/>
           </a:p>
           <a:p>
             <a:pPr lvl="1"/>
@@ -3193,7 +3299,6 @@
               <a:rPr lang="zh-CN" altLang="en-US"/>
               <a:t>二级</a:t>
             </a:r>
-            <a:endParaRPr lang="zh-CN" altLang="en-US"/>
           </a:p>
           <a:p>
             <a:pPr lvl="2"/>
@@ -3201,7 +3306,6 @@
               <a:rPr lang="zh-CN" altLang="en-US"/>
               <a:t>三级</a:t>
             </a:r>
-            <a:endParaRPr lang="zh-CN" altLang="en-US"/>
           </a:p>
           <a:p>
             <a:pPr lvl="3"/>
@@ -3209,7 +3313,6 @@
               <a:rPr lang="zh-CN" altLang="en-US"/>
               <a:t>四级</a:t>
             </a:r>
-            <a:endParaRPr lang="zh-CN" altLang="en-US"/>
           </a:p>
           <a:p>
             <a:pPr lvl="4"/>
@@ -3238,6 +3341,7 @@
           <a:p>
             <a:fld id="{CE875574-B30F-E946-8A30-5D40B09C42BE}" type="datetimeFigureOut">
               <a:rPr lang="en-US" smtClean="0"/>
+              <a:t>6/10/22</a:t>
             </a:fld>
             <a:endParaRPr lang="en-US"/>
           </a:p>
@@ -3279,6 +3383,7 @@
           <a:p>
             <a:fld id="{671D2AD8-20DD-1F43-B782-FEE6429B9542}" type="slidenum">
               <a:rPr lang="en-US" smtClean="0"/>
+              <a:t>‹#›</a:t>
             </a:fld>
             <a:endParaRPr lang="en-US"/>
           </a:p>
@@ -3349,6 +3454,7 @@
           <a:p>
             <a:fld id="{CE875574-B30F-E946-8A30-5D40B09C42BE}" type="datetimeFigureOut">
               <a:rPr lang="en-US" smtClean="0"/>
+              <a:t>6/10/22</a:t>
             </a:fld>
             <a:endParaRPr lang="en-US"/>
           </a:p>
@@ -3390,6 +3496,7 @@
           <a:p>
             <a:fld id="{671D2AD8-20DD-1F43-B782-FEE6429B9542}" type="slidenum">
               <a:rPr lang="en-US" smtClean="0"/>
+              <a:t>‹#›</a:t>
             </a:fld>
             <a:endParaRPr lang="en-US"/>
           </a:p>
@@ -3437,6 +3544,7 @@
           <a:p>
             <a:fld id="{CE875574-B30F-E946-8A30-5D40B09C42BE}" type="datetimeFigureOut">
               <a:rPr lang="en-US" smtClean="0"/>
+              <a:t>6/10/22</a:t>
             </a:fld>
             <a:endParaRPr lang="en-US"/>
           </a:p>
@@ -3478,6 +3586,7 @@
           <a:p>
             <a:fld id="{671D2AD8-20DD-1F43-B782-FEE6429B9542}" type="slidenum">
               <a:rPr lang="en-US" smtClean="0"/>
+              <a:t>‹#›</a:t>
             </a:fld>
             <a:endParaRPr lang="en-US"/>
           </a:p>
@@ -3593,7 +3702,6 @@
               <a:rPr lang="zh-CN" altLang="en-US"/>
               <a:t>单击此处编辑母版文本样式</a:t>
             </a:r>
-            <a:endParaRPr lang="zh-CN" altLang="en-US"/>
           </a:p>
           <a:p>
             <a:pPr lvl="1"/>
@@ -3601,7 +3709,6 @@
               <a:rPr lang="zh-CN" altLang="en-US"/>
               <a:t>二级</a:t>
             </a:r>
-            <a:endParaRPr lang="zh-CN" altLang="en-US"/>
           </a:p>
           <a:p>
             <a:pPr lvl="2"/>
@@ -3609,7 +3716,6 @@
               <a:rPr lang="zh-CN" altLang="en-US"/>
               <a:t>三级</a:t>
             </a:r>
-            <a:endParaRPr lang="zh-CN" altLang="en-US"/>
           </a:p>
           <a:p>
             <a:pPr lvl="3"/>
@@ -3617,7 +3723,6 @@
               <a:rPr lang="zh-CN" altLang="en-US"/>
               <a:t>四级</a:t>
             </a:r>
-            <a:endParaRPr lang="zh-CN" altLang="en-US"/>
           </a:p>
           <a:p>
             <a:pPr lvl="4"/>
@@ -3691,7 +3796,6 @@
               <a:rPr lang="zh-CN" altLang="en-US"/>
               <a:t>单击此处编辑母版文本样式</a:t>
             </a:r>
-            <a:endParaRPr lang="zh-CN" altLang="en-US"/>
           </a:p>
         </p:txBody>
       </p:sp>
@@ -3712,6 +3816,7 @@
           <a:p>
             <a:fld id="{CE875574-B30F-E946-8A30-5D40B09C42BE}" type="datetimeFigureOut">
               <a:rPr lang="en-US" smtClean="0"/>
+              <a:t>6/10/22</a:t>
             </a:fld>
             <a:endParaRPr lang="en-US"/>
           </a:p>
@@ -3753,6 +3858,7 @@
           <a:p>
             <a:fld id="{671D2AD8-20DD-1F43-B782-FEE6429B9542}" type="slidenum">
               <a:rPr lang="en-US" smtClean="0"/>
+              <a:t>‹#›</a:t>
             </a:fld>
             <a:endParaRPr lang="en-US"/>
           </a:p>
@@ -3942,7 +4048,6 @@
               <a:rPr lang="zh-CN" altLang="en-US"/>
               <a:t>单击此处编辑母版文本样式</a:t>
             </a:r>
-            <a:endParaRPr lang="zh-CN" altLang="en-US"/>
           </a:p>
         </p:txBody>
       </p:sp>
@@ -3963,6 +4068,7 @@
           <a:p>
             <a:fld id="{CE875574-B30F-E946-8A30-5D40B09C42BE}" type="datetimeFigureOut">
               <a:rPr lang="en-US" smtClean="0"/>
+              <a:t>6/10/22</a:t>
             </a:fld>
             <a:endParaRPr lang="en-US"/>
           </a:p>
@@ -4004,6 +4110,7 @@
           <a:p>
             <a:fld id="{671D2AD8-20DD-1F43-B782-FEE6429B9542}" type="slidenum">
               <a:rPr lang="en-US" smtClean="0"/>
+              <a:t>‹#›</a:t>
             </a:fld>
             <a:endParaRPr lang="en-US"/>
           </a:p>
@@ -4102,7 +4209,6 @@
               <a:rPr lang="zh-CN" altLang="en-US"/>
               <a:t>单击此处编辑母版文本样式</a:t>
             </a:r>
-            <a:endParaRPr lang="zh-CN" altLang="en-US"/>
           </a:p>
           <a:p>
             <a:pPr lvl="1"/>
@@ -4110,7 +4216,6 @@
               <a:rPr lang="zh-CN" altLang="en-US"/>
               <a:t>二级</a:t>
             </a:r>
-            <a:endParaRPr lang="zh-CN" altLang="en-US"/>
           </a:p>
           <a:p>
             <a:pPr lvl="2"/>
@@ -4118,7 +4223,6 @@
               <a:rPr lang="zh-CN" altLang="en-US"/>
               <a:t>三级</a:t>
             </a:r>
-            <a:endParaRPr lang="zh-CN" altLang="en-US"/>
           </a:p>
           <a:p>
             <a:pPr lvl="3"/>
@@ -4126,7 +4230,6 @@
               <a:rPr lang="zh-CN" altLang="en-US"/>
               <a:t>四级</a:t>
             </a:r>
-            <a:endParaRPr lang="zh-CN" altLang="en-US"/>
           </a:p>
           <a:p>
             <a:pPr lvl="4"/>
@@ -4173,6 +4276,7 @@
           <a:p>
             <a:fld id="{CE875574-B30F-E946-8A30-5D40B09C42BE}" type="datetimeFigureOut">
               <a:rPr lang="en-US" smtClean="0"/>
+              <a:t>6/10/22</a:t>
             </a:fld>
             <a:endParaRPr lang="en-US"/>
           </a:p>
@@ -4250,6 +4354,7 @@
           <a:p>
             <a:fld id="{671D2AD8-20DD-1F43-B782-FEE6429B9542}" type="slidenum">
               <a:rPr lang="en-US" smtClean="0"/>
+              <a:t>‹#›</a:t>
             </a:fld>
             <a:endParaRPr lang="en-US"/>
           </a:p>
@@ -4581,7 +4686,7 @@
           <p:nvPr/>
         </p:nvPicPr>
         <p:blipFill>
-          <a:blip r:embed="rId1">
+          <a:blip r:embed="rId3">
             <a:clrChange>
               <a:clrFrom>
                 <a:srgbClr val="FFFFFF"/>
@@ -5035,7 +5140,6 @@
               <a:rPr lang="en-US" altLang="zh-CN" dirty="0"/>
               <a:t>2022.6.11</a:t>
             </a:r>
-            <a:endParaRPr lang="en-US" altLang="zh-CN" dirty="0"/>
           </a:p>
           <a:p>
             <a:endParaRPr lang="en-US" altLang="zh-CN" dirty="0"/>
@@ -5052,10 +5156,6 @@
               </a:rPr>
               <a:t>docker run -it uintr/demo</a:t>
             </a:r>
-            <a:endParaRPr lang="en-US" altLang="zh-CN" dirty="0">
-              <a:latin typeface="Consolas" panose="020B0609020204030204" charset="0"/>
-              <a:cs typeface="Consolas" panose="020B0609020204030204" charset="0"/>
-            </a:endParaRPr>
           </a:p>
         </p:txBody>
       </p:sp>
@@ -5226,7 +5326,7 @@
           <p:nvPr/>
         </p:nvPicPr>
         <p:blipFill>
-          <a:blip r:embed="rId1">
+          <a:blip r:embed="rId3">
             <a:clrChange>
               <a:clrFrom>
                 <a:srgbClr val="FFFFFF"/>
@@ -5650,9 +5750,6 @@
               </a:rPr>
               <a:t>性能测试结果</a:t>
             </a:r>
-            <a:endParaRPr lang="zh-CN" altLang="en-US" dirty="0">
-              <a:latin typeface="+mn-ea"/>
-            </a:endParaRPr>
           </a:p>
         </p:txBody>
       </p:sp>
@@ -5665,7 +5762,7 @@
           <p:nvPr/>
         </p:nvPicPr>
         <p:blipFill>
-          <a:blip r:embed="rId2"/>
+          <a:blip r:embed="rId4"/>
           <a:stretch>
             <a:fillRect/>
           </a:stretch>
@@ -5689,7 +5786,7 @@
           <p:nvPr/>
         </p:nvPicPr>
         <p:blipFill>
-          <a:blip r:embed="rId3"/>
+          <a:blip r:embed="rId5"/>
           <a:stretch>
             <a:fillRect/>
           </a:stretch>
@@ -5724,6 +5821,7 @@
           <a:bodyPr wrap="square" rtlCol="0">
             <a:spAutoFit/>
           </a:bodyPr>
+          <a:lstStyle/>
           <a:p>
             <a:r>
               <a:rPr lang="zh-CN" altLang="en-US"/>
@@ -5739,30 +5837,30 @@
             </a:r>
             <a:r>
               <a:rPr lang="en-US" altLang="zh-CN"/>
-              <a:t>pipe</a:t>
-            </a:r>
-            <a:endParaRPr lang="en-US" altLang="zh-CN"/>
+              <a:t>eventfd</a:t>
+            </a:r>
           </a:p>
         </p:txBody>
       </p:sp>
       <p:pic>
         <p:nvPicPr>
-          <p:cNvPr id="4" name="图片 3"/>
+          <p:cNvPr id="3" name="图片 2"/>
           <p:cNvPicPr>
             <a:picLocks noChangeAspect="1"/>
           </p:cNvPicPr>
           <p:nvPr/>
         </p:nvPicPr>
         <p:blipFill>
-          <a:blip r:embed="rId4"/>
+          <a:blip r:embed="rId6"/>
+          <a:srcRect l="819"/>
           <a:stretch>
             <a:fillRect/>
           </a:stretch>
         </p:blipFill>
         <p:spPr>
           <a:xfrm>
-            <a:off x="7133590" y="4523740"/>
-            <a:ext cx="3925570" cy="2137410"/>
+            <a:off x="7150100" y="4454525"/>
+            <a:ext cx="3998595" cy="2186305"/>
           </a:xfrm>
           <a:prstGeom prst="rect">
             <a:avLst/>
@@ -5936,7 +6034,7 @@
           <p:nvPr/>
         </p:nvPicPr>
         <p:blipFill>
-          <a:blip r:embed="rId1">
+          <a:blip r:embed="rId3">
             <a:clrChange>
               <a:clrFrom>
                 <a:srgbClr val="FFFFFF"/>
@@ -6360,9 +6458,6 @@
               </a:rPr>
               <a:t>性能测试结果</a:t>
             </a:r>
-            <a:endParaRPr lang="zh-CN" altLang="en-US" dirty="0">
-              <a:latin typeface="+mn-ea"/>
-            </a:endParaRPr>
           </a:p>
         </p:txBody>
       </p:sp>
@@ -6375,7 +6470,7 @@
           <p:nvPr/>
         </p:nvPicPr>
         <p:blipFill>
-          <a:blip r:embed="rId2"/>
+          <a:blip r:embed="rId4"/>
           <a:stretch>
             <a:fillRect/>
           </a:stretch>
@@ -6399,7 +6494,7 @@
           <p:nvPr/>
         </p:nvPicPr>
         <p:blipFill>
-          <a:blip r:embed="rId3"/>
+          <a:blip r:embed="rId5"/>
           <a:stretch>
             <a:fillRect/>
           </a:stretch>
@@ -6434,6 +6529,7 @@
           <a:bodyPr wrap="square" rtlCol="0">
             <a:spAutoFit/>
           </a:bodyPr>
+          <a:lstStyle/>
           <a:p>
             <a:r>
               <a:rPr lang="zh-CN" altLang="en-US"/>
@@ -6449,30 +6545,29 @@
             </a:r>
             <a:r>
               <a:rPr lang="en-US" altLang="zh-CN"/>
-              <a:t>domain</a:t>
-            </a:r>
-            <a:endParaRPr lang="en-US" altLang="zh-CN"/>
+              <a:t>pipe</a:t>
+            </a:r>
           </a:p>
         </p:txBody>
       </p:sp>
       <p:pic>
         <p:nvPicPr>
-          <p:cNvPr id="3" name="图片 2"/>
+          <p:cNvPr id="4" name="图片 3"/>
           <p:cNvPicPr>
             <a:picLocks noChangeAspect="1"/>
           </p:cNvPicPr>
           <p:nvPr/>
         </p:nvPicPr>
         <p:blipFill>
-          <a:blip r:embed="rId4"/>
+          <a:blip r:embed="rId6"/>
           <a:stretch>
             <a:fillRect/>
           </a:stretch>
         </p:blipFill>
         <p:spPr>
           <a:xfrm>
-            <a:off x="7146290" y="4561205"/>
-            <a:ext cx="3918585" cy="2085975"/>
+            <a:off x="7133590" y="4523740"/>
+            <a:ext cx="3925570" cy="2137410"/>
           </a:xfrm>
           <a:prstGeom prst="rect">
             <a:avLst/>
@@ -6542,14 +6637,44 @@
           </a:lstStyle>
           <a:p>
             <a:r>
-              <a:rPr lang="zh-CN" altLang="en-US" sz="4000" b="1" dirty="0">
+              <a:rPr lang="en-US" altLang="zh-CN" sz="4000" b="1" dirty="0" err="1">
                 <a:solidFill>
                   <a:srgbClr val="704F95"/>
                 </a:solidFill>
                 <a:latin typeface="思源宋体 Medium" panose="02020500000000000000" pitchFamily="18" charset="-122"/>
                 <a:ea typeface="思源宋体 Medium" panose="02020500000000000000" pitchFamily="18" charset="-122"/>
               </a:rPr>
-              <a:t>工作过程管理</a:t>
+              <a:t>Uintr</a:t>
+            </a:r>
+            <a:r>
+              <a:rPr lang="zh-CN" altLang="en-US" sz="4000" b="1" dirty="0">
+                <a:solidFill>
+                  <a:srgbClr val="704F95"/>
+                </a:solidFill>
+                <a:latin typeface="思源宋体 Medium" panose="02020500000000000000" pitchFamily="18" charset="-122"/>
+                <a:ea typeface="思源宋体 Medium" panose="02020500000000000000" pitchFamily="18" charset="-122"/>
+              </a:rPr>
+              <a:t>性能测试</a:t>
+            </a:r>
+            <a:r>
+              <a:rPr lang="en-US" altLang="zh-CN" sz="4000" b="1" dirty="0">
+                <a:solidFill>
+                  <a:srgbClr val="704F95"/>
+                </a:solidFill>
+                <a:latin typeface="思源宋体 Medium" panose="02020500000000000000" pitchFamily="18" charset="-122"/>
+                <a:ea typeface="思源宋体 Medium" panose="02020500000000000000" pitchFamily="18" charset="-122"/>
+              </a:rPr>
+              <a:t>-</a:t>
+            </a:r>
+            <a:r>
+              <a:rPr lang="zh-CN" altLang="en-US" sz="4000" b="1" dirty="0">
+                <a:solidFill>
+                  <a:srgbClr val="704F95"/>
+                </a:solidFill>
+                <a:latin typeface="思源宋体 Medium" panose="02020500000000000000" pitchFamily="18" charset="-122"/>
+                <a:ea typeface="思源宋体 Medium" panose="02020500000000000000" pitchFamily="18" charset="-122"/>
+              </a:rPr>
+              <a:t>横向对比</a:t>
             </a:r>
             <a:endParaRPr lang="en-US" altLang="zh-CN" sz="4000" b="1" dirty="0">
               <a:solidFill>
@@ -6616,7 +6741,7 @@
           <p:nvPr/>
         </p:nvPicPr>
         <p:blipFill>
-          <a:blip r:embed="rId1">
+          <a:blip r:embed="rId3">
             <a:clrChange>
               <a:clrFrom>
                 <a:srgbClr val="FFFFFF"/>
@@ -6846,7 +6971,7 @@
         </p:nvSpPr>
         <p:spPr>
           <a:xfrm>
-            <a:off x="1113971" y="1801282"/>
+            <a:off x="1056186" y="1833032"/>
             <a:ext cx="10515600" cy="4351338"/>
           </a:xfrm>
           <a:prstGeom prst="rect">
@@ -7022,307 +7147,140 @@
             </a:lvl9pPr>
           </a:lstStyle>
           <a:p>
-            <a:endParaRPr lang="en-US" altLang="zh-CN" dirty="0">
-              <a:latin typeface="+mn-ea"/>
-            </a:endParaRPr>
-          </a:p>
-        </p:txBody>
-      </p:sp>
-      <p:sp>
-        <p:nvSpPr>
-          <p:cNvPr id="15" name="Content Placeholder 2"/>
-          <p:cNvSpPr txBox="1"/>
+            <a:r>
+              <a:rPr lang="zh-CN" altLang="en-US" dirty="0">
+                <a:latin typeface="+mn-ea"/>
+              </a:rPr>
+              <a:t>复现</a:t>
+            </a:r>
+            <a:r>
+              <a:rPr lang="en-US" altLang="zh-CN" dirty="0">
+                <a:latin typeface="+mn-ea"/>
+              </a:rPr>
+              <a:t> linux rfc </a:t>
+            </a:r>
+            <a:r>
+              <a:rPr lang="zh-CN" altLang="en-US" dirty="0">
+                <a:latin typeface="+mn-ea"/>
+              </a:rPr>
+              <a:t>性能测试结果</a:t>
+            </a:r>
+          </a:p>
+        </p:txBody>
+      </p:sp>
+      <p:pic>
+        <p:nvPicPr>
+          <p:cNvPr id="2" name="图片 1"/>
+          <p:cNvPicPr>
+            <a:picLocks noChangeAspect="1"/>
+          </p:cNvPicPr>
           <p:nvPr/>
-        </p:nvSpPr>
+        </p:nvPicPr>
+        <p:blipFill>
+          <a:blip r:embed="rId4"/>
+          <a:stretch>
+            <a:fillRect/>
+          </a:stretch>
+        </p:blipFill>
         <p:spPr>
           <a:xfrm>
-            <a:off x="1113971" y="1758689"/>
-            <a:ext cx="6954264" cy="2174628"/>
+            <a:off x="663575" y="2680970"/>
+            <a:ext cx="5708015" cy="2889250"/>
           </a:xfrm>
           <a:prstGeom prst="rect">
             <a:avLst/>
           </a:prstGeom>
         </p:spPr>
-        <p:txBody>
-          <a:bodyPr>
-            <a:normAutofit/>
+      </p:pic>
+      <p:pic>
+        <p:nvPicPr>
+          <p:cNvPr id="7" name="图片 6"/>
+          <p:cNvPicPr>
+            <a:picLocks noChangeAspect="1"/>
+          </p:cNvPicPr>
+          <p:nvPr/>
+        </p:nvPicPr>
+        <p:blipFill>
+          <a:blip r:embed="rId5"/>
+          <a:stretch>
+            <a:fillRect/>
+          </a:stretch>
+        </p:blipFill>
+        <p:spPr>
+          <a:xfrm>
+            <a:off x="7133590" y="2255520"/>
+            <a:ext cx="4031615" cy="2124710"/>
+          </a:xfrm>
+          <a:prstGeom prst="rect">
+            <a:avLst/>
+          </a:prstGeom>
+        </p:spPr>
+      </p:pic>
+      <p:sp>
+        <p:nvSpPr>
+          <p:cNvPr id="10" name="文本框 9"/>
+          <p:cNvSpPr txBox="1"/>
+          <p:nvPr/>
+        </p:nvSpPr>
+        <p:spPr>
+          <a:xfrm>
+            <a:off x="7250430" y="1706245"/>
+            <a:ext cx="3608705" cy="368300"/>
+          </a:xfrm>
+          <a:prstGeom prst="rect">
+            <a:avLst/>
+          </a:prstGeom>
+          <a:noFill/>
+        </p:spPr>
+        <p:txBody>
+          <a:bodyPr wrap="square" rtlCol="0">
+            <a:spAutoFit/>
           </a:bodyPr>
-          <a:lstStyle>
-            <a:lvl1pPr marL="228600" indent="-228600" algn="l" defTabSz="914400" rtl="0" eaLnBrk="1" latinLnBrk="0" hangingPunct="1">
-              <a:lnSpc>
-                <a:spcPct val="90000"/>
-              </a:lnSpc>
-              <a:spcBef>
-                <a:spcPts val="1000"/>
-              </a:spcBef>
-              <a:buFont typeface="Arial" panose="020B0604020202020204" pitchFamily="34" charset="0"/>
-              <a:buChar char="•"/>
-              <a:defRPr sz="2800" kern="1200">
-                <a:solidFill>
-                  <a:schemeClr val="tx1"/>
-                </a:solidFill>
-                <a:latin typeface="+mn-lt"/>
-                <a:ea typeface="+mn-ea"/>
-                <a:cs typeface="+mn-cs"/>
-              </a:defRPr>
-            </a:lvl1pPr>
-            <a:lvl2pPr marL="685800" indent="-228600" algn="l" defTabSz="914400" rtl="0" eaLnBrk="1" latinLnBrk="0" hangingPunct="1">
-              <a:lnSpc>
-                <a:spcPct val="90000"/>
-              </a:lnSpc>
-              <a:spcBef>
-                <a:spcPts val="500"/>
-              </a:spcBef>
-              <a:buFont typeface="Arial" panose="020B0604020202020204" pitchFamily="34" charset="0"/>
-              <a:buChar char="•"/>
-              <a:defRPr sz="2400" kern="1200">
-                <a:solidFill>
-                  <a:schemeClr val="tx1"/>
-                </a:solidFill>
-                <a:latin typeface="+mn-lt"/>
-                <a:ea typeface="+mn-ea"/>
-                <a:cs typeface="+mn-cs"/>
-              </a:defRPr>
-            </a:lvl2pPr>
-            <a:lvl3pPr marL="1143000" indent="-228600" algn="l" defTabSz="914400" rtl="0" eaLnBrk="1" latinLnBrk="0" hangingPunct="1">
-              <a:lnSpc>
-                <a:spcPct val="90000"/>
-              </a:lnSpc>
-              <a:spcBef>
-                <a:spcPts val="500"/>
-              </a:spcBef>
-              <a:buFont typeface="Arial" panose="020B0604020202020204" pitchFamily="34" charset="0"/>
-              <a:buChar char="•"/>
-              <a:defRPr sz="2000" kern="1200">
-                <a:solidFill>
-                  <a:schemeClr val="tx1"/>
-                </a:solidFill>
-                <a:latin typeface="+mn-lt"/>
-                <a:ea typeface="+mn-ea"/>
-                <a:cs typeface="+mn-cs"/>
-              </a:defRPr>
-            </a:lvl3pPr>
-            <a:lvl4pPr marL="1600200" indent="-228600" algn="l" defTabSz="914400" rtl="0" eaLnBrk="1" latinLnBrk="0" hangingPunct="1">
-              <a:lnSpc>
-                <a:spcPct val="90000"/>
-              </a:lnSpc>
-              <a:spcBef>
-                <a:spcPts val="500"/>
-              </a:spcBef>
-              <a:buFont typeface="Arial" panose="020B0604020202020204" pitchFamily="34" charset="0"/>
-              <a:buChar char="•"/>
-              <a:defRPr sz="1800" kern="1200">
-                <a:solidFill>
-                  <a:schemeClr val="tx1"/>
-                </a:solidFill>
-                <a:latin typeface="+mn-lt"/>
-                <a:ea typeface="+mn-ea"/>
-                <a:cs typeface="+mn-cs"/>
-              </a:defRPr>
-            </a:lvl4pPr>
-            <a:lvl5pPr marL="2057400" indent="-228600" algn="l" defTabSz="914400" rtl="0" eaLnBrk="1" latinLnBrk="0" hangingPunct="1">
-              <a:lnSpc>
-                <a:spcPct val="90000"/>
-              </a:lnSpc>
-              <a:spcBef>
-                <a:spcPts val="500"/>
-              </a:spcBef>
-              <a:buFont typeface="Arial" panose="020B0604020202020204" pitchFamily="34" charset="0"/>
-              <a:buChar char="•"/>
-              <a:defRPr sz="1800" kern="1200">
-                <a:solidFill>
-                  <a:schemeClr val="tx1"/>
-                </a:solidFill>
-                <a:latin typeface="+mn-lt"/>
-                <a:ea typeface="+mn-ea"/>
-                <a:cs typeface="+mn-cs"/>
-              </a:defRPr>
-            </a:lvl5pPr>
-            <a:lvl6pPr marL="2514600" indent="-228600" algn="l" defTabSz="914400" rtl="0" eaLnBrk="1" latinLnBrk="0" hangingPunct="1">
-              <a:lnSpc>
-                <a:spcPct val="90000"/>
-              </a:lnSpc>
-              <a:spcBef>
-                <a:spcPts val="500"/>
-              </a:spcBef>
-              <a:buFont typeface="Arial" panose="020B0604020202020204" pitchFamily="34" charset="0"/>
-              <a:buChar char="•"/>
-              <a:defRPr sz="1800" kern="1200">
-                <a:solidFill>
-                  <a:schemeClr val="tx1"/>
-                </a:solidFill>
-                <a:latin typeface="+mn-lt"/>
-                <a:ea typeface="+mn-ea"/>
-                <a:cs typeface="+mn-cs"/>
-              </a:defRPr>
-            </a:lvl6pPr>
-            <a:lvl7pPr marL="2971800" indent="-228600" algn="l" defTabSz="914400" rtl="0" eaLnBrk="1" latinLnBrk="0" hangingPunct="1">
-              <a:lnSpc>
-                <a:spcPct val="90000"/>
-              </a:lnSpc>
-              <a:spcBef>
-                <a:spcPts val="500"/>
-              </a:spcBef>
-              <a:buFont typeface="Arial" panose="020B0604020202020204" pitchFamily="34" charset="0"/>
-              <a:buChar char="•"/>
-              <a:defRPr sz="1800" kern="1200">
-                <a:solidFill>
-                  <a:schemeClr val="tx1"/>
-                </a:solidFill>
-                <a:latin typeface="+mn-lt"/>
-                <a:ea typeface="+mn-ea"/>
-                <a:cs typeface="+mn-cs"/>
-              </a:defRPr>
-            </a:lvl7pPr>
-            <a:lvl8pPr marL="3429000" indent="-228600" algn="l" defTabSz="914400" rtl="0" eaLnBrk="1" latinLnBrk="0" hangingPunct="1">
-              <a:lnSpc>
-                <a:spcPct val="90000"/>
-              </a:lnSpc>
-              <a:spcBef>
-                <a:spcPts val="500"/>
-              </a:spcBef>
-              <a:buFont typeface="Arial" panose="020B0604020202020204" pitchFamily="34" charset="0"/>
-              <a:buChar char="•"/>
-              <a:defRPr sz="1800" kern="1200">
-                <a:solidFill>
-                  <a:schemeClr val="tx1"/>
-                </a:solidFill>
-                <a:latin typeface="+mn-lt"/>
-                <a:ea typeface="+mn-ea"/>
-                <a:cs typeface="+mn-cs"/>
-              </a:defRPr>
-            </a:lvl8pPr>
-            <a:lvl9pPr marL="3886200" indent="-228600" algn="l" defTabSz="914400" rtl="0" eaLnBrk="1" latinLnBrk="0" hangingPunct="1">
-              <a:lnSpc>
-                <a:spcPct val="90000"/>
-              </a:lnSpc>
-              <a:spcBef>
-                <a:spcPts val="500"/>
-              </a:spcBef>
-              <a:buFont typeface="Arial" panose="020B0604020202020204" pitchFamily="34" charset="0"/>
-              <a:buChar char="•"/>
-              <a:defRPr sz="1800" kern="1200">
-                <a:solidFill>
-                  <a:schemeClr val="tx1"/>
-                </a:solidFill>
-                <a:latin typeface="+mn-lt"/>
-                <a:ea typeface="+mn-ea"/>
-                <a:cs typeface="+mn-cs"/>
-              </a:defRPr>
-            </a:lvl9pPr>
-          </a:lstStyle>
-          <a:p>
-            <a:r>
-              <a:rPr lang="zh-CN" altLang="en-US" dirty="0">
-                <a:latin typeface="+mn-ea"/>
-              </a:rPr>
-              <a:t>万字工作文档，详细记录问题解决过程</a:t>
-            </a:r>
-            <a:endParaRPr lang="en-US" altLang="zh-CN" dirty="0">
-              <a:latin typeface="+mn-ea"/>
-            </a:endParaRPr>
-          </a:p>
-          <a:p>
-            <a:r>
-              <a:rPr lang="en-US" altLang="zh-CN" dirty="0">
-                <a:latin typeface="+mn-ea"/>
-              </a:rPr>
-              <a:t>5k</a:t>
-            </a:r>
-            <a:r>
-              <a:rPr lang="zh-CN" altLang="en-US" dirty="0">
-                <a:latin typeface="+mn-ea"/>
-              </a:rPr>
-              <a:t>字</a:t>
-            </a:r>
-            <a:r>
-              <a:rPr lang="en-US" altLang="zh-CN" dirty="0" err="1">
-                <a:latin typeface="+mn-ea"/>
-              </a:rPr>
-              <a:t>qemu</a:t>
-            </a:r>
-            <a:r>
-              <a:rPr lang="en-US" altLang="zh-CN" dirty="0">
-                <a:latin typeface="+mn-ea"/>
-              </a:rPr>
-              <a:t>-tutorial</a:t>
-            </a:r>
-            <a:r>
-              <a:rPr lang="zh-CN" altLang="en-US" dirty="0">
-                <a:latin typeface="+mn-ea"/>
-              </a:rPr>
-              <a:t>，代码级</a:t>
-            </a:r>
-            <a:r>
-              <a:rPr lang="en-US" altLang="zh-CN" dirty="0" err="1">
-                <a:latin typeface="+mn-ea"/>
-              </a:rPr>
-              <a:t>qemu</a:t>
-            </a:r>
-            <a:r>
-              <a:rPr lang="zh-CN" altLang="en-US" dirty="0">
-                <a:latin typeface="+mn-ea"/>
-              </a:rPr>
-              <a:t>教程</a:t>
-            </a:r>
-            <a:endParaRPr lang="en-US" altLang="zh-CN" dirty="0">
-              <a:latin typeface="+mn-ea"/>
-            </a:endParaRPr>
-          </a:p>
-          <a:p>
-            <a:r>
-              <a:rPr lang="zh-CN" altLang="en-US" dirty="0">
-                <a:latin typeface="+mn-ea"/>
-              </a:rPr>
-              <a:t>每周展示</a:t>
-            </a:r>
-            <a:r>
-              <a:rPr lang="en-US" altLang="zh-CN" dirty="0">
-                <a:latin typeface="+mn-ea"/>
-              </a:rPr>
-              <a:t>ppt</a:t>
-            </a:r>
-            <a:r>
-              <a:rPr lang="zh-CN" altLang="en-US" dirty="0">
-                <a:latin typeface="+mn-ea"/>
-              </a:rPr>
-              <a:t>，周工作记录</a:t>
-            </a:r>
-            <a:endParaRPr lang="en-US" altLang="zh-CN" dirty="0">
-              <a:latin typeface="+mn-ea"/>
-            </a:endParaRPr>
-          </a:p>
-          <a:p>
-            <a:r>
-              <a:rPr lang="zh-CN" altLang="en-US" dirty="0">
-                <a:latin typeface="+mn-ea"/>
-              </a:rPr>
-              <a:t>更多的</a:t>
-            </a:r>
-            <a:r>
-              <a:rPr lang="en-US" altLang="zh-CN" dirty="0">
-                <a:latin typeface="+mn-ea"/>
-              </a:rPr>
-              <a:t>debug</a:t>
-            </a:r>
-            <a:r>
-              <a:rPr lang="zh-CN" altLang="en-US" dirty="0">
-                <a:latin typeface="+mn-ea"/>
-              </a:rPr>
-              <a:t>过程</a:t>
-            </a:r>
-            <a:r>
-              <a:rPr lang="en-US" altLang="zh-CN" dirty="0">
-                <a:latin typeface="+mn-ea"/>
-              </a:rPr>
-              <a:t>……</a:t>
-            </a:r>
-            <a:endParaRPr lang="en-US" altLang="zh-CN" dirty="0">
-              <a:latin typeface="+mn-ea"/>
-            </a:endParaRPr>
-          </a:p>
-        </p:txBody>
-      </p:sp>
+          <a:lstStyle/>
+          <a:p>
+            <a:r>
+              <a:rPr lang="zh-CN" altLang="en-US"/>
+              <a:t>上：</a:t>
+            </a:r>
+            <a:r>
+              <a:rPr lang="en-US" altLang="zh-CN"/>
+              <a:t>uintr</a:t>
+            </a:r>
+            <a:r>
+              <a:rPr lang="zh-CN" altLang="en-US"/>
+              <a:t>；下：</a:t>
+            </a:r>
+            <a:r>
+              <a:rPr lang="en-US" altLang="zh-CN"/>
+              <a:t>domain</a:t>
+            </a:r>
+          </a:p>
+        </p:txBody>
+      </p:sp>
+      <p:pic>
+        <p:nvPicPr>
+          <p:cNvPr id="3" name="图片 2"/>
+          <p:cNvPicPr>
+            <a:picLocks noChangeAspect="1"/>
+          </p:cNvPicPr>
+          <p:nvPr/>
+        </p:nvPicPr>
+        <p:blipFill>
+          <a:blip r:embed="rId6"/>
+          <a:stretch>
+            <a:fillRect/>
+          </a:stretch>
+        </p:blipFill>
+        <p:spPr>
+          <a:xfrm>
+            <a:off x="7146290" y="4561205"/>
+            <a:ext cx="3918585" cy="2085975"/>
+          </a:xfrm>
+          <a:prstGeom prst="rect">
+            <a:avLst/>
+          </a:prstGeom>
+        </p:spPr>
+      </p:pic>
     </p:spTree>
   </p:cSld>
   <p:clrMapOvr>
@@ -7393,7 +7351,7 @@
                 <a:latin typeface="思源宋体 Medium" panose="02020500000000000000" pitchFamily="18" charset="-122"/>
                 <a:ea typeface="思源宋体 Medium" panose="02020500000000000000" pitchFamily="18" charset="-122"/>
               </a:rPr>
-              <a:t>感想</a:t>
+              <a:t>工作过程管理</a:t>
             </a:r>
             <a:endParaRPr lang="en-US" altLang="zh-CN" sz="4000" b="1" dirty="0">
               <a:solidFill>
@@ -7460,7 +7418,7 @@
           <p:nvPr/>
         </p:nvPicPr>
         <p:blipFill>
-          <a:blip r:embed="rId1">
+          <a:blip r:embed="rId3">
             <a:clrChange>
               <a:clrFrom>
                 <a:srgbClr val="FFFFFF"/>
@@ -7880,8 +7838,8 @@
         </p:nvSpPr>
         <p:spPr>
           <a:xfrm>
-            <a:off x="1113790" y="1758950"/>
-            <a:ext cx="10515600" cy="3631565"/>
+            <a:off x="1113971" y="1758689"/>
+            <a:ext cx="6954264" cy="2174628"/>
           </a:xfrm>
           <a:prstGeom prst="rect">
             <a:avLst/>
@@ -8056,74 +8014,111 @@
             </a:lvl9pPr>
           </a:lstStyle>
           <a:p>
-            <a:pPr marL="0" indent="0">
-              <a:buNone/>
-            </a:pPr>
+            <a:r>
+              <a:rPr lang="zh-CN" altLang="en-US" dirty="0">
+                <a:latin typeface="+mn-ea"/>
+              </a:rPr>
+              <a:t>万字工作文档，详细记录问题解决过程</a:t>
+            </a:r>
+            <a:endParaRPr lang="en-US" altLang="zh-CN" dirty="0">
+              <a:latin typeface="+mn-ea"/>
+            </a:endParaRPr>
+          </a:p>
+          <a:p>
+            <a:r>
+              <a:rPr lang="en-US" altLang="zh-CN" dirty="0">
+                <a:latin typeface="+mn-ea"/>
+              </a:rPr>
+              <a:t>5k</a:t>
+            </a:r>
+            <a:r>
+              <a:rPr lang="zh-CN" altLang="en-US" dirty="0">
+                <a:latin typeface="+mn-ea"/>
+              </a:rPr>
+              <a:t>字</a:t>
+            </a:r>
             <a:r>
               <a:rPr lang="en-US" altLang="zh-CN" dirty="0" err="1">
                 <a:latin typeface="+mn-ea"/>
               </a:rPr>
-              <a:t>Xcd</a:t>
+              <a:t>qemu</a:t>
+            </a:r>
+            <a:r>
+              <a:rPr lang="en-US" altLang="zh-CN" dirty="0">
+                <a:latin typeface="+mn-ea"/>
+              </a:rPr>
+              <a:t>-tutorial</a:t>
             </a:r>
             <a:r>
               <a:rPr lang="zh-CN" altLang="en-US" dirty="0">
                 <a:latin typeface="+mn-ea"/>
               </a:rPr>
-              <a:t>：从硬件</a:t>
+              <a:t>，代码级</a:t>
+            </a:r>
+            <a:r>
+              <a:rPr lang="en-US" altLang="zh-CN" dirty="0" err="1">
+                <a:latin typeface="+mn-ea"/>
+              </a:rPr>
+              <a:t>qemu</a:t>
+            </a:r>
+            <a:r>
+              <a:rPr lang="zh-CN" altLang="en-US" dirty="0">
+                <a:latin typeface="+mn-ea"/>
+              </a:rPr>
+              <a:t>教程</a:t>
+            </a:r>
+            <a:endParaRPr lang="en-US" altLang="zh-CN" dirty="0">
+              <a:latin typeface="+mn-ea"/>
+            </a:endParaRPr>
+          </a:p>
+          <a:p>
+            <a:r>
+              <a:rPr lang="zh-CN" altLang="en-US" dirty="0">
+                <a:latin typeface="+mn-ea"/>
+              </a:rPr>
+              <a:t>每周展示</a:t>
             </a:r>
             <a:r>
               <a:rPr lang="en-US" altLang="zh-CN" dirty="0">
                 <a:latin typeface="+mn-ea"/>
               </a:rPr>
-              <a:t>-</a:t>
+              <a:t>ppt</a:t>
             </a:r>
             <a:r>
               <a:rPr lang="zh-CN" altLang="en-US" dirty="0">
                 <a:latin typeface="+mn-ea"/>
               </a:rPr>
-              <a:t>操作系统</a:t>
+              <a:t>，周工作记录</a:t>
+            </a:r>
+            <a:endParaRPr lang="en-US" altLang="zh-CN" dirty="0">
+              <a:latin typeface="+mn-ea"/>
+            </a:endParaRPr>
+          </a:p>
+          <a:p>
+            <a:r>
+              <a:rPr lang="zh-CN" altLang="en-US" dirty="0">
+                <a:latin typeface="+mn-ea"/>
+              </a:rPr>
+              <a:t>更多的</a:t>
             </a:r>
             <a:r>
               <a:rPr lang="en-US" altLang="zh-CN" dirty="0">
                 <a:latin typeface="+mn-ea"/>
               </a:rPr>
-              <a:t>-</a:t>
+              <a:t>debug</a:t>
             </a:r>
             <a:r>
               <a:rPr lang="zh-CN" altLang="en-US" dirty="0">
                 <a:latin typeface="+mn-ea"/>
               </a:rPr>
-              <a:t>用户程序的全流程调试体验，和学长、社区的讨论、对</a:t>
+              <a:t>过程</a:t>
             </a:r>
             <a:r>
               <a:rPr lang="en-US" altLang="zh-CN" dirty="0">
                 <a:latin typeface="+mn-ea"/>
               </a:rPr>
-              <a:t>x</a:t>
-            </a:r>
-            <a:endParaRPr lang="en-US" altLang="zh-CN" dirty="0">
-              <a:latin typeface="+mn-ea"/>
-            </a:endParaRPr>
-          </a:p>
-          <a:p>
-            <a:pPr marL="0" indent="0">
-              <a:buNone/>
-            </a:pPr>
-            <a:r>
-              <a:rPr lang="en-US" altLang="zh-CN" dirty="0">
-                <a:latin typeface="+mn-ea"/>
-              </a:rPr>
-              <a:t>Sx</a:t>
-            </a:r>
-            <a:r>
-              <a:rPr lang="zh-CN" altLang="en-US" dirty="0">
-                <a:latin typeface="+mn-ea"/>
-              </a:rPr>
-              <a:t>：很喜欢现代调试工具，打断点看变量很舒服</a:t>
-            </a:r>
-            <a:endParaRPr lang="zh-CN" altLang="en-US" dirty="0">
-              <a:latin typeface="+mn-ea"/>
-            </a:endParaRPr>
+              <a:t>……</a:t>
+            </a:r>
           </a:p>
         </p:txBody>
       </p:sp>
@@ -8154,14 +8149,14 @@
       </p:grpSpPr>
       <p:sp>
         <p:nvSpPr>
-          <p:cNvPr id="10" name="内容占位符 2"/>
+          <p:cNvPr id="11" name="标题 1"/>
           <p:cNvSpPr txBox="1"/>
           <p:nvPr/>
         </p:nvSpPr>
         <p:spPr>
           <a:xfrm>
-            <a:off x="880106" y="2024290"/>
-            <a:ext cx="10395795" cy="4152673"/>
+            <a:off x="1170269" y="797307"/>
+            <a:ext cx="10030487" cy="961382"/>
           </a:xfrm>
           <a:prstGeom prst="rect">
             <a:avLst/>
@@ -8170,255 +8165,101 @@
         <p:txBody>
           <a:bodyPr/>
           <a:lstStyle>
-            <a:lvl1pPr marL="228600" indent="-228600" algn="l" defTabSz="914400" rtl="0" eaLnBrk="1" latinLnBrk="0" hangingPunct="1">
-              <a:lnSpc>
-                <a:spcPct val="90000"/>
-              </a:lnSpc>
-              <a:spcBef>
-                <a:spcPts val="1000"/>
-              </a:spcBef>
-              <a:buFont typeface="Arial" panose="020B0604020202020204" pitchFamily="34" charset="0"/>
-              <a:buChar char="•"/>
-              <a:defRPr sz="2800" kern="1200">
-                <a:solidFill>
-                  <a:schemeClr val="tx1"/>
-                </a:solidFill>
-                <a:latin typeface="+mn-lt"/>
-                <a:ea typeface="+mn-ea"/>
-                <a:cs typeface="+mn-cs"/>
+            <a:lvl1pPr algn="l" defTabSz="914400" rtl="0" eaLnBrk="1" latinLnBrk="0" hangingPunct="1">
+              <a:lnSpc>
+                <a:spcPct val="90000"/>
+              </a:lnSpc>
+              <a:spcBef>
+                <a:spcPct val="0"/>
+              </a:spcBef>
+              <a:buNone/>
+              <a:defRPr sz="4400" kern="1200">
+                <a:solidFill>
+                  <a:schemeClr val="tx1"/>
+                </a:solidFill>
+                <a:latin typeface="+mj-lt"/>
+                <a:ea typeface="+mj-ea"/>
+                <a:cs typeface="+mj-cs"/>
               </a:defRPr>
             </a:lvl1pPr>
-            <a:lvl2pPr marL="685800" indent="-228600" algn="l" defTabSz="914400" rtl="0" eaLnBrk="1" latinLnBrk="0" hangingPunct="1">
-              <a:lnSpc>
-                <a:spcPct val="90000"/>
-              </a:lnSpc>
-              <a:spcBef>
-                <a:spcPts val="500"/>
-              </a:spcBef>
-              <a:buFont typeface="Arial" panose="020B0604020202020204" pitchFamily="34" charset="0"/>
-              <a:buChar char="•"/>
-              <a:defRPr sz="2400" kern="1200">
-                <a:solidFill>
-                  <a:schemeClr val="tx1"/>
-                </a:solidFill>
-                <a:latin typeface="+mn-lt"/>
-                <a:ea typeface="+mn-ea"/>
-                <a:cs typeface="+mn-cs"/>
-              </a:defRPr>
-            </a:lvl2pPr>
-            <a:lvl3pPr marL="1143000" indent="-228600" algn="l" defTabSz="914400" rtl="0" eaLnBrk="1" latinLnBrk="0" hangingPunct="1">
-              <a:lnSpc>
-                <a:spcPct val="90000"/>
-              </a:lnSpc>
-              <a:spcBef>
-                <a:spcPts val="500"/>
-              </a:spcBef>
-              <a:buFont typeface="Arial" panose="020B0604020202020204" pitchFamily="34" charset="0"/>
-              <a:buChar char="•"/>
-              <a:defRPr sz="2000" kern="1200">
-                <a:solidFill>
-                  <a:schemeClr val="tx1"/>
-                </a:solidFill>
-                <a:latin typeface="+mn-lt"/>
-                <a:ea typeface="+mn-ea"/>
-                <a:cs typeface="+mn-cs"/>
-              </a:defRPr>
-            </a:lvl3pPr>
-            <a:lvl4pPr marL="1600200" indent="-228600" algn="l" defTabSz="914400" rtl="0" eaLnBrk="1" latinLnBrk="0" hangingPunct="1">
-              <a:lnSpc>
-                <a:spcPct val="90000"/>
-              </a:lnSpc>
-              <a:spcBef>
-                <a:spcPts val="500"/>
-              </a:spcBef>
-              <a:buFont typeface="Arial" panose="020B0604020202020204" pitchFamily="34" charset="0"/>
-              <a:buChar char="•"/>
-              <a:defRPr sz="1800" kern="1200">
-                <a:solidFill>
-                  <a:schemeClr val="tx1"/>
-                </a:solidFill>
-                <a:latin typeface="+mn-lt"/>
-                <a:ea typeface="+mn-ea"/>
-                <a:cs typeface="+mn-cs"/>
-              </a:defRPr>
-            </a:lvl4pPr>
-            <a:lvl5pPr marL="2057400" indent="-228600" algn="l" defTabSz="914400" rtl="0" eaLnBrk="1" latinLnBrk="0" hangingPunct="1">
-              <a:lnSpc>
-                <a:spcPct val="90000"/>
-              </a:lnSpc>
-              <a:spcBef>
-                <a:spcPts val="500"/>
-              </a:spcBef>
-              <a:buFont typeface="Arial" panose="020B0604020202020204" pitchFamily="34" charset="0"/>
-              <a:buChar char="•"/>
-              <a:defRPr sz="1800" kern="1200">
-                <a:solidFill>
-                  <a:schemeClr val="tx1"/>
-                </a:solidFill>
-                <a:latin typeface="+mn-lt"/>
-                <a:ea typeface="+mn-ea"/>
-                <a:cs typeface="+mn-cs"/>
-              </a:defRPr>
-            </a:lvl5pPr>
-            <a:lvl6pPr marL="2514600" indent="-228600" algn="l" defTabSz="914400" rtl="0" eaLnBrk="1" latinLnBrk="0" hangingPunct="1">
-              <a:lnSpc>
-                <a:spcPct val="90000"/>
-              </a:lnSpc>
-              <a:spcBef>
-                <a:spcPts val="500"/>
-              </a:spcBef>
-              <a:buFont typeface="Arial" panose="020B0604020202020204" pitchFamily="34" charset="0"/>
-              <a:buChar char="•"/>
-              <a:defRPr sz="1800" kern="1200">
-                <a:solidFill>
-                  <a:schemeClr val="tx1"/>
-                </a:solidFill>
-                <a:latin typeface="+mn-lt"/>
-                <a:ea typeface="+mn-ea"/>
-                <a:cs typeface="+mn-cs"/>
-              </a:defRPr>
-            </a:lvl6pPr>
-            <a:lvl7pPr marL="2971800" indent="-228600" algn="l" defTabSz="914400" rtl="0" eaLnBrk="1" latinLnBrk="0" hangingPunct="1">
-              <a:lnSpc>
-                <a:spcPct val="90000"/>
-              </a:lnSpc>
-              <a:spcBef>
-                <a:spcPts val="500"/>
-              </a:spcBef>
-              <a:buFont typeface="Arial" panose="020B0604020202020204" pitchFamily="34" charset="0"/>
-              <a:buChar char="•"/>
-              <a:defRPr sz="1800" kern="1200">
-                <a:solidFill>
-                  <a:schemeClr val="tx1"/>
-                </a:solidFill>
-                <a:latin typeface="+mn-lt"/>
-                <a:ea typeface="+mn-ea"/>
-                <a:cs typeface="+mn-cs"/>
-              </a:defRPr>
-            </a:lvl7pPr>
-            <a:lvl8pPr marL="3429000" indent="-228600" algn="l" defTabSz="914400" rtl="0" eaLnBrk="1" latinLnBrk="0" hangingPunct="1">
-              <a:lnSpc>
-                <a:spcPct val="90000"/>
-              </a:lnSpc>
-              <a:spcBef>
-                <a:spcPts val="500"/>
-              </a:spcBef>
-              <a:buFont typeface="Arial" panose="020B0604020202020204" pitchFamily="34" charset="0"/>
-              <a:buChar char="•"/>
-              <a:defRPr sz="1800" kern="1200">
-                <a:solidFill>
-                  <a:schemeClr val="tx1"/>
-                </a:solidFill>
-                <a:latin typeface="+mn-lt"/>
-                <a:ea typeface="+mn-ea"/>
-                <a:cs typeface="+mn-cs"/>
-              </a:defRPr>
-            </a:lvl8pPr>
-            <a:lvl9pPr marL="3886200" indent="-228600" algn="l" defTabSz="914400" rtl="0" eaLnBrk="1" latinLnBrk="0" hangingPunct="1">
-              <a:lnSpc>
-                <a:spcPct val="90000"/>
-              </a:lnSpc>
-              <a:spcBef>
-                <a:spcPts val="500"/>
-              </a:spcBef>
-              <a:buFont typeface="Arial" panose="020B0604020202020204" pitchFamily="34" charset="0"/>
-              <a:buChar char="•"/>
-              <a:defRPr sz="1800" kern="1200">
-                <a:solidFill>
-                  <a:schemeClr val="tx1"/>
-                </a:solidFill>
-                <a:latin typeface="+mn-lt"/>
-                <a:ea typeface="+mn-ea"/>
-                <a:cs typeface="+mn-cs"/>
-              </a:defRPr>
-            </a:lvl9pPr>
           </a:lstStyle>
           <a:p>
-            <a:pPr marL="0" indent="0">
-              <a:buNone/>
-            </a:pPr>
-            <a:endParaRPr kumimoji="1" lang="zh-CN" altLang="en-US" dirty="0">
-              <a:solidFill>
-                <a:srgbClr val="FF0000"/>
-              </a:solidFill>
-            </a:endParaRPr>
-          </a:p>
-          <a:p>
-            <a:pPr marL="0" indent="0">
-              <a:buNone/>
-            </a:pPr>
-            <a:endParaRPr kumimoji="1" lang="zh-CN" altLang="en-US" dirty="0">
-              <a:solidFill>
-                <a:srgbClr val="FF0000"/>
-              </a:solidFill>
-            </a:endParaRPr>
-          </a:p>
-          <a:p>
-            <a:pPr marL="0" indent="0" algn="ctr">
-              <a:buNone/>
-            </a:pPr>
-            <a:r>
-              <a:rPr kumimoji="1" lang="zh-CN" altLang="en-US" sz="3600" dirty="0">
+            <a:r>
+              <a:rPr lang="zh-CN" altLang="en-US" sz="4000" b="1" dirty="0">
                 <a:solidFill>
                   <a:srgbClr val="704F95"/>
                 </a:solidFill>
-                <a:latin typeface="思源宋体 Heavy" panose="02020900000000000000" pitchFamily="18" charset="-122"/>
-                <a:ea typeface="思源宋体 Heavy" panose="02020900000000000000" pitchFamily="18" charset="-122"/>
+                <a:latin typeface="思源宋体 Medium" panose="02020500000000000000" pitchFamily="18" charset="-122"/>
+                <a:ea typeface="思源宋体 Medium" panose="02020500000000000000" pitchFamily="18" charset="-122"/>
               </a:rPr>
-              <a:t>感谢陈渝老师和向勇老师的指导！</a:t>
-            </a:r>
-            <a:endParaRPr kumimoji="1" lang="en-US" altLang="zh-CN" sz="3600" dirty="0">
+              <a:t>感想</a:t>
+            </a:r>
+            <a:endParaRPr lang="en-US" altLang="zh-CN" sz="4000" b="1" dirty="0">
               <a:solidFill>
                 <a:srgbClr val="704F95"/>
               </a:solidFill>
-              <a:latin typeface="思源宋体 Heavy" panose="02020900000000000000" pitchFamily="18" charset="-122"/>
-              <a:ea typeface="思源宋体 Heavy" panose="02020900000000000000" pitchFamily="18" charset="-122"/>
+              <a:latin typeface="思源宋体 Medium" panose="02020500000000000000" pitchFamily="18" charset="-122"/>
+              <a:ea typeface="思源宋体 Medium" panose="02020500000000000000" pitchFamily="18" charset="-122"/>
             </a:endParaRPr>
           </a:p>
-          <a:p>
-            <a:pPr marL="0" indent="0" algn="ctr">
-              <a:buNone/>
-            </a:pPr>
-            <a:r>
-              <a:rPr kumimoji="1" lang="zh-CN" altLang="en-US" sz="3600" dirty="0">
-                <a:solidFill>
-                  <a:srgbClr val="704F95"/>
-                </a:solidFill>
-                <a:latin typeface="思源宋体 Heavy" panose="02020900000000000000" pitchFamily="18" charset="-122"/>
-                <a:ea typeface="思源宋体 Heavy" panose="02020900000000000000" pitchFamily="18" charset="-122"/>
+        </p:txBody>
+      </p:sp>
+      <p:sp>
+        <p:nvSpPr>
+          <p:cNvPr id="43" name="Rectangle 236"/>
+          <p:cNvSpPr/>
+          <p:nvPr/>
+        </p:nvSpPr>
+        <p:spPr>
+          <a:xfrm>
+            <a:off x="987616" y="797307"/>
+            <a:ext cx="10395795" cy="923330"/>
+          </a:xfrm>
+          <a:prstGeom prst="rect">
+            <a:avLst/>
+          </a:prstGeom>
+          <a:noFill/>
+        </p:spPr>
+        <p:txBody>
+          <a:bodyPr wrap="none" lIns="91440" tIns="45720" rIns="91440" bIns="45720">
+            <a:spAutoFit/>
+            <a:scene3d>
+              <a:camera prst="orthographicFront"/>
+              <a:lightRig rig="soft" dir="t">
+                <a:rot lat="0" lon="0" rev="15600000"/>
+              </a:lightRig>
+            </a:scene3d>
+            <a:sp3d extrusionH="57150" prstMaterial="softEdge">
+              <a:bevelT w="25400" h="38100"/>
+            </a:sp3d>
+          </a:bodyPr>
+          <a:lstStyle/>
+          <a:p>
+            <a:pPr algn="ctr"/>
+            <a:r>
+              <a:rPr lang="zh-CN" altLang="en-US" sz="5400" b="1" u="sng" dirty="0">
+                <a:solidFill>
+                  <a:srgbClr val="803A87"/>
+                </a:solidFill>
               </a:rPr>
-              <a:t>感谢贾越凯、贺鲲鹏、尤予阳以及其他学长的帮助！</a:t>
-            </a:r>
-            <a:endParaRPr kumimoji="1" lang="en-US" altLang="zh-CN" sz="3600" dirty="0">
+              <a:t>                                                               </a:t>
+            </a:r>
+            <a:endParaRPr lang="en-US" altLang="zh-CN" sz="5400" b="1" u="sng" dirty="0">
               <a:solidFill>
-                <a:srgbClr val="704F95"/>
+                <a:srgbClr val="803A87"/>
               </a:solidFill>
-              <a:latin typeface="思源宋体 Heavy" panose="02020900000000000000" pitchFamily="18" charset="-122"/>
-              <a:ea typeface="思源宋体 Heavy" panose="02020900000000000000" pitchFamily="18" charset="-122"/>
-            </a:endParaRPr>
-          </a:p>
-          <a:p>
-            <a:pPr marL="0" indent="0" algn="ctr">
-              <a:buNone/>
-            </a:pPr>
-            <a:endParaRPr kumimoji="1" lang="en-US" altLang="zh-CN" sz="3600" dirty="0">
-              <a:solidFill>
-                <a:srgbClr val="704F95"/>
-              </a:solidFill>
-              <a:latin typeface="思源宋体 Heavy" panose="02020900000000000000" pitchFamily="18" charset="-122"/>
-              <a:ea typeface="思源宋体 Heavy" panose="02020900000000000000" pitchFamily="18" charset="-122"/>
             </a:endParaRPr>
           </a:p>
         </p:txBody>
       </p:sp>
       <p:pic>
         <p:nvPicPr>
-          <p:cNvPr id="8" name="Picture 8"/>
+          <p:cNvPr id="44" name="Picture 8"/>
           <p:cNvPicPr/>
           <p:nvPr/>
         </p:nvPicPr>
         <p:blipFill>
-          <a:blip r:embed="rId1">
+          <a:blip r:embed="rId3">
             <a:clrChange>
               <a:clrFrom>
                 <a:srgbClr val="FFFFFF"/>
@@ -8446,6 +8287,958 @@
       </p:pic>
       <p:sp>
         <p:nvSpPr>
+          <p:cNvPr id="8" name="文本占位符 1"/>
+          <p:cNvSpPr txBox="1"/>
+          <p:nvPr/>
+        </p:nvSpPr>
+        <p:spPr>
+          <a:xfrm>
+            <a:off x="6371771" y="263796"/>
+            <a:ext cx="5629085" cy="328059"/>
+          </a:xfrm>
+          <a:prstGeom prst="rect">
+            <a:avLst/>
+          </a:prstGeom>
+          <a:ln w="12700" cmpd="sng">
+            <a:noFill/>
+          </a:ln>
+        </p:spPr>
+        <p:txBody>
+          <a:bodyPr vert="horz" anchor="ctr"/>
+          <a:lstStyle>
+            <a:lvl1pPr marL="0" indent="0" algn="l" defTabSz="914400" rtl="0" eaLnBrk="1" latinLnBrk="0" hangingPunct="1">
+              <a:lnSpc>
+                <a:spcPct val="90000"/>
+              </a:lnSpc>
+              <a:spcBef>
+                <a:spcPts val="1000"/>
+              </a:spcBef>
+              <a:buFont typeface="Arial" panose="020B0604020202020204" pitchFamily="34" charset="0"/>
+              <a:buNone/>
+              <a:defRPr sz="1400" b="1" kern="1200">
+                <a:solidFill>
+                  <a:schemeClr val="tx1"/>
+                </a:solidFill>
+                <a:latin typeface="微软雅黑" charset="0"/>
+                <a:ea typeface="微软雅黑" charset="0"/>
+                <a:cs typeface="微软雅黑" charset="0"/>
+              </a:defRPr>
+            </a:lvl1pPr>
+            <a:lvl2pPr marL="685800" indent="-228600" algn="l" defTabSz="914400" rtl="0" eaLnBrk="1" latinLnBrk="0" hangingPunct="1">
+              <a:lnSpc>
+                <a:spcPct val="90000"/>
+              </a:lnSpc>
+              <a:spcBef>
+                <a:spcPts val="500"/>
+              </a:spcBef>
+              <a:buFont typeface="Arial" panose="020B0604020202020204" pitchFamily="34" charset="0"/>
+              <a:buChar char="•"/>
+              <a:defRPr sz="2400" kern="1200">
+                <a:solidFill>
+                  <a:schemeClr val="tx1"/>
+                </a:solidFill>
+                <a:latin typeface="+mn-lt"/>
+                <a:ea typeface="+mn-ea"/>
+                <a:cs typeface="+mn-cs"/>
+              </a:defRPr>
+            </a:lvl2pPr>
+            <a:lvl3pPr marL="1143000" indent="-228600" algn="l" defTabSz="914400" rtl="0" eaLnBrk="1" latinLnBrk="0" hangingPunct="1">
+              <a:lnSpc>
+                <a:spcPct val="90000"/>
+              </a:lnSpc>
+              <a:spcBef>
+                <a:spcPts val="500"/>
+              </a:spcBef>
+              <a:buFont typeface="Arial" panose="020B0604020202020204" pitchFamily="34" charset="0"/>
+              <a:buChar char="•"/>
+              <a:defRPr sz="2000" kern="1200">
+                <a:solidFill>
+                  <a:schemeClr val="tx1"/>
+                </a:solidFill>
+                <a:latin typeface="+mn-lt"/>
+                <a:ea typeface="+mn-ea"/>
+                <a:cs typeface="+mn-cs"/>
+              </a:defRPr>
+            </a:lvl3pPr>
+            <a:lvl4pPr marL="1600200" indent="-228600" algn="l" defTabSz="914400" rtl="0" eaLnBrk="1" latinLnBrk="0" hangingPunct="1">
+              <a:lnSpc>
+                <a:spcPct val="90000"/>
+              </a:lnSpc>
+              <a:spcBef>
+                <a:spcPts val="500"/>
+              </a:spcBef>
+              <a:buFont typeface="Arial" panose="020B0604020202020204" pitchFamily="34" charset="0"/>
+              <a:buChar char="•"/>
+              <a:defRPr sz="1800" kern="1200">
+                <a:solidFill>
+                  <a:schemeClr val="tx1"/>
+                </a:solidFill>
+                <a:latin typeface="+mn-lt"/>
+                <a:ea typeface="+mn-ea"/>
+                <a:cs typeface="+mn-cs"/>
+              </a:defRPr>
+            </a:lvl4pPr>
+            <a:lvl5pPr marL="2057400" indent="-228600" algn="l" defTabSz="914400" rtl="0" eaLnBrk="1" latinLnBrk="0" hangingPunct="1">
+              <a:lnSpc>
+                <a:spcPct val="90000"/>
+              </a:lnSpc>
+              <a:spcBef>
+                <a:spcPts val="500"/>
+              </a:spcBef>
+              <a:buFont typeface="Arial" panose="020B0604020202020204" pitchFamily="34" charset="0"/>
+              <a:buChar char="•"/>
+              <a:defRPr sz="1800" kern="1200">
+                <a:solidFill>
+                  <a:schemeClr val="tx1"/>
+                </a:solidFill>
+                <a:latin typeface="+mn-lt"/>
+                <a:ea typeface="+mn-ea"/>
+                <a:cs typeface="+mn-cs"/>
+              </a:defRPr>
+            </a:lvl5pPr>
+            <a:lvl6pPr marL="2514600" indent="-228600" algn="l" defTabSz="914400" rtl="0" eaLnBrk="1" latinLnBrk="0" hangingPunct="1">
+              <a:lnSpc>
+                <a:spcPct val="90000"/>
+              </a:lnSpc>
+              <a:spcBef>
+                <a:spcPts val="500"/>
+              </a:spcBef>
+              <a:buFont typeface="Arial" panose="020B0604020202020204" pitchFamily="34" charset="0"/>
+              <a:buChar char="•"/>
+              <a:defRPr sz="1800" kern="1200">
+                <a:solidFill>
+                  <a:schemeClr val="tx1"/>
+                </a:solidFill>
+                <a:latin typeface="+mn-lt"/>
+                <a:ea typeface="+mn-ea"/>
+                <a:cs typeface="+mn-cs"/>
+              </a:defRPr>
+            </a:lvl6pPr>
+            <a:lvl7pPr marL="2971800" indent="-228600" algn="l" defTabSz="914400" rtl="0" eaLnBrk="1" latinLnBrk="0" hangingPunct="1">
+              <a:lnSpc>
+                <a:spcPct val="90000"/>
+              </a:lnSpc>
+              <a:spcBef>
+                <a:spcPts val="500"/>
+              </a:spcBef>
+              <a:buFont typeface="Arial" panose="020B0604020202020204" pitchFamily="34" charset="0"/>
+              <a:buChar char="•"/>
+              <a:defRPr sz="1800" kern="1200">
+                <a:solidFill>
+                  <a:schemeClr val="tx1"/>
+                </a:solidFill>
+                <a:latin typeface="+mn-lt"/>
+                <a:ea typeface="+mn-ea"/>
+                <a:cs typeface="+mn-cs"/>
+              </a:defRPr>
+            </a:lvl7pPr>
+            <a:lvl8pPr marL="3429000" indent="-228600" algn="l" defTabSz="914400" rtl="0" eaLnBrk="1" latinLnBrk="0" hangingPunct="1">
+              <a:lnSpc>
+                <a:spcPct val="90000"/>
+              </a:lnSpc>
+              <a:spcBef>
+                <a:spcPts val="500"/>
+              </a:spcBef>
+              <a:buFont typeface="Arial" panose="020B0604020202020204" pitchFamily="34" charset="0"/>
+              <a:buChar char="•"/>
+              <a:defRPr sz="1800" kern="1200">
+                <a:solidFill>
+                  <a:schemeClr val="tx1"/>
+                </a:solidFill>
+                <a:latin typeface="+mn-lt"/>
+                <a:ea typeface="+mn-ea"/>
+                <a:cs typeface="+mn-cs"/>
+              </a:defRPr>
+            </a:lvl8pPr>
+            <a:lvl9pPr marL="3886200" indent="-228600" algn="l" defTabSz="914400" rtl="0" eaLnBrk="1" latinLnBrk="0" hangingPunct="1">
+              <a:lnSpc>
+                <a:spcPct val="90000"/>
+              </a:lnSpc>
+              <a:spcBef>
+                <a:spcPts val="500"/>
+              </a:spcBef>
+              <a:buFont typeface="Arial" panose="020B0604020202020204" pitchFamily="34" charset="0"/>
+              <a:buChar char="•"/>
+              <a:defRPr sz="1800" kern="1200">
+                <a:solidFill>
+                  <a:schemeClr val="tx1"/>
+                </a:solidFill>
+                <a:latin typeface="+mn-lt"/>
+                <a:ea typeface="+mn-ea"/>
+                <a:cs typeface="+mn-cs"/>
+              </a:defRPr>
+            </a:lvl9pPr>
+          </a:lstStyle>
+          <a:p>
+            <a:pPr algn="r"/>
+            <a:endParaRPr lang="en-US" altLang="zh-CN" dirty="0">
+              <a:solidFill>
+                <a:srgbClr val="704F95"/>
+              </a:solidFill>
+              <a:latin typeface="思源宋体 Medium" panose="02020500000000000000" pitchFamily="18" charset="-122"/>
+              <a:ea typeface="思源宋体 Medium" panose="02020500000000000000" pitchFamily="18" charset="-122"/>
+            </a:endParaRPr>
+          </a:p>
+        </p:txBody>
+      </p:sp>
+      <p:sp>
+        <p:nvSpPr>
+          <p:cNvPr id="6" name="Content Placeholder 2"/>
+          <p:cNvSpPr txBox="1"/>
+          <p:nvPr/>
+        </p:nvSpPr>
+        <p:spPr>
+          <a:xfrm>
+            <a:off x="1113971" y="1801282"/>
+            <a:ext cx="10515600" cy="4351338"/>
+          </a:xfrm>
+          <a:prstGeom prst="rect">
+            <a:avLst/>
+          </a:prstGeom>
+        </p:spPr>
+        <p:txBody>
+          <a:bodyPr>
+            <a:normAutofit/>
+          </a:bodyPr>
+          <a:lstStyle>
+            <a:lvl1pPr marL="228600" indent="-228600" algn="l" defTabSz="914400" rtl="0" eaLnBrk="1" latinLnBrk="0" hangingPunct="1">
+              <a:lnSpc>
+                <a:spcPct val="90000"/>
+              </a:lnSpc>
+              <a:spcBef>
+                <a:spcPts val="1000"/>
+              </a:spcBef>
+              <a:buFont typeface="Arial" panose="020B0604020202020204" pitchFamily="34" charset="0"/>
+              <a:buChar char="•"/>
+              <a:defRPr sz="2800" kern="1200">
+                <a:solidFill>
+                  <a:schemeClr val="tx1"/>
+                </a:solidFill>
+                <a:latin typeface="+mn-lt"/>
+                <a:ea typeface="+mn-ea"/>
+                <a:cs typeface="+mn-cs"/>
+              </a:defRPr>
+            </a:lvl1pPr>
+            <a:lvl2pPr marL="685800" indent="-228600" algn="l" defTabSz="914400" rtl="0" eaLnBrk="1" latinLnBrk="0" hangingPunct="1">
+              <a:lnSpc>
+                <a:spcPct val="90000"/>
+              </a:lnSpc>
+              <a:spcBef>
+                <a:spcPts val="500"/>
+              </a:spcBef>
+              <a:buFont typeface="Arial" panose="020B0604020202020204" pitchFamily="34" charset="0"/>
+              <a:buChar char="•"/>
+              <a:defRPr sz="2400" kern="1200">
+                <a:solidFill>
+                  <a:schemeClr val="tx1"/>
+                </a:solidFill>
+                <a:latin typeface="+mn-lt"/>
+                <a:ea typeface="+mn-ea"/>
+                <a:cs typeface="+mn-cs"/>
+              </a:defRPr>
+            </a:lvl2pPr>
+            <a:lvl3pPr marL="1143000" indent="-228600" algn="l" defTabSz="914400" rtl="0" eaLnBrk="1" latinLnBrk="0" hangingPunct="1">
+              <a:lnSpc>
+                <a:spcPct val="90000"/>
+              </a:lnSpc>
+              <a:spcBef>
+                <a:spcPts val="500"/>
+              </a:spcBef>
+              <a:buFont typeface="Arial" panose="020B0604020202020204" pitchFamily="34" charset="0"/>
+              <a:buChar char="•"/>
+              <a:defRPr sz="2000" kern="1200">
+                <a:solidFill>
+                  <a:schemeClr val="tx1"/>
+                </a:solidFill>
+                <a:latin typeface="+mn-lt"/>
+                <a:ea typeface="+mn-ea"/>
+                <a:cs typeface="+mn-cs"/>
+              </a:defRPr>
+            </a:lvl3pPr>
+            <a:lvl4pPr marL="1600200" indent="-228600" algn="l" defTabSz="914400" rtl="0" eaLnBrk="1" latinLnBrk="0" hangingPunct="1">
+              <a:lnSpc>
+                <a:spcPct val="90000"/>
+              </a:lnSpc>
+              <a:spcBef>
+                <a:spcPts val="500"/>
+              </a:spcBef>
+              <a:buFont typeface="Arial" panose="020B0604020202020204" pitchFamily="34" charset="0"/>
+              <a:buChar char="•"/>
+              <a:defRPr sz="1800" kern="1200">
+                <a:solidFill>
+                  <a:schemeClr val="tx1"/>
+                </a:solidFill>
+                <a:latin typeface="+mn-lt"/>
+                <a:ea typeface="+mn-ea"/>
+                <a:cs typeface="+mn-cs"/>
+              </a:defRPr>
+            </a:lvl4pPr>
+            <a:lvl5pPr marL="2057400" indent="-228600" algn="l" defTabSz="914400" rtl="0" eaLnBrk="1" latinLnBrk="0" hangingPunct="1">
+              <a:lnSpc>
+                <a:spcPct val="90000"/>
+              </a:lnSpc>
+              <a:spcBef>
+                <a:spcPts val="500"/>
+              </a:spcBef>
+              <a:buFont typeface="Arial" panose="020B0604020202020204" pitchFamily="34" charset="0"/>
+              <a:buChar char="•"/>
+              <a:defRPr sz="1800" kern="1200">
+                <a:solidFill>
+                  <a:schemeClr val="tx1"/>
+                </a:solidFill>
+                <a:latin typeface="+mn-lt"/>
+                <a:ea typeface="+mn-ea"/>
+                <a:cs typeface="+mn-cs"/>
+              </a:defRPr>
+            </a:lvl5pPr>
+            <a:lvl6pPr marL="2514600" indent="-228600" algn="l" defTabSz="914400" rtl="0" eaLnBrk="1" latinLnBrk="0" hangingPunct="1">
+              <a:lnSpc>
+                <a:spcPct val="90000"/>
+              </a:lnSpc>
+              <a:spcBef>
+                <a:spcPts val="500"/>
+              </a:spcBef>
+              <a:buFont typeface="Arial" panose="020B0604020202020204" pitchFamily="34" charset="0"/>
+              <a:buChar char="•"/>
+              <a:defRPr sz="1800" kern="1200">
+                <a:solidFill>
+                  <a:schemeClr val="tx1"/>
+                </a:solidFill>
+                <a:latin typeface="+mn-lt"/>
+                <a:ea typeface="+mn-ea"/>
+                <a:cs typeface="+mn-cs"/>
+              </a:defRPr>
+            </a:lvl6pPr>
+            <a:lvl7pPr marL="2971800" indent="-228600" algn="l" defTabSz="914400" rtl="0" eaLnBrk="1" latinLnBrk="0" hangingPunct="1">
+              <a:lnSpc>
+                <a:spcPct val="90000"/>
+              </a:lnSpc>
+              <a:spcBef>
+                <a:spcPts val="500"/>
+              </a:spcBef>
+              <a:buFont typeface="Arial" panose="020B0604020202020204" pitchFamily="34" charset="0"/>
+              <a:buChar char="•"/>
+              <a:defRPr sz="1800" kern="1200">
+                <a:solidFill>
+                  <a:schemeClr val="tx1"/>
+                </a:solidFill>
+                <a:latin typeface="+mn-lt"/>
+                <a:ea typeface="+mn-ea"/>
+                <a:cs typeface="+mn-cs"/>
+              </a:defRPr>
+            </a:lvl7pPr>
+            <a:lvl8pPr marL="3429000" indent="-228600" algn="l" defTabSz="914400" rtl="0" eaLnBrk="1" latinLnBrk="0" hangingPunct="1">
+              <a:lnSpc>
+                <a:spcPct val="90000"/>
+              </a:lnSpc>
+              <a:spcBef>
+                <a:spcPts val="500"/>
+              </a:spcBef>
+              <a:buFont typeface="Arial" panose="020B0604020202020204" pitchFamily="34" charset="0"/>
+              <a:buChar char="•"/>
+              <a:defRPr sz="1800" kern="1200">
+                <a:solidFill>
+                  <a:schemeClr val="tx1"/>
+                </a:solidFill>
+                <a:latin typeface="+mn-lt"/>
+                <a:ea typeface="+mn-ea"/>
+                <a:cs typeface="+mn-cs"/>
+              </a:defRPr>
+            </a:lvl8pPr>
+            <a:lvl9pPr marL="3886200" indent="-228600" algn="l" defTabSz="914400" rtl="0" eaLnBrk="1" latinLnBrk="0" hangingPunct="1">
+              <a:lnSpc>
+                <a:spcPct val="90000"/>
+              </a:lnSpc>
+              <a:spcBef>
+                <a:spcPts val="500"/>
+              </a:spcBef>
+              <a:buFont typeface="Arial" panose="020B0604020202020204" pitchFamily="34" charset="0"/>
+              <a:buChar char="•"/>
+              <a:defRPr sz="1800" kern="1200">
+                <a:solidFill>
+                  <a:schemeClr val="tx1"/>
+                </a:solidFill>
+                <a:latin typeface="+mn-lt"/>
+                <a:ea typeface="+mn-ea"/>
+                <a:cs typeface="+mn-cs"/>
+              </a:defRPr>
+            </a:lvl9pPr>
+          </a:lstStyle>
+          <a:p>
+            <a:endParaRPr lang="en-US" altLang="zh-CN" dirty="0">
+              <a:latin typeface="+mn-ea"/>
+            </a:endParaRPr>
+          </a:p>
+        </p:txBody>
+      </p:sp>
+      <p:sp>
+        <p:nvSpPr>
+          <p:cNvPr id="15" name="Content Placeholder 2"/>
+          <p:cNvSpPr txBox="1"/>
+          <p:nvPr/>
+        </p:nvSpPr>
+        <p:spPr>
+          <a:xfrm>
+            <a:off x="1113790" y="1758950"/>
+            <a:ext cx="10515600" cy="3631565"/>
+          </a:xfrm>
+          <a:prstGeom prst="rect">
+            <a:avLst/>
+          </a:prstGeom>
+        </p:spPr>
+        <p:txBody>
+          <a:bodyPr>
+            <a:normAutofit/>
+          </a:bodyPr>
+          <a:lstStyle>
+            <a:lvl1pPr marL="228600" indent="-228600" algn="l" defTabSz="914400" rtl="0" eaLnBrk="1" latinLnBrk="0" hangingPunct="1">
+              <a:lnSpc>
+                <a:spcPct val="90000"/>
+              </a:lnSpc>
+              <a:spcBef>
+                <a:spcPts val="1000"/>
+              </a:spcBef>
+              <a:buFont typeface="Arial" panose="020B0604020202020204" pitchFamily="34" charset="0"/>
+              <a:buChar char="•"/>
+              <a:defRPr sz="2800" kern="1200">
+                <a:solidFill>
+                  <a:schemeClr val="tx1"/>
+                </a:solidFill>
+                <a:latin typeface="+mn-lt"/>
+                <a:ea typeface="+mn-ea"/>
+                <a:cs typeface="+mn-cs"/>
+              </a:defRPr>
+            </a:lvl1pPr>
+            <a:lvl2pPr marL="685800" indent="-228600" algn="l" defTabSz="914400" rtl="0" eaLnBrk="1" latinLnBrk="0" hangingPunct="1">
+              <a:lnSpc>
+                <a:spcPct val="90000"/>
+              </a:lnSpc>
+              <a:spcBef>
+                <a:spcPts val="500"/>
+              </a:spcBef>
+              <a:buFont typeface="Arial" panose="020B0604020202020204" pitchFamily="34" charset="0"/>
+              <a:buChar char="•"/>
+              <a:defRPr sz="2400" kern="1200">
+                <a:solidFill>
+                  <a:schemeClr val="tx1"/>
+                </a:solidFill>
+                <a:latin typeface="+mn-lt"/>
+                <a:ea typeface="+mn-ea"/>
+                <a:cs typeface="+mn-cs"/>
+              </a:defRPr>
+            </a:lvl2pPr>
+            <a:lvl3pPr marL="1143000" indent="-228600" algn="l" defTabSz="914400" rtl="0" eaLnBrk="1" latinLnBrk="0" hangingPunct="1">
+              <a:lnSpc>
+                <a:spcPct val="90000"/>
+              </a:lnSpc>
+              <a:spcBef>
+                <a:spcPts val="500"/>
+              </a:spcBef>
+              <a:buFont typeface="Arial" panose="020B0604020202020204" pitchFamily="34" charset="0"/>
+              <a:buChar char="•"/>
+              <a:defRPr sz="2000" kern="1200">
+                <a:solidFill>
+                  <a:schemeClr val="tx1"/>
+                </a:solidFill>
+                <a:latin typeface="+mn-lt"/>
+                <a:ea typeface="+mn-ea"/>
+                <a:cs typeface="+mn-cs"/>
+              </a:defRPr>
+            </a:lvl3pPr>
+            <a:lvl4pPr marL="1600200" indent="-228600" algn="l" defTabSz="914400" rtl="0" eaLnBrk="1" latinLnBrk="0" hangingPunct="1">
+              <a:lnSpc>
+                <a:spcPct val="90000"/>
+              </a:lnSpc>
+              <a:spcBef>
+                <a:spcPts val="500"/>
+              </a:spcBef>
+              <a:buFont typeface="Arial" panose="020B0604020202020204" pitchFamily="34" charset="0"/>
+              <a:buChar char="•"/>
+              <a:defRPr sz="1800" kern="1200">
+                <a:solidFill>
+                  <a:schemeClr val="tx1"/>
+                </a:solidFill>
+                <a:latin typeface="+mn-lt"/>
+                <a:ea typeface="+mn-ea"/>
+                <a:cs typeface="+mn-cs"/>
+              </a:defRPr>
+            </a:lvl4pPr>
+            <a:lvl5pPr marL="2057400" indent="-228600" algn="l" defTabSz="914400" rtl="0" eaLnBrk="1" latinLnBrk="0" hangingPunct="1">
+              <a:lnSpc>
+                <a:spcPct val="90000"/>
+              </a:lnSpc>
+              <a:spcBef>
+                <a:spcPts val="500"/>
+              </a:spcBef>
+              <a:buFont typeface="Arial" panose="020B0604020202020204" pitchFamily="34" charset="0"/>
+              <a:buChar char="•"/>
+              <a:defRPr sz="1800" kern="1200">
+                <a:solidFill>
+                  <a:schemeClr val="tx1"/>
+                </a:solidFill>
+                <a:latin typeface="+mn-lt"/>
+                <a:ea typeface="+mn-ea"/>
+                <a:cs typeface="+mn-cs"/>
+              </a:defRPr>
+            </a:lvl5pPr>
+            <a:lvl6pPr marL="2514600" indent="-228600" algn="l" defTabSz="914400" rtl="0" eaLnBrk="1" latinLnBrk="0" hangingPunct="1">
+              <a:lnSpc>
+                <a:spcPct val="90000"/>
+              </a:lnSpc>
+              <a:spcBef>
+                <a:spcPts val="500"/>
+              </a:spcBef>
+              <a:buFont typeface="Arial" panose="020B0604020202020204" pitchFamily="34" charset="0"/>
+              <a:buChar char="•"/>
+              <a:defRPr sz="1800" kern="1200">
+                <a:solidFill>
+                  <a:schemeClr val="tx1"/>
+                </a:solidFill>
+                <a:latin typeface="+mn-lt"/>
+                <a:ea typeface="+mn-ea"/>
+                <a:cs typeface="+mn-cs"/>
+              </a:defRPr>
+            </a:lvl6pPr>
+            <a:lvl7pPr marL="2971800" indent="-228600" algn="l" defTabSz="914400" rtl="0" eaLnBrk="1" latinLnBrk="0" hangingPunct="1">
+              <a:lnSpc>
+                <a:spcPct val="90000"/>
+              </a:lnSpc>
+              <a:spcBef>
+                <a:spcPts val="500"/>
+              </a:spcBef>
+              <a:buFont typeface="Arial" panose="020B0604020202020204" pitchFamily="34" charset="0"/>
+              <a:buChar char="•"/>
+              <a:defRPr sz="1800" kern="1200">
+                <a:solidFill>
+                  <a:schemeClr val="tx1"/>
+                </a:solidFill>
+                <a:latin typeface="+mn-lt"/>
+                <a:ea typeface="+mn-ea"/>
+                <a:cs typeface="+mn-cs"/>
+              </a:defRPr>
+            </a:lvl7pPr>
+            <a:lvl8pPr marL="3429000" indent="-228600" algn="l" defTabSz="914400" rtl="0" eaLnBrk="1" latinLnBrk="0" hangingPunct="1">
+              <a:lnSpc>
+                <a:spcPct val="90000"/>
+              </a:lnSpc>
+              <a:spcBef>
+                <a:spcPts val="500"/>
+              </a:spcBef>
+              <a:buFont typeface="Arial" panose="020B0604020202020204" pitchFamily="34" charset="0"/>
+              <a:buChar char="•"/>
+              <a:defRPr sz="1800" kern="1200">
+                <a:solidFill>
+                  <a:schemeClr val="tx1"/>
+                </a:solidFill>
+                <a:latin typeface="+mn-lt"/>
+                <a:ea typeface="+mn-ea"/>
+                <a:cs typeface="+mn-cs"/>
+              </a:defRPr>
+            </a:lvl8pPr>
+            <a:lvl9pPr marL="3886200" indent="-228600" algn="l" defTabSz="914400" rtl="0" eaLnBrk="1" latinLnBrk="0" hangingPunct="1">
+              <a:lnSpc>
+                <a:spcPct val="90000"/>
+              </a:lnSpc>
+              <a:spcBef>
+                <a:spcPts val="500"/>
+              </a:spcBef>
+              <a:buFont typeface="Arial" panose="020B0604020202020204" pitchFamily="34" charset="0"/>
+              <a:buChar char="•"/>
+              <a:defRPr sz="1800" kern="1200">
+                <a:solidFill>
+                  <a:schemeClr val="tx1"/>
+                </a:solidFill>
+                <a:latin typeface="+mn-lt"/>
+                <a:ea typeface="+mn-ea"/>
+                <a:cs typeface="+mn-cs"/>
+              </a:defRPr>
+            </a:lvl9pPr>
+          </a:lstStyle>
+          <a:p>
+            <a:pPr marL="0" indent="0">
+              <a:buNone/>
+            </a:pPr>
+            <a:r>
+              <a:rPr lang="en-US" altLang="zh-CN" dirty="0" err="1">
+                <a:latin typeface="+mn-ea"/>
+              </a:rPr>
+              <a:t>Xcd</a:t>
+            </a:r>
+            <a:r>
+              <a:rPr lang="zh-CN" altLang="en-US" dirty="0">
+                <a:latin typeface="+mn-ea"/>
+              </a:rPr>
+              <a:t>：从硬件</a:t>
+            </a:r>
+            <a:r>
+              <a:rPr lang="en-US" altLang="zh-CN" dirty="0">
+                <a:latin typeface="+mn-ea"/>
+              </a:rPr>
+              <a:t>-</a:t>
+            </a:r>
+            <a:r>
+              <a:rPr lang="zh-CN" altLang="en-US" dirty="0">
+                <a:latin typeface="+mn-ea"/>
+              </a:rPr>
+              <a:t>操作系统</a:t>
+            </a:r>
+            <a:r>
+              <a:rPr lang="en-US" altLang="zh-CN" dirty="0">
+                <a:latin typeface="+mn-ea"/>
+              </a:rPr>
+              <a:t>-</a:t>
+            </a:r>
+            <a:r>
+              <a:rPr lang="zh-CN" altLang="en-US" dirty="0">
+                <a:latin typeface="+mn-ea"/>
+              </a:rPr>
+              <a:t>用户程序的全流程调试体验，和学长、社区的讨论、对</a:t>
+            </a:r>
+            <a:r>
+              <a:rPr lang="en-US" altLang="zh-CN" dirty="0">
+                <a:latin typeface="+mn-ea"/>
+              </a:rPr>
+              <a:t>x</a:t>
+            </a:r>
+          </a:p>
+          <a:p>
+            <a:pPr marL="0" indent="0">
+              <a:buNone/>
+            </a:pPr>
+            <a:r>
+              <a:rPr lang="en-US" altLang="zh-CN" dirty="0">
+                <a:latin typeface="+mn-ea"/>
+              </a:rPr>
+              <a:t>Sx</a:t>
+            </a:r>
+            <a:r>
+              <a:rPr lang="zh-CN" altLang="en-US" dirty="0">
+                <a:latin typeface="+mn-ea"/>
+              </a:rPr>
+              <a:t>：很喜欢现代调试工具，打断点看变量很舒服</a:t>
+            </a:r>
+          </a:p>
+        </p:txBody>
+      </p:sp>
+    </p:spTree>
+  </p:cSld>
+  <p:clrMapOvr>
+    <a:masterClrMapping/>
+  </p:clrMapOvr>
+</p:sld>
+</file>
+
+<file path=ppt/slides/slide15.xml><?xml version="1.0" encoding="utf-8"?>
+<p:sld xmlns:a="http://schemas.openxmlformats.org/drawingml/2006/main" xmlns:r="http://schemas.openxmlformats.org/officeDocument/2006/relationships" xmlns:p="http://schemas.openxmlformats.org/presentationml/2006/main">
+  <p:cSld>
+    <p:spTree>
+      <p:nvGrpSpPr>
+        <p:cNvPr id="1" name=""/>
+        <p:cNvGrpSpPr/>
+        <p:nvPr/>
+      </p:nvGrpSpPr>
+      <p:grpSpPr>
+        <a:xfrm>
+          <a:off x="0" y="0"/>
+          <a:ext cx="0" cy="0"/>
+          <a:chOff x="0" y="0"/>
+          <a:chExt cx="0" cy="0"/>
+        </a:xfrm>
+      </p:grpSpPr>
+      <p:sp>
+        <p:nvSpPr>
+          <p:cNvPr id="10" name="内容占位符 2"/>
+          <p:cNvSpPr txBox="1"/>
+          <p:nvPr/>
+        </p:nvSpPr>
+        <p:spPr>
+          <a:xfrm>
+            <a:off x="880106" y="2024290"/>
+            <a:ext cx="10395795" cy="4152673"/>
+          </a:xfrm>
+          <a:prstGeom prst="rect">
+            <a:avLst/>
+          </a:prstGeom>
+        </p:spPr>
+        <p:txBody>
+          <a:bodyPr/>
+          <a:lstStyle>
+            <a:lvl1pPr marL="228600" indent="-228600" algn="l" defTabSz="914400" rtl="0" eaLnBrk="1" latinLnBrk="0" hangingPunct="1">
+              <a:lnSpc>
+                <a:spcPct val="90000"/>
+              </a:lnSpc>
+              <a:spcBef>
+                <a:spcPts val="1000"/>
+              </a:spcBef>
+              <a:buFont typeface="Arial" panose="020B0604020202020204" pitchFamily="34" charset="0"/>
+              <a:buChar char="•"/>
+              <a:defRPr sz="2800" kern="1200">
+                <a:solidFill>
+                  <a:schemeClr val="tx1"/>
+                </a:solidFill>
+                <a:latin typeface="+mn-lt"/>
+                <a:ea typeface="+mn-ea"/>
+                <a:cs typeface="+mn-cs"/>
+              </a:defRPr>
+            </a:lvl1pPr>
+            <a:lvl2pPr marL="685800" indent="-228600" algn="l" defTabSz="914400" rtl="0" eaLnBrk="1" latinLnBrk="0" hangingPunct="1">
+              <a:lnSpc>
+                <a:spcPct val="90000"/>
+              </a:lnSpc>
+              <a:spcBef>
+                <a:spcPts val="500"/>
+              </a:spcBef>
+              <a:buFont typeface="Arial" panose="020B0604020202020204" pitchFamily="34" charset="0"/>
+              <a:buChar char="•"/>
+              <a:defRPr sz="2400" kern="1200">
+                <a:solidFill>
+                  <a:schemeClr val="tx1"/>
+                </a:solidFill>
+                <a:latin typeface="+mn-lt"/>
+                <a:ea typeface="+mn-ea"/>
+                <a:cs typeface="+mn-cs"/>
+              </a:defRPr>
+            </a:lvl2pPr>
+            <a:lvl3pPr marL="1143000" indent="-228600" algn="l" defTabSz="914400" rtl="0" eaLnBrk="1" latinLnBrk="0" hangingPunct="1">
+              <a:lnSpc>
+                <a:spcPct val="90000"/>
+              </a:lnSpc>
+              <a:spcBef>
+                <a:spcPts val="500"/>
+              </a:spcBef>
+              <a:buFont typeface="Arial" panose="020B0604020202020204" pitchFamily="34" charset="0"/>
+              <a:buChar char="•"/>
+              <a:defRPr sz="2000" kern="1200">
+                <a:solidFill>
+                  <a:schemeClr val="tx1"/>
+                </a:solidFill>
+                <a:latin typeface="+mn-lt"/>
+                <a:ea typeface="+mn-ea"/>
+                <a:cs typeface="+mn-cs"/>
+              </a:defRPr>
+            </a:lvl3pPr>
+            <a:lvl4pPr marL="1600200" indent="-228600" algn="l" defTabSz="914400" rtl="0" eaLnBrk="1" latinLnBrk="0" hangingPunct="1">
+              <a:lnSpc>
+                <a:spcPct val="90000"/>
+              </a:lnSpc>
+              <a:spcBef>
+                <a:spcPts val="500"/>
+              </a:spcBef>
+              <a:buFont typeface="Arial" panose="020B0604020202020204" pitchFamily="34" charset="0"/>
+              <a:buChar char="•"/>
+              <a:defRPr sz="1800" kern="1200">
+                <a:solidFill>
+                  <a:schemeClr val="tx1"/>
+                </a:solidFill>
+                <a:latin typeface="+mn-lt"/>
+                <a:ea typeface="+mn-ea"/>
+                <a:cs typeface="+mn-cs"/>
+              </a:defRPr>
+            </a:lvl4pPr>
+            <a:lvl5pPr marL="2057400" indent="-228600" algn="l" defTabSz="914400" rtl="0" eaLnBrk="1" latinLnBrk="0" hangingPunct="1">
+              <a:lnSpc>
+                <a:spcPct val="90000"/>
+              </a:lnSpc>
+              <a:spcBef>
+                <a:spcPts val="500"/>
+              </a:spcBef>
+              <a:buFont typeface="Arial" panose="020B0604020202020204" pitchFamily="34" charset="0"/>
+              <a:buChar char="•"/>
+              <a:defRPr sz="1800" kern="1200">
+                <a:solidFill>
+                  <a:schemeClr val="tx1"/>
+                </a:solidFill>
+                <a:latin typeface="+mn-lt"/>
+                <a:ea typeface="+mn-ea"/>
+                <a:cs typeface="+mn-cs"/>
+              </a:defRPr>
+            </a:lvl5pPr>
+            <a:lvl6pPr marL="2514600" indent="-228600" algn="l" defTabSz="914400" rtl="0" eaLnBrk="1" latinLnBrk="0" hangingPunct="1">
+              <a:lnSpc>
+                <a:spcPct val="90000"/>
+              </a:lnSpc>
+              <a:spcBef>
+                <a:spcPts val="500"/>
+              </a:spcBef>
+              <a:buFont typeface="Arial" panose="020B0604020202020204" pitchFamily="34" charset="0"/>
+              <a:buChar char="•"/>
+              <a:defRPr sz="1800" kern="1200">
+                <a:solidFill>
+                  <a:schemeClr val="tx1"/>
+                </a:solidFill>
+                <a:latin typeface="+mn-lt"/>
+                <a:ea typeface="+mn-ea"/>
+                <a:cs typeface="+mn-cs"/>
+              </a:defRPr>
+            </a:lvl6pPr>
+            <a:lvl7pPr marL="2971800" indent="-228600" algn="l" defTabSz="914400" rtl="0" eaLnBrk="1" latinLnBrk="0" hangingPunct="1">
+              <a:lnSpc>
+                <a:spcPct val="90000"/>
+              </a:lnSpc>
+              <a:spcBef>
+                <a:spcPts val="500"/>
+              </a:spcBef>
+              <a:buFont typeface="Arial" panose="020B0604020202020204" pitchFamily="34" charset="0"/>
+              <a:buChar char="•"/>
+              <a:defRPr sz="1800" kern="1200">
+                <a:solidFill>
+                  <a:schemeClr val="tx1"/>
+                </a:solidFill>
+                <a:latin typeface="+mn-lt"/>
+                <a:ea typeface="+mn-ea"/>
+                <a:cs typeface="+mn-cs"/>
+              </a:defRPr>
+            </a:lvl7pPr>
+            <a:lvl8pPr marL="3429000" indent="-228600" algn="l" defTabSz="914400" rtl="0" eaLnBrk="1" latinLnBrk="0" hangingPunct="1">
+              <a:lnSpc>
+                <a:spcPct val="90000"/>
+              </a:lnSpc>
+              <a:spcBef>
+                <a:spcPts val="500"/>
+              </a:spcBef>
+              <a:buFont typeface="Arial" panose="020B0604020202020204" pitchFamily="34" charset="0"/>
+              <a:buChar char="•"/>
+              <a:defRPr sz="1800" kern="1200">
+                <a:solidFill>
+                  <a:schemeClr val="tx1"/>
+                </a:solidFill>
+                <a:latin typeface="+mn-lt"/>
+                <a:ea typeface="+mn-ea"/>
+                <a:cs typeface="+mn-cs"/>
+              </a:defRPr>
+            </a:lvl8pPr>
+            <a:lvl9pPr marL="3886200" indent="-228600" algn="l" defTabSz="914400" rtl="0" eaLnBrk="1" latinLnBrk="0" hangingPunct="1">
+              <a:lnSpc>
+                <a:spcPct val="90000"/>
+              </a:lnSpc>
+              <a:spcBef>
+                <a:spcPts val="500"/>
+              </a:spcBef>
+              <a:buFont typeface="Arial" panose="020B0604020202020204" pitchFamily="34" charset="0"/>
+              <a:buChar char="•"/>
+              <a:defRPr sz="1800" kern="1200">
+                <a:solidFill>
+                  <a:schemeClr val="tx1"/>
+                </a:solidFill>
+                <a:latin typeface="+mn-lt"/>
+                <a:ea typeface="+mn-ea"/>
+                <a:cs typeface="+mn-cs"/>
+              </a:defRPr>
+            </a:lvl9pPr>
+          </a:lstStyle>
+          <a:p>
+            <a:pPr marL="0" indent="0">
+              <a:buNone/>
+            </a:pPr>
+            <a:endParaRPr kumimoji="1" lang="zh-CN" altLang="en-US" dirty="0">
+              <a:solidFill>
+                <a:srgbClr val="FF0000"/>
+              </a:solidFill>
+            </a:endParaRPr>
+          </a:p>
+          <a:p>
+            <a:pPr marL="0" indent="0">
+              <a:buNone/>
+            </a:pPr>
+            <a:endParaRPr kumimoji="1" lang="zh-CN" altLang="en-US" dirty="0">
+              <a:solidFill>
+                <a:srgbClr val="FF0000"/>
+              </a:solidFill>
+            </a:endParaRPr>
+          </a:p>
+          <a:p>
+            <a:pPr marL="0" indent="0" algn="ctr">
+              <a:buNone/>
+            </a:pPr>
+            <a:r>
+              <a:rPr kumimoji="1" lang="zh-CN" altLang="en-US" sz="3600" dirty="0">
+                <a:solidFill>
+                  <a:srgbClr val="704F95"/>
+                </a:solidFill>
+                <a:latin typeface="思源宋体 Heavy" panose="02020900000000000000" pitchFamily="18" charset="-122"/>
+                <a:ea typeface="思源宋体 Heavy" panose="02020900000000000000" pitchFamily="18" charset="-122"/>
+              </a:rPr>
+              <a:t>感谢陈渝老师和向勇老师的指导！</a:t>
+            </a:r>
+            <a:endParaRPr kumimoji="1" lang="en-US" altLang="zh-CN" sz="3600" dirty="0">
+              <a:solidFill>
+                <a:srgbClr val="704F95"/>
+              </a:solidFill>
+              <a:latin typeface="思源宋体 Heavy" panose="02020900000000000000" pitchFamily="18" charset="-122"/>
+              <a:ea typeface="思源宋体 Heavy" panose="02020900000000000000" pitchFamily="18" charset="-122"/>
+            </a:endParaRPr>
+          </a:p>
+          <a:p>
+            <a:pPr marL="0" indent="0" algn="ctr">
+              <a:buNone/>
+            </a:pPr>
+            <a:r>
+              <a:rPr kumimoji="1" lang="zh-CN" altLang="en-US" sz="3600" dirty="0">
+                <a:solidFill>
+                  <a:srgbClr val="704F95"/>
+                </a:solidFill>
+                <a:latin typeface="思源宋体 Heavy" panose="02020900000000000000" pitchFamily="18" charset="-122"/>
+                <a:ea typeface="思源宋体 Heavy" panose="02020900000000000000" pitchFamily="18" charset="-122"/>
+              </a:rPr>
+              <a:t>感谢贾越凯、贺鲲鹏、尤予阳以及其他学长的帮助！</a:t>
+            </a:r>
+            <a:endParaRPr kumimoji="1" lang="en-US" altLang="zh-CN" sz="3600" dirty="0">
+              <a:solidFill>
+                <a:srgbClr val="704F95"/>
+              </a:solidFill>
+              <a:latin typeface="思源宋体 Heavy" panose="02020900000000000000" pitchFamily="18" charset="-122"/>
+              <a:ea typeface="思源宋体 Heavy" panose="02020900000000000000" pitchFamily="18" charset="-122"/>
+            </a:endParaRPr>
+          </a:p>
+          <a:p>
+            <a:pPr marL="0" indent="0" algn="ctr">
+              <a:buNone/>
+            </a:pPr>
+            <a:endParaRPr kumimoji="1" lang="en-US" altLang="zh-CN" sz="3600" dirty="0">
+              <a:solidFill>
+                <a:srgbClr val="704F95"/>
+              </a:solidFill>
+              <a:latin typeface="思源宋体 Heavy" panose="02020900000000000000" pitchFamily="18" charset="-122"/>
+              <a:ea typeface="思源宋体 Heavy" panose="02020900000000000000" pitchFamily="18" charset="-122"/>
+            </a:endParaRPr>
+          </a:p>
+        </p:txBody>
+      </p:sp>
+      <p:pic>
+        <p:nvPicPr>
+          <p:cNvPr id="8" name="Picture 8"/>
+          <p:cNvPicPr/>
+          <p:nvPr/>
+        </p:nvPicPr>
+        <p:blipFill>
+          <a:blip r:embed="rId3">
+            <a:clrChange>
+              <a:clrFrom>
+                <a:srgbClr val="FFFFFF"/>
+              </a:clrFrom>
+              <a:clrTo>
+                <a:srgbClr val="FFFFFF">
+                  <a:alpha val="0"/>
+                </a:srgbClr>
+              </a:clrTo>
+            </a:clrChange>
+          </a:blip>
+          <a:stretch>
+            <a:fillRect/>
+          </a:stretch>
+        </p:blipFill>
+        <p:spPr>
+          <a:xfrm>
+            <a:off x="7880269" y="6297384"/>
+            <a:ext cx="4120587" cy="514122"/>
+          </a:xfrm>
+          <a:prstGeom prst="rect">
+            <a:avLst/>
+          </a:prstGeom>
+        </p:spPr>
+      </p:pic>
+      <p:sp>
+        <p:nvSpPr>
           <p:cNvPr id="5" name="Rectangle 236"/>
           <p:cNvSpPr/>
           <p:nvPr/>
@@ -8501,7 +9294,7 @@
           <p:nvPr/>
         </p:nvPicPr>
         <p:blipFill>
-          <a:blip r:embed="rId2" cstate="print">
+          <a:blip r:embed="rId4" cstate="print">
             <a:extLst>
               <a:ext uri="{28A0092B-C50C-407E-A947-70E740481C1C}">
                 <a14:useLocalDpi xmlns:a14="http://schemas.microsoft.com/office/drawing/2010/main" val="0"/>
@@ -8618,13 +9411,6 @@
               </a:rPr>
               <a:t>目录</a:t>
             </a:r>
-            <a:endParaRPr lang="zh-CN" altLang="en-US" sz="4000" b="1" dirty="0">
-              <a:solidFill>
-                <a:srgbClr val="704F95"/>
-              </a:solidFill>
-              <a:latin typeface="思源宋体 Medium" panose="02020500000000000000" pitchFamily="18" charset="-122"/>
-              <a:ea typeface="思源宋体 Medium" panose="02020500000000000000" pitchFamily="18" charset="-122"/>
-            </a:endParaRPr>
           </a:p>
         </p:txBody>
       </p:sp>
@@ -8683,7 +9469,7 @@
           <p:nvPr/>
         </p:nvPicPr>
         <p:blipFill>
-          <a:blip r:embed="rId1">
+          <a:blip r:embed="rId3">
             <a:clrChange>
               <a:clrFrom>
                 <a:srgbClr val="FFFFFF"/>
@@ -8938,7 +9724,6 @@
               <a:rPr lang="zh-CN" altLang="en-US" sz="3200" dirty="0"/>
               <a:t>未来的规划</a:t>
             </a:r>
-            <a:endParaRPr lang="zh-CN" altLang="en-US" sz="3200" dirty="0"/>
           </a:p>
         </p:txBody>
       </p:sp>
@@ -9089,7 +9874,7 @@
           <p:nvPr/>
         </p:nvPicPr>
         <p:blipFill>
-          <a:blip r:embed="rId1">
+          <a:blip r:embed="rId3">
             <a:clrChange>
               <a:clrFrom>
                 <a:srgbClr val="FFFFFF"/>
@@ -9592,9 +10377,6 @@
               </a:rPr>
               <a:t>的实现</a:t>
             </a:r>
-            <a:endParaRPr lang="zh-CN" altLang="en-US" dirty="0">
-              <a:latin typeface="+mn-ea"/>
-            </a:endParaRPr>
           </a:p>
           <a:p>
             <a:endParaRPr lang="en-US" altLang="zh-CN" dirty="0">
@@ -9789,7 +10571,7 @@
           <p:nvPr/>
         </p:nvPicPr>
         <p:blipFill>
-          <a:blip r:embed="rId1">
+          <a:blip r:embed="rId3">
             <a:clrChange>
               <a:clrFrom>
                 <a:srgbClr val="FFFFFF"/>
@@ -10234,7 +11016,7 @@
           <p:nvPr/>
         </p:nvPicPr>
         <p:blipFill rotWithShape="1">
-          <a:blip r:embed="rId2"/>
+          <a:blip r:embed="rId4"/>
           <a:srcRect r="21884"/>
           <a:stretch>
             <a:fillRect/>
@@ -10259,7 +11041,7 @@
           <p:nvPr/>
         </p:nvPicPr>
         <p:blipFill rotWithShape="1">
-          <a:blip r:embed="rId3"/>
+          <a:blip r:embed="rId5"/>
           <a:srcRect r="35213"/>
           <a:stretch>
             <a:fillRect/>
@@ -10442,7 +11224,7 @@
           <p:nvPr/>
         </p:nvPicPr>
         <p:blipFill>
-          <a:blip r:embed="rId1">
+          <a:blip r:embed="rId3">
             <a:clrChange>
               <a:clrFrom>
                 <a:srgbClr val="FFFFFF"/>
@@ -10887,7 +11669,7 @@
           <p:nvPr/>
         </p:nvPicPr>
         <p:blipFill>
-          <a:blip r:embed="rId2"/>
+          <a:blip r:embed="rId4"/>
           <a:stretch>
             <a:fillRect/>
           </a:stretch>
@@ -10911,7 +11693,7 @@
           <p:nvPr/>
         </p:nvPicPr>
         <p:blipFill>
-          <a:blip r:embed="rId3"/>
+          <a:blip r:embed="rId5"/>
           <a:stretch>
             <a:fillRect/>
           </a:stretch>
@@ -11093,7 +11875,7 @@
           <p:nvPr/>
         </p:nvPicPr>
         <p:blipFill>
-          <a:blip r:embed="rId1">
+          <a:blip r:embed="rId3">
             <a:clrChange>
               <a:clrFrom>
                 <a:srgbClr val="FFFFFF"/>
@@ -11538,7 +12320,7 @@
           <p:nvPr/>
         </p:nvPicPr>
         <p:blipFill>
-          <a:blip r:embed="rId2"/>
+          <a:blip r:embed="rId4"/>
           <a:stretch>
             <a:fillRect/>
           </a:stretch>
@@ -11562,7 +12344,7 @@
           <p:nvPr/>
         </p:nvPicPr>
         <p:blipFill>
-          <a:blip r:embed="rId3"/>
+          <a:blip r:embed="rId5"/>
           <a:stretch>
             <a:fillRect/>
           </a:stretch>
@@ -11744,7 +12526,7 @@
           <p:nvPr/>
         </p:nvPicPr>
         <p:blipFill>
-          <a:blip r:embed="rId1">
+          <a:blip r:embed="rId3">
             <a:clrChange>
               <a:clrFrom>
                 <a:srgbClr val="FFFFFF"/>
@@ -12165,7 +12947,7 @@
           <p:nvPr/>
         </p:nvPicPr>
         <p:blipFill>
-          <a:blip r:embed="rId2"/>
+          <a:blip r:embed="rId4"/>
           <a:stretch>
             <a:fillRect/>
           </a:stretch>
@@ -12189,7 +12971,7 @@
           <p:nvPr/>
         </p:nvPicPr>
         <p:blipFill>
-          <a:blip r:embed="rId3"/>
+          <a:blip r:embed="rId5"/>
           <a:stretch>
             <a:fillRect/>
           </a:stretch>
@@ -12213,7 +12995,7 @@
           <p:nvPr/>
         </p:nvPicPr>
         <p:blipFill>
-          <a:blip r:embed="rId4"/>
+          <a:blip r:embed="rId6"/>
           <a:stretch>
             <a:fillRect/>
           </a:stretch>
@@ -12631,7 +13413,7 @@
                 <a:latin typeface="思源宋体 Medium" panose="02020500000000000000" pitchFamily="18" charset="-122"/>
                 <a:ea typeface="思源宋体 Medium" panose="02020500000000000000" pitchFamily="18" charset="-122"/>
               </a:rPr>
-              <a:t>横向对比</a:t>
+              <a:t>直接发送比例</a:t>
             </a:r>
             <a:endParaRPr lang="en-US" altLang="zh-CN" sz="4000" b="1" dirty="0">
               <a:solidFill>
@@ -12698,7 +13480,7 @@
           <p:nvPr/>
         </p:nvPicPr>
         <p:blipFill>
-          <a:blip r:embed="rId1">
+          <a:blip r:embed="rId3">
             <a:clrChange>
               <a:clrFrom>
                 <a:srgbClr val="FFFFFF"/>
@@ -12928,7 +13710,7 @@
         </p:nvSpPr>
         <p:spPr>
           <a:xfrm>
-            <a:off x="1056186" y="1833032"/>
+            <a:off x="1113971" y="1801282"/>
             <a:ext cx="10515600" cy="4351338"/>
           </a:xfrm>
           <a:prstGeom prst="rect">
@@ -13104,81 +13886,223 @@
             </a:lvl9pPr>
           </a:lstStyle>
           <a:p>
-            <a:r>
-              <a:rPr lang="zh-CN" altLang="en-US" dirty="0">
-                <a:latin typeface="+mn-ea"/>
-              </a:rPr>
-              <a:t>复现</a:t>
-            </a:r>
-            <a:r>
-              <a:rPr lang="en-US" altLang="zh-CN" dirty="0">
-                <a:latin typeface="+mn-ea"/>
-              </a:rPr>
-              <a:t> linux rfc </a:t>
-            </a:r>
-            <a:r>
-              <a:rPr lang="zh-CN" altLang="en-US" dirty="0">
-                <a:latin typeface="+mn-ea"/>
-              </a:rPr>
-              <a:t>性能测试结果</a:t>
-            </a:r>
-            <a:endParaRPr lang="zh-CN" altLang="en-US" dirty="0">
+            <a:endParaRPr lang="en-US" altLang="zh-CN" dirty="0">
               <a:latin typeface="+mn-ea"/>
             </a:endParaRPr>
           </a:p>
         </p:txBody>
       </p:sp>
-      <p:pic>
-        <p:nvPicPr>
-          <p:cNvPr id="2" name="图片 1"/>
-          <p:cNvPicPr>
-            <a:picLocks noChangeAspect="1"/>
-          </p:cNvPicPr>
+      <p:sp>
+        <p:nvSpPr>
+          <p:cNvPr id="15" name="Content Placeholder 2"/>
+          <p:cNvSpPr txBox="1"/>
           <p:nvPr/>
-        </p:nvPicPr>
-        <p:blipFill>
-          <a:blip r:embed="rId2"/>
-          <a:stretch>
-            <a:fillRect/>
-          </a:stretch>
-        </p:blipFill>
+        </p:nvSpPr>
         <p:spPr>
           <a:xfrm>
-            <a:off x="663575" y="2680970"/>
-            <a:ext cx="5708015" cy="2889250"/>
+            <a:off x="1367265" y="5506890"/>
+            <a:ext cx="5961790" cy="1087314"/>
           </a:xfrm>
           <a:prstGeom prst="rect">
             <a:avLst/>
           </a:prstGeom>
         </p:spPr>
-      </p:pic>
+        <p:txBody>
+          <a:bodyPr>
+            <a:normAutofit/>
+          </a:bodyPr>
+          <a:lstStyle>
+            <a:lvl1pPr marL="228600" indent="-228600" algn="l" defTabSz="914400" rtl="0" eaLnBrk="1" latinLnBrk="0" hangingPunct="1">
+              <a:lnSpc>
+                <a:spcPct val="90000"/>
+              </a:lnSpc>
+              <a:spcBef>
+                <a:spcPts val="1000"/>
+              </a:spcBef>
+              <a:buFont typeface="Arial" panose="020B0604020202020204" pitchFamily="34" charset="0"/>
+              <a:buChar char="•"/>
+              <a:defRPr sz="2800" kern="1200">
+                <a:solidFill>
+                  <a:schemeClr val="tx1"/>
+                </a:solidFill>
+                <a:latin typeface="+mn-lt"/>
+                <a:ea typeface="+mn-ea"/>
+                <a:cs typeface="+mn-cs"/>
+              </a:defRPr>
+            </a:lvl1pPr>
+            <a:lvl2pPr marL="685800" indent="-228600" algn="l" defTabSz="914400" rtl="0" eaLnBrk="1" latinLnBrk="0" hangingPunct="1">
+              <a:lnSpc>
+                <a:spcPct val="90000"/>
+              </a:lnSpc>
+              <a:spcBef>
+                <a:spcPts val="500"/>
+              </a:spcBef>
+              <a:buFont typeface="Arial" panose="020B0604020202020204" pitchFamily="34" charset="0"/>
+              <a:buChar char="•"/>
+              <a:defRPr sz="2400" kern="1200">
+                <a:solidFill>
+                  <a:schemeClr val="tx1"/>
+                </a:solidFill>
+                <a:latin typeface="+mn-lt"/>
+                <a:ea typeface="+mn-ea"/>
+                <a:cs typeface="+mn-cs"/>
+              </a:defRPr>
+            </a:lvl2pPr>
+            <a:lvl3pPr marL="1143000" indent="-228600" algn="l" defTabSz="914400" rtl="0" eaLnBrk="1" latinLnBrk="0" hangingPunct="1">
+              <a:lnSpc>
+                <a:spcPct val="90000"/>
+              </a:lnSpc>
+              <a:spcBef>
+                <a:spcPts val="500"/>
+              </a:spcBef>
+              <a:buFont typeface="Arial" panose="020B0604020202020204" pitchFamily="34" charset="0"/>
+              <a:buChar char="•"/>
+              <a:defRPr sz="2000" kern="1200">
+                <a:solidFill>
+                  <a:schemeClr val="tx1"/>
+                </a:solidFill>
+                <a:latin typeface="+mn-lt"/>
+                <a:ea typeface="+mn-ea"/>
+                <a:cs typeface="+mn-cs"/>
+              </a:defRPr>
+            </a:lvl3pPr>
+            <a:lvl4pPr marL="1600200" indent="-228600" algn="l" defTabSz="914400" rtl="0" eaLnBrk="1" latinLnBrk="0" hangingPunct="1">
+              <a:lnSpc>
+                <a:spcPct val="90000"/>
+              </a:lnSpc>
+              <a:spcBef>
+                <a:spcPts val="500"/>
+              </a:spcBef>
+              <a:buFont typeface="Arial" panose="020B0604020202020204" pitchFamily="34" charset="0"/>
+              <a:buChar char="•"/>
+              <a:defRPr sz="1800" kern="1200">
+                <a:solidFill>
+                  <a:schemeClr val="tx1"/>
+                </a:solidFill>
+                <a:latin typeface="+mn-lt"/>
+                <a:ea typeface="+mn-ea"/>
+                <a:cs typeface="+mn-cs"/>
+              </a:defRPr>
+            </a:lvl4pPr>
+            <a:lvl5pPr marL="2057400" indent="-228600" algn="l" defTabSz="914400" rtl="0" eaLnBrk="1" latinLnBrk="0" hangingPunct="1">
+              <a:lnSpc>
+                <a:spcPct val="90000"/>
+              </a:lnSpc>
+              <a:spcBef>
+                <a:spcPts val="500"/>
+              </a:spcBef>
+              <a:buFont typeface="Arial" panose="020B0604020202020204" pitchFamily="34" charset="0"/>
+              <a:buChar char="•"/>
+              <a:defRPr sz="1800" kern="1200">
+                <a:solidFill>
+                  <a:schemeClr val="tx1"/>
+                </a:solidFill>
+                <a:latin typeface="+mn-lt"/>
+                <a:ea typeface="+mn-ea"/>
+                <a:cs typeface="+mn-cs"/>
+              </a:defRPr>
+            </a:lvl5pPr>
+            <a:lvl6pPr marL="2514600" indent="-228600" algn="l" defTabSz="914400" rtl="0" eaLnBrk="1" latinLnBrk="0" hangingPunct="1">
+              <a:lnSpc>
+                <a:spcPct val="90000"/>
+              </a:lnSpc>
+              <a:spcBef>
+                <a:spcPts val="500"/>
+              </a:spcBef>
+              <a:buFont typeface="Arial" panose="020B0604020202020204" pitchFamily="34" charset="0"/>
+              <a:buChar char="•"/>
+              <a:defRPr sz="1800" kern="1200">
+                <a:solidFill>
+                  <a:schemeClr val="tx1"/>
+                </a:solidFill>
+                <a:latin typeface="+mn-lt"/>
+                <a:ea typeface="+mn-ea"/>
+                <a:cs typeface="+mn-cs"/>
+              </a:defRPr>
+            </a:lvl6pPr>
+            <a:lvl7pPr marL="2971800" indent="-228600" algn="l" defTabSz="914400" rtl="0" eaLnBrk="1" latinLnBrk="0" hangingPunct="1">
+              <a:lnSpc>
+                <a:spcPct val="90000"/>
+              </a:lnSpc>
+              <a:spcBef>
+                <a:spcPts val="500"/>
+              </a:spcBef>
+              <a:buFont typeface="Arial" panose="020B0604020202020204" pitchFamily="34" charset="0"/>
+              <a:buChar char="•"/>
+              <a:defRPr sz="1800" kern="1200">
+                <a:solidFill>
+                  <a:schemeClr val="tx1"/>
+                </a:solidFill>
+                <a:latin typeface="+mn-lt"/>
+                <a:ea typeface="+mn-ea"/>
+                <a:cs typeface="+mn-cs"/>
+              </a:defRPr>
+            </a:lvl7pPr>
+            <a:lvl8pPr marL="3429000" indent="-228600" algn="l" defTabSz="914400" rtl="0" eaLnBrk="1" latinLnBrk="0" hangingPunct="1">
+              <a:lnSpc>
+                <a:spcPct val="90000"/>
+              </a:lnSpc>
+              <a:spcBef>
+                <a:spcPts val="500"/>
+              </a:spcBef>
+              <a:buFont typeface="Arial" panose="020B0604020202020204" pitchFamily="34" charset="0"/>
+              <a:buChar char="•"/>
+              <a:defRPr sz="1800" kern="1200">
+                <a:solidFill>
+                  <a:schemeClr val="tx1"/>
+                </a:solidFill>
+                <a:latin typeface="+mn-lt"/>
+                <a:ea typeface="+mn-ea"/>
+                <a:cs typeface="+mn-cs"/>
+              </a:defRPr>
+            </a:lvl8pPr>
+            <a:lvl9pPr marL="3886200" indent="-228600" algn="l" defTabSz="914400" rtl="0" eaLnBrk="1" latinLnBrk="0" hangingPunct="1">
+              <a:lnSpc>
+                <a:spcPct val="90000"/>
+              </a:lnSpc>
+              <a:spcBef>
+                <a:spcPts val="500"/>
+              </a:spcBef>
+              <a:buFont typeface="Arial" panose="020B0604020202020204" pitchFamily="34" charset="0"/>
+              <a:buChar char="•"/>
+              <a:defRPr sz="1800" kern="1200">
+                <a:solidFill>
+                  <a:schemeClr val="tx1"/>
+                </a:solidFill>
+                <a:latin typeface="+mn-lt"/>
+                <a:ea typeface="+mn-ea"/>
+                <a:cs typeface="+mn-cs"/>
+              </a:defRPr>
+            </a:lvl9pPr>
+          </a:lstStyle>
+          <a:p>
+            <a:r>
+              <a:rPr lang="en-US" altLang="zh-CN" dirty="0">
+                <a:latin typeface="+mn-ea"/>
+              </a:rPr>
+              <a:t>1000</a:t>
+            </a:r>
+            <a:r>
+              <a:rPr lang="zh-CN" altLang="en-US" dirty="0">
+                <a:latin typeface="+mn-ea"/>
+              </a:rPr>
+              <a:t>次来回收发中，只有个位数次由操作系统调度发送</a:t>
+            </a:r>
+            <a:endParaRPr lang="en-US" altLang="zh-CN" dirty="0">
+              <a:latin typeface="+mn-ea"/>
+            </a:endParaRPr>
+          </a:p>
+        </p:txBody>
+      </p:sp>
       <p:pic>
         <p:nvPicPr>
-          <p:cNvPr id="7" name="图片 6"/>
-          <p:cNvPicPr>
-            <a:picLocks noChangeAspect="1"/>
-          </p:cNvPicPr>
-          <p:nvPr/>
-        </p:nvPicPr>
-        <p:blipFill>
-          <a:blip r:embed="rId3"/>
-          <a:stretch>
-            <a:fillRect/>
-          </a:stretch>
-        </p:blipFill>
-        <p:spPr>
-          <a:xfrm>
-            <a:off x="7133590" y="2255520"/>
-            <a:ext cx="4031615" cy="2124710"/>
-          </a:xfrm>
-          <a:prstGeom prst="rect">
-            <a:avLst/>
-          </a:prstGeom>
-        </p:spPr>
-      </p:pic>
-      <p:pic>
-        <p:nvPicPr>
-          <p:cNvPr id="9" name="图片 8"/>
+          <p:cNvPr id="7" name="Picture 6">
+            <a:extLst>
+              <a:ext uri="{FF2B5EF4-FFF2-40B4-BE49-F238E27FC236}">
+                <a16:creationId xmlns:a16="http://schemas.microsoft.com/office/drawing/2014/main" id="{E0DA15DC-0266-F548-BBE1-A3EC7F358341}"/>
+              </a:ext>
+            </a:extLst>
+          </p:cNvPr>
           <p:cNvPicPr>
             <a:picLocks noChangeAspect="1"/>
           </p:cNvPicPr>
@@ -13192,8 +14116,8 @@
         </p:blipFill>
         <p:spPr>
           <a:xfrm>
-            <a:off x="7141845" y="4573270"/>
-            <a:ext cx="4023360" cy="2059940"/>
+            <a:off x="1309769" y="1442282"/>
+            <a:ext cx="8001000" cy="3759200"/>
           </a:xfrm>
           <a:prstGeom prst="rect">
             <a:avLst/>
@@ -13202,46 +14126,48 @@
       </p:pic>
       <p:sp>
         <p:nvSpPr>
-          <p:cNvPr id="10" name="文本框 9"/>
+          <p:cNvPr id="16" name="文本框 15">
+            <a:extLst>
+              <a:ext uri="{FF2B5EF4-FFF2-40B4-BE49-F238E27FC236}">
+                <a16:creationId xmlns:a16="http://schemas.microsoft.com/office/drawing/2014/main" id="{C64886C1-A879-6344-B80A-15F33EEDFC91}"/>
+              </a:ext>
+            </a:extLst>
+          </p:cNvPr>
           <p:cNvSpPr txBox="1"/>
           <p:nvPr/>
         </p:nvSpPr>
         <p:spPr>
           <a:xfrm>
-            <a:off x="7250430" y="1706245"/>
-            <a:ext cx="3608705" cy="368300"/>
+            <a:off x="3049286" y="1753364"/>
+            <a:ext cx="1979914" cy="612248"/>
           </a:xfrm>
           <a:prstGeom prst="rect">
             <a:avLst/>
           </a:prstGeom>
           <a:noFill/>
+          <a:ln w="60325" cmpd="sng">
+            <a:solidFill>
+              <a:srgbClr val="FF0000"/>
+            </a:solidFill>
+            <a:prstDash val="solid"/>
+          </a:ln>
         </p:spPr>
         <p:txBody>
           <a:bodyPr wrap="square" rtlCol="0">
             <a:spAutoFit/>
           </a:bodyPr>
-          <a:p>
-            <a:r>
-              <a:rPr lang="zh-CN" altLang="en-US"/>
-              <a:t>上：</a:t>
-            </a:r>
-            <a:r>
-              <a:rPr lang="en-US" altLang="zh-CN"/>
-              <a:t>uintr</a:t>
-            </a:r>
-            <a:r>
-              <a:rPr lang="zh-CN" altLang="en-US"/>
-              <a:t>；下：</a:t>
-            </a:r>
-            <a:r>
-              <a:rPr lang="en-US" altLang="zh-CN"/>
-              <a:t>signal</a:t>
-            </a:r>
-            <a:endParaRPr lang="en-US" altLang="zh-CN"/>
+          <a:lstStyle/>
+          <a:p>
+            <a:endParaRPr kumimoji="1" lang="zh-CN" altLang="en-US" dirty="0"/>
           </a:p>
         </p:txBody>
       </p:sp>
     </p:spTree>
+    <p:extLst>
+      <p:ext uri="{BB962C8B-B14F-4D97-AF65-F5344CB8AC3E}">
+        <p14:creationId xmlns:p14="http://schemas.microsoft.com/office/powerpoint/2010/main" val="1416881035"/>
+      </p:ext>
+    </p:extLst>
   </p:cSld>
   <p:clrMapOvr>
     <a:masterClrMapping/>
@@ -13408,7 +14334,7 @@
           <p:nvPr/>
         </p:nvPicPr>
         <p:blipFill>
-          <a:blip r:embed="rId1">
+          <a:blip r:embed="rId3">
             <a:clrChange>
               <a:clrFrom>
                 <a:srgbClr val="FFFFFF"/>
@@ -13832,9 +14758,6 @@
               </a:rPr>
               <a:t>性能测试结果</a:t>
             </a:r>
-            <a:endParaRPr lang="zh-CN" altLang="en-US" dirty="0">
-              <a:latin typeface="+mn-ea"/>
-            </a:endParaRPr>
           </a:p>
         </p:txBody>
       </p:sp>
@@ -13847,7 +14770,7 @@
           <p:nvPr/>
         </p:nvPicPr>
         <p:blipFill>
-          <a:blip r:embed="rId2"/>
+          <a:blip r:embed="rId4"/>
           <a:stretch>
             <a:fillRect/>
           </a:stretch>
@@ -13871,7 +14794,7 @@
           <p:nvPr/>
         </p:nvPicPr>
         <p:blipFill>
-          <a:blip r:embed="rId3"/>
+          <a:blip r:embed="rId5"/>
           <a:stretch>
             <a:fillRect/>
           </a:stretch>
@@ -13886,6 +14809,30 @@
           </a:prstGeom>
         </p:spPr>
       </p:pic>
+      <p:pic>
+        <p:nvPicPr>
+          <p:cNvPr id="9" name="图片 8"/>
+          <p:cNvPicPr>
+            <a:picLocks noChangeAspect="1"/>
+          </p:cNvPicPr>
+          <p:nvPr/>
+        </p:nvPicPr>
+        <p:blipFill>
+          <a:blip r:embed="rId6"/>
+          <a:stretch>
+            <a:fillRect/>
+          </a:stretch>
+        </p:blipFill>
+        <p:spPr>
+          <a:xfrm>
+            <a:off x="7141845" y="4573270"/>
+            <a:ext cx="4023360" cy="2059940"/>
+          </a:xfrm>
+          <a:prstGeom prst="rect">
+            <a:avLst/>
+          </a:prstGeom>
+        </p:spPr>
+      </p:pic>
       <p:sp>
         <p:nvSpPr>
           <p:cNvPr id="10" name="文本框 9"/>
@@ -13906,6 +14853,7 @@
           <a:bodyPr wrap="square" rtlCol="0">
             <a:spAutoFit/>
           </a:bodyPr>
+          <a:lstStyle/>
           <a:p>
             <a:r>
               <a:rPr lang="zh-CN" altLang="en-US"/>
@@ -13921,37 +14869,11 @@
             </a:r>
             <a:r>
               <a:rPr lang="en-US" altLang="zh-CN"/>
-              <a:t>eventfd</a:t>
-            </a:r>
-            <a:endParaRPr lang="en-US" altLang="zh-CN"/>
-          </a:p>
-        </p:txBody>
-      </p:sp>
-      <p:pic>
-        <p:nvPicPr>
-          <p:cNvPr id="3" name="图片 2"/>
-          <p:cNvPicPr>
-            <a:picLocks noChangeAspect="1"/>
-          </p:cNvPicPr>
-          <p:nvPr/>
-        </p:nvPicPr>
-        <p:blipFill>
-          <a:blip r:embed="rId4"/>
-          <a:srcRect l="819"/>
-          <a:stretch>
-            <a:fillRect/>
-          </a:stretch>
-        </p:blipFill>
-        <p:spPr>
-          <a:xfrm>
-            <a:off x="7150100" y="4454525"/>
-            <a:ext cx="3998595" cy="2186305"/>
-          </a:xfrm>
-          <a:prstGeom prst="rect">
-            <a:avLst/>
-          </a:prstGeom>
-        </p:spPr>
-      </p:pic>
+              <a:t>signal</a:t>
+            </a:r>
+          </a:p>
+        </p:txBody>
+      </p:sp>
     </p:spTree>
   </p:cSld>
   <p:clrMapOvr>
@@ -14211,6 +15133,8 @@
       </a:bgFillStyleLst>
     </a:fmtScheme>
   </a:themeElements>
+  <a:objectDefaults/>
+  <a:extraClrSchemeLst/>
   <a:extLst>
     <a:ext uri="{05A4C25C-085E-4340-85A3-A5531E510DB2}">
       <thm15:themeFamily xmlns:thm15="http://schemas.microsoft.com/office/thememl/2012/main" name="Office Theme" id="{62F939B6-93AF-4DB8-9C6B-D6C7DFDC589F}" vid="{4A3C46E8-61CC-4603-A589-7422A47A8E4A}"/>
@@ -14470,6 +15394,8 @@
       </a:bgFillStyleLst>
     </a:fmtScheme>
   </a:themeElements>
+  <a:objectDefaults/>
+  <a:extraClrSchemeLst/>
   <a:extLst>
     <a:ext uri="{05A4C25C-085E-4340-85A3-A5531E510DB2}">
       <thm15:themeFamily xmlns:thm15="http://schemas.microsoft.com/office/thememl/2012/main" name="Office Theme" id="{62F939B6-93AF-4DB8-9C6B-D6C7DFDC589F}" vid="{4A3C46E8-61CC-4603-A589-7422A47A8E4A}"/>

--- a/ppt/2022-6-11.pptx
+++ b/ppt/2022-6-11.pptx
@@ -5,24 +5,26 @@
     <p:sldMasterId id="2147483648" r:id="rId1"/>
   </p:sldMasterIdLst>
   <p:notesMasterIdLst>
-    <p:notesMasterId r:id="rId17"/>
+    <p:notesMasterId r:id="rId4"/>
   </p:notesMasterIdLst>
   <p:sldIdLst>
-    <p:sldId id="279" r:id="rId2"/>
-    <p:sldId id="340" r:id="rId3"/>
-    <p:sldId id="419" r:id="rId4"/>
-    <p:sldId id="460" r:id="rId5"/>
-    <p:sldId id="461" r:id="rId6"/>
-    <p:sldId id="462" r:id="rId7"/>
-    <p:sldId id="449" r:id="rId8"/>
-    <p:sldId id="472" r:id="rId9"/>
-    <p:sldId id="468" r:id="rId10"/>
-    <p:sldId id="469" r:id="rId11"/>
-    <p:sldId id="470" r:id="rId12"/>
-    <p:sldId id="471" r:id="rId13"/>
-    <p:sldId id="464" r:id="rId14"/>
-    <p:sldId id="465" r:id="rId15"/>
-    <p:sldId id="314" r:id="rId16"/>
+    <p:sldId id="279" r:id="rId3"/>
+    <p:sldId id="340" r:id="rId5"/>
+    <p:sldId id="419" r:id="rId6"/>
+    <p:sldId id="460" r:id="rId7"/>
+    <p:sldId id="461" r:id="rId8"/>
+    <p:sldId id="462" r:id="rId9"/>
+    <p:sldId id="449" r:id="rId10"/>
+    <p:sldId id="472" r:id="rId11"/>
+    <p:sldId id="468" r:id="rId12"/>
+    <p:sldId id="469" r:id="rId13"/>
+    <p:sldId id="470" r:id="rId14"/>
+    <p:sldId id="471" r:id="rId15"/>
+    <p:sldId id="480" r:id="rId16"/>
+    <p:sldId id="481" r:id="rId17"/>
+    <p:sldId id="464" r:id="rId18"/>
+    <p:sldId id="465" r:id="rId19"/>
+    <p:sldId id="314" r:id="rId20"/>
   </p:sldIdLst>
   <p:sldSz cx="12192000" cy="6858000"/>
   <p:notesSz cx="6858000" cy="9144000"/>
@@ -136,33 +138,16 @@
             <p14:sldId id="472"/>
             <p14:sldId id="468"/>
             <p14:sldId id="469"/>
-            <p14:sldId id="470"/>
-            <p14:sldId id="471"/>
+            <p14:sldId id="480"/>
+            <p14:sldId id="481"/>
             <p14:sldId id="464"/>
             <p14:sldId id="465"/>
             <p14:sldId id="314"/>
+            <p14:sldId id="471"/>
+            <p14:sldId id="470"/>
           </p14:sldIdLst>
         </p14:section>
       </p14:sectionLst>
-    </p:ext>
-    <p:ext uri="{EFAFB233-063F-42B5-8137-9DF3F51BA10A}">
-      <p15:sldGuideLst xmlns:p15="http://schemas.microsoft.com/office/powerpoint/2012/main">
-        <p15:guide id="1" orient="horz" pos="1155">
-          <p15:clr>
-            <a:srgbClr val="A4A3A4"/>
-          </p15:clr>
-        </p15:guide>
-        <p15:guide id="2" pos="665">
-          <p15:clr>
-            <a:srgbClr val="A4A3A4"/>
-          </p15:clr>
-        </p15:guide>
-        <p15:guide id="3" pos="6978">
-          <p15:clr>
-            <a:srgbClr val="A4A3A4"/>
-          </p15:clr>
-        </p15:guide>
-      </p15:sldGuideLst>
     </p:ext>
   </p:extLst>
 </p:presentation>
@@ -256,7 +241,6 @@
           <a:p>
             <a:fld id="{DE75668F-B37B-164D-A62C-3FF5A8BC808F}" type="datetimeFigureOut">
               <a:rPr lang="en-US" smtClean="0"/>
-              <a:t>6/10/22</a:t>
             </a:fld>
             <a:endParaRPr lang="en-US"/>
           </a:p>
@@ -323,6 +307,7 @@
               <a:rPr lang="en-US" altLang="zh-CN"/>
               <a:t>Click to edit Master text styles</a:t>
             </a:r>
+            <a:endParaRPr lang="en-US" altLang="zh-CN"/>
           </a:p>
           <a:p>
             <a:pPr lvl="1"/>
@@ -330,6 +315,7 @@
               <a:rPr lang="en-US" altLang="zh-CN"/>
               <a:t>Second level</a:t>
             </a:r>
+            <a:endParaRPr lang="en-US" altLang="zh-CN"/>
           </a:p>
           <a:p>
             <a:pPr lvl="2"/>
@@ -337,6 +323,7 @@
               <a:rPr lang="en-US" altLang="zh-CN"/>
               <a:t>Third level</a:t>
             </a:r>
+            <a:endParaRPr lang="en-US" altLang="zh-CN"/>
           </a:p>
           <a:p>
             <a:pPr lvl="3"/>
@@ -344,6 +331,7 @@
               <a:rPr lang="en-US" altLang="zh-CN"/>
               <a:t>Fourth level</a:t>
             </a:r>
+            <a:endParaRPr lang="en-US" altLang="zh-CN"/>
           </a:p>
           <a:p>
             <a:pPr lvl="4"/>
@@ -415,7 +403,6 @@
           <a:p>
             <a:fld id="{09FAC59A-2554-7441-A138-FBAFD49FADCF}" type="slidenum">
               <a:rPr lang="en-US" smtClean="0"/>
-              <a:t>‹#›</a:t>
             </a:fld>
             <a:endParaRPr lang="en-US"/>
           </a:p>
@@ -605,7 +592,6 @@
           <a:p>
             <a:fld id="{09FAC59A-2554-7441-A138-FBAFD49FADCF}" type="slidenum">
               <a:rPr lang="en-US" smtClean="0"/>
-              <a:t>1</a:t>
             </a:fld>
             <a:endParaRPr lang="en-US"/>
           </a:p>
@@ -689,7 +675,6 @@
           <a:p>
             <a:fld id="{09FAC59A-2554-7441-A138-FBAFD49FADCF}" type="slidenum">
               <a:rPr lang="en-US" smtClean="0"/>
-              <a:t>10</a:t>
             </a:fld>
             <a:endParaRPr lang="en-US"/>
           </a:p>
@@ -773,7 +758,6 @@
           <a:p>
             <a:fld id="{09FAC59A-2554-7441-A138-FBAFD49FADCF}" type="slidenum">
               <a:rPr lang="en-US" smtClean="0"/>
-              <a:t>11</a:t>
             </a:fld>
             <a:endParaRPr lang="en-US"/>
           </a:p>
@@ -857,7 +841,6 @@
           <a:p>
             <a:fld id="{09FAC59A-2554-7441-A138-FBAFD49FADCF}" type="slidenum">
               <a:rPr lang="en-US" smtClean="0"/>
-              <a:t>12</a:t>
             </a:fld>
             <a:endParaRPr lang="en-US"/>
           </a:p>
@@ -941,7 +924,6 @@
           <a:p>
             <a:fld id="{09FAC59A-2554-7441-A138-FBAFD49FADCF}" type="slidenum">
               <a:rPr lang="en-US" smtClean="0"/>
-              <a:t>13</a:t>
             </a:fld>
             <a:endParaRPr lang="en-US"/>
           </a:p>
@@ -1025,7 +1007,6 @@
           <a:p>
             <a:fld id="{09FAC59A-2554-7441-A138-FBAFD49FADCF}" type="slidenum">
               <a:rPr lang="en-US" smtClean="0"/>
-              <a:t>14</a:t>
             </a:fld>
             <a:endParaRPr lang="en-US"/>
           </a:p>
@@ -1088,7 +1069,7 @@
           <a:bodyPr/>
           <a:lstStyle/>
           <a:p>
-            <a:endParaRPr kumimoji="1" lang="zh-CN" altLang="en-US" sz="2400" dirty="0"/>
+            <a:endParaRPr lang="en-US" altLang="zh-CN" sz="2400" dirty="0"/>
           </a:p>
         </p:txBody>
       </p:sp>
@@ -1109,7 +1090,172 @@
           <a:p>
             <a:fld id="{09FAC59A-2554-7441-A138-FBAFD49FADCF}" type="slidenum">
               <a:rPr lang="en-US" smtClean="0"/>
-              <a:t>15</a:t>
+            </a:fld>
+            <a:endParaRPr lang="en-US"/>
+          </a:p>
+        </p:txBody>
+      </p:sp>
+    </p:spTree>
+  </p:cSld>
+  <p:clrMapOvr>
+    <a:masterClrMapping/>
+  </p:clrMapOvr>
+</p:notes>
+</file>
+
+<file path=ppt/notesSlides/notesSlide16.xml><?xml version="1.0" encoding="utf-8"?>
+<p:notes xmlns:a="http://schemas.openxmlformats.org/drawingml/2006/main" xmlns:r="http://schemas.openxmlformats.org/officeDocument/2006/relationships" xmlns:p="http://schemas.openxmlformats.org/presentationml/2006/main">
+  <p:cSld>
+    <p:spTree>
+      <p:nvGrpSpPr>
+        <p:cNvPr id="1" name=""/>
+        <p:cNvGrpSpPr/>
+        <p:nvPr/>
+      </p:nvGrpSpPr>
+      <p:grpSpPr>
+        <a:xfrm>
+          <a:off x="0" y="0"/>
+          <a:ext cx="0" cy="0"/>
+          <a:chOff x="0" y="0"/>
+          <a:chExt cx="0" cy="0"/>
+        </a:xfrm>
+      </p:grpSpPr>
+      <p:sp>
+        <p:nvSpPr>
+          <p:cNvPr id="2" name="幻灯片图像占位符 1"/>
+          <p:cNvSpPr>
+            <a:spLocks noGrp="1" noRot="1" noChangeAspect="1"/>
+          </p:cNvSpPr>
+          <p:nvPr>
+            <p:ph type="sldImg"/>
+          </p:nvPr>
+        </p:nvSpPr>
+        <p:spPr>
+          <a:xfrm>
+            <a:off x="685800" y="1143000"/>
+            <a:ext cx="5486400" cy="3086100"/>
+          </a:xfrm>
+        </p:spPr>
+      </p:sp>
+      <p:sp>
+        <p:nvSpPr>
+          <p:cNvPr id="3" name="备注占位符 2"/>
+          <p:cNvSpPr>
+            <a:spLocks noGrp="1"/>
+          </p:cNvSpPr>
+          <p:nvPr>
+            <p:ph type="body" idx="1"/>
+          </p:nvPr>
+        </p:nvSpPr>
+        <p:spPr/>
+        <p:txBody>
+          <a:bodyPr/>
+          <a:lstStyle/>
+          <a:p>
+            <a:endParaRPr lang="en-US" altLang="zh-CN" sz="2400" dirty="0"/>
+          </a:p>
+        </p:txBody>
+      </p:sp>
+      <p:sp>
+        <p:nvSpPr>
+          <p:cNvPr id="4" name="幻灯片编号占位符 3"/>
+          <p:cNvSpPr>
+            <a:spLocks noGrp="1"/>
+          </p:cNvSpPr>
+          <p:nvPr>
+            <p:ph type="sldNum" sz="quarter" idx="10"/>
+          </p:nvPr>
+        </p:nvSpPr>
+        <p:spPr/>
+        <p:txBody>
+          <a:bodyPr/>
+          <a:lstStyle/>
+          <a:p>
+            <a:fld id="{09FAC59A-2554-7441-A138-FBAFD49FADCF}" type="slidenum">
+              <a:rPr lang="en-US" smtClean="0"/>
+            </a:fld>
+            <a:endParaRPr lang="en-US"/>
+          </a:p>
+        </p:txBody>
+      </p:sp>
+    </p:spTree>
+  </p:cSld>
+  <p:clrMapOvr>
+    <a:masterClrMapping/>
+  </p:clrMapOvr>
+</p:notes>
+</file>
+
+<file path=ppt/notesSlides/notesSlide17.xml><?xml version="1.0" encoding="utf-8"?>
+<p:notes xmlns:a="http://schemas.openxmlformats.org/drawingml/2006/main" xmlns:r="http://schemas.openxmlformats.org/officeDocument/2006/relationships" xmlns:p="http://schemas.openxmlformats.org/presentationml/2006/main">
+  <p:cSld>
+    <p:spTree>
+      <p:nvGrpSpPr>
+        <p:cNvPr id="1" name=""/>
+        <p:cNvGrpSpPr/>
+        <p:nvPr/>
+      </p:nvGrpSpPr>
+      <p:grpSpPr>
+        <a:xfrm>
+          <a:off x="0" y="0"/>
+          <a:ext cx="0" cy="0"/>
+          <a:chOff x="0" y="0"/>
+          <a:chExt cx="0" cy="0"/>
+        </a:xfrm>
+      </p:grpSpPr>
+      <p:sp>
+        <p:nvSpPr>
+          <p:cNvPr id="2" name="幻灯片图像占位符 1"/>
+          <p:cNvSpPr>
+            <a:spLocks noGrp="1" noRot="1" noChangeAspect="1"/>
+          </p:cNvSpPr>
+          <p:nvPr>
+            <p:ph type="sldImg"/>
+          </p:nvPr>
+        </p:nvSpPr>
+        <p:spPr>
+          <a:xfrm>
+            <a:off x="685800" y="1143000"/>
+            <a:ext cx="5486400" cy="3086100"/>
+          </a:xfrm>
+        </p:spPr>
+      </p:sp>
+      <p:sp>
+        <p:nvSpPr>
+          <p:cNvPr id="3" name="备注占位符 2"/>
+          <p:cNvSpPr>
+            <a:spLocks noGrp="1"/>
+          </p:cNvSpPr>
+          <p:nvPr>
+            <p:ph type="body" idx="1"/>
+          </p:nvPr>
+        </p:nvSpPr>
+        <p:spPr/>
+        <p:txBody>
+          <a:bodyPr/>
+          <a:lstStyle/>
+          <a:p>
+            <a:endParaRPr kumimoji="1" lang="zh-CN" altLang="en-US" sz="2400" dirty="0"/>
+          </a:p>
+        </p:txBody>
+      </p:sp>
+      <p:sp>
+        <p:nvSpPr>
+          <p:cNvPr id="4" name="幻灯片编号占位符 3"/>
+          <p:cNvSpPr>
+            <a:spLocks noGrp="1"/>
+          </p:cNvSpPr>
+          <p:nvPr>
+            <p:ph type="sldNum" sz="quarter" idx="10"/>
+          </p:nvPr>
+        </p:nvSpPr>
+        <p:spPr/>
+        <p:txBody>
+          <a:bodyPr/>
+          <a:lstStyle/>
+          <a:p>
+            <a:fld id="{09FAC59A-2554-7441-A138-FBAFD49FADCF}" type="slidenum">
+              <a:rPr lang="en-US" smtClean="0"/>
             </a:fld>
             <a:endParaRPr lang="en-US"/>
           </a:p>
@@ -1193,7 +1339,6 @@
           <a:p>
             <a:fld id="{09FAC59A-2554-7441-A138-FBAFD49FADCF}" type="slidenum">
               <a:rPr lang="en-US" smtClean="0"/>
-              <a:t>2</a:t>
             </a:fld>
             <a:endParaRPr lang="en-US"/>
           </a:p>
@@ -1277,7 +1422,6 @@
           <a:p>
             <a:fld id="{09FAC59A-2554-7441-A138-FBAFD49FADCF}" type="slidenum">
               <a:rPr lang="en-US" smtClean="0"/>
-              <a:t>3</a:t>
             </a:fld>
             <a:endParaRPr lang="en-US"/>
           </a:p>
@@ -1361,7 +1505,6 @@
           <a:p>
             <a:fld id="{09FAC59A-2554-7441-A138-FBAFD49FADCF}" type="slidenum">
               <a:rPr lang="en-US" smtClean="0"/>
-              <a:t>4</a:t>
             </a:fld>
             <a:endParaRPr lang="en-US"/>
           </a:p>
@@ -1445,7 +1588,6 @@
           <a:p>
             <a:fld id="{09FAC59A-2554-7441-A138-FBAFD49FADCF}" type="slidenum">
               <a:rPr lang="en-US" smtClean="0"/>
-              <a:t>5</a:t>
             </a:fld>
             <a:endParaRPr lang="en-US"/>
           </a:p>
@@ -1529,7 +1671,6 @@
           <a:p>
             <a:fld id="{09FAC59A-2554-7441-A138-FBAFD49FADCF}" type="slidenum">
               <a:rPr lang="en-US" smtClean="0"/>
-              <a:t>6</a:t>
             </a:fld>
             <a:endParaRPr lang="en-US"/>
           </a:p>
@@ -1613,7 +1754,6 @@
           <a:p>
             <a:fld id="{09FAC59A-2554-7441-A138-FBAFD49FADCF}" type="slidenum">
               <a:rPr lang="en-US" smtClean="0"/>
-              <a:t>7</a:t>
             </a:fld>
             <a:endParaRPr lang="en-US"/>
           </a:p>
@@ -1697,18 +1837,12 @@
           <a:p>
             <a:fld id="{09FAC59A-2554-7441-A138-FBAFD49FADCF}" type="slidenum">
               <a:rPr lang="en-US" smtClean="0"/>
-              <a:t>8</a:t>
             </a:fld>
             <a:endParaRPr lang="en-US"/>
           </a:p>
         </p:txBody>
       </p:sp>
     </p:spTree>
-    <p:extLst>
-      <p:ext uri="{BB962C8B-B14F-4D97-AF65-F5344CB8AC3E}">
-        <p14:creationId xmlns:p14="http://schemas.microsoft.com/office/powerpoint/2010/main" val="2698802211"/>
-      </p:ext>
-    </p:extLst>
   </p:cSld>
   <p:clrMapOvr>
     <a:masterClrMapping/>
@@ -1786,7 +1920,6 @@
           <a:p>
             <a:fld id="{09FAC59A-2554-7441-A138-FBAFD49FADCF}" type="slidenum">
               <a:rPr lang="en-US" smtClean="0"/>
-              <a:t>9</a:t>
             </a:fld>
             <a:endParaRPr lang="en-US"/>
           </a:p>
@@ -1931,7 +2064,6 @@
           <a:p>
             <a:fld id="{CE875574-B30F-E946-8A30-5D40B09C42BE}" type="datetimeFigureOut">
               <a:rPr lang="en-US" smtClean="0"/>
-              <a:t>6/10/22</a:t>
             </a:fld>
             <a:endParaRPr lang="en-US"/>
           </a:p>
@@ -1973,7 +2105,6 @@
           <a:p>
             <a:fld id="{671D2AD8-20DD-1F43-B782-FEE6429B9542}" type="slidenum">
               <a:rPr lang="en-US" smtClean="0"/>
-              <a:t>‹#›</a:t>
             </a:fld>
             <a:endParaRPr lang="en-US"/>
           </a:p>
@@ -2047,6 +2178,7 @@
               <a:rPr lang="zh-CN" altLang="en-US"/>
               <a:t>单击此处编辑母版文本样式</a:t>
             </a:r>
+            <a:endParaRPr lang="zh-CN" altLang="en-US"/>
           </a:p>
           <a:p>
             <a:pPr lvl="1"/>
@@ -2054,6 +2186,7 @@
               <a:rPr lang="zh-CN" altLang="en-US"/>
               <a:t>二级</a:t>
             </a:r>
+            <a:endParaRPr lang="zh-CN" altLang="en-US"/>
           </a:p>
           <a:p>
             <a:pPr lvl="2"/>
@@ -2061,6 +2194,7 @@
               <a:rPr lang="zh-CN" altLang="en-US"/>
               <a:t>三级</a:t>
             </a:r>
+            <a:endParaRPr lang="zh-CN" altLang="en-US"/>
           </a:p>
           <a:p>
             <a:pPr lvl="3"/>
@@ -2068,6 +2202,7 @@
               <a:rPr lang="zh-CN" altLang="en-US"/>
               <a:t>四级</a:t>
             </a:r>
+            <a:endParaRPr lang="zh-CN" altLang="en-US"/>
           </a:p>
           <a:p>
             <a:pPr lvl="4"/>
@@ -2096,7 +2231,6 @@
           <a:p>
             <a:fld id="{CE875574-B30F-E946-8A30-5D40B09C42BE}" type="datetimeFigureOut">
               <a:rPr lang="en-US" smtClean="0"/>
-              <a:t>6/10/22</a:t>
             </a:fld>
             <a:endParaRPr lang="en-US"/>
           </a:p>
@@ -2138,7 +2272,6 @@
           <a:p>
             <a:fld id="{671D2AD8-20DD-1F43-B782-FEE6429B9542}" type="slidenum">
               <a:rPr lang="en-US" smtClean="0"/>
-              <a:t>‹#›</a:t>
             </a:fld>
             <a:endParaRPr lang="en-US"/>
           </a:p>
@@ -2222,6 +2355,7 @@
               <a:rPr lang="zh-CN" altLang="en-US"/>
               <a:t>单击此处编辑母版文本样式</a:t>
             </a:r>
+            <a:endParaRPr lang="zh-CN" altLang="en-US"/>
           </a:p>
           <a:p>
             <a:pPr lvl="1"/>
@@ -2229,6 +2363,7 @@
               <a:rPr lang="zh-CN" altLang="en-US"/>
               <a:t>二级</a:t>
             </a:r>
+            <a:endParaRPr lang="zh-CN" altLang="en-US"/>
           </a:p>
           <a:p>
             <a:pPr lvl="2"/>
@@ -2236,6 +2371,7 @@
               <a:rPr lang="zh-CN" altLang="en-US"/>
               <a:t>三级</a:t>
             </a:r>
+            <a:endParaRPr lang="zh-CN" altLang="en-US"/>
           </a:p>
           <a:p>
             <a:pPr lvl="3"/>
@@ -2243,6 +2379,7 @@
               <a:rPr lang="zh-CN" altLang="en-US"/>
               <a:t>四级</a:t>
             </a:r>
+            <a:endParaRPr lang="zh-CN" altLang="en-US"/>
           </a:p>
           <a:p>
             <a:pPr lvl="4"/>
@@ -2271,7 +2408,6 @@
           <a:p>
             <a:fld id="{CE875574-B30F-E946-8A30-5D40B09C42BE}" type="datetimeFigureOut">
               <a:rPr lang="en-US" smtClean="0"/>
-              <a:t>6/10/22</a:t>
             </a:fld>
             <a:endParaRPr lang="en-US"/>
           </a:p>
@@ -2313,7 +2449,6 @@
           <a:p>
             <a:fld id="{671D2AD8-20DD-1F43-B782-FEE6429B9542}" type="slidenum">
               <a:rPr lang="en-US" smtClean="0"/>
-              <a:t>‹#›</a:t>
             </a:fld>
             <a:endParaRPr lang="en-US"/>
           </a:p>
@@ -2462,6 +2597,7 @@
               <a:rPr lang="zh-CN" altLang="en-US"/>
               <a:t>单击此处编辑母版文本样式</a:t>
             </a:r>
+            <a:endParaRPr lang="zh-CN" altLang="en-US"/>
           </a:p>
           <a:p>
             <a:pPr lvl="1"/>
@@ -2469,6 +2605,7 @@
               <a:rPr lang="zh-CN" altLang="en-US"/>
               <a:t>二级</a:t>
             </a:r>
+            <a:endParaRPr lang="zh-CN" altLang="en-US"/>
           </a:p>
           <a:p>
             <a:pPr lvl="2"/>
@@ -2476,6 +2613,7 @@
               <a:rPr lang="zh-CN" altLang="en-US"/>
               <a:t>三级</a:t>
             </a:r>
+            <a:endParaRPr lang="zh-CN" altLang="en-US"/>
           </a:p>
           <a:p>
             <a:pPr lvl="3"/>
@@ -2483,6 +2621,7 @@
               <a:rPr lang="zh-CN" altLang="en-US"/>
               <a:t>四级</a:t>
             </a:r>
+            <a:endParaRPr lang="zh-CN" altLang="en-US"/>
           </a:p>
           <a:p>
             <a:pPr lvl="4"/>
@@ -2511,7 +2650,6 @@
           <a:p>
             <a:fld id="{CE875574-B30F-E946-8A30-5D40B09C42BE}" type="datetimeFigureOut">
               <a:rPr lang="en-US" smtClean="0"/>
-              <a:t>6/10/22</a:t>
             </a:fld>
             <a:endParaRPr lang="en-US"/>
           </a:p>
@@ -2553,7 +2691,6 @@
           <a:p>
             <a:fld id="{671D2AD8-20DD-1F43-B782-FEE6429B9542}" type="slidenum">
               <a:rPr lang="en-US" smtClean="0"/>
-              <a:t>‹#›</a:t>
             </a:fld>
             <a:endParaRPr lang="en-US"/>
           </a:p>
@@ -2732,6 +2869,7 @@
               <a:rPr lang="zh-CN" altLang="en-US"/>
               <a:t>单击此处编辑母版文本样式</a:t>
             </a:r>
+            <a:endParaRPr lang="zh-CN" altLang="en-US"/>
           </a:p>
         </p:txBody>
       </p:sp>
@@ -2752,7 +2890,6 @@
           <a:p>
             <a:fld id="{CE875574-B30F-E946-8A30-5D40B09C42BE}" type="datetimeFigureOut">
               <a:rPr lang="en-US" smtClean="0"/>
-              <a:t>6/10/22</a:t>
             </a:fld>
             <a:endParaRPr lang="en-US"/>
           </a:p>
@@ -2794,7 +2931,6 @@
           <a:p>
             <a:fld id="{671D2AD8-20DD-1F43-B782-FEE6429B9542}" type="slidenum">
               <a:rPr lang="en-US" smtClean="0"/>
-              <a:t>‹#›</a:t>
             </a:fld>
             <a:endParaRPr lang="en-US"/>
           </a:p>
@@ -2873,6 +3009,7 @@
               <a:rPr lang="zh-CN" altLang="en-US"/>
               <a:t>单击此处编辑母版文本样式</a:t>
             </a:r>
+            <a:endParaRPr lang="zh-CN" altLang="en-US"/>
           </a:p>
           <a:p>
             <a:pPr lvl="1"/>
@@ -2880,6 +3017,7 @@
               <a:rPr lang="zh-CN" altLang="en-US"/>
               <a:t>二级</a:t>
             </a:r>
+            <a:endParaRPr lang="zh-CN" altLang="en-US"/>
           </a:p>
           <a:p>
             <a:pPr lvl="2"/>
@@ -2887,6 +3025,7 @@
               <a:rPr lang="zh-CN" altLang="en-US"/>
               <a:t>三级</a:t>
             </a:r>
+            <a:endParaRPr lang="zh-CN" altLang="en-US"/>
           </a:p>
           <a:p>
             <a:pPr lvl="3"/>
@@ -2894,6 +3033,7 @@
               <a:rPr lang="zh-CN" altLang="en-US"/>
               <a:t>四级</a:t>
             </a:r>
+            <a:endParaRPr lang="zh-CN" altLang="en-US"/>
           </a:p>
           <a:p>
             <a:pPr lvl="4"/>
@@ -2930,6 +3070,7 @@
               <a:rPr lang="zh-CN" altLang="en-US"/>
               <a:t>单击此处编辑母版文本样式</a:t>
             </a:r>
+            <a:endParaRPr lang="zh-CN" altLang="en-US"/>
           </a:p>
           <a:p>
             <a:pPr lvl="1"/>
@@ -2937,6 +3078,7 @@
               <a:rPr lang="zh-CN" altLang="en-US"/>
               <a:t>二级</a:t>
             </a:r>
+            <a:endParaRPr lang="zh-CN" altLang="en-US"/>
           </a:p>
           <a:p>
             <a:pPr lvl="2"/>
@@ -2944,6 +3086,7 @@
               <a:rPr lang="zh-CN" altLang="en-US"/>
               <a:t>三级</a:t>
             </a:r>
+            <a:endParaRPr lang="zh-CN" altLang="en-US"/>
           </a:p>
           <a:p>
             <a:pPr lvl="3"/>
@@ -2951,6 +3094,7 @@
               <a:rPr lang="zh-CN" altLang="en-US"/>
               <a:t>四级</a:t>
             </a:r>
+            <a:endParaRPr lang="zh-CN" altLang="en-US"/>
           </a:p>
           <a:p>
             <a:pPr lvl="4"/>
@@ -2979,7 +3123,6 @@
           <a:p>
             <a:fld id="{CE875574-B30F-E946-8A30-5D40B09C42BE}" type="datetimeFigureOut">
               <a:rPr lang="en-US" smtClean="0"/>
-              <a:t>6/10/22</a:t>
             </a:fld>
             <a:endParaRPr lang="en-US"/>
           </a:p>
@@ -3021,7 +3164,6 @@
           <a:p>
             <a:fld id="{671D2AD8-20DD-1F43-B782-FEE6429B9542}" type="slidenum">
               <a:rPr lang="en-US" smtClean="0"/>
-              <a:t>‹#›</a:t>
             </a:fld>
             <a:endParaRPr lang="en-US"/>
           </a:p>
@@ -3142,6 +3284,7 @@
               <a:rPr lang="zh-CN" altLang="en-US"/>
               <a:t>单击此处编辑母版文本样式</a:t>
             </a:r>
+            <a:endParaRPr lang="zh-CN" altLang="en-US"/>
           </a:p>
         </p:txBody>
       </p:sp>
@@ -3170,6 +3313,7 @@
               <a:rPr lang="zh-CN" altLang="en-US"/>
               <a:t>单击此处编辑母版文本样式</a:t>
             </a:r>
+            <a:endParaRPr lang="zh-CN" altLang="en-US"/>
           </a:p>
           <a:p>
             <a:pPr lvl="1"/>
@@ -3177,6 +3321,7 @@
               <a:rPr lang="zh-CN" altLang="en-US"/>
               <a:t>二级</a:t>
             </a:r>
+            <a:endParaRPr lang="zh-CN" altLang="en-US"/>
           </a:p>
           <a:p>
             <a:pPr lvl="2"/>
@@ -3184,6 +3329,7 @@
               <a:rPr lang="zh-CN" altLang="en-US"/>
               <a:t>三级</a:t>
             </a:r>
+            <a:endParaRPr lang="zh-CN" altLang="en-US"/>
           </a:p>
           <a:p>
             <a:pPr lvl="3"/>
@@ -3191,6 +3337,7 @@
               <a:rPr lang="zh-CN" altLang="en-US"/>
               <a:t>四级</a:t>
             </a:r>
+            <a:endParaRPr lang="zh-CN" altLang="en-US"/>
           </a:p>
           <a:p>
             <a:pPr lvl="4"/>
@@ -3264,6 +3411,7 @@
               <a:rPr lang="zh-CN" altLang="en-US"/>
               <a:t>单击此处编辑母版文本样式</a:t>
             </a:r>
+            <a:endParaRPr lang="zh-CN" altLang="en-US"/>
           </a:p>
         </p:txBody>
       </p:sp>
@@ -3292,6 +3440,7 @@
               <a:rPr lang="zh-CN" altLang="en-US"/>
               <a:t>单击此处编辑母版文本样式</a:t>
             </a:r>
+            <a:endParaRPr lang="zh-CN" altLang="en-US"/>
           </a:p>
           <a:p>
             <a:pPr lvl="1"/>
@@ -3299,6 +3448,7 @@
               <a:rPr lang="zh-CN" altLang="en-US"/>
               <a:t>二级</a:t>
             </a:r>
+            <a:endParaRPr lang="zh-CN" altLang="en-US"/>
           </a:p>
           <a:p>
             <a:pPr lvl="2"/>
@@ -3306,6 +3456,7 @@
               <a:rPr lang="zh-CN" altLang="en-US"/>
               <a:t>三级</a:t>
             </a:r>
+            <a:endParaRPr lang="zh-CN" altLang="en-US"/>
           </a:p>
           <a:p>
             <a:pPr lvl="3"/>
@@ -3313,6 +3464,7 @@
               <a:rPr lang="zh-CN" altLang="en-US"/>
               <a:t>四级</a:t>
             </a:r>
+            <a:endParaRPr lang="zh-CN" altLang="en-US"/>
           </a:p>
           <a:p>
             <a:pPr lvl="4"/>
@@ -3341,7 +3493,6 @@
           <a:p>
             <a:fld id="{CE875574-B30F-E946-8A30-5D40B09C42BE}" type="datetimeFigureOut">
               <a:rPr lang="en-US" smtClean="0"/>
-              <a:t>6/10/22</a:t>
             </a:fld>
             <a:endParaRPr lang="en-US"/>
           </a:p>
@@ -3383,7 +3534,6 @@
           <a:p>
             <a:fld id="{671D2AD8-20DD-1F43-B782-FEE6429B9542}" type="slidenum">
               <a:rPr lang="en-US" smtClean="0"/>
-              <a:t>‹#›</a:t>
             </a:fld>
             <a:endParaRPr lang="en-US"/>
           </a:p>
@@ -3454,7 +3604,6 @@
           <a:p>
             <a:fld id="{CE875574-B30F-E946-8A30-5D40B09C42BE}" type="datetimeFigureOut">
               <a:rPr lang="en-US" smtClean="0"/>
-              <a:t>6/10/22</a:t>
             </a:fld>
             <a:endParaRPr lang="en-US"/>
           </a:p>
@@ -3496,7 +3645,6 @@
           <a:p>
             <a:fld id="{671D2AD8-20DD-1F43-B782-FEE6429B9542}" type="slidenum">
               <a:rPr lang="en-US" smtClean="0"/>
-              <a:t>‹#›</a:t>
             </a:fld>
             <a:endParaRPr lang="en-US"/>
           </a:p>
@@ -3544,7 +3692,6 @@
           <a:p>
             <a:fld id="{CE875574-B30F-E946-8A30-5D40B09C42BE}" type="datetimeFigureOut">
               <a:rPr lang="en-US" smtClean="0"/>
-              <a:t>6/10/22</a:t>
             </a:fld>
             <a:endParaRPr lang="en-US"/>
           </a:p>
@@ -3586,7 +3733,6 @@
           <a:p>
             <a:fld id="{671D2AD8-20DD-1F43-B782-FEE6429B9542}" type="slidenum">
               <a:rPr lang="en-US" smtClean="0"/>
-              <a:t>‹#›</a:t>
             </a:fld>
             <a:endParaRPr lang="en-US"/>
           </a:p>
@@ -3702,6 +3848,7 @@
               <a:rPr lang="zh-CN" altLang="en-US"/>
               <a:t>单击此处编辑母版文本样式</a:t>
             </a:r>
+            <a:endParaRPr lang="zh-CN" altLang="en-US"/>
           </a:p>
           <a:p>
             <a:pPr lvl="1"/>
@@ -3709,6 +3856,7 @@
               <a:rPr lang="zh-CN" altLang="en-US"/>
               <a:t>二级</a:t>
             </a:r>
+            <a:endParaRPr lang="zh-CN" altLang="en-US"/>
           </a:p>
           <a:p>
             <a:pPr lvl="2"/>
@@ -3716,6 +3864,7 @@
               <a:rPr lang="zh-CN" altLang="en-US"/>
               <a:t>三级</a:t>
             </a:r>
+            <a:endParaRPr lang="zh-CN" altLang="en-US"/>
           </a:p>
           <a:p>
             <a:pPr lvl="3"/>
@@ -3723,6 +3872,7 @@
               <a:rPr lang="zh-CN" altLang="en-US"/>
               <a:t>四级</a:t>
             </a:r>
+            <a:endParaRPr lang="zh-CN" altLang="en-US"/>
           </a:p>
           <a:p>
             <a:pPr lvl="4"/>
@@ -3796,6 +3946,7 @@
               <a:rPr lang="zh-CN" altLang="en-US"/>
               <a:t>单击此处编辑母版文本样式</a:t>
             </a:r>
+            <a:endParaRPr lang="zh-CN" altLang="en-US"/>
           </a:p>
         </p:txBody>
       </p:sp>
@@ -3816,7 +3967,6 @@
           <a:p>
             <a:fld id="{CE875574-B30F-E946-8A30-5D40B09C42BE}" type="datetimeFigureOut">
               <a:rPr lang="en-US" smtClean="0"/>
-              <a:t>6/10/22</a:t>
             </a:fld>
             <a:endParaRPr lang="en-US"/>
           </a:p>
@@ -3858,7 +4008,6 @@
           <a:p>
             <a:fld id="{671D2AD8-20DD-1F43-B782-FEE6429B9542}" type="slidenum">
               <a:rPr lang="en-US" smtClean="0"/>
-              <a:t>‹#›</a:t>
             </a:fld>
             <a:endParaRPr lang="en-US"/>
           </a:p>
@@ -4048,6 +4197,7 @@
               <a:rPr lang="zh-CN" altLang="en-US"/>
               <a:t>单击此处编辑母版文本样式</a:t>
             </a:r>
+            <a:endParaRPr lang="zh-CN" altLang="en-US"/>
           </a:p>
         </p:txBody>
       </p:sp>
@@ -4068,7 +4218,6 @@
           <a:p>
             <a:fld id="{CE875574-B30F-E946-8A30-5D40B09C42BE}" type="datetimeFigureOut">
               <a:rPr lang="en-US" smtClean="0"/>
-              <a:t>6/10/22</a:t>
             </a:fld>
             <a:endParaRPr lang="en-US"/>
           </a:p>
@@ -4110,7 +4259,6 @@
           <a:p>
             <a:fld id="{671D2AD8-20DD-1F43-B782-FEE6429B9542}" type="slidenum">
               <a:rPr lang="en-US" smtClean="0"/>
-              <a:t>‹#›</a:t>
             </a:fld>
             <a:endParaRPr lang="en-US"/>
           </a:p>
@@ -4209,6 +4357,7 @@
               <a:rPr lang="zh-CN" altLang="en-US"/>
               <a:t>单击此处编辑母版文本样式</a:t>
             </a:r>
+            <a:endParaRPr lang="zh-CN" altLang="en-US"/>
           </a:p>
           <a:p>
             <a:pPr lvl="1"/>
@@ -4216,6 +4365,7 @@
               <a:rPr lang="zh-CN" altLang="en-US"/>
               <a:t>二级</a:t>
             </a:r>
+            <a:endParaRPr lang="zh-CN" altLang="en-US"/>
           </a:p>
           <a:p>
             <a:pPr lvl="2"/>
@@ -4223,6 +4373,7 @@
               <a:rPr lang="zh-CN" altLang="en-US"/>
               <a:t>三级</a:t>
             </a:r>
+            <a:endParaRPr lang="zh-CN" altLang="en-US"/>
           </a:p>
           <a:p>
             <a:pPr lvl="3"/>
@@ -4230,6 +4381,7 @@
               <a:rPr lang="zh-CN" altLang="en-US"/>
               <a:t>四级</a:t>
             </a:r>
+            <a:endParaRPr lang="zh-CN" altLang="en-US"/>
           </a:p>
           <a:p>
             <a:pPr lvl="4"/>
@@ -4276,7 +4428,6 @@
           <a:p>
             <a:fld id="{CE875574-B30F-E946-8A30-5D40B09C42BE}" type="datetimeFigureOut">
               <a:rPr lang="en-US" smtClean="0"/>
-              <a:t>6/10/22</a:t>
             </a:fld>
             <a:endParaRPr lang="en-US"/>
           </a:p>
@@ -4354,7 +4505,6 @@
           <a:p>
             <a:fld id="{671D2AD8-20DD-1F43-B782-FEE6429B9542}" type="slidenum">
               <a:rPr lang="en-US" smtClean="0"/>
-              <a:t>‹#›</a:t>
             </a:fld>
             <a:endParaRPr lang="en-US"/>
           </a:p>
@@ -4686,7 +4836,7 @@
           <p:nvPr/>
         </p:nvPicPr>
         <p:blipFill>
-          <a:blip r:embed="rId3">
+          <a:blip r:embed="rId1">
             <a:clrChange>
               <a:clrFrom>
                 <a:srgbClr val="FFFFFF"/>
@@ -5140,6 +5290,7 @@
               <a:rPr lang="en-US" altLang="zh-CN" dirty="0"/>
               <a:t>2022.6.11</a:t>
             </a:r>
+            <a:endParaRPr lang="en-US" altLang="zh-CN" dirty="0"/>
           </a:p>
           <a:p>
             <a:endParaRPr lang="en-US" altLang="zh-CN" dirty="0"/>
@@ -5156,6 +5307,10 @@
               </a:rPr>
               <a:t>docker run -it uintr/demo</a:t>
             </a:r>
+            <a:endParaRPr lang="en-US" altLang="zh-CN" dirty="0">
+              <a:latin typeface="Consolas" panose="020B0609020204030204" charset="0"/>
+              <a:cs typeface="Consolas" panose="020B0609020204030204" charset="0"/>
+            </a:endParaRPr>
           </a:p>
         </p:txBody>
       </p:sp>
@@ -5326,7 +5481,7 @@
           <p:nvPr/>
         </p:nvPicPr>
         <p:blipFill>
-          <a:blip r:embed="rId3">
+          <a:blip r:embed="rId1">
             <a:clrChange>
               <a:clrFrom>
                 <a:srgbClr val="FFFFFF"/>
@@ -5750,6 +5905,9 @@
               </a:rPr>
               <a:t>性能测试结果</a:t>
             </a:r>
+            <a:endParaRPr lang="zh-CN" altLang="en-US" dirty="0">
+              <a:latin typeface="+mn-ea"/>
+            </a:endParaRPr>
           </a:p>
         </p:txBody>
       </p:sp>
@@ -5762,7 +5920,7 @@
           <p:nvPr/>
         </p:nvPicPr>
         <p:blipFill>
-          <a:blip r:embed="rId4"/>
+          <a:blip r:embed="rId2"/>
           <a:stretch>
             <a:fillRect/>
           </a:stretch>
@@ -5786,7 +5944,7 @@
           <p:nvPr/>
         </p:nvPicPr>
         <p:blipFill>
-          <a:blip r:embed="rId5"/>
+          <a:blip r:embed="rId3"/>
           <a:stretch>
             <a:fillRect/>
           </a:stretch>
@@ -5839,6 +5997,7 @@
               <a:rPr lang="en-US" altLang="zh-CN"/>
               <a:t>eventfd</a:t>
             </a:r>
+            <a:endParaRPr lang="en-US" altLang="zh-CN"/>
           </a:p>
         </p:txBody>
       </p:sp>
@@ -5851,7 +6010,7 @@
           <p:nvPr/>
         </p:nvPicPr>
         <p:blipFill>
-          <a:blip r:embed="rId6"/>
+          <a:blip r:embed="rId4"/>
           <a:srcRect l="819"/>
           <a:stretch>
             <a:fillRect/>
@@ -6034,7 +6193,7 @@
           <p:nvPr/>
         </p:nvPicPr>
         <p:blipFill>
-          <a:blip r:embed="rId3">
+          <a:blip r:embed="rId1">
             <a:clrChange>
               <a:clrFrom>
                 <a:srgbClr val="FFFFFF"/>
@@ -6458,6 +6617,9 @@
               </a:rPr>
               <a:t>性能测试结果</a:t>
             </a:r>
+            <a:endParaRPr lang="zh-CN" altLang="en-US" dirty="0">
+              <a:latin typeface="+mn-ea"/>
+            </a:endParaRPr>
           </a:p>
         </p:txBody>
       </p:sp>
@@ -6470,7 +6632,7 @@
           <p:nvPr/>
         </p:nvPicPr>
         <p:blipFill>
-          <a:blip r:embed="rId4"/>
+          <a:blip r:embed="rId2"/>
           <a:stretch>
             <a:fillRect/>
           </a:stretch>
@@ -6494,7 +6656,7 @@
           <p:nvPr/>
         </p:nvPicPr>
         <p:blipFill>
-          <a:blip r:embed="rId5"/>
+          <a:blip r:embed="rId3"/>
           <a:stretch>
             <a:fillRect/>
           </a:stretch>
@@ -6547,6 +6709,7 @@
               <a:rPr lang="en-US" altLang="zh-CN"/>
               <a:t>pipe</a:t>
             </a:r>
+            <a:endParaRPr lang="en-US" altLang="zh-CN"/>
           </a:p>
         </p:txBody>
       </p:sp>
@@ -6559,7 +6722,7 @@
           <p:nvPr/>
         </p:nvPicPr>
         <p:blipFill>
-          <a:blip r:embed="rId6"/>
+          <a:blip r:embed="rId4"/>
           <a:stretch>
             <a:fillRect/>
           </a:stretch>
@@ -6741,7 +6904,7 @@
           <p:nvPr/>
         </p:nvPicPr>
         <p:blipFill>
-          <a:blip r:embed="rId3">
+          <a:blip r:embed="rId1">
             <a:clrChange>
               <a:clrFrom>
                 <a:srgbClr val="FFFFFF"/>
@@ -7165,6 +7328,9 @@
               </a:rPr>
               <a:t>性能测试结果</a:t>
             </a:r>
+            <a:endParaRPr lang="zh-CN" altLang="en-US" dirty="0">
+              <a:latin typeface="+mn-ea"/>
+            </a:endParaRPr>
           </a:p>
         </p:txBody>
       </p:sp>
@@ -7177,7 +7343,7 @@
           <p:nvPr/>
         </p:nvPicPr>
         <p:blipFill>
-          <a:blip r:embed="rId4"/>
+          <a:blip r:embed="rId2"/>
           <a:stretch>
             <a:fillRect/>
           </a:stretch>
@@ -7201,7 +7367,7 @@
           <p:nvPr/>
         </p:nvPicPr>
         <p:blipFill>
-          <a:blip r:embed="rId5"/>
+          <a:blip r:embed="rId3"/>
           <a:stretch>
             <a:fillRect/>
           </a:stretch>
@@ -7254,6 +7420,7 @@
               <a:rPr lang="en-US" altLang="zh-CN"/>
               <a:t>domain</a:t>
             </a:r>
+            <a:endParaRPr lang="en-US" altLang="zh-CN"/>
           </a:p>
         </p:txBody>
       </p:sp>
@@ -7266,7 +7433,7 @@
           <p:nvPr/>
         </p:nvPicPr>
         <p:blipFill>
-          <a:blip r:embed="rId6"/>
+          <a:blip r:embed="rId4"/>
           <a:stretch>
             <a:fillRect/>
           </a:stretch>
@@ -7344,14 +7511,44 @@
           </a:lstStyle>
           <a:p>
             <a:r>
-              <a:rPr lang="zh-CN" altLang="en-US" sz="4000" b="1" dirty="0">
+              <a:rPr lang="en-US" altLang="zh-CN" sz="4000" b="1" dirty="0" err="1">
                 <a:solidFill>
                   <a:srgbClr val="704F95"/>
                 </a:solidFill>
                 <a:latin typeface="思源宋体 Medium" panose="02020500000000000000" pitchFamily="18" charset="-122"/>
                 <a:ea typeface="思源宋体 Medium" panose="02020500000000000000" pitchFamily="18" charset="-122"/>
               </a:rPr>
-              <a:t>工作过程管理</a:t>
+              <a:t>Uintr</a:t>
+            </a:r>
+            <a:r>
+              <a:rPr lang="zh-CN" altLang="en-US" sz="4000" b="1" dirty="0">
+                <a:solidFill>
+                  <a:srgbClr val="704F95"/>
+                </a:solidFill>
+                <a:latin typeface="思源宋体 Medium" panose="02020500000000000000" pitchFamily="18" charset="-122"/>
+                <a:ea typeface="思源宋体 Medium" panose="02020500000000000000" pitchFamily="18" charset="-122"/>
+              </a:rPr>
+              <a:t>性能测试</a:t>
+            </a:r>
+            <a:r>
+              <a:rPr lang="en-US" altLang="zh-CN" sz="4000" b="1" dirty="0">
+                <a:solidFill>
+                  <a:srgbClr val="704F95"/>
+                </a:solidFill>
+                <a:latin typeface="思源宋体 Medium" panose="02020500000000000000" pitchFamily="18" charset="-122"/>
+                <a:ea typeface="思源宋体 Medium" panose="02020500000000000000" pitchFamily="18" charset="-122"/>
+              </a:rPr>
+              <a:t>-</a:t>
+            </a:r>
+            <a:r>
+              <a:rPr lang="zh-CN" altLang="en-US" sz="4000" b="1" dirty="0">
+                <a:solidFill>
+                  <a:srgbClr val="704F95"/>
+                </a:solidFill>
+                <a:latin typeface="思源宋体 Medium" panose="02020500000000000000" pitchFamily="18" charset="-122"/>
+                <a:ea typeface="思源宋体 Medium" panose="02020500000000000000" pitchFamily="18" charset="-122"/>
+              </a:rPr>
+              <a:t>横向对比</a:t>
             </a:r>
             <a:endParaRPr lang="en-US" altLang="zh-CN" sz="4000" b="1" dirty="0">
               <a:solidFill>
@@ -7418,7 +7615,7 @@
           <p:nvPr/>
         </p:nvPicPr>
         <p:blipFill>
-          <a:blip r:embed="rId3">
+          <a:blip r:embed="rId1">
             <a:clrChange>
               <a:clrFrom>
                 <a:srgbClr val="FFFFFF"/>
@@ -7648,7 +7845,7 @@
         </p:nvSpPr>
         <p:spPr>
           <a:xfrm>
-            <a:off x="1113971" y="1801282"/>
+            <a:off x="1056186" y="1833032"/>
             <a:ext cx="10515600" cy="4351338"/>
           </a:xfrm>
           <a:prstGeom prst="rect">
@@ -7824,304 +8021,160 @@
             </a:lvl9pPr>
           </a:lstStyle>
           <a:p>
+            <a:r>
+              <a:rPr lang="zh-CN" dirty="0">
+                <a:latin typeface="+mn-ea"/>
+              </a:rPr>
+              <a:t>将</a:t>
+            </a:r>
+            <a:r>
+              <a:rPr lang="en-US" altLang="zh-CN" dirty="0">
+                <a:latin typeface="+mn-ea"/>
+              </a:rPr>
+              <a:t> message size </a:t>
+            </a:r>
+            <a:r>
+              <a:rPr lang="zh-CN" altLang="en-US" dirty="0">
+                <a:latin typeface="+mn-ea"/>
+              </a:rPr>
+              <a:t>扩大到</a:t>
+            </a:r>
+            <a:r>
+              <a:rPr lang="en-US" altLang="zh-CN" dirty="0">
+                <a:latin typeface="+mn-ea"/>
+              </a:rPr>
+              <a:t> 4KB</a:t>
+            </a:r>
             <a:endParaRPr lang="en-US" altLang="zh-CN" dirty="0">
               <a:latin typeface="+mn-ea"/>
             </a:endParaRPr>
           </a:p>
-        </p:txBody>
-      </p:sp>
-      <p:sp>
-        <p:nvSpPr>
-          <p:cNvPr id="15" name="Content Placeholder 2"/>
-          <p:cNvSpPr txBox="1"/>
+          <a:p>
+            <a:endParaRPr lang="en-US" altLang="zh-CN" dirty="0">
+              <a:latin typeface="+mn-ea"/>
+            </a:endParaRPr>
+          </a:p>
+          <a:p>
+            <a:r>
+              <a:rPr lang="zh-CN" altLang="en-US" dirty="0">
+                <a:latin typeface="+mn-ea"/>
+              </a:rPr>
+              <a:t>分别为</a:t>
+            </a:r>
+            <a:r>
+              <a:rPr lang="en-US" altLang="zh-CN" dirty="0">
+                <a:latin typeface="+mn-ea"/>
+              </a:rPr>
+              <a:t> pipe</a:t>
+            </a:r>
+            <a:r>
+              <a:rPr lang="zh-CN" altLang="en-US" dirty="0">
+                <a:latin typeface="+mn-ea"/>
+              </a:rPr>
+              <a:t>、</a:t>
+            </a:r>
+            <a:r>
+              <a:rPr lang="en-US" altLang="zh-CN" dirty="0">
+                <a:latin typeface="+mn-ea"/>
+              </a:rPr>
+              <a:t>uintr-shm</a:t>
+            </a:r>
+            <a:r>
+              <a:rPr lang="zh-CN" altLang="en-US" dirty="0">
+                <a:latin typeface="+mn-ea"/>
+              </a:rPr>
+              <a:t>（双线程）、</a:t>
+            </a:r>
+            <a:r>
+              <a:rPr lang="en-US" altLang="zh-CN" dirty="0">
+                <a:latin typeface="+mn-ea"/>
+              </a:rPr>
+              <a:t>uintr-shm</a:t>
+            </a:r>
+            <a:r>
+              <a:rPr lang="zh-CN" altLang="en-US" dirty="0">
+                <a:latin typeface="+mn-ea"/>
+              </a:rPr>
+              <a:t>（双进程）</a:t>
+            </a:r>
+            <a:endParaRPr lang="en-US" altLang="zh-CN" dirty="0">
+              <a:latin typeface="+mn-ea"/>
+            </a:endParaRPr>
+          </a:p>
+        </p:txBody>
+      </p:sp>
+      <p:pic>
+        <p:nvPicPr>
+          <p:cNvPr id="4" name="图片 3" descr="Screenshot_20220610_224737"/>
+          <p:cNvPicPr>
+            <a:picLocks noChangeAspect="1"/>
+          </p:cNvPicPr>
           <p:nvPr/>
-        </p:nvSpPr>
+        </p:nvPicPr>
+        <p:blipFill>
+          <a:blip r:embed="rId2"/>
+          <a:stretch>
+            <a:fillRect/>
+          </a:stretch>
+        </p:blipFill>
         <p:spPr>
           <a:xfrm>
-            <a:off x="1113971" y="1758689"/>
-            <a:ext cx="6954264" cy="2174628"/>
+            <a:off x="806450" y="3637915"/>
+            <a:ext cx="3378835" cy="1802130"/>
           </a:xfrm>
           <a:prstGeom prst="rect">
             <a:avLst/>
           </a:prstGeom>
         </p:spPr>
-        <p:txBody>
-          <a:bodyPr>
-            <a:normAutofit/>
-          </a:bodyPr>
-          <a:lstStyle>
-            <a:lvl1pPr marL="228600" indent="-228600" algn="l" defTabSz="914400" rtl="0" eaLnBrk="1" latinLnBrk="0" hangingPunct="1">
-              <a:lnSpc>
-                <a:spcPct val="90000"/>
-              </a:lnSpc>
-              <a:spcBef>
-                <a:spcPts val="1000"/>
-              </a:spcBef>
-              <a:buFont typeface="Arial" panose="020B0604020202020204" pitchFamily="34" charset="0"/>
-              <a:buChar char="•"/>
-              <a:defRPr sz="2800" kern="1200">
-                <a:solidFill>
-                  <a:schemeClr val="tx1"/>
-                </a:solidFill>
-                <a:latin typeface="+mn-lt"/>
-                <a:ea typeface="+mn-ea"/>
-                <a:cs typeface="+mn-cs"/>
-              </a:defRPr>
-            </a:lvl1pPr>
-            <a:lvl2pPr marL="685800" indent="-228600" algn="l" defTabSz="914400" rtl="0" eaLnBrk="1" latinLnBrk="0" hangingPunct="1">
-              <a:lnSpc>
-                <a:spcPct val="90000"/>
-              </a:lnSpc>
-              <a:spcBef>
-                <a:spcPts val="500"/>
-              </a:spcBef>
-              <a:buFont typeface="Arial" panose="020B0604020202020204" pitchFamily="34" charset="0"/>
-              <a:buChar char="•"/>
-              <a:defRPr sz="2400" kern="1200">
-                <a:solidFill>
-                  <a:schemeClr val="tx1"/>
-                </a:solidFill>
-                <a:latin typeface="+mn-lt"/>
-                <a:ea typeface="+mn-ea"/>
-                <a:cs typeface="+mn-cs"/>
-              </a:defRPr>
-            </a:lvl2pPr>
-            <a:lvl3pPr marL="1143000" indent="-228600" algn="l" defTabSz="914400" rtl="0" eaLnBrk="1" latinLnBrk="0" hangingPunct="1">
-              <a:lnSpc>
-                <a:spcPct val="90000"/>
-              </a:lnSpc>
-              <a:spcBef>
-                <a:spcPts val="500"/>
-              </a:spcBef>
-              <a:buFont typeface="Arial" panose="020B0604020202020204" pitchFamily="34" charset="0"/>
-              <a:buChar char="•"/>
-              <a:defRPr sz="2000" kern="1200">
-                <a:solidFill>
-                  <a:schemeClr val="tx1"/>
-                </a:solidFill>
-                <a:latin typeface="+mn-lt"/>
-                <a:ea typeface="+mn-ea"/>
-                <a:cs typeface="+mn-cs"/>
-              </a:defRPr>
-            </a:lvl3pPr>
-            <a:lvl4pPr marL="1600200" indent="-228600" algn="l" defTabSz="914400" rtl="0" eaLnBrk="1" latinLnBrk="0" hangingPunct="1">
-              <a:lnSpc>
-                <a:spcPct val="90000"/>
-              </a:lnSpc>
-              <a:spcBef>
-                <a:spcPts val="500"/>
-              </a:spcBef>
-              <a:buFont typeface="Arial" panose="020B0604020202020204" pitchFamily="34" charset="0"/>
-              <a:buChar char="•"/>
-              <a:defRPr sz="1800" kern="1200">
-                <a:solidFill>
-                  <a:schemeClr val="tx1"/>
-                </a:solidFill>
-                <a:latin typeface="+mn-lt"/>
-                <a:ea typeface="+mn-ea"/>
-                <a:cs typeface="+mn-cs"/>
-              </a:defRPr>
-            </a:lvl4pPr>
-            <a:lvl5pPr marL="2057400" indent="-228600" algn="l" defTabSz="914400" rtl="0" eaLnBrk="1" latinLnBrk="0" hangingPunct="1">
-              <a:lnSpc>
-                <a:spcPct val="90000"/>
-              </a:lnSpc>
-              <a:spcBef>
-                <a:spcPts val="500"/>
-              </a:spcBef>
-              <a:buFont typeface="Arial" panose="020B0604020202020204" pitchFamily="34" charset="0"/>
-              <a:buChar char="•"/>
-              <a:defRPr sz="1800" kern="1200">
-                <a:solidFill>
-                  <a:schemeClr val="tx1"/>
-                </a:solidFill>
-                <a:latin typeface="+mn-lt"/>
-                <a:ea typeface="+mn-ea"/>
-                <a:cs typeface="+mn-cs"/>
-              </a:defRPr>
-            </a:lvl5pPr>
-            <a:lvl6pPr marL="2514600" indent="-228600" algn="l" defTabSz="914400" rtl="0" eaLnBrk="1" latinLnBrk="0" hangingPunct="1">
-              <a:lnSpc>
-                <a:spcPct val="90000"/>
-              </a:lnSpc>
-              <a:spcBef>
-                <a:spcPts val="500"/>
-              </a:spcBef>
-              <a:buFont typeface="Arial" panose="020B0604020202020204" pitchFamily="34" charset="0"/>
-              <a:buChar char="•"/>
-              <a:defRPr sz="1800" kern="1200">
-                <a:solidFill>
-                  <a:schemeClr val="tx1"/>
-                </a:solidFill>
-                <a:latin typeface="+mn-lt"/>
-                <a:ea typeface="+mn-ea"/>
-                <a:cs typeface="+mn-cs"/>
-              </a:defRPr>
-            </a:lvl6pPr>
-            <a:lvl7pPr marL="2971800" indent="-228600" algn="l" defTabSz="914400" rtl="0" eaLnBrk="1" latinLnBrk="0" hangingPunct="1">
-              <a:lnSpc>
-                <a:spcPct val="90000"/>
-              </a:lnSpc>
-              <a:spcBef>
-                <a:spcPts val="500"/>
-              </a:spcBef>
-              <a:buFont typeface="Arial" panose="020B0604020202020204" pitchFamily="34" charset="0"/>
-              <a:buChar char="•"/>
-              <a:defRPr sz="1800" kern="1200">
-                <a:solidFill>
-                  <a:schemeClr val="tx1"/>
-                </a:solidFill>
-                <a:latin typeface="+mn-lt"/>
-                <a:ea typeface="+mn-ea"/>
-                <a:cs typeface="+mn-cs"/>
-              </a:defRPr>
-            </a:lvl7pPr>
-            <a:lvl8pPr marL="3429000" indent="-228600" algn="l" defTabSz="914400" rtl="0" eaLnBrk="1" latinLnBrk="0" hangingPunct="1">
-              <a:lnSpc>
-                <a:spcPct val="90000"/>
-              </a:lnSpc>
-              <a:spcBef>
-                <a:spcPts val="500"/>
-              </a:spcBef>
-              <a:buFont typeface="Arial" panose="020B0604020202020204" pitchFamily="34" charset="0"/>
-              <a:buChar char="•"/>
-              <a:defRPr sz="1800" kern="1200">
-                <a:solidFill>
-                  <a:schemeClr val="tx1"/>
-                </a:solidFill>
-                <a:latin typeface="+mn-lt"/>
-                <a:ea typeface="+mn-ea"/>
-                <a:cs typeface="+mn-cs"/>
-              </a:defRPr>
-            </a:lvl8pPr>
-            <a:lvl9pPr marL="3886200" indent="-228600" algn="l" defTabSz="914400" rtl="0" eaLnBrk="1" latinLnBrk="0" hangingPunct="1">
-              <a:lnSpc>
-                <a:spcPct val="90000"/>
-              </a:lnSpc>
-              <a:spcBef>
-                <a:spcPts val="500"/>
-              </a:spcBef>
-              <a:buFont typeface="Arial" panose="020B0604020202020204" pitchFamily="34" charset="0"/>
-              <a:buChar char="•"/>
-              <a:defRPr sz="1800" kern="1200">
-                <a:solidFill>
-                  <a:schemeClr val="tx1"/>
-                </a:solidFill>
-                <a:latin typeface="+mn-lt"/>
-                <a:ea typeface="+mn-ea"/>
-                <a:cs typeface="+mn-cs"/>
-              </a:defRPr>
-            </a:lvl9pPr>
-          </a:lstStyle>
-          <a:p>
-            <a:r>
-              <a:rPr lang="zh-CN" altLang="en-US" dirty="0">
-                <a:latin typeface="+mn-ea"/>
-              </a:rPr>
-              <a:t>万字工作文档，详细记录问题解决过程</a:t>
-            </a:r>
-            <a:endParaRPr lang="en-US" altLang="zh-CN" dirty="0">
-              <a:latin typeface="+mn-ea"/>
-            </a:endParaRPr>
-          </a:p>
-          <a:p>
-            <a:r>
-              <a:rPr lang="en-US" altLang="zh-CN" dirty="0">
-                <a:latin typeface="+mn-ea"/>
-              </a:rPr>
-              <a:t>5k</a:t>
-            </a:r>
-            <a:r>
-              <a:rPr lang="zh-CN" altLang="en-US" dirty="0">
-                <a:latin typeface="+mn-ea"/>
-              </a:rPr>
-              <a:t>字</a:t>
-            </a:r>
-            <a:r>
-              <a:rPr lang="en-US" altLang="zh-CN" dirty="0" err="1">
-                <a:latin typeface="+mn-ea"/>
-              </a:rPr>
-              <a:t>qemu</a:t>
-            </a:r>
-            <a:r>
-              <a:rPr lang="en-US" altLang="zh-CN" dirty="0">
-                <a:latin typeface="+mn-ea"/>
-              </a:rPr>
-              <a:t>-tutorial</a:t>
-            </a:r>
-            <a:r>
-              <a:rPr lang="zh-CN" altLang="en-US" dirty="0">
-                <a:latin typeface="+mn-ea"/>
-              </a:rPr>
-              <a:t>，代码级</a:t>
-            </a:r>
-            <a:r>
-              <a:rPr lang="en-US" altLang="zh-CN" dirty="0" err="1">
-                <a:latin typeface="+mn-ea"/>
-              </a:rPr>
-              <a:t>qemu</a:t>
-            </a:r>
-            <a:r>
-              <a:rPr lang="zh-CN" altLang="en-US" dirty="0">
-                <a:latin typeface="+mn-ea"/>
-              </a:rPr>
-              <a:t>教程</a:t>
-            </a:r>
-            <a:endParaRPr lang="en-US" altLang="zh-CN" dirty="0">
-              <a:latin typeface="+mn-ea"/>
-            </a:endParaRPr>
-          </a:p>
-          <a:p>
-            <a:r>
-              <a:rPr lang="zh-CN" altLang="en-US" dirty="0">
-                <a:latin typeface="+mn-ea"/>
-              </a:rPr>
-              <a:t>每周展示</a:t>
-            </a:r>
-            <a:r>
-              <a:rPr lang="en-US" altLang="zh-CN" dirty="0">
-                <a:latin typeface="+mn-ea"/>
-              </a:rPr>
-              <a:t>ppt</a:t>
-            </a:r>
-            <a:r>
-              <a:rPr lang="zh-CN" altLang="en-US" dirty="0">
-                <a:latin typeface="+mn-ea"/>
-              </a:rPr>
-              <a:t>，周工作记录</a:t>
-            </a:r>
-            <a:endParaRPr lang="en-US" altLang="zh-CN" dirty="0">
-              <a:latin typeface="+mn-ea"/>
-            </a:endParaRPr>
-          </a:p>
-          <a:p>
-            <a:r>
-              <a:rPr lang="zh-CN" altLang="en-US" dirty="0">
-                <a:latin typeface="+mn-ea"/>
-              </a:rPr>
-              <a:t>更多的</a:t>
-            </a:r>
-            <a:r>
-              <a:rPr lang="en-US" altLang="zh-CN" dirty="0">
-                <a:latin typeface="+mn-ea"/>
-              </a:rPr>
-              <a:t>debug</a:t>
-            </a:r>
-            <a:r>
-              <a:rPr lang="zh-CN" altLang="en-US" dirty="0">
-                <a:latin typeface="+mn-ea"/>
-              </a:rPr>
-              <a:t>过程</a:t>
-            </a:r>
-            <a:r>
-              <a:rPr lang="en-US" altLang="zh-CN" dirty="0">
-                <a:latin typeface="+mn-ea"/>
-              </a:rPr>
-              <a:t>……</a:t>
-            </a:r>
-          </a:p>
-        </p:txBody>
-      </p:sp>
+      </p:pic>
+      <p:pic>
+        <p:nvPicPr>
+          <p:cNvPr id="5" name="图片 4" descr="Screenshot_20220610_224826"/>
+          <p:cNvPicPr>
+            <a:picLocks noChangeAspect="1"/>
+          </p:cNvPicPr>
+          <p:nvPr/>
+        </p:nvPicPr>
+        <p:blipFill>
+          <a:blip r:embed="rId3"/>
+          <a:stretch>
+            <a:fillRect/>
+          </a:stretch>
+        </p:blipFill>
+        <p:spPr>
+          <a:xfrm>
+            <a:off x="4363085" y="3637915"/>
+            <a:ext cx="3478530" cy="1802765"/>
+          </a:xfrm>
+          <a:prstGeom prst="rect">
+            <a:avLst/>
+          </a:prstGeom>
+        </p:spPr>
+      </p:pic>
+      <p:pic>
+        <p:nvPicPr>
+          <p:cNvPr id="9" name="图片 8" descr="Screenshot_20220610_224938"/>
+          <p:cNvPicPr>
+            <a:picLocks noChangeAspect="1"/>
+          </p:cNvPicPr>
+          <p:nvPr/>
+        </p:nvPicPr>
+        <p:blipFill>
+          <a:blip r:embed="rId4"/>
+          <a:stretch>
+            <a:fillRect/>
+          </a:stretch>
+        </p:blipFill>
+        <p:spPr>
+          <a:xfrm>
+            <a:off x="8185785" y="3637915"/>
+            <a:ext cx="3509645" cy="1824990"/>
+          </a:xfrm>
+          <a:prstGeom prst="rect">
+            <a:avLst/>
+          </a:prstGeom>
+        </p:spPr>
+      </p:pic>
     </p:spTree>
   </p:cSld>
   <p:clrMapOvr>
@@ -8185,14 +8238,44 @@
           </a:lstStyle>
           <a:p>
             <a:r>
-              <a:rPr lang="zh-CN" altLang="en-US" sz="4000" b="1" dirty="0">
+              <a:rPr lang="en-US" altLang="zh-CN" sz="4000" b="1" dirty="0" err="1">
                 <a:solidFill>
                   <a:srgbClr val="704F95"/>
                 </a:solidFill>
                 <a:latin typeface="思源宋体 Medium" panose="02020500000000000000" pitchFamily="18" charset="-122"/>
                 <a:ea typeface="思源宋体 Medium" panose="02020500000000000000" pitchFamily="18" charset="-122"/>
               </a:rPr>
-              <a:t>感想</a:t>
+              <a:t>Uintr</a:t>
+            </a:r>
+            <a:r>
+              <a:rPr lang="zh-CN" altLang="en-US" sz="4000" b="1" dirty="0">
+                <a:solidFill>
+                  <a:srgbClr val="704F95"/>
+                </a:solidFill>
+                <a:latin typeface="思源宋体 Medium" panose="02020500000000000000" pitchFamily="18" charset="-122"/>
+                <a:ea typeface="思源宋体 Medium" panose="02020500000000000000" pitchFamily="18" charset="-122"/>
+              </a:rPr>
+              <a:t>性能测试</a:t>
+            </a:r>
+            <a:r>
+              <a:rPr lang="en-US" altLang="zh-CN" sz="4000" b="1" dirty="0">
+                <a:solidFill>
+                  <a:srgbClr val="704F95"/>
+                </a:solidFill>
+                <a:latin typeface="思源宋体 Medium" panose="02020500000000000000" pitchFamily="18" charset="-122"/>
+                <a:ea typeface="思源宋体 Medium" panose="02020500000000000000" pitchFamily="18" charset="-122"/>
+              </a:rPr>
+              <a:t>-</a:t>
+            </a:r>
+            <a:r>
+              <a:rPr lang="zh-CN" altLang="en-US" sz="4000" b="1" dirty="0">
+                <a:solidFill>
+                  <a:srgbClr val="704F95"/>
+                </a:solidFill>
+                <a:latin typeface="思源宋体 Medium" panose="02020500000000000000" pitchFamily="18" charset="-122"/>
+                <a:ea typeface="思源宋体 Medium" panose="02020500000000000000" pitchFamily="18" charset="-122"/>
+              </a:rPr>
+              <a:t>横向对比</a:t>
             </a:r>
             <a:endParaRPr lang="en-US" altLang="zh-CN" sz="4000" b="1" dirty="0">
               <a:solidFill>
@@ -8259,7 +8342,7 @@
           <p:nvPr/>
         </p:nvPicPr>
         <p:blipFill>
-          <a:blip r:embed="rId3">
+          <a:blip r:embed="rId1">
             <a:clrChange>
               <a:clrFrom>
                 <a:srgbClr val="FFFFFF"/>
@@ -8481,445 +8564,449 @@
           </a:p>
         </p:txBody>
       </p:sp>
-      <p:sp>
-        <p:nvSpPr>
-          <p:cNvPr id="6" name="Content Placeholder 2"/>
-          <p:cNvSpPr txBox="1"/>
+      <p:graphicFrame>
+        <p:nvGraphicFramePr>
+          <p:cNvPr id="2" name="表格 1"/>
+          <p:cNvGraphicFramePr/>
           <p:nvPr/>
-        </p:nvSpPr>
-        <p:spPr>
-          <a:xfrm>
-            <a:off x="1113971" y="1801282"/>
-            <a:ext cx="10515600" cy="4351338"/>
-          </a:xfrm>
-          <a:prstGeom prst="rect">
-            <a:avLst/>
-          </a:prstGeom>
-        </p:spPr>
-        <p:txBody>
-          <a:bodyPr>
-            <a:normAutofit/>
-          </a:bodyPr>
-          <a:lstStyle>
-            <a:lvl1pPr marL="228600" indent="-228600" algn="l" defTabSz="914400" rtl="0" eaLnBrk="1" latinLnBrk="0" hangingPunct="1">
-              <a:lnSpc>
-                <a:spcPct val="90000"/>
-              </a:lnSpc>
-              <a:spcBef>
-                <a:spcPts val="1000"/>
-              </a:spcBef>
-              <a:buFont typeface="Arial" panose="020B0604020202020204" pitchFamily="34" charset="0"/>
-              <a:buChar char="•"/>
-              <a:defRPr sz="2800" kern="1200">
-                <a:solidFill>
-                  <a:schemeClr val="tx1"/>
-                </a:solidFill>
-                <a:latin typeface="+mn-lt"/>
-                <a:ea typeface="+mn-ea"/>
-                <a:cs typeface="+mn-cs"/>
-              </a:defRPr>
-            </a:lvl1pPr>
-            <a:lvl2pPr marL="685800" indent="-228600" algn="l" defTabSz="914400" rtl="0" eaLnBrk="1" latinLnBrk="0" hangingPunct="1">
-              <a:lnSpc>
-                <a:spcPct val="90000"/>
-              </a:lnSpc>
-              <a:spcBef>
-                <a:spcPts val="500"/>
-              </a:spcBef>
-              <a:buFont typeface="Arial" panose="020B0604020202020204" pitchFamily="34" charset="0"/>
-              <a:buChar char="•"/>
-              <a:defRPr sz="2400" kern="1200">
-                <a:solidFill>
-                  <a:schemeClr val="tx1"/>
-                </a:solidFill>
-                <a:latin typeface="+mn-lt"/>
-                <a:ea typeface="+mn-ea"/>
-                <a:cs typeface="+mn-cs"/>
-              </a:defRPr>
-            </a:lvl2pPr>
-            <a:lvl3pPr marL="1143000" indent="-228600" algn="l" defTabSz="914400" rtl="0" eaLnBrk="1" latinLnBrk="0" hangingPunct="1">
-              <a:lnSpc>
-                <a:spcPct val="90000"/>
-              </a:lnSpc>
-              <a:spcBef>
-                <a:spcPts val="500"/>
-              </a:spcBef>
-              <a:buFont typeface="Arial" panose="020B0604020202020204" pitchFamily="34" charset="0"/>
-              <a:buChar char="•"/>
-              <a:defRPr sz="2000" kern="1200">
-                <a:solidFill>
-                  <a:schemeClr val="tx1"/>
-                </a:solidFill>
-                <a:latin typeface="+mn-lt"/>
-                <a:ea typeface="+mn-ea"/>
-                <a:cs typeface="+mn-cs"/>
-              </a:defRPr>
-            </a:lvl3pPr>
-            <a:lvl4pPr marL="1600200" indent="-228600" algn="l" defTabSz="914400" rtl="0" eaLnBrk="1" latinLnBrk="0" hangingPunct="1">
-              <a:lnSpc>
-                <a:spcPct val="90000"/>
-              </a:lnSpc>
-              <a:spcBef>
-                <a:spcPts val="500"/>
-              </a:spcBef>
-              <a:buFont typeface="Arial" panose="020B0604020202020204" pitchFamily="34" charset="0"/>
-              <a:buChar char="•"/>
-              <a:defRPr sz="1800" kern="1200">
-                <a:solidFill>
-                  <a:schemeClr val="tx1"/>
-                </a:solidFill>
-                <a:latin typeface="+mn-lt"/>
-                <a:ea typeface="+mn-ea"/>
-                <a:cs typeface="+mn-cs"/>
-              </a:defRPr>
-            </a:lvl4pPr>
-            <a:lvl5pPr marL="2057400" indent="-228600" algn="l" defTabSz="914400" rtl="0" eaLnBrk="1" latinLnBrk="0" hangingPunct="1">
-              <a:lnSpc>
-                <a:spcPct val="90000"/>
-              </a:lnSpc>
-              <a:spcBef>
-                <a:spcPts val="500"/>
-              </a:spcBef>
-              <a:buFont typeface="Arial" panose="020B0604020202020204" pitchFamily="34" charset="0"/>
-              <a:buChar char="•"/>
-              <a:defRPr sz="1800" kern="1200">
-                <a:solidFill>
-                  <a:schemeClr val="tx1"/>
-                </a:solidFill>
-                <a:latin typeface="+mn-lt"/>
-                <a:ea typeface="+mn-ea"/>
-                <a:cs typeface="+mn-cs"/>
-              </a:defRPr>
-            </a:lvl5pPr>
-            <a:lvl6pPr marL="2514600" indent="-228600" algn="l" defTabSz="914400" rtl="0" eaLnBrk="1" latinLnBrk="0" hangingPunct="1">
-              <a:lnSpc>
-                <a:spcPct val="90000"/>
-              </a:lnSpc>
-              <a:spcBef>
-                <a:spcPts val="500"/>
-              </a:spcBef>
-              <a:buFont typeface="Arial" panose="020B0604020202020204" pitchFamily="34" charset="0"/>
-              <a:buChar char="•"/>
-              <a:defRPr sz="1800" kern="1200">
-                <a:solidFill>
-                  <a:schemeClr val="tx1"/>
-                </a:solidFill>
-                <a:latin typeface="+mn-lt"/>
-                <a:ea typeface="+mn-ea"/>
-                <a:cs typeface="+mn-cs"/>
-              </a:defRPr>
-            </a:lvl6pPr>
-            <a:lvl7pPr marL="2971800" indent="-228600" algn="l" defTabSz="914400" rtl="0" eaLnBrk="1" latinLnBrk="0" hangingPunct="1">
-              <a:lnSpc>
-                <a:spcPct val="90000"/>
-              </a:lnSpc>
-              <a:spcBef>
-                <a:spcPts val="500"/>
-              </a:spcBef>
-              <a:buFont typeface="Arial" panose="020B0604020202020204" pitchFamily="34" charset="0"/>
-              <a:buChar char="•"/>
-              <a:defRPr sz="1800" kern="1200">
-                <a:solidFill>
-                  <a:schemeClr val="tx1"/>
-                </a:solidFill>
-                <a:latin typeface="+mn-lt"/>
-                <a:ea typeface="+mn-ea"/>
-                <a:cs typeface="+mn-cs"/>
-              </a:defRPr>
-            </a:lvl7pPr>
-            <a:lvl8pPr marL="3429000" indent="-228600" algn="l" defTabSz="914400" rtl="0" eaLnBrk="1" latinLnBrk="0" hangingPunct="1">
-              <a:lnSpc>
-                <a:spcPct val="90000"/>
-              </a:lnSpc>
-              <a:spcBef>
-                <a:spcPts val="500"/>
-              </a:spcBef>
-              <a:buFont typeface="Arial" panose="020B0604020202020204" pitchFamily="34" charset="0"/>
-              <a:buChar char="•"/>
-              <a:defRPr sz="1800" kern="1200">
-                <a:solidFill>
-                  <a:schemeClr val="tx1"/>
-                </a:solidFill>
-                <a:latin typeface="+mn-lt"/>
-                <a:ea typeface="+mn-ea"/>
-                <a:cs typeface="+mn-cs"/>
-              </a:defRPr>
-            </a:lvl8pPr>
-            <a:lvl9pPr marL="3886200" indent="-228600" algn="l" defTabSz="914400" rtl="0" eaLnBrk="1" latinLnBrk="0" hangingPunct="1">
-              <a:lnSpc>
-                <a:spcPct val="90000"/>
-              </a:lnSpc>
-              <a:spcBef>
-                <a:spcPts val="500"/>
-              </a:spcBef>
-              <a:buFont typeface="Arial" panose="020B0604020202020204" pitchFamily="34" charset="0"/>
-              <a:buChar char="•"/>
-              <a:defRPr sz="1800" kern="1200">
-                <a:solidFill>
-                  <a:schemeClr val="tx1"/>
-                </a:solidFill>
-                <a:latin typeface="+mn-lt"/>
-                <a:ea typeface="+mn-ea"/>
-                <a:cs typeface="+mn-cs"/>
-              </a:defRPr>
-            </a:lvl9pPr>
-          </a:lstStyle>
-          <a:p>
-            <a:endParaRPr lang="en-US" altLang="zh-CN" dirty="0">
-              <a:latin typeface="+mn-ea"/>
-            </a:endParaRPr>
-          </a:p>
-        </p:txBody>
-      </p:sp>
-      <p:sp>
-        <p:nvSpPr>
-          <p:cNvPr id="15" name="Content Placeholder 2"/>
-          <p:cNvSpPr txBox="1"/>
-          <p:nvPr/>
-        </p:nvSpPr>
-        <p:spPr>
-          <a:xfrm>
-            <a:off x="1113790" y="1758950"/>
-            <a:ext cx="10515600" cy="3631565"/>
-          </a:xfrm>
-          <a:prstGeom prst="rect">
-            <a:avLst/>
-          </a:prstGeom>
-        </p:spPr>
-        <p:txBody>
-          <a:bodyPr>
-            <a:normAutofit/>
-          </a:bodyPr>
-          <a:lstStyle>
-            <a:lvl1pPr marL="228600" indent="-228600" algn="l" defTabSz="914400" rtl="0" eaLnBrk="1" latinLnBrk="0" hangingPunct="1">
-              <a:lnSpc>
-                <a:spcPct val="90000"/>
-              </a:lnSpc>
-              <a:spcBef>
-                <a:spcPts val="1000"/>
-              </a:spcBef>
-              <a:buFont typeface="Arial" panose="020B0604020202020204" pitchFamily="34" charset="0"/>
-              <a:buChar char="•"/>
-              <a:defRPr sz="2800" kern="1200">
-                <a:solidFill>
-                  <a:schemeClr val="tx1"/>
-                </a:solidFill>
-                <a:latin typeface="+mn-lt"/>
-                <a:ea typeface="+mn-ea"/>
-                <a:cs typeface="+mn-cs"/>
-              </a:defRPr>
-            </a:lvl1pPr>
-            <a:lvl2pPr marL="685800" indent="-228600" algn="l" defTabSz="914400" rtl="0" eaLnBrk="1" latinLnBrk="0" hangingPunct="1">
-              <a:lnSpc>
-                <a:spcPct val="90000"/>
-              </a:lnSpc>
-              <a:spcBef>
-                <a:spcPts val="500"/>
-              </a:spcBef>
-              <a:buFont typeface="Arial" panose="020B0604020202020204" pitchFamily="34" charset="0"/>
-              <a:buChar char="•"/>
-              <a:defRPr sz="2400" kern="1200">
-                <a:solidFill>
-                  <a:schemeClr val="tx1"/>
-                </a:solidFill>
-                <a:latin typeface="+mn-lt"/>
-                <a:ea typeface="+mn-ea"/>
-                <a:cs typeface="+mn-cs"/>
-              </a:defRPr>
-            </a:lvl2pPr>
-            <a:lvl3pPr marL="1143000" indent="-228600" algn="l" defTabSz="914400" rtl="0" eaLnBrk="1" latinLnBrk="0" hangingPunct="1">
-              <a:lnSpc>
-                <a:spcPct val="90000"/>
-              </a:lnSpc>
-              <a:spcBef>
-                <a:spcPts val="500"/>
-              </a:spcBef>
-              <a:buFont typeface="Arial" panose="020B0604020202020204" pitchFamily="34" charset="0"/>
-              <a:buChar char="•"/>
-              <a:defRPr sz="2000" kern="1200">
-                <a:solidFill>
-                  <a:schemeClr val="tx1"/>
-                </a:solidFill>
-                <a:latin typeface="+mn-lt"/>
-                <a:ea typeface="+mn-ea"/>
-                <a:cs typeface="+mn-cs"/>
-              </a:defRPr>
-            </a:lvl3pPr>
-            <a:lvl4pPr marL="1600200" indent="-228600" algn="l" defTabSz="914400" rtl="0" eaLnBrk="1" latinLnBrk="0" hangingPunct="1">
-              <a:lnSpc>
-                <a:spcPct val="90000"/>
-              </a:lnSpc>
-              <a:spcBef>
-                <a:spcPts val="500"/>
-              </a:spcBef>
-              <a:buFont typeface="Arial" panose="020B0604020202020204" pitchFamily="34" charset="0"/>
-              <a:buChar char="•"/>
-              <a:defRPr sz="1800" kern="1200">
-                <a:solidFill>
-                  <a:schemeClr val="tx1"/>
-                </a:solidFill>
-                <a:latin typeface="+mn-lt"/>
-                <a:ea typeface="+mn-ea"/>
-                <a:cs typeface="+mn-cs"/>
-              </a:defRPr>
-            </a:lvl4pPr>
-            <a:lvl5pPr marL="2057400" indent="-228600" algn="l" defTabSz="914400" rtl="0" eaLnBrk="1" latinLnBrk="0" hangingPunct="1">
-              <a:lnSpc>
-                <a:spcPct val="90000"/>
-              </a:lnSpc>
-              <a:spcBef>
-                <a:spcPts val="500"/>
-              </a:spcBef>
-              <a:buFont typeface="Arial" panose="020B0604020202020204" pitchFamily="34" charset="0"/>
-              <a:buChar char="•"/>
-              <a:defRPr sz="1800" kern="1200">
-                <a:solidFill>
-                  <a:schemeClr val="tx1"/>
-                </a:solidFill>
-                <a:latin typeface="+mn-lt"/>
-                <a:ea typeface="+mn-ea"/>
-                <a:cs typeface="+mn-cs"/>
-              </a:defRPr>
-            </a:lvl5pPr>
-            <a:lvl6pPr marL="2514600" indent="-228600" algn="l" defTabSz="914400" rtl="0" eaLnBrk="1" latinLnBrk="0" hangingPunct="1">
-              <a:lnSpc>
-                <a:spcPct val="90000"/>
-              </a:lnSpc>
-              <a:spcBef>
-                <a:spcPts val="500"/>
-              </a:spcBef>
-              <a:buFont typeface="Arial" panose="020B0604020202020204" pitchFamily="34" charset="0"/>
-              <a:buChar char="•"/>
-              <a:defRPr sz="1800" kern="1200">
-                <a:solidFill>
-                  <a:schemeClr val="tx1"/>
-                </a:solidFill>
-                <a:latin typeface="+mn-lt"/>
-                <a:ea typeface="+mn-ea"/>
-                <a:cs typeface="+mn-cs"/>
-              </a:defRPr>
-            </a:lvl6pPr>
-            <a:lvl7pPr marL="2971800" indent="-228600" algn="l" defTabSz="914400" rtl="0" eaLnBrk="1" latinLnBrk="0" hangingPunct="1">
-              <a:lnSpc>
-                <a:spcPct val="90000"/>
-              </a:lnSpc>
-              <a:spcBef>
-                <a:spcPts val="500"/>
-              </a:spcBef>
-              <a:buFont typeface="Arial" panose="020B0604020202020204" pitchFamily="34" charset="0"/>
-              <a:buChar char="•"/>
-              <a:defRPr sz="1800" kern="1200">
-                <a:solidFill>
-                  <a:schemeClr val="tx1"/>
-                </a:solidFill>
-                <a:latin typeface="+mn-lt"/>
-                <a:ea typeface="+mn-ea"/>
-                <a:cs typeface="+mn-cs"/>
-              </a:defRPr>
-            </a:lvl7pPr>
-            <a:lvl8pPr marL="3429000" indent="-228600" algn="l" defTabSz="914400" rtl="0" eaLnBrk="1" latinLnBrk="0" hangingPunct="1">
-              <a:lnSpc>
-                <a:spcPct val="90000"/>
-              </a:lnSpc>
-              <a:spcBef>
-                <a:spcPts val="500"/>
-              </a:spcBef>
-              <a:buFont typeface="Arial" panose="020B0604020202020204" pitchFamily="34" charset="0"/>
-              <a:buChar char="•"/>
-              <a:defRPr sz="1800" kern="1200">
-                <a:solidFill>
-                  <a:schemeClr val="tx1"/>
-                </a:solidFill>
-                <a:latin typeface="+mn-lt"/>
-                <a:ea typeface="+mn-ea"/>
-                <a:cs typeface="+mn-cs"/>
-              </a:defRPr>
-            </a:lvl8pPr>
-            <a:lvl9pPr marL="3886200" indent="-228600" algn="l" defTabSz="914400" rtl="0" eaLnBrk="1" latinLnBrk="0" hangingPunct="1">
-              <a:lnSpc>
-                <a:spcPct val="90000"/>
-              </a:lnSpc>
-              <a:spcBef>
-                <a:spcPts val="500"/>
-              </a:spcBef>
-              <a:buFont typeface="Arial" panose="020B0604020202020204" pitchFamily="34" charset="0"/>
-              <a:buChar char="•"/>
-              <a:defRPr sz="1800" kern="1200">
-                <a:solidFill>
-                  <a:schemeClr val="tx1"/>
-                </a:solidFill>
-                <a:latin typeface="+mn-lt"/>
-                <a:ea typeface="+mn-ea"/>
-                <a:cs typeface="+mn-cs"/>
-              </a:defRPr>
-            </a:lvl9pPr>
-          </a:lstStyle>
-          <a:p>
-            <a:pPr marL="0" indent="0">
-              <a:buNone/>
-            </a:pPr>
-            <a:r>
-              <a:rPr lang="en-US" altLang="zh-CN" dirty="0" err="1">
-                <a:latin typeface="+mn-ea"/>
-              </a:rPr>
-              <a:t>Xcd</a:t>
-            </a:r>
-            <a:r>
-              <a:rPr lang="zh-CN" altLang="en-US" dirty="0">
-                <a:latin typeface="+mn-ea"/>
-              </a:rPr>
-              <a:t>：从硬件</a:t>
-            </a:r>
-            <a:r>
-              <a:rPr lang="en-US" altLang="zh-CN" dirty="0">
-                <a:latin typeface="+mn-ea"/>
-              </a:rPr>
-              <a:t>-</a:t>
-            </a:r>
-            <a:r>
-              <a:rPr lang="zh-CN" altLang="en-US" dirty="0">
-                <a:latin typeface="+mn-ea"/>
-              </a:rPr>
-              <a:t>操作系统</a:t>
-            </a:r>
-            <a:r>
-              <a:rPr lang="en-US" altLang="zh-CN" dirty="0">
-                <a:latin typeface="+mn-ea"/>
-              </a:rPr>
-              <a:t>-</a:t>
-            </a:r>
-            <a:r>
-              <a:rPr lang="zh-CN" altLang="en-US" dirty="0">
-                <a:latin typeface="+mn-ea"/>
-              </a:rPr>
-              <a:t>用户程序的全流程调试体验，和学长、社区的讨论、对</a:t>
-            </a:r>
-            <a:r>
-              <a:rPr lang="en-US" altLang="zh-CN" dirty="0">
-                <a:latin typeface="+mn-ea"/>
-              </a:rPr>
-              <a:t>x</a:t>
-            </a:r>
-          </a:p>
-          <a:p>
-            <a:pPr marL="0" indent="0">
-              <a:buNone/>
-            </a:pPr>
-            <a:r>
-              <a:rPr lang="en-US" altLang="zh-CN" dirty="0">
-                <a:latin typeface="+mn-ea"/>
-              </a:rPr>
-              <a:t>Sx</a:t>
-            </a:r>
-            <a:r>
-              <a:rPr lang="zh-CN" altLang="en-US" dirty="0">
-                <a:latin typeface="+mn-ea"/>
-              </a:rPr>
-              <a:t>：很喜欢现代调试工具，打断点看变量很舒服</a:t>
-            </a:r>
-          </a:p>
-        </p:txBody>
-      </p:sp>
+        </p:nvGraphicFramePr>
+        <p:xfrm>
+          <a:off x="2046605" y="1905000"/>
+          <a:ext cx="8881745" cy="3048000"/>
+        </p:xfrm>
+        <a:graphic>
+          <a:graphicData uri="http://schemas.openxmlformats.org/drawingml/2006/table">
+            <a:tbl>
+              <a:tblPr firstRow="1" bandRow="1">
+                <a:tableStyleId>{5940675A-B579-460E-94D1-54222C63F5DA}</a:tableStyleId>
+              </a:tblPr>
+              <a:tblGrid>
+                <a:gridCol w="2004060"/>
+                <a:gridCol w="3378835"/>
+                <a:gridCol w="3498850"/>
+              </a:tblGrid>
+              <a:tr h="381000">
+                <a:tc>
+                  <a:txBody>
+                    <a:bodyPr/>
+                    <a:p>
+                      <a:pPr algn="ctr">
+                        <a:buNone/>
+                      </a:pPr>
+                      <a:r>
+                        <a:rPr lang="en-US" altLang="zh-CN"/>
+                        <a:t>IPC type</a:t>
+                      </a:r>
+                      <a:endParaRPr lang="en-US" altLang="zh-CN"/>
+                    </a:p>
+                  </a:txBody>
+                  <a:tcPr anchor="ctr" anchorCtr="0"/>
+                </a:tc>
+                <a:tc>
+                  <a:txBody>
+                    <a:bodyPr/>
+                    <a:p>
+                      <a:pPr algn="ctr">
+                        <a:buNone/>
+                      </a:pPr>
+                      <a:r>
+                        <a:rPr lang="zh-CN" altLang="en-US"/>
+                        <a:t>Message rate</a:t>
+                      </a:r>
+                      <a:r>
+                        <a:rPr lang="en-US" altLang="zh-CN"/>
+                        <a:t> (msg/s, size = 1)</a:t>
+                      </a:r>
+                      <a:endParaRPr lang="en-US" altLang="zh-CN"/>
+                    </a:p>
+                  </a:txBody>
+                  <a:tcPr anchor="ctr" anchorCtr="0"/>
+                </a:tc>
+                <a:tc>
+                  <a:txBody>
+                    <a:bodyPr/>
+                    <a:p>
+                      <a:pPr algn="ctr">
+                        <a:buNone/>
+                      </a:pPr>
+                      <a:r>
+                        <a:rPr lang="zh-CN" altLang="en-US" sz="1800">
+                          <a:sym typeface="+mn-ea"/>
+                        </a:rPr>
+                        <a:t>Message rate</a:t>
+                      </a:r>
+                      <a:r>
+                        <a:rPr lang="en-US" altLang="zh-CN" sz="1800">
+                          <a:sym typeface="+mn-ea"/>
+                        </a:rPr>
+                        <a:t> (</a:t>
+                      </a:r>
+                      <a:r>
+                        <a:rPr lang="en-US" altLang="zh-CN" sz="1800">
+                          <a:sym typeface="+mn-ea"/>
+                        </a:rPr>
+                        <a:t>msg/s, size = 4096)</a:t>
+                      </a:r>
+                      <a:endParaRPr lang="zh-CN" altLang="en-US"/>
+                    </a:p>
+                  </a:txBody>
+                  <a:tcPr anchor="ctr" anchorCtr="0"/>
+                </a:tc>
+              </a:tr>
+              <a:tr h="381000">
+                <a:tc>
+                  <a:txBody>
+                    <a:bodyPr/>
+                    <a:p>
+                      <a:pPr algn="ctr">
+                        <a:buNone/>
+                      </a:pPr>
+                      <a:r>
+                        <a:rPr lang="en-US" altLang="zh-CN"/>
+                        <a:t>uintr (thread)</a:t>
+                      </a:r>
+                      <a:endParaRPr lang="en-US" altLang="zh-CN"/>
+                    </a:p>
+                  </a:txBody>
+                  <a:tcPr anchor="ctr" anchorCtr="0"/>
+                </a:tc>
+                <a:tc>
+                  <a:txBody>
+                    <a:bodyPr/>
+                    <a:p>
+                      <a:pPr algn="ctr">
+                        <a:buNone/>
+                      </a:pPr>
+                      <a:r>
+                        <a:rPr lang="en-US" altLang="zh-CN"/>
+                        <a:t>28935</a:t>
+                      </a:r>
+                      <a:endParaRPr lang="en-US" altLang="zh-CN"/>
+                    </a:p>
+                  </a:txBody>
+                  <a:tcPr anchor="ctr" anchorCtr="0"/>
+                </a:tc>
+                <a:tc>
+                  <a:txBody>
+                    <a:bodyPr/>
+                    <a:p>
+                      <a:pPr algn="ctr">
+                        <a:buNone/>
+                      </a:pPr>
+                      <a:r>
+                        <a:rPr lang="en-US" altLang="zh-CN"/>
+                        <a:t>23305</a:t>
+                      </a:r>
+                      <a:endParaRPr lang="en-US" altLang="zh-CN"/>
+                    </a:p>
+                  </a:txBody>
+                  <a:tcPr anchor="ctr" anchorCtr="0"/>
+                </a:tc>
+              </a:tr>
+              <a:tr h="381000">
+                <a:tc>
+                  <a:txBody>
+                    <a:bodyPr/>
+                    <a:p>
+                      <a:pPr algn="ctr">
+                        <a:buNone/>
+                      </a:pPr>
+                      <a:r>
+                        <a:rPr lang="en-US" altLang="zh-CN"/>
+                        <a:t>uintr (process)</a:t>
+                      </a:r>
+                      <a:endParaRPr lang="en-US" altLang="zh-CN"/>
+                    </a:p>
+                  </a:txBody>
+                  <a:tcPr anchor="ctr" anchorCtr="0"/>
+                </a:tc>
+                <a:tc>
+                  <a:txBody>
+                    <a:bodyPr/>
+                    <a:p>
+                      <a:pPr algn="ctr">
+                        <a:buNone/>
+                      </a:pPr>
+                      <a:r>
+                        <a:rPr lang="en-US" altLang="zh-CN"/>
+                        <a:t>34392</a:t>
+                      </a:r>
+                      <a:endParaRPr lang="en-US" altLang="zh-CN"/>
+                    </a:p>
+                  </a:txBody>
+                  <a:tcPr anchor="ctr" anchorCtr="0"/>
+                </a:tc>
+                <a:tc>
+                  <a:txBody>
+                    <a:bodyPr/>
+                    <a:p>
+                      <a:pPr algn="ctr">
+                        <a:buNone/>
+                      </a:pPr>
+                      <a:r>
+                        <a:rPr lang="en-US" altLang="zh-CN"/>
+                        <a:t>22662</a:t>
+                      </a:r>
+                      <a:endParaRPr lang="en-US" altLang="zh-CN"/>
+                    </a:p>
+                  </a:txBody>
+                  <a:tcPr anchor="ctr" anchorCtr="0"/>
+                </a:tc>
+              </a:tr>
+              <a:tr h="381000">
+                <a:tc>
+                  <a:txBody>
+                    <a:bodyPr/>
+                    <a:p>
+                      <a:pPr algn="ctr">
+                        <a:buNone/>
+                      </a:pPr>
+                      <a:r>
+                        <a:rPr lang="en-US" altLang="zh-CN"/>
+                        <a:t>signal</a:t>
+                      </a:r>
+                      <a:endParaRPr lang="en-US" altLang="zh-CN"/>
+                    </a:p>
+                  </a:txBody>
+                  <a:tcPr anchor="ctr" anchorCtr="0"/>
+                </a:tc>
+                <a:tc>
+                  <a:txBody>
+                    <a:bodyPr/>
+                    <a:p>
+                      <a:pPr algn="ctr">
+                        <a:buNone/>
+                      </a:pPr>
+                      <a:r>
+                        <a:rPr lang="en-US" altLang="zh-CN"/>
+                        <a:t>6286</a:t>
+                      </a:r>
+                      <a:endParaRPr lang="en-US" altLang="zh-CN"/>
+                    </a:p>
+                  </a:txBody>
+                  <a:tcPr anchor="ctr" anchorCtr="0"/>
+                </a:tc>
+                <a:tc>
+                  <a:txBody>
+                    <a:bodyPr/>
+                    <a:p>
+                      <a:pPr algn="ctr">
+                        <a:buNone/>
+                      </a:pPr>
+                      <a:r>
+                        <a:rPr lang="en-US" altLang="zh-CN"/>
+                        <a:t>N/A</a:t>
+                      </a:r>
+                      <a:endParaRPr lang="en-US" altLang="zh-CN"/>
+                    </a:p>
+                  </a:txBody>
+                  <a:tcPr anchor="ctr" anchorCtr="0"/>
+                </a:tc>
+              </a:tr>
+              <a:tr h="381000">
+                <a:tc>
+                  <a:txBody>
+                    <a:bodyPr/>
+                    <a:p>
+                      <a:pPr algn="ctr">
+                        <a:buNone/>
+                      </a:pPr>
+                      <a:r>
+                        <a:rPr lang="en-US" altLang="zh-CN"/>
+                        <a:t>eventfd</a:t>
+                      </a:r>
+                      <a:endParaRPr lang="en-US" altLang="zh-CN"/>
+                    </a:p>
+                  </a:txBody>
+                  <a:tcPr anchor="ctr" anchorCtr="0"/>
+                </a:tc>
+                <a:tc>
+                  <a:txBody>
+                    <a:bodyPr/>
+                    <a:p>
+                      <a:pPr algn="ctr">
+                        <a:buNone/>
+                      </a:pPr>
+                      <a:r>
+                        <a:rPr lang="en-US" altLang="zh-CN"/>
+                        <a:t>6649</a:t>
+                      </a:r>
+                      <a:endParaRPr lang="en-US" altLang="zh-CN"/>
+                    </a:p>
+                  </a:txBody>
+                  <a:tcPr anchor="ctr" anchorCtr="0"/>
+                </a:tc>
+                <a:tc>
+                  <a:txBody>
+                    <a:bodyPr/>
+                    <a:p>
+                      <a:pPr algn="ctr">
+                        <a:buNone/>
+                      </a:pPr>
+                      <a:r>
+                        <a:rPr lang="en-US" altLang="zh-CN"/>
+                        <a:t>N/A</a:t>
+                      </a:r>
+                      <a:endParaRPr lang="en-US" altLang="zh-CN"/>
+                    </a:p>
+                  </a:txBody>
+                  <a:tcPr anchor="ctr" anchorCtr="0"/>
+                </a:tc>
+              </a:tr>
+              <a:tr h="381000">
+                <a:tc>
+                  <a:txBody>
+                    <a:bodyPr/>
+                    <a:p>
+                      <a:pPr algn="ctr">
+                        <a:buNone/>
+                      </a:pPr>
+                      <a:r>
+                        <a:rPr lang="en-US" altLang="zh-CN"/>
+                        <a:t>pipe</a:t>
+                      </a:r>
+                      <a:endParaRPr lang="en-US" altLang="zh-CN"/>
+                    </a:p>
+                  </a:txBody>
+                  <a:tcPr anchor="ctr" anchorCtr="0"/>
+                </a:tc>
+                <a:tc>
+                  <a:txBody>
+                    <a:bodyPr/>
+                    <a:p>
+                      <a:pPr algn="ctr">
+                        <a:buNone/>
+                      </a:pPr>
+                      <a:r>
+                        <a:rPr lang="en-US" altLang="zh-CN"/>
+                        <a:t>2858</a:t>
+                      </a:r>
+                      <a:endParaRPr lang="en-US" altLang="zh-CN"/>
+                    </a:p>
+                  </a:txBody>
+                  <a:tcPr anchor="ctr" anchorCtr="0"/>
+                </a:tc>
+                <a:tc>
+                  <a:txBody>
+                    <a:bodyPr/>
+                    <a:p>
+                      <a:pPr algn="ctr">
+                        <a:buNone/>
+                      </a:pPr>
+                      <a:r>
+                        <a:rPr lang="en-US" altLang="zh-CN"/>
+                        <a:t>2256</a:t>
+                      </a:r>
+                      <a:endParaRPr lang="en-US" altLang="zh-CN"/>
+                    </a:p>
+                  </a:txBody>
+                  <a:tcPr anchor="ctr" anchorCtr="0"/>
+                </a:tc>
+              </a:tr>
+              <a:tr h="381000">
+                <a:tc>
+                  <a:txBody>
+                    <a:bodyPr/>
+                    <a:p>
+                      <a:pPr algn="ctr">
+                        <a:buNone/>
+                      </a:pPr>
+                      <a:r>
+                        <a:rPr lang="en-US" altLang="zh-CN"/>
+                        <a:t>fifo</a:t>
+                      </a:r>
+                      <a:endParaRPr lang="en-US" altLang="zh-CN"/>
+                    </a:p>
+                  </a:txBody>
+                  <a:tcPr anchor="ctr" anchorCtr="0"/>
+                </a:tc>
+                <a:tc>
+                  <a:txBody>
+                    <a:bodyPr/>
+                    <a:p>
+                      <a:pPr algn="ctr">
+                        <a:buNone/>
+                      </a:pPr>
+                      <a:r>
+                        <a:rPr lang="en-US" altLang="zh-CN"/>
+                        <a:t>2782</a:t>
+                      </a:r>
+                      <a:endParaRPr lang="en-US" altLang="zh-CN"/>
+                    </a:p>
+                  </a:txBody>
+                  <a:tcPr anchor="ctr" anchorCtr="0"/>
+                </a:tc>
+                <a:tc>
+                  <a:txBody>
+                    <a:bodyPr/>
+                    <a:p>
+                      <a:pPr algn="ctr">
+                        <a:buNone/>
+                      </a:pPr>
+                      <a:r>
+                        <a:rPr lang="en-US" altLang="zh-CN"/>
+                        <a:t>2674</a:t>
+                      </a:r>
+                      <a:endParaRPr lang="en-US" altLang="zh-CN"/>
+                    </a:p>
+                  </a:txBody>
+                  <a:tcPr anchor="ctr" anchorCtr="0"/>
+                </a:tc>
+              </a:tr>
+              <a:tr h="381000">
+                <a:tc>
+                  <a:txBody>
+                    <a:bodyPr/>
+                    <a:p>
+                      <a:pPr algn="ctr">
+                        <a:buNone/>
+                      </a:pPr>
+                      <a:r>
+                        <a:rPr lang="en-US" altLang="zh-CN"/>
+                        <a:t>domain</a:t>
+                      </a:r>
+                      <a:endParaRPr lang="en-US" altLang="zh-CN"/>
+                    </a:p>
+                  </a:txBody>
+                  <a:tcPr anchor="ctr" anchorCtr="0"/>
+                </a:tc>
+                <a:tc>
+                  <a:txBody>
+                    <a:bodyPr/>
+                    <a:p>
+                      <a:pPr algn="ctr">
+                        <a:buNone/>
+                      </a:pPr>
+                      <a:r>
+                        <a:rPr lang="en-US" altLang="zh-CN"/>
+                        <a:t>4835</a:t>
+                      </a:r>
+                      <a:endParaRPr lang="en-US" altLang="zh-CN"/>
+                    </a:p>
+                  </a:txBody>
+                  <a:tcPr anchor="ctr" anchorCtr="0"/>
+                </a:tc>
+                <a:tc>
+                  <a:txBody>
+                    <a:bodyPr/>
+                    <a:p>
+                      <a:pPr algn="ctr">
+                        <a:buNone/>
+                      </a:pPr>
+                      <a:r>
+                        <a:rPr lang="en-US" altLang="zh-CN"/>
+                        <a:t>2781</a:t>
+                      </a:r>
+                      <a:endParaRPr lang="en-US" altLang="zh-CN"/>
+                    </a:p>
+                  </a:txBody>
+                  <a:tcPr anchor="ctr" anchorCtr="0"/>
+                </a:tc>
+              </a:tr>
+            </a:tbl>
+          </a:graphicData>
+        </a:graphic>
+      </p:graphicFrame>
     </p:spTree>
   </p:cSld>
   <p:clrMapOvr>
@@ -8947,14 +9034,14 @@
       </p:grpSpPr>
       <p:sp>
         <p:nvSpPr>
-          <p:cNvPr id="10" name="内容占位符 2"/>
+          <p:cNvPr id="11" name="标题 1"/>
           <p:cNvSpPr txBox="1"/>
           <p:nvPr/>
         </p:nvSpPr>
         <p:spPr>
           <a:xfrm>
-            <a:off x="880106" y="2024290"/>
-            <a:ext cx="10395795" cy="4152673"/>
+            <a:off x="1170269" y="797307"/>
+            <a:ext cx="10030487" cy="961382"/>
           </a:xfrm>
           <a:prstGeom prst="rect">
             <a:avLst/>
@@ -8963,255 +9050,101 @@
         <p:txBody>
           <a:bodyPr/>
           <a:lstStyle>
-            <a:lvl1pPr marL="228600" indent="-228600" algn="l" defTabSz="914400" rtl="0" eaLnBrk="1" latinLnBrk="0" hangingPunct="1">
-              <a:lnSpc>
-                <a:spcPct val="90000"/>
-              </a:lnSpc>
-              <a:spcBef>
-                <a:spcPts val="1000"/>
-              </a:spcBef>
-              <a:buFont typeface="Arial" panose="020B0604020202020204" pitchFamily="34" charset="0"/>
-              <a:buChar char="•"/>
-              <a:defRPr sz="2800" kern="1200">
-                <a:solidFill>
-                  <a:schemeClr val="tx1"/>
-                </a:solidFill>
-                <a:latin typeface="+mn-lt"/>
-                <a:ea typeface="+mn-ea"/>
-                <a:cs typeface="+mn-cs"/>
+            <a:lvl1pPr algn="l" defTabSz="914400" rtl="0" eaLnBrk="1" latinLnBrk="0" hangingPunct="1">
+              <a:lnSpc>
+                <a:spcPct val="90000"/>
+              </a:lnSpc>
+              <a:spcBef>
+                <a:spcPct val="0"/>
+              </a:spcBef>
+              <a:buNone/>
+              <a:defRPr sz="4400" kern="1200">
+                <a:solidFill>
+                  <a:schemeClr val="tx1"/>
+                </a:solidFill>
+                <a:latin typeface="+mj-lt"/>
+                <a:ea typeface="+mj-ea"/>
+                <a:cs typeface="+mj-cs"/>
               </a:defRPr>
             </a:lvl1pPr>
-            <a:lvl2pPr marL="685800" indent="-228600" algn="l" defTabSz="914400" rtl="0" eaLnBrk="1" latinLnBrk="0" hangingPunct="1">
-              <a:lnSpc>
-                <a:spcPct val="90000"/>
-              </a:lnSpc>
-              <a:spcBef>
-                <a:spcPts val="500"/>
-              </a:spcBef>
-              <a:buFont typeface="Arial" panose="020B0604020202020204" pitchFamily="34" charset="0"/>
-              <a:buChar char="•"/>
-              <a:defRPr sz="2400" kern="1200">
-                <a:solidFill>
-                  <a:schemeClr val="tx1"/>
-                </a:solidFill>
-                <a:latin typeface="+mn-lt"/>
-                <a:ea typeface="+mn-ea"/>
-                <a:cs typeface="+mn-cs"/>
-              </a:defRPr>
-            </a:lvl2pPr>
-            <a:lvl3pPr marL="1143000" indent="-228600" algn="l" defTabSz="914400" rtl="0" eaLnBrk="1" latinLnBrk="0" hangingPunct="1">
-              <a:lnSpc>
-                <a:spcPct val="90000"/>
-              </a:lnSpc>
-              <a:spcBef>
-                <a:spcPts val="500"/>
-              </a:spcBef>
-              <a:buFont typeface="Arial" panose="020B0604020202020204" pitchFamily="34" charset="0"/>
-              <a:buChar char="•"/>
-              <a:defRPr sz="2000" kern="1200">
-                <a:solidFill>
-                  <a:schemeClr val="tx1"/>
-                </a:solidFill>
-                <a:latin typeface="+mn-lt"/>
-                <a:ea typeface="+mn-ea"/>
-                <a:cs typeface="+mn-cs"/>
-              </a:defRPr>
-            </a:lvl3pPr>
-            <a:lvl4pPr marL="1600200" indent="-228600" algn="l" defTabSz="914400" rtl="0" eaLnBrk="1" latinLnBrk="0" hangingPunct="1">
-              <a:lnSpc>
-                <a:spcPct val="90000"/>
-              </a:lnSpc>
-              <a:spcBef>
-                <a:spcPts val="500"/>
-              </a:spcBef>
-              <a:buFont typeface="Arial" panose="020B0604020202020204" pitchFamily="34" charset="0"/>
-              <a:buChar char="•"/>
-              <a:defRPr sz="1800" kern="1200">
-                <a:solidFill>
-                  <a:schemeClr val="tx1"/>
-                </a:solidFill>
-                <a:latin typeface="+mn-lt"/>
-                <a:ea typeface="+mn-ea"/>
-                <a:cs typeface="+mn-cs"/>
-              </a:defRPr>
-            </a:lvl4pPr>
-            <a:lvl5pPr marL="2057400" indent="-228600" algn="l" defTabSz="914400" rtl="0" eaLnBrk="1" latinLnBrk="0" hangingPunct="1">
-              <a:lnSpc>
-                <a:spcPct val="90000"/>
-              </a:lnSpc>
-              <a:spcBef>
-                <a:spcPts val="500"/>
-              </a:spcBef>
-              <a:buFont typeface="Arial" panose="020B0604020202020204" pitchFamily="34" charset="0"/>
-              <a:buChar char="•"/>
-              <a:defRPr sz="1800" kern="1200">
-                <a:solidFill>
-                  <a:schemeClr val="tx1"/>
-                </a:solidFill>
-                <a:latin typeface="+mn-lt"/>
-                <a:ea typeface="+mn-ea"/>
-                <a:cs typeface="+mn-cs"/>
-              </a:defRPr>
-            </a:lvl5pPr>
-            <a:lvl6pPr marL="2514600" indent="-228600" algn="l" defTabSz="914400" rtl="0" eaLnBrk="1" latinLnBrk="0" hangingPunct="1">
-              <a:lnSpc>
-                <a:spcPct val="90000"/>
-              </a:lnSpc>
-              <a:spcBef>
-                <a:spcPts val="500"/>
-              </a:spcBef>
-              <a:buFont typeface="Arial" panose="020B0604020202020204" pitchFamily="34" charset="0"/>
-              <a:buChar char="•"/>
-              <a:defRPr sz="1800" kern="1200">
-                <a:solidFill>
-                  <a:schemeClr val="tx1"/>
-                </a:solidFill>
-                <a:latin typeface="+mn-lt"/>
-                <a:ea typeface="+mn-ea"/>
-                <a:cs typeface="+mn-cs"/>
-              </a:defRPr>
-            </a:lvl6pPr>
-            <a:lvl7pPr marL="2971800" indent="-228600" algn="l" defTabSz="914400" rtl="0" eaLnBrk="1" latinLnBrk="0" hangingPunct="1">
-              <a:lnSpc>
-                <a:spcPct val="90000"/>
-              </a:lnSpc>
-              <a:spcBef>
-                <a:spcPts val="500"/>
-              </a:spcBef>
-              <a:buFont typeface="Arial" panose="020B0604020202020204" pitchFamily="34" charset="0"/>
-              <a:buChar char="•"/>
-              <a:defRPr sz="1800" kern="1200">
-                <a:solidFill>
-                  <a:schemeClr val="tx1"/>
-                </a:solidFill>
-                <a:latin typeface="+mn-lt"/>
-                <a:ea typeface="+mn-ea"/>
-                <a:cs typeface="+mn-cs"/>
-              </a:defRPr>
-            </a:lvl7pPr>
-            <a:lvl8pPr marL="3429000" indent="-228600" algn="l" defTabSz="914400" rtl="0" eaLnBrk="1" latinLnBrk="0" hangingPunct="1">
-              <a:lnSpc>
-                <a:spcPct val="90000"/>
-              </a:lnSpc>
-              <a:spcBef>
-                <a:spcPts val="500"/>
-              </a:spcBef>
-              <a:buFont typeface="Arial" panose="020B0604020202020204" pitchFamily="34" charset="0"/>
-              <a:buChar char="•"/>
-              <a:defRPr sz="1800" kern="1200">
-                <a:solidFill>
-                  <a:schemeClr val="tx1"/>
-                </a:solidFill>
-                <a:latin typeface="+mn-lt"/>
-                <a:ea typeface="+mn-ea"/>
-                <a:cs typeface="+mn-cs"/>
-              </a:defRPr>
-            </a:lvl8pPr>
-            <a:lvl9pPr marL="3886200" indent="-228600" algn="l" defTabSz="914400" rtl="0" eaLnBrk="1" latinLnBrk="0" hangingPunct="1">
-              <a:lnSpc>
-                <a:spcPct val="90000"/>
-              </a:lnSpc>
-              <a:spcBef>
-                <a:spcPts val="500"/>
-              </a:spcBef>
-              <a:buFont typeface="Arial" panose="020B0604020202020204" pitchFamily="34" charset="0"/>
-              <a:buChar char="•"/>
-              <a:defRPr sz="1800" kern="1200">
-                <a:solidFill>
-                  <a:schemeClr val="tx1"/>
-                </a:solidFill>
-                <a:latin typeface="+mn-lt"/>
-                <a:ea typeface="+mn-ea"/>
-                <a:cs typeface="+mn-cs"/>
-              </a:defRPr>
-            </a:lvl9pPr>
           </a:lstStyle>
           <a:p>
-            <a:pPr marL="0" indent="0">
-              <a:buNone/>
-            </a:pPr>
-            <a:endParaRPr kumimoji="1" lang="zh-CN" altLang="en-US" dirty="0">
-              <a:solidFill>
-                <a:srgbClr val="FF0000"/>
-              </a:solidFill>
-            </a:endParaRPr>
-          </a:p>
-          <a:p>
-            <a:pPr marL="0" indent="0">
-              <a:buNone/>
-            </a:pPr>
-            <a:endParaRPr kumimoji="1" lang="zh-CN" altLang="en-US" dirty="0">
-              <a:solidFill>
-                <a:srgbClr val="FF0000"/>
-              </a:solidFill>
-            </a:endParaRPr>
-          </a:p>
-          <a:p>
-            <a:pPr marL="0" indent="0" algn="ctr">
-              <a:buNone/>
-            </a:pPr>
-            <a:r>
-              <a:rPr kumimoji="1" lang="zh-CN" altLang="en-US" sz="3600" dirty="0">
+            <a:r>
+              <a:rPr lang="zh-CN" altLang="en-US" sz="4000" b="1" dirty="0">
                 <a:solidFill>
                   <a:srgbClr val="704F95"/>
                 </a:solidFill>
-                <a:latin typeface="思源宋体 Heavy" panose="02020900000000000000" pitchFamily="18" charset="-122"/>
-                <a:ea typeface="思源宋体 Heavy" panose="02020900000000000000" pitchFamily="18" charset="-122"/>
+                <a:latin typeface="思源宋体 Medium" panose="02020500000000000000" pitchFamily="18" charset="-122"/>
+                <a:ea typeface="思源宋体 Medium" panose="02020500000000000000" pitchFamily="18" charset="-122"/>
               </a:rPr>
-              <a:t>感谢陈渝老师和向勇老师的指导！</a:t>
-            </a:r>
-            <a:endParaRPr kumimoji="1" lang="en-US" altLang="zh-CN" sz="3600" dirty="0">
+              <a:t>工作过程管理</a:t>
+            </a:r>
+            <a:endParaRPr lang="en-US" altLang="zh-CN" sz="4000" b="1" dirty="0">
               <a:solidFill>
                 <a:srgbClr val="704F95"/>
               </a:solidFill>
-              <a:latin typeface="思源宋体 Heavy" panose="02020900000000000000" pitchFamily="18" charset="-122"/>
-              <a:ea typeface="思源宋体 Heavy" panose="02020900000000000000" pitchFamily="18" charset="-122"/>
+              <a:latin typeface="思源宋体 Medium" panose="02020500000000000000" pitchFamily="18" charset="-122"/>
+              <a:ea typeface="思源宋体 Medium" panose="02020500000000000000" pitchFamily="18" charset="-122"/>
             </a:endParaRPr>
           </a:p>
-          <a:p>
-            <a:pPr marL="0" indent="0" algn="ctr">
-              <a:buNone/>
-            </a:pPr>
-            <a:r>
-              <a:rPr kumimoji="1" lang="zh-CN" altLang="en-US" sz="3600" dirty="0">
-                <a:solidFill>
-                  <a:srgbClr val="704F95"/>
-                </a:solidFill>
-                <a:latin typeface="思源宋体 Heavy" panose="02020900000000000000" pitchFamily="18" charset="-122"/>
-                <a:ea typeface="思源宋体 Heavy" panose="02020900000000000000" pitchFamily="18" charset="-122"/>
+        </p:txBody>
+      </p:sp>
+      <p:sp>
+        <p:nvSpPr>
+          <p:cNvPr id="43" name="Rectangle 236"/>
+          <p:cNvSpPr/>
+          <p:nvPr/>
+        </p:nvSpPr>
+        <p:spPr>
+          <a:xfrm>
+            <a:off x="987616" y="797307"/>
+            <a:ext cx="10395795" cy="923330"/>
+          </a:xfrm>
+          <a:prstGeom prst="rect">
+            <a:avLst/>
+          </a:prstGeom>
+          <a:noFill/>
+        </p:spPr>
+        <p:txBody>
+          <a:bodyPr wrap="none" lIns="91440" tIns="45720" rIns="91440" bIns="45720">
+            <a:spAutoFit/>
+            <a:scene3d>
+              <a:camera prst="orthographicFront"/>
+              <a:lightRig rig="soft" dir="t">
+                <a:rot lat="0" lon="0" rev="15600000"/>
+              </a:lightRig>
+            </a:scene3d>
+            <a:sp3d extrusionH="57150" prstMaterial="softEdge">
+              <a:bevelT w="25400" h="38100"/>
+            </a:sp3d>
+          </a:bodyPr>
+          <a:lstStyle/>
+          <a:p>
+            <a:pPr algn="ctr"/>
+            <a:r>
+              <a:rPr lang="zh-CN" altLang="en-US" sz="5400" b="1" u="sng" dirty="0">
+                <a:solidFill>
+                  <a:srgbClr val="803A87"/>
+                </a:solidFill>
               </a:rPr>
-              <a:t>感谢贾越凯、贺鲲鹏、尤予阳以及其他学长的帮助！</a:t>
-            </a:r>
-            <a:endParaRPr kumimoji="1" lang="en-US" altLang="zh-CN" sz="3600" dirty="0">
+              <a:t>                                                               </a:t>
+            </a:r>
+            <a:endParaRPr lang="en-US" altLang="zh-CN" sz="5400" b="1" u="sng" dirty="0">
               <a:solidFill>
-                <a:srgbClr val="704F95"/>
+                <a:srgbClr val="803A87"/>
               </a:solidFill>
-              <a:latin typeface="思源宋体 Heavy" panose="02020900000000000000" pitchFamily="18" charset="-122"/>
-              <a:ea typeface="思源宋体 Heavy" panose="02020900000000000000" pitchFamily="18" charset="-122"/>
-            </a:endParaRPr>
-          </a:p>
-          <a:p>
-            <a:pPr marL="0" indent="0" algn="ctr">
-              <a:buNone/>
-            </a:pPr>
-            <a:endParaRPr kumimoji="1" lang="en-US" altLang="zh-CN" sz="3600" dirty="0">
-              <a:solidFill>
-                <a:srgbClr val="704F95"/>
-              </a:solidFill>
-              <a:latin typeface="思源宋体 Heavy" panose="02020900000000000000" pitchFamily="18" charset="-122"/>
-              <a:ea typeface="思源宋体 Heavy" panose="02020900000000000000" pitchFamily="18" charset="-122"/>
             </a:endParaRPr>
           </a:p>
         </p:txBody>
       </p:sp>
       <p:pic>
         <p:nvPicPr>
-          <p:cNvPr id="8" name="Picture 8"/>
+          <p:cNvPr id="44" name="Picture 8"/>
           <p:cNvPicPr/>
           <p:nvPr/>
         </p:nvPicPr>
         <p:blipFill>
-          <a:blip r:embed="rId3">
+          <a:blip r:embed="rId1">
             <a:clrChange>
               <a:clrFrom>
                 <a:srgbClr val="FFFFFF"/>
@@ -9239,13 +9172,776 @@
       </p:pic>
       <p:sp>
         <p:nvSpPr>
-          <p:cNvPr id="5" name="Rectangle 236"/>
+          <p:cNvPr id="8" name="文本占位符 1"/>
+          <p:cNvSpPr txBox="1"/>
+          <p:nvPr/>
+        </p:nvSpPr>
+        <p:spPr>
+          <a:xfrm>
+            <a:off x="6371771" y="263796"/>
+            <a:ext cx="5629085" cy="328059"/>
+          </a:xfrm>
+          <a:prstGeom prst="rect">
+            <a:avLst/>
+          </a:prstGeom>
+          <a:ln w="12700" cmpd="sng">
+            <a:noFill/>
+          </a:ln>
+        </p:spPr>
+        <p:txBody>
+          <a:bodyPr vert="horz" anchor="ctr"/>
+          <a:lstStyle>
+            <a:lvl1pPr marL="0" indent="0" algn="l" defTabSz="914400" rtl="0" eaLnBrk="1" latinLnBrk="0" hangingPunct="1">
+              <a:lnSpc>
+                <a:spcPct val="90000"/>
+              </a:lnSpc>
+              <a:spcBef>
+                <a:spcPts val="1000"/>
+              </a:spcBef>
+              <a:buFont typeface="Arial" panose="020B0604020202020204" pitchFamily="34" charset="0"/>
+              <a:buNone/>
+              <a:defRPr sz="1400" b="1" kern="1200">
+                <a:solidFill>
+                  <a:schemeClr val="tx1"/>
+                </a:solidFill>
+                <a:latin typeface="微软雅黑" charset="0"/>
+                <a:ea typeface="微软雅黑" charset="0"/>
+                <a:cs typeface="微软雅黑" charset="0"/>
+              </a:defRPr>
+            </a:lvl1pPr>
+            <a:lvl2pPr marL="685800" indent="-228600" algn="l" defTabSz="914400" rtl="0" eaLnBrk="1" latinLnBrk="0" hangingPunct="1">
+              <a:lnSpc>
+                <a:spcPct val="90000"/>
+              </a:lnSpc>
+              <a:spcBef>
+                <a:spcPts val="500"/>
+              </a:spcBef>
+              <a:buFont typeface="Arial" panose="020B0604020202020204" pitchFamily="34" charset="0"/>
+              <a:buChar char="•"/>
+              <a:defRPr sz="2400" kern="1200">
+                <a:solidFill>
+                  <a:schemeClr val="tx1"/>
+                </a:solidFill>
+                <a:latin typeface="+mn-lt"/>
+                <a:ea typeface="+mn-ea"/>
+                <a:cs typeface="+mn-cs"/>
+              </a:defRPr>
+            </a:lvl2pPr>
+            <a:lvl3pPr marL="1143000" indent="-228600" algn="l" defTabSz="914400" rtl="0" eaLnBrk="1" latinLnBrk="0" hangingPunct="1">
+              <a:lnSpc>
+                <a:spcPct val="90000"/>
+              </a:lnSpc>
+              <a:spcBef>
+                <a:spcPts val="500"/>
+              </a:spcBef>
+              <a:buFont typeface="Arial" panose="020B0604020202020204" pitchFamily="34" charset="0"/>
+              <a:buChar char="•"/>
+              <a:defRPr sz="2000" kern="1200">
+                <a:solidFill>
+                  <a:schemeClr val="tx1"/>
+                </a:solidFill>
+                <a:latin typeface="+mn-lt"/>
+                <a:ea typeface="+mn-ea"/>
+                <a:cs typeface="+mn-cs"/>
+              </a:defRPr>
+            </a:lvl3pPr>
+            <a:lvl4pPr marL="1600200" indent="-228600" algn="l" defTabSz="914400" rtl="0" eaLnBrk="1" latinLnBrk="0" hangingPunct="1">
+              <a:lnSpc>
+                <a:spcPct val="90000"/>
+              </a:lnSpc>
+              <a:spcBef>
+                <a:spcPts val="500"/>
+              </a:spcBef>
+              <a:buFont typeface="Arial" panose="020B0604020202020204" pitchFamily="34" charset="0"/>
+              <a:buChar char="•"/>
+              <a:defRPr sz="1800" kern="1200">
+                <a:solidFill>
+                  <a:schemeClr val="tx1"/>
+                </a:solidFill>
+                <a:latin typeface="+mn-lt"/>
+                <a:ea typeface="+mn-ea"/>
+                <a:cs typeface="+mn-cs"/>
+              </a:defRPr>
+            </a:lvl4pPr>
+            <a:lvl5pPr marL="2057400" indent="-228600" algn="l" defTabSz="914400" rtl="0" eaLnBrk="1" latinLnBrk="0" hangingPunct="1">
+              <a:lnSpc>
+                <a:spcPct val="90000"/>
+              </a:lnSpc>
+              <a:spcBef>
+                <a:spcPts val="500"/>
+              </a:spcBef>
+              <a:buFont typeface="Arial" panose="020B0604020202020204" pitchFamily="34" charset="0"/>
+              <a:buChar char="•"/>
+              <a:defRPr sz="1800" kern="1200">
+                <a:solidFill>
+                  <a:schemeClr val="tx1"/>
+                </a:solidFill>
+                <a:latin typeface="+mn-lt"/>
+                <a:ea typeface="+mn-ea"/>
+                <a:cs typeface="+mn-cs"/>
+              </a:defRPr>
+            </a:lvl5pPr>
+            <a:lvl6pPr marL="2514600" indent="-228600" algn="l" defTabSz="914400" rtl="0" eaLnBrk="1" latinLnBrk="0" hangingPunct="1">
+              <a:lnSpc>
+                <a:spcPct val="90000"/>
+              </a:lnSpc>
+              <a:spcBef>
+                <a:spcPts val="500"/>
+              </a:spcBef>
+              <a:buFont typeface="Arial" panose="020B0604020202020204" pitchFamily="34" charset="0"/>
+              <a:buChar char="•"/>
+              <a:defRPr sz="1800" kern="1200">
+                <a:solidFill>
+                  <a:schemeClr val="tx1"/>
+                </a:solidFill>
+                <a:latin typeface="+mn-lt"/>
+                <a:ea typeface="+mn-ea"/>
+                <a:cs typeface="+mn-cs"/>
+              </a:defRPr>
+            </a:lvl6pPr>
+            <a:lvl7pPr marL="2971800" indent="-228600" algn="l" defTabSz="914400" rtl="0" eaLnBrk="1" latinLnBrk="0" hangingPunct="1">
+              <a:lnSpc>
+                <a:spcPct val="90000"/>
+              </a:lnSpc>
+              <a:spcBef>
+                <a:spcPts val="500"/>
+              </a:spcBef>
+              <a:buFont typeface="Arial" panose="020B0604020202020204" pitchFamily="34" charset="0"/>
+              <a:buChar char="•"/>
+              <a:defRPr sz="1800" kern="1200">
+                <a:solidFill>
+                  <a:schemeClr val="tx1"/>
+                </a:solidFill>
+                <a:latin typeface="+mn-lt"/>
+                <a:ea typeface="+mn-ea"/>
+                <a:cs typeface="+mn-cs"/>
+              </a:defRPr>
+            </a:lvl7pPr>
+            <a:lvl8pPr marL="3429000" indent="-228600" algn="l" defTabSz="914400" rtl="0" eaLnBrk="1" latinLnBrk="0" hangingPunct="1">
+              <a:lnSpc>
+                <a:spcPct val="90000"/>
+              </a:lnSpc>
+              <a:spcBef>
+                <a:spcPts val="500"/>
+              </a:spcBef>
+              <a:buFont typeface="Arial" panose="020B0604020202020204" pitchFamily="34" charset="0"/>
+              <a:buChar char="•"/>
+              <a:defRPr sz="1800" kern="1200">
+                <a:solidFill>
+                  <a:schemeClr val="tx1"/>
+                </a:solidFill>
+                <a:latin typeface="+mn-lt"/>
+                <a:ea typeface="+mn-ea"/>
+                <a:cs typeface="+mn-cs"/>
+              </a:defRPr>
+            </a:lvl8pPr>
+            <a:lvl9pPr marL="3886200" indent="-228600" algn="l" defTabSz="914400" rtl="0" eaLnBrk="1" latinLnBrk="0" hangingPunct="1">
+              <a:lnSpc>
+                <a:spcPct val="90000"/>
+              </a:lnSpc>
+              <a:spcBef>
+                <a:spcPts val="500"/>
+              </a:spcBef>
+              <a:buFont typeface="Arial" panose="020B0604020202020204" pitchFamily="34" charset="0"/>
+              <a:buChar char="•"/>
+              <a:defRPr sz="1800" kern="1200">
+                <a:solidFill>
+                  <a:schemeClr val="tx1"/>
+                </a:solidFill>
+                <a:latin typeface="+mn-lt"/>
+                <a:ea typeface="+mn-ea"/>
+                <a:cs typeface="+mn-cs"/>
+              </a:defRPr>
+            </a:lvl9pPr>
+          </a:lstStyle>
+          <a:p>
+            <a:pPr algn="r"/>
+            <a:endParaRPr lang="en-US" altLang="zh-CN" dirty="0">
+              <a:solidFill>
+                <a:srgbClr val="704F95"/>
+              </a:solidFill>
+              <a:latin typeface="思源宋体 Medium" panose="02020500000000000000" pitchFamily="18" charset="-122"/>
+              <a:ea typeface="思源宋体 Medium" panose="02020500000000000000" pitchFamily="18" charset="-122"/>
+            </a:endParaRPr>
+          </a:p>
+        </p:txBody>
+      </p:sp>
+      <p:sp>
+        <p:nvSpPr>
+          <p:cNvPr id="6" name="Content Placeholder 2"/>
+          <p:cNvSpPr txBox="1"/>
+          <p:nvPr/>
+        </p:nvSpPr>
+        <p:spPr>
+          <a:xfrm>
+            <a:off x="1113971" y="1801282"/>
+            <a:ext cx="10515600" cy="4351338"/>
+          </a:xfrm>
+          <a:prstGeom prst="rect">
+            <a:avLst/>
+          </a:prstGeom>
+        </p:spPr>
+        <p:txBody>
+          <a:bodyPr>
+            <a:normAutofit/>
+          </a:bodyPr>
+          <a:lstStyle>
+            <a:lvl1pPr marL="228600" indent="-228600" algn="l" defTabSz="914400" rtl="0" eaLnBrk="1" latinLnBrk="0" hangingPunct="1">
+              <a:lnSpc>
+                <a:spcPct val="90000"/>
+              </a:lnSpc>
+              <a:spcBef>
+                <a:spcPts val="1000"/>
+              </a:spcBef>
+              <a:buFont typeface="Arial" panose="020B0604020202020204" pitchFamily="34" charset="0"/>
+              <a:buChar char="•"/>
+              <a:defRPr sz="2800" kern="1200">
+                <a:solidFill>
+                  <a:schemeClr val="tx1"/>
+                </a:solidFill>
+                <a:latin typeface="+mn-lt"/>
+                <a:ea typeface="+mn-ea"/>
+                <a:cs typeface="+mn-cs"/>
+              </a:defRPr>
+            </a:lvl1pPr>
+            <a:lvl2pPr marL="685800" indent="-228600" algn="l" defTabSz="914400" rtl="0" eaLnBrk="1" latinLnBrk="0" hangingPunct="1">
+              <a:lnSpc>
+                <a:spcPct val="90000"/>
+              </a:lnSpc>
+              <a:spcBef>
+                <a:spcPts val="500"/>
+              </a:spcBef>
+              <a:buFont typeface="Arial" panose="020B0604020202020204" pitchFamily="34" charset="0"/>
+              <a:buChar char="•"/>
+              <a:defRPr sz="2400" kern="1200">
+                <a:solidFill>
+                  <a:schemeClr val="tx1"/>
+                </a:solidFill>
+                <a:latin typeface="+mn-lt"/>
+                <a:ea typeface="+mn-ea"/>
+                <a:cs typeface="+mn-cs"/>
+              </a:defRPr>
+            </a:lvl2pPr>
+            <a:lvl3pPr marL="1143000" indent="-228600" algn="l" defTabSz="914400" rtl="0" eaLnBrk="1" latinLnBrk="0" hangingPunct="1">
+              <a:lnSpc>
+                <a:spcPct val="90000"/>
+              </a:lnSpc>
+              <a:spcBef>
+                <a:spcPts val="500"/>
+              </a:spcBef>
+              <a:buFont typeface="Arial" panose="020B0604020202020204" pitchFamily="34" charset="0"/>
+              <a:buChar char="•"/>
+              <a:defRPr sz="2000" kern="1200">
+                <a:solidFill>
+                  <a:schemeClr val="tx1"/>
+                </a:solidFill>
+                <a:latin typeface="+mn-lt"/>
+                <a:ea typeface="+mn-ea"/>
+                <a:cs typeface="+mn-cs"/>
+              </a:defRPr>
+            </a:lvl3pPr>
+            <a:lvl4pPr marL="1600200" indent="-228600" algn="l" defTabSz="914400" rtl="0" eaLnBrk="1" latinLnBrk="0" hangingPunct="1">
+              <a:lnSpc>
+                <a:spcPct val="90000"/>
+              </a:lnSpc>
+              <a:spcBef>
+                <a:spcPts val="500"/>
+              </a:spcBef>
+              <a:buFont typeface="Arial" panose="020B0604020202020204" pitchFamily="34" charset="0"/>
+              <a:buChar char="•"/>
+              <a:defRPr sz="1800" kern="1200">
+                <a:solidFill>
+                  <a:schemeClr val="tx1"/>
+                </a:solidFill>
+                <a:latin typeface="+mn-lt"/>
+                <a:ea typeface="+mn-ea"/>
+                <a:cs typeface="+mn-cs"/>
+              </a:defRPr>
+            </a:lvl4pPr>
+            <a:lvl5pPr marL="2057400" indent="-228600" algn="l" defTabSz="914400" rtl="0" eaLnBrk="1" latinLnBrk="0" hangingPunct="1">
+              <a:lnSpc>
+                <a:spcPct val="90000"/>
+              </a:lnSpc>
+              <a:spcBef>
+                <a:spcPts val="500"/>
+              </a:spcBef>
+              <a:buFont typeface="Arial" panose="020B0604020202020204" pitchFamily="34" charset="0"/>
+              <a:buChar char="•"/>
+              <a:defRPr sz="1800" kern="1200">
+                <a:solidFill>
+                  <a:schemeClr val="tx1"/>
+                </a:solidFill>
+                <a:latin typeface="+mn-lt"/>
+                <a:ea typeface="+mn-ea"/>
+                <a:cs typeface="+mn-cs"/>
+              </a:defRPr>
+            </a:lvl5pPr>
+            <a:lvl6pPr marL="2514600" indent="-228600" algn="l" defTabSz="914400" rtl="0" eaLnBrk="1" latinLnBrk="0" hangingPunct="1">
+              <a:lnSpc>
+                <a:spcPct val="90000"/>
+              </a:lnSpc>
+              <a:spcBef>
+                <a:spcPts val="500"/>
+              </a:spcBef>
+              <a:buFont typeface="Arial" panose="020B0604020202020204" pitchFamily="34" charset="0"/>
+              <a:buChar char="•"/>
+              <a:defRPr sz="1800" kern="1200">
+                <a:solidFill>
+                  <a:schemeClr val="tx1"/>
+                </a:solidFill>
+                <a:latin typeface="+mn-lt"/>
+                <a:ea typeface="+mn-ea"/>
+                <a:cs typeface="+mn-cs"/>
+              </a:defRPr>
+            </a:lvl6pPr>
+            <a:lvl7pPr marL="2971800" indent="-228600" algn="l" defTabSz="914400" rtl="0" eaLnBrk="1" latinLnBrk="0" hangingPunct="1">
+              <a:lnSpc>
+                <a:spcPct val="90000"/>
+              </a:lnSpc>
+              <a:spcBef>
+                <a:spcPts val="500"/>
+              </a:spcBef>
+              <a:buFont typeface="Arial" panose="020B0604020202020204" pitchFamily="34" charset="0"/>
+              <a:buChar char="•"/>
+              <a:defRPr sz="1800" kern="1200">
+                <a:solidFill>
+                  <a:schemeClr val="tx1"/>
+                </a:solidFill>
+                <a:latin typeface="+mn-lt"/>
+                <a:ea typeface="+mn-ea"/>
+                <a:cs typeface="+mn-cs"/>
+              </a:defRPr>
+            </a:lvl7pPr>
+            <a:lvl8pPr marL="3429000" indent="-228600" algn="l" defTabSz="914400" rtl="0" eaLnBrk="1" latinLnBrk="0" hangingPunct="1">
+              <a:lnSpc>
+                <a:spcPct val="90000"/>
+              </a:lnSpc>
+              <a:spcBef>
+                <a:spcPts val="500"/>
+              </a:spcBef>
+              <a:buFont typeface="Arial" panose="020B0604020202020204" pitchFamily="34" charset="0"/>
+              <a:buChar char="•"/>
+              <a:defRPr sz="1800" kern="1200">
+                <a:solidFill>
+                  <a:schemeClr val="tx1"/>
+                </a:solidFill>
+                <a:latin typeface="+mn-lt"/>
+                <a:ea typeface="+mn-ea"/>
+                <a:cs typeface="+mn-cs"/>
+              </a:defRPr>
+            </a:lvl8pPr>
+            <a:lvl9pPr marL="3886200" indent="-228600" algn="l" defTabSz="914400" rtl="0" eaLnBrk="1" latinLnBrk="0" hangingPunct="1">
+              <a:lnSpc>
+                <a:spcPct val="90000"/>
+              </a:lnSpc>
+              <a:spcBef>
+                <a:spcPts val="500"/>
+              </a:spcBef>
+              <a:buFont typeface="Arial" panose="020B0604020202020204" pitchFamily="34" charset="0"/>
+              <a:buChar char="•"/>
+              <a:defRPr sz="1800" kern="1200">
+                <a:solidFill>
+                  <a:schemeClr val="tx1"/>
+                </a:solidFill>
+                <a:latin typeface="+mn-lt"/>
+                <a:ea typeface="+mn-ea"/>
+                <a:cs typeface="+mn-cs"/>
+              </a:defRPr>
+            </a:lvl9pPr>
+          </a:lstStyle>
+          <a:p>
+            <a:endParaRPr lang="en-US" altLang="zh-CN" dirty="0">
+              <a:latin typeface="+mn-ea"/>
+            </a:endParaRPr>
+          </a:p>
+        </p:txBody>
+      </p:sp>
+      <p:sp>
+        <p:nvSpPr>
+          <p:cNvPr id="15" name="Content Placeholder 2"/>
+          <p:cNvSpPr txBox="1"/>
+          <p:nvPr/>
+        </p:nvSpPr>
+        <p:spPr>
+          <a:xfrm>
+            <a:off x="1113971" y="1758689"/>
+            <a:ext cx="6954264" cy="2174628"/>
+          </a:xfrm>
+          <a:prstGeom prst="rect">
+            <a:avLst/>
+          </a:prstGeom>
+        </p:spPr>
+        <p:txBody>
+          <a:bodyPr>
+            <a:normAutofit/>
+          </a:bodyPr>
+          <a:lstStyle>
+            <a:lvl1pPr marL="228600" indent="-228600" algn="l" defTabSz="914400" rtl="0" eaLnBrk="1" latinLnBrk="0" hangingPunct="1">
+              <a:lnSpc>
+                <a:spcPct val="90000"/>
+              </a:lnSpc>
+              <a:spcBef>
+                <a:spcPts val="1000"/>
+              </a:spcBef>
+              <a:buFont typeface="Arial" panose="020B0604020202020204" pitchFamily="34" charset="0"/>
+              <a:buChar char="•"/>
+              <a:defRPr sz="2800" kern="1200">
+                <a:solidFill>
+                  <a:schemeClr val="tx1"/>
+                </a:solidFill>
+                <a:latin typeface="+mn-lt"/>
+                <a:ea typeface="+mn-ea"/>
+                <a:cs typeface="+mn-cs"/>
+              </a:defRPr>
+            </a:lvl1pPr>
+            <a:lvl2pPr marL="685800" indent="-228600" algn="l" defTabSz="914400" rtl="0" eaLnBrk="1" latinLnBrk="0" hangingPunct="1">
+              <a:lnSpc>
+                <a:spcPct val="90000"/>
+              </a:lnSpc>
+              <a:spcBef>
+                <a:spcPts val="500"/>
+              </a:spcBef>
+              <a:buFont typeface="Arial" panose="020B0604020202020204" pitchFamily="34" charset="0"/>
+              <a:buChar char="•"/>
+              <a:defRPr sz="2400" kern="1200">
+                <a:solidFill>
+                  <a:schemeClr val="tx1"/>
+                </a:solidFill>
+                <a:latin typeface="+mn-lt"/>
+                <a:ea typeface="+mn-ea"/>
+                <a:cs typeface="+mn-cs"/>
+              </a:defRPr>
+            </a:lvl2pPr>
+            <a:lvl3pPr marL="1143000" indent="-228600" algn="l" defTabSz="914400" rtl="0" eaLnBrk="1" latinLnBrk="0" hangingPunct="1">
+              <a:lnSpc>
+                <a:spcPct val="90000"/>
+              </a:lnSpc>
+              <a:spcBef>
+                <a:spcPts val="500"/>
+              </a:spcBef>
+              <a:buFont typeface="Arial" panose="020B0604020202020204" pitchFamily="34" charset="0"/>
+              <a:buChar char="•"/>
+              <a:defRPr sz="2000" kern="1200">
+                <a:solidFill>
+                  <a:schemeClr val="tx1"/>
+                </a:solidFill>
+                <a:latin typeface="+mn-lt"/>
+                <a:ea typeface="+mn-ea"/>
+                <a:cs typeface="+mn-cs"/>
+              </a:defRPr>
+            </a:lvl3pPr>
+            <a:lvl4pPr marL="1600200" indent="-228600" algn="l" defTabSz="914400" rtl="0" eaLnBrk="1" latinLnBrk="0" hangingPunct="1">
+              <a:lnSpc>
+                <a:spcPct val="90000"/>
+              </a:lnSpc>
+              <a:spcBef>
+                <a:spcPts val="500"/>
+              </a:spcBef>
+              <a:buFont typeface="Arial" panose="020B0604020202020204" pitchFamily="34" charset="0"/>
+              <a:buChar char="•"/>
+              <a:defRPr sz="1800" kern="1200">
+                <a:solidFill>
+                  <a:schemeClr val="tx1"/>
+                </a:solidFill>
+                <a:latin typeface="+mn-lt"/>
+                <a:ea typeface="+mn-ea"/>
+                <a:cs typeface="+mn-cs"/>
+              </a:defRPr>
+            </a:lvl4pPr>
+            <a:lvl5pPr marL="2057400" indent="-228600" algn="l" defTabSz="914400" rtl="0" eaLnBrk="1" latinLnBrk="0" hangingPunct="1">
+              <a:lnSpc>
+                <a:spcPct val="90000"/>
+              </a:lnSpc>
+              <a:spcBef>
+                <a:spcPts val="500"/>
+              </a:spcBef>
+              <a:buFont typeface="Arial" panose="020B0604020202020204" pitchFamily="34" charset="0"/>
+              <a:buChar char="•"/>
+              <a:defRPr sz="1800" kern="1200">
+                <a:solidFill>
+                  <a:schemeClr val="tx1"/>
+                </a:solidFill>
+                <a:latin typeface="+mn-lt"/>
+                <a:ea typeface="+mn-ea"/>
+                <a:cs typeface="+mn-cs"/>
+              </a:defRPr>
+            </a:lvl5pPr>
+            <a:lvl6pPr marL="2514600" indent="-228600" algn="l" defTabSz="914400" rtl="0" eaLnBrk="1" latinLnBrk="0" hangingPunct="1">
+              <a:lnSpc>
+                <a:spcPct val="90000"/>
+              </a:lnSpc>
+              <a:spcBef>
+                <a:spcPts val="500"/>
+              </a:spcBef>
+              <a:buFont typeface="Arial" panose="020B0604020202020204" pitchFamily="34" charset="0"/>
+              <a:buChar char="•"/>
+              <a:defRPr sz="1800" kern="1200">
+                <a:solidFill>
+                  <a:schemeClr val="tx1"/>
+                </a:solidFill>
+                <a:latin typeface="+mn-lt"/>
+                <a:ea typeface="+mn-ea"/>
+                <a:cs typeface="+mn-cs"/>
+              </a:defRPr>
+            </a:lvl6pPr>
+            <a:lvl7pPr marL="2971800" indent="-228600" algn="l" defTabSz="914400" rtl="0" eaLnBrk="1" latinLnBrk="0" hangingPunct="1">
+              <a:lnSpc>
+                <a:spcPct val="90000"/>
+              </a:lnSpc>
+              <a:spcBef>
+                <a:spcPts val="500"/>
+              </a:spcBef>
+              <a:buFont typeface="Arial" panose="020B0604020202020204" pitchFamily="34" charset="0"/>
+              <a:buChar char="•"/>
+              <a:defRPr sz="1800" kern="1200">
+                <a:solidFill>
+                  <a:schemeClr val="tx1"/>
+                </a:solidFill>
+                <a:latin typeface="+mn-lt"/>
+                <a:ea typeface="+mn-ea"/>
+                <a:cs typeface="+mn-cs"/>
+              </a:defRPr>
+            </a:lvl7pPr>
+            <a:lvl8pPr marL="3429000" indent="-228600" algn="l" defTabSz="914400" rtl="0" eaLnBrk="1" latinLnBrk="0" hangingPunct="1">
+              <a:lnSpc>
+                <a:spcPct val="90000"/>
+              </a:lnSpc>
+              <a:spcBef>
+                <a:spcPts val="500"/>
+              </a:spcBef>
+              <a:buFont typeface="Arial" panose="020B0604020202020204" pitchFamily="34" charset="0"/>
+              <a:buChar char="•"/>
+              <a:defRPr sz="1800" kern="1200">
+                <a:solidFill>
+                  <a:schemeClr val="tx1"/>
+                </a:solidFill>
+                <a:latin typeface="+mn-lt"/>
+                <a:ea typeface="+mn-ea"/>
+                <a:cs typeface="+mn-cs"/>
+              </a:defRPr>
+            </a:lvl8pPr>
+            <a:lvl9pPr marL="3886200" indent="-228600" algn="l" defTabSz="914400" rtl="0" eaLnBrk="1" latinLnBrk="0" hangingPunct="1">
+              <a:lnSpc>
+                <a:spcPct val="90000"/>
+              </a:lnSpc>
+              <a:spcBef>
+                <a:spcPts val="500"/>
+              </a:spcBef>
+              <a:buFont typeface="Arial" panose="020B0604020202020204" pitchFamily="34" charset="0"/>
+              <a:buChar char="•"/>
+              <a:defRPr sz="1800" kern="1200">
+                <a:solidFill>
+                  <a:schemeClr val="tx1"/>
+                </a:solidFill>
+                <a:latin typeface="+mn-lt"/>
+                <a:ea typeface="+mn-ea"/>
+                <a:cs typeface="+mn-cs"/>
+              </a:defRPr>
+            </a:lvl9pPr>
+          </a:lstStyle>
+          <a:p>
+            <a:r>
+              <a:rPr lang="zh-CN" altLang="en-US" dirty="0">
+                <a:latin typeface="+mn-ea"/>
+              </a:rPr>
+              <a:t>万字工作文档，详细记录问题解决过程</a:t>
+            </a:r>
+            <a:endParaRPr lang="en-US" altLang="zh-CN" dirty="0">
+              <a:latin typeface="+mn-ea"/>
+            </a:endParaRPr>
+          </a:p>
+          <a:p>
+            <a:r>
+              <a:rPr lang="en-US" altLang="zh-CN" dirty="0">
+                <a:latin typeface="+mn-ea"/>
+              </a:rPr>
+              <a:t>5k</a:t>
+            </a:r>
+            <a:r>
+              <a:rPr lang="zh-CN" altLang="en-US" dirty="0">
+                <a:latin typeface="+mn-ea"/>
+              </a:rPr>
+              <a:t>字</a:t>
+            </a:r>
+            <a:r>
+              <a:rPr lang="en-US" altLang="zh-CN" dirty="0" err="1">
+                <a:latin typeface="+mn-ea"/>
+              </a:rPr>
+              <a:t>qemu</a:t>
+            </a:r>
+            <a:r>
+              <a:rPr lang="en-US" altLang="zh-CN" dirty="0">
+                <a:latin typeface="+mn-ea"/>
+              </a:rPr>
+              <a:t>-tutorial</a:t>
+            </a:r>
+            <a:r>
+              <a:rPr lang="zh-CN" altLang="en-US" dirty="0">
+                <a:latin typeface="+mn-ea"/>
+              </a:rPr>
+              <a:t>，代码级</a:t>
+            </a:r>
+            <a:r>
+              <a:rPr lang="en-US" altLang="zh-CN" dirty="0" err="1">
+                <a:latin typeface="+mn-ea"/>
+              </a:rPr>
+              <a:t>qemu</a:t>
+            </a:r>
+            <a:r>
+              <a:rPr lang="zh-CN" altLang="en-US" dirty="0">
+                <a:latin typeface="+mn-ea"/>
+              </a:rPr>
+              <a:t>教程</a:t>
+            </a:r>
+            <a:endParaRPr lang="en-US" altLang="zh-CN" dirty="0">
+              <a:latin typeface="+mn-ea"/>
+            </a:endParaRPr>
+          </a:p>
+          <a:p>
+            <a:r>
+              <a:rPr lang="zh-CN" altLang="en-US" dirty="0">
+                <a:latin typeface="+mn-ea"/>
+              </a:rPr>
+              <a:t>每周展示</a:t>
+            </a:r>
+            <a:r>
+              <a:rPr lang="en-US" altLang="zh-CN" dirty="0">
+                <a:latin typeface="+mn-ea"/>
+              </a:rPr>
+              <a:t>ppt</a:t>
+            </a:r>
+            <a:r>
+              <a:rPr lang="zh-CN" altLang="en-US" dirty="0">
+                <a:latin typeface="+mn-ea"/>
+              </a:rPr>
+              <a:t>，周工作记录</a:t>
+            </a:r>
+            <a:endParaRPr lang="en-US" altLang="zh-CN" dirty="0">
+              <a:latin typeface="+mn-ea"/>
+            </a:endParaRPr>
+          </a:p>
+          <a:p>
+            <a:r>
+              <a:rPr lang="zh-CN" altLang="en-US" dirty="0">
+                <a:latin typeface="+mn-ea"/>
+              </a:rPr>
+              <a:t>更多的</a:t>
+            </a:r>
+            <a:r>
+              <a:rPr lang="en-US" altLang="zh-CN" dirty="0">
+                <a:latin typeface="+mn-ea"/>
+              </a:rPr>
+              <a:t>debug</a:t>
+            </a:r>
+            <a:r>
+              <a:rPr lang="zh-CN" altLang="en-US" dirty="0">
+                <a:latin typeface="+mn-ea"/>
+              </a:rPr>
+              <a:t>过程</a:t>
+            </a:r>
+            <a:r>
+              <a:rPr lang="en-US" altLang="zh-CN" dirty="0">
+                <a:latin typeface="+mn-ea"/>
+              </a:rPr>
+              <a:t>……</a:t>
+            </a:r>
+            <a:endParaRPr lang="en-US" altLang="zh-CN" dirty="0">
+              <a:latin typeface="+mn-ea"/>
+            </a:endParaRPr>
+          </a:p>
+        </p:txBody>
+      </p:sp>
+    </p:spTree>
+  </p:cSld>
+  <p:clrMapOvr>
+    <a:masterClrMapping/>
+  </p:clrMapOvr>
+</p:sld>
+</file>
+
+<file path=ppt/slides/slide16.xml><?xml version="1.0" encoding="utf-8"?>
+<p:sld xmlns:a="http://schemas.openxmlformats.org/drawingml/2006/main" xmlns:r="http://schemas.openxmlformats.org/officeDocument/2006/relationships" xmlns:p="http://schemas.openxmlformats.org/presentationml/2006/main">
+  <p:cSld>
+    <p:spTree>
+      <p:nvGrpSpPr>
+        <p:cNvPr id="1" name=""/>
+        <p:cNvGrpSpPr/>
+        <p:nvPr/>
+      </p:nvGrpSpPr>
+      <p:grpSpPr>
+        <a:xfrm>
+          <a:off x="0" y="0"/>
+          <a:ext cx="0" cy="0"/>
+          <a:chOff x="0" y="0"/>
+          <a:chExt cx="0" cy="0"/>
+        </a:xfrm>
+      </p:grpSpPr>
+      <p:sp>
+        <p:nvSpPr>
+          <p:cNvPr id="11" name="标题 1"/>
+          <p:cNvSpPr txBox="1"/>
+          <p:nvPr/>
+        </p:nvSpPr>
+        <p:spPr>
+          <a:xfrm>
+            <a:off x="1170269" y="797307"/>
+            <a:ext cx="10030487" cy="961382"/>
+          </a:xfrm>
+          <a:prstGeom prst="rect">
+            <a:avLst/>
+          </a:prstGeom>
+        </p:spPr>
+        <p:txBody>
+          <a:bodyPr/>
+          <a:lstStyle>
+            <a:lvl1pPr algn="l" defTabSz="914400" rtl="0" eaLnBrk="1" latinLnBrk="0" hangingPunct="1">
+              <a:lnSpc>
+                <a:spcPct val="90000"/>
+              </a:lnSpc>
+              <a:spcBef>
+                <a:spcPct val="0"/>
+              </a:spcBef>
+              <a:buNone/>
+              <a:defRPr sz="4400" kern="1200">
+                <a:solidFill>
+                  <a:schemeClr val="tx1"/>
+                </a:solidFill>
+                <a:latin typeface="+mj-lt"/>
+                <a:ea typeface="+mj-ea"/>
+                <a:cs typeface="+mj-cs"/>
+              </a:defRPr>
+            </a:lvl1pPr>
+          </a:lstStyle>
+          <a:p>
+            <a:r>
+              <a:rPr lang="zh-CN" altLang="en-US" sz="4000" b="1" dirty="0">
+                <a:solidFill>
+                  <a:srgbClr val="704F95"/>
+                </a:solidFill>
+                <a:latin typeface="思源宋体 Medium" panose="02020500000000000000" pitchFamily="18" charset="-122"/>
+                <a:ea typeface="思源宋体 Medium" panose="02020500000000000000" pitchFamily="18" charset="-122"/>
+              </a:rPr>
+              <a:t>感想</a:t>
+            </a:r>
+            <a:endParaRPr lang="en-US" altLang="zh-CN" sz="4000" b="1" dirty="0">
+              <a:solidFill>
+                <a:srgbClr val="704F95"/>
+              </a:solidFill>
+              <a:latin typeface="思源宋体 Medium" panose="02020500000000000000" pitchFamily="18" charset="-122"/>
+              <a:ea typeface="思源宋体 Medium" panose="02020500000000000000" pitchFamily="18" charset="-122"/>
+            </a:endParaRPr>
+          </a:p>
+        </p:txBody>
+      </p:sp>
+      <p:sp>
+        <p:nvSpPr>
+          <p:cNvPr id="43" name="Rectangle 236"/>
           <p:cNvSpPr/>
           <p:nvPr/>
         </p:nvSpPr>
         <p:spPr>
           <a:xfrm>
-            <a:off x="880107" y="752160"/>
+            <a:off x="987616" y="797307"/>
             <a:ext cx="10395795" cy="923330"/>
           </a:xfrm>
           <a:prstGeom prst="rect">
@@ -9270,6 +9966,1045 @@
           <a:p>
             <a:pPr algn="ctr"/>
             <a:r>
+              <a:rPr lang="zh-CN" altLang="en-US" sz="5400" b="1" u="sng" dirty="0">
+                <a:solidFill>
+                  <a:srgbClr val="803A87"/>
+                </a:solidFill>
+              </a:rPr>
+              <a:t>                                                               </a:t>
+            </a:r>
+            <a:endParaRPr lang="en-US" altLang="zh-CN" sz="5400" b="1" u="sng" dirty="0">
+              <a:solidFill>
+                <a:srgbClr val="803A87"/>
+              </a:solidFill>
+            </a:endParaRPr>
+          </a:p>
+        </p:txBody>
+      </p:sp>
+      <p:pic>
+        <p:nvPicPr>
+          <p:cNvPr id="44" name="Picture 8"/>
+          <p:cNvPicPr/>
+          <p:nvPr/>
+        </p:nvPicPr>
+        <p:blipFill>
+          <a:blip r:embed="rId1">
+            <a:clrChange>
+              <a:clrFrom>
+                <a:srgbClr val="FFFFFF"/>
+              </a:clrFrom>
+              <a:clrTo>
+                <a:srgbClr val="FFFFFF">
+                  <a:alpha val="0"/>
+                </a:srgbClr>
+              </a:clrTo>
+            </a:clrChange>
+          </a:blip>
+          <a:stretch>
+            <a:fillRect/>
+          </a:stretch>
+        </p:blipFill>
+        <p:spPr>
+          <a:xfrm>
+            <a:off x="7880269" y="6297384"/>
+            <a:ext cx="4120587" cy="514122"/>
+          </a:xfrm>
+          <a:prstGeom prst="rect">
+            <a:avLst/>
+          </a:prstGeom>
+        </p:spPr>
+      </p:pic>
+      <p:sp>
+        <p:nvSpPr>
+          <p:cNvPr id="8" name="文本占位符 1"/>
+          <p:cNvSpPr txBox="1"/>
+          <p:nvPr/>
+        </p:nvSpPr>
+        <p:spPr>
+          <a:xfrm>
+            <a:off x="6371771" y="263796"/>
+            <a:ext cx="5629085" cy="328059"/>
+          </a:xfrm>
+          <a:prstGeom prst="rect">
+            <a:avLst/>
+          </a:prstGeom>
+          <a:ln w="12700" cmpd="sng">
+            <a:noFill/>
+          </a:ln>
+        </p:spPr>
+        <p:txBody>
+          <a:bodyPr vert="horz" anchor="ctr"/>
+          <a:lstStyle>
+            <a:lvl1pPr marL="0" indent="0" algn="l" defTabSz="914400" rtl="0" eaLnBrk="1" latinLnBrk="0" hangingPunct="1">
+              <a:lnSpc>
+                <a:spcPct val="90000"/>
+              </a:lnSpc>
+              <a:spcBef>
+                <a:spcPts val="1000"/>
+              </a:spcBef>
+              <a:buFont typeface="Arial" panose="020B0604020202020204" pitchFamily="34" charset="0"/>
+              <a:buNone/>
+              <a:defRPr sz="1400" b="1" kern="1200">
+                <a:solidFill>
+                  <a:schemeClr val="tx1"/>
+                </a:solidFill>
+                <a:latin typeface="微软雅黑" charset="0"/>
+                <a:ea typeface="微软雅黑" charset="0"/>
+                <a:cs typeface="微软雅黑" charset="0"/>
+              </a:defRPr>
+            </a:lvl1pPr>
+            <a:lvl2pPr marL="685800" indent="-228600" algn="l" defTabSz="914400" rtl="0" eaLnBrk="1" latinLnBrk="0" hangingPunct="1">
+              <a:lnSpc>
+                <a:spcPct val="90000"/>
+              </a:lnSpc>
+              <a:spcBef>
+                <a:spcPts val="500"/>
+              </a:spcBef>
+              <a:buFont typeface="Arial" panose="020B0604020202020204" pitchFamily="34" charset="0"/>
+              <a:buChar char="•"/>
+              <a:defRPr sz="2400" kern="1200">
+                <a:solidFill>
+                  <a:schemeClr val="tx1"/>
+                </a:solidFill>
+                <a:latin typeface="+mn-lt"/>
+                <a:ea typeface="+mn-ea"/>
+                <a:cs typeface="+mn-cs"/>
+              </a:defRPr>
+            </a:lvl2pPr>
+            <a:lvl3pPr marL="1143000" indent="-228600" algn="l" defTabSz="914400" rtl="0" eaLnBrk="1" latinLnBrk="0" hangingPunct="1">
+              <a:lnSpc>
+                <a:spcPct val="90000"/>
+              </a:lnSpc>
+              <a:spcBef>
+                <a:spcPts val="500"/>
+              </a:spcBef>
+              <a:buFont typeface="Arial" panose="020B0604020202020204" pitchFamily="34" charset="0"/>
+              <a:buChar char="•"/>
+              <a:defRPr sz="2000" kern="1200">
+                <a:solidFill>
+                  <a:schemeClr val="tx1"/>
+                </a:solidFill>
+                <a:latin typeface="+mn-lt"/>
+                <a:ea typeface="+mn-ea"/>
+                <a:cs typeface="+mn-cs"/>
+              </a:defRPr>
+            </a:lvl3pPr>
+            <a:lvl4pPr marL="1600200" indent="-228600" algn="l" defTabSz="914400" rtl="0" eaLnBrk="1" latinLnBrk="0" hangingPunct="1">
+              <a:lnSpc>
+                <a:spcPct val="90000"/>
+              </a:lnSpc>
+              <a:spcBef>
+                <a:spcPts val="500"/>
+              </a:spcBef>
+              <a:buFont typeface="Arial" panose="020B0604020202020204" pitchFamily="34" charset="0"/>
+              <a:buChar char="•"/>
+              <a:defRPr sz="1800" kern="1200">
+                <a:solidFill>
+                  <a:schemeClr val="tx1"/>
+                </a:solidFill>
+                <a:latin typeface="+mn-lt"/>
+                <a:ea typeface="+mn-ea"/>
+                <a:cs typeface="+mn-cs"/>
+              </a:defRPr>
+            </a:lvl4pPr>
+            <a:lvl5pPr marL="2057400" indent="-228600" algn="l" defTabSz="914400" rtl="0" eaLnBrk="1" latinLnBrk="0" hangingPunct="1">
+              <a:lnSpc>
+                <a:spcPct val="90000"/>
+              </a:lnSpc>
+              <a:spcBef>
+                <a:spcPts val="500"/>
+              </a:spcBef>
+              <a:buFont typeface="Arial" panose="020B0604020202020204" pitchFamily="34" charset="0"/>
+              <a:buChar char="•"/>
+              <a:defRPr sz="1800" kern="1200">
+                <a:solidFill>
+                  <a:schemeClr val="tx1"/>
+                </a:solidFill>
+                <a:latin typeface="+mn-lt"/>
+                <a:ea typeface="+mn-ea"/>
+                <a:cs typeface="+mn-cs"/>
+              </a:defRPr>
+            </a:lvl5pPr>
+            <a:lvl6pPr marL="2514600" indent="-228600" algn="l" defTabSz="914400" rtl="0" eaLnBrk="1" latinLnBrk="0" hangingPunct="1">
+              <a:lnSpc>
+                <a:spcPct val="90000"/>
+              </a:lnSpc>
+              <a:spcBef>
+                <a:spcPts val="500"/>
+              </a:spcBef>
+              <a:buFont typeface="Arial" panose="020B0604020202020204" pitchFamily="34" charset="0"/>
+              <a:buChar char="•"/>
+              <a:defRPr sz="1800" kern="1200">
+                <a:solidFill>
+                  <a:schemeClr val="tx1"/>
+                </a:solidFill>
+                <a:latin typeface="+mn-lt"/>
+                <a:ea typeface="+mn-ea"/>
+                <a:cs typeface="+mn-cs"/>
+              </a:defRPr>
+            </a:lvl6pPr>
+            <a:lvl7pPr marL="2971800" indent="-228600" algn="l" defTabSz="914400" rtl="0" eaLnBrk="1" latinLnBrk="0" hangingPunct="1">
+              <a:lnSpc>
+                <a:spcPct val="90000"/>
+              </a:lnSpc>
+              <a:spcBef>
+                <a:spcPts val="500"/>
+              </a:spcBef>
+              <a:buFont typeface="Arial" panose="020B0604020202020204" pitchFamily="34" charset="0"/>
+              <a:buChar char="•"/>
+              <a:defRPr sz="1800" kern="1200">
+                <a:solidFill>
+                  <a:schemeClr val="tx1"/>
+                </a:solidFill>
+                <a:latin typeface="+mn-lt"/>
+                <a:ea typeface="+mn-ea"/>
+                <a:cs typeface="+mn-cs"/>
+              </a:defRPr>
+            </a:lvl7pPr>
+            <a:lvl8pPr marL="3429000" indent="-228600" algn="l" defTabSz="914400" rtl="0" eaLnBrk="1" latinLnBrk="0" hangingPunct="1">
+              <a:lnSpc>
+                <a:spcPct val="90000"/>
+              </a:lnSpc>
+              <a:spcBef>
+                <a:spcPts val="500"/>
+              </a:spcBef>
+              <a:buFont typeface="Arial" panose="020B0604020202020204" pitchFamily="34" charset="0"/>
+              <a:buChar char="•"/>
+              <a:defRPr sz="1800" kern="1200">
+                <a:solidFill>
+                  <a:schemeClr val="tx1"/>
+                </a:solidFill>
+                <a:latin typeface="+mn-lt"/>
+                <a:ea typeface="+mn-ea"/>
+                <a:cs typeface="+mn-cs"/>
+              </a:defRPr>
+            </a:lvl8pPr>
+            <a:lvl9pPr marL="3886200" indent="-228600" algn="l" defTabSz="914400" rtl="0" eaLnBrk="1" latinLnBrk="0" hangingPunct="1">
+              <a:lnSpc>
+                <a:spcPct val="90000"/>
+              </a:lnSpc>
+              <a:spcBef>
+                <a:spcPts val="500"/>
+              </a:spcBef>
+              <a:buFont typeface="Arial" panose="020B0604020202020204" pitchFamily="34" charset="0"/>
+              <a:buChar char="•"/>
+              <a:defRPr sz="1800" kern="1200">
+                <a:solidFill>
+                  <a:schemeClr val="tx1"/>
+                </a:solidFill>
+                <a:latin typeface="+mn-lt"/>
+                <a:ea typeface="+mn-ea"/>
+                <a:cs typeface="+mn-cs"/>
+              </a:defRPr>
+            </a:lvl9pPr>
+          </a:lstStyle>
+          <a:p>
+            <a:pPr algn="r"/>
+            <a:endParaRPr lang="en-US" altLang="zh-CN" dirty="0">
+              <a:solidFill>
+                <a:srgbClr val="704F95"/>
+              </a:solidFill>
+              <a:latin typeface="思源宋体 Medium" panose="02020500000000000000" pitchFamily="18" charset="-122"/>
+              <a:ea typeface="思源宋体 Medium" panose="02020500000000000000" pitchFamily="18" charset="-122"/>
+            </a:endParaRPr>
+          </a:p>
+        </p:txBody>
+      </p:sp>
+      <p:sp>
+        <p:nvSpPr>
+          <p:cNvPr id="6" name="Content Placeholder 2"/>
+          <p:cNvSpPr txBox="1"/>
+          <p:nvPr/>
+        </p:nvSpPr>
+        <p:spPr>
+          <a:xfrm>
+            <a:off x="1113971" y="1801282"/>
+            <a:ext cx="10515600" cy="4351338"/>
+          </a:xfrm>
+          <a:prstGeom prst="rect">
+            <a:avLst/>
+          </a:prstGeom>
+        </p:spPr>
+        <p:txBody>
+          <a:bodyPr>
+            <a:normAutofit/>
+          </a:bodyPr>
+          <a:lstStyle>
+            <a:lvl1pPr marL="228600" indent="-228600" algn="l" defTabSz="914400" rtl="0" eaLnBrk="1" latinLnBrk="0" hangingPunct="1">
+              <a:lnSpc>
+                <a:spcPct val="90000"/>
+              </a:lnSpc>
+              <a:spcBef>
+                <a:spcPts val="1000"/>
+              </a:spcBef>
+              <a:buFont typeface="Arial" panose="020B0604020202020204" pitchFamily="34" charset="0"/>
+              <a:buChar char="•"/>
+              <a:defRPr sz="2800" kern="1200">
+                <a:solidFill>
+                  <a:schemeClr val="tx1"/>
+                </a:solidFill>
+                <a:latin typeface="+mn-lt"/>
+                <a:ea typeface="+mn-ea"/>
+                <a:cs typeface="+mn-cs"/>
+              </a:defRPr>
+            </a:lvl1pPr>
+            <a:lvl2pPr marL="685800" indent="-228600" algn="l" defTabSz="914400" rtl="0" eaLnBrk="1" latinLnBrk="0" hangingPunct="1">
+              <a:lnSpc>
+                <a:spcPct val="90000"/>
+              </a:lnSpc>
+              <a:spcBef>
+                <a:spcPts val="500"/>
+              </a:spcBef>
+              <a:buFont typeface="Arial" panose="020B0604020202020204" pitchFamily="34" charset="0"/>
+              <a:buChar char="•"/>
+              <a:defRPr sz="2400" kern="1200">
+                <a:solidFill>
+                  <a:schemeClr val="tx1"/>
+                </a:solidFill>
+                <a:latin typeface="+mn-lt"/>
+                <a:ea typeface="+mn-ea"/>
+                <a:cs typeface="+mn-cs"/>
+              </a:defRPr>
+            </a:lvl2pPr>
+            <a:lvl3pPr marL="1143000" indent="-228600" algn="l" defTabSz="914400" rtl="0" eaLnBrk="1" latinLnBrk="0" hangingPunct="1">
+              <a:lnSpc>
+                <a:spcPct val="90000"/>
+              </a:lnSpc>
+              <a:spcBef>
+                <a:spcPts val="500"/>
+              </a:spcBef>
+              <a:buFont typeface="Arial" panose="020B0604020202020204" pitchFamily="34" charset="0"/>
+              <a:buChar char="•"/>
+              <a:defRPr sz="2000" kern="1200">
+                <a:solidFill>
+                  <a:schemeClr val="tx1"/>
+                </a:solidFill>
+                <a:latin typeface="+mn-lt"/>
+                <a:ea typeface="+mn-ea"/>
+                <a:cs typeface="+mn-cs"/>
+              </a:defRPr>
+            </a:lvl3pPr>
+            <a:lvl4pPr marL="1600200" indent="-228600" algn="l" defTabSz="914400" rtl="0" eaLnBrk="1" latinLnBrk="0" hangingPunct="1">
+              <a:lnSpc>
+                <a:spcPct val="90000"/>
+              </a:lnSpc>
+              <a:spcBef>
+                <a:spcPts val="500"/>
+              </a:spcBef>
+              <a:buFont typeface="Arial" panose="020B0604020202020204" pitchFamily="34" charset="0"/>
+              <a:buChar char="•"/>
+              <a:defRPr sz="1800" kern="1200">
+                <a:solidFill>
+                  <a:schemeClr val="tx1"/>
+                </a:solidFill>
+                <a:latin typeface="+mn-lt"/>
+                <a:ea typeface="+mn-ea"/>
+                <a:cs typeface="+mn-cs"/>
+              </a:defRPr>
+            </a:lvl4pPr>
+            <a:lvl5pPr marL="2057400" indent="-228600" algn="l" defTabSz="914400" rtl="0" eaLnBrk="1" latinLnBrk="0" hangingPunct="1">
+              <a:lnSpc>
+                <a:spcPct val="90000"/>
+              </a:lnSpc>
+              <a:spcBef>
+                <a:spcPts val="500"/>
+              </a:spcBef>
+              <a:buFont typeface="Arial" panose="020B0604020202020204" pitchFamily="34" charset="0"/>
+              <a:buChar char="•"/>
+              <a:defRPr sz="1800" kern="1200">
+                <a:solidFill>
+                  <a:schemeClr val="tx1"/>
+                </a:solidFill>
+                <a:latin typeface="+mn-lt"/>
+                <a:ea typeface="+mn-ea"/>
+                <a:cs typeface="+mn-cs"/>
+              </a:defRPr>
+            </a:lvl5pPr>
+            <a:lvl6pPr marL="2514600" indent="-228600" algn="l" defTabSz="914400" rtl="0" eaLnBrk="1" latinLnBrk="0" hangingPunct="1">
+              <a:lnSpc>
+                <a:spcPct val="90000"/>
+              </a:lnSpc>
+              <a:spcBef>
+                <a:spcPts val="500"/>
+              </a:spcBef>
+              <a:buFont typeface="Arial" panose="020B0604020202020204" pitchFamily="34" charset="0"/>
+              <a:buChar char="•"/>
+              <a:defRPr sz="1800" kern="1200">
+                <a:solidFill>
+                  <a:schemeClr val="tx1"/>
+                </a:solidFill>
+                <a:latin typeface="+mn-lt"/>
+                <a:ea typeface="+mn-ea"/>
+                <a:cs typeface="+mn-cs"/>
+              </a:defRPr>
+            </a:lvl6pPr>
+            <a:lvl7pPr marL="2971800" indent="-228600" algn="l" defTabSz="914400" rtl="0" eaLnBrk="1" latinLnBrk="0" hangingPunct="1">
+              <a:lnSpc>
+                <a:spcPct val="90000"/>
+              </a:lnSpc>
+              <a:spcBef>
+                <a:spcPts val="500"/>
+              </a:spcBef>
+              <a:buFont typeface="Arial" panose="020B0604020202020204" pitchFamily="34" charset="0"/>
+              <a:buChar char="•"/>
+              <a:defRPr sz="1800" kern="1200">
+                <a:solidFill>
+                  <a:schemeClr val="tx1"/>
+                </a:solidFill>
+                <a:latin typeface="+mn-lt"/>
+                <a:ea typeface="+mn-ea"/>
+                <a:cs typeface="+mn-cs"/>
+              </a:defRPr>
+            </a:lvl7pPr>
+            <a:lvl8pPr marL="3429000" indent="-228600" algn="l" defTabSz="914400" rtl="0" eaLnBrk="1" latinLnBrk="0" hangingPunct="1">
+              <a:lnSpc>
+                <a:spcPct val="90000"/>
+              </a:lnSpc>
+              <a:spcBef>
+                <a:spcPts val="500"/>
+              </a:spcBef>
+              <a:buFont typeface="Arial" panose="020B0604020202020204" pitchFamily="34" charset="0"/>
+              <a:buChar char="•"/>
+              <a:defRPr sz="1800" kern="1200">
+                <a:solidFill>
+                  <a:schemeClr val="tx1"/>
+                </a:solidFill>
+                <a:latin typeface="+mn-lt"/>
+                <a:ea typeface="+mn-ea"/>
+                <a:cs typeface="+mn-cs"/>
+              </a:defRPr>
+            </a:lvl8pPr>
+            <a:lvl9pPr marL="3886200" indent="-228600" algn="l" defTabSz="914400" rtl="0" eaLnBrk="1" latinLnBrk="0" hangingPunct="1">
+              <a:lnSpc>
+                <a:spcPct val="90000"/>
+              </a:lnSpc>
+              <a:spcBef>
+                <a:spcPts val="500"/>
+              </a:spcBef>
+              <a:buFont typeface="Arial" panose="020B0604020202020204" pitchFamily="34" charset="0"/>
+              <a:buChar char="•"/>
+              <a:defRPr sz="1800" kern="1200">
+                <a:solidFill>
+                  <a:schemeClr val="tx1"/>
+                </a:solidFill>
+                <a:latin typeface="+mn-lt"/>
+                <a:ea typeface="+mn-ea"/>
+                <a:cs typeface="+mn-cs"/>
+              </a:defRPr>
+            </a:lvl9pPr>
+          </a:lstStyle>
+          <a:p>
+            <a:endParaRPr lang="en-US" altLang="zh-CN" dirty="0">
+              <a:latin typeface="+mn-ea"/>
+            </a:endParaRPr>
+          </a:p>
+        </p:txBody>
+      </p:sp>
+      <p:sp>
+        <p:nvSpPr>
+          <p:cNvPr id="15" name="Content Placeholder 2"/>
+          <p:cNvSpPr txBox="1"/>
+          <p:nvPr/>
+        </p:nvSpPr>
+        <p:spPr>
+          <a:xfrm>
+            <a:off x="1113790" y="1758950"/>
+            <a:ext cx="10515600" cy="3631565"/>
+          </a:xfrm>
+          <a:prstGeom prst="rect">
+            <a:avLst/>
+          </a:prstGeom>
+        </p:spPr>
+        <p:txBody>
+          <a:bodyPr>
+            <a:normAutofit/>
+          </a:bodyPr>
+          <a:lstStyle>
+            <a:lvl1pPr marL="228600" indent="-228600" algn="l" defTabSz="914400" rtl="0" eaLnBrk="1" latinLnBrk="0" hangingPunct="1">
+              <a:lnSpc>
+                <a:spcPct val="90000"/>
+              </a:lnSpc>
+              <a:spcBef>
+                <a:spcPts val="1000"/>
+              </a:spcBef>
+              <a:buFont typeface="Arial" panose="020B0604020202020204" pitchFamily="34" charset="0"/>
+              <a:buChar char="•"/>
+              <a:defRPr sz="2800" kern="1200">
+                <a:solidFill>
+                  <a:schemeClr val="tx1"/>
+                </a:solidFill>
+                <a:latin typeface="+mn-lt"/>
+                <a:ea typeface="+mn-ea"/>
+                <a:cs typeface="+mn-cs"/>
+              </a:defRPr>
+            </a:lvl1pPr>
+            <a:lvl2pPr marL="685800" indent="-228600" algn="l" defTabSz="914400" rtl="0" eaLnBrk="1" latinLnBrk="0" hangingPunct="1">
+              <a:lnSpc>
+                <a:spcPct val="90000"/>
+              </a:lnSpc>
+              <a:spcBef>
+                <a:spcPts val="500"/>
+              </a:spcBef>
+              <a:buFont typeface="Arial" panose="020B0604020202020204" pitchFamily="34" charset="0"/>
+              <a:buChar char="•"/>
+              <a:defRPr sz="2400" kern="1200">
+                <a:solidFill>
+                  <a:schemeClr val="tx1"/>
+                </a:solidFill>
+                <a:latin typeface="+mn-lt"/>
+                <a:ea typeface="+mn-ea"/>
+                <a:cs typeface="+mn-cs"/>
+              </a:defRPr>
+            </a:lvl2pPr>
+            <a:lvl3pPr marL="1143000" indent="-228600" algn="l" defTabSz="914400" rtl="0" eaLnBrk="1" latinLnBrk="0" hangingPunct="1">
+              <a:lnSpc>
+                <a:spcPct val="90000"/>
+              </a:lnSpc>
+              <a:spcBef>
+                <a:spcPts val="500"/>
+              </a:spcBef>
+              <a:buFont typeface="Arial" panose="020B0604020202020204" pitchFamily="34" charset="0"/>
+              <a:buChar char="•"/>
+              <a:defRPr sz="2000" kern="1200">
+                <a:solidFill>
+                  <a:schemeClr val="tx1"/>
+                </a:solidFill>
+                <a:latin typeface="+mn-lt"/>
+                <a:ea typeface="+mn-ea"/>
+                <a:cs typeface="+mn-cs"/>
+              </a:defRPr>
+            </a:lvl3pPr>
+            <a:lvl4pPr marL="1600200" indent="-228600" algn="l" defTabSz="914400" rtl="0" eaLnBrk="1" latinLnBrk="0" hangingPunct="1">
+              <a:lnSpc>
+                <a:spcPct val="90000"/>
+              </a:lnSpc>
+              <a:spcBef>
+                <a:spcPts val="500"/>
+              </a:spcBef>
+              <a:buFont typeface="Arial" panose="020B0604020202020204" pitchFamily="34" charset="0"/>
+              <a:buChar char="•"/>
+              <a:defRPr sz="1800" kern="1200">
+                <a:solidFill>
+                  <a:schemeClr val="tx1"/>
+                </a:solidFill>
+                <a:latin typeface="+mn-lt"/>
+                <a:ea typeface="+mn-ea"/>
+                <a:cs typeface="+mn-cs"/>
+              </a:defRPr>
+            </a:lvl4pPr>
+            <a:lvl5pPr marL="2057400" indent="-228600" algn="l" defTabSz="914400" rtl="0" eaLnBrk="1" latinLnBrk="0" hangingPunct="1">
+              <a:lnSpc>
+                <a:spcPct val="90000"/>
+              </a:lnSpc>
+              <a:spcBef>
+                <a:spcPts val="500"/>
+              </a:spcBef>
+              <a:buFont typeface="Arial" panose="020B0604020202020204" pitchFamily="34" charset="0"/>
+              <a:buChar char="•"/>
+              <a:defRPr sz="1800" kern="1200">
+                <a:solidFill>
+                  <a:schemeClr val="tx1"/>
+                </a:solidFill>
+                <a:latin typeface="+mn-lt"/>
+                <a:ea typeface="+mn-ea"/>
+                <a:cs typeface="+mn-cs"/>
+              </a:defRPr>
+            </a:lvl5pPr>
+            <a:lvl6pPr marL="2514600" indent="-228600" algn="l" defTabSz="914400" rtl="0" eaLnBrk="1" latinLnBrk="0" hangingPunct="1">
+              <a:lnSpc>
+                <a:spcPct val="90000"/>
+              </a:lnSpc>
+              <a:spcBef>
+                <a:spcPts val="500"/>
+              </a:spcBef>
+              <a:buFont typeface="Arial" panose="020B0604020202020204" pitchFamily="34" charset="0"/>
+              <a:buChar char="•"/>
+              <a:defRPr sz="1800" kern="1200">
+                <a:solidFill>
+                  <a:schemeClr val="tx1"/>
+                </a:solidFill>
+                <a:latin typeface="+mn-lt"/>
+                <a:ea typeface="+mn-ea"/>
+                <a:cs typeface="+mn-cs"/>
+              </a:defRPr>
+            </a:lvl6pPr>
+            <a:lvl7pPr marL="2971800" indent="-228600" algn="l" defTabSz="914400" rtl="0" eaLnBrk="1" latinLnBrk="0" hangingPunct="1">
+              <a:lnSpc>
+                <a:spcPct val="90000"/>
+              </a:lnSpc>
+              <a:spcBef>
+                <a:spcPts val="500"/>
+              </a:spcBef>
+              <a:buFont typeface="Arial" panose="020B0604020202020204" pitchFamily="34" charset="0"/>
+              <a:buChar char="•"/>
+              <a:defRPr sz="1800" kern="1200">
+                <a:solidFill>
+                  <a:schemeClr val="tx1"/>
+                </a:solidFill>
+                <a:latin typeface="+mn-lt"/>
+                <a:ea typeface="+mn-ea"/>
+                <a:cs typeface="+mn-cs"/>
+              </a:defRPr>
+            </a:lvl7pPr>
+            <a:lvl8pPr marL="3429000" indent="-228600" algn="l" defTabSz="914400" rtl="0" eaLnBrk="1" latinLnBrk="0" hangingPunct="1">
+              <a:lnSpc>
+                <a:spcPct val="90000"/>
+              </a:lnSpc>
+              <a:spcBef>
+                <a:spcPts val="500"/>
+              </a:spcBef>
+              <a:buFont typeface="Arial" panose="020B0604020202020204" pitchFamily="34" charset="0"/>
+              <a:buChar char="•"/>
+              <a:defRPr sz="1800" kern="1200">
+                <a:solidFill>
+                  <a:schemeClr val="tx1"/>
+                </a:solidFill>
+                <a:latin typeface="+mn-lt"/>
+                <a:ea typeface="+mn-ea"/>
+                <a:cs typeface="+mn-cs"/>
+              </a:defRPr>
+            </a:lvl8pPr>
+            <a:lvl9pPr marL="3886200" indent="-228600" algn="l" defTabSz="914400" rtl="0" eaLnBrk="1" latinLnBrk="0" hangingPunct="1">
+              <a:lnSpc>
+                <a:spcPct val="90000"/>
+              </a:lnSpc>
+              <a:spcBef>
+                <a:spcPts val="500"/>
+              </a:spcBef>
+              <a:buFont typeface="Arial" panose="020B0604020202020204" pitchFamily="34" charset="0"/>
+              <a:buChar char="•"/>
+              <a:defRPr sz="1800" kern="1200">
+                <a:solidFill>
+                  <a:schemeClr val="tx1"/>
+                </a:solidFill>
+                <a:latin typeface="+mn-lt"/>
+                <a:ea typeface="+mn-ea"/>
+                <a:cs typeface="+mn-cs"/>
+              </a:defRPr>
+            </a:lvl9pPr>
+          </a:lstStyle>
+          <a:p>
+            <a:pPr marL="0" indent="0">
+              <a:buNone/>
+            </a:pPr>
+            <a:r>
+              <a:rPr lang="en-US" altLang="zh-CN" dirty="0" err="1">
+                <a:latin typeface="+mn-ea"/>
+              </a:rPr>
+              <a:t>Xcd</a:t>
+            </a:r>
+            <a:r>
+              <a:rPr lang="zh-CN" altLang="en-US" dirty="0">
+                <a:latin typeface="+mn-ea"/>
+              </a:rPr>
+              <a:t>：从硬件</a:t>
+            </a:r>
+            <a:r>
+              <a:rPr lang="en-US" altLang="zh-CN" dirty="0">
+                <a:latin typeface="+mn-ea"/>
+              </a:rPr>
+              <a:t>-</a:t>
+            </a:r>
+            <a:r>
+              <a:rPr lang="zh-CN" altLang="en-US" dirty="0">
+                <a:latin typeface="+mn-ea"/>
+              </a:rPr>
+              <a:t>操作系统</a:t>
+            </a:r>
+            <a:r>
+              <a:rPr lang="en-US" altLang="zh-CN" dirty="0">
+                <a:latin typeface="+mn-ea"/>
+              </a:rPr>
+              <a:t>-</a:t>
+            </a:r>
+            <a:r>
+              <a:rPr lang="zh-CN" altLang="en-US" dirty="0">
+                <a:latin typeface="+mn-ea"/>
+              </a:rPr>
+              <a:t>用户程序的全流程调试体验，和学长、社区的讨论、对</a:t>
+            </a:r>
+            <a:r>
+              <a:rPr lang="en-US" altLang="zh-CN" dirty="0">
+                <a:latin typeface="+mn-ea"/>
+              </a:rPr>
+              <a:t>x</a:t>
+            </a:r>
+            <a:endParaRPr lang="en-US" altLang="zh-CN" dirty="0">
+              <a:latin typeface="+mn-ea"/>
+            </a:endParaRPr>
+          </a:p>
+          <a:p>
+            <a:pPr marL="0" indent="0">
+              <a:buNone/>
+            </a:pPr>
+            <a:r>
+              <a:rPr lang="en-US" altLang="zh-CN" dirty="0">
+                <a:latin typeface="+mn-ea"/>
+              </a:rPr>
+              <a:t>Sx</a:t>
+            </a:r>
+            <a:r>
+              <a:rPr lang="zh-CN" altLang="en-US" dirty="0">
+                <a:latin typeface="+mn-ea"/>
+              </a:rPr>
+              <a:t>：很喜欢现代调试工具，打断点看变量很舒服</a:t>
+            </a:r>
+            <a:endParaRPr lang="zh-CN" altLang="en-US" dirty="0">
+              <a:latin typeface="+mn-ea"/>
+            </a:endParaRPr>
+          </a:p>
+        </p:txBody>
+      </p:sp>
+    </p:spTree>
+  </p:cSld>
+  <p:clrMapOvr>
+    <a:masterClrMapping/>
+  </p:clrMapOvr>
+</p:sld>
+</file>
+
+<file path=ppt/slides/slide17.xml><?xml version="1.0" encoding="utf-8"?>
+<p:sld xmlns:a="http://schemas.openxmlformats.org/drawingml/2006/main" xmlns:r="http://schemas.openxmlformats.org/officeDocument/2006/relationships" xmlns:p="http://schemas.openxmlformats.org/presentationml/2006/main">
+  <p:cSld>
+    <p:spTree>
+      <p:nvGrpSpPr>
+        <p:cNvPr id="1" name=""/>
+        <p:cNvGrpSpPr/>
+        <p:nvPr/>
+      </p:nvGrpSpPr>
+      <p:grpSpPr>
+        <a:xfrm>
+          <a:off x="0" y="0"/>
+          <a:ext cx="0" cy="0"/>
+          <a:chOff x="0" y="0"/>
+          <a:chExt cx="0" cy="0"/>
+        </a:xfrm>
+      </p:grpSpPr>
+      <p:sp>
+        <p:nvSpPr>
+          <p:cNvPr id="10" name="内容占位符 2"/>
+          <p:cNvSpPr txBox="1"/>
+          <p:nvPr/>
+        </p:nvSpPr>
+        <p:spPr>
+          <a:xfrm>
+            <a:off x="880106" y="2024290"/>
+            <a:ext cx="10395795" cy="4152673"/>
+          </a:xfrm>
+          <a:prstGeom prst="rect">
+            <a:avLst/>
+          </a:prstGeom>
+        </p:spPr>
+        <p:txBody>
+          <a:bodyPr/>
+          <a:lstStyle>
+            <a:lvl1pPr marL="228600" indent="-228600" algn="l" defTabSz="914400" rtl="0" eaLnBrk="1" latinLnBrk="0" hangingPunct="1">
+              <a:lnSpc>
+                <a:spcPct val="90000"/>
+              </a:lnSpc>
+              <a:spcBef>
+                <a:spcPts val="1000"/>
+              </a:spcBef>
+              <a:buFont typeface="Arial" panose="020B0604020202020204" pitchFamily="34" charset="0"/>
+              <a:buChar char="•"/>
+              <a:defRPr sz="2800" kern="1200">
+                <a:solidFill>
+                  <a:schemeClr val="tx1"/>
+                </a:solidFill>
+                <a:latin typeface="+mn-lt"/>
+                <a:ea typeface="+mn-ea"/>
+                <a:cs typeface="+mn-cs"/>
+              </a:defRPr>
+            </a:lvl1pPr>
+            <a:lvl2pPr marL="685800" indent="-228600" algn="l" defTabSz="914400" rtl="0" eaLnBrk="1" latinLnBrk="0" hangingPunct="1">
+              <a:lnSpc>
+                <a:spcPct val="90000"/>
+              </a:lnSpc>
+              <a:spcBef>
+                <a:spcPts val="500"/>
+              </a:spcBef>
+              <a:buFont typeface="Arial" panose="020B0604020202020204" pitchFamily="34" charset="0"/>
+              <a:buChar char="•"/>
+              <a:defRPr sz="2400" kern="1200">
+                <a:solidFill>
+                  <a:schemeClr val="tx1"/>
+                </a:solidFill>
+                <a:latin typeface="+mn-lt"/>
+                <a:ea typeface="+mn-ea"/>
+                <a:cs typeface="+mn-cs"/>
+              </a:defRPr>
+            </a:lvl2pPr>
+            <a:lvl3pPr marL="1143000" indent="-228600" algn="l" defTabSz="914400" rtl="0" eaLnBrk="1" latinLnBrk="0" hangingPunct="1">
+              <a:lnSpc>
+                <a:spcPct val="90000"/>
+              </a:lnSpc>
+              <a:spcBef>
+                <a:spcPts val="500"/>
+              </a:spcBef>
+              <a:buFont typeface="Arial" panose="020B0604020202020204" pitchFamily="34" charset="0"/>
+              <a:buChar char="•"/>
+              <a:defRPr sz="2000" kern="1200">
+                <a:solidFill>
+                  <a:schemeClr val="tx1"/>
+                </a:solidFill>
+                <a:latin typeface="+mn-lt"/>
+                <a:ea typeface="+mn-ea"/>
+                <a:cs typeface="+mn-cs"/>
+              </a:defRPr>
+            </a:lvl3pPr>
+            <a:lvl4pPr marL="1600200" indent="-228600" algn="l" defTabSz="914400" rtl="0" eaLnBrk="1" latinLnBrk="0" hangingPunct="1">
+              <a:lnSpc>
+                <a:spcPct val="90000"/>
+              </a:lnSpc>
+              <a:spcBef>
+                <a:spcPts val="500"/>
+              </a:spcBef>
+              <a:buFont typeface="Arial" panose="020B0604020202020204" pitchFamily="34" charset="0"/>
+              <a:buChar char="•"/>
+              <a:defRPr sz="1800" kern="1200">
+                <a:solidFill>
+                  <a:schemeClr val="tx1"/>
+                </a:solidFill>
+                <a:latin typeface="+mn-lt"/>
+                <a:ea typeface="+mn-ea"/>
+                <a:cs typeface="+mn-cs"/>
+              </a:defRPr>
+            </a:lvl4pPr>
+            <a:lvl5pPr marL="2057400" indent="-228600" algn="l" defTabSz="914400" rtl="0" eaLnBrk="1" latinLnBrk="0" hangingPunct="1">
+              <a:lnSpc>
+                <a:spcPct val="90000"/>
+              </a:lnSpc>
+              <a:spcBef>
+                <a:spcPts val="500"/>
+              </a:spcBef>
+              <a:buFont typeface="Arial" panose="020B0604020202020204" pitchFamily="34" charset="0"/>
+              <a:buChar char="•"/>
+              <a:defRPr sz="1800" kern="1200">
+                <a:solidFill>
+                  <a:schemeClr val="tx1"/>
+                </a:solidFill>
+                <a:latin typeface="+mn-lt"/>
+                <a:ea typeface="+mn-ea"/>
+                <a:cs typeface="+mn-cs"/>
+              </a:defRPr>
+            </a:lvl5pPr>
+            <a:lvl6pPr marL="2514600" indent="-228600" algn="l" defTabSz="914400" rtl="0" eaLnBrk="1" latinLnBrk="0" hangingPunct="1">
+              <a:lnSpc>
+                <a:spcPct val="90000"/>
+              </a:lnSpc>
+              <a:spcBef>
+                <a:spcPts val="500"/>
+              </a:spcBef>
+              <a:buFont typeface="Arial" panose="020B0604020202020204" pitchFamily="34" charset="0"/>
+              <a:buChar char="•"/>
+              <a:defRPr sz="1800" kern="1200">
+                <a:solidFill>
+                  <a:schemeClr val="tx1"/>
+                </a:solidFill>
+                <a:latin typeface="+mn-lt"/>
+                <a:ea typeface="+mn-ea"/>
+                <a:cs typeface="+mn-cs"/>
+              </a:defRPr>
+            </a:lvl6pPr>
+            <a:lvl7pPr marL="2971800" indent="-228600" algn="l" defTabSz="914400" rtl="0" eaLnBrk="1" latinLnBrk="0" hangingPunct="1">
+              <a:lnSpc>
+                <a:spcPct val="90000"/>
+              </a:lnSpc>
+              <a:spcBef>
+                <a:spcPts val="500"/>
+              </a:spcBef>
+              <a:buFont typeface="Arial" panose="020B0604020202020204" pitchFamily="34" charset="0"/>
+              <a:buChar char="•"/>
+              <a:defRPr sz="1800" kern="1200">
+                <a:solidFill>
+                  <a:schemeClr val="tx1"/>
+                </a:solidFill>
+                <a:latin typeface="+mn-lt"/>
+                <a:ea typeface="+mn-ea"/>
+                <a:cs typeface="+mn-cs"/>
+              </a:defRPr>
+            </a:lvl7pPr>
+            <a:lvl8pPr marL="3429000" indent="-228600" algn="l" defTabSz="914400" rtl="0" eaLnBrk="1" latinLnBrk="0" hangingPunct="1">
+              <a:lnSpc>
+                <a:spcPct val="90000"/>
+              </a:lnSpc>
+              <a:spcBef>
+                <a:spcPts val="500"/>
+              </a:spcBef>
+              <a:buFont typeface="Arial" panose="020B0604020202020204" pitchFamily="34" charset="0"/>
+              <a:buChar char="•"/>
+              <a:defRPr sz="1800" kern="1200">
+                <a:solidFill>
+                  <a:schemeClr val="tx1"/>
+                </a:solidFill>
+                <a:latin typeface="+mn-lt"/>
+                <a:ea typeface="+mn-ea"/>
+                <a:cs typeface="+mn-cs"/>
+              </a:defRPr>
+            </a:lvl8pPr>
+            <a:lvl9pPr marL="3886200" indent="-228600" algn="l" defTabSz="914400" rtl="0" eaLnBrk="1" latinLnBrk="0" hangingPunct="1">
+              <a:lnSpc>
+                <a:spcPct val="90000"/>
+              </a:lnSpc>
+              <a:spcBef>
+                <a:spcPts val="500"/>
+              </a:spcBef>
+              <a:buFont typeface="Arial" panose="020B0604020202020204" pitchFamily="34" charset="0"/>
+              <a:buChar char="•"/>
+              <a:defRPr sz="1800" kern="1200">
+                <a:solidFill>
+                  <a:schemeClr val="tx1"/>
+                </a:solidFill>
+                <a:latin typeface="+mn-lt"/>
+                <a:ea typeface="+mn-ea"/>
+                <a:cs typeface="+mn-cs"/>
+              </a:defRPr>
+            </a:lvl9pPr>
+          </a:lstStyle>
+          <a:p>
+            <a:pPr marL="0" indent="0">
+              <a:buNone/>
+            </a:pPr>
+            <a:endParaRPr kumimoji="1" lang="zh-CN" altLang="en-US" dirty="0">
+              <a:solidFill>
+                <a:srgbClr val="FF0000"/>
+              </a:solidFill>
+            </a:endParaRPr>
+          </a:p>
+          <a:p>
+            <a:pPr marL="0" indent="0">
+              <a:buNone/>
+            </a:pPr>
+            <a:endParaRPr kumimoji="1" lang="zh-CN" altLang="en-US" dirty="0">
+              <a:solidFill>
+                <a:srgbClr val="FF0000"/>
+              </a:solidFill>
+            </a:endParaRPr>
+          </a:p>
+          <a:p>
+            <a:pPr marL="0" indent="0" algn="ctr">
+              <a:buNone/>
+            </a:pPr>
+            <a:r>
+              <a:rPr kumimoji="1" lang="zh-CN" altLang="en-US" sz="3600" dirty="0">
+                <a:solidFill>
+                  <a:srgbClr val="704F95"/>
+                </a:solidFill>
+                <a:latin typeface="思源宋体 Heavy" panose="02020900000000000000" pitchFamily="18" charset="-122"/>
+                <a:ea typeface="思源宋体 Heavy" panose="02020900000000000000" pitchFamily="18" charset="-122"/>
+              </a:rPr>
+              <a:t>感谢陈渝老师和向勇老师的指导！</a:t>
+            </a:r>
+            <a:endParaRPr kumimoji="1" lang="en-US" altLang="zh-CN" sz="3600" dirty="0">
+              <a:solidFill>
+                <a:srgbClr val="704F95"/>
+              </a:solidFill>
+              <a:latin typeface="思源宋体 Heavy" panose="02020900000000000000" pitchFamily="18" charset="-122"/>
+              <a:ea typeface="思源宋体 Heavy" panose="02020900000000000000" pitchFamily="18" charset="-122"/>
+            </a:endParaRPr>
+          </a:p>
+          <a:p>
+            <a:pPr marL="0" indent="0" algn="ctr">
+              <a:buNone/>
+            </a:pPr>
+            <a:r>
+              <a:rPr kumimoji="1" lang="zh-CN" altLang="en-US" sz="3600" dirty="0">
+                <a:solidFill>
+                  <a:srgbClr val="704F95"/>
+                </a:solidFill>
+                <a:latin typeface="思源宋体 Heavy" panose="02020900000000000000" pitchFamily="18" charset="-122"/>
+                <a:ea typeface="思源宋体 Heavy" panose="02020900000000000000" pitchFamily="18" charset="-122"/>
+              </a:rPr>
+              <a:t>感谢贾越凯、贺鲲鹏、尤予阳以及其他学长的帮助！</a:t>
+            </a:r>
+            <a:endParaRPr kumimoji="1" lang="en-US" altLang="zh-CN" sz="3600" dirty="0">
+              <a:solidFill>
+                <a:srgbClr val="704F95"/>
+              </a:solidFill>
+              <a:latin typeface="思源宋体 Heavy" panose="02020900000000000000" pitchFamily="18" charset="-122"/>
+              <a:ea typeface="思源宋体 Heavy" panose="02020900000000000000" pitchFamily="18" charset="-122"/>
+            </a:endParaRPr>
+          </a:p>
+          <a:p>
+            <a:pPr marL="0" indent="0" algn="ctr">
+              <a:buNone/>
+            </a:pPr>
+            <a:endParaRPr kumimoji="1" lang="en-US" altLang="zh-CN" sz="3600" dirty="0">
+              <a:solidFill>
+                <a:srgbClr val="704F95"/>
+              </a:solidFill>
+              <a:latin typeface="思源宋体 Heavy" panose="02020900000000000000" pitchFamily="18" charset="-122"/>
+              <a:ea typeface="思源宋体 Heavy" panose="02020900000000000000" pitchFamily="18" charset="-122"/>
+            </a:endParaRPr>
+          </a:p>
+        </p:txBody>
+      </p:sp>
+      <p:pic>
+        <p:nvPicPr>
+          <p:cNvPr id="8" name="Picture 8"/>
+          <p:cNvPicPr/>
+          <p:nvPr/>
+        </p:nvPicPr>
+        <p:blipFill>
+          <a:blip r:embed="rId1">
+            <a:clrChange>
+              <a:clrFrom>
+                <a:srgbClr val="FFFFFF"/>
+              </a:clrFrom>
+              <a:clrTo>
+                <a:srgbClr val="FFFFFF">
+                  <a:alpha val="0"/>
+                </a:srgbClr>
+              </a:clrTo>
+            </a:clrChange>
+          </a:blip>
+          <a:stretch>
+            <a:fillRect/>
+          </a:stretch>
+        </p:blipFill>
+        <p:spPr>
+          <a:xfrm>
+            <a:off x="7880269" y="6297384"/>
+            <a:ext cx="4120587" cy="514122"/>
+          </a:xfrm>
+          <a:prstGeom prst="rect">
+            <a:avLst/>
+          </a:prstGeom>
+        </p:spPr>
+      </p:pic>
+      <p:sp>
+        <p:nvSpPr>
+          <p:cNvPr id="5" name="Rectangle 236"/>
+          <p:cNvSpPr/>
+          <p:nvPr/>
+        </p:nvSpPr>
+        <p:spPr>
+          <a:xfrm>
+            <a:off x="880107" y="752160"/>
+            <a:ext cx="10395795" cy="923330"/>
+          </a:xfrm>
+          <a:prstGeom prst="rect">
+            <a:avLst/>
+          </a:prstGeom>
+          <a:noFill/>
+        </p:spPr>
+        <p:txBody>
+          <a:bodyPr wrap="none" lIns="91440" tIns="45720" rIns="91440" bIns="45720">
+            <a:spAutoFit/>
+            <a:scene3d>
+              <a:camera prst="orthographicFront"/>
+              <a:lightRig rig="soft" dir="t">
+                <a:rot lat="0" lon="0" rev="15600000"/>
+              </a:lightRig>
+            </a:scene3d>
+            <a:sp3d extrusionH="57150" prstMaterial="softEdge">
+              <a:bevelT w="25400" h="38100"/>
+            </a:sp3d>
+          </a:bodyPr>
+          <a:lstStyle/>
+          <a:p>
+            <a:pPr algn="ctr"/>
+            <a:r>
               <a:rPr lang="zh-CN" altLang="en-US" sz="5400" b="1" u="sng">
                 <a:solidFill>
                   <a:srgbClr val="803A87"/>
@@ -9294,7 +11029,7 @@
           <p:nvPr/>
         </p:nvPicPr>
         <p:blipFill>
-          <a:blip r:embed="rId4" cstate="print">
+          <a:blip r:embed="rId2" cstate="print">
             <a:extLst>
               <a:ext uri="{28A0092B-C50C-407E-A947-70E740481C1C}">
                 <a14:useLocalDpi xmlns:a14="http://schemas.microsoft.com/office/drawing/2010/main" val="0"/>
@@ -9411,6 +11146,13 @@
               </a:rPr>
               <a:t>目录</a:t>
             </a:r>
+            <a:endParaRPr lang="zh-CN" altLang="en-US" sz="4000" b="1" dirty="0">
+              <a:solidFill>
+                <a:srgbClr val="704F95"/>
+              </a:solidFill>
+              <a:latin typeface="思源宋体 Medium" panose="02020500000000000000" pitchFamily="18" charset="-122"/>
+              <a:ea typeface="思源宋体 Medium" panose="02020500000000000000" pitchFamily="18" charset="-122"/>
+            </a:endParaRPr>
           </a:p>
         </p:txBody>
       </p:sp>
@@ -9469,7 +11211,7 @@
           <p:nvPr/>
         </p:nvPicPr>
         <p:blipFill>
-          <a:blip r:embed="rId3">
+          <a:blip r:embed="rId1">
             <a:clrChange>
               <a:clrFrom>
                 <a:srgbClr val="FFFFFF"/>
@@ -9724,6 +11466,7 @@
               <a:rPr lang="zh-CN" altLang="en-US" sz="3200" dirty="0"/>
               <a:t>未来的规划</a:t>
             </a:r>
+            <a:endParaRPr lang="zh-CN" altLang="en-US" sz="3200" dirty="0"/>
           </a:p>
         </p:txBody>
       </p:sp>
@@ -9874,7 +11617,7 @@
           <p:nvPr/>
         </p:nvPicPr>
         <p:blipFill>
-          <a:blip r:embed="rId3">
+          <a:blip r:embed="rId1">
             <a:clrChange>
               <a:clrFrom>
                 <a:srgbClr val="FFFFFF"/>
@@ -10377,6 +12120,9 @@
               </a:rPr>
               <a:t>的实现</a:t>
             </a:r>
+            <a:endParaRPr lang="zh-CN" altLang="en-US" dirty="0">
+              <a:latin typeface="+mn-ea"/>
+            </a:endParaRPr>
           </a:p>
           <a:p>
             <a:endParaRPr lang="en-US" altLang="zh-CN" dirty="0">
@@ -10571,7 +12317,7 @@
           <p:nvPr/>
         </p:nvPicPr>
         <p:blipFill>
-          <a:blip r:embed="rId3">
+          <a:blip r:embed="rId1">
             <a:clrChange>
               <a:clrFrom>
                 <a:srgbClr val="FFFFFF"/>
@@ -11016,7 +12762,7 @@
           <p:nvPr/>
         </p:nvPicPr>
         <p:blipFill rotWithShape="1">
-          <a:blip r:embed="rId4"/>
+          <a:blip r:embed="rId2"/>
           <a:srcRect r="21884"/>
           <a:stretch>
             <a:fillRect/>
@@ -11041,7 +12787,7 @@
           <p:nvPr/>
         </p:nvPicPr>
         <p:blipFill rotWithShape="1">
-          <a:blip r:embed="rId5"/>
+          <a:blip r:embed="rId3"/>
           <a:srcRect r="35213"/>
           <a:stretch>
             <a:fillRect/>
@@ -11224,7 +12970,7 @@
           <p:nvPr/>
         </p:nvPicPr>
         <p:blipFill>
-          <a:blip r:embed="rId3">
+          <a:blip r:embed="rId1">
             <a:clrChange>
               <a:clrFrom>
                 <a:srgbClr val="FFFFFF"/>
@@ -11669,7 +13415,7 @@
           <p:nvPr/>
         </p:nvPicPr>
         <p:blipFill>
-          <a:blip r:embed="rId4"/>
+          <a:blip r:embed="rId2"/>
           <a:stretch>
             <a:fillRect/>
           </a:stretch>
@@ -11693,7 +13439,7 @@
           <p:nvPr/>
         </p:nvPicPr>
         <p:blipFill>
-          <a:blip r:embed="rId5"/>
+          <a:blip r:embed="rId3"/>
           <a:stretch>
             <a:fillRect/>
           </a:stretch>
@@ -11875,7 +13621,7 @@
           <p:nvPr/>
         </p:nvPicPr>
         <p:blipFill>
-          <a:blip r:embed="rId3">
+          <a:blip r:embed="rId1">
             <a:clrChange>
               <a:clrFrom>
                 <a:srgbClr val="FFFFFF"/>
@@ -12320,7 +14066,7 @@
           <p:nvPr/>
         </p:nvPicPr>
         <p:blipFill>
-          <a:blip r:embed="rId4"/>
+          <a:blip r:embed="rId2"/>
           <a:stretch>
             <a:fillRect/>
           </a:stretch>
@@ -12344,7 +14090,7 @@
           <p:nvPr/>
         </p:nvPicPr>
         <p:blipFill>
-          <a:blip r:embed="rId5"/>
+          <a:blip r:embed="rId3"/>
           <a:stretch>
             <a:fillRect/>
           </a:stretch>
@@ -12526,7 +14272,7 @@
           <p:nvPr/>
         </p:nvPicPr>
         <p:blipFill>
-          <a:blip r:embed="rId3">
+          <a:blip r:embed="rId1">
             <a:clrChange>
               <a:clrFrom>
                 <a:srgbClr val="FFFFFF"/>
@@ -12947,7 +14693,7 @@
           <p:nvPr/>
         </p:nvPicPr>
         <p:blipFill>
-          <a:blip r:embed="rId4"/>
+          <a:blip r:embed="rId2"/>
           <a:stretch>
             <a:fillRect/>
           </a:stretch>
@@ -12971,7 +14717,7 @@
           <p:nvPr/>
         </p:nvPicPr>
         <p:blipFill>
-          <a:blip r:embed="rId5"/>
+          <a:blip r:embed="rId3"/>
           <a:stretch>
             <a:fillRect/>
           </a:stretch>
@@ -12995,7 +14741,7 @@
           <p:nvPr/>
         </p:nvPicPr>
         <p:blipFill>
-          <a:blip r:embed="rId6"/>
+          <a:blip r:embed="rId4"/>
           <a:stretch>
             <a:fillRect/>
           </a:stretch>
@@ -13480,7 +15226,7 @@
           <p:nvPr/>
         </p:nvPicPr>
         <p:blipFill>
-          <a:blip r:embed="rId3">
+          <a:blip r:embed="rId1">
             <a:clrChange>
               <a:clrFrom>
                 <a:srgbClr val="FFFFFF"/>
@@ -14096,20 +15842,14 @@
       </p:sp>
       <p:pic>
         <p:nvPicPr>
-          <p:cNvPr id="7" name="Picture 6">
-            <a:extLst>
-              <a:ext uri="{FF2B5EF4-FFF2-40B4-BE49-F238E27FC236}">
-                <a16:creationId xmlns:a16="http://schemas.microsoft.com/office/drawing/2014/main" id="{E0DA15DC-0266-F548-BBE1-A3EC7F358341}"/>
-              </a:ext>
-            </a:extLst>
-          </p:cNvPr>
+          <p:cNvPr id="7" name="Picture 6"/>
           <p:cNvPicPr>
             <a:picLocks noChangeAspect="1"/>
           </p:cNvPicPr>
           <p:nvPr/>
         </p:nvPicPr>
         <p:blipFill>
-          <a:blip r:embed="rId4"/>
+          <a:blip r:embed="rId2"/>
           <a:stretch>
             <a:fillRect/>
           </a:stretch>
@@ -14126,13 +15866,7 @@
       </p:pic>
       <p:sp>
         <p:nvSpPr>
-          <p:cNvPr id="16" name="文本框 15">
-            <a:extLst>
-              <a:ext uri="{FF2B5EF4-FFF2-40B4-BE49-F238E27FC236}">
-                <a16:creationId xmlns:a16="http://schemas.microsoft.com/office/drawing/2014/main" id="{C64886C1-A879-6344-B80A-15F33EEDFC91}"/>
-              </a:ext>
-            </a:extLst>
-          </p:cNvPr>
+          <p:cNvPr id="16" name="文本框 15"/>
           <p:cNvSpPr txBox="1"/>
           <p:nvPr/>
         </p:nvSpPr>
@@ -14163,11 +15897,6 @@
         </p:txBody>
       </p:sp>
     </p:spTree>
-    <p:extLst>
-      <p:ext uri="{BB962C8B-B14F-4D97-AF65-F5344CB8AC3E}">
-        <p14:creationId xmlns:p14="http://schemas.microsoft.com/office/powerpoint/2010/main" val="1416881035"/>
-      </p:ext>
-    </p:extLst>
   </p:cSld>
   <p:clrMapOvr>
     <a:masterClrMapping/>
@@ -14334,7 +16063,7 @@
           <p:nvPr/>
         </p:nvPicPr>
         <p:blipFill>
-          <a:blip r:embed="rId3">
+          <a:blip r:embed="rId1">
             <a:clrChange>
               <a:clrFrom>
                 <a:srgbClr val="FFFFFF"/>
@@ -14758,6 +16487,9 @@
               </a:rPr>
               <a:t>性能测试结果</a:t>
             </a:r>
+            <a:endParaRPr lang="zh-CN" altLang="en-US" dirty="0">
+              <a:latin typeface="+mn-ea"/>
+            </a:endParaRPr>
           </a:p>
         </p:txBody>
       </p:sp>
@@ -14770,7 +16502,7 @@
           <p:nvPr/>
         </p:nvPicPr>
         <p:blipFill>
-          <a:blip r:embed="rId4"/>
+          <a:blip r:embed="rId2"/>
           <a:stretch>
             <a:fillRect/>
           </a:stretch>
@@ -14794,7 +16526,7 @@
           <p:nvPr/>
         </p:nvPicPr>
         <p:blipFill>
-          <a:blip r:embed="rId5"/>
+          <a:blip r:embed="rId3"/>
           <a:stretch>
             <a:fillRect/>
           </a:stretch>
@@ -14818,7 +16550,7 @@
           <p:nvPr/>
         </p:nvPicPr>
         <p:blipFill>
-          <a:blip r:embed="rId6"/>
+          <a:blip r:embed="rId4"/>
           <a:stretch>
             <a:fillRect/>
           </a:stretch>
@@ -14871,6 +16603,7 @@
               <a:rPr lang="en-US" altLang="zh-CN"/>
               <a:t>signal</a:t>
             </a:r>
+            <a:endParaRPr lang="en-US" altLang="zh-CN"/>
           </a:p>
         </p:txBody>
       </p:sp>
@@ -15133,8 +16866,6 @@
       </a:bgFillStyleLst>
     </a:fmtScheme>
   </a:themeElements>
-  <a:objectDefaults/>
-  <a:extraClrSchemeLst/>
   <a:extLst>
     <a:ext uri="{05A4C25C-085E-4340-85A3-A5531E510DB2}">
       <thm15:themeFamily xmlns:thm15="http://schemas.microsoft.com/office/thememl/2012/main" name="Office Theme" id="{62F939B6-93AF-4DB8-9C6B-D6C7DFDC589F}" vid="{4A3C46E8-61CC-4603-A589-7422A47A8E4A}"/>
@@ -15394,8 +17125,6 @@
       </a:bgFillStyleLst>
     </a:fmtScheme>
   </a:themeElements>
-  <a:objectDefaults/>
-  <a:extraClrSchemeLst/>
   <a:extLst>
     <a:ext uri="{05A4C25C-085E-4340-85A3-A5531E510DB2}">
       <thm15:themeFamily xmlns:thm15="http://schemas.microsoft.com/office/thememl/2012/main" name="Office Theme" id="{62F939B6-93AF-4DB8-9C6B-D6C7DFDC589F}" vid="{4A3C46E8-61CC-4603-A589-7422A47A8E4A}"/>

--- a/ppt/2022-6-11.pptx
+++ b/ppt/2022-6-11.pptx
@@ -5,26 +5,27 @@
     <p:sldMasterId id="2147483648" r:id="rId1"/>
   </p:sldMasterIdLst>
   <p:notesMasterIdLst>
-    <p:notesMasterId r:id="rId4"/>
+    <p:notesMasterId r:id="rId20"/>
   </p:notesMasterIdLst>
   <p:sldIdLst>
-    <p:sldId id="279" r:id="rId3"/>
-    <p:sldId id="340" r:id="rId5"/>
-    <p:sldId id="419" r:id="rId6"/>
-    <p:sldId id="460" r:id="rId7"/>
-    <p:sldId id="461" r:id="rId8"/>
-    <p:sldId id="462" r:id="rId9"/>
-    <p:sldId id="449" r:id="rId10"/>
-    <p:sldId id="472" r:id="rId11"/>
-    <p:sldId id="468" r:id="rId12"/>
-    <p:sldId id="469" r:id="rId13"/>
-    <p:sldId id="470" r:id="rId14"/>
-    <p:sldId id="471" r:id="rId15"/>
-    <p:sldId id="480" r:id="rId16"/>
-    <p:sldId id="481" r:id="rId17"/>
-    <p:sldId id="464" r:id="rId18"/>
-    <p:sldId id="465" r:id="rId19"/>
-    <p:sldId id="314" r:id="rId20"/>
+    <p:sldId id="279" r:id="rId2"/>
+    <p:sldId id="340" r:id="rId3"/>
+    <p:sldId id="419" r:id="rId4"/>
+    <p:sldId id="482" r:id="rId5"/>
+    <p:sldId id="460" r:id="rId6"/>
+    <p:sldId id="461" r:id="rId7"/>
+    <p:sldId id="462" r:id="rId8"/>
+    <p:sldId id="449" r:id="rId9"/>
+    <p:sldId id="472" r:id="rId10"/>
+    <p:sldId id="468" r:id="rId11"/>
+    <p:sldId id="469" r:id="rId12"/>
+    <p:sldId id="470" r:id="rId13"/>
+    <p:sldId id="471" r:id="rId14"/>
+    <p:sldId id="480" r:id="rId15"/>
+    <p:sldId id="481" r:id="rId16"/>
+    <p:sldId id="464" r:id="rId17"/>
+    <p:sldId id="465" r:id="rId18"/>
+    <p:sldId id="314" r:id="rId19"/>
   </p:sldIdLst>
   <p:sldSz cx="12192000" cy="6858000"/>
   <p:notesSz cx="6858000" cy="9144000"/>
@@ -131,6 +132,7 @@
             <p14:sldId id="279"/>
             <p14:sldId id="340"/>
             <p14:sldId id="419"/>
+            <p14:sldId id="482"/>
             <p14:sldId id="460"/>
             <p14:sldId id="461"/>
             <p14:sldId id="462"/>
@@ -138,16 +140,35 @@
             <p14:sldId id="472"/>
             <p14:sldId id="468"/>
             <p14:sldId id="469"/>
+            <p14:sldId id="470"/>
+            <p14:sldId id="471"/>
             <p14:sldId id="480"/>
             <p14:sldId id="481"/>
             <p14:sldId id="464"/>
             <p14:sldId id="465"/>
             <p14:sldId id="314"/>
-            <p14:sldId id="471"/>
-            <p14:sldId id="470"/>
           </p14:sldIdLst>
         </p14:section>
       </p14:sectionLst>
+    </p:ext>
+    <p:ext uri="{EFAFB233-063F-42B5-8137-9DF3F51BA10A}">
+      <p15:sldGuideLst xmlns:p15="http://schemas.microsoft.com/office/powerpoint/2012/main">
+        <p15:guide id="1" orient="horz" pos="1155">
+          <p15:clr>
+            <a:srgbClr val="A4A3A4"/>
+          </p15:clr>
+        </p15:guide>
+        <p15:guide id="2" pos="665">
+          <p15:clr>
+            <a:srgbClr val="A4A3A4"/>
+          </p15:clr>
+        </p15:guide>
+        <p15:guide id="3" pos="6978">
+          <p15:clr>
+            <a:srgbClr val="A4A3A4"/>
+          </p15:clr>
+        </p15:guide>
+      </p15:sldGuideLst>
     </p:ext>
   </p:extLst>
 </p:presentation>
@@ -241,6 +262,7 @@
           <a:p>
             <a:fld id="{DE75668F-B37B-164D-A62C-3FF5A8BC808F}" type="datetimeFigureOut">
               <a:rPr lang="en-US" smtClean="0"/>
+              <a:t>6/10/22</a:t>
             </a:fld>
             <a:endParaRPr lang="en-US"/>
           </a:p>
@@ -307,7 +329,6 @@
               <a:rPr lang="en-US" altLang="zh-CN"/>
               <a:t>Click to edit Master text styles</a:t>
             </a:r>
-            <a:endParaRPr lang="en-US" altLang="zh-CN"/>
           </a:p>
           <a:p>
             <a:pPr lvl="1"/>
@@ -315,7 +336,6 @@
               <a:rPr lang="en-US" altLang="zh-CN"/>
               <a:t>Second level</a:t>
             </a:r>
-            <a:endParaRPr lang="en-US" altLang="zh-CN"/>
           </a:p>
           <a:p>
             <a:pPr lvl="2"/>
@@ -323,7 +343,6 @@
               <a:rPr lang="en-US" altLang="zh-CN"/>
               <a:t>Third level</a:t>
             </a:r>
-            <a:endParaRPr lang="en-US" altLang="zh-CN"/>
           </a:p>
           <a:p>
             <a:pPr lvl="3"/>
@@ -331,7 +350,6 @@
               <a:rPr lang="en-US" altLang="zh-CN"/>
               <a:t>Fourth level</a:t>
             </a:r>
-            <a:endParaRPr lang="en-US" altLang="zh-CN"/>
           </a:p>
           <a:p>
             <a:pPr lvl="4"/>
@@ -403,6 +421,7 @@
           <a:p>
             <a:fld id="{09FAC59A-2554-7441-A138-FBAFD49FADCF}" type="slidenum">
               <a:rPr lang="en-US" smtClean="0"/>
+              <a:t>‹#›</a:t>
             </a:fld>
             <a:endParaRPr lang="en-US"/>
           </a:p>
@@ -592,6 +611,7 @@
           <a:p>
             <a:fld id="{09FAC59A-2554-7441-A138-FBAFD49FADCF}" type="slidenum">
               <a:rPr lang="en-US" smtClean="0"/>
+              <a:t>1</a:t>
             </a:fld>
             <a:endParaRPr lang="en-US"/>
           </a:p>
@@ -675,6 +695,7 @@
           <a:p>
             <a:fld id="{09FAC59A-2554-7441-A138-FBAFD49FADCF}" type="slidenum">
               <a:rPr lang="en-US" smtClean="0"/>
+              <a:t>10</a:t>
             </a:fld>
             <a:endParaRPr lang="en-US"/>
           </a:p>
@@ -758,6 +779,7 @@
           <a:p>
             <a:fld id="{09FAC59A-2554-7441-A138-FBAFD49FADCF}" type="slidenum">
               <a:rPr lang="en-US" smtClean="0"/>
+              <a:t>11</a:t>
             </a:fld>
             <a:endParaRPr lang="en-US"/>
           </a:p>
@@ -841,6 +863,7 @@
           <a:p>
             <a:fld id="{09FAC59A-2554-7441-A138-FBAFD49FADCF}" type="slidenum">
               <a:rPr lang="en-US" smtClean="0"/>
+              <a:t>12</a:t>
             </a:fld>
             <a:endParaRPr lang="en-US"/>
           </a:p>
@@ -924,6 +947,7 @@
           <a:p>
             <a:fld id="{09FAC59A-2554-7441-A138-FBAFD49FADCF}" type="slidenum">
               <a:rPr lang="en-US" smtClean="0"/>
+              <a:t>13</a:t>
             </a:fld>
             <a:endParaRPr lang="en-US"/>
           </a:p>
@@ -1007,6 +1031,7 @@
           <a:p>
             <a:fld id="{09FAC59A-2554-7441-A138-FBAFD49FADCF}" type="slidenum">
               <a:rPr lang="en-US" smtClean="0"/>
+              <a:t>14</a:t>
             </a:fld>
             <a:endParaRPr lang="en-US"/>
           </a:p>
@@ -1090,6 +1115,7 @@
           <a:p>
             <a:fld id="{09FAC59A-2554-7441-A138-FBAFD49FADCF}" type="slidenum">
               <a:rPr lang="en-US" smtClean="0"/>
+              <a:t>15</a:t>
             </a:fld>
             <a:endParaRPr lang="en-US"/>
           </a:p>
@@ -1173,6 +1199,7 @@
           <a:p>
             <a:fld id="{09FAC59A-2554-7441-A138-FBAFD49FADCF}" type="slidenum">
               <a:rPr lang="en-US" smtClean="0"/>
+              <a:t>16</a:t>
             </a:fld>
             <a:endParaRPr lang="en-US"/>
           </a:p>
@@ -1235,7 +1262,7 @@
           <a:bodyPr/>
           <a:lstStyle/>
           <a:p>
-            <a:endParaRPr kumimoji="1" lang="zh-CN" altLang="en-US" sz="2400" dirty="0"/>
+            <a:endParaRPr lang="en-US" altLang="zh-CN" sz="2400" dirty="0"/>
           </a:p>
         </p:txBody>
       </p:sp>
@@ -1256,6 +1283,91 @@
           <a:p>
             <a:fld id="{09FAC59A-2554-7441-A138-FBAFD49FADCF}" type="slidenum">
               <a:rPr lang="en-US" smtClean="0"/>
+              <a:t>17</a:t>
+            </a:fld>
+            <a:endParaRPr lang="en-US"/>
+          </a:p>
+        </p:txBody>
+      </p:sp>
+    </p:spTree>
+  </p:cSld>
+  <p:clrMapOvr>
+    <a:masterClrMapping/>
+  </p:clrMapOvr>
+</p:notes>
+</file>
+
+<file path=ppt/notesSlides/notesSlide18.xml><?xml version="1.0" encoding="utf-8"?>
+<p:notes xmlns:a="http://schemas.openxmlformats.org/drawingml/2006/main" xmlns:r="http://schemas.openxmlformats.org/officeDocument/2006/relationships" xmlns:p="http://schemas.openxmlformats.org/presentationml/2006/main">
+  <p:cSld>
+    <p:spTree>
+      <p:nvGrpSpPr>
+        <p:cNvPr id="1" name=""/>
+        <p:cNvGrpSpPr/>
+        <p:nvPr/>
+      </p:nvGrpSpPr>
+      <p:grpSpPr>
+        <a:xfrm>
+          <a:off x="0" y="0"/>
+          <a:ext cx="0" cy="0"/>
+          <a:chOff x="0" y="0"/>
+          <a:chExt cx="0" cy="0"/>
+        </a:xfrm>
+      </p:grpSpPr>
+      <p:sp>
+        <p:nvSpPr>
+          <p:cNvPr id="2" name="幻灯片图像占位符 1"/>
+          <p:cNvSpPr>
+            <a:spLocks noGrp="1" noRot="1" noChangeAspect="1"/>
+          </p:cNvSpPr>
+          <p:nvPr>
+            <p:ph type="sldImg"/>
+          </p:nvPr>
+        </p:nvSpPr>
+        <p:spPr>
+          <a:xfrm>
+            <a:off x="685800" y="1143000"/>
+            <a:ext cx="5486400" cy="3086100"/>
+          </a:xfrm>
+        </p:spPr>
+      </p:sp>
+      <p:sp>
+        <p:nvSpPr>
+          <p:cNvPr id="3" name="备注占位符 2"/>
+          <p:cNvSpPr>
+            <a:spLocks noGrp="1"/>
+          </p:cNvSpPr>
+          <p:nvPr>
+            <p:ph type="body" idx="1"/>
+          </p:nvPr>
+        </p:nvSpPr>
+        <p:spPr/>
+        <p:txBody>
+          <a:bodyPr/>
+          <a:lstStyle/>
+          <a:p>
+            <a:endParaRPr kumimoji="1" lang="zh-CN" altLang="en-US" sz="2400" dirty="0"/>
+          </a:p>
+        </p:txBody>
+      </p:sp>
+      <p:sp>
+        <p:nvSpPr>
+          <p:cNvPr id="4" name="幻灯片编号占位符 3"/>
+          <p:cNvSpPr>
+            <a:spLocks noGrp="1"/>
+          </p:cNvSpPr>
+          <p:nvPr>
+            <p:ph type="sldNum" sz="quarter" idx="10"/>
+          </p:nvPr>
+        </p:nvSpPr>
+        <p:spPr/>
+        <p:txBody>
+          <a:bodyPr/>
+          <a:lstStyle/>
+          <a:p>
+            <a:fld id="{09FAC59A-2554-7441-A138-FBAFD49FADCF}" type="slidenum">
+              <a:rPr lang="en-US" smtClean="0"/>
+              <a:t>18</a:t>
             </a:fld>
             <a:endParaRPr lang="en-US"/>
           </a:p>
@@ -1339,6 +1451,7 @@
           <a:p>
             <a:fld id="{09FAC59A-2554-7441-A138-FBAFD49FADCF}" type="slidenum">
               <a:rPr lang="en-US" smtClean="0"/>
+              <a:t>2</a:t>
             </a:fld>
             <a:endParaRPr lang="en-US"/>
           </a:p>
@@ -1422,6 +1535,7 @@
           <a:p>
             <a:fld id="{09FAC59A-2554-7441-A138-FBAFD49FADCF}" type="slidenum">
               <a:rPr lang="en-US" smtClean="0"/>
+              <a:t>3</a:t>
             </a:fld>
             <a:endParaRPr lang="en-US"/>
           </a:p>
@@ -1505,12 +1619,18 @@
           <a:p>
             <a:fld id="{09FAC59A-2554-7441-A138-FBAFD49FADCF}" type="slidenum">
               <a:rPr lang="en-US" smtClean="0"/>
+              <a:t>4</a:t>
             </a:fld>
             <a:endParaRPr lang="en-US"/>
           </a:p>
         </p:txBody>
       </p:sp>
     </p:spTree>
+    <p:extLst>
+      <p:ext uri="{BB962C8B-B14F-4D97-AF65-F5344CB8AC3E}">
+        <p14:creationId xmlns:p14="http://schemas.microsoft.com/office/powerpoint/2010/main" val="4095840692"/>
+      </p:ext>
+    </p:extLst>
   </p:cSld>
   <p:clrMapOvr>
     <a:masterClrMapping/>
@@ -1588,6 +1708,7 @@
           <a:p>
             <a:fld id="{09FAC59A-2554-7441-A138-FBAFD49FADCF}" type="slidenum">
               <a:rPr lang="en-US" smtClean="0"/>
+              <a:t>5</a:t>
             </a:fld>
             <a:endParaRPr lang="en-US"/>
           </a:p>
@@ -1671,6 +1792,7 @@
           <a:p>
             <a:fld id="{09FAC59A-2554-7441-A138-FBAFD49FADCF}" type="slidenum">
               <a:rPr lang="en-US" smtClean="0"/>
+              <a:t>6</a:t>
             </a:fld>
             <a:endParaRPr lang="en-US"/>
           </a:p>
@@ -1754,6 +1876,7 @@
           <a:p>
             <a:fld id="{09FAC59A-2554-7441-A138-FBAFD49FADCF}" type="slidenum">
               <a:rPr lang="en-US" smtClean="0"/>
+              <a:t>7</a:t>
             </a:fld>
             <a:endParaRPr lang="en-US"/>
           </a:p>
@@ -1837,6 +1960,7 @@
           <a:p>
             <a:fld id="{09FAC59A-2554-7441-A138-FBAFD49FADCF}" type="slidenum">
               <a:rPr lang="en-US" smtClean="0"/>
+              <a:t>8</a:t>
             </a:fld>
             <a:endParaRPr lang="en-US"/>
           </a:p>
@@ -1920,6 +2044,7 @@
           <a:p>
             <a:fld id="{09FAC59A-2554-7441-A138-FBAFD49FADCF}" type="slidenum">
               <a:rPr lang="en-US" smtClean="0"/>
+              <a:t>9</a:t>
             </a:fld>
             <a:endParaRPr lang="en-US"/>
           </a:p>
@@ -2064,6 +2189,7 @@
           <a:p>
             <a:fld id="{CE875574-B30F-E946-8A30-5D40B09C42BE}" type="datetimeFigureOut">
               <a:rPr lang="en-US" smtClean="0"/>
+              <a:t>6/10/22</a:t>
             </a:fld>
             <a:endParaRPr lang="en-US"/>
           </a:p>
@@ -2105,6 +2231,7 @@
           <a:p>
             <a:fld id="{671D2AD8-20DD-1F43-B782-FEE6429B9542}" type="slidenum">
               <a:rPr lang="en-US" smtClean="0"/>
+              <a:t>‹#›</a:t>
             </a:fld>
             <a:endParaRPr lang="en-US"/>
           </a:p>
@@ -2178,7 +2305,6 @@
               <a:rPr lang="zh-CN" altLang="en-US"/>
               <a:t>单击此处编辑母版文本样式</a:t>
             </a:r>
-            <a:endParaRPr lang="zh-CN" altLang="en-US"/>
           </a:p>
           <a:p>
             <a:pPr lvl="1"/>
@@ -2186,7 +2312,6 @@
               <a:rPr lang="zh-CN" altLang="en-US"/>
               <a:t>二级</a:t>
             </a:r>
-            <a:endParaRPr lang="zh-CN" altLang="en-US"/>
           </a:p>
           <a:p>
             <a:pPr lvl="2"/>
@@ -2194,7 +2319,6 @@
               <a:rPr lang="zh-CN" altLang="en-US"/>
               <a:t>三级</a:t>
             </a:r>
-            <a:endParaRPr lang="zh-CN" altLang="en-US"/>
           </a:p>
           <a:p>
             <a:pPr lvl="3"/>
@@ -2202,7 +2326,6 @@
               <a:rPr lang="zh-CN" altLang="en-US"/>
               <a:t>四级</a:t>
             </a:r>
-            <a:endParaRPr lang="zh-CN" altLang="en-US"/>
           </a:p>
           <a:p>
             <a:pPr lvl="4"/>
@@ -2231,6 +2354,7 @@
           <a:p>
             <a:fld id="{CE875574-B30F-E946-8A30-5D40B09C42BE}" type="datetimeFigureOut">
               <a:rPr lang="en-US" smtClean="0"/>
+              <a:t>6/10/22</a:t>
             </a:fld>
             <a:endParaRPr lang="en-US"/>
           </a:p>
@@ -2272,6 +2396,7 @@
           <a:p>
             <a:fld id="{671D2AD8-20DD-1F43-B782-FEE6429B9542}" type="slidenum">
               <a:rPr lang="en-US" smtClean="0"/>
+              <a:t>‹#›</a:t>
             </a:fld>
             <a:endParaRPr lang="en-US"/>
           </a:p>
@@ -2355,7 +2480,6 @@
               <a:rPr lang="zh-CN" altLang="en-US"/>
               <a:t>单击此处编辑母版文本样式</a:t>
             </a:r>
-            <a:endParaRPr lang="zh-CN" altLang="en-US"/>
           </a:p>
           <a:p>
             <a:pPr lvl="1"/>
@@ -2363,7 +2487,6 @@
               <a:rPr lang="zh-CN" altLang="en-US"/>
               <a:t>二级</a:t>
             </a:r>
-            <a:endParaRPr lang="zh-CN" altLang="en-US"/>
           </a:p>
           <a:p>
             <a:pPr lvl="2"/>
@@ -2371,7 +2494,6 @@
               <a:rPr lang="zh-CN" altLang="en-US"/>
               <a:t>三级</a:t>
             </a:r>
-            <a:endParaRPr lang="zh-CN" altLang="en-US"/>
           </a:p>
           <a:p>
             <a:pPr lvl="3"/>
@@ -2379,7 +2501,6 @@
               <a:rPr lang="zh-CN" altLang="en-US"/>
               <a:t>四级</a:t>
             </a:r>
-            <a:endParaRPr lang="zh-CN" altLang="en-US"/>
           </a:p>
           <a:p>
             <a:pPr lvl="4"/>
@@ -2408,6 +2529,7 @@
           <a:p>
             <a:fld id="{CE875574-B30F-E946-8A30-5D40B09C42BE}" type="datetimeFigureOut">
               <a:rPr lang="en-US" smtClean="0"/>
+              <a:t>6/10/22</a:t>
             </a:fld>
             <a:endParaRPr lang="en-US"/>
           </a:p>
@@ -2449,6 +2571,7 @@
           <a:p>
             <a:fld id="{671D2AD8-20DD-1F43-B782-FEE6429B9542}" type="slidenum">
               <a:rPr lang="en-US" smtClean="0"/>
+              <a:t>‹#›</a:t>
             </a:fld>
             <a:endParaRPr lang="en-US"/>
           </a:p>
@@ -2597,7 +2720,6 @@
               <a:rPr lang="zh-CN" altLang="en-US"/>
               <a:t>单击此处编辑母版文本样式</a:t>
             </a:r>
-            <a:endParaRPr lang="zh-CN" altLang="en-US"/>
           </a:p>
           <a:p>
             <a:pPr lvl="1"/>
@@ -2605,7 +2727,6 @@
               <a:rPr lang="zh-CN" altLang="en-US"/>
               <a:t>二级</a:t>
             </a:r>
-            <a:endParaRPr lang="zh-CN" altLang="en-US"/>
           </a:p>
           <a:p>
             <a:pPr lvl="2"/>
@@ -2613,7 +2734,6 @@
               <a:rPr lang="zh-CN" altLang="en-US"/>
               <a:t>三级</a:t>
             </a:r>
-            <a:endParaRPr lang="zh-CN" altLang="en-US"/>
           </a:p>
           <a:p>
             <a:pPr lvl="3"/>
@@ -2621,7 +2741,6 @@
               <a:rPr lang="zh-CN" altLang="en-US"/>
               <a:t>四级</a:t>
             </a:r>
-            <a:endParaRPr lang="zh-CN" altLang="en-US"/>
           </a:p>
           <a:p>
             <a:pPr lvl="4"/>
@@ -2650,6 +2769,7 @@
           <a:p>
             <a:fld id="{CE875574-B30F-E946-8A30-5D40B09C42BE}" type="datetimeFigureOut">
               <a:rPr lang="en-US" smtClean="0"/>
+              <a:t>6/10/22</a:t>
             </a:fld>
             <a:endParaRPr lang="en-US"/>
           </a:p>
@@ -2691,6 +2811,7 @@
           <a:p>
             <a:fld id="{671D2AD8-20DD-1F43-B782-FEE6429B9542}" type="slidenum">
               <a:rPr lang="en-US" smtClean="0"/>
+              <a:t>‹#›</a:t>
             </a:fld>
             <a:endParaRPr lang="en-US"/>
           </a:p>
@@ -2869,7 +2990,6 @@
               <a:rPr lang="zh-CN" altLang="en-US"/>
               <a:t>单击此处编辑母版文本样式</a:t>
             </a:r>
-            <a:endParaRPr lang="zh-CN" altLang="en-US"/>
           </a:p>
         </p:txBody>
       </p:sp>
@@ -2890,6 +3010,7 @@
           <a:p>
             <a:fld id="{CE875574-B30F-E946-8A30-5D40B09C42BE}" type="datetimeFigureOut">
               <a:rPr lang="en-US" smtClean="0"/>
+              <a:t>6/10/22</a:t>
             </a:fld>
             <a:endParaRPr lang="en-US"/>
           </a:p>
@@ -2931,6 +3052,7 @@
           <a:p>
             <a:fld id="{671D2AD8-20DD-1F43-B782-FEE6429B9542}" type="slidenum">
               <a:rPr lang="en-US" smtClean="0"/>
+              <a:t>‹#›</a:t>
             </a:fld>
             <a:endParaRPr lang="en-US"/>
           </a:p>
@@ -3009,7 +3131,6 @@
               <a:rPr lang="zh-CN" altLang="en-US"/>
               <a:t>单击此处编辑母版文本样式</a:t>
             </a:r>
-            <a:endParaRPr lang="zh-CN" altLang="en-US"/>
           </a:p>
           <a:p>
             <a:pPr lvl="1"/>
@@ -3017,7 +3138,6 @@
               <a:rPr lang="zh-CN" altLang="en-US"/>
               <a:t>二级</a:t>
             </a:r>
-            <a:endParaRPr lang="zh-CN" altLang="en-US"/>
           </a:p>
           <a:p>
             <a:pPr lvl="2"/>
@@ -3025,7 +3145,6 @@
               <a:rPr lang="zh-CN" altLang="en-US"/>
               <a:t>三级</a:t>
             </a:r>
-            <a:endParaRPr lang="zh-CN" altLang="en-US"/>
           </a:p>
           <a:p>
             <a:pPr lvl="3"/>
@@ -3033,7 +3152,6 @@
               <a:rPr lang="zh-CN" altLang="en-US"/>
               <a:t>四级</a:t>
             </a:r>
-            <a:endParaRPr lang="zh-CN" altLang="en-US"/>
           </a:p>
           <a:p>
             <a:pPr lvl="4"/>
@@ -3070,7 +3188,6 @@
               <a:rPr lang="zh-CN" altLang="en-US"/>
               <a:t>单击此处编辑母版文本样式</a:t>
             </a:r>
-            <a:endParaRPr lang="zh-CN" altLang="en-US"/>
           </a:p>
           <a:p>
             <a:pPr lvl="1"/>
@@ -3078,7 +3195,6 @@
               <a:rPr lang="zh-CN" altLang="en-US"/>
               <a:t>二级</a:t>
             </a:r>
-            <a:endParaRPr lang="zh-CN" altLang="en-US"/>
           </a:p>
           <a:p>
             <a:pPr lvl="2"/>
@@ -3086,7 +3202,6 @@
               <a:rPr lang="zh-CN" altLang="en-US"/>
               <a:t>三级</a:t>
             </a:r>
-            <a:endParaRPr lang="zh-CN" altLang="en-US"/>
           </a:p>
           <a:p>
             <a:pPr lvl="3"/>
@@ -3094,7 +3209,6 @@
               <a:rPr lang="zh-CN" altLang="en-US"/>
               <a:t>四级</a:t>
             </a:r>
-            <a:endParaRPr lang="zh-CN" altLang="en-US"/>
           </a:p>
           <a:p>
             <a:pPr lvl="4"/>
@@ -3123,6 +3237,7 @@
           <a:p>
             <a:fld id="{CE875574-B30F-E946-8A30-5D40B09C42BE}" type="datetimeFigureOut">
               <a:rPr lang="en-US" smtClean="0"/>
+              <a:t>6/10/22</a:t>
             </a:fld>
             <a:endParaRPr lang="en-US"/>
           </a:p>
@@ -3164,6 +3279,7 @@
           <a:p>
             <a:fld id="{671D2AD8-20DD-1F43-B782-FEE6429B9542}" type="slidenum">
               <a:rPr lang="en-US" smtClean="0"/>
+              <a:t>‹#›</a:t>
             </a:fld>
             <a:endParaRPr lang="en-US"/>
           </a:p>
@@ -3284,7 +3400,6 @@
               <a:rPr lang="zh-CN" altLang="en-US"/>
               <a:t>单击此处编辑母版文本样式</a:t>
             </a:r>
-            <a:endParaRPr lang="zh-CN" altLang="en-US"/>
           </a:p>
         </p:txBody>
       </p:sp>
@@ -3313,7 +3428,6 @@
               <a:rPr lang="zh-CN" altLang="en-US"/>
               <a:t>单击此处编辑母版文本样式</a:t>
             </a:r>
-            <a:endParaRPr lang="zh-CN" altLang="en-US"/>
           </a:p>
           <a:p>
             <a:pPr lvl="1"/>
@@ -3321,7 +3435,6 @@
               <a:rPr lang="zh-CN" altLang="en-US"/>
               <a:t>二级</a:t>
             </a:r>
-            <a:endParaRPr lang="zh-CN" altLang="en-US"/>
           </a:p>
           <a:p>
             <a:pPr lvl="2"/>
@@ -3329,7 +3442,6 @@
               <a:rPr lang="zh-CN" altLang="en-US"/>
               <a:t>三级</a:t>
             </a:r>
-            <a:endParaRPr lang="zh-CN" altLang="en-US"/>
           </a:p>
           <a:p>
             <a:pPr lvl="3"/>
@@ -3337,7 +3449,6 @@
               <a:rPr lang="zh-CN" altLang="en-US"/>
               <a:t>四级</a:t>
             </a:r>
-            <a:endParaRPr lang="zh-CN" altLang="en-US"/>
           </a:p>
           <a:p>
             <a:pPr lvl="4"/>
@@ -3411,7 +3522,6 @@
               <a:rPr lang="zh-CN" altLang="en-US"/>
               <a:t>单击此处编辑母版文本样式</a:t>
             </a:r>
-            <a:endParaRPr lang="zh-CN" altLang="en-US"/>
           </a:p>
         </p:txBody>
       </p:sp>
@@ -3440,7 +3550,6 @@
               <a:rPr lang="zh-CN" altLang="en-US"/>
               <a:t>单击此处编辑母版文本样式</a:t>
             </a:r>
-            <a:endParaRPr lang="zh-CN" altLang="en-US"/>
           </a:p>
           <a:p>
             <a:pPr lvl="1"/>
@@ -3448,7 +3557,6 @@
               <a:rPr lang="zh-CN" altLang="en-US"/>
               <a:t>二级</a:t>
             </a:r>
-            <a:endParaRPr lang="zh-CN" altLang="en-US"/>
           </a:p>
           <a:p>
             <a:pPr lvl="2"/>
@@ -3456,7 +3564,6 @@
               <a:rPr lang="zh-CN" altLang="en-US"/>
               <a:t>三级</a:t>
             </a:r>
-            <a:endParaRPr lang="zh-CN" altLang="en-US"/>
           </a:p>
           <a:p>
             <a:pPr lvl="3"/>
@@ -3464,7 +3571,6 @@
               <a:rPr lang="zh-CN" altLang="en-US"/>
               <a:t>四级</a:t>
             </a:r>
-            <a:endParaRPr lang="zh-CN" altLang="en-US"/>
           </a:p>
           <a:p>
             <a:pPr lvl="4"/>
@@ -3493,6 +3599,7 @@
           <a:p>
             <a:fld id="{CE875574-B30F-E946-8A30-5D40B09C42BE}" type="datetimeFigureOut">
               <a:rPr lang="en-US" smtClean="0"/>
+              <a:t>6/10/22</a:t>
             </a:fld>
             <a:endParaRPr lang="en-US"/>
           </a:p>
@@ -3534,6 +3641,7 @@
           <a:p>
             <a:fld id="{671D2AD8-20DD-1F43-B782-FEE6429B9542}" type="slidenum">
               <a:rPr lang="en-US" smtClean="0"/>
+              <a:t>‹#›</a:t>
             </a:fld>
             <a:endParaRPr lang="en-US"/>
           </a:p>
@@ -3604,6 +3712,7 @@
           <a:p>
             <a:fld id="{CE875574-B30F-E946-8A30-5D40B09C42BE}" type="datetimeFigureOut">
               <a:rPr lang="en-US" smtClean="0"/>
+              <a:t>6/10/22</a:t>
             </a:fld>
             <a:endParaRPr lang="en-US"/>
           </a:p>
@@ -3645,6 +3754,7 @@
           <a:p>
             <a:fld id="{671D2AD8-20DD-1F43-B782-FEE6429B9542}" type="slidenum">
               <a:rPr lang="en-US" smtClean="0"/>
+              <a:t>‹#›</a:t>
             </a:fld>
             <a:endParaRPr lang="en-US"/>
           </a:p>
@@ -3692,6 +3802,7 @@
           <a:p>
             <a:fld id="{CE875574-B30F-E946-8A30-5D40B09C42BE}" type="datetimeFigureOut">
               <a:rPr lang="en-US" smtClean="0"/>
+              <a:t>6/10/22</a:t>
             </a:fld>
             <a:endParaRPr lang="en-US"/>
           </a:p>
@@ -3733,6 +3844,7 @@
           <a:p>
             <a:fld id="{671D2AD8-20DD-1F43-B782-FEE6429B9542}" type="slidenum">
               <a:rPr lang="en-US" smtClean="0"/>
+              <a:t>‹#›</a:t>
             </a:fld>
             <a:endParaRPr lang="en-US"/>
           </a:p>
@@ -3848,7 +3960,6 @@
               <a:rPr lang="zh-CN" altLang="en-US"/>
               <a:t>单击此处编辑母版文本样式</a:t>
             </a:r>
-            <a:endParaRPr lang="zh-CN" altLang="en-US"/>
           </a:p>
           <a:p>
             <a:pPr lvl="1"/>
@@ -3856,7 +3967,6 @@
               <a:rPr lang="zh-CN" altLang="en-US"/>
               <a:t>二级</a:t>
             </a:r>
-            <a:endParaRPr lang="zh-CN" altLang="en-US"/>
           </a:p>
           <a:p>
             <a:pPr lvl="2"/>
@@ -3864,7 +3974,6 @@
               <a:rPr lang="zh-CN" altLang="en-US"/>
               <a:t>三级</a:t>
             </a:r>
-            <a:endParaRPr lang="zh-CN" altLang="en-US"/>
           </a:p>
           <a:p>
             <a:pPr lvl="3"/>
@@ -3872,7 +3981,6 @@
               <a:rPr lang="zh-CN" altLang="en-US"/>
               <a:t>四级</a:t>
             </a:r>
-            <a:endParaRPr lang="zh-CN" altLang="en-US"/>
           </a:p>
           <a:p>
             <a:pPr lvl="4"/>
@@ -3946,7 +4054,6 @@
               <a:rPr lang="zh-CN" altLang="en-US"/>
               <a:t>单击此处编辑母版文本样式</a:t>
             </a:r>
-            <a:endParaRPr lang="zh-CN" altLang="en-US"/>
           </a:p>
         </p:txBody>
       </p:sp>
@@ -3967,6 +4074,7 @@
           <a:p>
             <a:fld id="{CE875574-B30F-E946-8A30-5D40B09C42BE}" type="datetimeFigureOut">
               <a:rPr lang="en-US" smtClean="0"/>
+              <a:t>6/10/22</a:t>
             </a:fld>
             <a:endParaRPr lang="en-US"/>
           </a:p>
@@ -4008,6 +4116,7 @@
           <a:p>
             <a:fld id="{671D2AD8-20DD-1F43-B782-FEE6429B9542}" type="slidenum">
               <a:rPr lang="en-US" smtClean="0"/>
+              <a:t>‹#›</a:t>
             </a:fld>
             <a:endParaRPr lang="en-US"/>
           </a:p>
@@ -4197,7 +4306,6 @@
               <a:rPr lang="zh-CN" altLang="en-US"/>
               <a:t>单击此处编辑母版文本样式</a:t>
             </a:r>
-            <a:endParaRPr lang="zh-CN" altLang="en-US"/>
           </a:p>
         </p:txBody>
       </p:sp>
@@ -4218,6 +4326,7 @@
           <a:p>
             <a:fld id="{CE875574-B30F-E946-8A30-5D40B09C42BE}" type="datetimeFigureOut">
               <a:rPr lang="en-US" smtClean="0"/>
+              <a:t>6/10/22</a:t>
             </a:fld>
             <a:endParaRPr lang="en-US"/>
           </a:p>
@@ -4259,6 +4368,7 @@
           <a:p>
             <a:fld id="{671D2AD8-20DD-1F43-B782-FEE6429B9542}" type="slidenum">
               <a:rPr lang="en-US" smtClean="0"/>
+              <a:t>‹#›</a:t>
             </a:fld>
             <a:endParaRPr lang="en-US"/>
           </a:p>
@@ -4357,7 +4467,6 @@
               <a:rPr lang="zh-CN" altLang="en-US"/>
               <a:t>单击此处编辑母版文本样式</a:t>
             </a:r>
-            <a:endParaRPr lang="zh-CN" altLang="en-US"/>
           </a:p>
           <a:p>
             <a:pPr lvl="1"/>
@@ -4365,7 +4474,6 @@
               <a:rPr lang="zh-CN" altLang="en-US"/>
               <a:t>二级</a:t>
             </a:r>
-            <a:endParaRPr lang="zh-CN" altLang="en-US"/>
           </a:p>
           <a:p>
             <a:pPr lvl="2"/>
@@ -4373,7 +4481,6 @@
               <a:rPr lang="zh-CN" altLang="en-US"/>
               <a:t>三级</a:t>
             </a:r>
-            <a:endParaRPr lang="zh-CN" altLang="en-US"/>
           </a:p>
           <a:p>
             <a:pPr lvl="3"/>
@@ -4381,7 +4488,6 @@
               <a:rPr lang="zh-CN" altLang="en-US"/>
               <a:t>四级</a:t>
             </a:r>
-            <a:endParaRPr lang="zh-CN" altLang="en-US"/>
           </a:p>
           <a:p>
             <a:pPr lvl="4"/>
@@ -4428,6 +4534,7 @@
           <a:p>
             <a:fld id="{CE875574-B30F-E946-8A30-5D40B09C42BE}" type="datetimeFigureOut">
               <a:rPr lang="en-US" smtClean="0"/>
+              <a:t>6/10/22</a:t>
             </a:fld>
             <a:endParaRPr lang="en-US"/>
           </a:p>
@@ -4505,6 +4612,7 @@
           <a:p>
             <a:fld id="{671D2AD8-20DD-1F43-B782-FEE6429B9542}" type="slidenum">
               <a:rPr lang="en-US" smtClean="0"/>
+              <a:t>‹#›</a:t>
             </a:fld>
             <a:endParaRPr lang="en-US"/>
           </a:p>
@@ -4836,7 +4944,7 @@
           <p:nvPr/>
         </p:nvPicPr>
         <p:blipFill>
-          <a:blip r:embed="rId1">
+          <a:blip r:embed="rId3">
             <a:clrChange>
               <a:clrFrom>
                 <a:srgbClr val="FFFFFF"/>
@@ -5290,7 +5398,6 @@
               <a:rPr lang="en-US" altLang="zh-CN" dirty="0"/>
               <a:t>2022.6.11</a:t>
             </a:r>
-            <a:endParaRPr lang="en-US" altLang="zh-CN" dirty="0"/>
           </a:p>
           <a:p>
             <a:endParaRPr lang="en-US" altLang="zh-CN" dirty="0"/>
@@ -5307,10 +5414,6 @@
               </a:rPr>
               <a:t>docker run -it uintr/demo</a:t>
             </a:r>
-            <a:endParaRPr lang="en-US" altLang="zh-CN" dirty="0">
-              <a:latin typeface="Consolas" panose="020B0609020204030204" charset="0"/>
-              <a:cs typeface="Consolas" panose="020B0609020204030204" charset="0"/>
-            </a:endParaRPr>
           </a:p>
         </p:txBody>
       </p:sp>
@@ -5481,7 +5584,7 @@
           <p:nvPr/>
         </p:nvPicPr>
         <p:blipFill>
-          <a:blip r:embed="rId1">
+          <a:blip r:embed="rId3">
             <a:clrChange>
               <a:clrFrom>
                 <a:srgbClr val="FFFFFF"/>
@@ -5905,9 +6008,6 @@
               </a:rPr>
               <a:t>性能测试结果</a:t>
             </a:r>
-            <a:endParaRPr lang="zh-CN" altLang="en-US" dirty="0">
-              <a:latin typeface="+mn-ea"/>
-            </a:endParaRPr>
           </a:p>
         </p:txBody>
       </p:sp>
@@ -5920,7 +6020,7 @@
           <p:nvPr/>
         </p:nvPicPr>
         <p:blipFill>
-          <a:blip r:embed="rId2"/>
+          <a:blip r:embed="rId4"/>
           <a:stretch>
             <a:fillRect/>
           </a:stretch>
@@ -5944,7 +6044,7 @@
           <p:nvPr/>
         </p:nvPicPr>
         <p:blipFill>
-          <a:blip r:embed="rId3"/>
+          <a:blip r:embed="rId5"/>
           <a:stretch>
             <a:fillRect/>
           </a:stretch>
@@ -5959,6 +6059,30 @@
           </a:prstGeom>
         </p:spPr>
       </p:pic>
+      <p:pic>
+        <p:nvPicPr>
+          <p:cNvPr id="9" name="图片 8"/>
+          <p:cNvPicPr>
+            <a:picLocks noChangeAspect="1"/>
+          </p:cNvPicPr>
+          <p:nvPr/>
+        </p:nvPicPr>
+        <p:blipFill>
+          <a:blip r:embed="rId6"/>
+          <a:stretch>
+            <a:fillRect/>
+          </a:stretch>
+        </p:blipFill>
+        <p:spPr>
+          <a:xfrm>
+            <a:off x="7141845" y="4573270"/>
+            <a:ext cx="4023360" cy="2059940"/>
+          </a:xfrm>
+          <a:prstGeom prst="rect">
+            <a:avLst/>
+          </a:prstGeom>
+        </p:spPr>
+      </p:pic>
       <p:sp>
         <p:nvSpPr>
           <p:cNvPr id="10" name="文本框 9"/>
@@ -5995,37 +6119,11 @@
             </a:r>
             <a:r>
               <a:rPr lang="en-US" altLang="zh-CN"/>
-              <a:t>eventfd</a:t>
-            </a:r>
-            <a:endParaRPr lang="en-US" altLang="zh-CN"/>
-          </a:p>
-        </p:txBody>
-      </p:sp>
-      <p:pic>
-        <p:nvPicPr>
-          <p:cNvPr id="3" name="图片 2"/>
-          <p:cNvPicPr>
-            <a:picLocks noChangeAspect="1"/>
-          </p:cNvPicPr>
-          <p:nvPr/>
-        </p:nvPicPr>
-        <p:blipFill>
-          <a:blip r:embed="rId4"/>
-          <a:srcRect l="819"/>
-          <a:stretch>
-            <a:fillRect/>
-          </a:stretch>
-        </p:blipFill>
-        <p:spPr>
-          <a:xfrm>
-            <a:off x="7150100" y="4454525"/>
-            <a:ext cx="3998595" cy="2186305"/>
-          </a:xfrm>
-          <a:prstGeom prst="rect">
-            <a:avLst/>
-          </a:prstGeom>
-        </p:spPr>
-      </p:pic>
+              <a:t>signal</a:t>
+            </a:r>
+          </a:p>
+        </p:txBody>
+      </p:sp>
     </p:spTree>
   </p:cSld>
   <p:clrMapOvr>
@@ -6193,7 +6291,7 @@
           <p:nvPr/>
         </p:nvPicPr>
         <p:blipFill>
-          <a:blip r:embed="rId1">
+          <a:blip r:embed="rId3">
             <a:clrChange>
               <a:clrFrom>
                 <a:srgbClr val="FFFFFF"/>
@@ -6617,9 +6715,6 @@
               </a:rPr>
               <a:t>性能测试结果</a:t>
             </a:r>
-            <a:endParaRPr lang="zh-CN" altLang="en-US" dirty="0">
-              <a:latin typeface="+mn-ea"/>
-            </a:endParaRPr>
           </a:p>
         </p:txBody>
       </p:sp>
@@ -6632,7 +6727,7 @@
           <p:nvPr/>
         </p:nvPicPr>
         <p:blipFill>
-          <a:blip r:embed="rId2"/>
+          <a:blip r:embed="rId4"/>
           <a:stretch>
             <a:fillRect/>
           </a:stretch>
@@ -6656,7 +6751,7 @@
           <p:nvPr/>
         </p:nvPicPr>
         <p:blipFill>
-          <a:blip r:embed="rId3"/>
+          <a:blip r:embed="rId5"/>
           <a:stretch>
             <a:fillRect/>
           </a:stretch>
@@ -6707,30 +6802,30 @@
             </a:r>
             <a:r>
               <a:rPr lang="en-US" altLang="zh-CN"/>
-              <a:t>pipe</a:t>
-            </a:r>
-            <a:endParaRPr lang="en-US" altLang="zh-CN"/>
+              <a:t>eventfd</a:t>
+            </a:r>
           </a:p>
         </p:txBody>
       </p:sp>
       <p:pic>
         <p:nvPicPr>
-          <p:cNvPr id="4" name="图片 3"/>
+          <p:cNvPr id="3" name="图片 2"/>
           <p:cNvPicPr>
             <a:picLocks noChangeAspect="1"/>
           </p:cNvPicPr>
           <p:nvPr/>
         </p:nvPicPr>
         <p:blipFill>
-          <a:blip r:embed="rId4"/>
+          <a:blip r:embed="rId6"/>
+          <a:srcRect l="819"/>
           <a:stretch>
             <a:fillRect/>
           </a:stretch>
         </p:blipFill>
         <p:spPr>
           <a:xfrm>
-            <a:off x="7133590" y="4523740"/>
-            <a:ext cx="3925570" cy="2137410"/>
+            <a:off x="7150100" y="4454525"/>
+            <a:ext cx="3998595" cy="2186305"/>
           </a:xfrm>
           <a:prstGeom prst="rect">
             <a:avLst/>
@@ -6904,7 +6999,7 @@
           <p:nvPr/>
         </p:nvPicPr>
         <p:blipFill>
-          <a:blip r:embed="rId1">
+          <a:blip r:embed="rId3">
             <a:clrChange>
               <a:clrFrom>
                 <a:srgbClr val="FFFFFF"/>
@@ -7328,9 +7423,6 @@
               </a:rPr>
               <a:t>性能测试结果</a:t>
             </a:r>
-            <a:endParaRPr lang="zh-CN" altLang="en-US" dirty="0">
-              <a:latin typeface="+mn-ea"/>
-            </a:endParaRPr>
           </a:p>
         </p:txBody>
       </p:sp>
@@ -7343,7 +7435,7 @@
           <p:nvPr/>
         </p:nvPicPr>
         <p:blipFill>
-          <a:blip r:embed="rId2"/>
+          <a:blip r:embed="rId4"/>
           <a:stretch>
             <a:fillRect/>
           </a:stretch>
@@ -7367,7 +7459,7 @@
           <p:nvPr/>
         </p:nvPicPr>
         <p:blipFill>
-          <a:blip r:embed="rId3"/>
+          <a:blip r:embed="rId5"/>
           <a:stretch>
             <a:fillRect/>
           </a:stretch>
@@ -7418,30 +7510,29 @@
             </a:r>
             <a:r>
               <a:rPr lang="en-US" altLang="zh-CN"/>
-              <a:t>domain</a:t>
-            </a:r>
-            <a:endParaRPr lang="en-US" altLang="zh-CN"/>
+              <a:t>pipe</a:t>
+            </a:r>
           </a:p>
         </p:txBody>
       </p:sp>
       <p:pic>
         <p:nvPicPr>
-          <p:cNvPr id="3" name="图片 2"/>
+          <p:cNvPr id="4" name="图片 3"/>
           <p:cNvPicPr>
             <a:picLocks noChangeAspect="1"/>
           </p:cNvPicPr>
           <p:nvPr/>
         </p:nvPicPr>
         <p:blipFill>
-          <a:blip r:embed="rId4"/>
+          <a:blip r:embed="rId6"/>
           <a:stretch>
             <a:fillRect/>
           </a:stretch>
         </p:blipFill>
         <p:spPr>
           <a:xfrm>
-            <a:off x="7146290" y="4561205"/>
-            <a:ext cx="3918585" cy="2085975"/>
+            <a:off x="7133590" y="4523740"/>
+            <a:ext cx="3925570" cy="2137410"/>
           </a:xfrm>
           <a:prstGeom prst="rect">
             <a:avLst/>
@@ -7615,7 +7706,7 @@
           <p:nvPr/>
         </p:nvPicPr>
         <p:blipFill>
-          <a:blip r:embed="rId1">
+          <a:blip r:embed="rId3">
             <a:clrChange>
               <a:clrFrom>
                 <a:srgbClr val="FFFFFF"/>
@@ -8022,138 +8113,29 @@
           </a:lstStyle>
           <a:p>
             <a:r>
-              <a:rPr lang="zh-CN" dirty="0">
+              <a:rPr lang="zh-CN" altLang="en-US" dirty="0">
                 <a:latin typeface="+mn-ea"/>
               </a:rPr>
-              <a:t>将</a:t>
+              <a:t>复现</a:t>
             </a:r>
             <a:r>
               <a:rPr lang="en-US" altLang="zh-CN" dirty="0">
                 <a:latin typeface="+mn-ea"/>
               </a:rPr>
-              <a:t> message size </a:t>
+              <a:t> linux rfc </a:t>
             </a:r>
             <a:r>
               <a:rPr lang="zh-CN" altLang="en-US" dirty="0">
                 <a:latin typeface="+mn-ea"/>
               </a:rPr>
-              <a:t>扩大到</a:t>
-            </a:r>
-            <a:r>
-              <a:rPr lang="en-US" altLang="zh-CN" dirty="0">
-                <a:latin typeface="+mn-ea"/>
-              </a:rPr>
-              <a:t> 4KB</a:t>
-            </a:r>
-            <a:endParaRPr lang="en-US" altLang="zh-CN" dirty="0">
-              <a:latin typeface="+mn-ea"/>
-            </a:endParaRPr>
-          </a:p>
-          <a:p>
-            <a:endParaRPr lang="en-US" altLang="zh-CN" dirty="0">
-              <a:latin typeface="+mn-ea"/>
-            </a:endParaRPr>
-          </a:p>
-          <a:p>
-            <a:r>
-              <a:rPr lang="zh-CN" altLang="en-US" dirty="0">
-                <a:latin typeface="+mn-ea"/>
-              </a:rPr>
-              <a:t>分别为</a:t>
-            </a:r>
-            <a:r>
-              <a:rPr lang="en-US" altLang="zh-CN" dirty="0">
-                <a:latin typeface="+mn-ea"/>
-              </a:rPr>
-              <a:t> pipe</a:t>
-            </a:r>
-            <a:r>
-              <a:rPr lang="zh-CN" altLang="en-US" dirty="0">
-                <a:latin typeface="+mn-ea"/>
-              </a:rPr>
-              <a:t>、</a:t>
-            </a:r>
-            <a:r>
-              <a:rPr lang="en-US" altLang="zh-CN" dirty="0">
-                <a:latin typeface="+mn-ea"/>
-              </a:rPr>
-              <a:t>uintr-shm</a:t>
-            </a:r>
-            <a:r>
-              <a:rPr lang="zh-CN" altLang="en-US" dirty="0">
-                <a:latin typeface="+mn-ea"/>
-              </a:rPr>
-              <a:t>（双线程）、</a:t>
-            </a:r>
-            <a:r>
-              <a:rPr lang="en-US" altLang="zh-CN" dirty="0">
-                <a:latin typeface="+mn-ea"/>
-              </a:rPr>
-              <a:t>uintr-shm</a:t>
-            </a:r>
-            <a:r>
-              <a:rPr lang="zh-CN" altLang="en-US" dirty="0">
-                <a:latin typeface="+mn-ea"/>
-              </a:rPr>
-              <a:t>（双进程）</a:t>
-            </a:r>
-            <a:endParaRPr lang="en-US" altLang="zh-CN" dirty="0">
-              <a:latin typeface="+mn-ea"/>
-            </a:endParaRPr>
+              <a:t>性能测试结果</a:t>
+            </a:r>
           </a:p>
         </p:txBody>
       </p:sp>
       <p:pic>
         <p:nvPicPr>
-          <p:cNvPr id="4" name="图片 3" descr="Screenshot_20220610_224737"/>
-          <p:cNvPicPr>
-            <a:picLocks noChangeAspect="1"/>
-          </p:cNvPicPr>
-          <p:nvPr/>
-        </p:nvPicPr>
-        <p:blipFill>
-          <a:blip r:embed="rId2"/>
-          <a:stretch>
-            <a:fillRect/>
-          </a:stretch>
-        </p:blipFill>
-        <p:spPr>
-          <a:xfrm>
-            <a:off x="806450" y="3637915"/>
-            <a:ext cx="3378835" cy="1802130"/>
-          </a:xfrm>
-          <a:prstGeom prst="rect">
-            <a:avLst/>
-          </a:prstGeom>
-        </p:spPr>
-      </p:pic>
-      <p:pic>
-        <p:nvPicPr>
-          <p:cNvPr id="5" name="图片 4" descr="Screenshot_20220610_224826"/>
-          <p:cNvPicPr>
-            <a:picLocks noChangeAspect="1"/>
-          </p:cNvPicPr>
-          <p:nvPr/>
-        </p:nvPicPr>
-        <p:blipFill>
-          <a:blip r:embed="rId3"/>
-          <a:stretch>
-            <a:fillRect/>
-          </a:stretch>
-        </p:blipFill>
-        <p:spPr>
-          <a:xfrm>
-            <a:off x="4363085" y="3637915"/>
-            <a:ext cx="3478530" cy="1802765"/>
-          </a:xfrm>
-          <a:prstGeom prst="rect">
-            <a:avLst/>
-          </a:prstGeom>
-        </p:spPr>
-      </p:pic>
-      <p:pic>
-        <p:nvPicPr>
-          <p:cNvPr id="9" name="图片 8" descr="Screenshot_20220610_224938"/>
+          <p:cNvPr id="2" name="图片 1"/>
           <p:cNvPicPr>
             <a:picLocks noChangeAspect="1"/>
           </p:cNvPicPr>
@@ -8167,8 +8149,97 @@
         </p:blipFill>
         <p:spPr>
           <a:xfrm>
-            <a:off x="8185785" y="3637915"/>
-            <a:ext cx="3509645" cy="1824990"/>
+            <a:off x="663575" y="2680970"/>
+            <a:ext cx="5708015" cy="2889250"/>
+          </a:xfrm>
+          <a:prstGeom prst="rect">
+            <a:avLst/>
+          </a:prstGeom>
+        </p:spPr>
+      </p:pic>
+      <p:pic>
+        <p:nvPicPr>
+          <p:cNvPr id="7" name="图片 6"/>
+          <p:cNvPicPr>
+            <a:picLocks noChangeAspect="1"/>
+          </p:cNvPicPr>
+          <p:nvPr/>
+        </p:nvPicPr>
+        <p:blipFill>
+          <a:blip r:embed="rId5"/>
+          <a:stretch>
+            <a:fillRect/>
+          </a:stretch>
+        </p:blipFill>
+        <p:spPr>
+          <a:xfrm>
+            <a:off x="7133590" y="2255520"/>
+            <a:ext cx="4031615" cy="2124710"/>
+          </a:xfrm>
+          <a:prstGeom prst="rect">
+            <a:avLst/>
+          </a:prstGeom>
+        </p:spPr>
+      </p:pic>
+      <p:sp>
+        <p:nvSpPr>
+          <p:cNvPr id="10" name="文本框 9"/>
+          <p:cNvSpPr txBox="1"/>
+          <p:nvPr/>
+        </p:nvSpPr>
+        <p:spPr>
+          <a:xfrm>
+            <a:off x="7250430" y="1706245"/>
+            <a:ext cx="3608705" cy="368300"/>
+          </a:xfrm>
+          <a:prstGeom prst="rect">
+            <a:avLst/>
+          </a:prstGeom>
+          <a:noFill/>
+        </p:spPr>
+        <p:txBody>
+          <a:bodyPr wrap="square" rtlCol="0">
+            <a:spAutoFit/>
+          </a:bodyPr>
+          <a:lstStyle/>
+          <a:p>
+            <a:r>
+              <a:rPr lang="zh-CN" altLang="en-US"/>
+              <a:t>上：</a:t>
+            </a:r>
+            <a:r>
+              <a:rPr lang="en-US" altLang="zh-CN"/>
+              <a:t>uintr</a:t>
+            </a:r>
+            <a:r>
+              <a:rPr lang="zh-CN" altLang="en-US"/>
+              <a:t>；下：</a:t>
+            </a:r>
+            <a:r>
+              <a:rPr lang="en-US" altLang="zh-CN"/>
+              <a:t>domain</a:t>
+            </a:r>
+          </a:p>
+        </p:txBody>
+      </p:sp>
+      <p:pic>
+        <p:nvPicPr>
+          <p:cNvPr id="3" name="图片 2"/>
+          <p:cNvPicPr>
+            <a:picLocks noChangeAspect="1"/>
+          </p:cNvPicPr>
+          <p:nvPr/>
+        </p:nvPicPr>
+        <p:blipFill>
+          <a:blip r:embed="rId6"/>
+          <a:stretch>
+            <a:fillRect/>
+          </a:stretch>
+        </p:blipFill>
+        <p:spPr>
+          <a:xfrm>
+            <a:off x="7146290" y="4561205"/>
+            <a:ext cx="3918585" cy="2085975"/>
           </a:xfrm>
           <a:prstGeom prst="rect">
             <a:avLst/>
@@ -8342,7 +8413,7 @@
           <p:nvPr/>
         </p:nvPicPr>
         <p:blipFill>
-          <a:blip r:embed="rId1">
+          <a:blip r:embed="rId3">
             <a:clrChange>
               <a:clrFrom>
                 <a:srgbClr val="FFFFFF"/>
@@ -8564,449 +8635,341 @@
           </a:p>
         </p:txBody>
       </p:sp>
-      <p:graphicFrame>
-        <p:nvGraphicFramePr>
-          <p:cNvPr id="2" name="表格 1"/>
-          <p:cNvGraphicFramePr/>
+      <p:sp>
+        <p:nvSpPr>
+          <p:cNvPr id="6" name="Content Placeholder 2"/>
+          <p:cNvSpPr txBox="1"/>
           <p:nvPr/>
-        </p:nvGraphicFramePr>
-        <p:xfrm>
-          <a:off x="2046605" y="1905000"/>
-          <a:ext cx="8881745" cy="3048000"/>
-        </p:xfrm>
-        <a:graphic>
-          <a:graphicData uri="http://schemas.openxmlformats.org/drawingml/2006/table">
-            <a:tbl>
-              <a:tblPr firstRow="1" bandRow="1">
-                <a:tableStyleId>{5940675A-B579-460E-94D1-54222C63F5DA}</a:tableStyleId>
-              </a:tblPr>
-              <a:tblGrid>
-                <a:gridCol w="2004060"/>
-                <a:gridCol w="3378835"/>
-                <a:gridCol w="3498850"/>
-              </a:tblGrid>
-              <a:tr h="381000">
-                <a:tc>
-                  <a:txBody>
-                    <a:bodyPr/>
-                    <a:p>
-                      <a:pPr algn="ctr">
-                        <a:buNone/>
-                      </a:pPr>
-                      <a:r>
-                        <a:rPr lang="en-US" altLang="zh-CN"/>
-                        <a:t>IPC type</a:t>
-                      </a:r>
-                      <a:endParaRPr lang="en-US" altLang="zh-CN"/>
-                    </a:p>
-                  </a:txBody>
-                  <a:tcPr anchor="ctr" anchorCtr="0"/>
-                </a:tc>
-                <a:tc>
-                  <a:txBody>
-                    <a:bodyPr/>
-                    <a:p>
-                      <a:pPr algn="ctr">
-                        <a:buNone/>
-                      </a:pPr>
-                      <a:r>
-                        <a:rPr lang="zh-CN" altLang="en-US"/>
-                        <a:t>Message rate</a:t>
-                      </a:r>
-                      <a:r>
-                        <a:rPr lang="en-US" altLang="zh-CN"/>
-                        <a:t> (msg/s, size = 1)</a:t>
-                      </a:r>
-                      <a:endParaRPr lang="en-US" altLang="zh-CN"/>
-                    </a:p>
-                  </a:txBody>
-                  <a:tcPr anchor="ctr" anchorCtr="0"/>
-                </a:tc>
-                <a:tc>
-                  <a:txBody>
-                    <a:bodyPr/>
-                    <a:p>
-                      <a:pPr algn="ctr">
-                        <a:buNone/>
-                      </a:pPr>
-                      <a:r>
-                        <a:rPr lang="zh-CN" altLang="en-US" sz="1800">
-                          <a:sym typeface="+mn-ea"/>
-                        </a:rPr>
-                        <a:t>Message rate</a:t>
-                      </a:r>
-                      <a:r>
-                        <a:rPr lang="en-US" altLang="zh-CN" sz="1800">
-                          <a:sym typeface="+mn-ea"/>
-                        </a:rPr>
-                        <a:t> (</a:t>
-                      </a:r>
-                      <a:r>
-                        <a:rPr lang="en-US" altLang="zh-CN" sz="1800">
-                          <a:sym typeface="+mn-ea"/>
-                        </a:rPr>
-                        <a:t>msg/s, size = 4096)</a:t>
-                      </a:r>
-                      <a:endParaRPr lang="zh-CN" altLang="en-US"/>
-                    </a:p>
-                  </a:txBody>
-                  <a:tcPr anchor="ctr" anchorCtr="0"/>
-                </a:tc>
-              </a:tr>
-              <a:tr h="381000">
-                <a:tc>
-                  <a:txBody>
-                    <a:bodyPr/>
-                    <a:p>
-                      <a:pPr algn="ctr">
-                        <a:buNone/>
-                      </a:pPr>
-                      <a:r>
-                        <a:rPr lang="en-US" altLang="zh-CN"/>
-                        <a:t>uintr (thread)</a:t>
-                      </a:r>
-                      <a:endParaRPr lang="en-US" altLang="zh-CN"/>
-                    </a:p>
-                  </a:txBody>
-                  <a:tcPr anchor="ctr" anchorCtr="0"/>
-                </a:tc>
-                <a:tc>
-                  <a:txBody>
-                    <a:bodyPr/>
-                    <a:p>
-                      <a:pPr algn="ctr">
-                        <a:buNone/>
-                      </a:pPr>
-                      <a:r>
-                        <a:rPr lang="en-US" altLang="zh-CN"/>
-                        <a:t>28935</a:t>
-                      </a:r>
-                      <a:endParaRPr lang="en-US" altLang="zh-CN"/>
-                    </a:p>
-                  </a:txBody>
-                  <a:tcPr anchor="ctr" anchorCtr="0"/>
-                </a:tc>
-                <a:tc>
-                  <a:txBody>
-                    <a:bodyPr/>
-                    <a:p>
-                      <a:pPr algn="ctr">
-                        <a:buNone/>
-                      </a:pPr>
-                      <a:r>
-                        <a:rPr lang="en-US" altLang="zh-CN"/>
-                        <a:t>23305</a:t>
-                      </a:r>
-                      <a:endParaRPr lang="en-US" altLang="zh-CN"/>
-                    </a:p>
-                  </a:txBody>
-                  <a:tcPr anchor="ctr" anchorCtr="0"/>
-                </a:tc>
-              </a:tr>
-              <a:tr h="381000">
-                <a:tc>
-                  <a:txBody>
-                    <a:bodyPr/>
-                    <a:p>
-                      <a:pPr algn="ctr">
-                        <a:buNone/>
-                      </a:pPr>
-                      <a:r>
-                        <a:rPr lang="en-US" altLang="zh-CN"/>
-                        <a:t>uintr (process)</a:t>
-                      </a:r>
-                      <a:endParaRPr lang="en-US" altLang="zh-CN"/>
-                    </a:p>
-                  </a:txBody>
-                  <a:tcPr anchor="ctr" anchorCtr="0"/>
-                </a:tc>
-                <a:tc>
-                  <a:txBody>
-                    <a:bodyPr/>
-                    <a:p>
-                      <a:pPr algn="ctr">
-                        <a:buNone/>
-                      </a:pPr>
-                      <a:r>
-                        <a:rPr lang="en-US" altLang="zh-CN"/>
-                        <a:t>34392</a:t>
-                      </a:r>
-                      <a:endParaRPr lang="en-US" altLang="zh-CN"/>
-                    </a:p>
-                  </a:txBody>
-                  <a:tcPr anchor="ctr" anchorCtr="0"/>
-                </a:tc>
-                <a:tc>
-                  <a:txBody>
-                    <a:bodyPr/>
-                    <a:p>
-                      <a:pPr algn="ctr">
-                        <a:buNone/>
-                      </a:pPr>
-                      <a:r>
-                        <a:rPr lang="en-US" altLang="zh-CN"/>
-                        <a:t>22662</a:t>
-                      </a:r>
-                      <a:endParaRPr lang="en-US" altLang="zh-CN"/>
-                    </a:p>
-                  </a:txBody>
-                  <a:tcPr anchor="ctr" anchorCtr="0"/>
-                </a:tc>
-              </a:tr>
-              <a:tr h="381000">
-                <a:tc>
-                  <a:txBody>
-                    <a:bodyPr/>
-                    <a:p>
-                      <a:pPr algn="ctr">
-                        <a:buNone/>
-                      </a:pPr>
-                      <a:r>
-                        <a:rPr lang="en-US" altLang="zh-CN"/>
-                        <a:t>signal</a:t>
-                      </a:r>
-                      <a:endParaRPr lang="en-US" altLang="zh-CN"/>
-                    </a:p>
-                  </a:txBody>
-                  <a:tcPr anchor="ctr" anchorCtr="0"/>
-                </a:tc>
-                <a:tc>
-                  <a:txBody>
-                    <a:bodyPr/>
-                    <a:p>
-                      <a:pPr algn="ctr">
-                        <a:buNone/>
-                      </a:pPr>
-                      <a:r>
-                        <a:rPr lang="en-US" altLang="zh-CN"/>
-                        <a:t>6286</a:t>
-                      </a:r>
-                      <a:endParaRPr lang="en-US" altLang="zh-CN"/>
-                    </a:p>
-                  </a:txBody>
-                  <a:tcPr anchor="ctr" anchorCtr="0"/>
-                </a:tc>
-                <a:tc>
-                  <a:txBody>
-                    <a:bodyPr/>
-                    <a:p>
-                      <a:pPr algn="ctr">
-                        <a:buNone/>
-                      </a:pPr>
-                      <a:r>
-                        <a:rPr lang="en-US" altLang="zh-CN"/>
-                        <a:t>N/A</a:t>
-                      </a:r>
-                      <a:endParaRPr lang="en-US" altLang="zh-CN"/>
-                    </a:p>
-                  </a:txBody>
-                  <a:tcPr anchor="ctr" anchorCtr="0"/>
-                </a:tc>
-              </a:tr>
-              <a:tr h="381000">
-                <a:tc>
-                  <a:txBody>
-                    <a:bodyPr/>
-                    <a:p>
-                      <a:pPr algn="ctr">
-                        <a:buNone/>
-                      </a:pPr>
-                      <a:r>
-                        <a:rPr lang="en-US" altLang="zh-CN"/>
-                        <a:t>eventfd</a:t>
-                      </a:r>
-                      <a:endParaRPr lang="en-US" altLang="zh-CN"/>
-                    </a:p>
-                  </a:txBody>
-                  <a:tcPr anchor="ctr" anchorCtr="0"/>
-                </a:tc>
-                <a:tc>
-                  <a:txBody>
-                    <a:bodyPr/>
-                    <a:p>
-                      <a:pPr algn="ctr">
-                        <a:buNone/>
-                      </a:pPr>
-                      <a:r>
-                        <a:rPr lang="en-US" altLang="zh-CN"/>
-                        <a:t>6649</a:t>
-                      </a:r>
-                      <a:endParaRPr lang="en-US" altLang="zh-CN"/>
-                    </a:p>
-                  </a:txBody>
-                  <a:tcPr anchor="ctr" anchorCtr="0"/>
-                </a:tc>
-                <a:tc>
-                  <a:txBody>
-                    <a:bodyPr/>
-                    <a:p>
-                      <a:pPr algn="ctr">
-                        <a:buNone/>
-                      </a:pPr>
-                      <a:r>
-                        <a:rPr lang="en-US" altLang="zh-CN"/>
-                        <a:t>N/A</a:t>
-                      </a:r>
-                      <a:endParaRPr lang="en-US" altLang="zh-CN"/>
-                    </a:p>
-                  </a:txBody>
-                  <a:tcPr anchor="ctr" anchorCtr="0"/>
-                </a:tc>
-              </a:tr>
-              <a:tr h="381000">
-                <a:tc>
-                  <a:txBody>
-                    <a:bodyPr/>
-                    <a:p>
-                      <a:pPr algn="ctr">
-                        <a:buNone/>
-                      </a:pPr>
-                      <a:r>
-                        <a:rPr lang="en-US" altLang="zh-CN"/>
-                        <a:t>pipe</a:t>
-                      </a:r>
-                      <a:endParaRPr lang="en-US" altLang="zh-CN"/>
-                    </a:p>
-                  </a:txBody>
-                  <a:tcPr anchor="ctr" anchorCtr="0"/>
-                </a:tc>
-                <a:tc>
-                  <a:txBody>
-                    <a:bodyPr/>
-                    <a:p>
-                      <a:pPr algn="ctr">
-                        <a:buNone/>
-                      </a:pPr>
-                      <a:r>
-                        <a:rPr lang="en-US" altLang="zh-CN"/>
-                        <a:t>2858</a:t>
-                      </a:r>
-                      <a:endParaRPr lang="en-US" altLang="zh-CN"/>
-                    </a:p>
-                  </a:txBody>
-                  <a:tcPr anchor="ctr" anchorCtr="0"/>
-                </a:tc>
-                <a:tc>
-                  <a:txBody>
-                    <a:bodyPr/>
-                    <a:p>
-                      <a:pPr algn="ctr">
-                        <a:buNone/>
-                      </a:pPr>
-                      <a:r>
-                        <a:rPr lang="en-US" altLang="zh-CN"/>
-                        <a:t>2256</a:t>
-                      </a:r>
-                      <a:endParaRPr lang="en-US" altLang="zh-CN"/>
-                    </a:p>
-                  </a:txBody>
-                  <a:tcPr anchor="ctr" anchorCtr="0"/>
-                </a:tc>
-              </a:tr>
-              <a:tr h="381000">
-                <a:tc>
-                  <a:txBody>
-                    <a:bodyPr/>
-                    <a:p>
-                      <a:pPr algn="ctr">
-                        <a:buNone/>
-                      </a:pPr>
-                      <a:r>
-                        <a:rPr lang="en-US" altLang="zh-CN"/>
-                        <a:t>fifo</a:t>
-                      </a:r>
-                      <a:endParaRPr lang="en-US" altLang="zh-CN"/>
-                    </a:p>
-                  </a:txBody>
-                  <a:tcPr anchor="ctr" anchorCtr="0"/>
-                </a:tc>
-                <a:tc>
-                  <a:txBody>
-                    <a:bodyPr/>
-                    <a:p>
-                      <a:pPr algn="ctr">
-                        <a:buNone/>
-                      </a:pPr>
-                      <a:r>
-                        <a:rPr lang="en-US" altLang="zh-CN"/>
-                        <a:t>2782</a:t>
-                      </a:r>
-                      <a:endParaRPr lang="en-US" altLang="zh-CN"/>
-                    </a:p>
-                  </a:txBody>
-                  <a:tcPr anchor="ctr" anchorCtr="0"/>
-                </a:tc>
-                <a:tc>
-                  <a:txBody>
-                    <a:bodyPr/>
-                    <a:p>
-                      <a:pPr algn="ctr">
-                        <a:buNone/>
-                      </a:pPr>
-                      <a:r>
-                        <a:rPr lang="en-US" altLang="zh-CN"/>
-                        <a:t>2674</a:t>
-                      </a:r>
-                      <a:endParaRPr lang="en-US" altLang="zh-CN"/>
-                    </a:p>
-                  </a:txBody>
-                  <a:tcPr anchor="ctr" anchorCtr="0"/>
-                </a:tc>
-              </a:tr>
-              <a:tr h="381000">
-                <a:tc>
-                  <a:txBody>
-                    <a:bodyPr/>
-                    <a:p>
-                      <a:pPr algn="ctr">
-                        <a:buNone/>
-                      </a:pPr>
-                      <a:r>
-                        <a:rPr lang="en-US" altLang="zh-CN"/>
-                        <a:t>domain</a:t>
-                      </a:r>
-                      <a:endParaRPr lang="en-US" altLang="zh-CN"/>
-                    </a:p>
-                  </a:txBody>
-                  <a:tcPr anchor="ctr" anchorCtr="0"/>
-                </a:tc>
-                <a:tc>
-                  <a:txBody>
-                    <a:bodyPr/>
-                    <a:p>
-                      <a:pPr algn="ctr">
-                        <a:buNone/>
-                      </a:pPr>
-                      <a:r>
-                        <a:rPr lang="en-US" altLang="zh-CN"/>
-                        <a:t>4835</a:t>
-                      </a:r>
-                      <a:endParaRPr lang="en-US" altLang="zh-CN"/>
-                    </a:p>
-                  </a:txBody>
-                  <a:tcPr anchor="ctr" anchorCtr="0"/>
-                </a:tc>
-                <a:tc>
-                  <a:txBody>
-                    <a:bodyPr/>
-                    <a:p>
-                      <a:pPr algn="ctr">
-                        <a:buNone/>
-                      </a:pPr>
-                      <a:r>
-                        <a:rPr lang="en-US" altLang="zh-CN"/>
-                        <a:t>2781</a:t>
-                      </a:r>
-                      <a:endParaRPr lang="en-US" altLang="zh-CN"/>
-                    </a:p>
-                  </a:txBody>
-                  <a:tcPr anchor="ctr" anchorCtr="0"/>
-                </a:tc>
-              </a:tr>
-            </a:tbl>
-          </a:graphicData>
-        </a:graphic>
-      </p:graphicFrame>
+        </p:nvSpPr>
+        <p:spPr>
+          <a:xfrm>
+            <a:off x="1056186" y="1833032"/>
+            <a:ext cx="10515600" cy="4351338"/>
+          </a:xfrm>
+          <a:prstGeom prst="rect">
+            <a:avLst/>
+          </a:prstGeom>
+        </p:spPr>
+        <p:txBody>
+          <a:bodyPr>
+            <a:normAutofit/>
+          </a:bodyPr>
+          <a:lstStyle>
+            <a:lvl1pPr marL="228600" indent="-228600" algn="l" defTabSz="914400" rtl="0" eaLnBrk="1" latinLnBrk="0" hangingPunct="1">
+              <a:lnSpc>
+                <a:spcPct val="90000"/>
+              </a:lnSpc>
+              <a:spcBef>
+                <a:spcPts val="1000"/>
+              </a:spcBef>
+              <a:buFont typeface="Arial" panose="020B0604020202020204" pitchFamily="34" charset="0"/>
+              <a:buChar char="•"/>
+              <a:defRPr sz="2800" kern="1200">
+                <a:solidFill>
+                  <a:schemeClr val="tx1"/>
+                </a:solidFill>
+                <a:latin typeface="+mn-lt"/>
+                <a:ea typeface="+mn-ea"/>
+                <a:cs typeface="+mn-cs"/>
+              </a:defRPr>
+            </a:lvl1pPr>
+            <a:lvl2pPr marL="685800" indent="-228600" algn="l" defTabSz="914400" rtl="0" eaLnBrk="1" latinLnBrk="0" hangingPunct="1">
+              <a:lnSpc>
+                <a:spcPct val="90000"/>
+              </a:lnSpc>
+              <a:spcBef>
+                <a:spcPts val="500"/>
+              </a:spcBef>
+              <a:buFont typeface="Arial" panose="020B0604020202020204" pitchFamily="34" charset="0"/>
+              <a:buChar char="•"/>
+              <a:defRPr sz="2400" kern="1200">
+                <a:solidFill>
+                  <a:schemeClr val="tx1"/>
+                </a:solidFill>
+                <a:latin typeface="+mn-lt"/>
+                <a:ea typeface="+mn-ea"/>
+                <a:cs typeface="+mn-cs"/>
+              </a:defRPr>
+            </a:lvl2pPr>
+            <a:lvl3pPr marL="1143000" indent="-228600" algn="l" defTabSz="914400" rtl="0" eaLnBrk="1" latinLnBrk="0" hangingPunct="1">
+              <a:lnSpc>
+                <a:spcPct val="90000"/>
+              </a:lnSpc>
+              <a:spcBef>
+                <a:spcPts val="500"/>
+              </a:spcBef>
+              <a:buFont typeface="Arial" panose="020B0604020202020204" pitchFamily="34" charset="0"/>
+              <a:buChar char="•"/>
+              <a:defRPr sz="2000" kern="1200">
+                <a:solidFill>
+                  <a:schemeClr val="tx1"/>
+                </a:solidFill>
+                <a:latin typeface="+mn-lt"/>
+                <a:ea typeface="+mn-ea"/>
+                <a:cs typeface="+mn-cs"/>
+              </a:defRPr>
+            </a:lvl3pPr>
+            <a:lvl4pPr marL="1600200" indent="-228600" algn="l" defTabSz="914400" rtl="0" eaLnBrk="1" latinLnBrk="0" hangingPunct="1">
+              <a:lnSpc>
+                <a:spcPct val="90000"/>
+              </a:lnSpc>
+              <a:spcBef>
+                <a:spcPts val="500"/>
+              </a:spcBef>
+              <a:buFont typeface="Arial" panose="020B0604020202020204" pitchFamily="34" charset="0"/>
+              <a:buChar char="•"/>
+              <a:defRPr sz="1800" kern="1200">
+                <a:solidFill>
+                  <a:schemeClr val="tx1"/>
+                </a:solidFill>
+                <a:latin typeface="+mn-lt"/>
+                <a:ea typeface="+mn-ea"/>
+                <a:cs typeface="+mn-cs"/>
+              </a:defRPr>
+            </a:lvl4pPr>
+            <a:lvl5pPr marL="2057400" indent="-228600" algn="l" defTabSz="914400" rtl="0" eaLnBrk="1" latinLnBrk="0" hangingPunct="1">
+              <a:lnSpc>
+                <a:spcPct val="90000"/>
+              </a:lnSpc>
+              <a:spcBef>
+                <a:spcPts val="500"/>
+              </a:spcBef>
+              <a:buFont typeface="Arial" panose="020B0604020202020204" pitchFamily="34" charset="0"/>
+              <a:buChar char="•"/>
+              <a:defRPr sz="1800" kern="1200">
+                <a:solidFill>
+                  <a:schemeClr val="tx1"/>
+                </a:solidFill>
+                <a:latin typeface="+mn-lt"/>
+                <a:ea typeface="+mn-ea"/>
+                <a:cs typeface="+mn-cs"/>
+              </a:defRPr>
+            </a:lvl5pPr>
+            <a:lvl6pPr marL="2514600" indent="-228600" algn="l" defTabSz="914400" rtl="0" eaLnBrk="1" latinLnBrk="0" hangingPunct="1">
+              <a:lnSpc>
+                <a:spcPct val="90000"/>
+              </a:lnSpc>
+              <a:spcBef>
+                <a:spcPts val="500"/>
+              </a:spcBef>
+              <a:buFont typeface="Arial" panose="020B0604020202020204" pitchFamily="34" charset="0"/>
+              <a:buChar char="•"/>
+              <a:defRPr sz="1800" kern="1200">
+                <a:solidFill>
+                  <a:schemeClr val="tx1"/>
+                </a:solidFill>
+                <a:latin typeface="+mn-lt"/>
+                <a:ea typeface="+mn-ea"/>
+                <a:cs typeface="+mn-cs"/>
+              </a:defRPr>
+            </a:lvl6pPr>
+            <a:lvl7pPr marL="2971800" indent="-228600" algn="l" defTabSz="914400" rtl="0" eaLnBrk="1" latinLnBrk="0" hangingPunct="1">
+              <a:lnSpc>
+                <a:spcPct val="90000"/>
+              </a:lnSpc>
+              <a:spcBef>
+                <a:spcPts val="500"/>
+              </a:spcBef>
+              <a:buFont typeface="Arial" panose="020B0604020202020204" pitchFamily="34" charset="0"/>
+              <a:buChar char="•"/>
+              <a:defRPr sz="1800" kern="1200">
+                <a:solidFill>
+                  <a:schemeClr val="tx1"/>
+                </a:solidFill>
+                <a:latin typeface="+mn-lt"/>
+                <a:ea typeface="+mn-ea"/>
+                <a:cs typeface="+mn-cs"/>
+              </a:defRPr>
+            </a:lvl7pPr>
+            <a:lvl8pPr marL="3429000" indent="-228600" algn="l" defTabSz="914400" rtl="0" eaLnBrk="1" latinLnBrk="0" hangingPunct="1">
+              <a:lnSpc>
+                <a:spcPct val="90000"/>
+              </a:lnSpc>
+              <a:spcBef>
+                <a:spcPts val="500"/>
+              </a:spcBef>
+              <a:buFont typeface="Arial" panose="020B0604020202020204" pitchFamily="34" charset="0"/>
+              <a:buChar char="•"/>
+              <a:defRPr sz="1800" kern="1200">
+                <a:solidFill>
+                  <a:schemeClr val="tx1"/>
+                </a:solidFill>
+                <a:latin typeface="+mn-lt"/>
+                <a:ea typeface="+mn-ea"/>
+                <a:cs typeface="+mn-cs"/>
+              </a:defRPr>
+            </a:lvl8pPr>
+            <a:lvl9pPr marL="3886200" indent="-228600" algn="l" defTabSz="914400" rtl="0" eaLnBrk="1" latinLnBrk="0" hangingPunct="1">
+              <a:lnSpc>
+                <a:spcPct val="90000"/>
+              </a:lnSpc>
+              <a:spcBef>
+                <a:spcPts val="500"/>
+              </a:spcBef>
+              <a:buFont typeface="Arial" panose="020B0604020202020204" pitchFamily="34" charset="0"/>
+              <a:buChar char="•"/>
+              <a:defRPr sz="1800" kern="1200">
+                <a:solidFill>
+                  <a:schemeClr val="tx1"/>
+                </a:solidFill>
+                <a:latin typeface="+mn-lt"/>
+                <a:ea typeface="+mn-ea"/>
+                <a:cs typeface="+mn-cs"/>
+              </a:defRPr>
+            </a:lvl9pPr>
+          </a:lstStyle>
+          <a:p>
+            <a:r>
+              <a:rPr lang="zh-CN" dirty="0">
+                <a:latin typeface="+mn-ea"/>
+              </a:rPr>
+              <a:t>将</a:t>
+            </a:r>
+            <a:r>
+              <a:rPr lang="en-US" altLang="zh-CN" dirty="0">
+                <a:latin typeface="+mn-ea"/>
+              </a:rPr>
+              <a:t> message size </a:t>
+            </a:r>
+            <a:r>
+              <a:rPr lang="zh-CN" altLang="en-US" dirty="0">
+                <a:latin typeface="+mn-ea"/>
+              </a:rPr>
+              <a:t>扩大到</a:t>
+            </a:r>
+            <a:r>
+              <a:rPr lang="en-US" altLang="zh-CN" dirty="0">
+                <a:latin typeface="+mn-ea"/>
+              </a:rPr>
+              <a:t> 4KB</a:t>
+            </a:r>
+          </a:p>
+          <a:p>
+            <a:endParaRPr lang="en-US" altLang="zh-CN" dirty="0">
+              <a:latin typeface="+mn-ea"/>
+            </a:endParaRPr>
+          </a:p>
+          <a:p>
+            <a:r>
+              <a:rPr lang="zh-CN" altLang="en-US" dirty="0">
+                <a:latin typeface="+mn-ea"/>
+              </a:rPr>
+              <a:t>分别为</a:t>
+            </a:r>
+            <a:r>
+              <a:rPr lang="en-US" altLang="zh-CN" dirty="0">
+                <a:latin typeface="+mn-ea"/>
+              </a:rPr>
+              <a:t> pipe</a:t>
+            </a:r>
+            <a:r>
+              <a:rPr lang="zh-CN" altLang="en-US" dirty="0">
+                <a:latin typeface="+mn-ea"/>
+              </a:rPr>
+              <a:t>、</a:t>
+            </a:r>
+            <a:r>
+              <a:rPr lang="en-US" altLang="zh-CN" dirty="0">
+                <a:latin typeface="+mn-ea"/>
+              </a:rPr>
+              <a:t>uintr-shm</a:t>
+            </a:r>
+            <a:r>
+              <a:rPr lang="zh-CN" altLang="en-US" dirty="0">
+                <a:latin typeface="+mn-ea"/>
+              </a:rPr>
+              <a:t>（双线程）、</a:t>
+            </a:r>
+            <a:r>
+              <a:rPr lang="en-US" altLang="zh-CN" dirty="0">
+                <a:latin typeface="+mn-ea"/>
+              </a:rPr>
+              <a:t>uintr-shm</a:t>
+            </a:r>
+            <a:r>
+              <a:rPr lang="zh-CN" altLang="en-US" dirty="0">
+                <a:latin typeface="+mn-ea"/>
+              </a:rPr>
+              <a:t>（双进程）</a:t>
+            </a:r>
+            <a:endParaRPr lang="en-US" altLang="zh-CN" dirty="0">
+              <a:latin typeface="+mn-ea"/>
+            </a:endParaRPr>
+          </a:p>
+        </p:txBody>
+      </p:sp>
+      <p:pic>
+        <p:nvPicPr>
+          <p:cNvPr id="4" name="图片 3" descr="Screenshot_20220610_224737"/>
+          <p:cNvPicPr>
+            <a:picLocks noChangeAspect="1"/>
+          </p:cNvPicPr>
+          <p:nvPr/>
+        </p:nvPicPr>
+        <p:blipFill>
+          <a:blip r:embed="rId4"/>
+          <a:stretch>
+            <a:fillRect/>
+          </a:stretch>
+        </p:blipFill>
+        <p:spPr>
+          <a:xfrm>
+            <a:off x="806450" y="3637915"/>
+            <a:ext cx="3378835" cy="1802130"/>
+          </a:xfrm>
+          <a:prstGeom prst="rect">
+            <a:avLst/>
+          </a:prstGeom>
+        </p:spPr>
+      </p:pic>
+      <p:pic>
+        <p:nvPicPr>
+          <p:cNvPr id="5" name="图片 4" descr="Screenshot_20220610_224826"/>
+          <p:cNvPicPr>
+            <a:picLocks noChangeAspect="1"/>
+          </p:cNvPicPr>
+          <p:nvPr/>
+        </p:nvPicPr>
+        <p:blipFill>
+          <a:blip r:embed="rId5"/>
+          <a:stretch>
+            <a:fillRect/>
+          </a:stretch>
+        </p:blipFill>
+        <p:spPr>
+          <a:xfrm>
+            <a:off x="4363085" y="3637915"/>
+            <a:ext cx="3478530" cy="1802765"/>
+          </a:xfrm>
+          <a:prstGeom prst="rect">
+            <a:avLst/>
+          </a:prstGeom>
+        </p:spPr>
+      </p:pic>
+      <p:pic>
+        <p:nvPicPr>
+          <p:cNvPr id="9" name="图片 8" descr="Screenshot_20220610_224938"/>
+          <p:cNvPicPr>
+            <a:picLocks noChangeAspect="1"/>
+          </p:cNvPicPr>
+          <p:nvPr/>
+        </p:nvPicPr>
+        <p:blipFill>
+          <a:blip r:embed="rId6"/>
+          <a:stretch>
+            <a:fillRect/>
+          </a:stretch>
+        </p:blipFill>
+        <p:spPr>
+          <a:xfrm>
+            <a:off x="8185785" y="3637915"/>
+            <a:ext cx="3509645" cy="1824990"/>
+          </a:xfrm>
+          <a:prstGeom prst="rect">
+            <a:avLst/>
+          </a:prstGeom>
+        </p:spPr>
+      </p:pic>
     </p:spTree>
   </p:cSld>
   <p:clrMapOvr>
@@ -9070,14 +9033,44 @@
           </a:lstStyle>
           <a:p>
             <a:r>
-              <a:rPr lang="zh-CN" altLang="en-US" sz="4000" b="1" dirty="0">
+              <a:rPr lang="en-US" altLang="zh-CN" sz="4000" b="1" dirty="0" err="1">
                 <a:solidFill>
                   <a:srgbClr val="704F95"/>
                 </a:solidFill>
                 <a:latin typeface="思源宋体 Medium" panose="02020500000000000000" pitchFamily="18" charset="-122"/>
                 <a:ea typeface="思源宋体 Medium" panose="02020500000000000000" pitchFamily="18" charset="-122"/>
               </a:rPr>
-              <a:t>工作过程管理</a:t>
+              <a:t>Uintr</a:t>
+            </a:r>
+            <a:r>
+              <a:rPr lang="zh-CN" altLang="en-US" sz="4000" b="1" dirty="0">
+                <a:solidFill>
+                  <a:srgbClr val="704F95"/>
+                </a:solidFill>
+                <a:latin typeface="思源宋体 Medium" panose="02020500000000000000" pitchFamily="18" charset="-122"/>
+                <a:ea typeface="思源宋体 Medium" panose="02020500000000000000" pitchFamily="18" charset="-122"/>
+              </a:rPr>
+              <a:t>性能测试</a:t>
+            </a:r>
+            <a:r>
+              <a:rPr lang="en-US" altLang="zh-CN" sz="4000" b="1" dirty="0">
+                <a:solidFill>
+                  <a:srgbClr val="704F95"/>
+                </a:solidFill>
+                <a:latin typeface="思源宋体 Medium" panose="02020500000000000000" pitchFamily="18" charset="-122"/>
+                <a:ea typeface="思源宋体 Medium" panose="02020500000000000000" pitchFamily="18" charset="-122"/>
+              </a:rPr>
+              <a:t>-</a:t>
+            </a:r>
+            <a:r>
+              <a:rPr lang="zh-CN" altLang="en-US" sz="4000" b="1" dirty="0">
+                <a:solidFill>
+                  <a:srgbClr val="704F95"/>
+                </a:solidFill>
+                <a:latin typeface="思源宋体 Medium" panose="02020500000000000000" pitchFamily="18" charset="-122"/>
+                <a:ea typeface="思源宋体 Medium" panose="02020500000000000000" pitchFamily="18" charset="-122"/>
+              </a:rPr>
+              <a:t>横向对比</a:t>
             </a:r>
             <a:endParaRPr lang="en-US" altLang="zh-CN" sz="4000" b="1" dirty="0">
               <a:solidFill>
@@ -9144,7 +9137,7 @@
           <p:nvPr/>
         </p:nvPicPr>
         <p:blipFill>
-          <a:blip r:embed="rId1">
+          <a:blip r:embed="rId3">
             <a:clrChange>
               <a:clrFrom>
                 <a:srgbClr val="FFFFFF"/>
@@ -9366,491 +9359,502 @@
           </a:p>
         </p:txBody>
       </p:sp>
-      <p:sp>
-        <p:nvSpPr>
-          <p:cNvPr id="6" name="Content Placeholder 2"/>
-          <p:cNvSpPr txBox="1"/>
+      <p:graphicFrame>
+        <p:nvGraphicFramePr>
+          <p:cNvPr id="2" name="表格 1"/>
+          <p:cNvGraphicFramePr/>
           <p:nvPr/>
-        </p:nvSpPr>
-        <p:spPr>
-          <a:xfrm>
-            <a:off x="1113971" y="1801282"/>
-            <a:ext cx="10515600" cy="4351338"/>
-          </a:xfrm>
-          <a:prstGeom prst="rect">
-            <a:avLst/>
-          </a:prstGeom>
-        </p:spPr>
-        <p:txBody>
-          <a:bodyPr>
-            <a:normAutofit/>
-          </a:bodyPr>
-          <a:lstStyle>
-            <a:lvl1pPr marL="228600" indent="-228600" algn="l" defTabSz="914400" rtl="0" eaLnBrk="1" latinLnBrk="0" hangingPunct="1">
-              <a:lnSpc>
-                <a:spcPct val="90000"/>
-              </a:lnSpc>
-              <a:spcBef>
-                <a:spcPts val="1000"/>
-              </a:spcBef>
-              <a:buFont typeface="Arial" panose="020B0604020202020204" pitchFamily="34" charset="0"/>
-              <a:buChar char="•"/>
-              <a:defRPr sz="2800" kern="1200">
-                <a:solidFill>
-                  <a:schemeClr val="tx1"/>
-                </a:solidFill>
-                <a:latin typeface="+mn-lt"/>
-                <a:ea typeface="+mn-ea"/>
-                <a:cs typeface="+mn-cs"/>
-              </a:defRPr>
-            </a:lvl1pPr>
-            <a:lvl2pPr marL="685800" indent="-228600" algn="l" defTabSz="914400" rtl="0" eaLnBrk="1" latinLnBrk="0" hangingPunct="1">
-              <a:lnSpc>
-                <a:spcPct val="90000"/>
-              </a:lnSpc>
-              <a:spcBef>
-                <a:spcPts val="500"/>
-              </a:spcBef>
-              <a:buFont typeface="Arial" panose="020B0604020202020204" pitchFamily="34" charset="0"/>
-              <a:buChar char="•"/>
-              <a:defRPr sz="2400" kern="1200">
-                <a:solidFill>
-                  <a:schemeClr val="tx1"/>
-                </a:solidFill>
-                <a:latin typeface="+mn-lt"/>
-                <a:ea typeface="+mn-ea"/>
-                <a:cs typeface="+mn-cs"/>
-              </a:defRPr>
-            </a:lvl2pPr>
-            <a:lvl3pPr marL="1143000" indent="-228600" algn="l" defTabSz="914400" rtl="0" eaLnBrk="1" latinLnBrk="0" hangingPunct="1">
-              <a:lnSpc>
-                <a:spcPct val="90000"/>
-              </a:lnSpc>
-              <a:spcBef>
-                <a:spcPts val="500"/>
-              </a:spcBef>
-              <a:buFont typeface="Arial" panose="020B0604020202020204" pitchFamily="34" charset="0"/>
-              <a:buChar char="•"/>
-              <a:defRPr sz="2000" kern="1200">
-                <a:solidFill>
-                  <a:schemeClr val="tx1"/>
-                </a:solidFill>
-                <a:latin typeface="+mn-lt"/>
-                <a:ea typeface="+mn-ea"/>
-                <a:cs typeface="+mn-cs"/>
-              </a:defRPr>
-            </a:lvl3pPr>
-            <a:lvl4pPr marL="1600200" indent="-228600" algn="l" defTabSz="914400" rtl="0" eaLnBrk="1" latinLnBrk="0" hangingPunct="1">
-              <a:lnSpc>
-                <a:spcPct val="90000"/>
-              </a:lnSpc>
-              <a:spcBef>
-                <a:spcPts val="500"/>
-              </a:spcBef>
-              <a:buFont typeface="Arial" panose="020B0604020202020204" pitchFamily="34" charset="0"/>
-              <a:buChar char="•"/>
-              <a:defRPr sz="1800" kern="1200">
-                <a:solidFill>
-                  <a:schemeClr val="tx1"/>
-                </a:solidFill>
-                <a:latin typeface="+mn-lt"/>
-                <a:ea typeface="+mn-ea"/>
-                <a:cs typeface="+mn-cs"/>
-              </a:defRPr>
-            </a:lvl4pPr>
-            <a:lvl5pPr marL="2057400" indent="-228600" algn="l" defTabSz="914400" rtl="0" eaLnBrk="1" latinLnBrk="0" hangingPunct="1">
-              <a:lnSpc>
-                <a:spcPct val="90000"/>
-              </a:lnSpc>
-              <a:spcBef>
-                <a:spcPts val="500"/>
-              </a:spcBef>
-              <a:buFont typeface="Arial" panose="020B0604020202020204" pitchFamily="34" charset="0"/>
-              <a:buChar char="•"/>
-              <a:defRPr sz="1800" kern="1200">
-                <a:solidFill>
-                  <a:schemeClr val="tx1"/>
-                </a:solidFill>
-                <a:latin typeface="+mn-lt"/>
-                <a:ea typeface="+mn-ea"/>
-                <a:cs typeface="+mn-cs"/>
-              </a:defRPr>
-            </a:lvl5pPr>
-            <a:lvl6pPr marL="2514600" indent="-228600" algn="l" defTabSz="914400" rtl="0" eaLnBrk="1" latinLnBrk="0" hangingPunct="1">
-              <a:lnSpc>
-                <a:spcPct val="90000"/>
-              </a:lnSpc>
-              <a:spcBef>
-                <a:spcPts val="500"/>
-              </a:spcBef>
-              <a:buFont typeface="Arial" panose="020B0604020202020204" pitchFamily="34" charset="0"/>
-              <a:buChar char="•"/>
-              <a:defRPr sz="1800" kern="1200">
-                <a:solidFill>
-                  <a:schemeClr val="tx1"/>
-                </a:solidFill>
-                <a:latin typeface="+mn-lt"/>
-                <a:ea typeface="+mn-ea"/>
-                <a:cs typeface="+mn-cs"/>
-              </a:defRPr>
-            </a:lvl6pPr>
-            <a:lvl7pPr marL="2971800" indent="-228600" algn="l" defTabSz="914400" rtl="0" eaLnBrk="1" latinLnBrk="0" hangingPunct="1">
-              <a:lnSpc>
-                <a:spcPct val="90000"/>
-              </a:lnSpc>
-              <a:spcBef>
-                <a:spcPts val="500"/>
-              </a:spcBef>
-              <a:buFont typeface="Arial" panose="020B0604020202020204" pitchFamily="34" charset="0"/>
-              <a:buChar char="•"/>
-              <a:defRPr sz="1800" kern="1200">
-                <a:solidFill>
-                  <a:schemeClr val="tx1"/>
-                </a:solidFill>
-                <a:latin typeface="+mn-lt"/>
-                <a:ea typeface="+mn-ea"/>
-                <a:cs typeface="+mn-cs"/>
-              </a:defRPr>
-            </a:lvl7pPr>
-            <a:lvl8pPr marL="3429000" indent="-228600" algn="l" defTabSz="914400" rtl="0" eaLnBrk="1" latinLnBrk="0" hangingPunct="1">
-              <a:lnSpc>
-                <a:spcPct val="90000"/>
-              </a:lnSpc>
-              <a:spcBef>
-                <a:spcPts val="500"/>
-              </a:spcBef>
-              <a:buFont typeface="Arial" panose="020B0604020202020204" pitchFamily="34" charset="0"/>
-              <a:buChar char="•"/>
-              <a:defRPr sz="1800" kern="1200">
-                <a:solidFill>
-                  <a:schemeClr val="tx1"/>
-                </a:solidFill>
-                <a:latin typeface="+mn-lt"/>
-                <a:ea typeface="+mn-ea"/>
-                <a:cs typeface="+mn-cs"/>
-              </a:defRPr>
-            </a:lvl8pPr>
-            <a:lvl9pPr marL="3886200" indent="-228600" algn="l" defTabSz="914400" rtl="0" eaLnBrk="1" latinLnBrk="0" hangingPunct="1">
-              <a:lnSpc>
-                <a:spcPct val="90000"/>
-              </a:lnSpc>
-              <a:spcBef>
-                <a:spcPts val="500"/>
-              </a:spcBef>
-              <a:buFont typeface="Arial" panose="020B0604020202020204" pitchFamily="34" charset="0"/>
-              <a:buChar char="•"/>
-              <a:defRPr sz="1800" kern="1200">
-                <a:solidFill>
-                  <a:schemeClr val="tx1"/>
-                </a:solidFill>
-                <a:latin typeface="+mn-lt"/>
-                <a:ea typeface="+mn-ea"/>
-                <a:cs typeface="+mn-cs"/>
-              </a:defRPr>
-            </a:lvl9pPr>
-          </a:lstStyle>
-          <a:p>
-            <a:endParaRPr lang="en-US" altLang="zh-CN" dirty="0">
-              <a:latin typeface="+mn-ea"/>
-            </a:endParaRPr>
-          </a:p>
-        </p:txBody>
-      </p:sp>
-      <p:sp>
-        <p:nvSpPr>
-          <p:cNvPr id="15" name="Content Placeholder 2"/>
-          <p:cNvSpPr txBox="1"/>
-          <p:nvPr/>
-        </p:nvSpPr>
-        <p:spPr>
-          <a:xfrm>
-            <a:off x="1113971" y="1758689"/>
-            <a:ext cx="6954264" cy="2174628"/>
-          </a:xfrm>
-          <a:prstGeom prst="rect">
-            <a:avLst/>
-          </a:prstGeom>
-        </p:spPr>
-        <p:txBody>
-          <a:bodyPr>
-            <a:normAutofit/>
-          </a:bodyPr>
-          <a:lstStyle>
-            <a:lvl1pPr marL="228600" indent="-228600" algn="l" defTabSz="914400" rtl="0" eaLnBrk="1" latinLnBrk="0" hangingPunct="1">
-              <a:lnSpc>
-                <a:spcPct val="90000"/>
-              </a:lnSpc>
-              <a:spcBef>
-                <a:spcPts val="1000"/>
-              </a:spcBef>
-              <a:buFont typeface="Arial" panose="020B0604020202020204" pitchFamily="34" charset="0"/>
-              <a:buChar char="•"/>
-              <a:defRPr sz="2800" kern="1200">
-                <a:solidFill>
-                  <a:schemeClr val="tx1"/>
-                </a:solidFill>
-                <a:latin typeface="+mn-lt"/>
-                <a:ea typeface="+mn-ea"/>
-                <a:cs typeface="+mn-cs"/>
-              </a:defRPr>
-            </a:lvl1pPr>
-            <a:lvl2pPr marL="685800" indent="-228600" algn="l" defTabSz="914400" rtl="0" eaLnBrk="1" latinLnBrk="0" hangingPunct="1">
-              <a:lnSpc>
-                <a:spcPct val="90000"/>
-              </a:lnSpc>
-              <a:spcBef>
-                <a:spcPts val="500"/>
-              </a:spcBef>
-              <a:buFont typeface="Arial" panose="020B0604020202020204" pitchFamily="34" charset="0"/>
-              <a:buChar char="•"/>
-              <a:defRPr sz="2400" kern="1200">
-                <a:solidFill>
-                  <a:schemeClr val="tx1"/>
-                </a:solidFill>
-                <a:latin typeface="+mn-lt"/>
-                <a:ea typeface="+mn-ea"/>
-                <a:cs typeface="+mn-cs"/>
-              </a:defRPr>
-            </a:lvl2pPr>
-            <a:lvl3pPr marL="1143000" indent="-228600" algn="l" defTabSz="914400" rtl="0" eaLnBrk="1" latinLnBrk="0" hangingPunct="1">
-              <a:lnSpc>
-                <a:spcPct val="90000"/>
-              </a:lnSpc>
-              <a:spcBef>
-                <a:spcPts val="500"/>
-              </a:spcBef>
-              <a:buFont typeface="Arial" panose="020B0604020202020204" pitchFamily="34" charset="0"/>
-              <a:buChar char="•"/>
-              <a:defRPr sz="2000" kern="1200">
-                <a:solidFill>
-                  <a:schemeClr val="tx1"/>
-                </a:solidFill>
-                <a:latin typeface="+mn-lt"/>
-                <a:ea typeface="+mn-ea"/>
-                <a:cs typeface="+mn-cs"/>
-              </a:defRPr>
-            </a:lvl3pPr>
-            <a:lvl4pPr marL="1600200" indent="-228600" algn="l" defTabSz="914400" rtl="0" eaLnBrk="1" latinLnBrk="0" hangingPunct="1">
-              <a:lnSpc>
-                <a:spcPct val="90000"/>
-              </a:lnSpc>
-              <a:spcBef>
-                <a:spcPts val="500"/>
-              </a:spcBef>
-              <a:buFont typeface="Arial" panose="020B0604020202020204" pitchFamily="34" charset="0"/>
-              <a:buChar char="•"/>
-              <a:defRPr sz="1800" kern="1200">
-                <a:solidFill>
-                  <a:schemeClr val="tx1"/>
-                </a:solidFill>
-                <a:latin typeface="+mn-lt"/>
-                <a:ea typeface="+mn-ea"/>
-                <a:cs typeface="+mn-cs"/>
-              </a:defRPr>
-            </a:lvl4pPr>
-            <a:lvl5pPr marL="2057400" indent="-228600" algn="l" defTabSz="914400" rtl="0" eaLnBrk="1" latinLnBrk="0" hangingPunct="1">
-              <a:lnSpc>
-                <a:spcPct val="90000"/>
-              </a:lnSpc>
-              <a:spcBef>
-                <a:spcPts val="500"/>
-              </a:spcBef>
-              <a:buFont typeface="Arial" panose="020B0604020202020204" pitchFamily="34" charset="0"/>
-              <a:buChar char="•"/>
-              <a:defRPr sz="1800" kern="1200">
-                <a:solidFill>
-                  <a:schemeClr val="tx1"/>
-                </a:solidFill>
-                <a:latin typeface="+mn-lt"/>
-                <a:ea typeface="+mn-ea"/>
-                <a:cs typeface="+mn-cs"/>
-              </a:defRPr>
-            </a:lvl5pPr>
-            <a:lvl6pPr marL="2514600" indent="-228600" algn="l" defTabSz="914400" rtl="0" eaLnBrk="1" latinLnBrk="0" hangingPunct="1">
-              <a:lnSpc>
-                <a:spcPct val="90000"/>
-              </a:lnSpc>
-              <a:spcBef>
-                <a:spcPts val="500"/>
-              </a:spcBef>
-              <a:buFont typeface="Arial" panose="020B0604020202020204" pitchFamily="34" charset="0"/>
-              <a:buChar char="•"/>
-              <a:defRPr sz="1800" kern="1200">
-                <a:solidFill>
-                  <a:schemeClr val="tx1"/>
-                </a:solidFill>
-                <a:latin typeface="+mn-lt"/>
-                <a:ea typeface="+mn-ea"/>
-                <a:cs typeface="+mn-cs"/>
-              </a:defRPr>
-            </a:lvl6pPr>
-            <a:lvl7pPr marL="2971800" indent="-228600" algn="l" defTabSz="914400" rtl="0" eaLnBrk="1" latinLnBrk="0" hangingPunct="1">
-              <a:lnSpc>
-                <a:spcPct val="90000"/>
-              </a:lnSpc>
-              <a:spcBef>
-                <a:spcPts val="500"/>
-              </a:spcBef>
-              <a:buFont typeface="Arial" panose="020B0604020202020204" pitchFamily="34" charset="0"/>
-              <a:buChar char="•"/>
-              <a:defRPr sz="1800" kern="1200">
-                <a:solidFill>
-                  <a:schemeClr val="tx1"/>
-                </a:solidFill>
-                <a:latin typeface="+mn-lt"/>
-                <a:ea typeface="+mn-ea"/>
-                <a:cs typeface="+mn-cs"/>
-              </a:defRPr>
-            </a:lvl7pPr>
-            <a:lvl8pPr marL="3429000" indent="-228600" algn="l" defTabSz="914400" rtl="0" eaLnBrk="1" latinLnBrk="0" hangingPunct="1">
-              <a:lnSpc>
-                <a:spcPct val="90000"/>
-              </a:lnSpc>
-              <a:spcBef>
-                <a:spcPts val="500"/>
-              </a:spcBef>
-              <a:buFont typeface="Arial" panose="020B0604020202020204" pitchFamily="34" charset="0"/>
-              <a:buChar char="•"/>
-              <a:defRPr sz="1800" kern="1200">
-                <a:solidFill>
-                  <a:schemeClr val="tx1"/>
-                </a:solidFill>
-                <a:latin typeface="+mn-lt"/>
-                <a:ea typeface="+mn-ea"/>
-                <a:cs typeface="+mn-cs"/>
-              </a:defRPr>
-            </a:lvl8pPr>
-            <a:lvl9pPr marL="3886200" indent="-228600" algn="l" defTabSz="914400" rtl="0" eaLnBrk="1" latinLnBrk="0" hangingPunct="1">
-              <a:lnSpc>
-                <a:spcPct val="90000"/>
-              </a:lnSpc>
-              <a:spcBef>
-                <a:spcPts val="500"/>
-              </a:spcBef>
-              <a:buFont typeface="Arial" panose="020B0604020202020204" pitchFamily="34" charset="0"/>
-              <a:buChar char="•"/>
-              <a:defRPr sz="1800" kern="1200">
-                <a:solidFill>
-                  <a:schemeClr val="tx1"/>
-                </a:solidFill>
-                <a:latin typeface="+mn-lt"/>
-                <a:ea typeface="+mn-ea"/>
-                <a:cs typeface="+mn-cs"/>
-              </a:defRPr>
-            </a:lvl9pPr>
-          </a:lstStyle>
-          <a:p>
-            <a:r>
-              <a:rPr lang="zh-CN" altLang="en-US" dirty="0">
-                <a:latin typeface="+mn-ea"/>
-              </a:rPr>
-              <a:t>万字工作文档，详细记录问题解决过程</a:t>
-            </a:r>
-            <a:endParaRPr lang="en-US" altLang="zh-CN" dirty="0">
-              <a:latin typeface="+mn-ea"/>
-            </a:endParaRPr>
-          </a:p>
-          <a:p>
-            <a:r>
-              <a:rPr lang="en-US" altLang="zh-CN" dirty="0">
-                <a:latin typeface="+mn-ea"/>
-              </a:rPr>
-              <a:t>5k</a:t>
-            </a:r>
-            <a:r>
-              <a:rPr lang="zh-CN" altLang="en-US" dirty="0">
-                <a:latin typeface="+mn-ea"/>
-              </a:rPr>
-              <a:t>字</a:t>
-            </a:r>
-            <a:r>
-              <a:rPr lang="en-US" altLang="zh-CN" dirty="0" err="1">
-                <a:latin typeface="+mn-ea"/>
-              </a:rPr>
-              <a:t>qemu</a:t>
-            </a:r>
-            <a:r>
-              <a:rPr lang="en-US" altLang="zh-CN" dirty="0">
-                <a:latin typeface="+mn-ea"/>
-              </a:rPr>
-              <a:t>-tutorial</a:t>
-            </a:r>
-            <a:r>
-              <a:rPr lang="zh-CN" altLang="en-US" dirty="0">
-                <a:latin typeface="+mn-ea"/>
-              </a:rPr>
-              <a:t>，代码级</a:t>
-            </a:r>
-            <a:r>
-              <a:rPr lang="en-US" altLang="zh-CN" dirty="0" err="1">
-                <a:latin typeface="+mn-ea"/>
-              </a:rPr>
-              <a:t>qemu</a:t>
-            </a:r>
-            <a:r>
-              <a:rPr lang="zh-CN" altLang="en-US" dirty="0">
-                <a:latin typeface="+mn-ea"/>
-              </a:rPr>
-              <a:t>教程</a:t>
-            </a:r>
-            <a:endParaRPr lang="en-US" altLang="zh-CN" dirty="0">
-              <a:latin typeface="+mn-ea"/>
-            </a:endParaRPr>
-          </a:p>
-          <a:p>
-            <a:r>
-              <a:rPr lang="zh-CN" altLang="en-US" dirty="0">
-                <a:latin typeface="+mn-ea"/>
-              </a:rPr>
-              <a:t>每周展示</a:t>
-            </a:r>
-            <a:r>
-              <a:rPr lang="en-US" altLang="zh-CN" dirty="0">
-                <a:latin typeface="+mn-ea"/>
-              </a:rPr>
-              <a:t>ppt</a:t>
-            </a:r>
-            <a:r>
-              <a:rPr lang="zh-CN" altLang="en-US" dirty="0">
-                <a:latin typeface="+mn-ea"/>
-              </a:rPr>
-              <a:t>，周工作记录</a:t>
-            </a:r>
-            <a:endParaRPr lang="en-US" altLang="zh-CN" dirty="0">
-              <a:latin typeface="+mn-ea"/>
-            </a:endParaRPr>
-          </a:p>
-          <a:p>
-            <a:r>
-              <a:rPr lang="zh-CN" altLang="en-US" dirty="0">
-                <a:latin typeface="+mn-ea"/>
-              </a:rPr>
-              <a:t>更多的</a:t>
-            </a:r>
-            <a:r>
-              <a:rPr lang="en-US" altLang="zh-CN" dirty="0">
-                <a:latin typeface="+mn-ea"/>
-              </a:rPr>
-              <a:t>debug</a:t>
-            </a:r>
-            <a:r>
-              <a:rPr lang="zh-CN" altLang="en-US" dirty="0">
-                <a:latin typeface="+mn-ea"/>
-              </a:rPr>
-              <a:t>过程</a:t>
-            </a:r>
-            <a:r>
-              <a:rPr lang="en-US" altLang="zh-CN" dirty="0">
-                <a:latin typeface="+mn-ea"/>
-              </a:rPr>
-              <a:t>……</a:t>
-            </a:r>
-            <a:endParaRPr lang="en-US" altLang="zh-CN" dirty="0">
-              <a:latin typeface="+mn-ea"/>
-            </a:endParaRPr>
-          </a:p>
-        </p:txBody>
-      </p:sp>
+        </p:nvGraphicFramePr>
+        <p:xfrm>
+          <a:off x="2046605" y="1905000"/>
+          <a:ext cx="8881745" cy="3048000"/>
+        </p:xfrm>
+        <a:graphic>
+          <a:graphicData uri="http://schemas.openxmlformats.org/drawingml/2006/table">
+            <a:tbl>
+              <a:tblPr firstRow="1" bandRow="1">
+                <a:tableStyleId>{5940675A-B579-460E-94D1-54222C63F5DA}</a:tableStyleId>
+              </a:tblPr>
+              <a:tblGrid>
+                <a:gridCol w="2004060">
+                  <a:extLst>
+                    <a:ext uri="{9D8B030D-6E8A-4147-A177-3AD203B41FA5}">
+                      <a16:colId xmlns:a16="http://schemas.microsoft.com/office/drawing/2014/main" val="20000"/>
+                    </a:ext>
+                  </a:extLst>
+                </a:gridCol>
+                <a:gridCol w="3378835">
+                  <a:extLst>
+                    <a:ext uri="{9D8B030D-6E8A-4147-A177-3AD203B41FA5}">
+                      <a16:colId xmlns:a16="http://schemas.microsoft.com/office/drawing/2014/main" val="20001"/>
+                    </a:ext>
+                  </a:extLst>
+                </a:gridCol>
+                <a:gridCol w="3498850">
+                  <a:extLst>
+                    <a:ext uri="{9D8B030D-6E8A-4147-A177-3AD203B41FA5}">
+                      <a16:colId xmlns:a16="http://schemas.microsoft.com/office/drawing/2014/main" val="20002"/>
+                    </a:ext>
+                  </a:extLst>
+                </a:gridCol>
+              </a:tblGrid>
+              <a:tr h="381000">
+                <a:tc>
+                  <a:txBody>
+                    <a:bodyPr/>
+                    <a:lstStyle/>
+                    <a:p>
+                      <a:pPr algn="ctr">
+                        <a:buNone/>
+                      </a:pPr>
+                      <a:r>
+                        <a:rPr lang="en-US" altLang="zh-CN"/>
+                        <a:t>IPC type</a:t>
+                      </a:r>
+                    </a:p>
+                  </a:txBody>
+                  <a:tcPr anchor="ctr"/>
+                </a:tc>
+                <a:tc>
+                  <a:txBody>
+                    <a:bodyPr/>
+                    <a:lstStyle/>
+                    <a:p>
+                      <a:pPr algn="ctr">
+                        <a:buNone/>
+                      </a:pPr>
+                      <a:r>
+                        <a:rPr lang="zh-CN" altLang="en-US"/>
+                        <a:t>Message rate</a:t>
+                      </a:r>
+                      <a:r>
+                        <a:rPr lang="en-US" altLang="zh-CN"/>
+                        <a:t> (msg/s, size = 1)</a:t>
+                      </a:r>
+                    </a:p>
+                  </a:txBody>
+                  <a:tcPr anchor="ctr"/>
+                </a:tc>
+                <a:tc>
+                  <a:txBody>
+                    <a:bodyPr/>
+                    <a:lstStyle/>
+                    <a:p>
+                      <a:pPr algn="ctr">
+                        <a:buNone/>
+                      </a:pPr>
+                      <a:r>
+                        <a:rPr lang="zh-CN" altLang="en-US" sz="1800">
+                          <a:sym typeface="+mn-ea"/>
+                        </a:rPr>
+                        <a:t>Message rate</a:t>
+                      </a:r>
+                      <a:r>
+                        <a:rPr lang="en-US" altLang="zh-CN" sz="1800">
+                          <a:sym typeface="+mn-ea"/>
+                        </a:rPr>
+                        <a:t> (msg/s, size = 4096)</a:t>
+                      </a:r>
+                      <a:endParaRPr lang="zh-CN" altLang="en-US"/>
+                    </a:p>
+                  </a:txBody>
+                  <a:tcPr anchor="ctr"/>
+                </a:tc>
+                <a:extLst>
+                  <a:ext uri="{0D108BD9-81ED-4DB2-BD59-A6C34878D82A}">
+                    <a16:rowId xmlns:a16="http://schemas.microsoft.com/office/drawing/2014/main" val="10000"/>
+                  </a:ext>
+                </a:extLst>
+              </a:tr>
+              <a:tr h="381000">
+                <a:tc>
+                  <a:txBody>
+                    <a:bodyPr/>
+                    <a:lstStyle/>
+                    <a:p>
+                      <a:pPr algn="ctr">
+                        <a:buNone/>
+                      </a:pPr>
+                      <a:r>
+                        <a:rPr lang="en-US" altLang="zh-CN"/>
+                        <a:t>uintr (thread)</a:t>
+                      </a:r>
+                    </a:p>
+                  </a:txBody>
+                  <a:tcPr anchor="ctr"/>
+                </a:tc>
+                <a:tc>
+                  <a:txBody>
+                    <a:bodyPr/>
+                    <a:lstStyle/>
+                    <a:p>
+                      <a:pPr algn="ctr">
+                        <a:buNone/>
+                      </a:pPr>
+                      <a:r>
+                        <a:rPr lang="en-US" altLang="zh-CN"/>
+                        <a:t>28935</a:t>
+                      </a:r>
+                    </a:p>
+                  </a:txBody>
+                  <a:tcPr anchor="ctr"/>
+                </a:tc>
+                <a:tc>
+                  <a:txBody>
+                    <a:bodyPr/>
+                    <a:lstStyle/>
+                    <a:p>
+                      <a:pPr algn="ctr">
+                        <a:buNone/>
+                      </a:pPr>
+                      <a:r>
+                        <a:rPr lang="en-US" altLang="zh-CN"/>
+                        <a:t>23305</a:t>
+                      </a:r>
+                    </a:p>
+                  </a:txBody>
+                  <a:tcPr anchor="ctr"/>
+                </a:tc>
+                <a:extLst>
+                  <a:ext uri="{0D108BD9-81ED-4DB2-BD59-A6C34878D82A}">
+                    <a16:rowId xmlns:a16="http://schemas.microsoft.com/office/drawing/2014/main" val="10001"/>
+                  </a:ext>
+                </a:extLst>
+              </a:tr>
+              <a:tr h="381000">
+                <a:tc>
+                  <a:txBody>
+                    <a:bodyPr/>
+                    <a:lstStyle/>
+                    <a:p>
+                      <a:pPr algn="ctr">
+                        <a:buNone/>
+                      </a:pPr>
+                      <a:r>
+                        <a:rPr lang="en-US" altLang="zh-CN"/>
+                        <a:t>uintr (process)</a:t>
+                      </a:r>
+                    </a:p>
+                  </a:txBody>
+                  <a:tcPr anchor="ctr"/>
+                </a:tc>
+                <a:tc>
+                  <a:txBody>
+                    <a:bodyPr/>
+                    <a:lstStyle/>
+                    <a:p>
+                      <a:pPr algn="ctr">
+                        <a:buNone/>
+                      </a:pPr>
+                      <a:r>
+                        <a:rPr lang="en-US" altLang="zh-CN"/>
+                        <a:t>34392</a:t>
+                      </a:r>
+                    </a:p>
+                  </a:txBody>
+                  <a:tcPr anchor="ctr"/>
+                </a:tc>
+                <a:tc>
+                  <a:txBody>
+                    <a:bodyPr/>
+                    <a:lstStyle/>
+                    <a:p>
+                      <a:pPr algn="ctr">
+                        <a:buNone/>
+                      </a:pPr>
+                      <a:r>
+                        <a:rPr lang="en-US" altLang="zh-CN"/>
+                        <a:t>22662</a:t>
+                      </a:r>
+                    </a:p>
+                  </a:txBody>
+                  <a:tcPr anchor="ctr"/>
+                </a:tc>
+                <a:extLst>
+                  <a:ext uri="{0D108BD9-81ED-4DB2-BD59-A6C34878D82A}">
+                    <a16:rowId xmlns:a16="http://schemas.microsoft.com/office/drawing/2014/main" val="10002"/>
+                  </a:ext>
+                </a:extLst>
+              </a:tr>
+              <a:tr h="381000">
+                <a:tc>
+                  <a:txBody>
+                    <a:bodyPr/>
+                    <a:lstStyle/>
+                    <a:p>
+                      <a:pPr algn="ctr">
+                        <a:buNone/>
+                      </a:pPr>
+                      <a:r>
+                        <a:rPr lang="en-US" altLang="zh-CN"/>
+                        <a:t>signal</a:t>
+                      </a:r>
+                    </a:p>
+                  </a:txBody>
+                  <a:tcPr anchor="ctr"/>
+                </a:tc>
+                <a:tc>
+                  <a:txBody>
+                    <a:bodyPr/>
+                    <a:lstStyle/>
+                    <a:p>
+                      <a:pPr algn="ctr">
+                        <a:buNone/>
+                      </a:pPr>
+                      <a:r>
+                        <a:rPr lang="en-US" altLang="zh-CN"/>
+                        <a:t>6286</a:t>
+                      </a:r>
+                    </a:p>
+                  </a:txBody>
+                  <a:tcPr anchor="ctr"/>
+                </a:tc>
+                <a:tc>
+                  <a:txBody>
+                    <a:bodyPr/>
+                    <a:lstStyle/>
+                    <a:p>
+                      <a:pPr algn="ctr">
+                        <a:buNone/>
+                      </a:pPr>
+                      <a:r>
+                        <a:rPr lang="en-US" altLang="zh-CN"/>
+                        <a:t>N/A</a:t>
+                      </a:r>
+                    </a:p>
+                  </a:txBody>
+                  <a:tcPr anchor="ctr"/>
+                </a:tc>
+                <a:extLst>
+                  <a:ext uri="{0D108BD9-81ED-4DB2-BD59-A6C34878D82A}">
+                    <a16:rowId xmlns:a16="http://schemas.microsoft.com/office/drawing/2014/main" val="10003"/>
+                  </a:ext>
+                </a:extLst>
+              </a:tr>
+              <a:tr h="381000">
+                <a:tc>
+                  <a:txBody>
+                    <a:bodyPr/>
+                    <a:lstStyle/>
+                    <a:p>
+                      <a:pPr algn="ctr">
+                        <a:buNone/>
+                      </a:pPr>
+                      <a:r>
+                        <a:rPr lang="en-US" altLang="zh-CN"/>
+                        <a:t>eventfd</a:t>
+                      </a:r>
+                    </a:p>
+                  </a:txBody>
+                  <a:tcPr anchor="ctr"/>
+                </a:tc>
+                <a:tc>
+                  <a:txBody>
+                    <a:bodyPr/>
+                    <a:lstStyle/>
+                    <a:p>
+                      <a:pPr algn="ctr">
+                        <a:buNone/>
+                      </a:pPr>
+                      <a:r>
+                        <a:rPr lang="en-US" altLang="zh-CN"/>
+                        <a:t>6649</a:t>
+                      </a:r>
+                    </a:p>
+                  </a:txBody>
+                  <a:tcPr anchor="ctr"/>
+                </a:tc>
+                <a:tc>
+                  <a:txBody>
+                    <a:bodyPr/>
+                    <a:lstStyle/>
+                    <a:p>
+                      <a:pPr algn="ctr">
+                        <a:buNone/>
+                      </a:pPr>
+                      <a:r>
+                        <a:rPr lang="en-US" altLang="zh-CN"/>
+                        <a:t>N/A</a:t>
+                      </a:r>
+                    </a:p>
+                  </a:txBody>
+                  <a:tcPr anchor="ctr"/>
+                </a:tc>
+                <a:extLst>
+                  <a:ext uri="{0D108BD9-81ED-4DB2-BD59-A6C34878D82A}">
+                    <a16:rowId xmlns:a16="http://schemas.microsoft.com/office/drawing/2014/main" val="10004"/>
+                  </a:ext>
+                </a:extLst>
+              </a:tr>
+              <a:tr h="381000">
+                <a:tc>
+                  <a:txBody>
+                    <a:bodyPr/>
+                    <a:lstStyle/>
+                    <a:p>
+                      <a:pPr algn="ctr">
+                        <a:buNone/>
+                      </a:pPr>
+                      <a:r>
+                        <a:rPr lang="en-US" altLang="zh-CN"/>
+                        <a:t>pipe</a:t>
+                      </a:r>
+                    </a:p>
+                  </a:txBody>
+                  <a:tcPr anchor="ctr"/>
+                </a:tc>
+                <a:tc>
+                  <a:txBody>
+                    <a:bodyPr/>
+                    <a:lstStyle/>
+                    <a:p>
+                      <a:pPr algn="ctr">
+                        <a:buNone/>
+                      </a:pPr>
+                      <a:r>
+                        <a:rPr lang="en-US" altLang="zh-CN"/>
+                        <a:t>2858</a:t>
+                      </a:r>
+                    </a:p>
+                  </a:txBody>
+                  <a:tcPr anchor="ctr"/>
+                </a:tc>
+                <a:tc>
+                  <a:txBody>
+                    <a:bodyPr/>
+                    <a:lstStyle/>
+                    <a:p>
+                      <a:pPr algn="ctr">
+                        <a:buNone/>
+                      </a:pPr>
+                      <a:r>
+                        <a:rPr lang="en-US" altLang="zh-CN"/>
+                        <a:t>2256</a:t>
+                      </a:r>
+                    </a:p>
+                  </a:txBody>
+                  <a:tcPr anchor="ctr"/>
+                </a:tc>
+                <a:extLst>
+                  <a:ext uri="{0D108BD9-81ED-4DB2-BD59-A6C34878D82A}">
+                    <a16:rowId xmlns:a16="http://schemas.microsoft.com/office/drawing/2014/main" val="10005"/>
+                  </a:ext>
+                </a:extLst>
+              </a:tr>
+              <a:tr h="381000">
+                <a:tc>
+                  <a:txBody>
+                    <a:bodyPr/>
+                    <a:lstStyle/>
+                    <a:p>
+                      <a:pPr algn="ctr">
+                        <a:buNone/>
+                      </a:pPr>
+                      <a:r>
+                        <a:rPr lang="en-US" altLang="zh-CN"/>
+                        <a:t>fifo</a:t>
+                      </a:r>
+                    </a:p>
+                  </a:txBody>
+                  <a:tcPr anchor="ctr"/>
+                </a:tc>
+                <a:tc>
+                  <a:txBody>
+                    <a:bodyPr/>
+                    <a:lstStyle/>
+                    <a:p>
+                      <a:pPr algn="ctr">
+                        <a:buNone/>
+                      </a:pPr>
+                      <a:r>
+                        <a:rPr lang="en-US" altLang="zh-CN"/>
+                        <a:t>2782</a:t>
+                      </a:r>
+                    </a:p>
+                  </a:txBody>
+                  <a:tcPr anchor="ctr"/>
+                </a:tc>
+                <a:tc>
+                  <a:txBody>
+                    <a:bodyPr/>
+                    <a:lstStyle/>
+                    <a:p>
+                      <a:pPr algn="ctr">
+                        <a:buNone/>
+                      </a:pPr>
+                      <a:r>
+                        <a:rPr lang="en-US" altLang="zh-CN"/>
+                        <a:t>2674</a:t>
+                      </a:r>
+                    </a:p>
+                  </a:txBody>
+                  <a:tcPr anchor="ctr"/>
+                </a:tc>
+                <a:extLst>
+                  <a:ext uri="{0D108BD9-81ED-4DB2-BD59-A6C34878D82A}">
+                    <a16:rowId xmlns:a16="http://schemas.microsoft.com/office/drawing/2014/main" val="10006"/>
+                  </a:ext>
+                </a:extLst>
+              </a:tr>
+              <a:tr h="381000">
+                <a:tc>
+                  <a:txBody>
+                    <a:bodyPr/>
+                    <a:lstStyle/>
+                    <a:p>
+                      <a:pPr algn="ctr">
+                        <a:buNone/>
+                      </a:pPr>
+                      <a:r>
+                        <a:rPr lang="en-US" altLang="zh-CN" dirty="0"/>
+                        <a:t>domain</a:t>
+                      </a:r>
+                    </a:p>
+                  </a:txBody>
+                  <a:tcPr anchor="ctr"/>
+                </a:tc>
+                <a:tc>
+                  <a:txBody>
+                    <a:bodyPr/>
+                    <a:lstStyle/>
+                    <a:p>
+                      <a:pPr algn="ctr">
+                        <a:buNone/>
+                      </a:pPr>
+                      <a:r>
+                        <a:rPr lang="en-US" altLang="zh-CN"/>
+                        <a:t>4835</a:t>
+                      </a:r>
+                    </a:p>
+                  </a:txBody>
+                  <a:tcPr anchor="ctr"/>
+                </a:tc>
+                <a:tc>
+                  <a:txBody>
+                    <a:bodyPr/>
+                    <a:lstStyle/>
+                    <a:p>
+                      <a:pPr algn="ctr">
+                        <a:buNone/>
+                      </a:pPr>
+                      <a:r>
+                        <a:rPr lang="en-US" altLang="zh-CN" dirty="0"/>
+                        <a:t>2781</a:t>
+                      </a:r>
+                    </a:p>
+                  </a:txBody>
+                  <a:tcPr anchor="ctr"/>
+                </a:tc>
+                <a:extLst>
+                  <a:ext uri="{0D108BD9-81ED-4DB2-BD59-A6C34878D82A}">
+                    <a16:rowId xmlns:a16="http://schemas.microsoft.com/office/drawing/2014/main" val="10007"/>
+                  </a:ext>
+                </a:extLst>
+              </a:tr>
+            </a:tbl>
+          </a:graphicData>
+        </a:graphic>
+      </p:graphicFrame>
     </p:spTree>
   </p:cSld>
   <p:clrMapOvr>
@@ -9921,7 +9925,7 @@
                 <a:latin typeface="思源宋体 Medium" panose="02020500000000000000" pitchFamily="18" charset="-122"/>
                 <a:ea typeface="思源宋体 Medium" panose="02020500000000000000" pitchFamily="18" charset="-122"/>
               </a:rPr>
-              <a:t>感想</a:t>
+              <a:t>工作过程管理</a:t>
             </a:r>
             <a:endParaRPr lang="en-US" altLang="zh-CN" sz="4000" b="1" dirty="0">
               <a:solidFill>
@@ -9988,7 +9992,7 @@
           <p:nvPr/>
         </p:nvPicPr>
         <p:blipFill>
-          <a:blip r:embed="rId1">
+          <a:blip r:embed="rId3">
             <a:clrChange>
               <a:clrFrom>
                 <a:srgbClr val="FFFFFF"/>
@@ -10408,8 +10412,8 @@
         </p:nvSpPr>
         <p:spPr>
           <a:xfrm>
-            <a:off x="1113790" y="1758950"/>
-            <a:ext cx="10515600" cy="3631565"/>
+            <a:off x="1113971" y="1758689"/>
+            <a:ext cx="6954264" cy="2174628"/>
           </a:xfrm>
           <a:prstGeom prst="rect">
             <a:avLst/>
@@ -10584,74 +10588,111 @@
             </a:lvl9pPr>
           </a:lstStyle>
           <a:p>
-            <a:pPr marL="0" indent="0">
-              <a:buNone/>
-            </a:pPr>
+            <a:r>
+              <a:rPr lang="zh-CN" altLang="en-US" dirty="0">
+                <a:latin typeface="+mn-ea"/>
+              </a:rPr>
+              <a:t>万字工作文档，详细记录问题解决过程</a:t>
+            </a:r>
+            <a:endParaRPr lang="en-US" altLang="zh-CN" dirty="0">
+              <a:latin typeface="+mn-ea"/>
+            </a:endParaRPr>
+          </a:p>
+          <a:p>
+            <a:r>
+              <a:rPr lang="en-US" altLang="zh-CN" dirty="0">
+                <a:latin typeface="+mn-ea"/>
+              </a:rPr>
+              <a:t>5k</a:t>
+            </a:r>
+            <a:r>
+              <a:rPr lang="zh-CN" altLang="en-US" dirty="0">
+                <a:latin typeface="+mn-ea"/>
+              </a:rPr>
+              <a:t>字</a:t>
+            </a:r>
             <a:r>
               <a:rPr lang="en-US" altLang="zh-CN" dirty="0" err="1">
                 <a:latin typeface="+mn-ea"/>
               </a:rPr>
-              <a:t>Xcd</a:t>
+              <a:t>qemu</a:t>
+            </a:r>
+            <a:r>
+              <a:rPr lang="en-US" altLang="zh-CN" dirty="0">
+                <a:latin typeface="+mn-ea"/>
+              </a:rPr>
+              <a:t>-tutorial</a:t>
             </a:r>
             <a:r>
               <a:rPr lang="zh-CN" altLang="en-US" dirty="0">
                 <a:latin typeface="+mn-ea"/>
               </a:rPr>
-              <a:t>：从硬件</a:t>
+              <a:t>，代码级</a:t>
+            </a:r>
+            <a:r>
+              <a:rPr lang="en-US" altLang="zh-CN" dirty="0" err="1">
+                <a:latin typeface="+mn-ea"/>
+              </a:rPr>
+              <a:t>qemu</a:t>
+            </a:r>
+            <a:r>
+              <a:rPr lang="zh-CN" altLang="en-US" dirty="0">
+                <a:latin typeface="+mn-ea"/>
+              </a:rPr>
+              <a:t>教程</a:t>
+            </a:r>
+            <a:endParaRPr lang="en-US" altLang="zh-CN" dirty="0">
+              <a:latin typeface="+mn-ea"/>
+            </a:endParaRPr>
+          </a:p>
+          <a:p>
+            <a:r>
+              <a:rPr lang="zh-CN" altLang="en-US" dirty="0">
+                <a:latin typeface="+mn-ea"/>
+              </a:rPr>
+              <a:t>每周展示</a:t>
             </a:r>
             <a:r>
               <a:rPr lang="en-US" altLang="zh-CN" dirty="0">
                 <a:latin typeface="+mn-ea"/>
               </a:rPr>
-              <a:t>-</a:t>
+              <a:t>ppt</a:t>
             </a:r>
             <a:r>
               <a:rPr lang="zh-CN" altLang="en-US" dirty="0">
                 <a:latin typeface="+mn-ea"/>
               </a:rPr>
-              <a:t>操作系统</a:t>
+              <a:t>，周工作记录</a:t>
+            </a:r>
+            <a:endParaRPr lang="en-US" altLang="zh-CN" dirty="0">
+              <a:latin typeface="+mn-ea"/>
+            </a:endParaRPr>
+          </a:p>
+          <a:p>
+            <a:r>
+              <a:rPr lang="zh-CN" altLang="en-US" dirty="0">
+                <a:latin typeface="+mn-ea"/>
+              </a:rPr>
+              <a:t>更多的</a:t>
             </a:r>
             <a:r>
               <a:rPr lang="en-US" altLang="zh-CN" dirty="0">
                 <a:latin typeface="+mn-ea"/>
               </a:rPr>
-              <a:t>-</a:t>
+              <a:t>debug</a:t>
             </a:r>
             <a:r>
               <a:rPr lang="zh-CN" altLang="en-US" dirty="0">
                 <a:latin typeface="+mn-ea"/>
               </a:rPr>
-              <a:t>用户程序的全流程调试体验，和学长、社区的讨论、对</a:t>
+              <a:t>过程</a:t>
             </a:r>
             <a:r>
               <a:rPr lang="en-US" altLang="zh-CN" dirty="0">
                 <a:latin typeface="+mn-ea"/>
               </a:rPr>
-              <a:t>x</a:t>
-            </a:r>
-            <a:endParaRPr lang="en-US" altLang="zh-CN" dirty="0">
-              <a:latin typeface="+mn-ea"/>
-            </a:endParaRPr>
-          </a:p>
-          <a:p>
-            <a:pPr marL="0" indent="0">
-              <a:buNone/>
-            </a:pPr>
-            <a:r>
-              <a:rPr lang="en-US" altLang="zh-CN" dirty="0">
-                <a:latin typeface="+mn-ea"/>
-              </a:rPr>
-              <a:t>Sx</a:t>
-            </a:r>
-            <a:r>
-              <a:rPr lang="zh-CN" altLang="en-US" dirty="0">
-                <a:latin typeface="+mn-ea"/>
-              </a:rPr>
-              <a:t>：很喜欢现代调试工具，打断点看变量很舒服</a:t>
-            </a:r>
-            <a:endParaRPr lang="zh-CN" altLang="en-US" dirty="0">
-              <a:latin typeface="+mn-ea"/>
-            </a:endParaRPr>
+              <a:t>……</a:t>
+            </a:r>
           </a:p>
         </p:txBody>
       </p:sp>
@@ -10682,14 +10723,14 @@
       </p:grpSpPr>
       <p:sp>
         <p:nvSpPr>
-          <p:cNvPr id="10" name="内容占位符 2"/>
+          <p:cNvPr id="11" name="标题 1"/>
           <p:cNvSpPr txBox="1"/>
           <p:nvPr/>
         </p:nvSpPr>
         <p:spPr>
           <a:xfrm>
-            <a:off x="880106" y="2024290"/>
-            <a:ext cx="10395795" cy="4152673"/>
+            <a:off x="1170269" y="797307"/>
+            <a:ext cx="10030487" cy="961382"/>
           </a:xfrm>
           <a:prstGeom prst="rect">
             <a:avLst/>
@@ -10698,255 +10739,101 @@
         <p:txBody>
           <a:bodyPr/>
           <a:lstStyle>
-            <a:lvl1pPr marL="228600" indent="-228600" algn="l" defTabSz="914400" rtl="0" eaLnBrk="1" latinLnBrk="0" hangingPunct="1">
-              <a:lnSpc>
-                <a:spcPct val="90000"/>
-              </a:lnSpc>
-              <a:spcBef>
-                <a:spcPts val="1000"/>
-              </a:spcBef>
-              <a:buFont typeface="Arial" panose="020B0604020202020204" pitchFamily="34" charset="0"/>
-              <a:buChar char="•"/>
-              <a:defRPr sz="2800" kern="1200">
-                <a:solidFill>
-                  <a:schemeClr val="tx1"/>
-                </a:solidFill>
-                <a:latin typeface="+mn-lt"/>
-                <a:ea typeface="+mn-ea"/>
-                <a:cs typeface="+mn-cs"/>
+            <a:lvl1pPr algn="l" defTabSz="914400" rtl="0" eaLnBrk="1" latinLnBrk="0" hangingPunct="1">
+              <a:lnSpc>
+                <a:spcPct val="90000"/>
+              </a:lnSpc>
+              <a:spcBef>
+                <a:spcPct val="0"/>
+              </a:spcBef>
+              <a:buNone/>
+              <a:defRPr sz="4400" kern="1200">
+                <a:solidFill>
+                  <a:schemeClr val="tx1"/>
+                </a:solidFill>
+                <a:latin typeface="+mj-lt"/>
+                <a:ea typeface="+mj-ea"/>
+                <a:cs typeface="+mj-cs"/>
               </a:defRPr>
             </a:lvl1pPr>
-            <a:lvl2pPr marL="685800" indent="-228600" algn="l" defTabSz="914400" rtl="0" eaLnBrk="1" latinLnBrk="0" hangingPunct="1">
-              <a:lnSpc>
-                <a:spcPct val="90000"/>
-              </a:lnSpc>
-              <a:spcBef>
-                <a:spcPts val="500"/>
-              </a:spcBef>
-              <a:buFont typeface="Arial" panose="020B0604020202020204" pitchFamily="34" charset="0"/>
-              <a:buChar char="•"/>
-              <a:defRPr sz="2400" kern="1200">
-                <a:solidFill>
-                  <a:schemeClr val="tx1"/>
-                </a:solidFill>
-                <a:latin typeface="+mn-lt"/>
-                <a:ea typeface="+mn-ea"/>
-                <a:cs typeface="+mn-cs"/>
-              </a:defRPr>
-            </a:lvl2pPr>
-            <a:lvl3pPr marL="1143000" indent="-228600" algn="l" defTabSz="914400" rtl="0" eaLnBrk="1" latinLnBrk="0" hangingPunct="1">
-              <a:lnSpc>
-                <a:spcPct val="90000"/>
-              </a:lnSpc>
-              <a:spcBef>
-                <a:spcPts val="500"/>
-              </a:spcBef>
-              <a:buFont typeface="Arial" panose="020B0604020202020204" pitchFamily="34" charset="0"/>
-              <a:buChar char="•"/>
-              <a:defRPr sz="2000" kern="1200">
-                <a:solidFill>
-                  <a:schemeClr val="tx1"/>
-                </a:solidFill>
-                <a:latin typeface="+mn-lt"/>
-                <a:ea typeface="+mn-ea"/>
-                <a:cs typeface="+mn-cs"/>
-              </a:defRPr>
-            </a:lvl3pPr>
-            <a:lvl4pPr marL="1600200" indent="-228600" algn="l" defTabSz="914400" rtl="0" eaLnBrk="1" latinLnBrk="0" hangingPunct="1">
-              <a:lnSpc>
-                <a:spcPct val="90000"/>
-              </a:lnSpc>
-              <a:spcBef>
-                <a:spcPts val="500"/>
-              </a:spcBef>
-              <a:buFont typeface="Arial" panose="020B0604020202020204" pitchFamily="34" charset="0"/>
-              <a:buChar char="•"/>
-              <a:defRPr sz="1800" kern="1200">
-                <a:solidFill>
-                  <a:schemeClr val="tx1"/>
-                </a:solidFill>
-                <a:latin typeface="+mn-lt"/>
-                <a:ea typeface="+mn-ea"/>
-                <a:cs typeface="+mn-cs"/>
-              </a:defRPr>
-            </a:lvl4pPr>
-            <a:lvl5pPr marL="2057400" indent="-228600" algn="l" defTabSz="914400" rtl="0" eaLnBrk="1" latinLnBrk="0" hangingPunct="1">
-              <a:lnSpc>
-                <a:spcPct val="90000"/>
-              </a:lnSpc>
-              <a:spcBef>
-                <a:spcPts val="500"/>
-              </a:spcBef>
-              <a:buFont typeface="Arial" panose="020B0604020202020204" pitchFamily="34" charset="0"/>
-              <a:buChar char="•"/>
-              <a:defRPr sz="1800" kern="1200">
-                <a:solidFill>
-                  <a:schemeClr val="tx1"/>
-                </a:solidFill>
-                <a:latin typeface="+mn-lt"/>
-                <a:ea typeface="+mn-ea"/>
-                <a:cs typeface="+mn-cs"/>
-              </a:defRPr>
-            </a:lvl5pPr>
-            <a:lvl6pPr marL="2514600" indent="-228600" algn="l" defTabSz="914400" rtl="0" eaLnBrk="1" latinLnBrk="0" hangingPunct="1">
-              <a:lnSpc>
-                <a:spcPct val="90000"/>
-              </a:lnSpc>
-              <a:spcBef>
-                <a:spcPts val="500"/>
-              </a:spcBef>
-              <a:buFont typeface="Arial" panose="020B0604020202020204" pitchFamily="34" charset="0"/>
-              <a:buChar char="•"/>
-              <a:defRPr sz="1800" kern="1200">
-                <a:solidFill>
-                  <a:schemeClr val="tx1"/>
-                </a:solidFill>
-                <a:latin typeface="+mn-lt"/>
-                <a:ea typeface="+mn-ea"/>
-                <a:cs typeface="+mn-cs"/>
-              </a:defRPr>
-            </a:lvl6pPr>
-            <a:lvl7pPr marL="2971800" indent="-228600" algn="l" defTabSz="914400" rtl="0" eaLnBrk="1" latinLnBrk="0" hangingPunct="1">
-              <a:lnSpc>
-                <a:spcPct val="90000"/>
-              </a:lnSpc>
-              <a:spcBef>
-                <a:spcPts val="500"/>
-              </a:spcBef>
-              <a:buFont typeface="Arial" panose="020B0604020202020204" pitchFamily="34" charset="0"/>
-              <a:buChar char="•"/>
-              <a:defRPr sz="1800" kern="1200">
-                <a:solidFill>
-                  <a:schemeClr val="tx1"/>
-                </a:solidFill>
-                <a:latin typeface="+mn-lt"/>
-                <a:ea typeface="+mn-ea"/>
-                <a:cs typeface="+mn-cs"/>
-              </a:defRPr>
-            </a:lvl7pPr>
-            <a:lvl8pPr marL="3429000" indent="-228600" algn="l" defTabSz="914400" rtl="0" eaLnBrk="1" latinLnBrk="0" hangingPunct="1">
-              <a:lnSpc>
-                <a:spcPct val="90000"/>
-              </a:lnSpc>
-              <a:spcBef>
-                <a:spcPts val="500"/>
-              </a:spcBef>
-              <a:buFont typeface="Arial" panose="020B0604020202020204" pitchFamily="34" charset="0"/>
-              <a:buChar char="•"/>
-              <a:defRPr sz="1800" kern="1200">
-                <a:solidFill>
-                  <a:schemeClr val="tx1"/>
-                </a:solidFill>
-                <a:latin typeface="+mn-lt"/>
-                <a:ea typeface="+mn-ea"/>
-                <a:cs typeface="+mn-cs"/>
-              </a:defRPr>
-            </a:lvl8pPr>
-            <a:lvl9pPr marL="3886200" indent="-228600" algn="l" defTabSz="914400" rtl="0" eaLnBrk="1" latinLnBrk="0" hangingPunct="1">
-              <a:lnSpc>
-                <a:spcPct val="90000"/>
-              </a:lnSpc>
-              <a:spcBef>
-                <a:spcPts val="500"/>
-              </a:spcBef>
-              <a:buFont typeface="Arial" panose="020B0604020202020204" pitchFamily="34" charset="0"/>
-              <a:buChar char="•"/>
-              <a:defRPr sz="1800" kern="1200">
-                <a:solidFill>
-                  <a:schemeClr val="tx1"/>
-                </a:solidFill>
-                <a:latin typeface="+mn-lt"/>
-                <a:ea typeface="+mn-ea"/>
-                <a:cs typeface="+mn-cs"/>
-              </a:defRPr>
-            </a:lvl9pPr>
           </a:lstStyle>
           <a:p>
-            <a:pPr marL="0" indent="0">
-              <a:buNone/>
-            </a:pPr>
-            <a:endParaRPr kumimoji="1" lang="zh-CN" altLang="en-US" dirty="0">
-              <a:solidFill>
-                <a:srgbClr val="FF0000"/>
-              </a:solidFill>
-            </a:endParaRPr>
-          </a:p>
-          <a:p>
-            <a:pPr marL="0" indent="0">
-              <a:buNone/>
-            </a:pPr>
-            <a:endParaRPr kumimoji="1" lang="zh-CN" altLang="en-US" dirty="0">
-              <a:solidFill>
-                <a:srgbClr val="FF0000"/>
-              </a:solidFill>
-            </a:endParaRPr>
-          </a:p>
-          <a:p>
-            <a:pPr marL="0" indent="0" algn="ctr">
-              <a:buNone/>
-            </a:pPr>
-            <a:r>
-              <a:rPr kumimoji="1" lang="zh-CN" altLang="en-US" sz="3600" dirty="0">
+            <a:r>
+              <a:rPr lang="zh-CN" altLang="en-US" sz="4000" b="1" dirty="0">
                 <a:solidFill>
                   <a:srgbClr val="704F95"/>
                 </a:solidFill>
-                <a:latin typeface="思源宋体 Heavy" panose="02020900000000000000" pitchFamily="18" charset="-122"/>
-                <a:ea typeface="思源宋体 Heavy" panose="02020900000000000000" pitchFamily="18" charset="-122"/>
+                <a:latin typeface="思源宋体 Medium" panose="02020500000000000000" pitchFamily="18" charset="-122"/>
+                <a:ea typeface="思源宋体 Medium" panose="02020500000000000000" pitchFamily="18" charset="-122"/>
               </a:rPr>
-              <a:t>感谢陈渝老师和向勇老师的指导！</a:t>
-            </a:r>
-            <a:endParaRPr kumimoji="1" lang="en-US" altLang="zh-CN" sz="3600" dirty="0">
+              <a:t>感想</a:t>
+            </a:r>
+            <a:endParaRPr lang="en-US" altLang="zh-CN" sz="4000" b="1" dirty="0">
               <a:solidFill>
                 <a:srgbClr val="704F95"/>
               </a:solidFill>
-              <a:latin typeface="思源宋体 Heavy" panose="02020900000000000000" pitchFamily="18" charset="-122"/>
-              <a:ea typeface="思源宋体 Heavy" panose="02020900000000000000" pitchFamily="18" charset="-122"/>
+              <a:latin typeface="思源宋体 Medium" panose="02020500000000000000" pitchFamily="18" charset="-122"/>
+              <a:ea typeface="思源宋体 Medium" panose="02020500000000000000" pitchFamily="18" charset="-122"/>
             </a:endParaRPr>
           </a:p>
-          <a:p>
-            <a:pPr marL="0" indent="0" algn="ctr">
-              <a:buNone/>
-            </a:pPr>
-            <a:r>
-              <a:rPr kumimoji="1" lang="zh-CN" altLang="en-US" sz="3600" dirty="0">
-                <a:solidFill>
-                  <a:srgbClr val="704F95"/>
-                </a:solidFill>
-                <a:latin typeface="思源宋体 Heavy" panose="02020900000000000000" pitchFamily="18" charset="-122"/>
-                <a:ea typeface="思源宋体 Heavy" panose="02020900000000000000" pitchFamily="18" charset="-122"/>
+        </p:txBody>
+      </p:sp>
+      <p:sp>
+        <p:nvSpPr>
+          <p:cNvPr id="43" name="Rectangle 236"/>
+          <p:cNvSpPr/>
+          <p:nvPr/>
+        </p:nvSpPr>
+        <p:spPr>
+          <a:xfrm>
+            <a:off x="987616" y="797307"/>
+            <a:ext cx="10395795" cy="923330"/>
+          </a:xfrm>
+          <a:prstGeom prst="rect">
+            <a:avLst/>
+          </a:prstGeom>
+          <a:noFill/>
+        </p:spPr>
+        <p:txBody>
+          <a:bodyPr wrap="none" lIns="91440" tIns="45720" rIns="91440" bIns="45720">
+            <a:spAutoFit/>
+            <a:scene3d>
+              <a:camera prst="orthographicFront"/>
+              <a:lightRig rig="soft" dir="t">
+                <a:rot lat="0" lon="0" rev="15600000"/>
+              </a:lightRig>
+            </a:scene3d>
+            <a:sp3d extrusionH="57150" prstMaterial="softEdge">
+              <a:bevelT w="25400" h="38100"/>
+            </a:sp3d>
+          </a:bodyPr>
+          <a:lstStyle/>
+          <a:p>
+            <a:pPr algn="ctr"/>
+            <a:r>
+              <a:rPr lang="zh-CN" altLang="en-US" sz="5400" b="1" u="sng" dirty="0">
+                <a:solidFill>
+                  <a:srgbClr val="803A87"/>
+                </a:solidFill>
               </a:rPr>
-              <a:t>感谢贾越凯、贺鲲鹏、尤予阳以及其他学长的帮助！</a:t>
-            </a:r>
-            <a:endParaRPr kumimoji="1" lang="en-US" altLang="zh-CN" sz="3600" dirty="0">
+              <a:t>                                                               </a:t>
+            </a:r>
+            <a:endParaRPr lang="en-US" altLang="zh-CN" sz="5400" b="1" u="sng" dirty="0">
               <a:solidFill>
-                <a:srgbClr val="704F95"/>
+                <a:srgbClr val="803A87"/>
               </a:solidFill>
-              <a:latin typeface="思源宋体 Heavy" panose="02020900000000000000" pitchFamily="18" charset="-122"/>
-              <a:ea typeface="思源宋体 Heavy" panose="02020900000000000000" pitchFamily="18" charset="-122"/>
-            </a:endParaRPr>
-          </a:p>
-          <a:p>
-            <a:pPr marL="0" indent="0" algn="ctr">
-              <a:buNone/>
-            </a:pPr>
-            <a:endParaRPr kumimoji="1" lang="en-US" altLang="zh-CN" sz="3600" dirty="0">
-              <a:solidFill>
-                <a:srgbClr val="704F95"/>
-              </a:solidFill>
-              <a:latin typeface="思源宋体 Heavy" panose="02020900000000000000" pitchFamily="18" charset="-122"/>
-              <a:ea typeface="思源宋体 Heavy" panose="02020900000000000000" pitchFamily="18" charset="-122"/>
             </a:endParaRPr>
           </a:p>
         </p:txBody>
       </p:sp>
       <p:pic>
         <p:nvPicPr>
-          <p:cNvPr id="8" name="Picture 8"/>
+          <p:cNvPr id="44" name="Picture 8"/>
           <p:cNvPicPr/>
           <p:nvPr/>
         </p:nvPicPr>
         <p:blipFill>
-          <a:blip r:embed="rId1">
+          <a:blip r:embed="rId3">
             <a:clrChange>
               <a:clrFrom>
                 <a:srgbClr val="FFFFFF"/>
@@ -10974,6 +10861,967 @@
       </p:pic>
       <p:sp>
         <p:nvSpPr>
+          <p:cNvPr id="8" name="文本占位符 1"/>
+          <p:cNvSpPr txBox="1"/>
+          <p:nvPr/>
+        </p:nvSpPr>
+        <p:spPr>
+          <a:xfrm>
+            <a:off x="6371771" y="263796"/>
+            <a:ext cx="5629085" cy="328059"/>
+          </a:xfrm>
+          <a:prstGeom prst="rect">
+            <a:avLst/>
+          </a:prstGeom>
+          <a:ln w="12700" cmpd="sng">
+            <a:noFill/>
+          </a:ln>
+        </p:spPr>
+        <p:txBody>
+          <a:bodyPr vert="horz" anchor="ctr"/>
+          <a:lstStyle>
+            <a:lvl1pPr marL="0" indent="0" algn="l" defTabSz="914400" rtl="0" eaLnBrk="1" latinLnBrk="0" hangingPunct="1">
+              <a:lnSpc>
+                <a:spcPct val="90000"/>
+              </a:lnSpc>
+              <a:spcBef>
+                <a:spcPts val="1000"/>
+              </a:spcBef>
+              <a:buFont typeface="Arial" panose="020B0604020202020204" pitchFamily="34" charset="0"/>
+              <a:buNone/>
+              <a:defRPr sz="1400" b="1" kern="1200">
+                <a:solidFill>
+                  <a:schemeClr val="tx1"/>
+                </a:solidFill>
+                <a:latin typeface="微软雅黑" charset="0"/>
+                <a:ea typeface="微软雅黑" charset="0"/>
+                <a:cs typeface="微软雅黑" charset="0"/>
+              </a:defRPr>
+            </a:lvl1pPr>
+            <a:lvl2pPr marL="685800" indent="-228600" algn="l" defTabSz="914400" rtl="0" eaLnBrk="1" latinLnBrk="0" hangingPunct="1">
+              <a:lnSpc>
+                <a:spcPct val="90000"/>
+              </a:lnSpc>
+              <a:spcBef>
+                <a:spcPts val="500"/>
+              </a:spcBef>
+              <a:buFont typeface="Arial" panose="020B0604020202020204" pitchFamily="34" charset="0"/>
+              <a:buChar char="•"/>
+              <a:defRPr sz="2400" kern="1200">
+                <a:solidFill>
+                  <a:schemeClr val="tx1"/>
+                </a:solidFill>
+                <a:latin typeface="+mn-lt"/>
+                <a:ea typeface="+mn-ea"/>
+                <a:cs typeface="+mn-cs"/>
+              </a:defRPr>
+            </a:lvl2pPr>
+            <a:lvl3pPr marL="1143000" indent="-228600" algn="l" defTabSz="914400" rtl="0" eaLnBrk="1" latinLnBrk="0" hangingPunct="1">
+              <a:lnSpc>
+                <a:spcPct val="90000"/>
+              </a:lnSpc>
+              <a:spcBef>
+                <a:spcPts val="500"/>
+              </a:spcBef>
+              <a:buFont typeface="Arial" panose="020B0604020202020204" pitchFamily="34" charset="0"/>
+              <a:buChar char="•"/>
+              <a:defRPr sz="2000" kern="1200">
+                <a:solidFill>
+                  <a:schemeClr val="tx1"/>
+                </a:solidFill>
+                <a:latin typeface="+mn-lt"/>
+                <a:ea typeface="+mn-ea"/>
+                <a:cs typeface="+mn-cs"/>
+              </a:defRPr>
+            </a:lvl3pPr>
+            <a:lvl4pPr marL="1600200" indent="-228600" algn="l" defTabSz="914400" rtl="0" eaLnBrk="1" latinLnBrk="0" hangingPunct="1">
+              <a:lnSpc>
+                <a:spcPct val="90000"/>
+              </a:lnSpc>
+              <a:spcBef>
+                <a:spcPts val="500"/>
+              </a:spcBef>
+              <a:buFont typeface="Arial" panose="020B0604020202020204" pitchFamily="34" charset="0"/>
+              <a:buChar char="•"/>
+              <a:defRPr sz="1800" kern="1200">
+                <a:solidFill>
+                  <a:schemeClr val="tx1"/>
+                </a:solidFill>
+                <a:latin typeface="+mn-lt"/>
+                <a:ea typeface="+mn-ea"/>
+                <a:cs typeface="+mn-cs"/>
+              </a:defRPr>
+            </a:lvl4pPr>
+            <a:lvl5pPr marL="2057400" indent="-228600" algn="l" defTabSz="914400" rtl="0" eaLnBrk="1" latinLnBrk="0" hangingPunct="1">
+              <a:lnSpc>
+                <a:spcPct val="90000"/>
+              </a:lnSpc>
+              <a:spcBef>
+                <a:spcPts val="500"/>
+              </a:spcBef>
+              <a:buFont typeface="Arial" panose="020B0604020202020204" pitchFamily="34" charset="0"/>
+              <a:buChar char="•"/>
+              <a:defRPr sz="1800" kern="1200">
+                <a:solidFill>
+                  <a:schemeClr val="tx1"/>
+                </a:solidFill>
+                <a:latin typeface="+mn-lt"/>
+                <a:ea typeface="+mn-ea"/>
+                <a:cs typeface="+mn-cs"/>
+              </a:defRPr>
+            </a:lvl5pPr>
+            <a:lvl6pPr marL="2514600" indent="-228600" algn="l" defTabSz="914400" rtl="0" eaLnBrk="1" latinLnBrk="0" hangingPunct="1">
+              <a:lnSpc>
+                <a:spcPct val="90000"/>
+              </a:lnSpc>
+              <a:spcBef>
+                <a:spcPts val="500"/>
+              </a:spcBef>
+              <a:buFont typeface="Arial" panose="020B0604020202020204" pitchFamily="34" charset="0"/>
+              <a:buChar char="•"/>
+              <a:defRPr sz="1800" kern="1200">
+                <a:solidFill>
+                  <a:schemeClr val="tx1"/>
+                </a:solidFill>
+                <a:latin typeface="+mn-lt"/>
+                <a:ea typeface="+mn-ea"/>
+                <a:cs typeface="+mn-cs"/>
+              </a:defRPr>
+            </a:lvl6pPr>
+            <a:lvl7pPr marL="2971800" indent="-228600" algn="l" defTabSz="914400" rtl="0" eaLnBrk="1" latinLnBrk="0" hangingPunct="1">
+              <a:lnSpc>
+                <a:spcPct val="90000"/>
+              </a:lnSpc>
+              <a:spcBef>
+                <a:spcPts val="500"/>
+              </a:spcBef>
+              <a:buFont typeface="Arial" panose="020B0604020202020204" pitchFamily="34" charset="0"/>
+              <a:buChar char="•"/>
+              <a:defRPr sz="1800" kern="1200">
+                <a:solidFill>
+                  <a:schemeClr val="tx1"/>
+                </a:solidFill>
+                <a:latin typeface="+mn-lt"/>
+                <a:ea typeface="+mn-ea"/>
+                <a:cs typeface="+mn-cs"/>
+              </a:defRPr>
+            </a:lvl7pPr>
+            <a:lvl8pPr marL="3429000" indent="-228600" algn="l" defTabSz="914400" rtl="0" eaLnBrk="1" latinLnBrk="0" hangingPunct="1">
+              <a:lnSpc>
+                <a:spcPct val="90000"/>
+              </a:lnSpc>
+              <a:spcBef>
+                <a:spcPts val="500"/>
+              </a:spcBef>
+              <a:buFont typeface="Arial" panose="020B0604020202020204" pitchFamily="34" charset="0"/>
+              <a:buChar char="•"/>
+              <a:defRPr sz="1800" kern="1200">
+                <a:solidFill>
+                  <a:schemeClr val="tx1"/>
+                </a:solidFill>
+                <a:latin typeface="+mn-lt"/>
+                <a:ea typeface="+mn-ea"/>
+                <a:cs typeface="+mn-cs"/>
+              </a:defRPr>
+            </a:lvl8pPr>
+            <a:lvl9pPr marL="3886200" indent="-228600" algn="l" defTabSz="914400" rtl="0" eaLnBrk="1" latinLnBrk="0" hangingPunct="1">
+              <a:lnSpc>
+                <a:spcPct val="90000"/>
+              </a:lnSpc>
+              <a:spcBef>
+                <a:spcPts val="500"/>
+              </a:spcBef>
+              <a:buFont typeface="Arial" panose="020B0604020202020204" pitchFamily="34" charset="0"/>
+              <a:buChar char="•"/>
+              <a:defRPr sz="1800" kern="1200">
+                <a:solidFill>
+                  <a:schemeClr val="tx1"/>
+                </a:solidFill>
+                <a:latin typeface="+mn-lt"/>
+                <a:ea typeface="+mn-ea"/>
+                <a:cs typeface="+mn-cs"/>
+              </a:defRPr>
+            </a:lvl9pPr>
+          </a:lstStyle>
+          <a:p>
+            <a:pPr algn="r"/>
+            <a:endParaRPr lang="en-US" altLang="zh-CN" dirty="0">
+              <a:solidFill>
+                <a:srgbClr val="704F95"/>
+              </a:solidFill>
+              <a:latin typeface="思源宋体 Medium" panose="02020500000000000000" pitchFamily="18" charset="-122"/>
+              <a:ea typeface="思源宋体 Medium" panose="02020500000000000000" pitchFamily="18" charset="-122"/>
+            </a:endParaRPr>
+          </a:p>
+        </p:txBody>
+      </p:sp>
+      <p:sp>
+        <p:nvSpPr>
+          <p:cNvPr id="6" name="Content Placeholder 2"/>
+          <p:cNvSpPr txBox="1"/>
+          <p:nvPr/>
+        </p:nvSpPr>
+        <p:spPr>
+          <a:xfrm>
+            <a:off x="1113971" y="1801282"/>
+            <a:ext cx="10515600" cy="4351338"/>
+          </a:xfrm>
+          <a:prstGeom prst="rect">
+            <a:avLst/>
+          </a:prstGeom>
+        </p:spPr>
+        <p:txBody>
+          <a:bodyPr>
+            <a:normAutofit/>
+          </a:bodyPr>
+          <a:lstStyle>
+            <a:lvl1pPr marL="228600" indent="-228600" algn="l" defTabSz="914400" rtl="0" eaLnBrk="1" latinLnBrk="0" hangingPunct="1">
+              <a:lnSpc>
+                <a:spcPct val="90000"/>
+              </a:lnSpc>
+              <a:spcBef>
+                <a:spcPts val="1000"/>
+              </a:spcBef>
+              <a:buFont typeface="Arial" panose="020B0604020202020204" pitchFamily="34" charset="0"/>
+              <a:buChar char="•"/>
+              <a:defRPr sz="2800" kern="1200">
+                <a:solidFill>
+                  <a:schemeClr val="tx1"/>
+                </a:solidFill>
+                <a:latin typeface="+mn-lt"/>
+                <a:ea typeface="+mn-ea"/>
+                <a:cs typeface="+mn-cs"/>
+              </a:defRPr>
+            </a:lvl1pPr>
+            <a:lvl2pPr marL="685800" indent="-228600" algn="l" defTabSz="914400" rtl="0" eaLnBrk="1" latinLnBrk="0" hangingPunct="1">
+              <a:lnSpc>
+                <a:spcPct val="90000"/>
+              </a:lnSpc>
+              <a:spcBef>
+                <a:spcPts val="500"/>
+              </a:spcBef>
+              <a:buFont typeface="Arial" panose="020B0604020202020204" pitchFamily="34" charset="0"/>
+              <a:buChar char="•"/>
+              <a:defRPr sz="2400" kern="1200">
+                <a:solidFill>
+                  <a:schemeClr val="tx1"/>
+                </a:solidFill>
+                <a:latin typeface="+mn-lt"/>
+                <a:ea typeface="+mn-ea"/>
+                <a:cs typeface="+mn-cs"/>
+              </a:defRPr>
+            </a:lvl2pPr>
+            <a:lvl3pPr marL="1143000" indent="-228600" algn="l" defTabSz="914400" rtl="0" eaLnBrk="1" latinLnBrk="0" hangingPunct="1">
+              <a:lnSpc>
+                <a:spcPct val="90000"/>
+              </a:lnSpc>
+              <a:spcBef>
+                <a:spcPts val="500"/>
+              </a:spcBef>
+              <a:buFont typeface="Arial" panose="020B0604020202020204" pitchFamily="34" charset="0"/>
+              <a:buChar char="•"/>
+              <a:defRPr sz="2000" kern="1200">
+                <a:solidFill>
+                  <a:schemeClr val="tx1"/>
+                </a:solidFill>
+                <a:latin typeface="+mn-lt"/>
+                <a:ea typeface="+mn-ea"/>
+                <a:cs typeface="+mn-cs"/>
+              </a:defRPr>
+            </a:lvl3pPr>
+            <a:lvl4pPr marL="1600200" indent="-228600" algn="l" defTabSz="914400" rtl="0" eaLnBrk="1" latinLnBrk="0" hangingPunct="1">
+              <a:lnSpc>
+                <a:spcPct val="90000"/>
+              </a:lnSpc>
+              <a:spcBef>
+                <a:spcPts val="500"/>
+              </a:spcBef>
+              <a:buFont typeface="Arial" panose="020B0604020202020204" pitchFamily="34" charset="0"/>
+              <a:buChar char="•"/>
+              <a:defRPr sz="1800" kern="1200">
+                <a:solidFill>
+                  <a:schemeClr val="tx1"/>
+                </a:solidFill>
+                <a:latin typeface="+mn-lt"/>
+                <a:ea typeface="+mn-ea"/>
+                <a:cs typeface="+mn-cs"/>
+              </a:defRPr>
+            </a:lvl4pPr>
+            <a:lvl5pPr marL="2057400" indent="-228600" algn="l" defTabSz="914400" rtl="0" eaLnBrk="1" latinLnBrk="0" hangingPunct="1">
+              <a:lnSpc>
+                <a:spcPct val="90000"/>
+              </a:lnSpc>
+              <a:spcBef>
+                <a:spcPts val="500"/>
+              </a:spcBef>
+              <a:buFont typeface="Arial" panose="020B0604020202020204" pitchFamily="34" charset="0"/>
+              <a:buChar char="•"/>
+              <a:defRPr sz="1800" kern="1200">
+                <a:solidFill>
+                  <a:schemeClr val="tx1"/>
+                </a:solidFill>
+                <a:latin typeface="+mn-lt"/>
+                <a:ea typeface="+mn-ea"/>
+                <a:cs typeface="+mn-cs"/>
+              </a:defRPr>
+            </a:lvl5pPr>
+            <a:lvl6pPr marL="2514600" indent="-228600" algn="l" defTabSz="914400" rtl="0" eaLnBrk="1" latinLnBrk="0" hangingPunct="1">
+              <a:lnSpc>
+                <a:spcPct val="90000"/>
+              </a:lnSpc>
+              <a:spcBef>
+                <a:spcPts val="500"/>
+              </a:spcBef>
+              <a:buFont typeface="Arial" panose="020B0604020202020204" pitchFamily="34" charset="0"/>
+              <a:buChar char="•"/>
+              <a:defRPr sz="1800" kern="1200">
+                <a:solidFill>
+                  <a:schemeClr val="tx1"/>
+                </a:solidFill>
+                <a:latin typeface="+mn-lt"/>
+                <a:ea typeface="+mn-ea"/>
+                <a:cs typeface="+mn-cs"/>
+              </a:defRPr>
+            </a:lvl6pPr>
+            <a:lvl7pPr marL="2971800" indent="-228600" algn="l" defTabSz="914400" rtl="0" eaLnBrk="1" latinLnBrk="0" hangingPunct="1">
+              <a:lnSpc>
+                <a:spcPct val="90000"/>
+              </a:lnSpc>
+              <a:spcBef>
+                <a:spcPts val="500"/>
+              </a:spcBef>
+              <a:buFont typeface="Arial" panose="020B0604020202020204" pitchFamily="34" charset="0"/>
+              <a:buChar char="•"/>
+              <a:defRPr sz="1800" kern="1200">
+                <a:solidFill>
+                  <a:schemeClr val="tx1"/>
+                </a:solidFill>
+                <a:latin typeface="+mn-lt"/>
+                <a:ea typeface="+mn-ea"/>
+                <a:cs typeface="+mn-cs"/>
+              </a:defRPr>
+            </a:lvl7pPr>
+            <a:lvl8pPr marL="3429000" indent="-228600" algn="l" defTabSz="914400" rtl="0" eaLnBrk="1" latinLnBrk="0" hangingPunct="1">
+              <a:lnSpc>
+                <a:spcPct val="90000"/>
+              </a:lnSpc>
+              <a:spcBef>
+                <a:spcPts val="500"/>
+              </a:spcBef>
+              <a:buFont typeface="Arial" panose="020B0604020202020204" pitchFamily="34" charset="0"/>
+              <a:buChar char="•"/>
+              <a:defRPr sz="1800" kern="1200">
+                <a:solidFill>
+                  <a:schemeClr val="tx1"/>
+                </a:solidFill>
+                <a:latin typeface="+mn-lt"/>
+                <a:ea typeface="+mn-ea"/>
+                <a:cs typeface="+mn-cs"/>
+              </a:defRPr>
+            </a:lvl8pPr>
+            <a:lvl9pPr marL="3886200" indent="-228600" algn="l" defTabSz="914400" rtl="0" eaLnBrk="1" latinLnBrk="0" hangingPunct="1">
+              <a:lnSpc>
+                <a:spcPct val="90000"/>
+              </a:lnSpc>
+              <a:spcBef>
+                <a:spcPts val="500"/>
+              </a:spcBef>
+              <a:buFont typeface="Arial" panose="020B0604020202020204" pitchFamily="34" charset="0"/>
+              <a:buChar char="•"/>
+              <a:defRPr sz="1800" kern="1200">
+                <a:solidFill>
+                  <a:schemeClr val="tx1"/>
+                </a:solidFill>
+                <a:latin typeface="+mn-lt"/>
+                <a:ea typeface="+mn-ea"/>
+                <a:cs typeface="+mn-cs"/>
+              </a:defRPr>
+            </a:lvl9pPr>
+          </a:lstStyle>
+          <a:p>
+            <a:endParaRPr lang="en-US" altLang="zh-CN" dirty="0">
+              <a:latin typeface="+mn-ea"/>
+            </a:endParaRPr>
+          </a:p>
+        </p:txBody>
+      </p:sp>
+      <p:sp>
+        <p:nvSpPr>
+          <p:cNvPr id="15" name="Content Placeholder 2"/>
+          <p:cNvSpPr txBox="1"/>
+          <p:nvPr/>
+        </p:nvSpPr>
+        <p:spPr>
+          <a:xfrm>
+            <a:off x="1113790" y="1758950"/>
+            <a:ext cx="10515600" cy="3631565"/>
+          </a:xfrm>
+          <a:prstGeom prst="rect">
+            <a:avLst/>
+          </a:prstGeom>
+        </p:spPr>
+        <p:txBody>
+          <a:bodyPr>
+            <a:normAutofit/>
+          </a:bodyPr>
+          <a:lstStyle>
+            <a:lvl1pPr marL="228600" indent="-228600" algn="l" defTabSz="914400" rtl="0" eaLnBrk="1" latinLnBrk="0" hangingPunct="1">
+              <a:lnSpc>
+                <a:spcPct val="90000"/>
+              </a:lnSpc>
+              <a:spcBef>
+                <a:spcPts val="1000"/>
+              </a:spcBef>
+              <a:buFont typeface="Arial" panose="020B0604020202020204" pitchFamily="34" charset="0"/>
+              <a:buChar char="•"/>
+              <a:defRPr sz="2800" kern="1200">
+                <a:solidFill>
+                  <a:schemeClr val="tx1"/>
+                </a:solidFill>
+                <a:latin typeface="+mn-lt"/>
+                <a:ea typeface="+mn-ea"/>
+                <a:cs typeface="+mn-cs"/>
+              </a:defRPr>
+            </a:lvl1pPr>
+            <a:lvl2pPr marL="685800" indent="-228600" algn="l" defTabSz="914400" rtl="0" eaLnBrk="1" latinLnBrk="0" hangingPunct="1">
+              <a:lnSpc>
+                <a:spcPct val="90000"/>
+              </a:lnSpc>
+              <a:spcBef>
+                <a:spcPts val="500"/>
+              </a:spcBef>
+              <a:buFont typeface="Arial" panose="020B0604020202020204" pitchFamily="34" charset="0"/>
+              <a:buChar char="•"/>
+              <a:defRPr sz="2400" kern="1200">
+                <a:solidFill>
+                  <a:schemeClr val="tx1"/>
+                </a:solidFill>
+                <a:latin typeface="+mn-lt"/>
+                <a:ea typeface="+mn-ea"/>
+                <a:cs typeface="+mn-cs"/>
+              </a:defRPr>
+            </a:lvl2pPr>
+            <a:lvl3pPr marL="1143000" indent="-228600" algn="l" defTabSz="914400" rtl="0" eaLnBrk="1" latinLnBrk="0" hangingPunct="1">
+              <a:lnSpc>
+                <a:spcPct val="90000"/>
+              </a:lnSpc>
+              <a:spcBef>
+                <a:spcPts val="500"/>
+              </a:spcBef>
+              <a:buFont typeface="Arial" panose="020B0604020202020204" pitchFamily="34" charset="0"/>
+              <a:buChar char="•"/>
+              <a:defRPr sz="2000" kern="1200">
+                <a:solidFill>
+                  <a:schemeClr val="tx1"/>
+                </a:solidFill>
+                <a:latin typeface="+mn-lt"/>
+                <a:ea typeface="+mn-ea"/>
+                <a:cs typeface="+mn-cs"/>
+              </a:defRPr>
+            </a:lvl3pPr>
+            <a:lvl4pPr marL="1600200" indent="-228600" algn="l" defTabSz="914400" rtl="0" eaLnBrk="1" latinLnBrk="0" hangingPunct="1">
+              <a:lnSpc>
+                <a:spcPct val="90000"/>
+              </a:lnSpc>
+              <a:spcBef>
+                <a:spcPts val="500"/>
+              </a:spcBef>
+              <a:buFont typeface="Arial" panose="020B0604020202020204" pitchFamily="34" charset="0"/>
+              <a:buChar char="•"/>
+              <a:defRPr sz="1800" kern="1200">
+                <a:solidFill>
+                  <a:schemeClr val="tx1"/>
+                </a:solidFill>
+                <a:latin typeface="+mn-lt"/>
+                <a:ea typeface="+mn-ea"/>
+                <a:cs typeface="+mn-cs"/>
+              </a:defRPr>
+            </a:lvl4pPr>
+            <a:lvl5pPr marL="2057400" indent="-228600" algn="l" defTabSz="914400" rtl="0" eaLnBrk="1" latinLnBrk="0" hangingPunct="1">
+              <a:lnSpc>
+                <a:spcPct val="90000"/>
+              </a:lnSpc>
+              <a:spcBef>
+                <a:spcPts val="500"/>
+              </a:spcBef>
+              <a:buFont typeface="Arial" panose="020B0604020202020204" pitchFamily="34" charset="0"/>
+              <a:buChar char="•"/>
+              <a:defRPr sz="1800" kern="1200">
+                <a:solidFill>
+                  <a:schemeClr val="tx1"/>
+                </a:solidFill>
+                <a:latin typeface="+mn-lt"/>
+                <a:ea typeface="+mn-ea"/>
+                <a:cs typeface="+mn-cs"/>
+              </a:defRPr>
+            </a:lvl5pPr>
+            <a:lvl6pPr marL="2514600" indent="-228600" algn="l" defTabSz="914400" rtl="0" eaLnBrk="1" latinLnBrk="0" hangingPunct="1">
+              <a:lnSpc>
+                <a:spcPct val="90000"/>
+              </a:lnSpc>
+              <a:spcBef>
+                <a:spcPts val="500"/>
+              </a:spcBef>
+              <a:buFont typeface="Arial" panose="020B0604020202020204" pitchFamily="34" charset="0"/>
+              <a:buChar char="•"/>
+              <a:defRPr sz="1800" kern="1200">
+                <a:solidFill>
+                  <a:schemeClr val="tx1"/>
+                </a:solidFill>
+                <a:latin typeface="+mn-lt"/>
+                <a:ea typeface="+mn-ea"/>
+                <a:cs typeface="+mn-cs"/>
+              </a:defRPr>
+            </a:lvl6pPr>
+            <a:lvl7pPr marL="2971800" indent="-228600" algn="l" defTabSz="914400" rtl="0" eaLnBrk="1" latinLnBrk="0" hangingPunct="1">
+              <a:lnSpc>
+                <a:spcPct val="90000"/>
+              </a:lnSpc>
+              <a:spcBef>
+                <a:spcPts val="500"/>
+              </a:spcBef>
+              <a:buFont typeface="Arial" panose="020B0604020202020204" pitchFamily="34" charset="0"/>
+              <a:buChar char="•"/>
+              <a:defRPr sz="1800" kern="1200">
+                <a:solidFill>
+                  <a:schemeClr val="tx1"/>
+                </a:solidFill>
+                <a:latin typeface="+mn-lt"/>
+                <a:ea typeface="+mn-ea"/>
+                <a:cs typeface="+mn-cs"/>
+              </a:defRPr>
+            </a:lvl7pPr>
+            <a:lvl8pPr marL="3429000" indent="-228600" algn="l" defTabSz="914400" rtl="0" eaLnBrk="1" latinLnBrk="0" hangingPunct="1">
+              <a:lnSpc>
+                <a:spcPct val="90000"/>
+              </a:lnSpc>
+              <a:spcBef>
+                <a:spcPts val="500"/>
+              </a:spcBef>
+              <a:buFont typeface="Arial" panose="020B0604020202020204" pitchFamily="34" charset="0"/>
+              <a:buChar char="•"/>
+              <a:defRPr sz="1800" kern="1200">
+                <a:solidFill>
+                  <a:schemeClr val="tx1"/>
+                </a:solidFill>
+                <a:latin typeface="+mn-lt"/>
+                <a:ea typeface="+mn-ea"/>
+                <a:cs typeface="+mn-cs"/>
+              </a:defRPr>
+            </a:lvl8pPr>
+            <a:lvl9pPr marL="3886200" indent="-228600" algn="l" defTabSz="914400" rtl="0" eaLnBrk="1" latinLnBrk="0" hangingPunct="1">
+              <a:lnSpc>
+                <a:spcPct val="90000"/>
+              </a:lnSpc>
+              <a:spcBef>
+                <a:spcPts val="500"/>
+              </a:spcBef>
+              <a:buFont typeface="Arial" panose="020B0604020202020204" pitchFamily="34" charset="0"/>
+              <a:buChar char="•"/>
+              <a:defRPr sz="1800" kern="1200">
+                <a:solidFill>
+                  <a:schemeClr val="tx1"/>
+                </a:solidFill>
+                <a:latin typeface="+mn-lt"/>
+                <a:ea typeface="+mn-ea"/>
+                <a:cs typeface="+mn-cs"/>
+              </a:defRPr>
+            </a:lvl9pPr>
+          </a:lstStyle>
+          <a:p>
+            <a:pPr marL="0" indent="0">
+              <a:buNone/>
+            </a:pPr>
+            <a:r>
+              <a:rPr lang="en-US" altLang="zh-CN" dirty="0" err="1">
+                <a:latin typeface="+mn-ea"/>
+              </a:rPr>
+              <a:t>Xcd</a:t>
+            </a:r>
+            <a:r>
+              <a:rPr lang="zh-CN" altLang="en-US" dirty="0">
+                <a:latin typeface="+mn-ea"/>
+              </a:rPr>
+              <a:t>：从硬件</a:t>
+            </a:r>
+            <a:r>
+              <a:rPr lang="en-US" altLang="zh-CN" dirty="0">
+                <a:latin typeface="+mn-ea"/>
+              </a:rPr>
+              <a:t>-</a:t>
+            </a:r>
+            <a:r>
+              <a:rPr lang="zh-CN" altLang="en-US" dirty="0">
+                <a:latin typeface="+mn-ea"/>
+              </a:rPr>
+              <a:t>操作系统</a:t>
+            </a:r>
+            <a:r>
+              <a:rPr lang="en-US" altLang="zh-CN" dirty="0">
+                <a:latin typeface="+mn-ea"/>
+              </a:rPr>
+              <a:t>-</a:t>
+            </a:r>
+            <a:r>
+              <a:rPr lang="zh-CN" altLang="en-US" dirty="0">
+                <a:latin typeface="+mn-ea"/>
+              </a:rPr>
+              <a:t>用户程序的全流程调试体验，和学长、社区的讨论、对</a:t>
+            </a:r>
+            <a:r>
+              <a:rPr lang="en-US" altLang="zh-CN" dirty="0">
+                <a:latin typeface="+mn-ea"/>
+              </a:rPr>
+              <a:t>x86</a:t>
+            </a:r>
+            <a:r>
+              <a:rPr lang="zh-CN" altLang="en-US" dirty="0">
+                <a:latin typeface="+mn-ea"/>
+              </a:rPr>
+              <a:t>架构更加熟悉，对翻译机制理解更深刻。</a:t>
+            </a:r>
+            <a:endParaRPr lang="en-US" altLang="zh-CN" dirty="0">
+              <a:latin typeface="+mn-ea"/>
+            </a:endParaRPr>
+          </a:p>
+          <a:p>
+            <a:pPr marL="0" indent="0">
+              <a:buNone/>
+            </a:pPr>
+            <a:r>
+              <a:rPr lang="en-US" altLang="zh-CN" dirty="0">
+                <a:latin typeface="+mn-ea"/>
+              </a:rPr>
+              <a:t>Sx</a:t>
+            </a:r>
+            <a:r>
+              <a:rPr lang="zh-CN" altLang="en-US" dirty="0">
+                <a:latin typeface="+mn-ea"/>
+              </a:rPr>
+              <a:t>：很喜欢现代调试工具，打断点看变量很舒服</a:t>
+            </a:r>
+          </a:p>
+        </p:txBody>
+      </p:sp>
+    </p:spTree>
+  </p:cSld>
+  <p:clrMapOvr>
+    <a:masterClrMapping/>
+  </p:clrMapOvr>
+</p:sld>
+</file>
+
+<file path=ppt/slides/slide18.xml><?xml version="1.0" encoding="utf-8"?>
+<p:sld xmlns:a="http://schemas.openxmlformats.org/drawingml/2006/main" xmlns:r="http://schemas.openxmlformats.org/officeDocument/2006/relationships" xmlns:p="http://schemas.openxmlformats.org/presentationml/2006/main">
+  <p:cSld>
+    <p:spTree>
+      <p:nvGrpSpPr>
+        <p:cNvPr id="1" name=""/>
+        <p:cNvGrpSpPr/>
+        <p:nvPr/>
+      </p:nvGrpSpPr>
+      <p:grpSpPr>
+        <a:xfrm>
+          <a:off x="0" y="0"/>
+          <a:ext cx="0" cy="0"/>
+          <a:chOff x="0" y="0"/>
+          <a:chExt cx="0" cy="0"/>
+        </a:xfrm>
+      </p:grpSpPr>
+      <p:sp>
+        <p:nvSpPr>
+          <p:cNvPr id="10" name="内容占位符 2"/>
+          <p:cNvSpPr txBox="1"/>
+          <p:nvPr/>
+        </p:nvSpPr>
+        <p:spPr>
+          <a:xfrm>
+            <a:off x="880106" y="2024290"/>
+            <a:ext cx="10395795" cy="4152673"/>
+          </a:xfrm>
+          <a:prstGeom prst="rect">
+            <a:avLst/>
+          </a:prstGeom>
+        </p:spPr>
+        <p:txBody>
+          <a:bodyPr/>
+          <a:lstStyle>
+            <a:lvl1pPr marL="228600" indent="-228600" algn="l" defTabSz="914400" rtl="0" eaLnBrk="1" latinLnBrk="0" hangingPunct="1">
+              <a:lnSpc>
+                <a:spcPct val="90000"/>
+              </a:lnSpc>
+              <a:spcBef>
+                <a:spcPts val="1000"/>
+              </a:spcBef>
+              <a:buFont typeface="Arial" panose="020B0604020202020204" pitchFamily="34" charset="0"/>
+              <a:buChar char="•"/>
+              <a:defRPr sz="2800" kern="1200">
+                <a:solidFill>
+                  <a:schemeClr val="tx1"/>
+                </a:solidFill>
+                <a:latin typeface="+mn-lt"/>
+                <a:ea typeface="+mn-ea"/>
+                <a:cs typeface="+mn-cs"/>
+              </a:defRPr>
+            </a:lvl1pPr>
+            <a:lvl2pPr marL="685800" indent="-228600" algn="l" defTabSz="914400" rtl="0" eaLnBrk="1" latinLnBrk="0" hangingPunct="1">
+              <a:lnSpc>
+                <a:spcPct val="90000"/>
+              </a:lnSpc>
+              <a:spcBef>
+                <a:spcPts val="500"/>
+              </a:spcBef>
+              <a:buFont typeface="Arial" panose="020B0604020202020204" pitchFamily="34" charset="0"/>
+              <a:buChar char="•"/>
+              <a:defRPr sz="2400" kern="1200">
+                <a:solidFill>
+                  <a:schemeClr val="tx1"/>
+                </a:solidFill>
+                <a:latin typeface="+mn-lt"/>
+                <a:ea typeface="+mn-ea"/>
+                <a:cs typeface="+mn-cs"/>
+              </a:defRPr>
+            </a:lvl2pPr>
+            <a:lvl3pPr marL="1143000" indent="-228600" algn="l" defTabSz="914400" rtl="0" eaLnBrk="1" latinLnBrk="0" hangingPunct="1">
+              <a:lnSpc>
+                <a:spcPct val="90000"/>
+              </a:lnSpc>
+              <a:spcBef>
+                <a:spcPts val="500"/>
+              </a:spcBef>
+              <a:buFont typeface="Arial" panose="020B0604020202020204" pitchFamily="34" charset="0"/>
+              <a:buChar char="•"/>
+              <a:defRPr sz="2000" kern="1200">
+                <a:solidFill>
+                  <a:schemeClr val="tx1"/>
+                </a:solidFill>
+                <a:latin typeface="+mn-lt"/>
+                <a:ea typeface="+mn-ea"/>
+                <a:cs typeface="+mn-cs"/>
+              </a:defRPr>
+            </a:lvl3pPr>
+            <a:lvl4pPr marL="1600200" indent="-228600" algn="l" defTabSz="914400" rtl="0" eaLnBrk="1" latinLnBrk="0" hangingPunct="1">
+              <a:lnSpc>
+                <a:spcPct val="90000"/>
+              </a:lnSpc>
+              <a:spcBef>
+                <a:spcPts val="500"/>
+              </a:spcBef>
+              <a:buFont typeface="Arial" panose="020B0604020202020204" pitchFamily="34" charset="0"/>
+              <a:buChar char="•"/>
+              <a:defRPr sz="1800" kern="1200">
+                <a:solidFill>
+                  <a:schemeClr val="tx1"/>
+                </a:solidFill>
+                <a:latin typeface="+mn-lt"/>
+                <a:ea typeface="+mn-ea"/>
+                <a:cs typeface="+mn-cs"/>
+              </a:defRPr>
+            </a:lvl4pPr>
+            <a:lvl5pPr marL="2057400" indent="-228600" algn="l" defTabSz="914400" rtl="0" eaLnBrk="1" latinLnBrk="0" hangingPunct="1">
+              <a:lnSpc>
+                <a:spcPct val="90000"/>
+              </a:lnSpc>
+              <a:spcBef>
+                <a:spcPts val="500"/>
+              </a:spcBef>
+              <a:buFont typeface="Arial" panose="020B0604020202020204" pitchFamily="34" charset="0"/>
+              <a:buChar char="•"/>
+              <a:defRPr sz="1800" kern="1200">
+                <a:solidFill>
+                  <a:schemeClr val="tx1"/>
+                </a:solidFill>
+                <a:latin typeface="+mn-lt"/>
+                <a:ea typeface="+mn-ea"/>
+                <a:cs typeface="+mn-cs"/>
+              </a:defRPr>
+            </a:lvl5pPr>
+            <a:lvl6pPr marL="2514600" indent="-228600" algn="l" defTabSz="914400" rtl="0" eaLnBrk="1" latinLnBrk="0" hangingPunct="1">
+              <a:lnSpc>
+                <a:spcPct val="90000"/>
+              </a:lnSpc>
+              <a:spcBef>
+                <a:spcPts val="500"/>
+              </a:spcBef>
+              <a:buFont typeface="Arial" panose="020B0604020202020204" pitchFamily="34" charset="0"/>
+              <a:buChar char="•"/>
+              <a:defRPr sz="1800" kern="1200">
+                <a:solidFill>
+                  <a:schemeClr val="tx1"/>
+                </a:solidFill>
+                <a:latin typeface="+mn-lt"/>
+                <a:ea typeface="+mn-ea"/>
+                <a:cs typeface="+mn-cs"/>
+              </a:defRPr>
+            </a:lvl6pPr>
+            <a:lvl7pPr marL="2971800" indent="-228600" algn="l" defTabSz="914400" rtl="0" eaLnBrk="1" latinLnBrk="0" hangingPunct="1">
+              <a:lnSpc>
+                <a:spcPct val="90000"/>
+              </a:lnSpc>
+              <a:spcBef>
+                <a:spcPts val="500"/>
+              </a:spcBef>
+              <a:buFont typeface="Arial" panose="020B0604020202020204" pitchFamily="34" charset="0"/>
+              <a:buChar char="•"/>
+              <a:defRPr sz="1800" kern="1200">
+                <a:solidFill>
+                  <a:schemeClr val="tx1"/>
+                </a:solidFill>
+                <a:latin typeface="+mn-lt"/>
+                <a:ea typeface="+mn-ea"/>
+                <a:cs typeface="+mn-cs"/>
+              </a:defRPr>
+            </a:lvl7pPr>
+            <a:lvl8pPr marL="3429000" indent="-228600" algn="l" defTabSz="914400" rtl="0" eaLnBrk="1" latinLnBrk="0" hangingPunct="1">
+              <a:lnSpc>
+                <a:spcPct val="90000"/>
+              </a:lnSpc>
+              <a:spcBef>
+                <a:spcPts val="500"/>
+              </a:spcBef>
+              <a:buFont typeface="Arial" panose="020B0604020202020204" pitchFamily="34" charset="0"/>
+              <a:buChar char="•"/>
+              <a:defRPr sz="1800" kern="1200">
+                <a:solidFill>
+                  <a:schemeClr val="tx1"/>
+                </a:solidFill>
+                <a:latin typeface="+mn-lt"/>
+                <a:ea typeface="+mn-ea"/>
+                <a:cs typeface="+mn-cs"/>
+              </a:defRPr>
+            </a:lvl8pPr>
+            <a:lvl9pPr marL="3886200" indent="-228600" algn="l" defTabSz="914400" rtl="0" eaLnBrk="1" latinLnBrk="0" hangingPunct="1">
+              <a:lnSpc>
+                <a:spcPct val="90000"/>
+              </a:lnSpc>
+              <a:spcBef>
+                <a:spcPts val="500"/>
+              </a:spcBef>
+              <a:buFont typeface="Arial" panose="020B0604020202020204" pitchFamily="34" charset="0"/>
+              <a:buChar char="•"/>
+              <a:defRPr sz="1800" kern="1200">
+                <a:solidFill>
+                  <a:schemeClr val="tx1"/>
+                </a:solidFill>
+                <a:latin typeface="+mn-lt"/>
+                <a:ea typeface="+mn-ea"/>
+                <a:cs typeface="+mn-cs"/>
+              </a:defRPr>
+            </a:lvl9pPr>
+          </a:lstStyle>
+          <a:p>
+            <a:pPr marL="0" indent="0">
+              <a:buNone/>
+            </a:pPr>
+            <a:endParaRPr kumimoji="1" lang="zh-CN" altLang="en-US" dirty="0">
+              <a:solidFill>
+                <a:srgbClr val="FF0000"/>
+              </a:solidFill>
+            </a:endParaRPr>
+          </a:p>
+          <a:p>
+            <a:pPr marL="0" indent="0">
+              <a:buNone/>
+            </a:pPr>
+            <a:endParaRPr kumimoji="1" lang="zh-CN" altLang="en-US" dirty="0">
+              <a:solidFill>
+                <a:srgbClr val="FF0000"/>
+              </a:solidFill>
+            </a:endParaRPr>
+          </a:p>
+          <a:p>
+            <a:pPr marL="0" indent="0" algn="ctr">
+              <a:buNone/>
+            </a:pPr>
+            <a:r>
+              <a:rPr kumimoji="1" lang="zh-CN" altLang="en-US" sz="3600" dirty="0">
+                <a:solidFill>
+                  <a:srgbClr val="704F95"/>
+                </a:solidFill>
+                <a:latin typeface="思源宋体 Heavy" panose="02020900000000000000" pitchFamily="18" charset="-122"/>
+                <a:ea typeface="思源宋体 Heavy" panose="02020900000000000000" pitchFamily="18" charset="-122"/>
+              </a:rPr>
+              <a:t>感谢陈渝老师和向勇老师的指导！</a:t>
+            </a:r>
+            <a:endParaRPr kumimoji="1" lang="en-US" altLang="zh-CN" sz="3600" dirty="0">
+              <a:solidFill>
+                <a:srgbClr val="704F95"/>
+              </a:solidFill>
+              <a:latin typeface="思源宋体 Heavy" panose="02020900000000000000" pitchFamily="18" charset="-122"/>
+              <a:ea typeface="思源宋体 Heavy" panose="02020900000000000000" pitchFamily="18" charset="-122"/>
+            </a:endParaRPr>
+          </a:p>
+          <a:p>
+            <a:pPr marL="0" indent="0" algn="ctr">
+              <a:buNone/>
+            </a:pPr>
+            <a:r>
+              <a:rPr kumimoji="1" lang="zh-CN" altLang="en-US" sz="3600" dirty="0">
+                <a:solidFill>
+                  <a:srgbClr val="704F95"/>
+                </a:solidFill>
+                <a:latin typeface="思源宋体 Heavy" panose="02020900000000000000" pitchFamily="18" charset="-122"/>
+                <a:ea typeface="思源宋体 Heavy" panose="02020900000000000000" pitchFamily="18" charset="-122"/>
+              </a:rPr>
+              <a:t>感谢贾越凯、贺鲲鹏、尤予阳以及其他学长的帮助！</a:t>
+            </a:r>
+            <a:endParaRPr kumimoji="1" lang="en-US" altLang="zh-CN" sz="3600" dirty="0">
+              <a:solidFill>
+                <a:srgbClr val="704F95"/>
+              </a:solidFill>
+              <a:latin typeface="思源宋体 Heavy" panose="02020900000000000000" pitchFamily="18" charset="-122"/>
+              <a:ea typeface="思源宋体 Heavy" panose="02020900000000000000" pitchFamily="18" charset="-122"/>
+            </a:endParaRPr>
+          </a:p>
+          <a:p>
+            <a:pPr marL="0" indent="0" algn="ctr">
+              <a:buNone/>
+            </a:pPr>
+            <a:endParaRPr kumimoji="1" lang="en-US" altLang="zh-CN" sz="3600" dirty="0">
+              <a:solidFill>
+                <a:srgbClr val="704F95"/>
+              </a:solidFill>
+              <a:latin typeface="思源宋体 Heavy" panose="02020900000000000000" pitchFamily="18" charset="-122"/>
+              <a:ea typeface="思源宋体 Heavy" panose="02020900000000000000" pitchFamily="18" charset="-122"/>
+            </a:endParaRPr>
+          </a:p>
+        </p:txBody>
+      </p:sp>
+      <p:pic>
+        <p:nvPicPr>
+          <p:cNvPr id="8" name="Picture 8"/>
+          <p:cNvPicPr/>
+          <p:nvPr/>
+        </p:nvPicPr>
+        <p:blipFill>
+          <a:blip r:embed="rId3">
+            <a:clrChange>
+              <a:clrFrom>
+                <a:srgbClr val="FFFFFF"/>
+              </a:clrFrom>
+              <a:clrTo>
+                <a:srgbClr val="FFFFFF">
+                  <a:alpha val="0"/>
+                </a:srgbClr>
+              </a:clrTo>
+            </a:clrChange>
+          </a:blip>
+          <a:stretch>
+            <a:fillRect/>
+          </a:stretch>
+        </p:blipFill>
+        <p:spPr>
+          <a:xfrm>
+            <a:off x="7880269" y="6297384"/>
+            <a:ext cx="4120587" cy="514122"/>
+          </a:xfrm>
+          <a:prstGeom prst="rect">
+            <a:avLst/>
+          </a:prstGeom>
+        </p:spPr>
+      </p:pic>
+      <p:sp>
+        <p:nvSpPr>
           <p:cNvPr id="5" name="Rectangle 236"/>
           <p:cNvSpPr/>
           <p:nvPr/>
@@ -11029,7 +11877,7 @@
           <p:nvPr/>
         </p:nvPicPr>
         <p:blipFill>
-          <a:blip r:embed="rId2" cstate="print">
+          <a:blip r:embed="rId4" cstate="print">
             <a:extLst>
               <a:ext uri="{28A0092B-C50C-407E-A947-70E740481C1C}">
                 <a14:useLocalDpi xmlns:a14="http://schemas.microsoft.com/office/drawing/2010/main" val="0"/>
@@ -11146,13 +11994,6 @@
               </a:rPr>
               <a:t>目录</a:t>
             </a:r>
-            <a:endParaRPr lang="zh-CN" altLang="en-US" sz="4000" b="1" dirty="0">
-              <a:solidFill>
-                <a:srgbClr val="704F95"/>
-              </a:solidFill>
-              <a:latin typeface="思源宋体 Medium" panose="02020500000000000000" pitchFamily="18" charset="-122"/>
-              <a:ea typeface="思源宋体 Medium" panose="02020500000000000000" pitchFamily="18" charset="-122"/>
-            </a:endParaRPr>
           </a:p>
         </p:txBody>
       </p:sp>
@@ -11211,7 +12052,7 @@
           <p:nvPr/>
         </p:nvPicPr>
         <p:blipFill>
-          <a:blip r:embed="rId1">
+          <a:blip r:embed="rId3">
             <a:clrChange>
               <a:clrFrom>
                 <a:srgbClr val="FFFFFF"/>
@@ -11439,6 +12280,17 @@
           <a:p>
             <a:r>
               <a:rPr lang="en-US" altLang="zh-CN" sz="3200" dirty="0" err="1"/>
+              <a:t>Qemu</a:t>
+            </a:r>
+            <a:r>
+              <a:rPr lang="zh-CN" altLang="en-US" sz="3200" dirty="0"/>
+              <a:t>开发过程</a:t>
+            </a:r>
+            <a:endParaRPr lang="en-US" altLang="zh-CN" sz="3200" dirty="0"/>
+          </a:p>
+          <a:p>
+            <a:r>
+              <a:rPr lang="en-US" altLang="zh-CN" sz="3200" dirty="0" err="1"/>
               <a:t>uintr</a:t>
             </a:r>
             <a:r>
@@ -11466,7 +12318,6 @@
               <a:rPr lang="zh-CN" altLang="en-US" sz="3200" dirty="0"/>
               <a:t>未来的规划</a:t>
             </a:r>
-            <a:endParaRPr lang="zh-CN" altLang="en-US" sz="3200" dirty="0"/>
           </a:p>
         </p:txBody>
       </p:sp>
@@ -11617,7 +12468,7 @@
           <p:nvPr/>
         </p:nvPicPr>
         <p:blipFill>
-          <a:blip r:embed="rId1">
+          <a:blip r:embed="rId3">
             <a:clrChange>
               <a:clrFrom>
                 <a:srgbClr val="FFFFFF"/>
@@ -12094,7 +12945,7 @@
               <a:rPr lang="zh-CN" altLang="en-US" dirty="0">
                 <a:latin typeface="+mn-ea"/>
               </a:rPr>
-              <a:t> </a:t>
+              <a:t>的</a:t>
             </a:r>
             <a:r>
               <a:rPr lang="en-US" altLang="zh-CN" dirty="0">
@@ -12118,11 +12969,8 @@
               <a:rPr lang="zh-CN" altLang="en-US" dirty="0">
                 <a:latin typeface="+mn-ea"/>
               </a:rPr>
-              <a:t>的实现</a:t>
-            </a:r>
-            <a:endParaRPr lang="zh-CN" altLang="en-US" dirty="0">
-              <a:latin typeface="+mn-ea"/>
-            </a:endParaRPr>
+              <a:t>实现</a:t>
+            </a:r>
           </a:p>
           <a:p>
             <a:endParaRPr lang="en-US" altLang="zh-CN" dirty="0">
@@ -12230,27 +13078,7 @@
                 <a:latin typeface="思源宋体 Medium" panose="02020500000000000000" pitchFamily="18" charset="-122"/>
                 <a:ea typeface="思源宋体 Medium" panose="02020500000000000000" pitchFamily="18" charset="-122"/>
               </a:rPr>
-              <a:t> 完成情况</a:t>
-            </a:r>
-            <a:r>
-              <a:rPr lang="en-US" altLang="zh-CN" sz="4000" b="1" dirty="0">
-                <a:solidFill>
-                  <a:srgbClr val="704F95"/>
-                </a:solidFill>
-                <a:latin typeface="思源宋体 Medium" panose="02020500000000000000" pitchFamily="18" charset="-122"/>
-                <a:ea typeface="思源宋体 Medium" panose="02020500000000000000" pitchFamily="18" charset="-122"/>
-              </a:rPr>
-              <a:t>-</a:t>
-            </a:r>
-            <a:r>
-              <a:rPr lang="zh-CN" altLang="en-US" sz="4000" b="1" dirty="0">
-                <a:solidFill>
-                  <a:srgbClr val="704F95"/>
-                </a:solidFill>
-                <a:latin typeface="思源宋体 Medium" panose="02020500000000000000" pitchFamily="18" charset="-122"/>
-                <a:ea typeface="思源宋体 Medium" panose="02020500000000000000" pitchFamily="18" charset="-122"/>
-              </a:rPr>
-              <a:t>正确性测试</a:t>
+              <a:t> 开发过程</a:t>
             </a:r>
             <a:endParaRPr lang="en-US" altLang="zh-CN" sz="4000" b="1" dirty="0">
               <a:solidFill>
@@ -12317,7 +13145,7 @@
           <p:nvPr/>
         </p:nvPicPr>
         <p:blipFill>
-          <a:blip r:embed="rId1">
+          <a:blip r:embed="rId3">
             <a:clrChange>
               <a:clrFrom>
                 <a:srgbClr val="FFFFFF"/>
@@ -12724,86 +13552,89 @@
           </a:lstStyle>
           <a:p>
             <a:r>
-              <a:rPr lang="en-US" altLang="zh-CN" dirty="0">
-                <a:latin typeface="+mn-ea"/>
+              <a:rPr lang="zh-CN" altLang="en-US" dirty="0">
+                <a:sym typeface="+mn-ea"/>
               </a:rPr>
-              <a:t>5</a:t>
-            </a:r>
+              <a:t>环境准备</a:t>
+            </a:r>
+            <a:endParaRPr lang="en-US" altLang="zh-CN" dirty="0">
+              <a:sym typeface="+mn-ea"/>
+            </a:endParaRPr>
+          </a:p>
+          <a:p>
             <a:r>
               <a:rPr lang="zh-CN" altLang="en-US" dirty="0">
-                <a:latin typeface="+mn-ea"/>
+                <a:sym typeface="+mn-ea"/>
               </a:rPr>
-              <a:t>个测试程序</a:t>
-            </a:r>
-            <a:r>
-              <a:rPr lang="en-US" altLang="zh-CN" dirty="0">
-                <a:latin typeface="+mn-ea"/>
+              <a:t>指令捕捉，向软件反馈硬件特性</a:t>
+            </a:r>
+            <a:endParaRPr lang="en-US" altLang="zh-CN" dirty="0">
+              <a:sym typeface="+mn-ea"/>
+            </a:endParaRPr>
+          </a:p>
+          <a:p>
+            <a:r>
+              <a:rPr lang="zh-CN" altLang="en-US" dirty="0">
+                <a:sym typeface="+mn-ea"/>
               </a:rPr>
-              <a:t>+</a:t>
-            </a:r>
+              <a:t>内存读写实现发送</a:t>
+            </a:r>
+            <a:endParaRPr lang="en-US" altLang="zh-CN" dirty="0">
+              <a:sym typeface="+mn-ea"/>
+            </a:endParaRPr>
+          </a:p>
+          <a:p>
             <a:r>
               <a:rPr lang="zh-CN" altLang="en-US" dirty="0">
-                <a:latin typeface="+mn-ea"/>
+                <a:sym typeface="+mn-ea"/>
               </a:rPr>
-              <a:t>样例程序全部通过</a:t>
+              <a:t>修改中断处理实现接收</a:t>
             </a:r>
             <a:endParaRPr lang="en-US" altLang="zh-CN" dirty="0">
-              <a:latin typeface="+mn-ea"/>
+              <a:sym typeface="+mn-ea"/>
             </a:endParaRPr>
           </a:p>
-        </p:txBody>
-      </p:sp>
-      <p:pic>
-        <p:nvPicPr>
-          <p:cNvPr id="9" name="Picture 8"/>
-          <p:cNvPicPr>
-            <a:picLocks noChangeAspect="1"/>
-          </p:cNvPicPr>
-          <p:nvPr/>
-        </p:nvPicPr>
-        <p:blipFill rotWithShape="1">
-          <a:blip r:embed="rId2"/>
-          <a:srcRect r="21884"/>
-          <a:stretch>
-            <a:fillRect/>
-          </a:stretch>
-        </p:blipFill>
-        <p:spPr>
-          <a:xfrm>
-            <a:off x="817125" y="2399389"/>
-            <a:ext cx="5069531" cy="3467100"/>
-          </a:xfrm>
-          <a:prstGeom prst="rect">
-            <a:avLst/>
-          </a:prstGeom>
-        </p:spPr>
-      </p:pic>
-      <p:pic>
-        <p:nvPicPr>
-          <p:cNvPr id="5" name="Picture 4"/>
-          <p:cNvPicPr>
-            <a:picLocks noChangeAspect="1"/>
-          </p:cNvPicPr>
-          <p:nvPr/>
-        </p:nvPicPr>
-        <p:blipFill rotWithShape="1">
-          <a:blip r:embed="rId3"/>
-          <a:srcRect r="35213"/>
-          <a:stretch>
-            <a:fillRect/>
-          </a:stretch>
-        </p:blipFill>
-        <p:spPr>
-          <a:xfrm>
-            <a:off x="6253105" y="2399389"/>
-            <a:ext cx="4648796" cy="2197100"/>
-          </a:xfrm>
-          <a:prstGeom prst="rect">
-            <a:avLst/>
-          </a:prstGeom>
-        </p:spPr>
-      </p:pic>
+          <a:p>
+            <a:r>
+              <a:rPr lang="zh-CN" altLang="en-US" dirty="0">
+                <a:sym typeface="+mn-ea"/>
+              </a:rPr>
+              <a:t>中断收尾实现完整运行</a:t>
+            </a:r>
+            <a:endParaRPr lang="en-US" altLang="zh-CN" dirty="0">
+              <a:sym typeface="+mn-ea"/>
+            </a:endParaRPr>
+          </a:p>
+          <a:p>
+            <a:r>
+              <a:rPr lang="zh-CN" altLang="en-US" dirty="0">
+                <a:sym typeface="+mn-ea"/>
+              </a:rPr>
+              <a:t>实现直接发中断，提高性能</a:t>
+            </a:r>
+            <a:endParaRPr lang="en-US" altLang="zh-CN" dirty="0">
+              <a:sym typeface="+mn-ea"/>
+            </a:endParaRPr>
+          </a:p>
+          <a:p>
+            <a:r>
+              <a:rPr lang="zh-CN" altLang="en-US" dirty="0">
+                <a:sym typeface="+mn-ea"/>
+              </a:rPr>
+              <a:t>多次调试，完善实现细节</a:t>
+            </a:r>
+            <a:endParaRPr lang="en-US" altLang="zh-CN" dirty="0">
+              <a:sym typeface="+mn-ea"/>
+            </a:endParaRPr>
+          </a:p>
+        </p:txBody>
+      </p:sp>
     </p:spTree>
+    <p:extLst>
+      <p:ext uri="{BB962C8B-B14F-4D97-AF65-F5344CB8AC3E}">
+        <p14:creationId xmlns:p14="http://schemas.microsoft.com/office/powerpoint/2010/main" val="3325025599"/>
+      </p:ext>
+    </p:extLst>
   </p:cSld>
   <p:clrMapOvr>
     <a:masterClrMapping/>
@@ -12970,7 +13801,7 @@
           <p:nvPr/>
         </p:nvPicPr>
         <p:blipFill>
-          <a:blip r:embed="rId1">
+          <a:blip r:embed="rId3">
             <a:clrChange>
               <a:clrFrom>
                 <a:srgbClr val="FFFFFF"/>
@@ -13408,22 +14239,23 @@
       </p:sp>
       <p:pic>
         <p:nvPicPr>
-          <p:cNvPr id="3" name="Picture 2"/>
+          <p:cNvPr id="9" name="Picture 8"/>
           <p:cNvPicPr>
             <a:picLocks noChangeAspect="1"/>
           </p:cNvPicPr>
           <p:nvPr/>
         </p:nvPicPr>
-        <p:blipFill>
-          <a:blip r:embed="rId2"/>
+        <p:blipFill rotWithShape="1">
+          <a:blip r:embed="rId4"/>
+          <a:srcRect r="21884"/>
           <a:stretch>
             <a:fillRect/>
           </a:stretch>
         </p:blipFill>
         <p:spPr>
           <a:xfrm>
-            <a:off x="879455" y="2136346"/>
-            <a:ext cx="6477000" cy="2387600"/>
+            <a:off x="817125" y="2399389"/>
+            <a:ext cx="5069531" cy="3467100"/>
           </a:xfrm>
           <a:prstGeom prst="rect">
             <a:avLst/>
@@ -13432,22 +14264,23 @@
       </p:pic>
       <p:pic>
         <p:nvPicPr>
-          <p:cNvPr id="7" name="Picture 6"/>
+          <p:cNvPr id="5" name="Picture 4"/>
           <p:cNvPicPr>
             <a:picLocks noChangeAspect="1"/>
           </p:cNvPicPr>
           <p:nvPr/>
         </p:nvPicPr>
-        <p:blipFill>
-          <a:blip r:embed="rId3"/>
+        <p:blipFill rotWithShape="1">
+          <a:blip r:embed="rId5"/>
+          <a:srcRect r="35213"/>
           <a:stretch>
             <a:fillRect/>
           </a:stretch>
         </p:blipFill>
         <p:spPr>
           <a:xfrm>
-            <a:off x="879455" y="4798784"/>
-            <a:ext cx="5854700" cy="1498600"/>
+            <a:off x="6253105" y="2399389"/>
+            <a:ext cx="4648796" cy="2197100"/>
           </a:xfrm>
           <a:prstGeom prst="rect">
             <a:avLst/>
@@ -13621,7 +14454,7 @@
           <p:nvPr/>
         </p:nvPicPr>
         <p:blipFill>
-          <a:blip r:embed="rId1">
+          <a:blip r:embed="rId3">
             <a:clrChange>
               <a:clrFrom>
                 <a:srgbClr val="FFFFFF"/>
@@ -14059,22 +14892,22 @@
       </p:sp>
       <p:pic>
         <p:nvPicPr>
-          <p:cNvPr id="4" name="Picture 3"/>
+          <p:cNvPr id="3" name="Picture 2"/>
           <p:cNvPicPr>
             <a:picLocks noChangeAspect="1"/>
           </p:cNvPicPr>
           <p:nvPr/>
         </p:nvPicPr>
         <p:blipFill>
-          <a:blip r:embed="rId2"/>
+          <a:blip r:embed="rId4"/>
           <a:stretch>
             <a:fillRect/>
           </a:stretch>
         </p:blipFill>
         <p:spPr>
           <a:xfrm>
-            <a:off x="1024581" y="2137032"/>
-            <a:ext cx="5867400" cy="2908300"/>
+            <a:off x="879455" y="2136346"/>
+            <a:ext cx="6477000" cy="2387600"/>
           </a:xfrm>
           <a:prstGeom prst="rect">
             <a:avLst/>
@@ -14083,22 +14916,22 @@
       </p:pic>
       <p:pic>
         <p:nvPicPr>
-          <p:cNvPr id="5" name="Picture 4"/>
+          <p:cNvPr id="7" name="Picture 6"/>
           <p:cNvPicPr>
             <a:picLocks noChangeAspect="1"/>
           </p:cNvPicPr>
           <p:nvPr/>
         </p:nvPicPr>
         <p:blipFill>
-          <a:blip r:embed="rId3"/>
+          <a:blip r:embed="rId5"/>
           <a:stretch>
             <a:fillRect/>
           </a:stretch>
         </p:blipFill>
         <p:spPr>
           <a:xfrm>
-            <a:off x="7315210" y="2137032"/>
-            <a:ext cx="3769344" cy="1485727"/>
+            <a:off x="879455" y="4798784"/>
+            <a:ext cx="5854700" cy="1498600"/>
           </a:xfrm>
           <a:prstGeom prst="rect">
             <a:avLst/>
@@ -14138,7 +14971,7 @@
         </p:nvSpPr>
         <p:spPr>
           <a:xfrm>
-            <a:off x="1170269" y="797307"/>
+            <a:off x="871414" y="633375"/>
             <a:ext cx="10030487" cy="961382"/>
           </a:xfrm>
           <a:prstGeom prst="rect">
@@ -14175,7 +15008,7 @@
                 <a:latin typeface="思源宋体 Medium" panose="02020500000000000000" pitchFamily="18" charset="-122"/>
                 <a:ea typeface="思源宋体 Medium" panose="02020500000000000000" pitchFamily="18" charset="-122"/>
               </a:rPr>
-              <a:t>Uintr</a:t>
+              <a:t>Qemu</a:t>
             </a:r>
             <a:r>
               <a:rPr lang="zh-CN" altLang="en-US" sz="4000" b="1" dirty="0">
@@ -14185,7 +15018,7 @@
                 <a:latin typeface="思源宋体 Medium" panose="02020500000000000000" pitchFamily="18" charset="-122"/>
                 <a:ea typeface="思源宋体 Medium" panose="02020500000000000000" pitchFamily="18" charset="-122"/>
               </a:rPr>
-              <a:t>性能测试</a:t>
+              <a:t> 完成情况</a:t>
             </a:r>
             <a:r>
               <a:rPr lang="en-US" altLang="zh-CN" sz="4000" b="1" dirty="0">
@@ -14205,7 +15038,7 @@
                 <a:latin typeface="思源宋体 Medium" panose="02020500000000000000" pitchFamily="18" charset="-122"/>
                 <a:ea typeface="思源宋体 Medium" panose="02020500000000000000" pitchFamily="18" charset="-122"/>
               </a:rPr>
-              <a:t>收发延迟</a:t>
+              <a:t>正确性测试</a:t>
             </a:r>
             <a:endParaRPr lang="en-US" altLang="zh-CN" sz="4000" b="1" dirty="0">
               <a:solidFill>
@@ -14225,7 +15058,7 @@
         </p:nvSpPr>
         <p:spPr>
           <a:xfrm>
-            <a:off x="987616" y="797307"/>
+            <a:off x="688759" y="511209"/>
             <a:ext cx="10395795" cy="923330"/>
           </a:xfrm>
           <a:prstGeom prst="rect">
@@ -14272,7 +15105,7 @@
           <p:nvPr/>
         </p:nvPicPr>
         <p:blipFill>
-          <a:blip r:embed="rId1">
+          <a:blip r:embed="rId3">
             <a:clrChange>
               <a:clrFrom>
                 <a:srgbClr val="FFFFFF"/>
@@ -14502,7 +15335,7 @@
         </p:nvSpPr>
         <p:spPr>
           <a:xfrm>
-            <a:off x="1113971" y="1801282"/>
+            <a:off x="871414" y="1556705"/>
             <a:ext cx="10515600" cy="4351338"/>
           </a:xfrm>
           <a:prstGeom prst="rect">
@@ -14678,36 +15511,36 @@
             </a:lvl9pPr>
           </a:lstStyle>
           <a:p>
+            <a:r>
+              <a:rPr lang="en-US" altLang="zh-CN" dirty="0">
+                <a:latin typeface="+mn-ea"/>
+              </a:rPr>
+              <a:t>5</a:t>
+            </a:r>
+            <a:r>
+              <a:rPr lang="zh-CN" altLang="en-US" dirty="0">
+                <a:latin typeface="+mn-ea"/>
+              </a:rPr>
+              <a:t>个测试程序</a:t>
+            </a:r>
+            <a:r>
+              <a:rPr lang="en-US" altLang="zh-CN" dirty="0">
+                <a:latin typeface="+mn-ea"/>
+              </a:rPr>
+              <a:t>+</a:t>
+            </a:r>
+            <a:r>
+              <a:rPr lang="zh-CN" altLang="en-US" dirty="0">
+                <a:latin typeface="+mn-ea"/>
+              </a:rPr>
+              <a:t>样例程序全部通过</a:t>
+            </a:r>
             <a:endParaRPr lang="en-US" altLang="zh-CN" dirty="0">
               <a:latin typeface="+mn-ea"/>
             </a:endParaRPr>
           </a:p>
         </p:txBody>
       </p:sp>
-      <p:pic>
-        <p:nvPicPr>
-          <p:cNvPr id="2" name="Picture 1"/>
-          <p:cNvPicPr>
-            <a:picLocks noChangeAspect="1"/>
-          </p:cNvPicPr>
-          <p:nvPr/>
-        </p:nvPicPr>
-        <p:blipFill>
-          <a:blip r:embed="rId2"/>
-          <a:stretch>
-            <a:fillRect/>
-          </a:stretch>
-        </p:blipFill>
-        <p:spPr>
-          <a:xfrm>
-            <a:off x="987616" y="1816958"/>
-            <a:ext cx="4099193" cy="1612042"/>
-          </a:xfrm>
-          <a:prstGeom prst="rect">
-            <a:avLst/>
-          </a:prstGeom>
-        </p:spPr>
-      </p:pic>
       <p:pic>
         <p:nvPicPr>
           <p:cNvPr id="4" name="Picture 3"/>
@@ -14717,15 +15550,15 @@
           <p:nvPr/>
         </p:nvPicPr>
         <p:blipFill>
-          <a:blip r:embed="rId3"/>
+          <a:blip r:embed="rId4"/>
           <a:stretch>
             <a:fillRect/>
           </a:stretch>
         </p:blipFill>
         <p:spPr>
           <a:xfrm>
-            <a:off x="987616" y="3976951"/>
-            <a:ext cx="3914861" cy="1801134"/>
+            <a:off x="1024581" y="2137032"/>
+            <a:ext cx="5867400" cy="2908300"/>
           </a:xfrm>
           <a:prstGeom prst="rect">
             <a:avLst/>
@@ -14741,324 +15574,21 @@
           <p:nvPr/>
         </p:nvPicPr>
         <p:blipFill>
-          <a:blip r:embed="rId4"/>
+          <a:blip r:embed="rId5"/>
           <a:stretch>
             <a:fillRect/>
           </a:stretch>
         </p:blipFill>
         <p:spPr>
           <a:xfrm>
-            <a:off x="6147143" y="1656518"/>
-            <a:ext cx="3977278" cy="2174627"/>
+            <a:off x="7315210" y="2137032"/>
+            <a:ext cx="3769344" cy="1485727"/>
           </a:xfrm>
           <a:prstGeom prst="rect">
             <a:avLst/>
           </a:prstGeom>
         </p:spPr>
       </p:pic>
-      <p:sp>
-        <p:nvSpPr>
-          <p:cNvPr id="12" name="文本框 15"/>
-          <p:cNvSpPr txBox="1"/>
-          <p:nvPr/>
-        </p:nvSpPr>
-        <p:spPr>
-          <a:xfrm>
-            <a:off x="1830379" y="2584614"/>
-            <a:ext cx="1262445" cy="345450"/>
-          </a:xfrm>
-          <a:prstGeom prst="rect">
-            <a:avLst/>
-          </a:prstGeom>
-          <a:noFill/>
-          <a:ln w="60325" cmpd="sng">
-            <a:solidFill>
-              <a:srgbClr val="FF0000"/>
-            </a:solidFill>
-            <a:prstDash val="solid"/>
-          </a:ln>
-        </p:spPr>
-        <p:txBody>
-          <a:bodyPr wrap="square" rtlCol="0">
-            <a:spAutoFit/>
-          </a:bodyPr>
-          <a:lstStyle/>
-          <a:p>
-            <a:endParaRPr kumimoji="1" lang="zh-CN" altLang="en-US" dirty="0"/>
-          </a:p>
-        </p:txBody>
-      </p:sp>
-      <p:sp>
-        <p:nvSpPr>
-          <p:cNvPr id="13" name="文本框 15"/>
-          <p:cNvSpPr txBox="1"/>
-          <p:nvPr/>
-        </p:nvSpPr>
-        <p:spPr>
-          <a:xfrm>
-            <a:off x="1830379" y="4995779"/>
-            <a:ext cx="1383468" cy="288915"/>
-          </a:xfrm>
-          <a:prstGeom prst="rect">
-            <a:avLst/>
-          </a:prstGeom>
-          <a:noFill/>
-          <a:ln w="60325" cmpd="sng">
-            <a:solidFill>
-              <a:srgbClr val="FF0000"/>
-            </a:solidFill>
-            <a:prstDash val="solid"/>
-          </a:ln>
-        </p:spPr>
-        <p:txBody>
-          <a:bodyPr wrap="square" rtlCol="0">
-            <a:spAutoFit/>
-          </a:bodyPr>
-          <a:lstStyle/>
-          <a:p>
-            <a:endParaRPr kumimoji="1" lang="zh-CN" altLang="en-US" dirty="0"/>
-          </a:p>
-        </p:txBody>
-      </p:sp>
-      <p:sp>
-        <p:nvSpPr>
-          <p:cNvPr id="14" name="文本框 15"/>
-          <p:cNvSpPr txBox="1"/>
-          <p:nvPr/>
-        </p:nvSpPr>
-        <p:spPr>
-          <a:xfrm>
-            <a:off x="6965576" y="3083550"/>
-            <a:ext cx="1224287" cy="345450"/>
-          </a:xfrm>
-          <a:prstGeom prst="rect">
-            <a:avLst/>
-          </a:prstGeom>
-          <a:noFill/>
-          <a:ln w="60325" cmpd="sng">
-            <a:solidFill>
-              <a:srgbClr val="FF0000"/>
-            </a:solidFill>
-            <a:prstDash val="solid"/>
-          </a:ln>
-        </p:spPr>
-        <p:txBody>
-          <a:bodyPr wrap="square" rtlCol="0">
-            <a:spAutoFit/>
-          </a:bodyPr>
-          <a:lstStyle/>
-          <a:p>
-            <a:endParaRPr kumimoji="1" lang="zh-CN" altLang="en-US" dirty="0"/>
-          </a:p>
-        </p:txBody>
-      </p:sp>
-      <p:sp>
-        <p:nvSpPr>
-          <p:cNvPr id="15" name="Content Placeholder 2"/>
-          <p:cNvSpPr txBox="1"/>
-          <p:nvPr/>
-        </p:nvSpPr>
-        <p:spPr>
-          <a:xfrm>
-            <a:off x="5618885" y="4114168"/>
-            <a:ext cx="5888933" cy="2174628"/>
-          </a:xfrm>
-          <a:prstGeom prst="rect">
-            <a:avLst/>
-          </a:prstGeom>
-        </p:spPr>
-        <p:txBody>
-          <a:bodyPr>
-            <a:normAutofit/>
-          </a:bodyPr>
-          <a:lstStyle>
-            <a:lvl1pPr marL="228600" indent="-228600" algn="l" defTabSz="914400" rtl="0" eaLnBrk="1" latinLnBrk="0" hangingPunct="1">
-              <a:lnSpc>
-                <a:spcPct val="90000"/>
-              </a:lnSpc>
-              <a:spcBef>
-                <a:spcPts val="1000"/>
-              </a:spcBef>
-              <a:buFont typeface="Arial" panose="020B0604020202020204" pitchFamily="34" charset="0"/>
-              <a:buChar char="•"/>
-              <a:defRPr sz="2800" kern="1200">
-                <a:solidFill>
-                  <a:schemeClr val="tx1"/>
-                </a:solidFill>
-                <a:latin typeface="+mn-lt"/>
-                <a:ea typeface="+mn-ea"/>
-                <a:cs typeface="+mn-cs"/>
-              </a:defRPr>
-            </a:lvl1pPr>
-            <a:lvl2pPr marL="685800" indent="-228600" algn="l" defTabSz="914400" rtl="0" eaLnBrk="1" latinLnBrk="0" hangingPunct="1">
-              <a:lnSpc>
-                <a:spcPct val="90000"/>
-              </a:lnSpc>
-              <a:spcBef>
-                <a:spcPts val="500"/>
-              </a:spcBef>
-              <a:buFont typeface="Arial" panose="020B0604020202020204" pitchFamily="34" charset="0"/>
-              <a:buChar char="•"/>
-              <a:defRPr sz="2400" kern="1200">
-                <a:solidFill>
-                  <a:schemeClr val="tx1"/>
-                </a:solidFill>
-                <a:latin typeface="+mn-lt"/>
-                <a:ea typeface="+mn-ea"/>
-                <a:cs typeface="+mn-cs"/>
-              </a:defRPr>
-            </a:lvl2pPr>
-            <a:lvl3pPr marL="1143000" indent="-228600" algn="l" defTabSz="914400" rtl="0" eaLnBrk="1" latinLnBrk="0" hangingPunct="1">
-              <a:lnSpc>
-                <a:spcPct val="90000"/>
-              </a:lnSpc>
-              <a:spcBef>
-                <a:spcPts val="500"/>
-              </a:spcBef>
-              <a:buFont typeface="Arial" panose="020B0604020202020204" pitchFamily="34" charset="0"/>
-              <a:buChar char="•"/>
-              <a:defRPr sz="2000" kern="1200">
-                <a:solidFill>
-                  <a:schemeClr val="tx1"/>
-                </a:solidFill>
-                <a:latin typeface="+mn-lt"/>
-                <a:ea typeface="+mn-ea"/>
-                <a:cs typeface="+mn-cs"/>
-              </a:defRPr>
-            </a:lvl3pPr>
-            <a:lvl4pPr marL="1600200" indent="-228600" algn="l" defTabSz="914400" rtl="0" eaLnBrk="1" latinLnBrk="0" hangingPunct="1">
-              <a:lnSpc>
-                <a:spcPct val="90000"/>
-              </a:lnSpc>
-              <a:spcBef>
-                <a:spcPts val="500"/>
-              </a:spcBef>
-              <a:buFont typeface="Arial" panose="020B0604020202020204" pitchFamily="34" charset="0"/>
-              <a:buChar char="•"/>
-              <a:defRPr sz="1800" kern="1200">
-                <a:solidFill>
-                  <a:schemeClr val="tx1"/>
-                </a:solidFill>
-                <a:latin typeface="+mn-lt"/>
-                <a:ea typeface="+mn-ea"/>
-                <a:cs typeface="+mn-cs"/>
-              </a:defRPr>
-            </a:lvl4pPr>
-            <a:lvl5pPr marL="2057400" indent="-228600" algn="l" defTabSz="914400" rtl="0" eaLnBrk="1" latinLnBrk="0" hangingPunct="1">
-              <a:lnSpc>
-                <a:spcPct val="90000"/>
-              </a:lnSpc>
-              <a:spcBef>
-                <a:spcPts val="500"/>
-              </a:spcBef>
-              <a:buFont typeface="Arial" panose="020B0604020202020204" pitchFamily="34" charset="0"/>
-              <a:buChar char="•"/>
-              <a:defRPr sz="1800" kern="1200">
-                <a:solidFill>
-                  <a:schemeClr val="tx1"/>
-                </a:solidFill>
-                <a:latin typeface="+mn-lt"/>
-                <a:ea typeface="+mn-ea"/>
-                <a:cs typeface="+mn-cs"/>
-              </a:defRPr>
-            </a:lvl5pPr>
-            <a:lvl6pPr marL="2514600" indent="-228600" algn="l" defTabSz="914400" rtl="0" eaLnBrk="1" latinLnBrk="0" hangingPunct="1">
-              <a:lnSpc>
-                <a:spcPct val="90000"/>
-              </a:lnSpc>
-              <a:spcBef>
-                <a:spcPts val="500"/>
-              </a:spcBef>
-              <a:buFont typeface="Arial" panose="020B0604020202020204" pitchFamily="34" charset="0"/>
-              <a:buChar char="•"/>
-              <a:defRPr sz="1800" kern="1200">
-                <a:solidFill>
-                  <a:schemeClr val="tx1"/>
-                </a:solidFill>
-                <a:latin typeface="+mn-lt"/>
-                <a:ea typeface="+mn-ea"/>
-                <a:cs typeface="+mn-cs"/>
-              </a:defRPr>
-            </a:lvl6pPr>
-            <a:lvl7pPr marL="2971800" indent="-228600" algn="l" defTabSz="914400" rtl="0" eaLnBrk="1" latinLnBrk="0" hangingPunct="1">
-              <a:lnSpc>
-                <a:spcPct val="90000"/>
-              </a:lnSpc>
-              <a:spcBef>
-                <a:spcPts val="500"/>
-              </a:spcBef>
-              <a:buFont typeface="Arial" panose="020B0604020202020204" pitchFamily="34" charset="0"/>
-              <a:buChar char="•"/>
-              <a:defRPr sz="1800" kern="1200">
-                <a:solidFill>
-                  <a:schemeClr val="tx1"/>
-                </a:solidFill>
-                <a:latin typeface="+mn-lt"/>
-                <a:ea typeface="+mn-ea"/>
-                <a:cs typeface="+mn-cs"/>
-              </a:defRPr>
-            </a:lvl7pPr>
-            <a:lvl8pPr marL="3429000" indent="-228600" algn="l" defTabSz="914400" rtl="0" eaLnBrk="1" latinLnBrk="0" hangingPunct="1">
-              <a:lnSpc>
-                <a:spcPct val="90000"/>
-              </a:lnSpc>
-              <a:spcBef>
-                <a:spcPts val="500"/>
-              </a:spcBef>
-              <a:buFont typeface="Arial" panose="020B0604020202020204" pitchFamily="34" charset="0"/>
-              <a:buChar char="•"/>
-              <a:defRPr sz="1800" kern="1200">
-                <a:solidFill>
-                  <a:schemeClr val="tx1"/>
-                </a:solidFill>
-                <a:latin typeface="+mn-lt"/>
-                <a:ea typeface="+mn-ea"/>
-                <a:cs typeface="+mn-cs"/>
-              </a:defRPr>
-            </a:lvl8pPr>
-            <a:lvl9pPr marL="3886200" indent="-228600" algn="l" defTabSz="914400" rtl="0" eaLnBrk="1" latinLnBrk="0" hangingPunct="1">
-              <a:lnSpc>
-                <a:spcPct val="90000"/>
-              </a:lnSpc>
-              <a:spcBef>
-                <a:spcPts val="500"/>
-              </a:spcBef>
-              <a:buFont typeface="Arial" panose="020B0604020202020204" pitchFamily="34" charset="0"/>
-              <a:buChar char="•"/>
-              <a:defRPr sz="1800" kern="1200">
-                <a:solidFill>
-                  <a:schemeClr val="tx1"/>
-                </a:solidFill>
-                <a:latin typeface="+mn-lt"/>
-                <a:ea typeface="+mn-ea"/>
-                <a:cs typeface="+mn-cs"/>
-              </a:defRPr>
-            </a:lvl9pPr>
-          </a:lstStyle>
-          <a:p>
-            <a:r>
-              <a:rPr lang="zh-CN" altLang="en-US" dirty="0">
-                <a:latin typeface="+mn-ea"/>
-              </a:rPr>
-              <a:t>直接发中断获得数十倍的性能提升！</a:t>
-            </a:r>
-            <a:endParaRPr lang="en-US" altLang="zh-CN" dirty="0">
-              <a:latin typeface="+mn-ea"/>
-            </a:endParaRPr>
-          </a:p>
-          <a:p>
-            <a:r>
-              <a:rPr lang="zh-CN" altLang="en-US" dirty="0">
-                <a:latin typeface="+mn-ea"/>
-              </a:rPr>
-              <a:t>经过操作系统调度则性能大幅下降</a:t>
-            </a:r>
-            <a:endParaRPr lang="en-US" altLang="zh-CN" dirty="0">
-              <a:latin typeface="+mn-ea"/>
-            </a:endParaRPr>
-          </a:p>
-        </p:txBody>
-      </p:sp>
     </p:spTree>
   </p:cSld>
   <p:clrMapOvr>
@@ -15159,7 +15689,7 @@
                 <a:latin typeface="思源宋体 Medium" panose="02020500000000000000" pitchFamily="18" charset="-122"/>
                 <a:ea typeface="思源宋体 Medium" panose="02020500000000000000" pitchFamily="18" charset="-122"/>
               </a:rPr>
-              <a:t>直接发送比例</a:t>
+              <a:t>收发延迟</a:t>
             </a:r>
             <a:endParaRPr lang="en-US" altLang="zh-CN" sz="4000" b="1" dirty="0">
               <a:solidFill>
@@ -15226,7 +15756,7 @@
           <p:nvPr/>
         </p:nvPicPr>
         <p:blipFill>
-          <a:blip r:embed="rId1">
+          <a:blip r:embed="rId3">
             <a:clrChange>
               <a:clrFrom>
                 <a:srgbClr val="FFFFFF"/>
@@ -15638,242 +16168,88 @@
           </a:p>
         </p:txBody>
       </p:sp>
-      <p:sp>
-        <p:nvSpPr>
-          <p:cNvPr id="15" name="Content Placeholder 2"/>
-          <p:cNvSpPr txBox="1"/>
-          <p:nvPr/>
-        </p:nvSpPr>
-        <p:spPr>
-          <a:xfrm>
-            <a:off x="1367265" y="5506890"/>
-            <a:ext cx="5961790" cy="1087314"/>
-          </a:xfrm>
-          <a:prstGeom prst="rect">
-            <a:avLst/>
-          </a:prstGeom>
-        </p:spPr>
-        <p:txBody>
-          <a:bodyPr>
-            <a:normAutofit/>
-          </a:bodyPr>
-          <a:lstStyle>
-            <a:lvl1pPr marL="228600" indent="-228600" algn="l" defTabSz="914400" rtl="0" eaLnBrk="1" latinLnBrk="0" hangingPunct="1">
-              <a:lnSpc>
-                <a:spcPct val="90000"/>
-              </a:lnSpc>
-              <a:spcBef>
-                <a:spcPts val="1000"/>
-              </a:spcBef>
-              <a:buFont typeface="Arial" panose="020B0604020202020204" pitchFamily="34" charset="0"/>
-              <a:buChar char="•"/>
-              <a:defRPr sz="2800" kern="1200">
-                <a:solidFill>
-                  <a:schemeClr val="tx1"/>
-                </a:solidFill>
-                <a:latin typeface="+mn-lt"/>
-                <a:ea typeface="+mn-ea"/>
-                <a:cs typeface="+mn-cs"/>
-              </a:defRPr>
-            </a:lvl1pPr>
-            <a:lvl2pPr marL="685800" indent="-228600" algn="l" defTabSz="914400" rtl="0" eaLnBrk="1" latinLnBrk="0" hangingPunct="1">
-              <a:lnSpc>
-                <a:spcPct val="90000"/>
-              </a:lnSpc>
-              <a:spcBef>
-                <a:spcPts val="500"/>
-              </a:spcBef>
-              <a:buFont typeface="Arial" panose="020B0604020202020204" pitchFamily="34" charset="0"/>
-              <a:buChar char="•"/>
-              <a:defRPr sz="2400" kern="1200">
-                <a:solidFill>
-                  <a:schemeClr val="tx1"/>
-                </a:solidFill>
-                <a:latin typeface="+mn-lt"/>
-                <a:ea typeface="+mn-ea"/>
-                <a:cs typeface="+mn-cs"/>
-              </a:defRPr>
-            </a:lvl2pPr>
-            <a:lvl3pPr marL="1143000" indent="-228600" algn="l" defTabSz="914400" rtl="0" eaLnBrk="1" latinLnBrk="0" hangingPunct="1">
-              <a:lnSpc>
-                <a:spcPct val="90000"/>
-              </a:lnSpc>
-              <a:spcBef>
-                <a:spcPts val="500"/>
-              </a:spcBef>
-              <a:buFont typeface="Arial" panose="020B0604020202020204" pitchFamily="34" charset="0"/>
-              <a:buChar char="•"/>
-              <a:defRPr sz="2000" kern="1200">
-                <a:solidFill>
-                  <a:schemeClr val="tx1"/>
-                </a:solidFill>
-                <a:latin typeface="+mn-lt"/>
-                <a:ea typeface="+mn-ea"/>
-                <a:cs typeface="+mn-cs"/>
-              </a:defRPr>
-            </a:lvl3pPr>
-            <a:lvl4pPr marL="1600200" indent="-228600" algn="l" defTabSz="914400" rtl="0" eaLnBrk="1" latinLnBrk="0" hangingPunct="1">
-              <a:lnSpc>
-                <a:spcPct val="90000"/>
-              </a:lnSpc>
-              <a:spcBef>
-                <a:spcPts val="500"/>
-              </a:spcBef>
-              <a:buFont typeface="Arial" panose="020B0604020202020204" pitchFamily="34" charset="0"/>
-              <a:buChar char="•"/>
-              <a:defRPr sz="1800" kern="1200">
-                <a:solidFill>
-                  <a:schemeClr val="tx1"/>
-                </a:solidFill>
-                <a:latin typeface="+mn-lt"/>
-                <a:ea typeface="+mn-ea"/>
-                <a:cs typeface="+mn-cs"/>
-              </a:defRPr>
-            </a:lvl4pPr>
-            <a:lvl5pPr marL="2057400" indent="-228600" algn="l" defTabSz="914400" rtl="0" eaLnBrk="1" latinLnBrk="0" hangingPunct="1">
-              <a:lnSpc>
-                <a:spcPct val="90000"/>
-              </a:lnSpc>
-              <a:spcBef>
-                <a:spcPts val="500"/>
-              </a:spcBef>
-              <a:buFont typeface="Arial" panose="020B0604020202020204" pitchFamily="34" charset="0"/>
-              <a:buChar char="•"/>
-              <a:defRPr sz="1800" kern="1200">
-                <a:solidFill>
-                  <a:schemeClr val="tx1"/>
-                </a:solidFill>
-                <a:latin typeface="+mn-lt"/>
-                <a:ea typeface="+mn-ea"/>
-                <a:cs typeface="+mn-cs"/>
-              </a:defRPr>
-            </a:lvl5pPr>
-            <a:lvl6pPr marL="2514600" indent="-228600" algn="l" defTabSz="914400" rtl="0" eaLnBrk="1" latinLnBrk="0" hangingPunct="1">
-              <a:lnSpc>
-                <a:spcPct val="90000"/>
-              </a:lnSpc>
-              <a:spcBef>
-                <a:spcPts val="500"/>
-              </a:spcBef>
-              <a:buFont typeface="Arial" panose="020B0604020202020204" pitchFamily="34" charset="0"/>
-              <a:buChar char="•"/>
-              <a:defRPr sz="1800" kern="1200">
-                <a:solidFill>
-                  <a:schemeClr val="tx1"/>
-                </a:solidFill>
-                <a:latin typeface="+mn-lt"/>
-                <a:ea typeface="+mn-ea"/>
-                <a:cs typeface="+mn-cs"/>
-              </a:defRPr>
-            </a:lvl6pPr>
-            <a:lvl7pPr marL="2971800" indent="-228600" algn="l" defTabSz="914400" rtl="0" eaLnBrk="1" latinLnBrk="0" hangingPunct="1">
-              <a:lnSpc>
-                <a:spcPct val="90000"/>
-              </a:lnSpc>
-              <a:spcBef>
-                <a:spcPts val="500"/>
-              </a:spcBef>
-              <a:buFont typeface="Arial" panose="020B0604020202020204" pitchFamily="34" charset="0"/>
-              <a:buChar char="•"/>
-              <a:defRPr sz="1800" kern="1200">
-                <a:solidFill>
-                  <a:schemeClr val="tx1"/>
-                </a:solidFill>
-                <a:latin typeface="+mn-lt"/>
-                <a:ea typeface="+mn-ea"/>
-                <a:cs typeface="+mn-cs"/>
-              </a:defRPr>
-            </a:lvl7pPr>
-            <a:lvl8pPr marL="3429000" indent="-228600" algn="l" defTabSz="914400" rtl="0" eaLnBrk="1" latinLnBrk="0" hangingPunct="1">
-              <a:lnSpc>
-                <a:spcPct val="90000"/>
-              </a:lnSpc>
-              <a:spcBef>
-                <a:spcPts val="500"/>
-              </a:spcBef>
-              <a:buFont typeface="Arial" panose="020B0604020202020204" pitchFamily="34" charset="0"/>
-              <a:buChar char="•"/>
-              <a:defRPr sz="1800" kern="1200">
-                <a:solidFill>
-                  <a:schemeClr val="tx1"/>
-                </a:solidFill>
-                <a:latin typeface="+mn-lt"/>
-                <a:ea typeface="+mn-ea"/>
-                <a:cs typeface="+mn-cs"/>
-              </a:defRPr>
-            </a:lvl8pPr>
-            <a:lvl9pPr marL="3886200" indent="-228600" algn="l" defTabSz="914400" rtl="0" eaLnBrk="1" latinLnBrk="0" hangingPunct="1">
-              <a:lnSpc>
-                <a:spcPct val="90000"/>
-              </a:lnSpc>
-              <a:spcBef>
-                <a:spcPts val="500"/>
-              </a:spcBef>
-              <a:buFont typeface="Arial" panose="020B0604020202020204" pitchFamily="34" charset="0"/>
-              <a:buChar char="•"/>
-              <a:defRPr sz="1800" kern="1200">
-                <a:solidFill>
-                  <a:schemeClr val="tx1"/>
-                </a:solidFill>
-                <a:latin typeface="+mn-lt"/>
-                <a:ea typeface="+mn-ea"/>
-                <a:cs typeface="+mn-cs"/>
-              </a:defRPr>
-            </a:lvl9pPr>
-          </a:lstStyle>
-          <a:p>
-            <a:r>
-              <a:rPr lang="en-US" altLang="zh-CN" dirty="0">
-                <a:latin typeface="+mn-ea"/>
-              </a:rPr>
-              <a:t>1000</a:t>
-            </a:r>
-            <a:r>
-              <a:rPr lang="zh-CN" altLang="en-US" dirty="0">
-                <a:latin typeface="+mn-ea"/>
-              </a:rPr>
-              <a:t>次来回收发中，只有个位数次由操作系统调度发送</a:t>
-            </a:r>
-            <a:endParaRPr lang="en-US" altLang="zh-CN" dirty="0">
-              <a:latin typeface="+mn-ea"/>
-            </a:endParaRPr>
-          </a:p>
-        </p:txBody>
-      </p:sp>
       <p:pic>
         <p:nvPicPr>
-          <p:cNvPr id="7" name="Picture 6"/>
+          <p:cNvPr id="2" name="Picture 1"/>
           <p:cNvPicPr>
             <a:picLocks noChangeAspect="1"/>
           </p:cNvPicPr>
           <p:nvPr/>
         </p:nvPicPr>
         <p:blipFill>
-          <a:blip r:embed="rId2"/>
+          <a:blip r:embed="rId4"/>
           <a:stretch>
             <a:fillRect/>
           </a:stretch>
         </p:blipFill>
         <p:spPr>
           <a:xfrm>
-            <a:off x="1309769" y="1442282"/>
-            <a:ext cx="8001000" cy="3759200"/>
+            <a:off x="987616" y="1816958"/>
+            <a:ext cx="4099193" cy="1612042"/>
           </a:xfrm>
           <a:prstGeom prst="rect">
             <a:avLst/>
           </a:prstGeom>
         </p:spPr>
       </p:pic>
-      <p:sp>
-        <p:nvSpPr>
-          <p:cNvPr id="16" name="文本框 15"/>
+      <p:pic>
+        <p:nvPicPr>
+          <p:cNvPr id="4" name="Picture 3"/>
+          <p:cNvPicPr>
+            <a:picLocks noChangeAspect="1"/>
+          </p:cNvPicPr>
+          <p:nvPr/>
+        </p:nvPicPr>
+        <p:blipFill>
+          <a:blip r:embed="rId5"/>
+          <a:stretch>
+            <a:fillRect/>
+          </a:stretch>
+        </p:blipFill>
+        <p:spPr>
+          <a:xfrm>
+            <a:off x="987616" y="3976951"/>
+            <a:ext cx="3914861" cy="1801134"/>
+          </a:xfrm>
+          <a:prstGeom prst="rect">
+            <a:avLst/>
+          </a:prstGeom>
+        </p:spPr>
+      </p:pic>
+      <p:pic>
+        <p:nvPicPr>
+          <p:cNvPr id="5" name="Picture 4"/>
+          <p:cNvPicPr>
+            <a:picLocks noChangeAspect="1"/>
+          </p:cNvPicPr>
+          <p:nvPr/>
+        </p:nvPicPr>
+        <p:blipFill>
+          <a:blip r:embed="rId6"/>
+          <a:stretch>
+            <a:fillRect/>
+          </a:stretch>
+        </p:blipFill>
+        <p:spPr>
+          <a:xfrm>
+            <a:off x="6147143" y="1656518"/>
+            <a:ext cx="3977278" cy="2174627"/>
+          </a:xfrm>
+          <a:prstGeom prst="rect">
+            <a:avLst/>
+          </a:prstGeom>
+        </p:spPr>
+      </p:pic>
+      <p:sp>
+        <p:nvSpPr>
+          <p:cNvPr id="12" name="文本框 15"/>
           <p:cNvSpPr txBox="1"/>
           <p:nvPr/>
         </p:nvSpPr>
         <p:spPr>
           <a:xfrm>
-            <a:off x="3049286" y="1753364"/>
-            <a:ext cx="1979914" cy="612248"/>
+            <a:off x="1830379" y="2584614"/>
+            <a:ext cx="1262445" cy="345450"/>
           </a:xfrm>
           <a:prstGeom prst="rect">
             <a:avLst/>
@@ -15893,6 +16269,277 @@
           <a:lstStyle/>
           <a:p>
             <a:endParaRPr kumimoji="1" lang="zh-CN" altLang="en-US" dirty="0"/>
+          </a:p>
+        </p:txBody>
+      </p:sp>
+      <p:sp>
+        <p:nvSpPr>
+          <p:cNvPr id="13" name="文本框 15"/>
+          <p:cNvSpPr txBox="1"/>
+          <p:nvPr/>
+        </p:nvSpPr>
+        <p:spPr>
+          <a:xfrm>
+            <a:off x="1830379" y="4995779"/>
+            <a:ext cx="1383468" cy="288915"/>
+          </a:xfrm>
+          <a:prstGeom prst="rect">
+            <a:avLst/>
+          </a:prstGeom>
+          <a:noFill/>
+          <a:ln w="60325" cmpd="sng">
+            <a:solidFill>
+              <a:srgbClr val="FF0000"/>
+            </a:solidFill>
+            <a:prstDash val="solid"/>
+          </a:ln>
+        </p:spPr>
+        <p:txBody>
+          <a:bodyPr wrap="square" rtlCol="0">
+            <a:spAutoFit/>
+          </a:bodyPr>
+          <a:lstStyle/>
+          <a:p>
+            <a:endParaRPr kumimoji="1" lang="zh-CN" altLang="en-US" dirty="0"/>
+          </a:p>
+        </p:txBody>
+      </p:sp>
+      <p:sp>
+        <p:nvSpPr>
+          <p:cNvPr id="14" name="文本框 15"/>
+          <p:cNvSpPr txBox="1"/>
+          <p:nvPr/>
+        </p:nvSpPr>
+        <p:spPr>
+          <a:xfrm>
+            <a:off x="6965576" y="3083550"/>
+            <a:ext cx="1224287" cy="345450"/>
+          </a:xfrm>
+          <a:prstGeom prst="rect">
+            <a:avLst/>
+          </a:prstGeom>
+          <a:noFill/>
+          <a:ln w="60325" cmpd="sng">
+            <a:solidFill>
+              <a:srgbClr val="FF0000"/>
+            </a:solidFill>
+            <a:prstDash val="solid"/>
+          </a:ln>
+        </p:spPr>
+        <p:txBody>
+          <a:bodyPr wrap="square" rtlCol="0">
+            <a:spAutoFit/>
+          </a:bodyPr>
+          <a:lstStyle/>
+          <a:p>
+            <a:endParaRPr kumimoji="1" lang="zh-CN" altLang="en-US" dirty="0"/>
+          </a:p>
+        </p:txBody>
+      </p:sp>
+      <p:sp>
+        <p:nvSpPr>
+          <p:cNvPr id="15" name="Content Placeholder 2"/>
+          <p:cNvSpPr txBox="1"/>
+          <p:nvPr/>
+        </p:nvSpPr>
+        <p:spPr>
+          <a:xfrm>
+            <a:off x="5618885" y="4114168"/>
+            <a:ext cx="5888933" cy="2174628"/>
+          </a:xfrm>
+          <a:prstGeom prst="rect">
+            <a:avLst/>
+          </a:prstGeom>
+        </p:spPr>
+        <p:txBody>
+          <a:bodyPr>
+            <a:normAutofit/>
+          </a:bodyPr>
+          <a:lstStyle>
+            <a:lvl1pPr marL="228600" indent="-228600" algn="l" defTabSz="914400" rtl="0" eaLnBrk="1" latinLnBrk="0" hangingPunct="1">
+              <a:lnSpc>
+                <a:spcPct val="90000"/>
+              </a:lnSpc>
+              <a:spcBef>
+                <a:spcPts val="1000"/>
+              </a:spcBef>
+              <a:buFont typeface="Arial" panose="020B0604020202020204" pitchFamily="34" charset="0"/>
+              <a:buChar char="•"/>
+              <a:defRPr sz="2800" kern="1200">
+                <a:solidFill>
+                  <a:schemeClr val="tx1"/>
+                </a:solidFill>
+                <a:latin typeface="+mn-lt"/>
+                <a:ea typeface="+mn-ea"/>
+                <a:cs typeface="+mn-cs"/>
+              </a:defRPr>
+            </a:lvl1pPr>
+            <a:lvl2pPr marL="685800" indent="-228600" algn="l" defTabSz="914400" rtl="0" eaLnBrk="1" latinLnBrk="0" hangingPunct="1">
+              <a:lnSpc>
+                <a:spcPct val="90000"/>
+              </a:lnSpc>
+              <a:spcBef>
+                <a:spcPts val="500"/>
+              </a:spcBef>
+              <a:buFont typeface="Arial" panose="020B0604020202020204" pitchFamily="34" charset="0"/>
+              <a:buChar char="•"/>
+              <a:defRPr sz="2400" kern="1200">
+                <a:solidFill>
+                  <a:schemeClr val="tx1"/>
+                </a:solidFill>
+                <a:latin typeface="+mn-lt"/>
+                <a:ea typeface="+mn-ea"/>
+                <a:cs typeface="+mn-cs"/>
+              </a:defRPr>
+            </a:lvl2pPr>
+            <a:lvl3pPr marL="1143000" indent="-228600" algn="l" defTabSz="914400" rtl="0" eaLnBrk="1" latinLnBrk="0" hangingPunct="1">
+              <a:lnSpc>
+                <a:spcPct val="90000"/>
+              </a:lnSpc>
+              <a:spcBef>
+                <a:spcPts val="500"/>
+              </a:spcBef>
+              <a:buFont typeface="Arial" panose="020B0604020202020204" pitchFamily="34" charset="0"/>
+              <a:buChar char="•"/>
+              <a:defRPr sz="2000" kern="1200">
+                <a:solidFill>
+                  <a:schemeClr val="tx1"/>
+                </a:solidFill>
+                <a:latin typeface="+mn-lt"/>
+                <a:ea typeface="+mn-ea"/>
+                <a:cs typeface="+mn-cs"/>
+              </a:defRPr>
+            </a:lvl3pPr>
+            <a:lvl4pPr marL="1600200" indent="-228600" algn="l" defTabSz="914400" rtl="0" eaLnBrk="1" latinLnBrk="0" hangingPunct="1">
+              <a:lnSpc>
+                <a:spcPct val="90000"/>
+              </a:lnSpc>
+              <a:spcBef>
+                <a:spcPts val="500"/>
+              </a:spcBef>
+              <a:buFont typeface="Arial" panose="020B0604020202020204" pitchFamily="34" charset="0"/>
+              <a:buChar char="•"/>
+              <a:defRPr sz="1800" kern="1200">
+                <a:solidFill>
+                  <a:schemeClr val="tx1"/>
+                </a:solidFill>
+                <a:latin typeface="+mn-lt"/>
+                <a:ea typeface="+mn-ea"/>
+                <a:cs typeface="+mn-cs"/>
+              </a:defRPr>
+            </a:lvl4pPr>
+            <a:lvl5pPr marL="2057400" indent="-228600" algn="l" defTabSz="914400" rtl="0" eaLnBrk="1" latinLnBrk="0" hangingPunct="1">
+              <a:lnSpc>
+                <a:spcPct val="90000"/>
+              </a:lnSpc>
+              <a:spcBef>
+                <a:spcPts val="500"/>
+              </a:spcBef>
+              <a:buFont typeface="Arial" panose="020B0604020202020204" pitchFamily="34" charset="0"/>
+              <a:buChar char="•"/>
+              <a:defRPr sz="1800" kern="1200">
+                <a:solidFill>
+                  <a:schemeClr val="tx1"/>
+                </a:solidFill>
+                <a:latin typeface="+mn-lt"/>
+                <a:ea typeface="+mn-ea"/>
+                <a:cs typeface="+mn-cs"/>
+              </a:defRPr>
+            </a:lvl5pPr>
+            <a:lvl6pPr marL="2514600" indent="-228600" algn="l" defTabSz="914400" rtl="0" eaLnBrk="1" latinLnBrk="0" hangingPunct="1">
+              <a:lnSpc>
+                <a:spcPct val="90000"/>
+              </a:lnSpc>
+              <a:spcBef>
+                <a:spcPts val="500"/>
+              </a:spcBef>
+              <a:buFont typeface="Arial" panose="020B0604020202020204" pitchFamily="34" charset="0"/>
+              <a:buChar char="•"/>
+              <a:defRPr sz="1800" kern="1200">
+                <a:solidFill>
+                  <a:schemeClr val="tx1"/>
+                </a:solidFill>
+                <a:latin typeface="+mn-lt"/>
+                <a:ea typeface="+mn-ea"/>
+                <a:cs typeface="+mn-cs"/>
+              </a:defRPr>
+            </a:lvl6pPr>
+            <a:lvl7pPr marL="2971800" indent="-228600" algn="l" defTabSz="914400" rtl="0" eaLnBrk="1" latinLnBrk="0" hangingPunct="1">
+              <a:lnSpc>
+                <a:spcPct val="90000"/>
+              </a:lnSpc>
+              <a:spcBef>
+                <a:spcPts val="500"/>
+              </a:spcBef>
+              <a:buFont typeface="Arial" panose="020B0604020202020204" pitchFamily="34" charset="0"/>
+              <a:buChar char="•"/>
+              <a:defRPr sz="1800" kern="1200">
+                <a:solidFill>
+                  <a:schemeClr val="tx1"/>
+                </a:solidFill>
+                <a:latin typeface="+mn-lt"/>
+                <a:ea typeface="+mn-ea"/>
+                <a:cs typeface="+mn-cs"/>
+              </a:defRPr>
+            </a:lvl7pPr>
+            <a:lvl8pPr marL="3429000" indent="-228600" algn="l" defTabSz="914400" rtl="0" eaLnBrk="1" latinLnBrk="0" hangingPunct="1">
+              <a:lnSpc>
+                <a:spcPct val="90000"/>
+              </a:lnSpc>
+              <a:spcBef>
+                <a:spcPts val="500"/>
+              </a:spcBef>
+              <a:buFont typeface="Arial" panose="020B0604020202020204" pitchFamily="34" charset="0"/>
+              <a:buChar char="•"/>
+              <a:defRPr sz="1800" kern="1200">
+                <a:solidFill>
+                  <a:schemeClr val="tx1"/>
+                </a:solidFill>
+                <a:latin typeface="+mn-lt"/>
+                <a:ea typeface="+mn-ea"/>
+                <a:cs typeface="+mn-cs"/>
+              </a:defRPr>
+            </a:lvl8pPr>
+            <a:lvl9pPr marL="3886200" indent="-228600" algn="l" defTabSz="914400" rtl="0" eaLnBrk="1" latinLnBrk="0" hangingPunct="1">
+              <a:lnSpc>
+                <a:spcPct val="90000"/>
+              </a:lnSpc>
+              <a:spcBef>
+                <a:spcPts val="500"/>
+              </a:spcBef>
+              <a:buFont typeface="Arial" panose="020B0604020202020204" pitchFamily="34" charset="0"/>
+              <a:buChar char="•"/>
+              <a:defRPr sz="1800" kern="1200">
+                <a:solidFill>
+                  <a:schemeClr val="tx1"/>
+                </a:solidFill>
+                <a:latin typeface="+mn-lt"/>
+                <a:ea typeface="+mn-ea"/>
+                <a:cs typeface="+mn-cs"/>
+              </a:defRPr>
+            </a:lvl9pPr>
+          </a:lstStyle>
+          <a:p>
+            <a:r>
+              <a:rPr lang="zh-CN" altLang="en-US" dirty="0">
+                <a:latin typeface="+mn-ea"/>
+              </a:rPr>
+              <a:t>直接发中断获得数十倍的性能提升！</a:t>
+            </a:r>
+            <a:endParaRPr lang="en-US" altLang="zh-CN" dirty="0">
+              <a:latin typeface="+mn-ea"/>
+            </a:endParaRPr>
+          </a:p>
+          <a:p>
+            <a:r>
+              <a:rPr lang="zh-CN" altLang="en-US" dirty="0">
+                <a:latin typeface="+mn-ea"/>
+              </a:rPr>
+              <a:t>经过操作系统调度则性能大幅下降</a:t>
+            </a:r>
+            <a:endParaRPr lang="en-US" altLang="zh-CN" dirty="0">
+              <a:latin typeface="+mn-ea"/>
+            </a:endParaRPr>
           </a:p>
         </p:txBody>
       </p:sp>
@@ -15996,7 +16643,7 @@
                 <a:latin typeface="思源宋体 Medium" panose="02020500000000000000" pitchFamily="18" charset="-122"/>
                 <a:ea typeface="思源宋体 Medium" panose="02020500000000000000" pitchFamily="18" charset="-122"/>
               </a:rPr>
-              <a:t>横向对比</a:t>
+              <a:t>直接发送比例</a:t>
             </a:r>
             <a:endParaRPr lang="en-US" altLang="zh-CN" sz="4000" b="1" dirty="0">
               <a:solidFill>
@@ -16063,7 +16710,7 @@
           <p:nvPr/>
         </p:nvPicPr>
         <p:blipFill>
-          <a:blip r:embed="rId1">
+          <a:blip r:embed="rId3">
             <a:clrChange>
               <a:clrFrom>
                 <a:srgbClr val="FFFFFF"/>
@@ -16293,7 +16940,7 @@
         </p:nvSpPr>
         <p:spPr>
           <a:xfrm>
-            <a:off x="1056186" y="1833032"/>
+            <a:off x="1113971" y="1801282"/>
             <a:ext cx="10515600" cy="4351338"/>
           </a:xfrm>
           <a:prstGeom prst="rect">
@@ -16469,81 +17116,217 @@
             </a:lvl9pPr>
           </a:lstStyle>
           <a:p>
-            <a:r>
-              <a:rPr lang="zh-CN" altLang="en-US" dirty="0">
-                <a:latin typeface="+mn-ea"/>
-              </a:rPr>
-              <a:t>复现</a:t>
-            </a:r>
-            <a:r>
-              <a:rPr lang="en-US" altLang="zh-CN" dirty="0">
-                <a:latin typeface="+mn-ea"/>
-              </a:rPr>
-              <a:t> linux rfc </a:t>
-            </a:r>
-            <a:r>
-              <a:rPr lang="zh-CN" altLang="en-US" dirty="0">
-                <a:latin typeface="+mn-ea"/>
-              </a:rPr>
-              <a:t>性能测试结果</a:t>
-            </a:r>
-            <a:endParaRPr lang="zh-CN" altLang="en-US" dirty="0">
+            <a:endParaRPr lang="en-US" altLang="zh-CN" dirty="0">
               <a:latin typeface="+mn-ea"/>
             </a:endParaRPr>
           </a:p>
         </p:txBody>
       </p:sp>
-      <p:pic>
-        <p:nvPicPr>
-          <p:cNvPr id="2" name="图片 1"/>
-          <p:cNvPicPr>
-            <a:picLocks noChangeAspect="1"/>
-          </p:cNvPicPr>
+      <p:sp>
+        <p:nvSpPr>
+          <p:cNvPr id="15" name="Content Placeholder 2"/>
+          <p:cNvSpPr txBox="1"/>
           <p:nvPr/>
-        </p:nvPicPr>
-        <p:blipFill>
-          <a:blip r:embed="rId2"/>
-          <a:stretch>
-            <a:fillRect/>
-          </a:stretch>
-        </p:blipFill>
+        </p:nvSpPr>
         <p:spPr>
           <a:xfrm>
-            <a:off x="663575" y="2680970"/>
-            <a:ext cx="5708015" cy="2889250"/>
+            <a:off x="1367265" y="5506890"/>
+            <a:ext cx="5961790" cy="1087314"/>
           </a:xfrm>
           <a:prstGeom prst="rect">
             <a:avLst/>
           </a:prstGeom>
         </p:spPr>
-      </p:pic>
+        <p:txBody>
+          <a:bodyPr>
+            <a:normAutofit/>
+          </a:bodyPr>
+          <a:lstStyle>
+            <a:lvl1pPr marL="228600" indent="-228600" algn="l" defTabSz="914400" rtl="0" eaLnBrk="1" latinLnBrk="0" hangingPunct="1">
+              <a:lnSpc>
+                <a:spcPct val="90000"/>
+              </a:lnSpc>
+              <a:spcBef>
+                <a:spcPts val="1000"/>
+              </a:spcBef>
+              <a:buFont typeface="Arial" panose="020B0604020202020204" pitchFamily="34" charset="0"/>
+              <a:buChar char="•"/>
+              <a:defRPr sz="2800" kern="1200">
+                <a:solidFill>
+                  <a:schemeClr val="tx1"/>
+                </a:solidFill>
+                <a:latin typeface="+mn-lt"/>
+                <a:ea typeface="+mn-ea"/>
+                <a:cs typeface="+mn-cs"/>
+              </a:defRPr>
+            </a:lvl1pPr>
+            <a:lvl2pPr marL="685800" indent="-228600" algn="l" defTabSz="914400" rtl="0" eaLnBrk="1" latinLnBrk="0" hangingPunct="1">
+              <a:lnSpc>
+                <a:spcPct val="90000"/>
+              </a:lnSpc>
+              <a:spcBef>
+                <a:spcPts val="500"/>
+              </a:spcBef>
+              <a:buFont typeface="Arial" panose="020B0604020202020204" pitchFamily="34" charset="0"/>
+              <a:buChar char="•"/>
+              <a:defRPr sz="2400" kern="1200">
+                <a:solidFill>
+                  <a:schemeClr val="tx1"/>
+                </a:solidFill>
+                <a:latin typeface="+mn-lt"/>
+                <a:ea typeface="+mn-ea"/>
+                <a:cs typeface="+mn-cs"/>
+              </a:defRPr>
+            </a:lvl2pPr>
+            <a:lvl3pPr marL="1143000" indent="-228600" algn="l" defTabSz="914400" rtl="0" eaLnBrk="1" latinLnBrk="0" hangingPunct="1">
+              <a:lnSpc>
+                <a:spcPct val="90000"/>
+              </a:lnSpc>
+              <a:spcBef>
+                <a:spcPts val="500"/>
+              </a:spcBef>
+              <a:buFont typeface="Arial" panose="020B0604020202020204" pitchFamily="34" charset="0"/>
+              <a:buChar char="•"/>
+              <a:defRPr sz="2000" kern="1200">
+                <a:solidFill>
+                  <a:schemeClr val="tx1"/>
+                </a:solidFill>
+                <a:latin typeface="+mn-lt"/>
+                <a:ea typeface="+mn-ea"/>
+                <a:cs typeface="+mn-cs"/>
+              </a:defRPr>
+            </a:lvl3pPr>
+            <a:lvl4pPr marL="1600200" indent="-228600" algn="l" defTabSz="914400" rtl="0" eaLnBrk="1" latinLnBrk="0" hangingPunct="1">
+              <a:lnSpc>
+                <a:spcPct val="90000"/>
+              </a:lnSpc>
+              <a:spcBef>
+                <a:spcPts val="500"/>
+              </a:spcBef>
+              <a:buFont typeface="Arial" panose="020B0604020202020204" pitchFamily="34" charset="0"/>
+              <a:buChar char="•"/>
+              <a:defRPr sz="1800" kern="1200">
+                <a:solidFill>
+                  <a:schemeClr val="tx1"/>
+                </a:solidFill>
+                <a:latin typeface="+mn-lt"/>
+                <a:ea typeface="+mn-ea"/>
+                <a:cs typeface="+mn-cs"/>
+              </a:defRPr>
+            </a:lvl4pPr>
+            <a:lvl5pPr marL="2057400" indent="-228600" algn="l" defTabSz="914400" rtl="0" eaLnBrk="1" latinLnBrk="0" hangingPunct="1">
+              <a:lnSpc>
+                <a:spcPct val="90000"/>
+              </a:lnSpc>
+              <a:spcBef>
+                <a:spcPts val="500"/>
+              </a:spcBef>
+              <a:buFont typeface="Arial" panose="020B0604020202020204" pitchFamily="34" charset="0"/>
+              <a:buChar char="•"/>
+              <a:defRPr sz="1800" kern="1200">
+                <a:solidFill>
+                  <a:schemeClr val="tx1"/>
+                </a:solidFill>
+                <a:latin typeface="+mn-lt"/>
+                <a:ea typeface="+mn-ea"/>
+                <a:cs typeface="+mn-cs"/>
+              </a:defRPr>
+            </a:lvl5pPr>
+            <a:lvl6pPr marL="2514600" indent="-228600" algn="l" defTabSz="914400" rtl="0" eaLnBrk="1" latinLnBrk="0" hangingPunct="1">
+              <a:lnSpc>
+                <a:spcPct val="90000"/>
+              </a:lnSpc>
+              <a:spcBef>
+                <a:spcPts val="500"/>
+              </a:spcBef>
+              <a:buFont typeface="Arial" panose="020B0604020202020204" pitchFamily="34" charset="0"/>
+              <a:buChar char="•"/>
+              <a:defRPr sz="1800" kern="1200">
+                <a:solidFill>
+                  <a:schemeClr val="tx1"/>
+                </a:solidFill>
+                <a:latin typeface="+mn-lt"/>
+                <a:ea typeface="+mn-ea"/>
+                <a:cs typeface="+mn-cs"/>
+              </a:defRPr>
+            </a:lvl6pPr>
+            <a:lvl7pPr marL="2971800" indent="-228600" algn="l" defTabSz="914400" rtl="0" eaLnBrk="1" latinLnBrk="0" hangingPunct="1">
+              <a:lnSpc>
+                <a:spcPct val="90000"/>
+              </a:lnSpc>
+              <a:spcBef>
+                <a:spcPts val="500"/>
+              </a:spcBef>
+              <a:buFont typeface="Arial" panose="020B0604020202020204" pitchFamily="34" charset="0"/>
+              <a:buChar char="•"/>
+              <a:defRPr sz="1800" kern="1200">
+                <a:solidFill>
+                  <a:schemeClr val="tx1"/>
+                </a:solidFill>
+                <a:latin typeface="+mn-lt"/>
+                <a:ea typeface="+mn-ea"/>
+                <a:cs typeface="+mn-cs"/>
+              </a:defRPr>
+            </a:lvl7pPr>
+            <a:lvl8pPr marL="3429000" indent="-228600" algn="l" defTabSz="914400" rtl="0" eaLnBrk="1" latinLnBrk="0" hangingPunct="1">
+              <a:lnSpc>
+                <a:spcPct val="90000"/>
+              </a:lnSpc>
+              <a:spcBef>
+                <a:spcPts val="500"/>
+              </a:spcBef>
+              <a:buFont typeface="Arial" panose="020B0604020202020204" pitchFamily="34" charset="0"/>
+              <a:buChar char="•"/>
+              <a:defRPr sz="1800" kern="1200">
+                <a:solidFill>
+                  <a:schemeClr val="tx1"/>
+                </a:solidFill>
+                <a:latin typeface="+mn-lt"/>
+                <a:ea typeface="+mn-ea"/>
+                <a:cs typeface="+mn-cs"/>
+              </a:defRPr>
+            </a:lvl8pPr>
+            <a:lvl9pPr marL="3886200" indent="-228600" algn="l" defTabSz="914400" rtl="0" eaLnBrk="1" latinLnBrk="0" hangingPunct="1">
+              <a:lnSpc>
+                <a:spcPct val="90000"/>
+              </a:lnSpc>
+              <a:spcBef>
+                <a:spcPts val="500"/>
+              </a:spcBef>
+              <a:buFont typeface="Arial" panose="020B0604020202020204" pitchFamily="34" charset="0"/>
+              <a:buChar char="•"/>
+              <a:defRPr sz="1800" kern="1200">
+                <a:solidFill>
+                  <a:schemeClr val="tx1"/>
+                </a:solidFill>
+                <a:latin typeface="+mn-lt"/>
+                <a:ea typeface="+mn-ea"/>
+                <a:cs typeface="+mn-cs"/>
+              </a:defRPr>
+            </a:lvl9pPr>
+          </a:lstStyle>
+          <a:p>
+            <a:r>
+              <a:rPr lang="en-US" altLang="zh-CN" dirty="0">
+                <a:latin typeface="+mn-ea"/>
+              </a:rPr>
+              <a:t>1000</a:t>
+            </a:r>
+            <a:r>
+              <a:rPr lang="zh-CN" altLang="en-US" dirty="0">
+                <a:latin typeface="+mn-ea"/>
+              </a:rPr>
+              <a:t>次来回收发中，只有个位数次由操作系统调度发送</a:t>
+            </a:r>
+            <a:endParaRPr lang="en-US" altLang="zh-CN" dirty="0">
+              <a:latin typeface="+mn-ea"/>
+            </a:endParaRPr>
+          </a:p>
+        </p:txBody>
+      </p:sp>
       <p:pic>
         <p:nvPicPr>
-          <p:cNvPr id="7" name="图片 6"/>
-          <p:cNvPicPr>
-            <a:picLocks noChangeAspect="1"/>
-          </p:cNvPicPr>
-          <p:nvPr/>
-        </p:nvPicPr>
-        <p:blipFill>
-          <a:blip r:embed="rId3"/>
-          <a:stretch>
-            <a:fillRect/>
-          </a:stretch>
-        </p:blipFill>
-        <p:spPr>
-          <a:xfrm>
-            <a:off x="7133590" y="2255520"/>
-            <a:ext cx="4031615" cy="2124710"/>
-          </a:xfrm>
-          <a:prstGeom prst="rect">
-            <a:avLst/>
-          </a:prstGeom>
-        </p:spPr>
-      </p:pic>
-      <p:pic>
-        <p:nvPicPr>
-          <p:cNvPr id="9" name="图片 8"/>
+          <p:cNvPr id="7" name="Picture 6"/>
           <p:cNvPicPr>
             <a:picLocks noChangeAspect="1"/>
           </p:cNvPicPr>
@@ -16557,8 +17340,8 @@
         </p:blipFill>
         <p:spPr>
           <a:xfrm>
-            <a:off x="7141845" y="4573270"/>
-            <a:ext cx="4023360" cy="2059940"/>
+            <a:off x="1309769" y="1442282"/>
+            <a:ext cx="8001000" cy="3759200"/>
           </a:xfrm>
           <a:prstGeom prst="rect">
             <a:avLst/>
@@ -16567,19 +17350,25 @@
       </p:pic>
       <p:sp>
         <p:nvSpPr>
-          <p:cNvPr id="10" name="文本框 9"/>
+          <p:cNvPr id="16" name="文本框 15"/>
           <p:cNvSpPr txBox="1"/>
           <p:nvPr/>
         </p:nvSpPr>
         <p:spPr>
           <a:xfrm>
-            <a:off x="7250430" y="1706245"/>
-            <a:ext cx="3608705" cy="368300"/>
+            <a:off x="3049286" y="1753364"/>
+            <a:ext cx="1979914" cy="612248"/>
           </a:xfrm>
           <a:prstGeom prst="rect">
             <a:avLst/>
           </a:prstGeom>
           <a:noFill/>
+          <a:ln w="60325" cmpd="sng">
+            <a:solidFill>
+              <a:srgbClr val="FF0000"/>
+            </a:solidFill>
+            <a:prstDash val="solid"/>
+          </a:ln>
         </p:spPr>
         <p:txBody>
           <a:bodyPr wrap="square" rtlCol="0">
@@ -16587,23 +17376,7 @@
           </a:bodyPr>
           <a:lstStyle/>
           <a:p>
-            <a:r>
-              <a:rPr lang="zh-CN" altLang="en-US"/>
-              <a:t>上：</a:t>
-            </a:r>
-            <a:r>
-              <a:rPr lang="en-US" altLang="zh-CN"/>
-              <a:t>uintr</a:t>
-            </a:r>
-            <a:r>
-              <a:rPr lang="zh-CN" altLang="en-US"/>
-              <a:t>；下：</a:t>
-            </a:r>
-            <a:r>
-              <a:rPr lang="en-US" altLang="zh-CN"/>
-              <a:t>signal</a:t>
-            </a:r>
-            <a:endParaRPr lang="en-US" altLang="zh-CN"/>
+            <a:endParaRPr kumimoji="1" lang="zh-CN" altLang="en-US" dirty="0"/>
           </a:p>
         </p:txBody>
       </p:sp>
@@ -16866,6 +17639,8 @@
       </a:bgFillStyleLst>
     </a:fmtScheme>
   </a:themeElements>
+  <a:objectDefaults/>
+  <a:extraClrSchemeLst/>
   <a:extLst>
     <a:ext uri="{05A4C25C-085E-4340-85A3-A5531E510DB2}">
       <thm15:themeFamily xmlns:thm15="http://schemas.microsoft.com/office/thememl/2012/main" name="Office Theme" id="{62F939B6-93AF-4DB8-9C6B-D6C7DFDC589F}" vid="{4A3C46E8-61CC-4603-A589-7422A47A8E4A}"/>
@@ -17125,6 +17900,8 @@
       </a:bgFillStyleLst>
     </a:fmtScheme>
   </a:themeElements>
+  <a:objectDefaults/>
+  <a:extraClrSchemeLst/>
   <a:extLst>
     <a:ext uri="{05A4C25C-085E-4340-85A3-A5531E510DB2}">
       <thm15:themeFamily xmlns:thm15="http://schemas.microsoft.com/office/thememl/2012/main" name="Office Theme" id="{62F939B6-93AF-4DB8-9C6B-D6C7DFDC589F}" vid="{4A3C46E8-61CC-4603-A589-7422A47A8E4A}"/>

--- a/ppt/2022-6-11.pptx
+++ b/ppt/2022-6-11.pptx
@@ -270,7 +270,7 @@
           <a:p>
             <a:fld id="{DE75668F-B37B-164D-A62C-3FF5A8BC808F}" type="datetimeFigureOut">
               <a:rPr lang="en-US" smtClean="0"/>
-              <a:t>6/11/2022</a:t>
+              <a:t>6/11/22</a:t>
             </a:fld>
             <a:endParaRPr lang="en-US"/>
           </a:p>
@@ -2553,7 +2553,7 @@
           <a:p>
             <a:fld id="{CE875574-B30F-E946-8A30-5D40B09C42BE}" type="datetimeFigureOut">
               <a:rPr lang="en-US" smtClean="0"/>
-              <a:t>6/11/2022</a:t>
+              <a:t>6/11/22</a:t>
             </a:fld>
             <a:endParaRPr lang="en-US"/>
           </a:p>
@@ -2718,7 +2718,7 @@
           <a:p>
             <a:fld id="{CE875574-B30F-E946-8A30-5D40B09C42BE}" type="datetimeFigureOut">
               <a:rPr lang="en-US" smtClean="0"/>
-              <a:t>6/11/2022</a:t>
+              <a:t>6/11/22</a:t>
             </a:fld>
             <a:endParaRPr lang="en-US"/>
           </a:p>
@@ -2893,7 +2893,7 @@
           <a:p>
             <a:fld id="{CE875574-B30F-E946-8A30-5D40B09C42BE}" type="datetimeFigureOut">
               <a:rPr lang="en-US" smtClean="0"/>
-              <a:t>6/11/2022</a:t>
+              <a:t>6/11/22</a:t>
             </a:fld>
             <a:endParaRPr lang="en-US"/>
           </a:p>
@@ -3133,7 +3133,7 @@
           <a:p>
             <a:fld id="{CE875574-B30F-E946-8A30-5D40B09C42BE}" type="datetimeFigureOut">
               <a:rPr lang="en-US" smtClean="0"/>
-              <a:t>6/11/2022</a:t>
+              <a:t>6/11/22</a:t>
             </a:fld>
             <a:endParaRPr lang="en-US"/>
           </a:p>
@@ -3374,7 +3374,7 @@
           <a:p>
             <a:fld id="{CE875574-B30F-E946-8A30-5D40B09C42BE}" type="datetimeFigureOut">
               <a:rPr lang="en-US" smtClean="0"/>
-              <a:t>6/11/2022</a:t>
+              <a:t>6/11/22</a:t>
             </a:fld>
             <a:endParaRPr lang="en-US"/>
           </a:p>
@@ -3601,7 +3601,7 @@
           <a:p>
             <a:fld id="{CE875574-B30F-E946-8A30-5D40B09C42BE}" type="datetimeFigureOut">
               <a:rPr lang="en-US" smtClean="0"/>
-              <a:t>6/11/2022</a:t>
+              <a:t>6/11/22</a:t>
             </a:fld>
             <a:endParaRPr lang="en-US"/>
           </a:p>
@@ -3963,7 +3963,7 @@
           <a:p>
             <a:fld id="{CE875574-B30F-E946-8A30-5D40B09C42BE}" type="datetimeFigureOut">
               <a:rPr lang="en-US" smtClean="0"/>
-              <a:t>6/11/2022</a:t>
+              <a:t>6/11/22</a:t>
             </a:fld>
             <a:endParaRPr lang="en-US"/>
           </a:p>
@@ -4076,7 +4076,7 @@
           <a:p>
             <a:fld id="{CE875574-B30F-E946-8A30-5D40B09C42BE}" type="datetimeFigureOut">
               <a:rPr lang="en-US" smtClean="0"/>
-              <a:t>6/11/2022</a:t>
+              <a:t>6/11/22</a:t>
             </a:fld>
             <a:endParaRPr lang="en-US"/>
           </a:p>
@@ -4166,7 +4166,7 @@
           <a:p>
             <a:fld id="{CE875574-B30F-E946-8A30-5D40B09C42BE}" type="datetimeFigureOut">
               <a:rPr lang="en-US" smtClean="0"/>
-              <a:t>6/11/2022</a:t>
+              <a:t>6/11/22</a:t>
             </a:fld>
             <a:endParaRPr lang="en-US"/>
           </a:p>
@@ -4438,7 +4438,7 @@
           <a:p>
             <a:fld id="{CE875574-B30F-E946-8A30-5D40B09C42BE}" type="datetimeFigureOut">
               <a:rPr lang="en-US" smtClean="0"/>
-              <a:t>6/11/2022</a:t>
+              <a:t>6/11/22</a:t>
             </a:fld>
             <a:endParaRPr lang="en-US"/>
           </a:p>
@@ -4690,7 +4690,7 @@
           <a:p>
             <a:fld id="{CE875574-B30F-E946-8A30-5D40B09C42BE}" type="datetimeFigureOut">
               <a:rPr lang="en-US" smtClean="0"/>
-              <a:t>6/11/2022</a:t>
+              <a:t>6/11/22</a:t>
             </a:fld>
             <a:endParaRPr lang="en-US"/>
           </a:p>
@@ -4898,7 +4898,7 @@
           <a:p>
             <a:fld id="{CE875574-B30F-E946-8A30-5D40B09C42BE}" type="datetimeFigureOut">
               <a:rPr lang="en-US" smtClean="0"/>
-              <a:t>6/11/2022</a:t>
+              <a:t>6/11/22</a:t>
             </a:fld>
             <a:endParaRPr lang="en-US"/>
           </a:p>
@@ -15639,7 +15639,27 @@
                 <a:latin typeface="思源宋体 Heavy" panose="02020900000000000000" pitchFamily="18" charset="-122"/>
                 <a:ea typeface="思源宋体 Heavy" panose="02020900000000000000" pitchFamily="18" charset="-122"/>
               </a:rPr>
-              <a:t>感谢贾越凯、贺鲲鹏、尤予阳以及其他学长的帮助！</a:t>
+              <a:t>感谢贾越凯、贺鲲鹏、尤予</a:t>
+            </a:r>
+            <a:r>
+              <a:rPr kumimoji="1" lang="zh-CN" altLang="en-US" sz="3600">
+                <a:solidFill>
+                  <a:srgbClr val="704F95"/>
+                </a:solidFill>
+                <a:latin typeface="思源宋体 Heavy" panose="02020900000000000000" pitchFamily="18" charset="-122"/>
+                <a:ea typeface="思源宋体 Heavy" panose="02020900000000000000" pitchFamily="18" charset="-122"/>
+              </a:rPr>
+              <a:t>阳、张译仁以及</a:t>
+            </a:r>
+            <a:r>
+              <a:rPr kumimoji="1" lang="zh-CN" altLang="en-US" sz="3600" dirty="0">
+                <a:solidFill>
+                  <a:srgbClr val="704F95"/>
+                </a:solidFill>
+                <a:latin typeface="思源宋体 Heavy" panose="02020900000000000000" pitchFamily="18" charset="-122"/>
+                <a:ea typeface="思源宋体 Heavy" panose="02020900000000000000" pitchFamily="18" charset="-122"/>
+              </a:rPr>
+              <a:t>其他学长的帮助！</a:t>
             </a:r>
             <a:endParaRPr kumimoji="1" lang="en-US" altLang="zh-CN" sz="3600" dirty="0">
               <a:solidFill>
